--- a/SoS/230825_SoS分科会第6回進め方のご相談_rev.0.pptx
+++ b/SoS/230825_SoS分科会第6回進め方のご相談_rev.0.pptx
@@ -5,7 +5,7 @@
     <p:sldMasterId id="2147483756" r:id="rId1"/>
   </p:sldMasterIdLst>
   <p:notesMasterIdLst>
-    <p:notesMasterId r:id="rId17"/>
+    <p:notesMasterId r:id="rId15"/>
   </p:notesMasterIdLst>
   <p:sldIdLst>
     <p:sldId id="269" r:id="rId2"/>
@@ -19,10 +19,8 @@
     <p:sldId id="549" r:id="rId10"/>
     <p:sldId id="558" r:id="rId11"/>
     <p:sldId id="547" r:id="rId12"/>
-    <p:sldId id="557" r:id="rId13"/>
-    <p:sldId id="556" r:id="rId14"/>
-    <p:sldId id="550" r:id="rId15"/>
-    <p:sldId id="286" r:id="rId16"/>
+    <p:sldId id="550" r:id="rId13"/>
+    <p:sldId id="286" r:id="rId14"/>
   </p:sldIdLst>
   <p:sldSz cx="12192000" cy="6858000"/>
   <p:notesSz cx="6858000" cy="9144000"/>
@@ -214,7 +212,7 @@
           <a:p>
             <a:fld id="{82150B36-03E6-4D3A-8098-12EB1C30C067}" type="datetimeFigureOut">
               <a:rPr kumimoji="1" lang="ja-JP" altLang="en-US" smtClean="0"/>
-              <a:t>2023/8/4</a:t>
+              <a:t>2023/8/8</a:t>
             </a:fld>
             <a:endParaRPr kumimoji="1" lang="ja-JP" altLang="en-US"/>
           </a:p>
@@ -578,7 +576,7 @@
           <a:p>
             <a:fld id="{234BF75D-FAA7-4C74-927E-D481AAC481B6}" type="slidenum">
               <a:rPr kumimoji="1" lang="ja-JP" altLang="en-US" smtClean="0"/>
-              <a:t>15</a:t>
+              <a:t>13</a:t>
             </a:fld>
             <a:endParaRPr kumimoji="1" lang="ja-JP" altLang="en-US"/>
           </a:p>
@@ -9276,6 +9274,7 @@
             <a:schemeClr val="accent2">
               <a:lumMod val="20000"/>
               <a:lumOff val="80000"/>
+              <a:alpha val="70000"/>
             </a:schemeClr>
           </a:solidFill>
           <a:ln>
@@ -9858,7 +9857,7 @@
         </p:nvCxnSpPr>
         <p:spPr>
           <a:xfrm>
-            <a:off x="5021332" y="3255429"/>
+            <a:off x="5021332" y="3157458"/>
             <a:ext cx="0" cy="753854"/>
           </a:xfrm>
           <a:prstGeom prst="straightConnector1">
@@ -10150,7 +10149,7 @@
         </p:nvSpPr>
         <p:spPr>
           <a:xfrm>
-            <a:off x="3055529" y="1917621"/>
+            <a:off x="3063186" y="1917621"/>
             <a:ext cx="755703" cy="307777"/>
           </a:xfrm>
           <a:prstGeom prst="rect">
@@ -10191,7 +10190,7 @@
         </p:nvSpPr>
         <p:spPr>
           <a:xfrm>
-            <a:off x="4603132" y="1917621"/>
+            <a:off x="4626587" y="1917621"/>
             <a:ext cx="831672" cy="307777"/>
           </a:xfrm>
           <a:prstGeom prst="rect">
@@ -10526,7 +10525,7 @@
         </p:blipFill>
         <p:spPr>
           <a:xfrm>
-            <a:off x="3465019" y="5091336"/>
+            <a:off x="3462347" y="4878956"/>
             <a:ext cx="312523" cy="312523"/>
           </a:xfrm>
           <a:prstGeom prst="rect">
@@ -10584,8 +10583,8 @@
         </p:nvSpPr>
         <p:spPr>
           <a:xfrm>
-            <a:off x="8418765" y="4257179"/>
-            <a:ext cx="937763" cy="430887"/>
+            <a:off x="8371877" y="4257179"/>
+            <a:ext cx="1031539" cy="461665"/>
           </a:xfrm>
           <a:prstGeom prst="rect">
             <a:avLst/>
@@ -10599,7 +10598,7 @@
           <a:lstStyle/>
           <a:p>
             <a:r>
-              <a:rPr kumimoji="1" lang="ja-JP" altLang="en-US" sz="1100" dirty="0"/>
+              <a:rPr kumimoji="1" lang="ja-JP" altLang="en-US" sz="1200" dirty="0"/>
               <a:t>託送料金＋インバランス</a:t>
             </a:r>
           </a:p>
@@ -10691,8 +10690,8 @@
         </p:nvSpPr>
         <p:spPr>
           <a:xfrm>
-            <a:off x="8418765" y="2410944"/>
-            <a:ext cx="762792" cy="261610"/>
+            <a:off x="8380626" y="2410944"/>
+            <a:ext cx="839071" cy="461665"/>
           </a:xfrm>
           <a:prstGeom prst="rect">
             <a:avLst/>
@@ -10706,7 +10705,7 @@
           <a:lstStyle/>
           <a:p>
             <a:r>
-              <a:rPr kumimoji="1" lang="ja-JP" altLang="en-US" sz="1100" dirty="0"/>
+              <a:rPr kumimoji="1" lang="ja-JP" altLang="en-US" sz="1200" dirty="0"/>
               <a:t>発電料金</a:t>
             </a:r>
           </a:p>
@@ -11287,7 +11286,7 @@
         </p:nvCxnSpPr>
         <p:spPr>
           <a:xfrm>
-            <a:off x="3430268" y="3253380"/>
+            <a:off x="3430268" y="3155409"/>
             <a:ext cx="5476" cy="756068"/>
           </a:xfrm>
           <a:prstGeom prst="straightConnector1">
@@ -11487,7 +11486,7 @@
         </p:blipFill>
         <p:spPr>
           <a:xfrm>
-            <a:off x="3462347" y="3464638"/>
+            <a:off x="3462347" y="3350338"/>
             <a:ext cx="312523" cy="312523"/>
           </a:xfrm>
           <a:prstGeom prst="rect">
@@ -11550,8 +11549,8 @@
         </p:nvSpPr>
         <p:spPr>
           <a:xfrm>
-            <a:off x="8418765" y="5478415"/>
-            <a:ext cx="762792" cy="261610"/>
+            <a:off x="8380626" y="5478415"/>
+            <a:ext cx="839071" cy="461665"/>
           </a:xfrm>
           <a:prstGeom prst="rect">
             <a:avLst/>
@@ -11565,7 +11564,7 @@
           <a:lstStyle/>
           <a:p>
             <a:r>
-              <a:rPr kumimoji="1" lang="ja-JP" altLang="en-US" sz="1100" dirty="0"/>
+              <a:rPr kumimoji="1" lang="ja-JP" altLang="en-US" sz="1200" dirty="0"/>
               <a:t>電気料金</a:t>
             </a:r>
           </a:p>
@@ -11791,7 +11790,7 @@
         </p:nvCxnSpPr>
         <p:spPr>
           <a:xfrm rot="16200000" flipV="1">
-            <a:off x="7475083" y="1055831"/>
+            <a:off x="7475083" y="1055830"/>
             <a:ext cx="680211" cy="4137404"/>
           </a:xfrm>
           <a:prstGeom prst="bentConnector2">
@@ -12242,6 +12241,42 @@
           </a:fontRef>
         </p:style>
       </p:cxnSp>
+      <p:sp>
+        <p:nvSpPr>
+          <p:cNvPr id="2" name="テキスト ボックス 1">
+            <a:extLst>
+              <a:ext uri="{FF2B5EF4-FFF2-40B4-BE49-F238E27FC236}">
+                <a16:creationId xmlns:a16="http://schemas.microsoft.com/office/drawing/2014/main" id="{961594A8-A24D-03AE-F308-61B1B3007963}"/>
+              </a:ext>
+            </a:extLst>
+          </p:cNvPr>
+          <p:cNvSpPr txBox="1"/>
+          <p:nvPr/>
+        </p:nvSpPr>
+        <p:spPr>
+          <a:xfrm>
+            <a:off x="10653302" y="731220"/>
+            <a:ext cx="1573190" cy="276999"/>
+          </a:xfrm>
+          <a:prstGeom prst="rect">
+            <a:avLst/>
+          </a:prstGeom>
+          <a:noFill/>
+        </p:spPr>
+        <p:txBody>
+          <a:bodyPr wrap="square" rtlCol="0">
+            <a:spAutoFit/>
+          </a:bodyPr>
+          <a:lstStyle/>
+          <a:p>
+            <a:pPr algn="ctr"/>
+            <a:r>
+              <a:rPr kumimoji="1" lang="ja-JP" altLang="en-US" sz="1200" dirty="0"/>
+              <a:t>下図は、熊谷が作成</a:t>
+            </a:r>
+          </a:p>
+        </p:txBody>
+      </p:sp>
     </p:spTree>
     <p:extLst>
       <p:ext uri="{BB962C8B-B14F-4D97-AF65-F5344CB8AC3E}">
@@ -12286,8 +12321,8 @@
         </p:nvSpPr>
         <p:spPr>
           <a:xfrm>
-            <a:off x="532037" y="2023991"/>
-            <a:ext cx="5210413" cy="4173731"/>
+            <a:off x="517055" y="2049235"/>
+            <a:ext cx="5065944" cy="4148487"/>
           </a:xfrm>
           <a:prstGeom prst="rect">
             <a:avLst/>
@@ -12334,10 +12369,10 @@
       </p:sp>
       <p:sp>
         <p:nvSpPr>
-          <p:cNvPr id="29" name="正方形/長方形 28">
-            <a:extLst>
-              <a:ext uri="{FF2B5EF4-FFF2-40B4-BE49-F238E27FC236}">
-                <a16:creationId xmlns:a16="http://schemas.microsoft.com/office/drawing/2014/main" id="{F7ADD804-BF1E-0EC8-9A6C-0F3F2C3882C5}"/>
+          <p:cNvPr id="37" name="正方形/長方形 36">
+            <a:extLst>
+              <a:ext uri="{FF2B5EF4-FFF2-40B4-BE49-F238E27FC236}">
+                <a16:creationId xmlns:a16="http://schemas.microsoft.com/office/drawing/2014/main" id="{B4C9F537-B8E7-C310-38E3-010BD44DCD66}"/>
               </a:ext>
             </a:extLst>
           </p:cNvPr>
@@ -12346,8 +12381,8 @@
         </p:nvSpPr>
         <p:spPr>
           <a:xfrm>
-            <a:off x="3306477" y="4316819"/>
-            <a:ext cx="882032" cy="1450944"/>
+            <a:off x="1393095" y="4207199"/>
+            <a:ext cx="1451188" cy="1731717"/>
           </a:xfrm>
           <a:prstGeom prst="rect">
             <a:avLst/>
@@ -12395,6 +12430,419 @@
           </a:p>
         </p:txBody>
       </p:sp>
+      <p:grpSp>
+        <p:nvGrpSpPr>
+          <p:cNvPr id="124" name="グループ化 123">
+            <a:extLst>
+              <a:ext uri="{FF2B5EF4-FFF2-40B4-BE49-F238E27FC236}">
+                <a16:creationId xmlns:a16="http://schemas.microsoft.com/office/drawing/2014/main" id="{ED4024DD-858A-BAE1-51B5-30723B81C5BB}"/>
+              </a:ext>
+            </a:extLst>
+          </p:cNvPr>
+          <p:cNvGrpSpPr/>
+          <p:nvPr/>
+        </p:nvGrpSpPr>
+        <p:grpSpPr>
+          <a:xfrm>
+            <a:off x="2153046" y="5320089"/>
+            <a:ext cx="474193" cy="474193"/>
+            <a:chOff x="2153046" y="5320089"/>
+            <a:chExt cx="474193" cy="474193"/>
+          </a:xfrm>
+        </p:grpSpPr>
+        <p:sp>
+          <p:nvSpPr>
+            <p:cNvPr id="117" name="正方形/長方形 116">
+              <a:extLst>
+                <a:ext uri="{FF2B5EF4-FFF2-40B4-BE49-F238E27FC236}">
+                  <a16:creationId xmlns:a16="http://schemas.microsoft.com/office/drawing/2014/main" id="{878B891B-4ACB-3E7A-82A5-54A113F0C457}"/>
+                </a:ext>
+              </a:extLst>
+            </p:cNvPr>
+            <p:cNvSpPr/>
+            <p:nvPr/>
+          </p:nvSpPr>
+          <p:spPr>
+            <a:xfrm>
+              <a:off x="2230239" y="5339011"/>
+              <a:ext cx="313733" cy="444638"/>
+            </a:xfrm>
+            <a:prstGeom prst="rect">
+              <a:avLst/>
+            </a:prstGeom>
+            <a:solidFill>
+              <a:schemeClr val="bg1"/>
+            </a:solidFill>
+            <a:ln>
+              <a:noFill/>
+            </a:ln>
+          </p:spPr>
+          <p:style>
+            <a:lnRef idx="2">
+              <a:schemeClr val="accent1">
+                <a:shade val="50000"/>
+              </a:schemeClr>
+            </a:lnRef>
+            <a:fillRef idx="1">
+              <a:schemeClr val="accent1"/>
+            </a:fillRef>
+            <a:effectRef idx="0">
+              <a:schemeClr val="accent1"/>
+            </a:effectRef>
+            <a:fontRef idx="minor">
+              <a:schemeClr val="lt1"/>
+            </a:fontRef>
+          </p:style>
+          <p:txBody>
+            <a:bodyPr vert="horz" rtlCol="0" anchor="ctr"/>
+            <a:lstStyle/>
+            <a:p>
+              <a:pPr algn="ctr"/>
+              <a:endParaRPr kumimoji="1" lang="ja-JP" altLang="en-US" dirty="0">
+                <a:solidFill>
+                  <a:schemeClr val="tx1"/>
+                </a:solidFill>
+              </a:endParaRPr>
+            </a:p>
+          </p:txBody>
+        </p:sp>
+        <p:pic>
+          <p:nvPicPr>
+            <p:cNvPr id="14" name="グラフィックス 13" descr="路面電車 単色塗りつぶし">
+              <a:extLst>
+                <a:ext uri="{FF2B5EF4-FFF2-40B4-BE49-F238E27FC236}">
+                  <a16:creationId xmlns:a16="http://schemas.microsoft.com/office/drawing/2014/main" id="{427E5E76-9284-054C-C0B1-005EE88F5401}"/>
+                </a:ext>
+              </a:extLst>
+            </p:cNvPr>
+            <p:cNvPicPr>
+              <a:picLocks noChangeAspect="1"/>
+            </p:cNvPicPr>
+            <p:nvPr/>
+          </p:nvPicPr>
+          <p:blipFill>
+            <a:blip r:embed="rId2">
+              <a:extLst>
+                <a:ext uri="{96DAC541-7B7A-43D3-8B79-37D633B846F1}">
+                  <asvg:svgBlip xmlns:asvg="http://schemas.microsoft.com/office/drawing/2016/SVG/main" r:embed="rId3"/>
+                </a:ext>
+              </a:extLst>
+            </a:blip>
+            <a:stretch>
+              <a:fillRect/>
+            </a:stretch>
+          </p:blipFill>
+          <p:spPr>
+            <a:xfrm>
+              <a:off x="2153046" y="5320089"/>
+              <a:ext cx="474193" cy="474193"/>
+            </a:xfrm>
+            <a:prstGeom prst="rect">
+              <a:avLst/>
+            </a:prstGeom>
+          </p:spPr>
+        </p:pic>
+      </p:grpSp>
+      <p:sp>
+        <p:nvSpPr>
+          <p:cNvPr id="72" name="フリーフォーム: 図形 71">
+            <a:extLst>
+              <a:ext uri="{FF2B5EF4-FFF2-40B4-BE49-F238E27FC236}">
+                <a16:creationId xmlns:a16="http://schemas.microsoft.com/office/drawing/2014/main" id="{DAF5E0C7-92B1-AEF5-F232-3F732D249C87}"/>
+              </a:ext>
+            </a:extLst>
+          </p:cNvPr>
+          <p:cNvSpPr/>
+          <p:nvPr/>
+        </p:nvSpPr>
+        <p:spPr>
+          <a:xfrm>
+            <a:off x="2809955" y="3093045"/>
+            <a:ext cx="2046576" cy="2170179"/>
+          </a:xfrm>
+          <a:custGeom>
+            <a:avLst/>
+            <a:gdLst>
+              <a:gd name="connsiteX0" fmla="*/ 0 w 2046576"/>
+              <a:gd name="connsiteY0" fmla="*/ 0 h 2170179"/>
+              <a:gd name="connsiteX1" fmla="*/ 2046576 w 2046576"/>
+              <a:gd name="connsiteY1" fmla="*/ 0 h 2170179"/>
+              <a:gd name="connsiteX2" fmla="*/ 2046576 w 2046576"/>
+              <a:gd name="connsiteY2" fmla="*/ 322384 h 2170179"/>
+              <a:gd name="connsiteX3" fmla="*/ 2040915 w 2046576"/>
+              <a:gd name="connsiteY3" fmla="*/ 322384 h 2170179"/>
+              <a:gd name="connsiteX4" fmla="*/ 2040915 w 2046576"/>
+              <a:gd name="connsiteY4" fmla="*/ 2170179 h 2170179"/>
+              <a:gd name="connsiteX5" fmla="*/ 1165320 w 2046576"/>
+              <a:gd name="connsiteY5" fmla="*/ 2170179 h 2170179"/>
+              <a:gd name="connsiteX6" fmla="*/ 1165320 w 2046576"/>
+              <a:gd name="connsiteY6" fmla="*/ 322384 h 2170179"/>
+              <a:gd name="connsiteX7" fmla="*/ 0 w 2046576"/>
+              <a:gd name="connsiteY7" fmla="*/ 322384 h 2170179"/>
+            </a:gdLst>
+            <a:ahLst/>
+            <a:cxnLst>
+              <a:cxn ang="0">
+                <a:pos x="connsiteX0" y="connsiteY0"/>
+              </a:cxn>
+              <a:cxn ang="0">
+                <a:pos x="connsiteX1" y="connsiteY1"/>
+              </a:cxn>
+              <a:cxn ang="0">
+                <a:pos x="connsiteX2" y="connsiteY2"/>
+              </a:cxn>
+              <a:cxn ang="0">
+                <a:pos x="connsiteX3" y="connsiteY3"/>
+              </a:cxn>
+              <a:cxn ang="0">
+                <a:pos x="connsiteX4" y="connsiteY4"/>
+              </a:cxn>
+              <a:cxn ang="0">
+                <a:pos x="connsiteX5" y="connsiteY5"/>
+              </a:cxn>
+              <a:cxn ang="0">
+                <a:pos x="connsiteX6" y="connsiteY6"/>
+              </a:cxn>
+              <a:cxn ang="0">
+                <a:pos x="connsiteX7" y="connsiteY7"/>
+              </a:cxn>
+            </a:cxnLst>
+            <a:rect l="l" t="t" r="r" b="b"/>
+            <a:pathLst>
+              <a:path w="2046576" h="2170179">
+                <a:moveTo>
+                  <a:pt x="0" y="0"/>
+                </a:moveTo>
+                <a:lnTo>
+                  <a:pt x="2046576" y="0"/>
+                </a:lnTo>
+                <a:lnTo>
+                  <a:pt x="2046576" y="322384"/>
+                </a:lnTo>
+                <a:lnTo>
+                  <a:pt x="2040915" y="322384"/>
+                </a:lnTo>
+                <a:lnTo>
+                  <a:pt x="2040915" y="2170179"/>
+                </a:lnTo>
+                <a:lnTo>
+                  <a:pt x="1165320" y="2170179"/>
+                </a:lnTo>
+                <a:lnTo>
+                  <a:pt x="1165320" y="322384"/>
+                </a:lnTo>
+                <a:lnTo>
+                  <a:pt x="0" y="322384"/>
+                </a:lnTo>
+                <a:close/>
+              </a:path>
+            </a:pathLst>
+          </a:custGeom>
+          <a:solidFill>
+            <a:schemeClr val="accent5">
+              <a:lumMod val="20000"/>
+              <a:lumOff val="80000"/>
+              <a:alpha val="50000"/>
+            </a:schemeClr>
+          </a:solidFill>
+          <a:ln w="19050">
+            <a:solidFill>
+              <a:schemeClr val="accent5"/>
+            </a:solidFill>
+            <a:prstDash val="lgDash"/>
+          </a:ln>
+        </p:spPr>
+        <p:style>
+          <a:lnRef idx="2">
+            <a:schemeClr val="accent1">
+              <a:shade val="50000"/>
+            </a:schemeClr>
+          </a:lnRef>
+          <a:fillRef idx="1">
+            <a:schemeClr val="accent1"/>
+          </a:fillRef>
+          <a:effectRef idx="0">
+            <a:schemeClr val="accent1"/>
+          </a:effectRef>
+          <a:fontRef idx="minor">
+            <a:schemeClr val="lt1"/>
+          </a:fontRef>
+        </p:style>
+        <p:txBody>
+          <a:bodyPr wrap="square" rtlCol="0" anchor="ctr">
+            <a:noAutofit/>
+          </a:bodyPr>
+          <a:lstStyle/>
+          <a:p>
+            <a:pPr algn="ctr"/>
+            <a:endParaRPr kumimoji="1" lang="ja-JP" altLang="en-US">
+              <a:solidFill>
+                <a:schemeClr val="tx1"/>
+              </a:solidFill>
+            </a:endParaRPr>
+          </a:p>
+        </p:txBody>
+      </p:sp>
+      <p:cxnSp>
+        <p:nvCxnSpPr>
+          <p:cNvPr id="87" name="直線コネクタ 86">
+            <a:extLst>
+              <a:ext uri="{FF2B5EF4-FFF2-40B4-BE49-F238E27FC236}">
+                <a16:creationId xmlns:a16="http://schemas.microsoft.com/office/drawing/2014/main" id="{ED022CEA-3AD3-65A8-8F3B-6239ECDED9B2}"/>
+              </a:ext>
+            </a:extLst>
+          </p:cNvPr>
+          <p:cNvCxnSpPr>
+            <a:cxnSpLocks/>
+          </p:cNvCxnSpPr>
+          <p:nvPr/>
+        </p:nvCxnSpPr>
+        <p:spPr>
+          <a:xfrm flipV="1">
+            <a:off x="4269922" y="3306536"/>
+            <a:ext cx="0" cy="1725187"/>
+          </a:xfrm>
+          <a:prstGeom prst="line">
+            <a:avLst/>
+          </a:prstGeom>
+          <a:ln w="57150">
+            <a:solidFill>
+              <a:schemeClr val="accent4"/>
+            </a:solidFill>
+            <a:prstDash val="solid"/>
+            <a:headEnd type="none" w="med" len="med"/>
+            <a:tailEnd type="none" w="med" len="med"/>
+          </a:ln>
+        </p:spPr>
+        <p:style>
+          <a:lnRef idx="1">
+            <a:schemeClr val="accent1"/>
+          </a:lnRef>
+          <a:fillRef idx="0">
+            <a:schemeClr val="accent1"/>
+          </a:fillRef>
+          <a:effectRef idx="0">
+            <a:schemeClr val="accent1"/>
+          </a:effectRef>
+          <a:fontRef idx="minor">
+            <a:schemeClr val="tx1"/>
+          </a:fontRef>
+        </p:style>
+      </p:cxnSp>
+      <p:grpSp>
+        <p:nvGrpSpPr>
+          <p:cNvPr id="73" name="グループ化 72">
+            <a:extLst>
+              <a:ext uri="{FF2B5EF4-FFF2-40B4-BE49-F238E27FC236}">
+                <a16:creationId xmlns:a16="http://schemas.microsoft.com/office/drawing/2014/main" id="{600A526A-9BBC-5C92-5EE5-3EADD059C869}"/>
+              </a:ext>
+            </a:extLst>
+          </p:cNvPr>
+          <p:cNvGrpSpPr/>
+          <p:nvPr/>
+        </p:nvGrpSpPr>
+        <p:grpSpPr>
+          <a:xfrm>
+            <a:off x="3079862" y="3210473"/>
+            <a:ext cx="1378279" cy="1821250"/>
+            <a:chOff x="3069525" y="3217624"/>
+            <a:chExt cx="1378279" cy="1821250"/>
+          </a:xfrm>
+        </p:grpSpPr>
+        <p:cxnSp>
+          <p:nvCxnSpPr>
+            <p:cNvPr id="28" name="直線コネクタ 27">
+              <a:extLst>
+                <a:ext uri="{FF2B5EF4-FFF2-40B4-BE49-F238E27FC236}">
+                  <a16:creationId xmlns:a16="http://schemas.microsoft.com/office/drawing/2014/main" id="{F4E075AC-A959-810B-8FDE-257068AE98F0}"/>
+                </a:ext>
+              </a:extLst>
+            </p:cNvPr>
+            <p:cNvCxnSpPr>
+              <a:cxnSpLocks/>
+            </p:cNvCxnSpPr>
+            <p:nvPr/>
+          </p:nvCxnSpPr>
+          <p:spPr>
+            <a:xfrm>
+              <a:off x="4447804" y="3217624"/>
+              <a:ext cx="0" cy="1821250"/>
+            </a:xfrm>
+            <a:prstGeom prst="line">
+              <a:avLst/>
+            </a:prstGeom>
+            <a:ln w="57150">
+              <a:solidFill>
+                <a:schemeClr val="accent5"/>
+              </a:solidFill>
+              <a:prstDash val="solid"/>
+              <a:headEnd type="none" w="med" len="med"/>
+              <a:tailEnd type="none" w="med" len="med"/>
+            </a:ln>
+          </p:spPr>
+          <p:style>
+            <a:lnRef idx="1">
+              <a:schemeClr val="accent1"/>
+            </a:lnRef>
+            <a:fillRef idx="0">
+              <a:schemeClr val="accent1"/>
+            </a:fillRef>
+            <a:effectRef idx="0">
+              <a:schemeClr val="accent1"/>
+            </a:effectRef>
+            <a:fontRef idx="minor">
+              <a:schemeClr val="tx1"/>
+            </a:fontRef>
+          </p:style>
+        </p:cxnSp>
+        <p:cxnSp>
+          <p:nvCxnSpPr>
+            <p:cNvPr id="56" name="直線コネクタ 55">
+              <a:extLst>
+                <a:ext uri="{FF2B5EF4-FFF2-40B4-BE49-F238E27FC236}">
+                  <a16:creationId xmlns:a16="http://schemas.microsoft.com/office/drawing/2014/main" id="{30E176C5-6BCB-AF81-9F41-A78262684A84}"/>
+                </a:ext>
+              </a:extLst>
+            </p:cNvPr>
+            <p:cNvCxnSpPr>
+              <a:cxnSpLocks/>
+              <a:endCxn id="2" idx="3"/>
+            </p:cNvCxnSpPr>
+            <p:nvPr/>
+          </p:nvCxnSpPr>
+          <p:spPr>
+            <a:xfrm flipH="1">
+              <a:off x="3069525" y="3243394"/>
+              <a:ext cx="1348435" cy="0"/>
+            </a:xfrm>
+            <a:prstGeom prst="line">
+              <a:avLst/>
+            </a:prstGeom>
+            <a:ln w="57150">
+              <a:solidFill>
+                <a:schemeClr val="accent5"/>
+              </a:solidFill>
+              <a:prstDash val="solid"/>
+              <a:headEnd type="none" w="med" len="med"/>
+              <a:tailEnd type="none" w="med" len="med"/>
+            </a:ln>
+          </p:spPr>
+          <p:style>
+            <a:lnRef idx="1">
+              <a:schemeClr val="accent1"/>
+            </a:lnRef>
+            <a:fillRef idx="0">
+              <a:schemeClr val="accent1"/>
+            </a:fillRef>
+            <a:effectRef idx="0">
+              <a:schemeClr val="accent1"/>
+            </a:effectRef>
+            <a:fontRef idx="minor">
+              <a:schemeClr val="tx1"/>
+            </a:fontRef>
+          </p:style>
+        </p:cxnSp>
+      </p:grpSp>
       <p:sp>
         <p:nvSpPr>
           <p:cNvPr id="26" name="正方形/長方形 25">
@@ -12409,8 +12857,8 @@
         </p:nvSpPr>
         <p:spPr>
           <a:xfrm>
-            <a:off x="3306477" y="2566762"/>
-            <a:ext cx="882032" cy="1424001"/>
+            <a:off x="1378077" y="2425064"/>
+            <a:ext cx="1451188" cy="1731717"/>
           </a:xfrm>
           <a:prstGeom prst="rect">
             <a:avLst/>
@@ -12460,10 +12908,10 @@
       </p:sp>
       <p:cxnSp>
         <p:nvCxnSpPr>
-          <p:cNvPr id="24" name="直線コネクタ 23">
-            <a:extLst>
-              <a:ext uri="{FF2B5EF4-FFF2-40B4-BE49-F238E27FC236}">
-                <a16:creationId xmlns:a16="http://schemas.microsoft.com/office/drawing/2014/main" id="{959CB67E-1ADD-EEE3-4253-4C12D63496E0}"/>
+          <p:cNvPr id="34" name="直線コネクタ 33">
+            <a:extLst>
+              <a:ext uri="{FF2B5EF4-FFF2-40B4-BE49-F238E27FC236}">
+                <a16:creationId xmlns:a16="http://schemas.microsoft.com/office/drawing/2014/main" id="{73212CA4-AABE-78A7-731A-D0869D586D41}"/>
               </a:ext>
             </a:extLst>
           </p:cNvPr>
@@ -12474,8 +12922,54 @@
         </p:nvCxnSpPr>
         <p:spPr>
           <a:xfrm flipH="1">
-            <a:off x="3528149" y="2559408"/>
-            <a:ext cx="11982" cy="2520438"/>
+            <a:off x="2439423" y="2451834"/>
+            <a:ext cx="0" cy="730082"/>
+          </a:xfrm>
+          <a:prstGeom prst="line">
+            <a:avLst/>
+          </a:prstGeom>
+          <a:ln w="57150">
+            <a:solidFill>
+              <a:schemeClr val="accent5"/>
+            </a:solidFill>
+            <a:prstDash val="solid"/>
+            <a:headEnd type="none" w="med" len="med"/>
+            <a:tailEnd type="none" w="med" len="med"/>
+          </a:ln>
+        </p:spPr>
+        <p:style>
+          <a:lnRef idx="1">
+            <a:schemeClr val="accent1"/>
+          </a:lnRef>
+          <a:fillRef idx="0">
+            <a:schemeClr val="accent1"/>
+          </a:fillRef>
+          <a:effectRef idx="0">
+            <a:schemeClr val="accent1"/>
+          </a:effectRef>
+          <a:fontRef idx="minor">
+            <a:schemeClr val="tx1"/>
+          </a:fontRef>
+        </p:style>
+      </p:cxnSp>
+      <p:cxnSp>
+        <p:nvCxnSpPr>
+          <p:cNvPr id="18" name="直線コネクタ 17">
+            <a:extLst>
+              <a:ext uri="{FF2B5EF4-FFF2-40B4-BE49-F238E27FC236}">
+                <a16:creationId xmlns:a16="http://schemas.microsoft.com/office/drawing/2014/main" id="{FF9ABDAE-D274-6CCC-0699-01A542ED7E17}"/>
+              </a:ext>
+            </a:extLst>
+          </p:cNvPr>
+          <p:cNvCxnSpPr>
+            <a:cxnSpLocks/>
+          </p:cNvCxnSpPr>
+          <p:nvPr/>
+        </p:nvCxnSpPr>
+        <p:spPr>
+          <a:xfrm flipH="1">
+            <a:off x="1725417" y="2475034"/>
+            <a:ext cx="0" cy="2588248"/>
           </a:xfrm>
           <a:prstGeom prst="line">
             <a:avLst/>
@@ -12518,8 +13012,8 @@
         </p:nvSpPr>
         <p:spPr>
           <a:xfrm>
-            <a:off x="6958387" y="2000251"/>
-            <a:ext cx="4716558" cy="4197471"/>
+            <a:off x="6958387" y="2049235"/>
+            <a:ext cx="4716558" cy="4148487"/>
           </a:xfrm>
           <a:prstGeom prst="rect">
             <a:avLst/>
@@ -12644,7 +13138,7 @@
         </p:nvSpPr>
         <p:spPr>
           <a:xfrm>
-            <a:off x="517055" y="1071367"/>
+            <a:off x="517055" y="867260"/>
             <a:ext cx="11341887" cy="627550"/>
           </a:xfrm>
         </p:spPr>
@@ -12654,7 +13148,15 @@
           <a:p>
             <a:r>
               <a:rPr lang="ja-JP" altLang="en-US" dirty="0"/>
-              <a:t>ターミナル駅の乗換混雑緩和や所要時間削減のために、鉄道事業者間で連携する。</a:t>
+              <a:t>ターミナル駅の乗換混雑緩和や速達性向上のために、鉄道事業者間で連携する。</a:t>
+            </a:r>
+            <a:endParaRPr lang="en-US" altLang="ja-JP" dirty="0"/>
+          </a:p>
+          <a:p>
+            <a:pPr lvl="1"/>
+            <a:r>
+              <a:rPr lang="ja-JP" altLang="en-US" dirty="0"/>
+              <a:t>他社の車両を借りて、自社の運転士が自社路線を運転</a:t>
             </a:r>
             <a:endParaRPr lang="en-US" altLang="ja-JP" dirty="0"/>
           </a:p>
@@ -12675,9 +13177,9 @@
           <p:nvPr/>
         </p:nvCxnSpPr>
         <p:spPr>
-          <a:xfrm flipH="1">
-            <a:off x="3927659" y="3196271"/>
-            <a:ext cx="11982" cy="2520438"/>
+          <a:xfrm>
+            <a:off x="2109873" y="3265420"/>
+            <a:ext cx="1256" cy="2568875"/>
           </a:xfrm>
           <a:prstGeom prst="line">
             <a:avLst/>
@@ -12686,6 +13188,1565 @@
             <a:prstDash val="solid"/>
             <a:headEnd type="none" w="med" len="med"/>
             <a:tailEnd type="none" w="med" len="med"/>
+          </a:ln>
+        </p:spPr>
+        <p:style>
+          <a:lnRef idx="1">
+            <a:schemeClr val="accent1"/>
+          </a:lnRef>
+          <a:fillRef idx="0">
+            <a:schemeClr val="accent1"/>
+          </a:fillRef>
+          <a:effectRef idx="0">
+            <a:schemeClr val="accent1"/>
+          </a:effectRef>
+          <a:fontRef idx="minor">
+            <a:schemeClr val="tx1"/>
+          </a:fontRef>
+        </p:style>
+      </p:cxnSp>
+      <p:sp>
+        <p:nvSpPr>
+          <p:cNvPr id="15" name="正方形/長方形 14">
+            <a:extLst>
+              <a:ext uri="{FF2B5EF4-FFF2-40B4-BE49-F238E27FC236}">
+                <a16:creationId xmlns:a16="http://schemas.microsoft.com/office/drawing/2014/main" id="{E8F36CB1-EBC6-6D6E-3A1B-6CCC7DB023F9}"/>
+              </a:ext>
+            </a:extLst>
+          </p:cNvPr>
+          <p:cNvSpPr/>
+          <p:nvPr/>
+        </p:nvSpPr>
+        <p:spPr>
+          <a:xfrm>
+            <a:off x="1163042" y="2206522"/>
+            <a:ext cx="1900492" cy="352886"/>
+          </a:xfrm>
+          <a:prstGeom prst="rect">
+            <a:avLst/>
+          </a:prstGeom>
+          <a:solidFill>
+            <a:schemeClr val="bg1"/>
+          </a:solidFill>
+        </p:spPr>
+        <p:style>
+          <a:lnRef idx="2">
+            <a:schemeClr val="accent1">
+              <a:shade val="50000"/>
+            </a:schemeClr>
+          </a:lnRef>
+          <a:fillRef idx="1">
+            <a:schemeClr val="accent1"/>
+          </a:fillRef>
+          <a:effectRef idx="0">
+            <a:schemeClr val="accent1"/>
+          </a:effectRef>
+          <a:fontRef idx="minor">
+            <a:schemeClr val="lt1"/>
+          </a:fontRef>
+        </p:style>
+        <p:txBody>
+          <a:bodyPr vert="horz" rtlCol="0" anchor="ctr"/>
+          <a:lstStyle/>
+          <a:p>
+            <a:pPr algn="ctr"/>
+            <a:r>
+              <a:rPr kumimoji="1" lang="ja-JP" altLang="en-US" dirty="0">
+                <a:solidFill>
+                  <a:schemeClr val="tx1"/>
+                </a:solidFill>
+              </a:rPr>
+              <a:t>駅</a:t>
+            </a:r>
+          </a:p>
+        </p:txBody>
+      </p:sp>
+      <p:grpSp>
+        <p:nvGrpSpPr>
+          <p:cNvPr id="119" name="グループ化 118">
+            <a:extLst>
+              <a:ext uri="{FF2B5EF4-FFF2-40B4-BE49-F238E27FC236}">
+                <a16:creationId xmlns:a16="http://schemas.microsoft.com/office/drawing/2014/main" id="{83407E04-A085-AE65-A0FB-0A4C6BAA82B2}"/>
+              </a:ext>
+            </a:extLst>
+          </p:cNvPr>
+          <p:cNvGrpSpPr/>
+          <p:nvPr/>
+        </p:nvGrpSpPr>
+        <p:grpSpPr>
+          <a:xfrm>
+            <a:off x="2550678" y="5350087"/>
+            <a:ext cx="414196" cy="414196"/>
+            <a:chOff x="2547277" y="5339454"/>
+            <a:chExt cx="414196" cy="414196"/>
+          </a:xfrm>
+        </p:grpSpPr>
+        <p:sp>
+          <p:nvSpPr>
+            <p:cNvPr id="118" name="正方形/長方形 117">
+              <a:extLst>
+                <a:ext uri="{FF2B5EF4-FFF2-40B4-BE49-F238E27FC236}">
+                  <a16:creationId xmlns:a16="http://schemas.microsoft.com/office/drawing/2014/main" id="{8FF07B14-031E-D1C2-C0F3-47D691A8B20E}"/>
+                </a:ext>
+              </a:extLst>
+            </p:cNvPr>
+            <p:cNvSpPr/>
+            <p:nvPr/>
+          </p:nvSpPr>
+          <p:spPr>
+            <a:xfrm>
+              <a:off x="2608141" y="5348200"/>
+              <a:ext cx="313733" cy="367469"/>
+            </a:xfrm>
+            <a:prstGeom prst="rect">
+              <a:avLst/>
+            </a:prstGeom>
+            <a:solidFill>
+              <a:schemeClr val="bg1"/>
+            </a:solidFill>
+            <a:ln>
+              <a:noFill/>
+            </a:ln>
+          </p:spPr>
+          <p:style>
+            <a:lnRef idx="2">
+              <a:schemeClr val="accent1">
+                <a:shade val="50000"/>
+              </a:schemeClr>
+            </a:lnRef>
+            <a:fillRef idx="1">
+              <a:schemeClr val="accent1"/>
+            </a:fillRef>
+            <a:effectRef idx="0">
+              <a:schemeClr val="accent1"/>
+            </a:effectRef>
+            <a:fontRef idx="minor">
+              <a:schemeClr val="lt1"/>
+            </a:fontRef>
+          </p:style>
+          <p:txBody>
+            <a:bodyPr vert="horz" rtlCol="0" anchor="ctr"/>
+            <a:lstStyle/>
+            <a:p>
+              <a:pPr algn="ctr"/>
+              <a:endParaRPr kumimoji="1" lang="ja-JP" altLang="en-US" dirty="0">
+                <a:solidFill>
+                  <a:schemeClr val="tx1"/>
+                </a:solidFill>
+              </a:endParaRPr>
+            </a:p>
+          </p:txBody>
+        </p:sp>
+        <p:pic>
+          <p:nvPicPr>
+            <p:cNvPr id="45" name="グラフィックス 44" descr="パイロット男性 単色塗りつぶし">
+              <a:extLst>
+                <a:ext uri="{FF2B5EF4-FFF2-40B4-BE49-F238E27FC236}">
+                  <a16:creationId xmlns:a16="http://schemas.microsoft.com/office/drawing/2014/main" id="{6F7B6F67-B8AE-780A-57A8-1C8F0CCC2C29}"/>
+                </a:ext>
+              </a:extLst>
+            </p:cNvPr>
+            <p:cNvPicPr>
+              <a:picLocks noChangeAspect="1"/>
+            </p:cNvPicPr>
+            <p:nvPr/>
+          </p:nvPicPr>
+          <p:blipFill>
+            <a:blip r:embed="rId4">
+              <a:extLst>
+                <a:ext uri="{96DAC541-7B7A-43D3-8B79-37D633B846F1}">
+                  <asvg:svgBlip xmlns:asvg="http://schemas.microsoft.com/office/drawing/2016/SVG/main" r:embed="rId5"/>
+                </a:ext>
+              </a:extLst>
+            </a:blip>
+            <a:stretch>
+              <a:fillRect/>
+            </a:stretch>
+          </p:blipFill>
+          <p:spPr>
+            <a:xfrm>
+              <a:off x="2547277" y="5339454"/>
+              <a:ext cx="414196" cy="414196"/>
+            </a:xfrm>
+            <a:prstGeom prst="rect">
+              <a:avLst/>
+            </a:prstGeom>
+          </p:spPr>
+        </p:pic>
+      </p:grpSp>
+      <p:grpSp>
+        <p:nvGrpSpPr>
+          <p:cNvPr id="128" name="グループ化 127">
+            <a:extLst>
+              <a:ext uri="{FF2B5EF4-FFF2-40B4-BE49-F238E27FC236}">
+                <a16:creationId xmlns:a16="http://schemas.microsoft.com/office/drawing/2014/main" id="{AAB342D0-6E89-59E2-815A-35AA69591ACD}"/>
+              </a:ext>
+            </a:extLst>
+          </p:cNvPr>
+          <p:cNvGrpSpPr/>
+          <p:nvPr/>
+        </p:nvGrpSpPr>
+        <p:grpSpPr>
+          <a:xfrm>
+            <a:off x="1202144" y="4423230"/>
+            <a:ext cx="474193" cy="474193"/>
+            <a:chOff x="3512739" y="5422711"/>
+            <a:chExt cx="474193" cy="474193"/>
+          </a:xfrm>
+        </p:grpSpPr>
+        <p:sp>
+          <p:nvSpPr>
+            <p:cNvPr id="123" name="正方形/長方形 122">
+              <a:extLst>
+                <a:ext uri="{FF2B5EF4-FFF2-40B4-BE49-F238E27FC236}">
+                  <a16:creationId xmlns:a16="http://schemas.microsoft.com/office/drawing/2014/main" id="{C3D7CE64-9B01-B076-E954-42CB13508078}"/>
+                </a:ext>
+              </a:extLst>
+            </p:cNvPr>
+            <p:cNvSpPr/>
+            <p:nvPr/>
+          </p:nvSpPr>
+          <p:spPr>
+            <a:xfrm>
+              <a:off x="3595101" y="5423971"/>
+              <a:ext cx="313733" cy="444638"/>
+            </a:xfrm>
+            <a:prstGeom prst="rect">
+              <a:avLst/>
+            </a:prstGeom>
+            <a:solidFill>
+              <a:schemeClr val="bg1"/>
+            </a:solidFill>
+            <a:ln>
+              <a:noFill/>
+            </a:ln>
+          </p:spPr>
+          <p:style>
+            <a:lnRef idx="2">
+              <a:schemeClr val="accent1">
+                <a:shade val="50000"/>
+              </a:schemeClr>
+            </a:lnRef>
+            <a:fillRef idx="1">
+              <a:schemeClr val="accent1"/>
+            </a:fillRef>
+            <a:effectRef idx="0">
+              <a:schemeClr val="accent1"/>
+            </a:effectRef>
+            <a:fontRef idx="minor">
+              <a:schemeClr val="lt1"/>
+            </a:fontRef>
+          </p:style>
+          <p:txBody>
+            <a:bodyPr vert="horz" rtlCol="0" anchor="ctr"/>
+            <a:lstStyle/>
+            <a:p>
+              <a:pPr algn="ctr"/>
+              <a:endParaRPr kumimoji="1" lang="ja-JP" altLang="en-US" dirty="0">
+                <a:solidFill>
+                  <a:schemeClr val="tx1"/>
+                </a:solidFill>
+              </a:endParaRPr>
+            </a:p>
+          </p:txBody>
+        </p:sp>
+        <p:pic>
+          <p:nvPicPr>
+            <p:cNvPr id="50" name="グラフィックス 49" descr="路面電車 単色塗りつぶし">
+              <a:extLst>
+                <a:ext uri="{FF2B5EF4-FFF2-40B4-BE49-F238E27FC236}">
+                  <a16:creationId xmlns:a16="http://schemas.microsoft.com/office/drawing/2014/main" id="{2438B0C4-8A26-144A-552D-3705CA3C6F03}"/>
+                </a:ext>
+              </a:extLst>
+            </p:cNvPr>
+            <p:cNvPicPr>
+              <a:picLocks noChangeAspect="1"/>
+            </p:cNvPicPr>
+            <p:nvPr/>
+          </p:nvPicPr>
+          <p:blipFill>
+            <a:blip r:embed="rId6">
+              <a:extLst>
+                <a:ext uri="{96DAC541-7B7A-43D3-8B79-37D633B846F1}">
+                  <asvg:svgBlip xmlns:asvg="http://schemas.microsoft.com/office/drawing/2016/SVG/main" r:embed="rId7"/>
+                </a:ext>
+              </a:extLst>
+            </a:blip>
+            <a:stretch>
+              <a:fillRect/>
+            </a:stretch>
+          </p:blipFill>
+          <p:spPr>
+            <a:xfrm>
+              <a:off x="3512739" y="5422711"/>
+              <a:ext cx="474193" cy="474193"/>
+            </a:xfrm>
+            <a:prstGeom prst="rect">
+              <a:avLst/>
+            </a:prstGeom>
+          </p:spPr>
+        </p:pic>
+      </p:grpSp>
+      <p:cxnSp>
+        <p:nvCxnSpPr>
+          <p:cNvPr id="53" name="直線矢印コネクタ 52">
+            <a:extLst>
+              <a:ext uri="{FF2B5EF4-FFF2-40B4-BE49-F238E27FC236}">
+                <a16:creationId xmlns:a16="http://schemas.microsoft.com/office/drawing/2014/main" id="{CD2049FF-0CDA-8FB1-7E1E-EAA4015A9982}"/>
+              </a:ext>
+            </a:extLst>
+          </p:cNvPr>
+          <p:cNvCxnSpPr>
+            <a:cxnSpLocks/>
+          </p:cNvCxnSpPr>
+          <p:nvPr/>
+        </p:nvCxnSpPr>
+        <p:spPr>
+          <a:xfrm>
+            <a:off x="757505" y="3265420"/>
+            <a:ext cx="0" cy="796500"/>
+          </a:xfrm>
+          <a:prstGeom prst="straightConnector1">
+            <a:avLst/>
+          </a:prstGeom>
+          <a:ln>
+            <a:solidFill>
+              <a:schemeClr val="tx1"/>
+            </a:solidFill>
+            <a:headEnd type="triangle"/>
+            <a:tailEnd type="triangle"/>
+          </a:ln>
+        </p:spPr>
+        <p:style>
+          <a:lnRef idx="1">
+            <a:schemeClr val="accent1"/>
+          </a:lnRef>
+          <a:fillRef idx="0">
+            <a:schemeClr val="accent1"/>
+          </a:fillRef>
+          <a:effectRef idx="0">
+            <a:schemeClr val="accent1"/>
+          </a:effectRef>
+          <a:fontRef idx="minor">
+            <a:schemeClr val="tx1"/>
+          </a:fontRef>
+        </p:style>
+      </p:cxnSp>
+      <p:sp>
+        <p:nvSpPr>
+          <p:cNvPr id="58" name="テキスト ボックス 57">
+            <a:extLst>
+              <a:ext uri="{FF2B5EF4-FFF2-40B4-BE49-F238E27FC236}">
+                <a16:creationId xmlns:a16="http://schemas.microsoft.com/office/drawing/2014/main" id="{71E1EF27-EE25-E981-0C1E-929CF2348F31}"/>
+              </a:ext>
+            </a:extLst>
+          </p:cNvPr>
+          <p:cNvSpPr txBox="1"/>
+          <p:nvPr/>
+        </p:nvSpPr>
+        <p:spPr>
+          <a:xfrm>
+            <a:off x="459483" y="1767829"/>
+            <a:ext cx="1174189" cy="338554"/>
+          </a:xfrm>
+          <a:prstGeom prst="rect">
+            <a:avLst/>
+          </a:prstGeom>
+          <a:noFill/>
+        </p:spPr>
+        <p:txBody>
+          <a:bodyPr wrap="square" rtlCol="0">
+            <a:spAutoFit/>
+          </a:bodyPr>
+          <a:lstStyle/>
+          <a:p>
+            <a:pPr algn="ctr"/>
+            <a:r>
+              <a:rPr kumimoji="1" lang="ja-JP" altLang="en-US" sz="1600" b="1" dirty="0">
+                <a:solidFill>
+                  <a:schemeClr val="accent2"/>
+                </a:solidFill>
+              </a:rPr>
+              <a:t>鉄道路線</a:t>
+            </a:r>
+          </a:p>
+        </p:txBody>
+      </p:sp>
+      <p:pic>
+        <p:nvPicPr>
+          <p:cNvPr id="60" name="グラフィックス 59" descr="建物 単色塗りつぶし">
+            <a:extLst>
+              <a:ext uri="{FF2B5EF4-FFF2-40B4-BE49-F238E27FC236}">
+                <a16:creationId xmlns:a16="http://schemas.microsoft.com/office/drawing/2014/main" id="{3F134911-628A-350B-EFFF-2846E8AF6DC3}"/>
+              </a:ext>
+            </a:extLst>
+          </p:cNvPr>
+          <p:cNvPicPr>
+            <a:picLocks noChangeAspect="1"/>
+          </p:cNvPicPr>
+          <p:nvPr/>
+        </p:nvPicPr>
+        <p:blipFill>
+          <a:blip r:embed="rId8">
+            <a:extLst>
+              <a:ext uri="{96DAC541-7B7A-43D3-8B79-37D633B846F1}">
+                <asvg:svgBlip xmlns:asvg="http://schemas.microsoft.com/office/drawing/2016/SVG/main" r:embed="rId9"/>
+              </a:ext>
+            </a:extLst>
+          </a:blip>
+          <a:stretch>
+            <a:fillRect/>
+          </a:stretch>
+        </p:blipFill>
+        <p:spPr>
+          <a:xfrm>
+            <a:off x="9027472" y="4336835"/>
+            <a:ext cx="603387" cy="603387"/>
+          </a:xfrm>
+          <a:prstGeom prst="rect">
+            <a:avLst/>
+          </a:prstGeom>
+        </p:spPr>
+      </p:pic>
+      <p:pic>
+        <p:nvPicPr>
+          <p:cNvPr id="61" name="グラフィックス 60" descr="建物 単色塗りつぶし">
+            <a:extLst>
+              <a:ext uri="{FF2B5EF4-FFF2-40B4-BE49-F238E27FC236}">
+                <a16:creationId xmlns:a16="http://schemas.microsoft.com/office/drawing/2014/main" id="{EA5FA4A0-4A19-37F8-C93F-B1E2DCC3E824}"/>
+              </a:ext>
+            </a:extLst>
+          </p:cNvPr>
+          <p:cNvPicPr>
+            <a:picLocks noChangeAspect="1"/>
+          </p:cNvPicPr>
+          <p:nvPr/>
+        </p:nvPicPr>
+        <p:blipFill>
+          <a:blip r:embed="rId10">
+            <a:extLst>
+              <a:ext uri="{96DAC541-7B7A-43D3-8B79-37D633B846F1}">
+                <asvg:svgBlip xmlns:asvg="http://schemas.microsoft.com/office/drawing/2016/SVG/main" r:embed="rId11"/>
+              </a:ext>
+            </a:extLst>
+          </a:blip>
+          <a:stretch>
+            <a:fillRect/>
+          </a:stretch>
+        </p:blipFill>
+        <p:spPr>
+          <a:xfrm>
+            <a:off x="7509882" y="4336835"/>
+            <a:ext cx="603387" cy="603387"/>
+          </a:xfrm>
+          <a:prstGeom prst="rect">
+            <a:avLst/>
+          </a:prstGeom>
+        </p:spPr>
+      </p:pic>
+      <p:sp>
+        <p:nvSpPr>
+          <p:cNvPr id="62" name="テキスト ボックス 61">
+            <a:extLst>
+              <a:ext uri="{FF2B5EF4-FFF2-40B4-BE49-F238E27FC236}">
+                <a16:creationId xmlns:a16="http://schemas.microsoft.com/office/drawing/2014/main" id="{E920C0A7-C5F0-8FED-61EF-51BFE22E1812}"/>
+              </a:ext>
+            </a:extLst>
+          </p:cNvPr>
+          <p:cNvSpPr txBox="1"/>
+          <p:nvPr/>
+        </p:nvSpPr>
+        <p:spPr>
+          <a:xfrm>
+            <a:off x="7101253" y="3919853"/>
+            <a:ext cx="1474332" cy="338554"/>
+          </a:xfrm>
+          <a:prstGeom prst="rect">
+            <a:avLst/>
+          </a:prstGeom>
+          <a:noFill/>
+        </p:spPr>
+        <p:txBody>
+          <a:bodyPr wrap="square" rtlCol="0">
+            <a:spAutoFit/>
+          </a:bodyPr>
+          <a:lstStyle/>
+          <a:p>
+            <a:pPr algn="ctr"/>
+            <a:r>
+              <a:rPr kumimoji="1" lang="ja-JP" altLang="en-US" sz="1600" dirty="0"/>
+              <a:t>鉄道事業者</a:t>
+            </a:r>
+            <a:r>
+              <a:rPr kumimoji="1" lang="en-US" altLang="ja-JP" sz="1600" dirty="0"/>
+              <a:t>A</a:t>
+            </a:r>
+            <a:endParaRPr kumimoji="1" lang="ja-JP" altLang="en-US" sz="1600" dirty="0"/>
+          </a:p>
+        </p:txBody>
+      </p:sp>
+      <p:sp>
+        <p:nvSpPr>
+          <p:cNvPr id="63" name="テキスト ボックス 62">
+            <a:extLst>
+              <a:ext uri="{FF2B5EF4-FFF2-40B4-BE49-F238E27FC236}">
+                <a16:creationId xmlns:a16="http://schemas.microsoft.com/office/drawing/2014/main" id="{26B36083-3B4D-9449-1F37-B790E6B315C6}"/>
+              </a:ext>
+            </a:extLst>
+          </p:cNvPr>
+          <p:cNvSpPr txBox="1"/>
+          <p:nvPr/>
+        </p:nvSpPr>
+        <p:spPr>
+          <a:xfrm>
+            <a:off x="8594202" y="3919853"/>
+            <a:ext cx="1474332" cy="338554"/>
+          </a:xfrm>
+          <a:prstGeom prst="rect">
+            <a:avLst/>
+          </a:prstGeom>
+          <a:noFill/>
+        </p:spPr>
+        <p:txBody>
+          <a:bodyPr wrap="square" rtlCol="0">
+            <a:spAutoFit/>
+          </a:bodyPr>
+          <a:lstStyle/>
+          <a:p>
+            <a:pPr algn="ctr"/>
+            <a:r>
+              <a:rPr kumimoji="1" lang="ja-JP" altLang="en-US" sz="1600" dirty="0"/>
+              <a:t>鉄道事業者</a:t>
+            </a:r>
+            <a:r>
+              <a:rPr kumimoji="1" lang="en-US" altLang="ja-JP" sz="1600" dirty="0"/>
+              <a:t>B</a:t>
+            </a:r>
+            <a:endParaRPr kumimoji="1" lang="ja-JP" altLang="en-US" sz="1600" dirty="0"/>
+          </a:p>
+        </p:txBody>
+      </p:sp>
+      <p:sp>
+        <p:nvSpPr>
+          <p:cNvPr id="65" name="テキスト ボックス 64">
+            <a:extLst>
+              <a:ext uri="{FF2B5EF4-FFF2-40B4-BE49-F238E27FC236}">
+                <a16:creationId xmlns:a16="http://schemas.microsoft.com/office/drawing/2014/main" id="{2FF0BDF9-7DD2-6AFA-89F9-A11AC2C74EC1}"/>
+              </a:ext>
+            </a:extLst>
+          </p:cNvPr>
+          <p:cNvSpPr txBox="1"/>
+          <p:nvPr/>
+        </p:nvSpPr>
+        <p:spPr>
+          <a:xfrm>
+            <a:off x="6904984" y="1730073"/>
+            <a:ext cx="1340087" cy="338554"/>
+          </a:xfrm>
+          <a:prstGeom prst="rect">
+            <a:avLst/>
+          </a:prstGeom>
+          <a:noFill/>
+        </p:spPr>
+        <p:txBody>
+          <a:bodyPr wrap="square" rtlCol="0">
+            <a:spAutoFit/>
+          </a:bodyPr>
+          <a:lstStyle/>
+          <a:p>
+            <a:pPr algn="ctr"/>
+            <a:r>
+              <a:rPr kumimoji="1" lang="ja-JP" altLang="en-US" sz="1600" b="1" dirty="0">
+                <a:solidFill>
+                  <a:schemeClr val="accent3"/>
+                </a:solidFill>
+              </a:rPr>
+              <a:t>支払システム</a:t>
+            </a:r>
+          </a:p>
+        </p:txBody>
+      </p:sp>
+      <p:sp>
+        <p:nvSpPr>
+          <p:cNvPr id="66" name="矢印: 左右 65">
+            <a:extLst>
+              <a:ext uri="{FF2B5EF4-FFF2-40B4-BE49-F238E27FC236}">
+                <a16:creationId xmlns:a16="http://schemas.microsoft.com/office/drawing/2014/main" id="{BCC34350-BDBA-0388-274B-B55EC55C016D}"/>
+              </a:ext>
+            </a:extLst>
+          </p:cNvPr>
+          <p:cNvSpPr/>
+          <p:nvPr/>
+        </p:nvSpPr>
+        <p:spPr>
+          <a:xfrm>
+            <a:off x="8670510" y="3506886"/>
+            <a:ext cx="1214511" cy="169277"/>
+          </a:xfrm>
+          <a:prstGeom prst="leftRightArrow">
+            <a:avLst/>
+          </a:prstGeom>
+          <a:solidFill>
+            <a:schemeClr val="bg1"/>
+          </a:solidFill>
+        </p:spPr>
+        <p:style>
+          <a:lnRef idx="2">
+            <a:schemeClr val="accent1">
+              <a:shade val="50000"/>
+            </a:schemeClr>
+          </a:lnRef>
+          <a:fillRef idx="1">
+            <a:schemeClr val="accent1"/>
+          </a:fillRef>
+          <a:effectRef idx="0">
+            <a:schemeClr val="accent1"/>
+          </a:effectRef>
+          <a:fontRef idx="minor">
+            <a:schemeClr val="lt1"/>
+          </a:fontRef>
+        </p:style>
+        <p:txBody>
+          <a:bodyPr rtlCol="0" anchor="ctr"/>
+          <a:lstStyle/>
+          <a:p>
+            <a:pPr algn="ctr"/>
+            <a:endParaRPr kumimoji="1" lang="ja-JP" altLang="en-US">
+              <a:solidFill>
+                <a:schemeClr val="tx1"/>
+              </a:solidFill>
+            </a:endParaRPr>
+          </a:p>
+        </p:txBody>
+      </p:sp>
+      <p:sp>
+        <p:nvSpPr>
+          <p:cNvPr id="67" name="テキスト ボックス 66">
+            <a:extLst>
+              <a:ext uri="{FF2B5EF4-FFF2-40B4-BE49-F238E27FC236}">
+                <a16:creationId xmlns:a16="http://schemas.microsoft.com/office/drawing/2014/main" id="{E05A221D-E779-94FF-19F0-6FE3A5AF060E}"/>
+              </a:ext>
+            </a:extLst>
+          </p:cNvPr>
+          <p:cNvSpPr txBox="1"/>
+          <p:nvPr/>
+        </p:nvSpPr>
+        <p:spPr>
+          <a:xfrm>
+            <a:off x="8190581" y="2723157"/>
+            <a:ext cx="2208133" cy="338554"/>
+          </a:xfrm>
+          <a:prstGeom prst="rect">
+            <a:avLst/>
+          </a:prstGeom>
+          <a:noFill/>
+        </p:spPr>
+        <p:txBody>
+          <a:bodyPr wrap="square" rtlCol="0">
+            <a:spAutoFit/>
+          </a:bodyPr>
+          <a:lstStyle/>
+          <a:p>
+            <a:pPr algn="ctr"/>
+            <a:r>
+              <a:rPr kumimoji="1" lang="ja-JP" altLang="en-US" sz="1600" b="1" dirty="0"/>
+              <a:t>車両賃貸料金の均等化</a:t>
+            </a:r>
+          </a:p>
+        </p:txBody>
+      </p:sp>
+      <p:sp>
+        <p:nvSpPr>
+          <p:cNvPr id="68" name="テキスト ボックス 67">
+            <a:extLst>
+              <a:ext uri="{FF2B5EF4-FFF2-40B4-BE49-F238E27FC236}">
+                <a16:creationId xmlns:a16="http://schemas.microsoft.com/office/drawing/2014/main" id="{C0212523-F1B5-CB2F-20BF-F555B8B9173E}"/>
+              </a:ext>
+            </a:extLst>
+          </p:cNvPr>
+          <p:cNvSpPr txBox="1"/>
+          <p:nvPr/>
+        </p:nvSpPr>
+        <p:spPr>
+          <a:xfrm>
+            <a:off x="8311215" y="3093032"/>
+            <a:ext cx="2011535" cy="338554"/>
+          </a:xfrm>
+          <a:prstGeom prst="rect">
+            <a:avLst/>
+          </a:prstGeom>
+          <a:noFill/>
+        </p:spPr>
+        <p:txBody>
+          <a:bodyPr wrap="square" rtlCol="0">
+            <a:spAutoFit/>
+          </a:bodyPr>
+          <a:lstStyle/>
+          <a:p>
+            <a:pPr algn="ctr"/>
+            <a:r>
+              <a:rPr kumimoji="1" lang="ja-JP" altLang="en-US" sz="1600" b="1" dirty="0"/>
+              <a:t>運賃収入の分配</a:t>
+            </a:r>
+          </a:p>
+        </p:txBody>
+      </p:sp>
+      <p:sp>
+        <p:nvSpPr>
+          <p:cNvPr id="69" name="テキスト ボックス 68">
+            <a:extLst>
+              <a:ext uri="{FF2B5EF4-FFF2-40B4-BE49-F238E27FC236}">
+                <a16:creationId xmlns:a16="http://schemas.microsoft.com/office/drawing/2014/main" id="{9F3E59FB-173E-9CD9-588B-C8D1E342E4DB}"/>
+              </a:ext>
+            </a:extLst>
+          </p:cNvPr>
+          <p:cNvSpPr txBox="1"/>
+          <p:nvPr/>
+        </p:nvSpPr>
+        <p:spPr>
+          <a:xfrm>
+            <a:off x="5418087" y="4979165"/>
+            <a:ext cx="1676503" cy="307777"/>
+          </a:xfrm>
+          <a:prstGeom prst="rect">
+            <a:avLst/>
+          </a:prstGeom>
+          <a:noFill/>
+        </p:spPr>
+        <p:txBody>
+          <a:bodyPr wrap="square" rtlCol="0">
+            <a:spAutoFit/>
+          </a:bodyPr>
+          <a:lstStyle/>
+          <a:p>
+            <a:pPr algn="ctr"/>
+            <a:r>
+              <a:rPr kumimoji="1" lang="ja-JP" altLang="en-US" sz="1400" b="1" dirty="0"/>
+              <a:t>運転距離／乗客数</a:t>
+            </a:r>
+          </a:p>
+        </p:txBody>
+      </p:sp>
+      <p:sp>
+        <p:nvSpPr>
+          <p:cNvPr id="70" name="テキスト ボックス 69">
+            <a:extLst>
+              <a:ext uri="{FF2B5EF4-FFF2-40B4-BE49-F238E27FC236}">
+                <a16:creationId xmlns:a16="http://schemas.microsoft.com/office/drawing/2014/main" id="{5FED4584-4BD4-6116-90E2-269F63DD3BD0}"/>
+              </a:ext>
+            </a:extLst>
+          </p:cNvPr>
+          <p:cNvSpPr txBox="1"/>
+          <p:nvPr/>
+        </p:nvSpPr>
+        <p:spPr>
+          <a:xfrm>
+            <a:off x="5266477" y="3116474"/>
+            <a:ext cx="2028568" cy="307777"/>
+          </a:xfrm>
+          <a:prstGeom prst="rect">
+            <a:avLst/>
+          </a:prstGeom>
+          <a:noFill/>
+        </p:spPr>
+        <p:txBody>
+          <a:bodyPr wrap="square" rtlCol="0">
+            <a:spAutoFit/>
+          </a:bodyPr>
+          <a:lstStyle/>
+          <a:p>
+            <a:pPr algn="ctr"/>
+            <a:r>
+              <a:rPr kumimoji="1" lang="ja-JP" altLang="en-US" sz="1400" b="1" dirty="0"/>
+              <a:t>直通区間のダイヤ改正</a:t>
+            </a:r>
+          </a:p>
+        </p:txBody>
+      </p:sp>
+      <p:sp>
+        <p:nvSpPr>
+          <p:cNvPr id="2" name="正方形/長方形 1">
+            <a:extLst>
+              <a:ext uri="{FF2B5EF4-FFF2-40B4-BE49-F238E27FC236}">
+                <a16:creationId xmlns:a16="http://schemas.microsoft.com/office/drawing/2014/main" id="{FA62201E-C628-CCFD-E7B8-149F5B9E794D}"/>
+              </a:ext>
+            </a:extLst>
+          </p:cNvPr>
+          <p:cNvSpPr/>
+          <p:nvPr/>
+        </p:nvSpPr>
+        <p:spPr>
+          <a:xfrm>
+            <a:off x="1157051" y="3062536"/>
+            <a:ext cx="1912474" cy="361715"/>
+          </a:xfrm>
+          <a:prstGeom prst="rect">
+            <a:avLst/>
+          </a:prstGeom>
+          <a:solidFill>
+            <a:schemeClr val="bg1"/>
+          </a:solidFill>
+        </p:spPr>
+        <p:style>
+          <a:lnRef idx="2">
+            <a:schemeClr val="accent1">
+              <a:shade val="50000"/>
+            </a:schemeClr>
+          </a:lnRef>
+          <a:fillRef idx="1">
+            <a:schemeClr val="accent1"/>
+          </a:fillRef>
+          <a:effectRef idx="0">
+            <a:schemeClr val="accent1"/>
+          </a:effectRef>
+          <a:fontRef idx="minor">
+            <a:schemeClr val="lt1"/>
+          </a:fontRef>
+        </p:style>
+        <p:txBody>
+          <a:bodyPr vert="horz" rtlCol="0" anchor="ctr"/>
+          <a:lstStyle/>
+          <a:p>
+            <a:pPr algn="ctr"/>
+            <a:r>
+              <a:rPr kumimoji="1" lang="ja-JP" altLang="en-US" dirty="0">
+                <a:solidFill>
+                  <a:schemeClr val="tx1"/>
+                </a:solidFill>
+              </a:rPr>
+              <a:t>駅</a:t>
+            </a:r>
+          </a:p>
+        </p:txBody>
+      </p:sp>
+      <p:sp>
+        <p:nvSpPr>
+          <p:cNvPr id="10" name="正方形/長方形 9">
+            <a:extLst>
+              <a:ext uri="{FF2B5EF4-FFF2-40B4-BE49-F238E27FC236}">
+                <a16:creationId xmlns:a16="http://schemas.microsoft.com/office/drawing/2014/main" id="{219F4EB5-8855-96D9-258C-7BBC4F7CAC69}"/>
+              </a:ext>
+            </a:extLst>
+          </p:cNvPr>
+          <p:cNvSpPr/>
+          <p:nvPr/>
+        </p:nvSpPr>
+        <p:spPr>
+          <a:xfrm>
+            <a:off x="1153833" y="3957888"/>
+            <a:ext cx="1918721" cy="391925"/>
+          </a:xfrm>
+          <a:prstGeom prst="rect">
+            <a:avLst/>
+          </a:prstGeom>
+          <a:solidFill>
+            <a:schemeClr val="bg1"/>
+          </a:solidFill>
+        </p:spPr>
+        <p:style>
+          <a:lnRef idx="2">
+            <a:schemeClr val="accent1">
+              <a:shade val="50000"/>
+            </a:schemeClr>
+          </a:lnRef>
+          <a:fillRef idx="1">
+            <a:schemeClr val="accent1"/>
+          </a:fillRef>
+          <a:effectRef idx="0">
+            <a:schemeClr val="accent1"/>
+          </a:effectRef>
+          <a:fontRef idx="minor">
+            <a:schemeClr val="lt1"/>
+          </a:fontRef>
+        </p:style>
+        <p:txBody>
+          <a:bodyPr vert="horz" rtlCol="0" anchor="ctr"/>
+          <a:lstStyle/>
+          <a:p>
+            <a:pPr algn="ctr"/>
+            <a:r>
+              <a:rPr kumimoji="1" lang="ja-JP" altLang="en-US" dirty="0">
+                <a:solidFill>
+                  <a:schemeClr val="tx1"/>
+                </a:solidFill>
+              </a:rPr>
+              <a:t>ターミナル駅</a:t>
+            </a:r>
+          </a:p>
+        </p:txBody>
+      </p:sp>
+      <p:cxnSp>
+        <p:nvCxnSpPr>
+          <p:cNvPr id="30" name="直線矢印コネクタ 29">
+            <a:extLst>
+              <a:ext uri="{FF2B5EF4-FFF2-40B4-BE49-F238E27FC236}">
+                <a16:creationId xmlns:a16="http://schemas.microsoft.com/office/drawing/2014/main" id="{5D0228E8-32FC-4066-FFF2-D2893BA6F6E1}"/>
+              </a:ext>
+            </a:extLst>
+          </p:cNvPr>
+          <p:cNvCxnSpPr>
+            <a:cxnSpLocks/>
+          </p:cNvCxnSpPr>
+          <p:nvPr/>
+        </p:nvCxnSpPr>
+        <p:spPr>
+          <a:xfrm>
+            <a:off x="757505" y="4266782"/>
+            <a:ext cx="0" cy="796500"/>
+          </a:xfrm>
+          <a:prstGeom prst="straightConnector1">
+            <a:avLst/>
+          </a:prstGeom>
+          <a:ln>
+            <a:solidFill>
+              <a:schemeClr val="tx1"/>
+            </a:solidFill>
+            <a:headEnd type="triangle"/>
+            <a:tailEnd type="triangle"/>
+          </a:ln>
+        </p:spPr>
+        <p:style>
+          <a:lnRef idx="1">
+            <a:schemeClr val="accent1"/>
+          </a:lnRef>
+          <a:fillRef idx="0">
+            <a:schemeClr val="accent1"/>
+          </a:fillRef>
+          <a:effectRef idx="0">
+            <a:schemeClr val="accent1"/>
+          </a:effectRef>
+          <a:fontRef idx="minor">
+            <a:schemeClr val="tx1"/>
+          </a:fontRef>
+        </p:style>
+      </p:cxnSp>
+      <p:sp>
+        <p:nvSpPr>
+          <p:cNvPr id="31" name="テキスト ボックス 30">
+            <a:extLst>
+              <a:ext uri="{FF2B5EF4-FFF2-40B4-BE49-F238E27FC236}">
+                <a16:creationId xmlns:a16="http://schemas.microsoft.com/office/drawing/2014/main" id="{4D69640A-C646-286A-4B75-4C84BFB29280}"/>
+              </a:ext>
+            </a:extLst>
+          </p:cNvPr>
+          <p:cNvSpPr txBox="1"/>
+          <p:nvPr/>
+        </p:nvSpPr>
+        <p:spPr>
+          <a:xfrm>
+            <a:off x="2617339" y="1760593"/>
+            <a:ext cx="1270113" cy="307777"/>
+          </a:xfrm>
+          <a:prstGeom prst="rect">
+            <a:avLst/>
+          </a:prstGeom>
+          <a:noFill/>
+        </p:spPr>
+        <p:txBody>
+          <a:bodyPr wrap="square" rtlCol="0">
+            <a:spAutoFit/>
+          </a:bodyPr>
+          <a:lstStyle/>
+          <a:p>
+            <a:pPr algn="ctr"/>
+            <a:r>
+              <a:rPr kumimoji="1" lang="ja-JP" altLang="en-US" sz="1400" dirty="0"/>
+              <a:t>相互直通区間</a:t>
+            </a:r>
+          </a:p>
+        </p:txBody>
+      </p:sp>
+      <p:sp>
+        <p:nvSpPr>
+          <p:cNvPr id="6" name="正方形/長方形 5">
+            <a:extLst>
+              <a:ext uri="{FF2B5EF4-FFF2-40B4-BE49-F238E27FC236}">
+                <a16:creationId xmlns:a16="http://schemas.microsoft.com/office/drawing/2014/main" id="{DB2E1A49-BF80-7636-DF60-D8366F9D4DE8}"/>
+              </a:ext>
+            </a:extLst>
+          </p:cNvPr>
+          <p:cNvSpPr/>
+          <p:nvPr/>
+        </p:nvSpPr>
+        <p:spPr>
+          <a:xfrm>
+            <a:off x="3833243" y="3957888"/>
+            <a:ext cx="1169435" cy="391925"/>
+          </a:xfrm>
+          <a:prstGeom prst="rect">
+            <a:avLst/>
+          </a:prstGeom>
+          <a:solidFill>
+            <a:schemeClr val="bg1"/>
+          </a:solidFill>
+        </p:spPr>
+        <p:style>
+          <a:lnRef idx="2">
+            <a:schemeClr val="accent1">
+              <a:shade val="50000"/>
+            </a:schemeClr>
+          </a:lnRef>
+          <a:fillRef idx="1">
+            <a:schemeClr val="accent1"/>
+          </a:fillRef>
+          <a:effectRef idx="0">
+            <a:schemeClr val="accent1"/>
+          </a:effectRef>
+          <a:fontRef idx="minor">
+            <a:schemeClr val="lt1"/>
+          </a:fontRef>
+        </p:style>
+        <p:txBody>
+          <a:bodyPr vert="horz" rtlCol="0" anchor="ctr"/>
+          <a:lstStyle/>
+          <a:p>
+            <a:pPr algn="ctr"/>
+            <a:r>
+              <a:rPr kumimoji="1" lang="ja-JP" altLang="en-US" dirty="0">
+                <a:solidFill>
+                  <a:schemeClr val="tx1"/>
+                </a:solidFill>
+              </a:rPr>
+              <a:t>駅</a:t>
+            </a:r>
+          </a:p>
+        </p:txBody>
+      </p:sp>
+      <p:sp>
+        <p:nvSpPr>
+          <p:cNvPr id="11" name="正方形/長方形 10">
+            <a:extLst>
+              <a:ext uri="{FF2B5EF4-FFF2-40B4-BE49-F238E27FC236}">
+                <a16:creationId xmlns:a16="http://schemas.microsoft.com/office/drawing/2014/main" id="{3EE46E56-3DBC-C450-FCC1-9C4478B32603}"/>
+              </a:ext>
+            </a:extLst>
+          </p:cNvPr>
+          <p:cNvSpPr/>
+          <p:nvPr/>
+        </p:nvSpPr>
+        <p:spPr>
+          <a:xfrm>
+            <a:off x="3833243" y="4925986"/>
+            <a:ext cx="1169435" cy="366450"/>
+          </a:xfrm>
+          <a:prstGeom prst="rect">
+            <a:avLst/>
+          </a:prstGeom>
+          <a:solidFill>
+            <a:schemeClr val="bg1"/>
+          </a:solidFill>
+        </p:spPr>
+        <p:style>
+          <a:lnRef idx="2">
+            <a:schemeClr val="accent1">
+              <a:shade val="50000"/>
+            </a:schemeClr>
+          </a:lnRef>
+          <a:fillRef idx="1">
+            <a:schemeClr val="accent1"/>
+          </a:fillRef>
+          <a:effectRef idx="0">
+            <a:schemeClr val="accent1"/>
+          </a:effectRef>
+          <a:fontRef idx="minor">
+            <a:schemeClr val="lt1"/>
+          </a:fontRef>
+        </p:style>
+        <p:txBody>
+          <a:bodyPr vert="horz" rtlCol="0" anchor="ctr"/>
+          <a:lstStyle/>
+          <a:p>
+            <a:pPr algn="ctr"/>
+            <a:r>
+              <a:rPr kumimoji="1" lang="ja-JP" altLang="en-US" dirty="0">
+                <a:solidFill>
+                  <a:schemeClr val="tx1"/>
+                </a:solidFill>
+              </a:rPr>
+              <a:t>駅</a:t>
+            </a:r>
+          </a:p>
+        </p:txBody>
+      </p:sp>
+      <p:sp>
+        <p:nvSpPr>
+          <p:cNvPr id="39" name="正方形/長方形 38">
+            <a:extLst>
+              <a:ext uri="{FF2B5EF4-FFF2-40B4-BE49-F238E27FC236}">
+                <a16:creationId xmlns:a16="http://schemas.microsoft.com/office/drawing/2014/main" id="{D5B60F07-4730-5D82-0CB5-ECD53C3FE110}"/>
+              </a:ext>
+            </a:extLst>
+          </p:cNvPr>
+          <p:cNvSpPr/>
+          <p:nvPr/>
+        </p:nvSpPr>
+        <p:spPr>
+          <a:xfrm>
+            <a:off x="1157051" y="4931730"/>
+            <a:ext cx="1912474" cy="361715"/>
+          </a:xfrm>
+          <a:prstGeom prst="rect">
+            <a:avLst/>
+          </a:prstGeom>
+          <a:solidFill>
+            <a:schemeClr val="bg1"/>
+          </a:solidFill>
+        </p:spPr>
+        <p:style>
+          <a:lnRef idx="2">
+            <a:schemeClr val="accent1">
+              <a:shade val="50000"/>
+            </a:schemeClr>
+          </a:lnRef>
+          <a:fillRef idx="1">
+            <a:schemeClr val="accent1"/>
+          </a:fillRef>
+          <a:effectRef idx="0">
+            <a:schemeClr val="accent1"/>
+          </a:effectRef>
+          <a:fontRef idx="minor">
+            <a:schemeClr val="lt1"/>
+          </a:fontRef>
+        </p:style>
+        <p:txBody>
+          <a:bodyPr vert="horz" rtlCol="0" anchor="ctr"/>
+          <a:lstStyle/>
+          <a:p>
+            <a:pPr algn="ctr"/>
+            <a:r>
+              <a:rPr kumimoji="1" lang="ja-JP" altLang="en-US" dirty="0">
+                <a:solidFill>
+                  <a:schemeClr val="tx1"/>
+                </a:solidFill>
+              </a:rPr>
+              <a:t>駅</a:t>
+            </a:r>
+          </a:p>
+        </p:txBody>
+      </p:sp>
+      <p:sp>
+        <p:nvSpPr>
+          <p:cNvPr id="40" name="正方形/長方形 39">
+            <a:extLst>
+              <a:ext uri="{FF2B5EF4-FFF2-40B4-BE49-F238E27FC236}">
+                <a16:creationId xmlns:a16="http://schemas.microsoft.com/office/drawing/2014/main" id="{472C6C34-E560-C936-0075-B3B611A7E558}"/>
+              </a:ext>
+            </a:extLst>
+          </p:cNvPr>
+          <p:cNvSpPr/>
+          <p:nvPr/>
+        </p:nvSpPr>
+        <p:spPr>
+          <a:xfrm>
+            <a:off x="1157051" y="5758058"/>
+            <a:ext cx="1912474" cy="361715"/>
+          </a:xfrm>
+          <a:prstGeom prst="rect">
+            <a:avLst/>
+          </a:prstGeom>
+          <a:solidFill>
+            <a:schemeClr val="bg1"/>
+          </a:solidFill>
+        </p:spPr>
+        <p:style>
+          <a:lnRef idx="2">
+            <a:schemeClr val="accent1">
+              <a:shade val="50000"/>
+            </a:schemeClr>
+          </a:lnRef>
+          <a:fillRef idx="1">
+            <a:schemeClr val="accent1"/>
+          </a:fillRef>
+          <a:effectRef idx="0">
+            <a:schemeClr val="accent1"/>
+          </a:effectRef>
+          <a:fontRef idx="minor">
+            <a:schemeClr val="lt1"/>
+          </a:fontRef>
+        </p:style>
+        <p:txBody>
+          <a:bodyPr vert="horz" rtlCol="0" anchor="ctr"/>
+          <a:lstStyle/>
+          <a:p>
+            <a:pPr algn="ctr"/>
+            <a:r>
+              <a:rPr kumimoji="1" lang="ja-JP" altLang="en-US" dirty="0">
+                <a:solidFill>
+                  <a:schemeClr val="tx1"/>
+                </a:solidFill>
+              </a:rPr>
+              <a:t>駅</a:t>
+            </a:r>
+          </a:p>
+        </p:txBody>
+      </p:sp>
+      <p:grpSp>
+        <p:nvGrpSpPr>
+          <p:cNvPr id="138" name="グループ化 137">
+            <a:extLst>
+              <a:ext uri="{FF2B5EF4-FFF2-40B4-BE49-F238E27FC236}">
+                <a16:creationId xmlns:a16="http://schemas.microsoft.com/office/drawing/2014/main" id="{EF706857-DC62-6324-8849-AA8085B0B4A1}"/>
+              </a:ext>
+            </a:extLst>
+          </p:cNvPr>
+          <p:cNvGrpSpPr/>
+          <p:nvPr/>
+        </p:nvGrpSpPr>
+        <p:grpSpPr>
+          <a:xfrm>
+            <a:off x="838597" y="2606472"/>
+            <a:ext cx="420806" cy="420806"/>
+            <a:chOff x="3369128" y="5472430"/>
+            <a:chExt cx="420806" cy="420806"/>
+          </a:xfrm>
+        </p:grpSpPr>
+        <p:sp>
+          <p:nvSpPr>
+            <p:cNvPr id="136" name="正方形/長方形 135">
+              <a:extLst>
+                <a:ext uri="{FF2B5EF4-FFF2-40B4-BE49-F238E27FC236}">
+                  <a16:creationId xmlns:a16="http://schemas.microsoft.com/office/drawing/2014/main" id="{B88AFBD4-B611-E18E-DEF8-21AF41700009}"/>
+                </a:ext>
+              </a:extLst>
+            </p:cNvPr>
+            <p:cNvSpPr/>
+            <p:nvPr/>
+          </p:nvSpPr>
+          <p:spPr>
+            <a:xfrm>
+              <a:off x="3422665" y="5499099"/>
+              <a:ext cx="313733" cy="367469"/>
+            </a:xfrm>
+            <a:prstGeom prst="rect">
+              <a:avLst/>
+            </a:prstGeom>
+            <a:solidFill>
+              <a:schemeClr val="bg1"/>
+            </a:solidFill>
+            <a:ln>
+              <a:noFill/>
+            </a:ln>
+          </p:spPr>
+          <p:style>
+            <a:lnRef idx="2">
+              <a:schemeClr val="accent1">
+                <a:shade val="50000"/>
+              </a:schemeClr>
+            </a:lnRef>
+            <a:fillRef idx="1">
+              <a:schemeClr val="accent1"/>
+            </a:fillRef>
+            <a:effectRef idx="0">
+              <a:schemeClr val="accent1"/>
+            </a:effectRef>
+            <a:fontRef idx="minor">
+              <a:schemeClr val="lt1"/>
+            </a:fontRef>
+          </p:style>
+          <p:txBody>
+            <a:bodyPr vert="horz" rtlCol="0" anchor="ctr"/>
+            <a:lstStyle/>
+            <a:p>
+              <a:pPr algn="ctr"/>
+              <a:endParaRPr kumimoji="1" lang="ja-JP" altLang="en-US" dirty="0">
+                <a:solidFill>
+                  <a:schemeClr val="tx1"/>
+                </a:solidFill>
+              </a:endParaRPr>
+            </a:p>
+          </p:txBody>
+        </p:sp>
+        <p:pic>
+          <p:nvPicPr>
+            <p:cNvPr id="76" name="グラフィックス 75" descr="パイロット女性 単色塗りつぶし">
+              <a:extLst>
+                <a:ext uri="{FF2B5EF4-FFF2-40B4-BE49-F238E27FC236}">
+                  <a16:creationId xmlns:a16="http://schemas.microsoft.com/office/drawing/2014/main" id="{90692502-F027-1EDB-53DD-1605A8080B10}"/>
+                </a:ext>
+              </a:extLst>
+            </p:cNvPr>
+            <p:cNvPicPr>
+              <a:picLocks noChangeAspect="1"/>
+            </p:cNvPicPr>
+            <p:nvPr/>
+          </p:nvPicPr>
+          <p:blipFill>
+            <a:blip r:embed="rId12">
+              <a:extLst>
+                <a:ext uri="{96DAC541-7B7A-43D3-8B79-37D633B846F1}">
+                  <asvg:svgBlip xmlns:asvg="http://schemas.microsoft.com/office/drawing/2016/SVG/main" r:embed="rId13"/>
+                </a:ext>
+              </a:extLst>
+            </a:blip>
+            <a:stretch>
+              <a:fillRect/>
+            </a:stretch>
+          </p:blipFill>
+          <p:spPr>
+            <a:xfrm>
+              <a:off x="3369128" y="5472430"/>
+              <a:ext cx="420806" cy="420806"/>
+            </a:xfrm>
+            <a:prstGeom prst="rect">
+              <a:avLst/>
+            </a:prstGeom>
+          </p:spPr>
+        </p:pic>
+      </p:grpSp>
+      <p:grpSp>
+        <p:nvGrpSpPr>
+          <p:cNvPr id="155" name="グループ化 154">
+            <a:extLst>
+              <a:ext uri="{FF2B5EF4-FFF2-40B4-BE49-F238E27FC236}">
+                <a16:creationId xmlns:a16="http://schemas.microsoft.com/office/drawing/2014/main" id="{6BD52442-647F-17EB-7397-E433AAF3F16D}"/>
+              </a:ext>
+            </a:extLst>
+          </p:cNvPr>
+          <p:cNvGrpSpPr/>
+          <p:nvPr/>
+        </p:nvGrpSpPr>
+        <p:grpSpPr>
+          <a:xfrm>
+            <a:off x="4437298" y="4421572"/>
+            <a:ext cx="474193" cy="474193"/>
+            <a:chOff x="3765530" y="5530504"/>
+            <a:chExt cx="474193" cy="474193"/>
+          </a:xfrm>
+        </p:grpSpPr>
+        <p:sp>
+          <p:nvSpPr>
+            <p:cNvPr id="153" name="正方形/長方形 152">
+              <a:extLst>
+                <a:ext uri="{FF2B5EF4-FFF2-40B4-BE49-F238E27FC236}">
+                  <a16:creationId xmlns:a16="http://schemas.microsoft.com/office/drawing/2014/main" id="{516B72A9-A773-BB09-42AF-8442120144F2}"/>
+                </a:ext>
+              </a:extLst>
+            </p:cNvPr>
+            <p:cNvSpPr/>
+            <p:nvPr/>
+          </p:nvSpPr>
+          <p:spPr>
+            <a:xfrm>
+              <a:off x="3845760" y="5533194"/>
+              <a:ext cx="313733" cy="444638"/>
+            </a:xfrm>
+            <a:prstGeom prst="rect">
+              <a:avLst/>
+            </a:prstGeom>
+            <a:solidFill>
+              <a:schemeClr val="bg1"/>
+            </a:solidFill>
+            <a:ln>
+              <a:noFill/>
+            </a:ln>
+          </p:spPr>
+          <p:style>
+            <a:lnRef idx="2">
+              <a:schemeClr val="accent1">
+                <a:shade val="50000"/>
+              </a:schemeClr>
+            </a:lnRef>
+            <a:fillRef idx="1">
+              <a:schemeClr val="accent1"/>
+            </a:fillRef>
+            <a:effectRef idx="0">
+              <a:schemeClr val="accent1"/>
+            </a:effectRef>
+            <a:fontRef idx="minor">
+              <a:schemeClr val="lt1"/>
+            </a:fontRef>
+          </p:style>
+          <p:txBody>
+            <a:bodyPr vert="horz" rtlCol="0" anchor="ctr"/>
+            <a:lstStyle/>
+            <a:p>
+              <a:pPr algn="ctr"/>
+              <a:endParaRPr kumimoji="1" lang="ja-JP" altLang="en-US" dirty="0">
+                <a:solidFill>
+                  <a:schemeClr val="tx1"/>
+                </a:solidFill>
+              </a:endParaRPr>
+            </a:p>
+          </p:txBody>
+        </p:sp>
+        <p:pic>
+          <p:nvPicPr>
+            <p:cNvPr id="77" name="グラフィックス 76" descr="路面電車 単色塗りつぶし">
+              <a:extLst>
+                <a:ext uri="{FF2B5EF4-FFF2-40B4-BE49-F238E27FC236}">
+                  <a16:creationId xmlns:a16="http://schemas.microsoft.com/office/drawing/2014/main" id="{692189CF-47EA-57EA-0201-A5C787B70957}"/>
+                </a:ext>
+              </a:extLst>
+            </p:cNvPr>
+            <p:cNvPicPr>
+              <a:picLocks noChangeAspect="1"/>
+            </p:cNvPicPr>
+            <p:nvPr/>
+          </p:nvPicPr>
+          <p:blipFill>
+            <a:blip r:embed="rId14">
+              <a:extLst>
+                <a:ext uri="{96DAC541-7B7A-43D3-8B79-37D633B846F1}">
+                  <asvg:svgBlip xmlns:asvg="http://schemas.microsoft.com/office/drawing/2016/SVG/main" r:embed="rId15"/>
+                </a:ext>
+              </a:extLst>
+            </a:blip>
+            <a:stretch>
+              <a:fillRect/>
+            </a:stretch>
+          </p:blipFill>
+          <p:spPr>
+            <a:xfrm>
+              <a:off x="3765530" y="5530504"/>
+              <a:ext cx="474193" cy="474193"/>
+            </a:xfrm>
+            <a:prstGeom prst="rect">
+              <a:avLst/>
+            </a:prstGeom>
+          </p:spPr>
+        </p:pic>
+      </p:grpSp>
+      <p:grpSp>
+        <p:nvGrpSpPr>
+          <p:cNvPr id="148" name="グループ化 147">
+            <a:extLst>
+              <a:ext uri="{FF2B5EF4-FFF2-40B4-BE49-F238E27FC236}">
+                <a16:creationId xmlns:a16="http://schemas.microsoft.com/office/drawing/2014/main" id="{23DE600B-0A08-C8C5-469C-801DF629415D}"/>
+              </a:ext>
+            </a:extLst>
+          </p:cNvPr>
+          <p:cNvGrpSpPr/>
+          <p:nvPr/>
+        </p:nvGrpSpPr>
+        <p:grpSpPr>
+          <a:xfrm>
+            <a:off x="4886375" y="4451364"/>
+            <a:ext cx="414196" cy="414196"/>
+            <a:chOff x="3334711" y="5493996"/>
+            <a:chExt cx="414196" cy="414196"/>
+          </a:xfrm>
+        </p:grpSpPr>
+        <p:sp>
+          <p:nvSpPr>
+            <p:cNvPr id="146" name="正方形/長方形 145">
+              <a:extLst>
+                <a:ext uri="{FF2B5EF4-FFF2-40B4-BE49-F238E27FC236}">
+                  <a16:creationId xmlns:a16="http://schemas.microsoft.com/office/drawing/2014/main" id="{F25FADE5-FD52-9966-3824-C688FEEDD278}"/>
+                </a:ext>
+              </a:extLst>
+            </p:cNvPr>
+            <p:cNvSpPr/>
+            <p:nvPr/>
+          </p:nvSpPr>
+          <p:spPr>
+            <a:xfrm>
+              <a:off x="3384943" y="5532121"/>
+              <a:ext cx="313733" cy="367469"/>
+            </a:xfrm>
+            <a:prstGeom prst="rect">
+              <a:avLst/>
+            </a:prstGeom>
+            <a:solidFill>
+              <a:schemeClr val="bg1"/>
+            </a:solidFill>
+            <a:ln>
+              <a:noFill/>
+            </a:ln>
+          </p:spPr>
+          <p:style>
+            <a:lnRef idx="2">
+              <a:schemeClr val="accent1">
+                <a:shade val="50000"/>
+              </a:schemeClr>
+            </a:lnRef>
+            <a:fillRef idx="1">
+              <a:schemeClr val="accent1"/>
+            </a:fillRef>
+            <a:effectRef idx="0">
+              <a:schemeClr val="accent1"/>
+            </a:effectRef>
+            <a:fontRef idx="minor">
+              <a:schemeClr val="lt1"/>
+            </a:fontRef>
+          </p:style>
+          <p:txBody>
+            <a:bodyPr vert="horz" rtlCol="0" anchor="ctr"/>
+            <a:lstStyle/>
+            <a:p>
+              <a:pPr algn="ctr"/>
+              <a:endParaRPr kumimoji="1" lang="ja-JP" altLang="en-US" dirty="0">
+                <a:solidFill>
+                  <a:schemeClr val="tx1"/>
+                </a:solidFill>
+              </a:endParaRPr>
+            </a:p>
+          </p:txBody>
+        </p:sp>
+        <p:pic>
+          <p:nvPicPr>
+            <p:cNvPr id="78" name="グラフィックス 77" descr="パイロット男性 単色塗りつぶし">
+              <a:extLst>
+                <a:ext uri="{FF2B5EF4-FFF2-40B4-BE49-F238E27FC236}">
+                  <a16:creationId xmlns:a16="http://schemas.microsoft.com/office/drawing/2014/main" id="{7DDDA06B-2454-A6C5-93C4-BD57C1D490DF}"/>
+                </a:ext>
+              </a:extLst>
+            </p:cNvPr>
+            <p:cNvPicPr>
+              <a:picLocks noChangeAspect="1"/>
+            </p:cNvPicPr>
+            <p:nvPr/>
+          </p:nvPicPr>
+          <p:blipFill>
+            <a:blip r:embed="rId16">
+              <a:extLst>
+                <a:ext uri="{96DAC541-7B7A-43D3-8B79-37D633B846F1}">
+                  <asvg:svgBlip xmlns:asvg="http://schemas.microsoft.com/office/drawing/2016/SVG/main" r:embed="rId17"/>
+                </a:ext>
+              </a:extLst>
+            </a:blip>
+            <a:stretch>
+              <a:fillRect/>
+            </a:stretch>
+          </p:blipFill>
+          <p:spPr>
+            <a:xfrm>
+              <a:off x="3334711" y="5493996"/>
+              <a:ext cx="414196" cy="414196"/>
+            </a:xfrm>
+            <a:prstGeom prst="rect">
+              <a:avLst/>
+            </a:prstGeom>
+          </p:spPr>
+        </p:pic>
+      </p:grpSp>
+      <p:cxnSp>
+        <p:nvCxnSpPr>
+          <p:cNvPr id="80" name="直線矢印コネクタ 79">
+            <a:extLst>
+              <a:ext uri="{FF2B5EF4-FFF2-40B4-BE49-F238E27FC236}">
+                <a16:creationId xmlns:a16="http://schemas.microsoft.com/office/drawing/2014/main" id="{A7DFCE4E-314B-1C68-E20D-312B322A7B6E}"/>
+              </a:ext>
+            </a:extLst>
+          </p:cNvPr>
+          <p:cNvCxnSpPr>
+            <a:cxnSpLocks/>
+          </p:cNvCxnSpPr>
+          <p:nvPr/>
+        </p:nvCxnSpPr>
+        <p:spPr>
+          <a:xfrm>
+            <a:off x="3405707" y="2464113"/>
+            <a:ext cx="0" cy="598423"/>
+          </a:xfrm>
+          <a:prstGeom prst="straightConnector1">
+            <a:avLst/>
+          </a:prstGeom>
+          <a:ln>
+            <a:solidFill>
+              <a:schemeClr val="tx1"/>
+            </a:solidFill>
+            <a:headEnd type="triangle"/>
+            <a:tailEnd type="triangle"/>
           </a:ln>
         </p:spPr>
         <p:style>
@@ -12705,10 +14766,10 @@
       </p:cxnSp>
       <p:pic>
         <p:nvPicPr>
-          <p:cNvPr id="14" name="グラフィックス 13" descr="路面電車 単色塗りつぶし">
-            <a:extLst>
-              <a:ext uri="{FF2B5EF4-FFF2-40B4-BE49-F238E27FC236}">
-                <a16:creationId xmlns:a16="http://schemas.microsoft.com/office/drawing/2014/main" id="{427E5E76-9284-054C-C0B1-005EE88F5401}"/>
+          <p:cNvPr id="82" name="グラフィックス 81" descr="建物 単色塗りつぶし">
+            <a:extLst>
+              <a:ext uri="{FF2B5EF4-FFF2-40B4-BE49-F238E27FC236}">
+                <a16:creationId xmlns:a16="http://schemas.microsoft.com/office/drawing/2014/main" id="{3FAFC5C5-5198-3902-81BB-953FCF5A3C12}"/>
               </a:ext>
             </a:extLst>
           </p:cNvPr>
@@ -12718,10 +14779,10 @@
           <p:nvPr/>
         </p:nvPicPr>
         <p:blipFill>
-          <a:blip r:embed="rId2">
+          <a:blip r:embed="rId18">
             <a:extLst>
               <a:ext uri="{96DAC541-7B7A-43D3-8B79-37D633B846F1}">
-                <asvg:svgBlip xmlns:asvg="http://schemas.microsoft.com/office/drawing/2016/SVG/main" r:embed="rId3"/>
+                <asvg:svgBlip xmlns:asvg="http://schemas.microsoft.com/office/drawing/2016/SVG/main" r:embed="rId19"/>
               </a:ext>
             </a:extLst>
           </a:blip>
@@ -12731,8 +14792,8 @@
         </p:blipFill>
         <p:spPr>
           <a:xfrm>
-            <a:off x="4332722" y="5206052"/>
-            <a:ext cx="474193" cy="474193"/>
+            <a:off x="10500445" y="4336835"/>
+            <a:ext cx="603387" cy="603387"/>
           </a:xfrm>
           <a:prstGeom prst="rect">
             <a:avLst/>
@@ -12741,10 +14802,255 @@
       </p:pic>
       <p:sp>
         <p:nvSpPr>
-          <p:cNvPr id="15" name="正方形/長方形 14">
-            <a:extLst>
-              <a:ext uri="{FF2B5EF4-FFF2-40B4-BE49-F238E27FC236}">
-                <a16:creationId xmlns:a16="http://schemas.microsoft.com/office/drawing/2014/main" id="{E8F36CB1-EBC6-6D6E-3A1B-6CCC7DB023F9}"/>
+          <p:cNvPr id="83" name="テキスト ボックス 82">
+            <a:extLst>
+              <a:ext uri="{FF2B5EF4-FFF2-40B4-BE49-F238E27FC236}">
+                <a16:creationId xmlns:a16="http://schemas.microsoft.com/office/drawing/2014/main" id="{5BE868F3-117A-6E03-71D0-EA1FA5C79262}"/>
+              </a:ext>
+            </a:extLst>
+          </p:cNvPr>
+          <p:cNvSpPr txBox="1"/>
+          <p:nvPr/>
+        </p:nvSpPr>
+        <p:spPr>
+          <a:xfrm>
+            <a:off x="10064972" y="3910338"/>
+            <a:ext cx="1474332" cy="338554"/>
+          </a:xfrm>
+          <a:prstGeom prst="rect">
+            <a:avLst/>
+          </a:prstGeom>
+          <a:noFill/>
+        </p:spPr>
+        <p:txBody>
+          <a:bodyPr wrap="square" rtlCol="0">
+            <a:spAutoFit/>
+          </a:bodyPr>
+          <a:lstStyle/>
+          <a:p>
+            <a:pPr algn="ctr"/>
+            <a:r>
+              <a:rPr kumimoji="1" lang="ja-JP" altLang="en-US" sz="1600" dirty="0"/>
+              <a:t>鉄道事業者</a:t>
+            </a:r>
+            <a:r>
+              <a:rPr kumimoji="1" lang="en-US" altLang="ja-JP" sz="1600" dirty="0"/>
+              <a:t>C</a:t>
+            </a:r>
+            <a:endParaRPr kumimoji="1" lang="ja-JP" altLang="en-US" sz="1600" dirty="0"/>
+          </a:p>
+        </p:txBody>
+      </p:sp>
+      <p:cxnSp>
+        <p:nvCxnSpPr>
+          <p:cNvPr id="84" name="直線コネクタ 83">
+            <a:extLst>
+              <a:ext uri="{FF2B5EF4-FFF2-40B4-BE49-F238E27FC236}">
+                <a16:creationId xmlns:a16="http://schemas.microsoft.com/office/drawing/2014/main" id="{12D71270-F4DA-B8A3-E62A-CA33E082DB97}"/>
+              </a:ext>
+            </a:extLst>
+          </p:cNvPr>
+          <p:cNvCxnSpPr>
+            <a:cxnSpLocks/>
+          </p:cNvCxnSpPr>
+          <p:nvPr/>
+        </p:nvCxnSpPr>
+        <p:spPr>
+          <a:xfrm flipH="1">
+            <a:off x="3077594" y="3314700"/>
+            <a:ext cx="1192328" cy="1"/>
+          </a:xfrm>
+          <a:prstGeom prst="line">
+            <a:avLst/>
+          </a:prstGeom>
+          <a:ln w="57150">
+            <a:solidFill>
+              <a:schemeClr val="accent4"/>
+            </a:solidFill>
+            <a:prstDash val="solid"/>
+            <a:headEnd type="none" w="med" len="med"/>
+            <a:tailEnd type="none" w="med" len="med"/>
+          </a:ln>
+        </p:spPr>
+        <p:style>
+          <a:lnRef idx="1">
+            <a:schemeClr val="accent1"/>
+          </a:lnRef>
+          <a:fillRef idx="0">
+            <a:schemeClr val="accent1"/>
+          </a:fillRef>
+          <a:effectRef idx="0">
+            <a:schemeClr val="accent1"/>
+          </a:effectRef>
+          <a:fontRef idx="minor">
+            <a:schemeClr val="tx1"/>
+          </a:fontRef>
+        </p:style>
+      </p:cxnSp>
+      <p:cxnSp>
+        <p:nvCxnSpPr>
+          <p:cNvPr id="105" name="直線矢印コネクタ 104">
+            <a:extLst>
+              <a:ext uri="{FF2B5EF4-FFF2-40B4-BE49-F238E27FC236}">
+                <a16:creationId xmlns:a16="http://schemas.microsoft.com/office/drawing/2014/main" id="{9B7652EB-5CD1-02AE-EFD2-7BF19ED2583E}"/>
+              </a:ext>
+            </a:extLst>
+          </p:cNvPr>
+          <p:cNvCxnSpPr/>
+          <p:nvPr/>
+        </p:nvCxnSpPr>
+        <p:spPr>
+          <a:xfrm>
+            <a:off x="8229404" y="4692971"/>
+            <a:ext cx="782357" cy="0"/>
+          </a:xfrm>
+          <a:prstGeom prst="straightConnector1">
+            <a:avLst/>
+          </a:prstGeom>
+          <a:ln w="28575">
+            <a:solidFill>
+              <a:schemeClr val="accent3"/>
+            </a:solidFill>
+            <a:headEnd type="triangle"/>
+            <a:tailEnd type="triangle"/>
+          </a:ln>
+        </p:spPr>
+        <p:style>
+          <a:lnRef idx="1">
+            <a:schemeClr val="accent1"/>
+          </a:lnRef>
+          <a:fillRef idx="0">
+            <a:schemeClr val="accent1"/>
+          </a:fillRef>
+          <a:effectRef idx="0">
+            <a:schemeClr val="accent1"/>
+          </a:effectRef>
+          <a:fontRef idx="minor">
+            <a:schemeClr val="tx1"/>
+          </a:fontRef>
+        </p:style>
+      </p:cxnSp>
+      <p:cxnSp>
+        <p:nvCxnSpPr>
+          <p:cNvPr id="106" name="直線矢印コネクタ 105">
+            <a:extLst>
+              <a:ext uri="{FF2B5EF4-FFF2-40B4-BE49-F238E27FC236}">
+                <a16:creationId xmlns:a16="http://schemas.microsoft.com/office/drawing/2014/main" id="{C5A39E06-6B59-94F1-4384-7A56CF1C7211}"/>
+              </a:ext>
+            </a:extLst>
+          </p:cNvPr>
+          <p:cNvCxnSpPr/>
+          <p:nvPr/>
+        </p:nvCxnSpPr>
+        <p:spPr>
+          <a:xfrm>
+            <a:off x="9645527" y="4704129"/>
+            <a:ext cx="782357" cy="0"/>
+          </a:xfrm>
+          <a:prstGeom prst="straightConnector1">
+            <a:avLst/>
+          </a:prstGeom>
+          <a:ln w="28575">
+            <a:solidFill>
+              <a:schemeClr val="accent3"/>
+            </a:solidFill>
+            <a:headEnd type="triangle"/>
+            <a:tailEnd type="triangle"/>
+          </a:ln>
+        </p:spPr>
+        <p:style>
+          <a:lnRef idx="1">
+            <a:schemeClr val="accent1"/>
+          </a:lnRef>
+          <a:fillRef idx="0">
+            <a:schemeClr val="accent1"/>
+          </a:fillRef>
+          <a:effectRef idx="0">
+            <a:schemeClr val="accent1"/>
+          </a:effectRef>
+          <a:fontRef idx="minor">
+            <a:schemeClr val="tx1"/>
+          </a:fontRef>
+        </p:style>
+      </p:cxnSp>
+      <p:pic>
+        <p:nvPicPr>
+          <p:cNvPr id="107" name="グラフィックス 106" descr="硬貨 単色塗りつぶし">
+            <a:extLst>
+              <a:ext uri="{FF2B5EF4-FFF2-40B4-BE49-F238E27FC236}">
+                <a16:creationId xmlns:a16="http://schemas.microsoft.com/office/drawing/2014/main" id="{C20B339A-E009-2D3E-BCCB-A9136630C3E4}"/>
+              </a:ext>
+            </a:extLst>
+          </p:cNvPr>
+          <p:cNvPicPr>
+            <a:picLocks noChangeAspect="1"/>
+          </p:cNvPicPr>
+          <p:nvPr/>
+        </p:nvPicPr>
+        <p:blipFill>
+          <a:blip r:embed="rId20">
+            <a:extLst>
+              <a:ext uri="{96DAC541-7B7A-43D3-8B79-37D633B846F1}">
+                <asvg:svgBlip xmlns:asvg="http://schemas.microsoft.com/office/drawing/2016/SVG/main" r:embed="rId21"/>
+              </a:ext>
+            </a:extLst>
+          </a:blip>
+          <a:stretch>
+            <a:fillRect/>
+          </a:stretch>
+        </p:blipFill>
+        <p:spPr>
+          <a:xfrm>
+            <a:off x="8466698" y="4327397"/>
+            <a:ext cx="323974" cy="323974"/>
+          </a:xfrm>
+          <a:prstGeom prst="rect">
+            <a:avLst/>
+          </a:prstGeom>
+        </p:spPr>
+      </p:pic>
+      <p:pic>
+        <p:nvPicPr>
+          <p:cNvPr id="108" name="グラフィックス 107" descr="硬貨 単色塗りつぶし">
+            <a:extLst>
+              <a:ext uri="{FF2B5EF4-FFF2-40B4-BE49-F238E27FC236}">
+                <a16:creationId xmlns:a16="http://schemas.microsoft.com/office/drawing/2014/main" id="{C566C3A0-8E4D-0F74-1BF2-070A6BCDAC0B}"/>
+              </a:ext>
+            </a:extLst>
+          </p:cNvPr>
+          <p:cNvPicPr>
+            <a:picLocks noChangeAspect="1"/>
+          </p:cNvPicPr>
+          <p:nvPr/>
+        </p:nvPicPr>
+        <p:blipFill>
+          <a:blip r:embed="rId20">
+            <a:extLst>
+              <a:ext uri="{96DAC541-7B7A-43D3-8B79-37D633B846F1}">
+                <asvg:svgBlip xmlns:asvg="http://schemas.microsoft.com/office/drawing/2016/SVG/main" r:embed="rId21"/>
+              </a:ext>
+            </a:extLst>
+          </a:blip>
+          <a:stretch>
+            <a:fillRect/>
+          </a:stretch>
+        </p:blipFill>
+        <p:spPr>
+          <a:xfrm>
+            <a:off x="9877595" y="4315584"/>
+            <a:ext cx="323974" cy="323974"/>
+          </a:xfrm>
+          <a:prstGeom prst="rect">
+            <a:avLst/>
+          </a:prstGeom>
+        </p:spPr>
+      </p:pic>
+      <p:sp>
+        <p:nvSpPr>
+          <p:cNvPr id="109" name="矢印: 右 108">
+            <a:extLst>
+              <a:ext uri="{FF2B5EF4-FFF2-40B4-BE49-F238E27FC236}">
+                <a16:creationId xmlns:a16="http://schemas.microsoft.com/office/drawing/2014/main" id="{E75FB9DF-35BA-17C3-50B6-119CD74C821E}"/>
               </a:ext>
             </a:extLst>
           </p:cNvPr>
@@ -12753,10 +15059,10 @@
         </p:nvSpPr>
         <p:spPr>
           <a:xfrm>
-            <a:off x="3162776" y="2206522"/>
-            <a:ext cx="1169435" cy="361715"/>
-          </a:xfrm>
-          <a:prstGeom prst="rect">
+            <a:off x="5910183" y="4581203"/>
+            <a:ext cx="696359" cy="276026"/>
+          </a:xfrm>
+          <a:prstGeom prst="rightArrow">
             <a:avLst/>
           </a:prstGeom>
           <a:solidFill>
@@ -12780,591 +15086,24 @@
           </a:fontRef>
         </p:style>
         <p:txBody>
-          <a:bodyPr vert="horz" rtlCol="0" anchor="ctr"/>
+          <a:bodyPr rtlCol="0" anchor="ctr"/>
           <a:lstStyle/>
           <a:p>
             <a:pPr algn="ctr"/>
-            <a:r>
-              <a:rPr kumimoji="1" lang="ja-JP" altLang="en-US" dirty="0">
-                <a:solidFill>
-                  <a:schemeClr val="tx1"/>
-                </a:solidFill>
-              </a:rPr>
-              <a:t>駅</a:t>
-            </a:r>
-          </a:p>
-        </p:txBody>
-      </p:sp>
-      <p:pic>
-        <p:nvPicPr>
-          <p:cNvPr id="27" name="グラフィックス 26" descr="路面電車 単色塗りつぶし">
-            <a:extLst>
-              <a:ext uri="{FF2B5EF4-FFF2-40B4-BE49-F238E27FC236}">
-                <a16:creationId xmlns:a16="http://schemas.microsoft.com/office/drawing/2014/main" id="{46936ECC-9554-6C82-53C5-8D1154F654D2}"/>
-              </a:ext>
-            </a:extLst>
-          </p:cNvPr>
-          <p:cNvPicPr>
-            <a:picLocks noChangeAspect="1"/>
-          </p:cNvPicPr>
-          <p:nvPr/>
-        </p:nvPicPr>
-        <p:blipFill>
-          <a:blip r:embed="rId4">
-            <a:extLst>
-              <a:ext uri="{96DAC541-7B7A-43D3-8B79-37D633B846F1}">
-                <asvg:svgBlip xmlns:asvg="http://schemas.microsoft.com/office/drawing/2016/SVG/main" r:embed="rId5"/>
-              </a:ext>
-            </a:extLst>
-          </a:blip>
-          <a:stretch>
-            <a:fillRect/>
-          </a:stretch>
-        </p:blipFill>
-        <p:spPr>
-          <a:xfrm>
-            <a:off x="2681866" y="2494999"/>
-            <a:ext cx="474193" cy="474193"/>
-          </a:xfrm>
-          <a:prstGeom prst="rect">
-            <a:avLst/>
-          </a:prstGeom>
-        </p:spPr>
-      </p:pic>
-      <p:pic>
-        <p:nvPicPr>
-          <p:cNvPr id="43" name="グラフィックス 42" descr="路面電車 単色塗りつぶし">
-            <a:extLst>
-              <a:ext uri="{FF2B5EF4-FFF2-40B4-BE49-F238E27FC236}">
-                <a16:creationId xmlns:a16="http://schemas.microsoft.com/office/drawing/2014/main" id="{5971B6E4-1F0F-A70E-3585-B9A92595F46F}"/>
-              </a:ext>
-            </a:extLst>
-          </p:cNvPr>
-          <p:cNvPicPr>
-            <a:picLocks noChangeAspect="1"/>
-          </p:cNvPicPr>
-          <p:nvPr/>
-        </p:nvPicPr>
-        <p:blipFill>
-          <a:blip r:embed="rId2">
-            <a:extLst>
-              <a:ext uri="{96DAC541-7B7A-43D3-8B79-37D633B846F1}">
-                <asvg:svgBlip xmlns:asvg="http://schemas.microsoft.com/office/drawing/2016/SVG/main" r:embed="rId3"/>
-              </a:ext>
-            </a:extLst>
-          </a:blip>
-          <a:stretch>
-            <a:fillRect/>
-          </a:stretch>
-        </p:blipFill>
-        <p:spPr>
-          <a:xfrm>
-            <a:off x="4332722" y="3387032"/>
-            <a:ext cx="474193" cy="474193"/>
-          </a:xfrm>
-          <a:prstGeom prst="rect">
-            <a:avLst/>
-          </a:prstGeom>
-        </p:spPr>
-      </p:pic>
-      <p:pic>
-        <p:nvPicPr>
-          <p:cNvPr id="45" name="グラフィックス 44" descr="パイロット男性 単色塗りつぶし">
-            <a:extLst>
-              <a:ext uri="{FF2B5EF4-FFF2-40B4-BE49-F238E27FC236}">
-                <a16:creationId xmlns:a16="http://schemas.microsoft.com/office/drawing/2014/main" id="{6F7B6F67-B8AE-780A-57A8-1C8F0CCC2C29}"/>
-              </a:ext>
-            </a:extLst>
-          </p:cNvPr>
-          <p:cNvPicPr>
-            <a:picLocks noChangeAspect="1"/>
-          </p:cNvPicPr>
-          <p:nvPr/>
-        </p:nvPicPr>
-        <p:blipFill>
-          <a:blip r:embed="rId6">
-            <a:extLst>
-              <a:ext uri="{96DAC541-7B7A-43D3-8B79-37D633B846F1}">
-                <asvg:svgBlip xmlns:asvg="http://schemas.microsoft.com/office/drawing/2016/SVG/main" r:embed="rId7"/>
-              </a:ext>
-            </a:extLst>
-          </a:blip>
-          <a:stretch>
-            <a:fillRect/>
-          </a:stretch>
-        </p:blipFill>
-        <p:spPr>
-          <a:xfrm>
-            <a:off x="4788508" y="5151364"/>
-            <a:ext cx="583569" cy="583569"/>
-          </a:xfrm>
-          <a:prstGeom prst="rect">
-            <a:avLst/>
-          </a:prstGeom>
-        </p:spPr>
-      </p:pic>
-      <p:pic>
-        <p:nvPicPr>
-          <p:cNvPr id="48" name="グラフィックス 47" descr="パイロット女性 単色塗りつぶし">
-            <a:extLst>
-              <a:ext uri="{FF2B5EF4-FFF2-40B4-BE49-F238E27FC236}">
-                <a16:creationId xmlns:a16="http://schemas.microsoft.com/office/drawing/2014/main" id="{CC66D20E-480F-107C-07F0-7A2FD94CC4BF}"/>
-              </a:ext>
-            </a:extLst>
-          </p:cNvPr>
-          <p:cNvPicPr>
-            <a:picLocks noChangeAspect="1"/>
-          </p:cNvPicPr>
-          <p:nvPr/>
-        </p:nvPicPr>
-        <p:blipFill>
-          <a:blip r:embed="rId8">
-            <a:extLst>
-              <a:ext uri="{96DAC541-7B7A-43D3-8B79-37D633B846F1}">
-                <asvg:svgBlip xmlns:asvg="http://schemas.microsoft.com/office/drawing/2016/SVG/main" r:embed="rId9"/>
-              </a:ext>
-            </a:extLst>
-          </a:blip>
-          <a:stretch>
-            <a:fillRect/>
-          </a:stretch>
-        </p:blipFill>
-        <p:spPr>
-          <a:xfrm>
-            <a:off x="4808245" y="3352081"/>
-            <a:ext cx="544094" cy="544094"/>
-          </a:xfrm>
-          <a:prstGeom prst="rect">
-            <a:avLst/>
-          </a:prstGeom>
-        </p:spPr>
-      </p:pic>
-      <p:pic>
-        <p:nvPicPr>
-          <p:cNvPr id="49" name="グラフィックス 48" descr="パイロット女性 単色塗りつぶし">
-            <a:extLst>
-              <a:ext uri="{FF2B5EF4-FFF2-40B4-BE49-F238E27FC236}">
-                <a16:creationId xmlns:a16="http://schemas.microsoft.com/office/drawing/2014/main" id="{13615C81-F4C7-34AC-740A-9BAF533F89E3}"/>
-              </a:ext>
-            </a:extLst>
-          </p:cNvPr>
-          <p:cNvPicPr>
-            <a:picLocks noChangeAspect="1"/>
-          </p:cNvPicPr>
-          <p:nvPr/>
-        </p:nvPicPr>
-        <p:blipFill>
-          <a:blip r:embed="rId8">
-            <a:extLst>
-              <a:ext uri="{96DAC541-7B7A-43D3-8B79-37D633B846F1}">
-                <asvg:svgBlip xmlns:asvg="http://schemas.microsoft.com/office/drawing/2016/SVG/main" r:embed="rId9"/>
-              </a:ext>
-            </a:extLst>
-          </a:blip>
-          <a:stretch>
-            <a:fillRect/>
-          </a:stretch>
-        </p:blipFill>
-        <p:spPr>
-          <a:xfrm>
-            <a:off x="2149405" y="2460048"/>
-            <a:ext cx="544094" cy="544094"/>
-          </a:xfrm>
-          <a:prstGeom prst="rect">
-            <a:avLst/>
-          </a:prstGeom>
-        </p:spPr>
-      </p:pic>
-      <p:pic>
-        <p:nvPicPr>
-          <p:cNvPr id="50" name="グラフィックス 49" descr="路面電車 単色塗りつぶし">
-            <a:extLst>
-              <a:ext uri="{FF2B5EF4-FFF2-40B4-BE49-F238E27FC236}">
-                <a16:creationId xmlns:a16="http://schemas.microsoft.com/office/drawing/2014/main" id="{2438B0C4-8A26-144A-552D-3705CA3C6F03}"/>
-              </a:ext>
-            </a:extLst>
-          </p:cNvPr>
-          <p:cNvPicPr>
-            <a:picLocks noChangeAspect="1"/>
-          </p:cNvPicPr>
-          <p:nvPr/>
-        </p:nvPicPr>
-        <p:blipFill>
-          <a:blip r:embed="rId4">
-            <a:extLst>
-              <a:ext uri="{96DAC541-7B7A-43D3-8B79-37D633B846F1}">
-                <asvg:svgBlip xmlns:asvg="http://schemas.microsoft.com/office/drawing/2016/SVG/main" r:embed="rId5"/>
-              </a:ext>
-            </a:extLst>
-          </a:blip>
-          <a:stretch>
-            <a:fillRect/>
-          </a:stretch>
-        </p:blipFill>
-        <p:spPr>
-          <a:xfrm>
-            <a:off x="2681866" y="4415305"/>
-            <a:ext cx="474193" cy="474193"/>
-          </a:xfrm>
-          <a:prstGeom prst="rect">
-            <a:avLst/>
-          </a:prstGeom>
-        </p:spPr>
-      </p:pic>
-      <p:pic>
-        <p:nvPicPr>
-          <p:cNvPr id="51" name="グラフィックス 50" descr="パイロット男性 単色塗りつぶし">
-            <a:extLst>
-              <a:ext uri="{FF2B5EF4-FFF2-40B4-BE49-F238E27FC236}">
-                <a16:creationId xmlns:a16="http://schemas.microsoft.com/office/drawing/2014/main" id="{C71F823B-9BE8-EF26-AE9D-A291EB72C2E3}"/>
-              </a:ext>
-            </a:extLst>
-          </p:cNvPr>
-          <p:cNvPicPr>
-            <a:picLocks noChangeAspect="1"/>
-          </p:cNvPicPr>
-          <p:nvPr/>
-        </p:nvPicPr>
-        <p:blipFill>
-          <a:blip r:embed="rId6">
-            <a:extLst>
-              <a:ext uri="{96DAC541-7B7A-43D3-8B79-37D633B846F1}">
-                <asvg:svgBlip xmlns:asvg="http://schemas.microsoft.com/office/drawing/2016/SVG/main" r:embed="rId7"/>
-              </a:ext>
-            </a:extLst>
-          </a:blip>
-          <a:stretch>
-            <a:fillRect/>
-          </a:stretch>
-        </p:blipFill>
-        <p:spPr>
-          <a:xfrm>
-            <a:off x="2129668" y="4348161"/>
-            <a:ext cx="583569" cy="583569"/>
-          </a:xfrm>
-          <a:prstGeom prst="rect">
-            <a:avLst/>
-          </a:prstGeom>
-        </p:spPr>
-      </p:pic>
-      <p:cxnSp>
-        <p:nvCxnSpPr>
-          <p:cNvPr id="53" name="直線矢印コネクタ 52">
-            <a:extLst>
-              <a:ext uri="{FF2B5EF4-FFF2-40B4-BE49-F238E27FC236}">
-                <a16:creationId xmlns:a16="http://schemas.microsoft.com/office/drawing/2014/main" id="{CD2049FF-0CDA-8FB1-7E1E-EAA4015A9982}"/>
-              </a:ext>
-            </a:extLst>
-          </p:cNvPr>
-          <p:cNvCxnSpPr>
-            <a:cxnSpLocks/>
-          </p:cNvCxnSpPr>
-          <p:nvPr/>
-        </p:nvCxnSpPr>
-        <p:spPr>
-          <a:xfrm>
-            <a:off x="1995183" y="3265420"/>
-            <a:ext cx="0" cy="796500"/>
-          </a:xfrm>
-          <a:prstGeom prst="straightConnector1">
-            <a:avLst/>
-          </a:prstGeom>
-          <a:ln>
-            <a:headEnd type="triangle"/>
-            <a:tailEnd type="triangle"/>
-          </a:ln>
-        </p:spPr>
-        <p:style>
-          <a:lnRef idx="1">
-            <a:schemeClr val="accent1"/>
-          </a:lnRef>
-          <a:fillRef idx="0">
-            <a:schemeClr val="accent1"/>
-          </a:fillRef>
-          <a:effectRef idx="0">
-            <a:schemeClr val="accent1"/>
-          </a:effectRef>
-          <a:fontRef idx="minor">
-            <a:schemeClr val="tx1"/>
-          </a:fontRef>
-        </p:style>
-      </p:cxnSp>
-      <p:sp>
-        <p:nvSpPr>
-          <p:cNvPr id="55" name="テキスト ボックス 54">
-            <a:extLst>
-              <a:ext uri="{FF2B5EF4-FFF2-40B4-BE49-F238E27FC236}">
-                <a16:creationId xmlns:a16="http://schemas.microsoft.com/office/drawing/2014/main" id="{519BC0B1-2C05-81FC-6230-C86B905CD688}"/>
-              </a:ext>
-            </a:extLst>
-          </p:cNvPr>
-          <p:cNvSpPr txBox="1"/>
-          <p:nvPr/>
-        </p:nvSpPr>
-        <p:spPr>
-          <a:xfrm>
-            <a:off x="707489" y="3509781"/>
-            <a:ext cx="1270113" cy="307777"/>
-          </a:xfrm>
-          <a:prstGeom prst="rect">
-            <a:avLst/>
-          </a:prstGeom>
-          <a:noFill/>
-        </p:spPr>
-        <p:txBody>
-          <a:bodyPr wrap="square" rtlCol="0">
-            <a:spAutoFit/>
-          </a:bodyPr>
-          <a:lstStyle/>
-          <a:p>
-            <a:pPr algn="ctr"/>
-            <a:r>
-              <a:rPr kumimoji="1" lang="ja-JP" altLang="en-US" sz="1400" dirty="0"/>
-              <a:t>相互直通区間</a:t>
-            </a:r>
-          </a:p>
-        </p:txBody>
-      </p:sp>
-      <p:sp>
-        <p:nvSpPr>
-          <p:cNvPr id="58" name="テキスト ボックス 57">
-            <a:extLst>
-              <a:ext uri="{FF2B5EF4-FFF2-40B4-BE49-F238E27FC236}">
-                <a16:creationId xmlns:a16="http://schemas.microsoft.com/office/drawing/2014/main" id="{71E1EF27-EE25-E981-0C1E-929CF2348F31}"/>
-              </a:ext>
-            </a:extLst>
-          </p:cNvPr>
-          <p:cNvSpPr txBox="1"/>
-          <p:nvPr/>
-        </p:nvSpPr>
-        <p:spPr>
-          <a:xfrm>
-            <a:off x="459483" y="1661697"/>
-            <a:ext cx="1174189" cy="338554"/>
-          </a:xfrm>
-          <a:prstGeom prst="rect">
-            <a:avLst/>
-          </a:prstGeom>
-          <a:noFill/>
-        </p:spPr>
-        <p:txBody>
-          <a:bodyPr wrap="square" rtlCol="0">
-            <a:spAutoFit/>
-          </a:bodyPr>
-          <a:lstStyle/>
-          <a:p>
-            <a:pPr algn="ctr"/>
-            <a:r>
-              <a:rPr kumimoji="1" lang="ja-JP" altLang="en-US" sz="1600" b="1" dirty="0">
-                <a:solidFill>
-                  <a:schemeClr val="accent2"/>
-                </a:solidFill>
-              </a:rPr>
-              <a:t>鉄道路線</a:t>
-            </a:r>
-          </a:p>
-        </p:txBody>
-      </p:sp>
-      <p:pic>
-        <p:nvPicPr>
-          <p:cNvPr id="60" name="グラフィックス 59" descr="建物 単色塗りつぶし">
-            <a:extLst>
-              <a:ext uri="{FF2B5EF4-FFF2-40B4-BE49-F238E27FC236}">
-                <a16:creationId xmlns:a16="http://schemas.microsoft.com/office/drawing/2014/main" id="{3F134911-628A-350B-EFFF-2846E8AF6DC3}"/>
-              </a:ext>
-            </a:extLst>
-          </p:cNvPr>
-          <p:cNvPicPr>
-            <a:picLocks noChangeAspect="1"/>
-          </p:cNvPicPr>
-          <p:nvPr/>
-        </p:nvPicPr>
-        <p:blipFill>
-          <a:blip r:embed="rId10">
-            <a:extLst>
-              <a:ext uri="{96DAC541-7B7A-43D3-8B79-37D633B846F1}">
-                <asvg:svgBlip xmlns:asvg="http://schemas.microsoft.com/office/drawing/2016/SVG/main" r:embed="rId11"/>
-              </a:ext>
-            </a:extLst>
-          </a:blip>
-          <a:stretch>
-            <a:fillRect/>
-          </a:stretch>
-        </p:blipFill>
-        <p:spPr>
-          <a:xfrm>
-            <a:off x="10335947" y="3344351"/>
-            <a:ext cx="603387" cy="603387"/>
-          </a:xfrm>
-          <a:prstGeom prst="rect">
-            <a:avLst/>
-          </a:prstGeom>
-        </p:spPr>
-      </p:pic>
-      <p:pic>
-        <p:nvPicPr>
-          <p:cNvPr id="61" name="グラフィックス 60" descr="建物 単色塗りつぶし">
-            <a:extLst>
-              <a:ext uri="{FF2B5EF4-FFF2-40B4-BE49-F238E27FC236}">
-                <a16:creationId xmlns:a16="http://schemas.microsoft.com/office/drawing/2014/main" id="{EA5FA4A0-4A19-37F8-C93F-B1E2DCC3E824}"/>
-              </a:ext>
-            </a:extLst>
-          </p:cNvPr>
-          <p:cNvPicPr>
-            <a:picLocks noChangeAspect="1"/>
-          </p:cNvPicPr>
-          <p:nvPr/>
-        </p:nvPicPr>
-        <p:blipFill>
-          <a:blip r:embed="rId12">
-            <a:extLst>
-              <a:ext uri="{96DAC541-7B7A-43D3-8B79-37D633B846F1}">
-                <asvg:svgBlip xmlns:asvg="http://schemas.microsoft.com/office/drawing/2016/SVG/main" r:embed="rId13"/>
-              </a:ext>
-            </a:extLst>
-          </a:blip>
-          <a:stretch>
-            <a:fillRect/>
-          </a:stretch>
-        </p:blipFill>
-        <p:spPr>
-          <a:xfrm>
-            <a:off x="7974610" y="3359993"/>
-            <a:ext cx="603387" cy="603387"/>
-          </a:xfrm>
-          <a:prstGeom prst="rect">
-            <a:avLst/>
-          </a:prstGeom>
-        </p:spPr>
-      </p:pic>
-      <p:sp>
-        <p:nvSpPr>
-          <p:cNvPr id="62" name="テキスト ボックス 61">
-            <a:extLst>
-              <a:ext uri="{FF2B5EF4-FFF2-40B4-BE49-F238E27FC236}">
-                <a16:creationId xmlns:a16="http://schemas.microsoft.com/office/drawing/2014/main" id="{E920C0A7-C5F0-8FED-61EF-51BFE22E1812}"/>
-              </a:ext>
-            </a:extLst>
-          </p:cNvPr>
-          <p:cNvSpPr txBox="1"/>
-          <p:nvPr/>
-        </p:nvSpPr>
-        <p:spPr>
-          <a:xfrm>
-            <a:off x="7617200" y="2405519"/>
-            <a:ext cx="1318208" cy="307777"/>
-          </a:xfrm>
-          <a:prstGeom prst="rect">
-            <a:avLst/>
-          </a:prstGeom>
-          <a:noFill/>
-        </p:spPr>
-        <p:txBody>
-          <a:bodyPr wrap="square" rtlCol="0">
-            <a:spAutoFit/>
-          </a:bodyPr>
-          <a:lstStyle/>
-          <a:p>
-            <a:pPr algn="ctr"/>
-            <a:r>
-              <a:rPr kumimoji="1" lang="ja-JP" altLang="en-US" sz="1400" dirty="0"/>
-              <a:t>鉄道事業者</a:t>
-            </a:r>
-            <a:r>
-              <a:rPr kumimoji="1" lang="en-US" altLang="ja-JP" sz="1400" dirty="0"/>
-              <a:t>A</a:t>
-            </a:r>
-            <a:endParaRPr kumimoji="1" lang="ja-JP" altLang="en-US" sz="1400" dirty="0"/>
-          </a:p>
-        </p:txBody>
-      </p:sp>
-      <p:sp>
-        <p:nvSpPr>
-          <p:cNvPr id="63" name="テキスト ボックス 62">
-            <a:extLst>
-              <a:ext uri="{FF2B5EF4-FFF2-40B4-BE49-F238E27FC236}">
-                <a16:creationId xmlns:a16="http://schemas.microsoft.com/office/drawing/2014/main" id="{26B36083-3B4D-9449-1F37-B790E6B315C6}"/>
-              </a:ext>
-            </a:extLst>
-          </p:cNvPr>
-          <p:cNvSpPr txBox="1"/>
-          <p:nvPr/>
-        </p:nvSpPr>
-        <p:spPr>
-          <a:xfrm>
-            <a:off x="9925050" y="2425064"/>
-            <a:ext cx="1318208" cy="307777"/>
-          </a:xfrm>
-          <a:prstGeom prst="rect">
-            <a:avLst/>
-          </a:prstGeom>
-          <a:noFill/>
-        </p:spPr>
-        <p:txBody>
-          <a:bodyPr wrap="square" rtlCol="0">
-            <a:spAutoFit/>
-          </a:bodyPr>
-          <a:lstStyle/>
-          <a:p>
-            <a:pPr algn="ctr"/>
-            <a:r>
-              <a:rPr kumimoji="1" lang="ja-JP" altLang="en-US" sz="1400" dirty="0"/>
-              <a:t>鉄道事業者</a:t>
-            </a:r>
-            <a:r>
-              <a:rPr kumimoji="1" lang="en-US" altLang="ja-JP" sz="1400" dirty="0"/>
-              <a:t>B</a:t>
-            </a:r>
-            <a:endParaRPr kumimoji="1" lang="ja-JP" altLang="en-US" sz="1400" dirty="0"/>
-          </a:p>
-        </p:txBody>
-      </p:sp>
-      <p:sp>
-        <p:nvSpPr>
-          <p:cNvPr id="65" name="テキスト ボックス 64">
-            <a:extLst>
-              <a:ext uri="{FF2B5EF4-FFF2-40B4-BE49-F238E27FC236}">
-                <a16:creationId xmlns:a16="http://schemas.microsoft.com/office/drawing/2014/main" id="{2FF0BDF9-7DD2-6AFA-89F9-A11AC2C74EC1}"/>
-              </a:ext>
-            </a:extLst>
-          </p:cNvPr>
-          <p:cNvSpPr txBox="1"/>
-          <p:nvPr/>
-        </p:nvSpPr>
-        <p:spPr>
-          <a:xfrm>
-            <a:off x="6904984" y="1623941"/>
-            <a:ext cx="1340087" cy="338554"/>
-          </a:xfrm>
-          <a:prstGeom prst="rect">
-            <a:avLst/>
-          </a:prstGeom>
-          <a:noFill/>
-        </p:spPr>
-        <p:txBody>
-          <a:bodyPr wrap="square" rtlCol="0">
-            <a:spAutoFit/>
-          </a:bodyPr>
-          <a:lstStyle/>
-          <a:p>
-            <a:pPr algn="ctr"/>
-            <a:r>
-              <a:rPr kumimoji="1" lang="ja-JP" altLang="en-US" sz="1600" b="1" dirty="0">
-                <a:solidFill>
-                  <a:schemeClr val="accent3"/>
-                </a:solidFill>
-              </a:rPr>
-              <a:t>支払システム</a:t>
-            </a:r>
-          </a:p>
-        </p:txBody>
-      </p:sp>
-      <p:sp>
-        <p:nvSpPr>
-          <p:cNvPr id="66" name="矢印: 左右 65">
-            <a:extLst>
-              <a:ext uri="{FF2B5EF4-FFF2-40B4-BE49-F238E27FC236}">
-                <a16:creationId xmlns:a16="http://schemas.microsoft.com/office/drawing/2014/main" id="{BCC34350-BDBA-0388-274B-B55EC55C016D}"/>
+            <a:endParaRPr kumimoji="1" lang="ja-JP" altLang="en-US">
+              <a:solidFill>
+                <a:schemeClr val="tx1"/>
+              </a:solidFill>
+            </a:endParaRPr>
+          </a:p>
+        </p:txBody>
+      </p:sp>
+      <p:sp>
+        <p:nvSpPr>
+          <p:cNvPr id="110" name="矢印: 右 109">
+            <a:extLst>
+              <a:ext uri="{FF2B5EF4-FFF2-40B4-BE49-F238E27FC236}">
+                <a16:creationId xmlns:a16="http://schemas.microsoft.com/office/drawing/2014/main" id="{328A9D55-9185-5112-611C-B42EB9515684}"/>
               </a:ext>
             </a:extLst>
           </p:cNvPr>
@@ -13372,11 +15111,11 @@
           <p:nvPr/>
         </p:nvSpPr>
         <p:spPr>
-          <a:xfrm>
-            <a:off x="9222849" y="3561405"/>
-            <a:ext cx="468245" cy="169277"/>
-          </a:xfrm>
-          <a:prstGeom prst="leftRightArrow">
+          <a:xfrm rot="10800000">
+            <a:off x="5908160" y="3507316"/>
+            <a:ext cx="696359" cy="276026"/>
+          </a:xfrm>
+          <a:prstGeom prst="rightArrow">
             <a:avLst/>
           </a:prstGeom>
           <a:solidFill>
@@ -13414,154 +15153,10 @@
       </p:sp>
       <p:sp>
         <p:nvSpPr>
-          <p:cNvPr id="67" name="テキスト ボックス 66">
-            <a:extLst>
-              <a:ext uri="{FF2B5EF4-FFF2-40B4-BE49-F238E27FC236}">
-                <a16:creationId xmlns:a16="http://schemas.microsoft.com/office/drawing/2014/main" id="{E05A221D-E779-94FF-19F0-6FE3A5AF060E}"/>
-              </a:ext>
-            </a:extLst>
-          </p:cNvPr>
-          <p:cNvSpPr txBox="1"/>
-          <p:nvPr/>
-        </p:nvSpPr>
-        <p:spPr>
-          <a:xfrm>
-            <a:off x="8710849" y="3852263"/>
-            <a:ext cx="1519197" cy="276999"/>
-          </a:xfrm>
-          <a:prstGeom prst="rect">
-            <a:avLst/>
-          </a:prstGeom>
-          <a:noFill/>
-        </p:spPr>
-        <p:txBody>
-          <a:bodyPr wrap="square" rtlCol="0">
-            <a:spAutoFit/>
-          </a:bodyPr>
-          <a:lstStyle/>
-          <a:p>
-            <a:pPr algn="ctr"/>
-            <a:r>
-              <a:rPr kumimoji="1" lang="ja-JP" altLang="en-US" sz="1200" b="1" dirty="0"/>
-              <a:t>賃貸料金の均等化</a:t>
-            </a:r>
-          </a:p>
-        </p:txBody>
-      </p:sp>
-      <p:sp>
-        <p:nvSpPr>
-          <p:cNvPr id="68" name="テキスト ボックス 67">
-            <a:extLst>
-              <a:ext uri="{FF2B5EF4-FFF2-40B4-BE49-F238E27FC236}">
-                <a16:creationId xmlns:a16="http://schemas.microsoft.com/office/drawing/2014/main" id="{C0212523-F1B5-CB2F-20BF-F555B8B9173E}"/>
-              </a:ext>
-            </a:extLst>
-          </p:cNvPr>
-          <p:cNvSpPr txBox="1"/>
-          <p:nvPr/>
-        </p:nvSpPr>
-        <p:spPr>
-          <a:xfrm>
-            <a:off x="7474884" y="5432600"/>
-            <a:ext cx="1519197" cy="276999"/>
-          </a:xfrm>
-          <a:prstGeom prst="rect">
-            <a:avLst/>
-          </a:prstGeom>
-          <a:noFill/>
-        </p:spPr>
-        <p:txBody>
-          <a:bodyPr wrap="square" rtlCol="0">
-            <a:spAutoFit/>
-          </a:bodyPr>
-          <a:lstStyle/>
-          <a:p>
-            <a:pPr algn="ctr"/>
-            <a:r>
-              <a:rPr kumimoji="1" lang="ja-JP" altLang="en-US" sz="1200" b="1" dirty="0"/>
-              <a:t>運賃収入の分配</a:t>
-            </a:r>
-          </a:p>
-        </p:txBody>
-      </p:sp>
-      <p:sp>
-        <p:nvSpPr>
-          <p:cNvPr id="69" name="テキスト ボックス 68">
-            <a:extLst>
-              <a:ext uri="{FF2B5EF4-FFF2-40B4-BE49-F238E27FC236}">
-                <a16:creationId xmlns:a16="http://schemas.microsoft.com/office/drawing/2014/main" id="{9F3E59FB-173E-9CD9-588B-C8D1E342E4DB}"/>
-              </a:ext>
-            </a:extLst>
-          </p:cNvPr>
-          <p:cNvSpPr txBox="1"/>
-          <p:nvPr/>
-        </p:nvSpPr>
-        <p:spPr>
-          <a:xfrm>
-            <a:off x="7896482" y="5786634"/>
-            <a:ext cx="2028568" cy="276999"/>
-          </a:xfrm>
-          <a:prstGeom prst="rect">
-            <a:avLst/>
-          </a:prstGeom>
-          <a:noFill/>
-        </p:spPr>
-        <p:txBody>
-          <a:bodyPr wrap="square" rtlCol="0">
-            <a:spAutoFit/>
-          </a:bodyPr>
-          <a:lstStyle/>
-          <a:p>
-            <a:pPr algn="ctr"/>
-            <a:r>
-              <a:rPr kumimoji="1" lang="ja-JP" altLang="en-US" sz="1200" b="1" dirty="0"/>
-              <a:t>運転距離や乗客数に応じて</a:t>
-            </a:r>
-          </a:p>
-        </p:txBody>
-      </p:sp>
-      <p:sp>
-        <p:nvSpPr>
-          <p:cNvPr id="70" name="テキスト ボックス 69">
-            <a:extLst>
-              <a:ext uri="{FF2B5EF4-FFF2-40B4-BE49-F238E27FC236}">
-                <a16:creationId xmlns:a16="http://schemas.microsoft.com/office/drawing/2014/main" id="{5FED4584-4BD4-6116-90E2-269F63DD3BD0}"/>
-              </a:ext>
-            </a:extLst>
-          </p:cNvPr>
-          <p:cNvSpPr txBox="1"/>
-          <p:nvPr/>
-        </p:nvSpPr>
-        <p:spPr>
-          <a:xfrm>
-            <a:off x="8910766" y="5213466"/>
-            <a:ext cx="2028568" cy="646331"/>
-          </a:xfrm>
-          <a:prstGeom prst="rect">
-            <a:avLst/>
-          </a:prstGeom>
-          <a:noFill/>
-        </p:spPr>
-        <p:txBody>
-          <a:bodyPr wrap="square" rtlCol="0">
-            <a:spAutoFit/>
-          </a:bodyPr>
-          <a:lstStyle/>
-          <a:p>
-            <a:pPr algn="ctr"/>
-            <a:r>
-              <a:rPr kumimoji="1" lang="ja-JP" altLang="en-US" sz="1200" b="1" dirty="0"/>
-              <a:t>直通区間のダイヤ改正は、事業者間の利害を調整しながら、多くの時間を要する</a:t>
-            </a:r>
-          </a:p>
-        </p:txBody>
-      </p:sp>
-      <p:sp>
-        <p:nvSpPr>
-          <p:cNvPr id="7" name="正方形/長方形 6">
-            <a:extLst>
-              <a:ext uri="{FF2B5EF4-FFF2-40B4-BE49-F238E27FC236}">
-                <a16:creationId xmlns:a16="http://schemas.microsoft.com/office/drawing/2014/main" id="{EC2B63DA-B650-E70F-BBF9-70264C26CC6E}"/>
+          <p:cNvPr id="111" name="矢印: 左右 110">
+            <a:extLst>
+              <a:ext uri="{FF2B5EF4-FFF2-40B4-BE49-F238E27FC236}">
+                <a16:creationId xmlns:a16="http://schemas.microsoft.com/office/drawing/2014/main" id="{398A17E0-7D5E-B368-D3E3-F186AC3EA1EC}"/>
               </a:ext>
             </a:extLst>
           </p:cNvPr>
@@ -13570,10 +15165,10 @@
         </p:nvSpPr>
         <p:spPr>
           <a:xfrm>
-            <a:off x="3162776" y="5732103"/>
-            <a:ext cx="1169435" cy="361715"/>
-          </a:xfrm>
-          <a:prstGeom prst="rect">
+            <a:off x="3810704" y="2585308"/>
+            <a:ext cx="1214511" cy="169277"/>
+          </a:xfrm>
+          <a:prstGeom prst="leftRightArrow">
             <a:avLst/>
           </a:prstGeom>
           <a:solidFill>
@@ -13597,195 +15192,24 @@
           </a:fontRef>
         </p:style>
         <p:txBody>
-          <a:bodyPr vert="horz" rtlCol="0" anchor="ctr"/>
+          <a:bodyPr rtlCol="0" anchor="ctr"/>
           <a:lstStyle/>
           <a:p>
             <a:pPr algn="ctr"/>
-            <a:r>
-              <a:rPr kumimoji="1" lang="ja-JP" altLang="en-US" dirty="0">
-                <a:solidFill>
-                  <a:schemeClr val="tx1"/>
-                </a:solidFill>
-              </a:rPr>
-              <a:t>駅</a:t>
-            </a:r>
-          </a:p>
-        </p:txBody>
-      </p:sp>
-      <p:sp>
-        <p:nvSpPr>
-          <p:cNvPr id="2" name="正方形/長方形 1">
-            <a:extLst>
-              <a:ext uri="{FF2B5EF4-FFF2-40B4-BE49-F238E27FC236}">
-                <a16:creationId xmlns:a16="http://schemas.microsoft.com/office/drawing/2014/main" id="{FA62201E-C628-CCFD-E7B8-149F5B9E794D}"/>
-              </a:ext>
-            </a:extLst>
-          </p:cNvPr>
-          <p:cNvSpPr/>
-          <p:nvPr/>
-        </p:nvSpPr>
-        <p:spPr>
-          <a:xfrm>
-            <a:off x="3162776" y="2997884"/>
-            <a:ext cx="1169435" cy="361715"/>
-          </a:xfrm>
-          <a:prstGeom prst="rect">
-            <a:avLst/>
-          </a:prstGeom>
-          <a:solidFill>
-            <a:schemeClr val="bg1"/>
-          </a:solidFill>
-        </p:spPr>
-        <p:style>
-          <a:lnRef idx="2">
-            <a:schemeClr val="accent1">
-              <a:shade val="50000"/>
-            </a:schemeClr>
-          </a:lnRef>
-          <a:fillRef idx="1">
-            <a:schemeClr val="accent1"/>
-          </a:fillRef>
-          <a:effectRef idx="0">
-            <a:schemeClr val="accent1"/>
-          </a:effectRef>
-          <a:fontRef idx="minor">
-            <a:schemeClr val="lt1"/>
-          </a:fontRef>
-        </p:style>
-        <p:txBody>
-          <a:bodyPr vert="horz" rtlCol="0" anchor="ctr"/>
-          <a:lstStyle/>
-          <a:p>
-            <a:pPr algn="ctr"/>
-            <a:r>
-              <a:rPr kumimoji="1" lang="ja-JP" altLang="en-US" dirty="0">
-                <a:solidFill>
-                  <a:schemeClr val="tx1"/>
-                </a:solidFill>
-              </a:rPr>
-              <a:t>駅</a:t>
-            </a:r>
-          </a:p>
-        </p:txBody>
-      </p:sp>
-      <p:sp>
-        <p:nvSpPr>
-          <p:cNvPr id="8" name="正方形/長方形 7">
-            <a:extLst>
-              <a:ext uri="{FF2B5EF4-FFF2-40B4-BE49-F238E27FC236}">
-                <a16:creationId xmlns:a16="http://schemas.microsoft.com/office/drawing/2014/main" id="{2A66B4FC-EC8C-9838-67DF-3BBA3DA1D049}"/>
-              </a:ext>
-            </a:extLst>
-          </p:cNvPr>
-          <p:cNvSpPr/>
-          <p:nvPr/>
-        </p:nvSpPr>
-        <p:spPr>
-          <a:xfrm>
-            <a:off x="3162776" y="4870058"/>
-            <a:ext cx="1169435" cy="361715"/>
-          </a:xfrm>
-          <a:prstGeom prst="rect">
-            <a:avLst/>
-          </a:prstGeom>
-          <a:solidFill>
-            <a:schemeClr val="bg1"/>
-          </a:solidFill>
-        </p:spPr>
-        <p:style>
-          <a:lnRef idx="2">
-            <a:schemeClr val="accent1">
-              <a:shade val="50000"/>
-            </a:schemeClr>
-          </a:lnRef>
-          <a:fillRef idx="1">
-            <a:schemeClr val="accent1"/>
-          </a:fillRef>
-          <a:effectRef idx="0">
-            <a:schemeClr val="accent1"/>
-          </a:effectRef>
-          <a:fontRef idx="minor">
-            <a:schemeClr val="lt1"/>
-          </a:fontRef>
-        </p:style>
-        <p:txBody>
-          <a:bodyPr vert="horz" rtlCol="0" anchor="ctr"/>
-          <a:lstStyle/>
-          <a:p>
-            <a:pPr algn="ctr"/>
-            <a:r>
-              <a:rPr kumimoji="1" lang="ja-JP" altLang="en-US" dirty="0">
-                <a:solidFill>
-                  <a:schemeClr val="tx1"/>
-                </a:solidFill>
-              </a:rPr>
-              <a:t>駅</a:t>
-            </a:r>
-          </a:p>
-        </p:txBody>
-      </p:sp>
-      <p:sp>
-        <p:nvSpPr>
-          <p:cNvPr id="10" name="正方形/長方形 9">
-            <a:extLst>
-              <a:ext uri="{FF2B5EF4-FFF2-40B4-BE49-F238E27FC236}">
-                <a16:creationId xmlns:a16="http://schemas.microsoft.com/office/drawing/2014/main" id="{219F4EB5-8855-96D9-258C-7BBC4F7CAC69}"/>
-              </a:ext>
-            </a:extLst>
-          </p:cNvPr>
-          <p:cNvSpPr/>
-          <p:nvPr/>
-        </p:nvSpPr>
-        <p:spPr>
-          <a:xfrm>
-            <a:off x="3009069" y="3947738"/>
-            <a:ext cx="1476849" cy="391925"/>
-          </a:xfrm>
-          <a:prstGeom prst="rect">
-            <a:avLst/>
-          </a:prstGeom>
-          <a:solidFill>
-            <a:schemeClr val="bg1"/>
-          </a:solidFill>
-        </p:spPr>
-        <p:style>
-          <a:lnRef idx="2">
-            <a:schemeClr val="accent1">
-              <a:shade val="50000"/>
-            </a:schemeClr>
-          </a:lnRef>
-          <a:fillRef idx="1">
-            <a:schemeClr val="accent1"/>
-          </a:fillRef>
-          <a:effectRef idx="0">
-            <a:schemeClr val="accent1"/>
-          </a:effectRef>
-          <a:fontRef idx="minor">
-            <a:schemeClr val="lt1"/>
-          </a:fontRef>
-        </p:style>
-        <p:txBody>
-          <a:bodyPr vert="horz" rtlCol="0" anchor="ctr"/>
-          <a:lstStyle/>
-          <a:p>
-            <a:pPr algn="ctr"/>
-            <a:r>
-              <a:rPr kumimoji="1" lang="ja-JP" altLang="en-US" dirty="0">
-                <a:solidFill>
-                  <a:schemeClr val="tx1"/>
-                </a:solidFill>
-              </a:rPr>
-              <a:t>ターミナル駅</a:t>
-            </a:r>
+            <a:endParaRPr kumimoji="1" lang="ja-JP" altLang="en-US">
+              <a:solidFill>
+                <a:schemeClr val="tx1"/>
+              </a:solidFill>
+            </a:endParaRPr>
           </a:p>
         </p:txBody>
       </p:sp>
       <p:cxnSp>
         <p:nvCxnSpPr>
-          <p:cNvPr id="30" name="直線矢印コネクタ 29">
-            <a:extLst>
-              <a:ext uri="{FF2B5EF4-FFF2-40B4-BE49-F238E27FC236}">
-                <a16:creationId xmlns:a16="http://schemas.microsoft.com/office/drawing/2014/main" id="{5D0228E8-32FC-4066-FFF2-D2893BA6F6E1}"/>
+          <p:cNvPr id="112" name="直線矢印コネクタ 111">
+            <a:extLst>
+              <a:ext uri="{FF2B5EF4-FFF2-40B4-BE49-F238E27FC236}">
+                <a16:creationId xmlns:a16="http://schemas.microsoft.com/office/drawing/2014/main" id="{FA8E287D-040F-255C-05F2-C2DC2C2759BA}"/>
               </a:ext>
             </a:extLst>
           </p:cNvPr>
@@ -13795,14 +15219,17 @@
           <p:nvPr/>
         </p:nvCxnSpPr>
         <p:spPr>
-          <a:xfrm>
-            <a:off x="2005816" y="4266782"/>
-            <a:ext cx="0" cy="796500"/>
+          <a:xfrm flipH="1">
+            <a:off x="2255361" y="1899350"/>
+            <a:ext cx="361349" cy="0"/>
           </a:xfrm>
           <a:prstGeom prst="straightConnector1">
             <a:avLst/>
           </a:prstGeom>
           <a:ln>
+            <a:solidFill>
+              <a:schemeClr val="tx1"/>
+            </a:solidFill>
             <a:headEnd type="triangle"/>
             <a:tailEnd type="triangle"/>
           </a:ln>
@@ -13824,10 +15251,10 @@
       </p:cxnSp>
       <p:sp>
         <p:nvSpPr>
-          <p:cNvPr id="31" name="テキスト ボックス 30">
-            <a:extLst>
-              <a:ext uri="{FF2B5EF4-FFF2-40B4-BE49-F238E27FC236}">
-                <a16:creationId xmlns:a16="http://schemas.microsoft.com/office/drawing/2014/main" id="{4D69640A-C646-286A-4B75-4C84BFB29280}"/>
+          <p:cNvPr id="115" name="テキスト ボックス 114">
+            <a:extLst>
+              <a:ext uri="{FF2B5EF4-FFF2-40B4-BE49-F238E27FC236}">
+                <a16:creationId xmlns:a16="http://schemas.microsoft.com/office/drawing/2014/main" id="{84B304C7-63D9-400E-AB30-4767EAA5C6DD}"/>
               </a:ext>
             </a:extLst>
           </p:cNvPr>
@@ -13836,8 +15263,8 @@
         </p:nvSpPr>
         <p:spPr>
           <a:xfrm>
-            <a:off x="718122" y="4511143"/>
-            <a:ext cx="1270113" cy="307777"/>
+            <a:off x="3736573" y="2246138"/>
+            <a:ext cx="1354189" cy="307777"/>
           </a:xfrm>
           <a:prstGeom prst="rect">
             <a:avLst/>
@@ -13852,8 +15279,948 @@
           <a:p>
             <a:pPr algn="ctr"/>
             <a:r>
-              <a:rPr kumimoji="1" lang="ja-JP" altLang="en-US" sz="1400" dirty="0"/>
-              <a:t>相互直通区間</a:t>
+              <a:rPr kumimoji="1" lang="ja-JP" altLang="en-US" sz="1400" b="1" dirty="0"/>
+              <a:t>乗客の分散</a:t>
+            </a:r>
+          </a:p>
+        </p:txBody>
+      </p:sp>
+      <p:grpSp>
+        <p:nvGrpSpPr>
+          <p:cNvPr id="120" name="グループ化 119">
+            <a:extLst>
+              <a:ext uri="{FF2B5EF4-FFF2-40B4-BE49-F238E27FC236}">
+                <a16:creationId xmlns:a16="http://schemas.microsoft.com/office/drawing/2014/main" id="{BB9CEA40-ABE6-233E-1CCE-207213833317}"/>
+              </a:ext>
+            </a:extLst>
+          </p:cNvPr>
+          <p:cNvGrpSpPr/>
+          <p:nvPr/>
+        </p:nvGrpSpPr>
+        <p:grpSpPr>
+          <a:xfrm>
+            <a:off x="836849" y="4465982"/>
+            <a:ext cx="414196" cy="414196"/>
+            <a:chOff x="2547277" y="5339454"/>
+            <a:chExt cx="414196" cy="414196"/>
+          </a:xfrm>
+        </p:grpSpPr>
+        <p:sp>
+          <p:nvSpPr>
+            <p:cNvPr id="121" name="正方形/長方形 120">
+              <a:extLst>
+                <a:ext uri="{FF2B5EF4-FFF2-40B4-BE49-F238E27FC236}">
+                  <a16:creationId xmlns:a16="http://schemas.microsoft.com/office/drawing/2014/main" id="{0CCBF196-333C-24AD-45B1-13AAD0D03F33}"/>
+                </a:ext>
+              </a:extLst>
+            </p:cNvPr>
+            <p:cNvSpPr/>
+            <p:nvPr/>
+          </p:nvSpPr>
+          <p:spPr>
+            <a:xfrm>
+              <a:off x="2608141" y="5348200"/>
+              <a:ext cx="313733" cy="367469"/>
+            </a:xfrm>
+            <a:prstGeom prst="rect">
+              <a:avLst/>
+            </a:prstGeom>
+            <a:solidFill>
+              <a:schemeClr val="bg1"/>
+            </a:solidFill>
+            <a:ln>
+              <a:noFill/>
+            </a:ln>
+          </p:spPr>
+          <p:style>
+            <a:lnRef idx="2">
+              <a:schemeClr val="accent1">
+                <a:shade val="50000"/>
+              </a:schemeClr>
+            </a:lnRef>
+            <a:fillRef idx="1">
+              <a:schemeClr val="accent1"/>
+            </a:fillRef>
+            <a:effectRef idx="0">
+              <a:schemeClr val="accent1"/>
+            </a:effectRef>
+            <a:fontRef idx="minor">
+              <a:schemeClr val="lt1"/>
+            </a:fontRef>
+          </p:style>
+          <p:txBody>
+            <a:bodyPr vert="horz" rtlCol="0" anchor="ctr"/>
+            <a:lstStyle/>
+            <a:p>
+              <a:pPr algn="ctr"/>
+              <a:endParaRPr kumimoji="1" lang="ja-JP" altLang="en-US" dirty="0">
+                <a:solidFill>
+                  <a:schemeClr val="tx1"/>
+                </a:solidFill>
+              </a:endParaRPr>
+            </a:p>
+          </p:txBody>
+        </p:sp>
+        <p:pic>
+          <p:nvPicPr>
+            <p:cNvPr id="122" name="グラフィックス 121" descr="パイロット男性 単色塗りつぶし">
+              <a:extLst>
+                <a:ext uri="{FF2B5EF4-FFF2-40B4-BE49-F238E27FC236}">
+                  <a16:creationId xmlns:a16="http://schemas.microsoft.com/office/drawing/2014/main" id="{7481CF70-D77E-7B43-2B63-0580D029BD5F}"/>
+                </a:ext>
+              </a:extLst>
+            </p:cNvPr>
+            <p:cNvPicPr>
+              <a:picLocks noChangeAspect="1"/>
+            </p:cNvPicPr>
+            <p:nvPr/>
+          </p:nvPicPr>
+          <p:blipFill>
+            <a:blip r:embed="rId4">
+              <a:extLst>
+                <a:ext uri="{96DAC541-7B7A-43D3-8B79-37D633B846F1}">
+                  <asvg:svgBlip xmlns:asvg="http://schemas.microsoft.com/office/drawing/2016/SVG/main" r:embed="rId5"/>
+                </a:ext>
+              </a:extLst>
+            </a:blip>
+            <a:stretch>
+              <a:fillRect/>
+            </a:stretch>
+          </p:blipFill>
+          <p:spPr>
+            <a:xfrm>
+              <a:off x="2547277" y="5339454"/>
+              <a:ext cx="414196" cy="414196"/>
+            </a:xfrm>
+            <a:prstGeom prst="rect">
+              <a:avLst/>
+            </a:prstGeom>
+          </p:spPr>
+        </p:pic>
+      </p:grpSp>
+      <p:grpSp>
+        <p:nvGrpSpPr>
+          <p:cNvPr id="125" name="グループ化 124">
+            <a:extLst>
+              <a:ext uri="{FF2B5EF4-FFF2-40B4-BE49-F238E27FC236}">
+                <a16:creationId xmlns:a16="http://schemas.microsoft.com/office/drawing/2014/main" id="{6D44C88A-9379-DB95-4567-BA5DFEEEBBDC}"/>
+              </a:ext>
+            </a:extLst>
+          </p:cNvPr>
+          <p:cNvGrpSpPr/>
+          <p:nvPr/>
+        </p:nvGrpSpPr>
+        <p:grpSpPr>
+          <a:xfrm>
+            <a:off x="2158849" y="3458286"/>
+            <a:ext cx="474193" cy="474193"/>
+            <a:chOff x="2153046" y="5320089"/>
+            <a:chExt cx="474193" cy="474193"/>
+          </a:xfrm>
+        </p:grpSpPr>
+        <p:sp>
+          <p:nvSpPr>
+            <p:cNvPr id="126" name="正方形/長方形 125">
+              <a:extLst>
+                <a:ext uri="{FF2B5EF4-FFF2-40B4-BE49-F238E27FC236}">
+                  <a16:creationId xmlns:a16="http://schemas.microsoft.com/office/drawing/2014/main" id="{131BF3CB-CF42-7247-1F58-496FB85ABC67}"/>
+                </a:ext>
+              </a:extLst>
+            </p:cNvPr>
+            <p:cNvSpPr/>
+            <p:nvPr/>
+          </p:nvSpPr>
+          <p:spPr>
+            <a:xfrm>
+              <a:off x="2230239" y="5339011"/>
+              <a:ext cx="313733" cy="444638"/>
+            </a:xfrm>
+            <a:prstGeom prst="rect">
+              <a:avLst/>
+            </a:prstGeom>
+            <a:solidFill>
+              <a:schemeClr val="bg1"/>
+            </a:solidFill>
+            <a:ln>
+              <a:noFill/>
+            </a:ln>
+          </p:spPr>
+          <p:style>
+            <a:lnRef idx="2">
+              <a:schemeClr val="accent1">
+                <a:shade val="50000"/>
+              </a:schemeClr>
+            </a:lnRef>
+            <a:fillRef idx="1">
+              <a:schemeClr val="accent1"/>
+            </a:fillRef>
+            <a:effectRef idx="0">
+              <a:schemeClr val="accent1"/>
+            </a:effectRef>
+            <a:fontRef idx="minor">
+              <a:schemeClr val="lt1"/>
+            </a:fontRef>
+          </p:style>
+          <p:txBody>
+            <a:bodyPr vert="horz" rtlCol="0" anchor="ctr"/>
+            <a:lstStyle/>
+            <a:p>
+              <a:pPr algn="ctr"/>
+              <a:endParaRPr kumimoji="1" lang="ja-JP" altLang="en-US" dirty="0">
+                <a:solidFill>
+                  <a:schemeClr val="tx1"/>
+                </a:solidFill>
+              </a:endParaRPr>
+            </a:p>
+          </p:txBody>
+        </p:sp>
+        <p:pic>
+          <p:nvPicPr>
+            <p:cNvPr id="127" name="グラフィックス 126" descr="路面電車 単色塗りつぶし">
+              <a:extLst>
+                <a:ext uri="{FF2B5EF4-FFF2-40B4-BE49-F238E27FC236}">
+                  <a16:creationId xmlns:a16="http://schemas.microsoft.com/office/drawing/2014/main" id="{97B14F88-2B65-A9D4-9D63-12710FDD9B3B}"/>
+                </a:ext>
+              </a:extLst>
+            </p:cNvPr>
+            <p:cNvPicPr>
+              <a:picLocks noChangeAspect="1"/>
+            </p:cNvPicPr>
+            <p:nvPr/>
+          </p:nvPicPr>
+          <p:blipFill>
+            <a:blip r:embed="rId2">
+              <a:extLst>
+                <a:ext uri="{96DAC541-7B7A-43D3-8B79-37D633B846F1}">
+                  <asvg:svgBlip xmlns:asvg="http://schemas.microsoft.com/office/drawing/2016/SVG/main" r:embed="rId3"/>
+                </a:ext>
+              </a:extLst>
+            </a:blip>
+            <a:stretch>
+              <a:fillRect/>
+            </a:stretch>
+          </p:blipFill>
+          <p:spPr>
+            <a:xfrm>
+              <a:off x="2153046" y="5320089"/>
+              <a:ext cx="474193" cy="474193"/>
+            </a:xfrm>
+            <a:prstGeom prst="rect">
+              <a:avLst/>
+            </a:prstGeom>
+          </p:spPr>
+        </p:pic>
+      </p:grpSp>
+      <p:grpSp>
+        <p:nvGrpSpPr>
+          <p:cNvPr id="129" name="グループ化 128">
+            <a:extLst>
+              <a:ext uri="{FF2B5EF4-FFF2-40B4-BE49-F238E27FC236}">
+                <a16:creationId xmlns:a16="http://schemas.microsoft.com/office/drawing/2014/main" id="{E845A553-1E39-F6FD-DF73-C4D5B13A9D1E}"/>
+              </a:ext>
+            </a:extLst>
+          </p:cNvPr>
+          <p:cNvGrpSpPr/>
+          <p:nvPr/>
+        </p:nvGrpSpPr>
+        <p:grpSpPr>
+          <a:xfrm>
+            <a:off x="1202144" y="2579779"/>
+            <a:ext cx="474193" cy="474193"/>
+            <a:chOff x="3512739" y="5422711"/>
+            <a:chExt cx="474193" cy="474193"/>
+          </a:xfrm>
+        </p:grpSpPr>
+        <p:sp>
+          <p:nvSpPr>
+            <p:cNvPr id="130" name="正方形/長方形 129">
+              <a:extLst>
+                <a:ext uri="{FF2B5EF4-FFF2-40B4-BE49-F238E27FC236}">
+                  <a16:creationId xmlns:a16="http://schemas.microsoft.com/office/drawing/2014/main" id="{54CF7BD6-4F9F-E92E-7F9D-0ABAC434EC62}"/>
+                </a:ext>
+              </a:extLst>
+            </p:cNvPr>
+            <p:cNvSpPr/>
+            <p:nvPr/>
+          </p:nvSpPr>
+          <p:spPr>
+            <a:xfrm>
+              <a:off x="3595101" y="5423971"/>
+              <a:ext cx="313733" cy="444638"/>
+            </a:xfrm>
+            <a:prstGeom prst="rect">
+              <a:avLst/>
+            </a:prstGeom>
+            <a:solidFill>
+              <a:schemeClr val="bg1"/>
+            </a:solidFill>
+            <a:ln>
+              <a:noFill/>
+            </a:ln>
+          </p:spPr>
+          <p:style>
+            <a:lnRef idx="2">
+              <a:schemeClr val="accent1">
+                <a:shade val="50000"/>
+              </a:schemeClr>
+            </a:lnRef>
+            <a:fillRef idx="1">
+              <a:schemeClr val="accent1"/>
+            </a:fillRef>
+            <a:effectRef idx="0">
+              <a:schemeClr val="accent1"/>
+            </a:effectRef>
+            <a:fontRef idx="minor">
+              <a:schemeClr val="lt1"/>
+            </a:fontRef>
+          </p:style>
+          <p:txBody>
+            <a:bodyPr vert="horz" rtlCol="0" anchor="ctr"/>
+            <a:lstStyle/>
+            <a:p>
+              <a:pPr algn="ctr"/>
+              <a:endParaRPr kumimoji="1" lang="ja-JP" altLang="en-US" dirty="0">
+                <a:solidFill>
+                  <a:schemeClr val="tx1"/>
+                </a:solidFill>
+              </a:endParaRPr>
+            </a:p>
+          </p:txBody>
+        </p:sp>
+        <p:pic>
+          <p:nvPicPr>
+            <p:cNvPr id="131" name="グラフィックス 130" descr="路面電車 単色塗りつぶし">
+              <a:extLst>
+                <a:ext uri="{FF2B5EF4-FFF2-40B4-BE49-F238E27FC236}">
+                  <a16:creationId xmlns:a16="http://schemas.microsoft.com/office/drawing/2014/main" id="{EA3FF513-E621-1700-8AC1-97F4F2C84914}"/>
+                </a:ext>
+              </a:extLst>
+            </p:cNvPr>
+            <p:cNvPicPr>
+              <a:picLocks noChangeAspect="1"/>
+            </p:cNvPicPr>
+            <p:nvPr/>
+          </p:nvPicPr>
+          <p:blipFill>
+            <a:blip r:embed="rId6">
+              <a:extLst>
+                <a:ext uri="{96DAC541-7B7A-43D3-8B79-37D633B846F1}">
+                  <asvg:svgBlip xmlns:asvg="http://schemas.microsoft.com/office/drawing/2016/SVG/main" r:embed="rId7"/>
+                </a:ext>
+              </a:extLst>
+            </a:blip>
+            <a:stretch>
+              <a:fillRect/>
+            </a:stretch>
+          </p:blipFill>
+          <p:spPr>
+            <a:xfrm>
+              <a:off x="3512739" y="5422711"/>
+              <a:ext cx="474193" cy="474193"/>
+            </a:xfrm>
+            <a:prstGeom prst="rect">
+              <a:avLst/>
+            </a:prstGeom>
+          </p:spPr>
+        </p:pic>
+      </p:grpSp>
+      <p:grpSp>
+        <p:nvGrpSpPr>
+          <p:cNvPr id="132" name="グループ化 131">
+            <a:extLst>
+              <a:ext uri="{FF2B5EF4-FFF2-40B4-BE49-F238E27FC236}">
+                <a16:creationId xmlns:a16="http://schemas.microsoft.com/office/drawing/2014/main" id="{961A92BF-703F-7CAF-D765-2B491B4CA3B7}"/>
+              </a:ext>
+            </a:extLst>
+          </p:cNvPr>
+          <p:cNvGrpSpPr/>
+          <p:nvPr/>
+        </p:nvGrpSpPr>
+        <p:grpSpPr>
+          <a:xfrm>
+            <a:off x="3818244" y="3458286"/>
+            <a:ext cx="474193" cy="474193"/>
+            <a:chOff x="3512739" y="5422711"/>
+            <a:chExt cx="474193" cy="474193"/>
+          </a:xfrm>
+        </p:grpSpPr>
+        <p:sp>
+          <p:nvSpPr>
+            <p:cNvPr id="133" name="正方形/長方形 132">
+              <a:extLst>
+                <a:ext uri="{FF2B5EF4-FFF2-40B4-BE49-F238E27FC236}">
+                  <a16:creationId xmlns:a16="http://schemas.microsoft.com/office/drawing/2014/main" id="{A26C8C75-87CC-25DD-279F-395E71A73FDC}"/>
+                </a:ext>
+              </a:extLst>
+            </p:cNvPr>
+            <p:cNvSpPr/>
+            <p:nvPr/>
+          </p:nvSpPr>
+          <p:spPr>
+            <a:xfrm>
+              <a:off x="3595101" y="5423971"/>
+              <a:ext cx="313733" cy="444638"/>
+            </a:xfrm>
+            <a:prstGeom prst="rect">
+              <a:avLst/>
+            </a:prstGeom>
+            <a:solidFill>
+              <a:schemeClr val="bg1"/>
+            </a:solidFill>
+            <a:ln>
+              <a:noFill/>
+            </a:ln>
+          </p:spPr>
+          <p:style>
+            <a:lnRef idx="2">
+              <a:schemeClr val="accent1">
+                <a:shade val="50000"/>
+              </a:schemeClr>
+            </a:lnRef>
+            <a:fillRef idx="1">
+              <a:schemeClr val="accent1"/>
+            </a:fillRef>
+            <a:effectRef idx="0">
+              <a:schemeClr val="accent1"/>
+            </a:effectRef>
+            <a:fontRef idx="minor">
+              <a:schemeClr val="lt1"/>
+            </a:fontRef>
+          </p:style>
+          <p:txBody>
+            <a:bodyPr vert="horz" rtlCol="0" anchor="ctr"/>
+            <a:lstStyle/>
+            <a:p>
+              <a:pPr algn="ctr"/>
+              <a:endParaRPr kumimoji="1" lang="ja-JP" altLang="en-US" dirty="0">
+                <a:solidFill>
+                  <a:schemeClr val="tx1"/>
+                </a:solidFill>
+              </a:endParaRPr>
+            </a:p>
+          </p:txBody>
+        </p:sp>
+        <p:pic>
+          <p:nvPicPr>
+            <p:cNvPr id="134" name="グラフィックス 133" descr="路面電車 単色塗りつぶし">
+              <a:extLst>
+                <a:ext uri="{FF2B5EF4-FFF2-40B4-BE49-F238E27FC236}">
+                  <a16:creationId xmlns:a16="http://schemas.microsoft.com/office/drawing/2014/main" id="{BBD52E8D-B1C9-C62F-44B0-CDF78693E987}"/>
+                </a:ext>
+              </a:extLst>
+            </p:cNvPr>
+            <p:cNvPicPr>
+              <a:picLocks noChangeAspect="1"/>
+            </p:cNvPicPr>
+            <p:nvPr/>
+          </p:nvPicPr>
+          <p:blipFill>
+            <a:blip r:embed="rId6">
+              <a:extLst>
+                <a:ext uri="{96DAC541-7B7A-43D3-8B79-37D633B846F1}">
+                  <asvg:svgBlip xmlns:asvg="http://schemas.microsoft.com/office/drawing/2016/SVG/main" r:embed="rId7"/>
+                </a:ext>
+              </a:extLst>
+            </a:blip>
+            <a:stretch>
+              <a:fillRect/>
+            </a:stretch>
+          </p:blipFill>
+          <p:spPr>
+            <a:xfrm>
+              <a:off x="3512739" y="5422711"/>
+              <a:ext cx="474193" cy="474193"/>
+            </a:xfrm>
+            <a:prstGeom prst="rect">
+              <a:avLst/>
+            </a:prstGeom>
+          </p:spPr>
+        </p:pic>
+      </p:grpSp>
+      <p:grpSp>
+        <p:nvGrpSpPr>
+          <p:cNvPr id="139" name="グループ化 138">
+            <a:extLst>
+              <a:ext uri="{FF2B5EF4-FFF2-40B4-BE49-F238E27FC236}">
+                <a16:creationId xmlns:a16="http://schemas.microsoft.com/office/drawing/2014/main" id="{941C5E84-F650-43AA-B409-7E5607CA2D0A}"/>
+              </a:ext>
+            </a:extLst>
+          </p:cNvPr>
+          <p:cNvGrpSpPr/>
+          <p:nvPr/>
+        </p:nvGrpSpPr>
+        <p:grpSpPr>
+          <a:xfrm>
+            <a:off x="2841443" y="2606472"/>
+            <a:ext cx="420806" cy="420806"/>
+            <a:chOff x="3369128" y="5472430"/>
+            <a:chExt cx="420806" cy="420806"/>
+          </a:xfrm>
+        </p:grpSpPr>
+        <p:sp>
+          <p:nvSpPr>
+            <p:cNvPr id="140" name="正方形/長方形 139">
+              <a:extLst>
+                <a:ext uri="{FF2B5EF4-FFF2-40B4-BE49-F238E27FC236}">
+                  <a16:creationId xmlns:a16="http://schemas.microsoft.com/office/drawing/2014/main" id="{B2E4CB7A-0534-A75D-D6DF-7FAFDE0CF69F}"/>
+                </a:ext>
+              </a:extLst>
+            </p:cNvPr>
+            <p:cNvSpPr/>
+            <p:nvPr/>
+          </p:nvSpPr>
+          <p:spPr>
+            <a:xfrm>
+              <a:off x="3422665" y="5499099"/>
+              <a:ext cx="313733" cy="367469"/>
+            </a:xfrm>
+            <a:prstGeom prst="rect">
+              <a:avLst/>
+            </a:prstGeom>
+            <a:solidFill>
+              <a:schemeClr val="bg1"/>
+            </a:solidFill>
+            <a:ln>
+              <a:noFill/>
+            </a:ln>
+          </p:spPr>
+          <p:style>
+            <a:lnRef idx="2">
+              <a:schemeClr val="accent1">
+                <a:shade val="50000"/>
+              </a:schemeClr>
+            </a:lnRef>
+            <a:fillRef idx="1">
+              <a:schemeClr val="accent1"/>
+            </a:fillRef>
+            <a:effectRef idx="0">
+              <a:schemeClr val="accent1"/>
+            </a:effectRef>
+            <a:fontRef idx="minor">
+              <a:schemeClr val="lt1"/>
+            </a:fontRef>
+          </p:style>
+          <p:txBody>
+            <a:bodyPr vert="horz" rtlCol="0" anchor="ctr"/>
+            <a:lstStyle/>
+            <a:p>
+              <a:pPr algn="ctr"/>
+              <a:endParaRPr kumimoji="1" lang="ja-JP" altLang="en-US" dirty="0">
+                <a:solidFill>
+                  <a:schemeClr val="tx1"/>
+                </a:solidFill>
+              </a:endParaRPr>
+            </a:p>
+          </p:txBody>
+        </p:sp>
+        <p:pic>
+          <p:nvPicPr>
+            <p:cNvPr id="141" name="グラフィックス 140" descr="パイロット女性 単色塗りつぶし">
+              <a:extLst>
+                <a:ext uri="{FF2B5EF4-FFF2-40B4-BE49-F238E27FC236}">
+                  <a16:creationId xmlns:a16="http://schemas.microsoft.com/office/drawing/2014/main" id="{5733B389-FFCA-8D97-EB38-B9CC28388BC7}"/>
+                </a:ext>
+              </a:extLst>
+            </p:cNvPr>
+            <p:cNvPicPr>
+              <a:picLocks noChangeAspect="1"/>
+            </p:cNvPicPr>
+            <p:nvPr/>
+          </p:nvPicPr>
+          <p:blipFill>
+            <a:blip r:embed="rId12">
+              <a:extLst>
+                <a:ext uri="{96DAC541-7B7A-43D3-8B79-37D633B846F1}">
+                  <asvg:svgBlip xmlns:asvg="http://schemas.microsoft.com/office/drawing/2016/SVG/main" r:embed="rId13"/>
+                </a:ext>
+              </a:extLst>
+            </a:blip>
+            <a:stretch>
+              <a:fillRect/>
+            </a:stretch>
+          </p:blipFill>
+          <p:spPr>
+            <a:xfrm>
+              <a:off x="3369128" y="5472430"/>
+              <a:ext cx="420806" cy="420806"/>
+            </a:xfrm>
+            <a:prstGeom prst="rect">
+              <a:avLst/>
+            </a:prstGeom>
+          </p:spPr>
+        </p:pic>
+      </p:grpSp>
+      <p:grpSp>
+        <p:nvGrpSpPr>
+          <p:cNvPr id="142" name="グループ化 141">
+            <a:extLst>
+              <a:ext uri="{FF2B5EF4-FFF2-40B4-BE49-F238E27FC236}">
+                <a16:creationId xmlns:a16="http://schemas.microsoft.com/office/drawing/2014/main" id="{799207FB-0A1B-AC38-CFE9-3FB8D8AD5AEB}"/>
+              </a:ext>
+            </a:extLst>
+          </p:cNvPr>
+          <p:cNvGrpSpPr/>
+          <p:nvPr/>
+        </p:nvGrpSpPr>
+        <p:grpSpPr>
+          <a:xfrm>
+            <a:off x="2547373" y="3484979"/>
+            <a:ext cx="420806" cy="420806"/>
+            <a:chOff x="3369128" y="5472430"/>
+            <a:chExt cx="420806" cy="420806"/>
+          </a:xfrm>
+        </p:grpSpPr>
+        <p:sp>
+          <p:nvSpPr>
+            <p:cNvPr id="143" name="正方形/長方形 142">
+              <a:extLst>
+                <a:ext uri="{FF2B5EF4-FFF2-40B4-BE49-F238E27FC236}">
+                  <a16:creationId xmlns:a16="http://schemas.microsoft.com/office/drawing/2014/main" id="{2D095560-7919-F328-B4C9-5E433E4C61B0}"/>
+                </a:ext>
+              </a:extLst>
+            </p:cNvPr>
+            <p:cNvSpPr/>
+            <p:nvPr/>
+          </p:nvSpPr>
+          <p:spPr>
+            <a:xfrm>
+              <a:off x="3422665" y="5499099"/>
+              <a:ext cx="313733" cy="367469"/>
+            </a:xfrm>
+            <a:prstGeom prst="rect">
+              <a:avLst/>
+            </a:prstGeom>
+            <a:solidFill>
+              <a:schemeClr val="bg1"/>
+            </a:solidFill>
+            <a:ln>
+              <a:noFill/>
+            </a:ln>
+          </p:spPr>
+          <p:style>
+            <a:lnRef idx="2">
+              <a:schemeClr val="accent1">
+                <a:shade val="50000"/>
+              </a:schemeClr>
+            </a:lnRef>
+            <a:fillRef idx="1">
+              <a:schemeClr val="accent1"/>
+            </a:fillRef>
+            <a:effectRef idx="0">
+              <a:schemeClr val="accent1"/>
+            </a:effectRef>
+            <a:fontRef idx="minor">
+              <a:schemeClr val="lt1"/>
+            </a:fontRef>
+          </p:style>
+          <p:txBody>
+            <a:bodyPr vert="horz" rtlCol="0" anchor="ctr"/>
+            <a:lstStyle/>
+            <a:p>
+              <a:pPr algn="ctr"/>
+              <a:endParaRPr kumimoji="1" lang="ja-JP" altLang="en-US" dirty="0">
+                <a:solidFill>
+                  <a:schemeClr val="tx1"/>
+                </a:solidFill>
+              </a:endParaRPr>
+            </a:p>
+          </p:txBody>
+        </p:sp>
+        <p:pic>
+          <p:nvPicPr>
+            <p:cNvPr id="144" name="グラフィックス 143" descr="パイロット女性 単色塗りつぶし">
+              <a:extLst>
+                <a:ext uri="{FF2B5EF4-FFF2-40B4-BE49-F238E27FC236}">
+                  <a16:creationId xmlns:a16="http://schemas.microsoft.com/office/drawing/2014/main" id="{EF72E7DD-11D6-690A-8361-711385E41BE2}"/>
+                </a:ext>
+              </a:extLst>
+            </p:cNvPr>
+            <p:cNvPicPr>
+              <a:picLocks noChangeAspect="1"/>
+            </p:cNvPicPr>
+            <p:nvPr/>
+          </p:nvPicPr>
+          <p:blipFill>
+            <a:blip r:embed="rId12">
+              <a:extLst>
+                <a:ext uri="{96DAC541-7B7A-43D3-8B79-37D633B846F1}">
+                  <asvg:svgBlip xmlns:asvg="http://schemas.microsoft.com/office/drawing/2016/SVG/main" r:embed="rId13"/>
+                </a:ext>
+              </a:extLst>
+            </a:blip>
+            <a:stretch>
+              <a:fillRect/>
+            </a:stretch>
+          </p:blipFill>
+          <p:spPr>
+            <a:xfrm>
+              <a:off x="3369128" y="5472430"/>
+              <a:ext cx="420806" cy="420806"/>
+            </a:xfrm>
+            <a:prstGeom prst="rect">
+              <a:avLst/>
+            </a:prstGeom>
+          </p:spPr>
+        </p:pic>
+      </p:grpSp>
+      <p:grpSp>
+        <p:nvGrpSpPr>
+          <p:cNvPr id="149" name="グループ化 148">
+            <a:extLst>
+              <a:ext uri="{FF2B5EF4-FFF2-40B4-BE49-F238E27FC236}">
+                <a16:creationId xmlns:a16="http://schemas.microsoft.com/office/drawing/2014/main" id="{623CC480-4F25-9864-A513-264D49B36004}"/>
+              </a:ext>
+            </a:extLst>
+          </p:cNvPr>
+          <p:cNvGrpSpPr/>
+          <p:nvPr/>
+        </p:nvGrpSpPr>
+        <p:grpSpPr>
+          <a:xfrm>
+            <a:off x="3486432" y="3488284"/>
+            <a:ext cx="414196" cy="414196"/>
+            <a:chOff x="3334711" y="5493996"/>
+            <a:chExt cx="414196" cy="414196"/>
+          </a:xfrm>
+        </p:grpSpPr>
+        <p:sp>
+          <p:nvSpPr>
+            <p:cNvPr id="150" name="正方形/長方形 149">
+              <a:extLst>
+                <a:ext uri="{FF2B5EF4-FFF2-40B4-BE49-F238E27FC236}">
+                  <a16:creationId xmlns:a16="http://schemas.microsoft.com/office/drawing/2014/main" id="{D9E78933-B4FC-4CF7-5D09-31A7623FCEA4}"/>
+                </a:ext>
+              </a:extLst>
+            </p:cNvPr>
+            <p:cNvSpPr/>
+            <p:nvPr/>
+          </p:nvSpPr>
+          <p:spPr>
+            <a:xfrm>
+              <a:off x="3384943" y="5532121"/>
+              <a:ext cx="313733" cy="367469"/>
+            </a:xfrm>
+            <a:prstGeom prst="rect">
+              <a:avLst/>
+            </a:prstGeom>
+            <a:solidFill>
+              <a:schemeClr val="bg1"/>
+            </a:solidFill>
+            <a:ln>
+              <a:noFill/>
+            </a:ln>
+          </p:spPr>
+          <p:style>
+            <a:lnRef idx="2">
+              <a:schemeClr val="accent1">
+                <a:shade val="50000"/>
+              </a:schemeClr>
+            </a:lnRef>
+            <a:fillRef idx="1">
+              <a:schemeClr val="accent1"/>
+            </a:fillRef>
+            <a:effectRef idx="0">
+              <a:schemeClr val="accent1"/>
+            </a:effectRef>
+            <a:fontRef idx="minor">
+              <a:schemeClr val="lt1"/>
+            </a:fontRef>
+          </p:style>
+          <p:txBody>
+            <a:bodyPr vert="horz" rtlCol="0" anchor="ctr"/>
+            <a:lstStyle/>
+            <a:p>
+              <a:pPr algn="ctr"/>
+              <a:endParaRPr kumimoji="1" lang="ja-JP" altLang="en-US" dirty="0">
+                <a:solidFill>
+                  <a:schemeClr val="tx1"/>
+                </a:solidFill>
+              </a:endParaRPr>
+            </a:p>
+          </p:txBody>
+        </p:sp>
+        <p:pic>
+          <p:nvPicPr>
+            <p:cNvPr id="151" name="グラフィックス 150" descr="パイロット男性 単色塗りつぶし">
+              <a:extLst>
+                <a:ext uri="{FF2B5EF4-FFF2-40B4-BE49-F238E27FC236}">
+                  <a16:creationId xmlns:a16="http://schemas.microsoft.com/office/drawing/2014/main" id="{065EFE2F-8584-F67E-558C-30D4352FB3A5}"/>
+                </a:ext>
+              </a:extLst>
+            </p:cNvPr>
+            <p:cNvPicPr>
+              <a:picLocks noChangeAspect="1"/>
+            </p:cNvPicPr>
+            <p:nvPr/>
+          </p:nvPicPr>
+          <p:blipFill>
+            <a:blip r:embed="rId16">
+              <a:extLst>
+                <a:ext uri="{96DAC541-7B7A-43D3-8B79-37D633B846F1}">
+                  <asvg:svgBlip xmlns:asvg="http://schemas.microsoft.com/office/drawing/2016/SVG/main" r:embed="rId17"/>
+                </a:ext>
+              </a:extLst>
+            </a:blip>
+            <a:stretch>
+              <a:fillRect/>
+            </a:stretch>
+          </p:blipFill>
+          <p:spPr>
+            <a:xfrm>
+              <a:off x="3334711" y="5493996"/>
+              <a:ext cx="414196" cy="414196"/>
+            </a:xfrm>
+            <a:prstGeom prst="rect">
+              <a:avLst/>
+            </a:prstGeom>
+          </p:spPr>
+        </p:pic>
+      </p:grpSp>
+      <p:grpSp>
+        <p:nvGrpSpPr>
+          <p:cNvPr id="156" name="グループ化 155">
+            <a:extLst>
+              <a:ext uri="{FF2B5EF4-FFF2-40B4-BE49-F238E27FC236}">
+                <a16:creationId xmlns:a16="http://schemas.microsoft.com/office/drawing/2014/main" id="{14A0867A-BDE0-4638-016B-DE1F55B74CFB}"/>
+              </a:ext>
+            </a:extLst>
+          </p:cNvPr>
+          <p:cNvGrpSpPr/>
+          <p:nvPr/>
+        </p:nvGrpSpPr>
+        <p:grpSpPr>
+          <a:xfrm>
+            <a:off x="2419686" y="2579779"/>
+            <a:ext cx="474193" cy="474193"/>
+            <a:chOff x="3765530" y="5530504"/>
+            <a:chExt cx="474193" cy="474193"/>
+          </a:xfrm>
+        </p:grpSpPr>
+        <p:sp>
+          <p:nvSpPr>
+            <p:cNvPr id="157" name="正方形/長方形 156">
+              <a:extLst>
+                <a:ext uri="{FF2B5EF4-FFF2-40B4-BE49-F238E27FC236}">
+                  <a16:creationId xmlns:a16="http://schemas.microsoft.com/office/drawing/2014/main" id="{F915D4F2-54B3-2EFB-008E-C7F44B46CA11}"/>
+                </a:ext>
+              </a:extLst>
+            </p:cNvPr>
+            <p:cNvSpPr/>
+            <p:nvPr/>
+          </p:nvSpPr>
+          <p:spPr>
+            <a:xfrm>
+              <a:off x="3845760" y="5533194"/>
+              <a:ext cx="313733" cy="444638"/>
+            </a:xfrm>
+            <a:prstGeom prst="rect">
+              <a:avLst/>
+            </a:prstGeom>
+            <a:solidFill>
+              <a:schemeClr val="bg1"/>
+            </a:solidFill>
+            <a:ln>
+              <a:noFill/>
+            </a:ln>
+          </p:spPr>
+          <p:style>
+            <a:lnRef idx="2">
+              <a:schemeClr val="accent1">
+                <a:shade val="50000"/>
+              </a:schemeClr>
+            </a:lnRef>
+            <a:fillRef idx="1">
+              <a:schemeClr val="accent1"/>
+            </a:fillRef>
+            <a:effectRef idx="0">
+              <a:schemeClr val="accent1"/>
+            </a:effectRef>
+            <a:fontRef idx="minor">
+              <a:schemeClr val="lt1"/>
+            </a:fontRef>
+          </p:style>
+          <p:txBody>
+            <a:bodyPr vert="horz" rtlCol="0" anchor="ctr"/>
+            <a:lstStyle/>
+            <a:p>
+              <a:pPr algn="ctr"/>
+              <a:endParaRPr kumimoji="1" lang="ja-JP" altLang="en-US" dirty="0">
+                <a:solidFill>
+                  <a:schemeClr val="tx1"/>
+                </a:solidFill>
+              </a:endParaRPr>
+            </a:p>
+          </p:txBody>
+        </p:sp>
+        <p:pic>
+          <p:nvPicPr>
+            <p:cNvPr id="158" name="グラフィックス 157" descr="路面電車 単色塗りつぶし">
+              <a:extLst>
+                <a:ext uri="{FF2B5EF4-FFF2-40B4-BE49-F238E27FC236}">
+                  <a16:creationId xmlns:a16="http://schemas.microsoft.com/office/drawing/2014/main" id="{3DEF2507-C02F-0C4E-8E00-8F547A2C971A}"/>
+                </a:ext>
+              </a:extLst>
+            </p:cNvPr>
+            <p:cNvPicPr>
+              <a:picLocks noChangeAspect="1"/>
+            </p:cNvPicPr>
+            <p:nvPr/>
+          </p:nvPicPr>
+          <p:blipFill>
+            <a:blip r:embed="rId14">
+              <a:extLst>
+                <a:ext uri="{96DAC541-7B7A-43D3-8B79-37D633B846F1}">
+                  <asvg:svgBlip xmlns:asvg="http://schemas.microsoft.com/office/drawing/2016/SVG/main" r:embed="rId15"/>
+                </a:ext>
+              </a:extLst>
+            </a:blip>
+            <a:stretch>
+              <a:fillRect/>
+            </a:stretch>
+          </p:blipFill>
+          <p:spPr>
+            <a:xfrm>
+              <a:off x="3765530" y="5530504"/>
+              <a:ext cx="474193" cy="474193"/>
+            </a:xfrm>
+            <a:prstGeom prst="rect">
+              <a:avLst/>
+            </a:prstGeom>
+          </p:spPr>
+        </p:pic>
+      </p:grpSp>
+      <p:sp>
+        <p:nvSpPr>
+          <p:cNvPr id="159" name="テキスト ボックス 158">
+            <a:extLst>
+              <a:ext uri="{FF2B5EF4-FFF2-40B4-BE49-F238E27FC236}">
+                <a16:creationId xmlns:a16="http://schemas.microsoft.com/office/drawing/2014/main" id="{6B9EFE85-ED2E-9CE7-B245-4F2E0B9DC73E}"/>
+              </a:ext>
+            </a:extLst>
+          </p:cNvPr>
+          <p:cNvSpPr txBox="1"/>
+          <p:nvPr/>
+        </p:nvSpPr>
+        <p:spPr>
+          <a:xfrm>
+            <a:off x="10653302" y="731220"/>
+            <a:ext cx="1573190" cy="276999"/>
+          </a:xfrm>
+          <a:prstGeom prst="rect">
+            <a:avLst/>
+          </a:prstGeom>
+          <a:noFill/>
+        </p:spPr>
+        <p:txBody>
+          <a:bodyPr wrap="square" rtlCol="0">
+            <a:spAutoFit/>
+          </a:bodyPr>
+          <a:lstStyle/>
+          <a:p>
+            <a:pPr algn="ctr"/>
+            <a:r>
+              <a:rPr kumimoji="1" lang="ja-JP" altLang="en-US" sz="1200" dirty="0"/>
+              <a:t>下図は、熊谷が作成</a:t>
             </a:r>
           </a:p>
         </p:txBody>
@@ -13890,244 +16257,6 @@
       </p:grpSpPr>
       <p:sp>
         <p:nvSpPr>
-          <p:cNvPr id="57" name="正方形/長方形 56">
-            <a:extLst>
-              <a:ext uri="{FF2B5EF4-FFF2-40B4-BE49-F238E27FC236}">
-                <a16:creationId xmlns:a16="http://schemas.microsoft.com/office/drawing/2014/main" id="{6C1B96E1-030E-8A55-5E63-A7ADDF246FA9}"/>
-              </a:ext>
-            </a:extLst>
-          </p:cNvPr>
-          <p:cNvSpPr/>
-          <p:nvPr/>
-        </p:nvSpPr>
-        <p:spPr>
-          <a:xfrm>
-            <a:off x="535849" y="2733676"/>
-            <a:ext cx="11139096" cy="2320218"/>
-          </a:xfrm>
-          <a:prstGeom prst="rect">
-            <a:avLst/>
-          </a:prstGeom>
-          <a:solidFill>
-            <a:schemeClr val="accent2">
-              <a:lumMod val="20000"/>
-              <a:lumOff val="80000"/>
-              <a:alpha val="50000"/>
-            </a:schemeClr>
-          </a:solidFill>
-          <a:ln>
-            <a:noFill/>
-          </a:ln>
-        </p:spPr>
-        <p:style>
-          <a:lnRef idx="2">
-            <a:schemeClr val="accent1">
-              <a:shade val="50000"/>
-            </a:schemeClr>
-          </a:lnRef>
-          <a:fillRef idx="1">
-            <a:schemeClr val="accent1"/>
-          </a:fillRef>
-          <a:effectRef idx="0">
-            <a:schemeClr val="accent1"/>
-          </a:effectRef>
-          <a:fontRef idx="minor">
-            <a:schemeClr val="lt1"/>
-          </a:fontRef>
-        </p:style>
-        <p:txBody>
-          <a:bodyPr rtlCol="0" anchor="ctr"/>
-          <a:lstStyle/>
-          <a:p>
-            <a:pPr algn="ctr"/>
-            <a:endParaRPr kumimoji="1" lang="ja-JP" altLang="en-US">
-              <a:solidFill>
-                <a:schemeClr val="tx1"/>
-              </a:solidFill>
-            </a:endParaRPr>
-          </a:p>
-        </p:txBody>
-      </p:sp>
-      <p:cxnSp>
-        <p:nvCxnSpPr>
-          <p:cNvPr id="36" name="直線コネクタ 35">
-            <a:extLst>
-              <a:ext uri="{FF2B5EF4-FFF2-40B4-BE49-F238E27FC236}">
-                <a16:creationId xmlns:a16="http://schemas.microsoft.com/office/drawing/2014/main" id="{C22333EF-7D5E-5999-502F-295F66AA004E}"/>
-              </a:ext>
-            </a:extLst>
-          </p:cNvPr>
-          <p:cNvCxnSpPr>
-            <a:cxnSpLocks/>
-          </p:cNvCxnSpPr>
-          <p:nvPr/>
-        </p:nvCxnSpPr>
-        <p:spPr>
-          <a:xfrm>
-            <a:off x="1569311" y="3924138"/>
-            <a:ext cx="4196238" cy="0"/>
-          </a:xfrm>
-          <a:prstGeom prst="line">
-            <a:avLst/>
-          </a:prstGeom>
-          <a:ln w="19050">
-            <a:solidFill>
-              <a:schemeClr val="accent4"/>
-            </a:solidFill>
-            <a:prstDash val="lgDash"/>
-            <a:headEnd type="none" w="med" len="med"/>
-            <a:tailEnd type="none" w="med" len="med"/>
-          </a:ln>
-        </p:spPr>
-        <p:style>
-          <a:lnRef idx="1">
-            <a:schemeClr val="accent1"/>
-          </a:lnRef>
-          <a:fillRef idx="0">
-            <a:schemeClr val="accent1"/>
-          </a:fillRef>
-          <a:effectRef idx="0">
-            <a:schemeClr val="accent1"/>
-          </a:effectRef>
-          <a:fontRef idx="minor">
-            <a:schemeClr val="tx1"/>
-          </a:fontRef>
-        </p:style>
-      </p:cxnSp>
-      <p:cxnSp>
-        <p:nvCxnSpPr>
-          <p:cNvPr id="37" name="直線コネクタ 36">
-            <a:extLst>
-              <a:ext uri="{FF2B5EF4-FFF2-40B4-BE49-F238E27FC236}">
-                <a16:creationId xmlns:a16="http://schemas.microsoft.com/office/drawing/2014/main" id="{AB037BDA-6E8D-51B6-2434-9402FDE48651}"/>
-              </a:ext>
-            </a:extLst>
-          </p:cNvPr>
-          <p:cNvCxnSpPr>
-            <a:cxnSpLocks/>
-          </p:cNvCxnSpPr>
-          <p:nvPr/>
-        </p:nvCxnSpPr>
-        <p:spPr>
-          <a:xfrm>
-            <a:off x="1578836" y="3586000"/>
-            <a:ext cx="4196238" cy="0"/>
-          </a:xfrm>
-          <a:prstGeom prst="line">
-            <a:avLst/>
-          </a:prstGeom>
-          <a:ln w="19050">
-            <a:solidFill>
-              <a:schemeClr val="accent4"/>
-            </a:solidFill>
-            <a:prstDash val="lgDash"/>
-            <a:headEnd type="none" w="med" len="med"/>
-            <a:tailEnd type="none" w="med" len="med"/>
-          </a:ln>
-        </p:spPr>
-        <p:style>
-          <a:lnRef idx="1">
-            <a:schemeClr val="accent1"/>
-          </a:lnRef>
-          <a:fillRef idx="0">
-            <a:schemeClr val="accent1"/>
-          </a:fillRef>
-          <a:effectRef idx="0">
-            <a:schemeClr val="accent1"/>
-          </a:effectRef>
-          <a:fontRef idx="minor">
-            <a:schemeClr val="tx1"/>
-          </a:fontRef>
-        </p:style>
-      </p:cxnSp>
-      <p:cxnSp>
-        <p:nvCxnSpPr>
-          <p:cNvPr id="34" name="直線コネクタ 33">
-            <a:extLst>
-              <a:ext uri="{FF2B5EF4-FFF2-40B4-BE49-F238E27FC236}">
-                <a16:creationId xmlns:a16="http://schemas.microsoft.com/office/drawing/2014/main" id="{CD675A7B-8012-E736-C180-CD0F0CA071FE}"/>
-              </a:ext>
-            </a:extLst>
-          </p:cNvPr>
-          <p:cNvCxnSpPr>
-            <a:cxnSpLocks/>
-          </p:cNvCxnSpPr>
-          <p:nvPr/>
-        </p:nvCxnSpPr>
-        <p:spPr>
-          <a:xfrm>
-            <a:off x="6241086" y="3924138"/>
-            <a:ext cx="4196238" cy="0"/>
-          </a:xfrm>
-          <a:prstGeom prst="line">
-            <a:avLst/>
-          </a:prstGeom>
-          <a:ln w="19050">
-            <a:prstDash val="lgDash"/>
-            <a:headEnd type="none" w="med" len="med"/>
-            <a:tailEnd type="none" w="med" len="med"/>
-          </a:ln>
-        </p:spPr>
-        <p:style>
-          <a:lnRef idx="1">
-            <a:schemeClr val="accent1"/>
-          </a:lnRef>
-          <a:fillRef idx="0">
-            <a:schemeClr val="accent1"/>
-          </a:fillRef>
-          <a:effectRef idx="0">
-            <a:schemeClr val="accent1"/>
-          </a:effectRef>
-          <a:fontRef idx="minor">
-            <a:schemeClr val="tx1"/>
-          </a:fontRef>
-        </p:style>
-      </p:cxnSp>
-      <p:cxnSp>
-        <p:nvCxnSpPr>
-          <p:cNvPr id="35" name="直線コネクタ 34">
-            <a:extLst>
-              <a:ext uri="{FF2B5EF4-FFF2-40B4-BE49-F238E27FC236}">
-                <a16:creationId xmlns:a16="http://schemas.microsoft.com/office/drawing/2014/main" id="{FA346565-3289-8FDB-B5F5-1050002EC75C}"/>
-              </a:ext>
-            </a:extLst>
-          </p:cNvPr>
-          <p:cNvCxnSpPr>
-            <a:cxnSpLocks/>
-          </p:cNvCxnSpPr>
-          <p:nvPr/>
-        </p:nvCxnSpPr>
-        <p:spPr>
-          <a:xfrm>
-            <a:off x="6250611" y="3586000"/>
-            <a:ext cx="4196238" cy="0"/>
-          </a:xfrm>
-          <a:prstGeom prst="line">
-            <a:avLst/>
-          </a:prstGeom>
-          <a:ln w="19050">
-            <a:prstDash val="lgDash"/>
-            <a:headEnd type="none" w="med" len="med"/>
-            <a:tailEnd type="none" w="med" len="med"/>
-          </a:ln>
-        </p:spPr>
-        <p:style>
-          <a:lnRef idx="1">
-            <a:schemeClr val="accent1"/>
-          </a:lnRef>
-          <a:fillRef idx="0">
-            <a:schemeClr val="accent1"/>
-          </a:fillRef>
-          <a:effectRef idx="0">
-            <a:schemeClr val="accent1"/>
-          </a:effectRef>
-          <a:fontRef idx="minor">
-            <a:schemeClr val="tx1"/>
-          </a:fontRef>
-        </p:style>
-      </p:cxnSp>
-      <p:sp>
-        <p:nvSpPr>
           <p:cNvPr id="5" name="タイトル 4">
             <a:extLst>
               <a:ext uri="{FF2B5EF4-FFF2-40B4-BE49-F238E27FC236}">
@@ -14148,12 +16277,8 @@
           <a:lstStyle/>
           <a:p>
             <a:r>
-              <a:rPr lang="en-US" altLang="ja-JP" dirty="0"/>
-              <a:t>SoS</a:t>
-            </a:r>
-            <a:r>
               <a:rPr lang="ja-JP" altLang="en-US" dirty="0"/>
-              <a:t>の事例：鉄道の相互直通運転の運行管理</a:t>
+              <a:t>まとめ</a:t>
             </a:r>
             <a:endParaRPr lang="en-US" dirty="0"/>
           </a:p>
@@ -14205,1331 +16330,46 @@
             <p:ph type="body" sz="quarter" idx="11"/>
           </p:nvPr>
         </p:nvSpPr>
-        <p:spPr>
-          <a:xfrm>
-            <a:off x="517055" y="1071367"/>
-            <a:ext cx="11341887" cy="627550"/>
-          </a:xfrm>
-        </p:spPr>
+        <p:spPr/>
         <p:txBody>
           <a:bodyPr/>
           <a:lstStyle/>
           <a:p>
             <a:r>
               <a:rPr lang="ja-JP" altLang="en-US" dirty="0"/>
-              <a:t>ターミナル駅の乗換混雑緩和や所要時間削減のために、鉄道事業者間で連携する。</a:t>
+              <a:t>まずは、来週前半にこの提言を分科会事務局に話してみる。</a:t>
             </a:r>
             <a:endParaRPr lang="en-US" altLang="ja-JP" dirty="0"/>
           </a:p>
-        </p:txBody>
-      </p:sp>
-      <p:cxnSp>
-        <p:nvCxnSpPr>
-          <p:cNvPr id="4" name="直線コネクタ 3">
-            <a:extLst>
-              <a:ext uri="{FF2B5EF4-FFF2-40B4-BE49-F238E27FC236}">
-                <a16:creationId xmlns:a16="http://schemas.microsoft.com/office/drawing/2014/main" id="{E579CF5E-7171-055D-9D06-E4403A22B763}"/>
-              </a:ext>
-            </a:extLst>
-          </p:cNvPr>
-          <p:cNvCxnSpPr>
-            <a:cxnSpLocks/>
-          </p:cNvCxnSpPr>
-          <p:nvPr/>
-        </p:nvCxnSpPr>
-        <p:spPr>
-          <a:xfrm>
-            <a:off x="4210952" y="3705510"/>
-            <a:ext cx="6221372" cy="0"/>
-          </a:xfrm>
-          <a:prstGeom prst="line">
-            <a:avLst/>
-          </a:prstGeom>
-          <a:ln w="57150">
-            <a:prstDash val="solid"/>
-            <a:headEnd type="none" w="med" len="med"/>
-            <a:tailEnd type="none" w="med" len="med"/>
-          </a:ln>
-        </p:spPr>
-        <p:style>
-          <a:lnRef idx="1">
-            <a:schemeClr val="accent1"/>
-          </a:lnRef>
-          <a:fillRef idx="0">
-            <a:schemeClr val="accent1"/>
-          </a:fillRef>
-          <a:effectRef idx="0">
-            <a:schemeClr val="accent1"/>
-          </a:effectRef>
-          <a:fontRef idx="minor">
-            <a:schemeClr val="tx1"/>
-          </a:fontRef>
-        </p:style>
-      </p:cxnSp>
-      <p:cxnSp>
-        <p:nvCxnSpPr>
-          <p:cNvPr id="6" name="直線コネクタ 5">
-            <a:extLst>
-              <a:ext uri="{FF2B5EF4-FFF2-40B4-BE49-F238E27FC236}">
-                <a16:creationId xmlns:a16="http://schemas.microsoft.com/office/drawing/2014/main" id="{7AC5AEE7-20F7-539F-FA76-A91D0C9B0954}"/>
-              </a:ext>
-            </a:extLst>
-          </p:cNvPr>
-          <p:cNvCxnSpPr>
-            <a:cxnSpLocks/>
-          </p:cNvCxnSpPr>
-          <p:nvPr/>
-        </p:nvCxnSpPr>
-        <p:spPr>
-          <a:xfrm>
-            <a:off x="1569311" y="3821907"/>
-            <a:ext cx="6281738" cy="0"/>
-          </a:xfrm>
-          <a:prstGeom prst="line">
-            <a:avLst/>
-          </a:prstGeom>
-          <a:ln w="57150">
-            <a:solidFill>
-              <a:schemeClr val="accent4"/>
-            </a:solidFill>
-            <a:prstDash val="solid"/>
-            <a:headEnd type="none" w="med" len="med"/>
-            <a:tailEnd type="none" w="med" len="med"/>
-          </a:ln>
-        </p:spPr>
-        <p:style>
-          <a:lnRef idx="1">
-            <a:schemeClr val="accent1"/>
-          </a:lnRef>
-          <a:fillRef idx="0">
-            <a:schemeClr val="accent1"/>
-          </a:fillRef>
-          <a:effectRef idx="0">
-            <a:schemeClr val="accent1"/>
-          </a:effectRef>
-          <a:fontRef idx="minor">
-            <a:schemeClr val="tx1"/>
-          </a:fontRef>
-        </p:style>
-      </p:cxnSp>
-      <p:sp>
-        <p:nvSpPr>
-          <p:cNvPr id="11" name="正方形/長方形 10">
-            <a:extLst>
-              <a:ext uri="{FF2B5EF4-FFF2-40B4-BE49-F238E27FC236}">
-                <a16:creationId xmlns:a16="http://schemas.microsoft.com/office/drawing/2014/main" id="{C89941AA-3460-F9CD-9F77-CA2BD6106892}"/>
-              </a:ext>
-            </a:extLst>
-          </p:cNvPr>
-          <p:cNvSpPr/>
-          <p:nvPr/>
-        </p:nvSpPr>
-        <p:spPr>
-          <a:xfrm>
-            <a:off x="5774599" y="2905126"/>
-            <a:ext cx="447675" cy="1685924"/>
-          </a:xfrm>
-          <a:prstGeom prst="rect">
-            <a:avLst/>
-          </a:prstGeom>
-          <a:solidFill>
-            <a:schemeClr val="bg1"/>
-          </a:solidFill>
-        </p:spPr>
-        <p:style>
-          <a:lnRef idx="2">
-            <a:schemeClr val="accent1">
-              <a:shade val="50000"/>
-            </a:schemeClr>
-          </a:lnRef>
-          <a:fillRef idx="1">
-            <a:schemeClr val="accent1"/>
-          </a:fillRef>
-          <a:effectRef idx="0">
-            <a:schemeClr val="accent1"/>
-          </a:effectRef>
-          <a:fontRef idx="minor">
-            <a:schemeClr val="lt1"/>
-          </a:fontRef>
-        </p:style>
-        <p:txBody>
-          <a:bodyPr vert="eaVert" rtlCol="0" anchor="ctr"/>
-          <a:lstStyle/>
-          <a:p>
-            <a:pPr algn="ctr"/>
-            <a:r>
-              <a:rPr kumimoji="1" lang="ja-JP" altLang="en-US" dirty="0">
-                <a:solidFill>
-                  <a:schemeClr val="tx1"/>
-                </a:solidFill>
-              </a:rPr>
-              <a:t>ターミナル駅</a:t>
-            </a:r>
-          </a:p>
-        </p:txBody>
-      </p:sp>
-      <p:sp>
-        <p:nvSpPr>
-          <p:cNvPr id="12" name="正方形/長方形 11">
-            <a:extLst>
-              <a:ext uri="{FF2B5EF4-FFF2-40B4-BE49-F238E27FC236}">
-                <a16:creationId xmlns:a16="http://schemas.microsoft.com/office/drawing/2014/main" id="{98B4EF2C-3F28-AAAD-E3D7-B5C6FD2FC97F}"/>
-              </a:ext>
-            </a:extLst>
-          </p:cNvPr>
-          <p:cNvSpPr/>
-          <p:nvPr/>
-        </p:nvSpPr>
-        <p:spPr>
-          <a:xfrm>
-            <a:off x="10456136" y="3192659"/>
-            <a:ext cx="447675" cy="1155502"/>
-          </a:xfrm>
-          <a:prstGeom prst="rect">
-            <a:avLst/>
-          </a:prstGeom>
-          <a:solidFill>
-            <a:schemeClr val="bg1"/>
-          </a:solidFill>
-        </p:spPr>
-        <p:style>
-          <a:lnRef idx="2">
-            <a:schemeClr val="accent1">
-              <a:shade val="50000"/>
-            </a:schemeClr>
-          </a:lnRef>
-          <a:fillRef idx="1">
-            <a:schemeClr val="accent1"/>
-          </a:fillRef>
-          <a:effectRef idx="0">
-            <a:schemeClr val="accent1"/>
-          </a:effectRef>
-          <a:fontRef idx="minor">
-            <a:schemeClr val="lt1"/>
-          </a:fontRef>
-        </p:style>
-        <p:txBody>
-          <a:bodyPr vert="eaVert" rtlCol="0" anchor="ctr"/>
-          <a:lstStyle/>
-          <a:p>
-            <a:pPr algn="ctr"/>
-            <a:r>
-              <a:rPr kumimoji="1" lang="ja-JP" altLang="en-US" dirty="0">
-                <a:solidFill>
-                  <a:schemeClr val="tx1"/>
-                </a:solidFill>
-              </a:rPr>
-              <a:t>駅</a:t>
-            </a:r>
-          </a:p>
-        </p:txBody>
-      </p:sp>
-      <p:pic>
-        <p:nvPicPr>
-          <p:cNvPr id="14" name="グラフィックス 13" descr="路面電車 単色塗りつぶし">
-            <a:extLst>
-              <a:ext uri="{FF2B5EF4-FFF2-40B4-BE49-F238E27FC236}">
-                <a16:creationId xmlns:a16="http://schemas.microsoft.com/office/drawing/2014/main" id="{427E5E76-9284-054C-C0B1-005EE88F5401}"/>
-              </a:ext>
-            </a:extLst>
-          </p:cNvPr>
-          <p:cNvPicPr>
-            <a:picLocks noChangeAspect="1"/>
-          </p:cNvPicPr>
-          <p:nvPr/>
-        </p:nvPicPr>
-        <p:blipFill>
-          <a:blip r:embed="rId2">
-            <a:extLst>
-              <a:ext uri="{96DAC541-7B7A-43D3-8B79-37D633B846F1}">
-                <asvg:svgBlip xmlns:asvg="http://schemas.microsoft.com/office/drawing/2016/SVG/main" r:embed="rId3"/>
-              </a:ext>
-            </a:extLst>
-          </a:blip>
-          <a:stretch>
-            <a:fillRect/>
-          </a:stretch>
-        </p:blipFill>
-        <p:spPr>
-          <a:xfrm>
-            <a:off x="9362419" y="2989722"/>
-            <a:ext cx="474193" cy="474193"/>
-          </a:xfrm>
-          <a:prstGeom prst="rect">
-            <a:avLst/>
-          </a:prstGeom>
-        </p:spPr>
-      </p:pic>
-      <p:sp>
-        <p:nvSpPr>
-          <p:cNvPr id="15" name="正方形/長方形 14">
-            <a:extLst>
-              <a:ext uri="{FF2B5EF4-FFF2-40B4-BE49-F238E27FC236}">
-                <a16:creationId xmlns:a16="http://schemas.microsoft.com/office/drawing/2014/main" id="{E8F36CB1-EBC6-6D6E-3A1B-6CCC7DB023F9}"/>
-              </a:ext>
-            </a:extLst>
-          </p:cNvPr>
-          <p:cNvSpPr/>
-          <p:nvPr/>
-        </p:nvSpPr>
-        <p:spPr>
-          <a:xfrm>
-            <a:off x="1121636" y="3248026"/>
-            <a:ext cx="447675" cy="1109661"/>
-          </a:xfrm>
-          <a:prstGeom prst="rect">
-            <a:avLst/>
-          </a:prstGeom>
-          <a:solidFill>
-            <a:schemeClr val="bg1"/>
-          </a:solidFill>
-        </p:spPr>
-        <p:style>
-          <a:lnRef idx="2">
-            <a:schemeClr val="accent1">
-              <a:shade val="50000"/>
-            </a:schemeClr>
-          </a:lnRef>
-          <a:fillRef idx="1">
-            <a:schemeClr val="accent1"/>
-          </a:fillRef>
-          <a:effectRef idx="0">
-            <a:schemeClr val="accent1"/>
-          </a:effectRef>
-          <a:fontRef idx="minor">
-            <a:schemeClr val="lt1"/>
-          </a:fontRef>
-        </p:style>
-        <p:txBody>
-          <a:bodyPr vert="eaVert" rtlCol="0" anchor="ctr"/>
-          <a:lstStyle/>
-          <a:p>
-            <a:pPr algn="ctr"/>
-            <a:r>
-              <a:rPr kumimoji="1" lang="ja-JP" altLang="en-US" dirty="0">
-                <a:solidFill>
-                  <a:schemeClr val="tx1"/>
-                </a:solidFill>
-              </a:rPr>
-              <a:t>駅</a:t>
-            </a:r>
-          </a:p>
-        </p:txBody>
-      </p:sp>
-      <p:sp>
-        <p:nvSpPr>
-          <p:cNvPr id="22" name="正方形/長方形 21">
-            <a:extLst>
-              <a:ext uri="{FF2B5EF4-FFF2-40B4-BE49-F238E27FC236}">
-                <a16:creationId xmlns:a16="http://schemas.microsoft.com/office/drawing/2014/main" id="{D2AE674A-73D0-1418-B4F8-C78F07D27E96}"/>
-              </a:ext>
-            </a:extLst>
-          </p:cNvPr>
-          <p:cNvSpPr/>
-          <p:nvPr/>
-        </p:nvSpPr>
-        <p:spPr>
-          <a:xfrm>
-            <a:off x="3763277" y="3238501"/>
-            <a:ext cx="447675" cy="1109661"/>
-          </a:xfrm>
-          <a:prstGeom prst="rect">
-            <a:avLst/>
-          </a:prstGeom>
-          <a:solidFill>
-            <a:schemeClr val="bg1"/>
-          </a:solidFill>
-        </p:spPr>
-        <p:style>
-          <a:lnRef idx="2">
-            <a:schemeClr val="accent1">
-              <a:shade val="50000"/>
-            </a:schemeClr>
-          </a:lnRef>
-          <a:fillRef idx="1">
-            <a:schemeClr val="accent1"/>
-          </a:fillRef>
-          <a:effectRef idx="0">
-            <a:schemeClr val="accent1"/>
-          </a:effectRef>
-          <a:fontRef idx="minor">
-            <a:schemeClr val="lt1"/>
-          </a:fontRef>
-        </p:style>
-        <p:txBody>
-          <a:bodyPr vert="eaVert" rtlCol="0" anchor="ctr"/>
-          <a:lstStyle/>
-          <a:p>
-            <a:pPr algn="ctr"/>
-            <a:r>
-              <a:rPr kumimoji="1" lang="ja-JP" altLang="en-US" dirty="0">
-                <a:solidFill>
-                  <a:schemeClr val="tx1"/>
-                </a:solidFill>
-              </a:rPr>
-              <a:t>駅</a:t>
-            </a:r>
-          </a:p>
-        </p:txBody>
-      </p:sp>
-      <p:pic>
-        <p:nvPicPr>
-          <p:cNvPr id="27" name="グラフィックス 26" descr="路面電車 単色塗りつぶし">
-            <a:extLst>
-              <a:ext uri="{FF2B5EF4-FFF2-40B4-BE49-F238E27FC236}">
-                <a16:creationId xmlns:a16="http://schemas.microsoft.com/office/drawing/2014/main" id="{46936ECC-9554-6C82-53C5-8D1154F654D2}"/>
-              </a:ext>
-            </a:extLst>
-          </p:cNvPr>
-          <p:cNvPicPr>
-            <a:picLocks noChangeAspect="1"/>
-          </p:cNvPicPr>
-          <p:nvPr/>
-        </p:nvPicPr>
-        <p:blipFill>
-          <a:blip r:embed="rId4">
-            <a:extLst>
-              <a:ext uri="{96DAC541-7B7A-43D3-8B79-37D633B846F1}">
-                <asvg:svgBlip xmlns:asvg="http://schemas.microsoft.com/office/drawing/2016/SVG/main" r:embed="rId5"/>
-              </a:ext>
-            </a:extLst>
-          </a:blip>
-          <a:stretch>
-            <a:fillRect/>
-          </a:stretch>
-        </p:blipFill>
-        <p:spPr>
-          <a:xfrm>
-            <a:off x="2696552" y="4034543"/>
-            <a:ext cx="474193" cy="474193"/>
-          </a:xfrm>
-          <a:prstGeom prst="rect">
-            <a:avLst/>
-          </a:prstGeom>
-        </p:spPr>
-      </p:pic>
-      <p:sp>
-        <p:nvSpPr>
-          <p:cNvPr id="28" name="正方形/長方形 27">
-            <a:extLst>
-              <a:ext uri="{FF2B5EF4-FFF2-40B4-BE49-F238E27FC236}">
-                <a16:creationId xmlns:a16="http://schemas.microsoft.com/office/drawing/2014/main" id="{35D8135B-E6A1-9013-D196-6EAAD6D183B2}"/>
-              </a:ext>
-            </a:extLst>
-          </p:cNvPr>
-          <p:cNvSpPr/>
-          <p:nvPr/>
-        </p:nvSpPr>
-        <p:spPr>
-          <a:xfrm>
-            <a:off x="7843193" y="3197830"/>
-            <a:ext cx="447675" cy="1109661"/>
-          </a:xfrm>
-          <a:prstGeom prst="rect">
-            <a:avLst/>
-          </a:prstGeom>
-          <a:solidFill>
-            <a:schemeClr val="bg1"/>
-          </a:solidFill>
-        </p:spPr>
-        <p:style>
-          <a:lnRef idx="2">
-            <a:schemeClr val="accent1">
-              <a:shade val="50000"/>
-            </a:schemeClr>
-          </a:lnRef>
-          <a:fillRef idx="1">
-            <a:schemeClr val="accent1"/>
-          </a:fillRef>
-          <a:effectRef idx="0">
-            <a:schemeClr val="accent1"/>
-          </a:effectRef>
-          <a:fontRef idx="minor">
-            <a:schemeClr val="lt1"/>
-          </a:fontRef>
-        </p:style>
-        <p:txBody>
-          <a:bodyPr vert="eaVert" rtlCol="0" anchor="ctr"/>
-          <a:lstStyle/>
-          <a:p>
-            <a:pPr algn="ctr"/>
-            <a:r>
-              <a:rPr kumimoji="1" lang="ja-JP" altLang="en-US" dirty="0">
-                <a:solidFill>
-                  <a:schemeClr val="tx1"/>
-                </a:solidFill>
-              </a:rPr>
-              <a:t>駅</a:t>
-            </a:r>
-          </a:p>
-        </p:txBody>
-      </p:sp>
-      <p:pic>
-        <p:nvPicPr>
-          <p:cNvPr id="43" name="グラフィックス 42" descr="路面電車 単色塗りつぶし">
-            <a:extLst>
-              <a:ext uri="{FF2B5EF4-FFF2-40B4-BE49-F238E27FC236}">
-                <a16:creationId xmlns:a16="http://schemas.microsoft.com/office/drawing/2014/main" id="{5971B6E4-1F0F-A70E-3585-B9A92595F46F}"/>
-              </a:ext>
-            </a:extLst>
-          </p:cNvPr>
-          <p:cNvPicPr>
-            <a:picLocks noChangeAspect="1"/>
-          </p:cNvPicPr>
-          <p:nvPr/>
-        </p:nvPicPr>
-        <p:blipFill>
-          <a:blip r:embed="rId2">
-            <a:extLst>
-              <a:ext uri="{96DAC541-7B7A-43D3-8B79-37D633B846F1}">
-                <asvg:svgBlip xmlns:asvg="http://schemas.microsoft.com/office/drawing/2016/SVG/main" r:embed="rId3"/>
-              </a:ext>
-            </a:extLst>
-          </a:blip>
-          <a:stretch>
-            <a:fillRect/>
-          </a:stretch>
-        </p:blipFill>
-        <p:spPr>
-          <a:xfrm>
-            <a:off x="4986337" y="2989722"/>
-            <a:ext cx="474193" cy="474193"/>
-          </a:xfrm>
-          <a:prstGeom prst="rect">
-            <a:avLst/>
-          </a:prstGeom>
-        </p:spPr>
-      </p:pic>
-      <p:pic>
-        <p:nvPicPr>
-          <p:cNvPr id="45" name="グラフィックス 44" descr="パイロット男性 単色塗りつぶし">
-            <a:extLst>
-              <a:ext uri="{FF2B5EF4-FFF2-40B4-BE49-F238E27FC236}">
-                <a16:creationId xmlns:a16="http://schemas.microsoft.com/office/drawing/2014/main" id="{6F7B6F67-B8AE-780A-57A8-1C8F0CCC2C29}"/>
-              </a:ext>
-            </a:extLst>
-          </p:cNvPr>
-          <p:cNvPicPr>
-            <a:picLocks noChangeAspect="1"/>
-          </p:cNvPicPr>
-          <p:nvPr/>
-        </p:nvPicPr>
-        <p:blipFill>
-          <a:blip r:embed="rId6">
-            <a:extLst>
-              <a:ext uri="{96DAC541-7B7A-43D3-8B79-37D633B846F1}">
-                <asvg:svgBlip xmlns:asvg="http://schemas.microsoft.com/office/drawing/2016/SVG/main" r:embed="rId7"/>
-              </a:ext>
-            </a:extLst>
-          </a:blip>
-          <a:stretch>
-            <a:fillRect/>
-          </a:stretch>
-        </p:blipFill>
-        <p:spPr>
-          <a:xfrm>
-            <a:off x="8806764" y="2935034"/>
-            <a:ext cx="583569" cy="583569"/>
-          </a:xfrm>
-          <a:prstGeom prst="rect">
-            <a:avLst/>
-          </a:prstGeom>
-        </p:spPr>
-      </p:pic>
-      <p:pic>
-        <p:nvPicPr>
-          <p:cNvPr id="48" name="グラフィックス 47" descr="パイロット女性 単色塗りつぶし">
-            <a:extLst>
-              <a:ext uri="{FF2B5EF4-FFF2-40B4-BE49-F238E27FC236}">
-                <a16:creationId xmlns:a16="http://schemas.microsoft.com/office/drawing/2014/main" id="{CC66D20E-480F-107C-07F0-7A2FD94CC4BF}"/>
-              </a:ext>
-            </a:extLst>
-          </p:cNvPr>
-          <p:cNvPicPr>
-            <a:picLocks noChangeAspect="1"/>
-          </p:cNvPicPr>
-          <p:nvPr/>
-        </p:nvPicPr>
-        <p:blipFill>
-          <a:blip r:embed="rId8">
-            <a:extLst>
-              <a:ext uri="{96DAC541-7B7A-43D3-8B79-37D633B846F1}">
-                <asvg:svgBlip xmlns:asvg="http://schemas.microsoft.com/office/drawing/2016/SVG/main" r:embed="rId9"/>
-              </a:ext>
-            </a:extLst>
-          </a:blip>
-          <a:stretch>
-            <a:fillRect/>
-          </a:stretch>
-        </p:blipFill>
-        <p:spPr>
-          <a:xfrm>
-            <a:off x="4477317" y="2954771"/>
-            <a:ext cx="544094" cy="544094"/>
-          </a:xfrm>
-          <a:prstGeom prst="rect">
-            <a:avLst/>
-          </a:prstGeom>
-        </p:spPr>
-      </p:pic>
-      <p:pic>
-        <p:nvPicPr>
-          <p:cNvPr id="49" name="グラフィックス 48" descr="パイロット女性 単色塗りつぶし">
-            <a:extLst>
-              <a:ext uri="{FF2B5EF4-FFF2-40B4-BE49-F238E27FC236}">
-                <a16:creationId xmlns:a16="http://schemas.microsoft.com/office/drawing/2014/main" id="{13615C81-F4C7-34AC-740A-9BAF533F89E3}"/>
-              </a:ext>
-            </a:extLst>
-          </p:cNvPr>
-          <p:cNvPicPr>
-            <a:picLocks noChangeAspect="1"/>
-          </p:cNvPicPr>
-          <p:nvPr/>
-        </p:nvPicPr>
-        <p:blipFill>
-          <a:blip r:embed="rId8">
-            <a:extLst>
-              <a:ext uri="{96DAC541-7B7A-43D3-8B79-37D633B846F1}">
-                <asvg:svgBlip xmlns:asvg="http://schemas.microsoft.com/office/drawing/2016/SVG/main" r:embed="rId9"/>
-              </a:ext>
-            </a:extLst>
-          </a:blip>
-          <a:stretch>
-            <a:fillRect/>
-          </a:stretch>
-        </p:blipFill>
-        <p:spPr>
-          <a:xfrm>
-            <a:off x="2124268" y="3999592"/>
-            <a:ext cx="544094" cy="544094"/>
-          </a:xfrm>
-          <a:prstGeom prst="rect">
-            <a:avLst/>
-          </a:prstGeom>
-        </p:spPr>
-      </p:pic>
-      <p:pic>
-        <p:nvPicPr>
-          <p:cNvPr id="50" name="グラフィックス 49" descr="路面電車 単色塗りつぶし">
-            <a:extLst>
-              <a:ext uri="{FF2B5EF4-FFF2-40B4-BE49-F238E27FC236}">
-                <a16:creationId xmlns:a16="http://schemas.microsoft.com/office/drawing/2014/main" id="{2438B0C4-8A26-144A-552D-3705CA3C6F03}"/>
-              </a:ext>
-            </a:extLst>
-          </p:cNvPr>
-          <p:cNvPicPr>
-            <a:picLocks noChangeAspect="1"/>
-          </p:cNvPicPr>
-          <p:nvPr/>
-        </p:nvPicPr>
-        <p:blipFill>
-          <a:blip r:embed="rId4">
-            <a:extLst>
-              <a:ext uri="{96DAC541-7B7A-43D3-8B79-37D633B846F1}">
-                <asvg:svgBlip xmlns:asvg="http://schemas.microsoft.com/office/drawing/2016/SVG/main" r:embed="rId5"/>
-              </a:ext>
-            </a:extLst>
-          </a:blip>
-          <a:stretch>
-            <a:fillRect/>
-          </a:stretch>
-        </p:blipFill>
-        <p:spPr>
-          <a:xfrm>
-            <a:off x="7100835" y="4034543"/>
-            <a:ext cx="474193" cy="474193"/>
-          </a:xfrm>
-          <a:prstGeom prst="rect">
-            <a:avLst/>
-          </a:prstGeom>
-        </p:spPr>
-      </p:pic>
-      <p:pic>
-        <p:nvPicPr>
-          <p:cNvPr id="51" name="グラフィックス 50" descr="パイロット男性 単色塗りつぶし">
-            <a:extLst>
-              <a:ext uri="{FF2B5EF4-FFF2-40B4-BE49-F238E27FC236}">
-                <a16:creationId xmlns:a16="http://schemas.microsoft.com/office/drawing/2014/main" id="{C71F823B-9BE8-EF26-AE9D-A291EB72C2E3}"/>
-              </a:ext>
-            </a:extLst>
-          </p:cNvPr>
-          <p:cNvPicPr>
-            <a:picLocks noChangeAspect="1"/>
-          </p:cNvPicPr>
-          <p:nvPr/>
-        </p:nvPicPr>
-        <p:blipFill>
-          <a:blip r:embed="rId6">
-            <a:extLst>
-              <a:ext uri="{96DAC541-7B7A-43D3-8B79-37D633B846F1}">
-                <asvg:svgBlip xmlns:asvg="http://schemas.microsoft.com/office/drawing/2016/SVG/main" r:embed="rId7"/>
-              </a:ext>
-            </a:extLst>
-          </a:blip>
-          <a:stretch>
-            <a:fillRect/>
-          </a:stretch>
-        </p:blipFill>
-        <p:spPr>
-          <a:xfrm>
-            <a:off x="6522803" y="3979855"/>
-            <a:ext cx="583569" cy="583569"/>
-          </a:xfrm>
-          <a:prstGeom prst="rect">
-            <a:avLst/>
-          </a:prstGeom>
-        </p:spPr>
-      </p:pic>
-      <p:cxnSp>
-        <p:nvCxnSpPr>
-          <p:cNvPr id="53" name="直線矢印コネクタ 52">
-            <a:extLst>
-              <a:ext uri="{FF2B5EF4-FFF2-40B4-BE49-F238E27FC236}">
-                <a16:creationId xmlns:a16="http://schemas.microsoft.com/office/drawing/2014/main" id="{CD2049FF-0CDA-8FB1-7E1E-EAA4015A9982}"/>
-              </a:ext>
-            </a:extLst>
-          </p:cNvPr>
-          <p:cNvCxnSpPr>
-            <a:cxnSpLocks/>
-          </p:cNvCxnSpPr>
-          <p:nvPr/>
-        </p:nvCxnSpPr>
-        <p:spPr>
-          <a:xfrm>
-            <a:off x="4288699" y="4657725"/>
-            <a:ext cx="1476850" cy="0"/>
-          </a:xfrm>
-          <a:prstGeom prst="straightConnector1">
-            <a:avLst/>
-          </a:prstGeom>
-          <a:ln>
-            <a:headEnd type="triangle"/>
-            <a:tailEnd type="triangle"/>
-          </a:ln>
-        </p:spPr>
-        <p:style>
-          <a:lnRef idx="1">
-            <a:schemeClr val="accent1"/>
-          </a:lnRef>
-          <a:fillRef idx="0">
-            <a:schemeClr val="accent1"/>
-          </a:fillRef>
-          <a:effectRef idx="0">
-            <a:schemeClr val="accent1"/>
-          </a:effectRef>
-          <a:fontRef idx="minor">
-            <a:schemeClr val="tx1"/>
-          </a:fontRef>
-        </p:style>
-      </p:cxnSp>
-      <p:cxnSp>
-        <p:nvCxnSpPr>
-          <p:cNvPr id="54" name="直線矢印コネクタ 53">
-            <a:extLst>
-              <a:ext uri="{FF2B5EF4-FFF2-40B4-BE49-F238E27FC236}">
-                <a16:creationId xmlns:a16="http://schemas.microsoft.com/office/drawing/2014/main" id="{E903935F-64B3-874A-B226-1221D8A703A0}"/>
-              </a:ext>
-            </a:extLst>
-          </p:cNvPr>
-          <p:cNvCxnSpPr>
-            <a:cxnSpLocks/>
-          </p:cNvCxnSpPr>
-          <p:nvPr/>
-        </p:nvCxnSpPr>
-        <p:spPr>
-          <a:xfrm>
-            <a:off x="6253110" y="4657725"/>
-            <a:ext cx="1476850" cy="0"/>
-          </a:xfrm>
-          <a:prstGeom prst="straightConnector1">
-            <a:avLst/>
-          </a:prstGeom>
-          <a:ln>
-            <a:headEnd type="triangle"/>
-            <a:tailEnd type="triangle"/>
-          </a:ln>
-        </p:spPr>
-        <p:style>
-          <a:lnRef idx="1">
-            <a:schemeClr val="accent1"/>
-          </a:lnRef>
-          <a:fillRef idx="0">
-            <a:schemeClr val="accent1"/>
-          </a:fillRef>
-          <a:effectRef idx="0">
-            <a:schemeClr val="accent1"/>
-          </a:effectRef>
-          <a:fontRef idx="minor">
-            <a:schemeClr val="tx1"/>
-          </a:fontRef>
-        </p:style>
-      </p:cxnSp>
-      <p:sp>
-        <p:nvSpPr>
-          <p:cNvPr id="55" name="テキスト ボックス 54">
-            <a:extLst>
-              <a:ext uri="{FF2B5EF4-FFF2-40B4-BE49-F238E27FC236}">
-                <a16:creationId xmlns:a16="http://schemas.microsoft.com/office/drawing/2014/main" id="{519BC0B1-2C05-81FC-6230-C86B905CD688}"/>
-              </a:ext>
-            </a:extLst>
-          </p:cNvPr>
-          <p:cNvSpPr txBox="1"/>
-          <p:nvPr/>
-        </p:nvSpPr>
-        <p:spPr>
-          <a:xfrm>
-            <a:off x="4401653" y="4746116"/>
-            <a:ext cx="1270113" cy="307777"/>
-          </a:xfrm>
-          <a:prstGeom prst="rect">
-            <a:avLst/>
-          </a:prstGeom>
-          <a:noFill/>
-        </p:spPr>
-        <p:txBody>
-          <a:bodyPr wrap="square" rtlCol="0">
-            <a:spAutoFit/>
-          </a:bodyPr>
-          <a:lstStyle/>
-          <a:p>
-            <a:pPr algn="ctr"/>
-            <a:r>
-              <a:rPr kumimoji="1" lang="ja-JP" altLang="en-US" sz="1400" dirty="0"/>
-              <a:t>相互直通区間</a:t>
-            </a:r>
-          </a:p>
-        </p:txBody>
-      </p:sp>
-      <p:sp>
-        <p:nvSpPr>
-          <p:cNvPr id="56" name="テキスト ボックス 55">
-            <a:extLst>
-              <a:ext uri="{FF2B5EF4-FFF2-40B4-BE49-F238E27FC236}">
-                <a16:creationId xmlns:a16="http://schemas.microsoft.com/office/drawing/2014/main" id="{455FEF36-3AC5-7C19-40E7-BF064C77A094}"/>
-              </a:ext>
-            </a:extLst>
-          </p:cNvPr>
-          <p:cNvSpPr txBox="1"/>
-          <p:nvPr/>
-        </p:nvSpPr>
-        <p:spPr>
-          <a:xfrm>
-            <a:off x="6253110" y="4746116"/>
-            <a:ext cx="1476850" cy="307777"/>
-          </a:xfrm>
-          <a:prstGeom prst="rect">
-            <a:avLst/>
-          </a:prstGeom>
-          <a:noFill/>
-        </p:spPr>
-        <p:txBody>
-          <a:bodyPr wrap="square" rtlCol="0">
-            <a:spAutoFit/>
-          </a:bodyPr>
-          <a:lstStyle/>
-          <a:p>
-            <a:pPr algn="ctr"/>
-            <a:r>
-              <a:rPr kumimoji="1" lang="ja-JP" altLang="en-US" sz="1400" dirty="0"/>
-              <a:t>相互直通区間</a:t>
-            </a:r>
-          </a:p>
-        </p:txBody>
-      </p:sp>
-      <p:sp>
-        <p:nvSpPr>
-          <p:cNvPr id="58" name="テキスト ボックス 57">
-            <a:extLst>
-              <a:ext uri="{FF2B5EF4-FFF2-40B4-BE49-F238E27FC236}">
-                <a16:creationId xmlns:a16="http://schemas.microsoft.com/office/drawing/2014/main" id="{71E1EF27-EE25-E981-0C1E-929CF2348F31}"/>
-              </a:ext>
-            </a:extLst>
-          </p:cNvPr>
-          <p:cNvSpPr txBox="1"/>
-          <p:nvPr/>
-        </p:nvSpPr>
-        <p:spPr>
-          <a:xfrm>
-            <a:off x="459483" y="2395122"/>
-            <a:ext cx="1174189" cy="338554"/>
-          </a:xfrm>
-          <a:prstGeom prst="rect">
-            <a:avLst/>
-          </a:prstGeom>
-          <a:noFill/>
-        </p:spPr>
-        <p:txBody>
-          <a:bodyPr wrap="square" rtlCol="0">
-            <a:spAutoFit/>
-          </a:bodyPr>
-          <a:lstStyle/>
-          <a:p>
-            <a:pPr algn="ctr"/>
-            <a:r>
-              <a:rPr kumimoji="1" lang="ja-JP" altLang="en-US" sz="1600" b="1" dirty="0">
-                <a:solidFill>
-                  <a:schemeClr val="accent2"/>
-                </a:solidFill>
-              </a:rPr>
-              <a:t>鉄道路線</a:t>
-            </a:r>
-          </a:p>
-        </p:txBody>
-      </p:sp>
-      <p:sp>
-        <p:nvSpPr>
-          <p:cNvPr id="59" name="正方形/長方形 58">
-            <a:extLst>
-              <a:ext uri="{FF2B5EF4-FFF2-40B4-BE49-F238E27FC236}">
-                <a16:creationId xmlns:a16="http://schemas.microsoft.com/office/drawing/2014/main" id="{8FB930EB-A0B3-7E09-E9E9-41C2C63F9B05}"/>
-              </a:ext>
-            </a:extLst>
-          </p:cNvPr>
-          <p:cNvSpPr/>
-          <p:nvPr/>
-        </p:nvSpPr>
-        <p:spPr>
-          <a:xfrm>
-            <a:off x="517055" y="5202883"/>
-            <a:ext cx="11157890" cy="994839"/>
-          </a:xfrm>
-          <a:prstGeom prst="rect">
-            <a:avLst/>
-          </a:prstGeom>
-          <a:solidFill>
-            <a:schemeClr val="accent3">
-              <a:lumMod val="20000"/>
-              <a:lumOff val="80000"/>
-            </a:schemeClr>
-          </a:solidFill>
-          <a:ln>
-            <a:noFill/>
-          </a:ln>
-        </p:spPr>
-        <p:style>
-          <a:lnRef idx="2">
-            <a:schemeClr val="accent1">
-              <a:shade val="50000"/>
-            </a:schemeClr>
-          </a:lnRef>
-          <a:fillRef idx="1">
-            <a:schemeClr val="accent1"/>
-          </a:fillRef>
-          <a:effectRef idx="0">
-            <a:schemeClr val="accent1"/>
-          </a:effectRef>
-          <a:fontRef idx="minor">
-            <a:schemeClr val="lt1"/>
-          </a:fontRef>
-        </p:style>
-        <p:txBody>
-          <a:bodyPr rtlCol="0" anchor="ctr"/>
-          <a:lstStyle/>
-          <a:p>
-            <a:pPr algn="ctr"/>
-            <a:endParaRPr kumimoji="1" lang="ja-JP" altLang="en-US">
-              <a:solidFill>
-                <a:schemeClr val="tx1"/>
-              </a:solidFill>
-            </a:endParaRPr>
-          </a:p>
-        </p:txBody>
-      </p:sp>
-      <p:pic>
-        <p:nvPicPr>
-          <p:cNvPr id="60" name="グラフィックス 59" descr="建物 単色塗りつぶし">
-            <a:extLst>
-              <a:ext uri="{FF2B5EF4-FFF2-40B4-BE49-F238E27FC236}">
-                <a16:creationId xmlns:a16="http://schemas.microsoft.com/office/drawing/2014/main" id="{3F134911-628A-350B-EFFF-2846E8AF6DC3}"/>
-              </a:ext>
-            </a:extLst>
-          </p:cNvPr>
-          <p:cNvPicPr>
-            <a:picLocks noChangeAspect="1"/>
-          </p:cNvPicPr>
-          <p:nvPr/>
-        </p:nvPicPr>
-        <p:blipFill>
-          <a:blip r:embed="rId10">
-            <a:extLst>
-              <a:ext uri="{96DAC541-7B7A-43D3-8B79-37D633B846F1}">
-                <asvg:svgBlip xmlns:asvg="http://schemas.microsoft.com/office/drawing/2016/SVG/main" r:embed="rId11"/>
-              </a:ext>
-            </a:extLst>
-          </a:blip>
-          <a:stretch>
-            <a:fillRect/>
-          </a:stretch>
-        </p:blipFill>
-        <p:spPr>
-          <a:xfrm>
-            <a:off x="6497448" y="5501549"/>
-            <a:ext cx="603387" cy="603387"/>
-          </a:xfrm>
-          <a:prstGeom prst="rect">
-            <a:avLst/>
-          </a:prstGeom>
-        </p:spPr>
-      </p:pic>
-      <p:pic>
-        <p:nvPicPr>
-          <p:cNvPr id="61" name="グラフィックス 60" descr="建物 単色塗りつぶし">
-            <a:extLst>
-              <a:ext uri="{FF2B5EF4-FFF2-40B4-BE49-F238E27FC236}">
-                <a16:creationId xmlns:a16="http://schemas.microsoft.com/office/drawing/2014/main" id="{EA5FA4A0-4A19-37F8-C93F-B1E2DCC3E824}"/>
-              </a:ext>
-            </a:extLst>
-          </p:cNvPr>
-          <p:cNvPicPr>
-            <a:picLocks noChangeAspect="1"/>
-          </p:cNvPicPr>
-          <p:nvPr/>
-        </p:nvPicPr>
-        <p:blipFill>
-          <a:blip r:embed="rId12">
-            <a:extLst>
-              <a:ext uri="{96DAC541-7B7A-43D3-8B79-37D633B846F1}">
-                <asvg:svgBlip xmlns:asvg="http://schemas.microsoft.com/office/drawing/2016/SVG/main" r:embed="rId13"/>
-              </a:ext>
-            </a:extLst>
-          </a:blip>
-          <a:stretch>
-            <a:fillRect/>
-          </a:stretch>
-        </p:blipFill>
-        <p:spPr>
-          <a:xfrm>
-            <a:off x="4437048" y="5502661"/>
-            <a:ext cx="603387" cy="603387"/>
-          </a:xfrm>
-          <a:prstGeom prst="rect">
-            <a:avLst/>
-          </a:prstGeom>
-        </p:spPr>
-      </p:pic>
-      <p:sp>
-        <p:nvSpPr>
-          <p:cNvPr id="62" name="テキスト ボックス 61">
-            <a:extLst>
-              <a:ext uri="{FF2B5EF4-FFF2-40B4-BE49-F238E27FC236}">
-                <a16:creationId xmlns:a16="http://schemas.microsoft.com/office/drawing/2014/main" id="{E920C0A7-C5F0-8FED-61EF-51BFE22E1812}"/>
-              </a:ext>
-            </a:extLst>
-          </p:cNvPr>
-          <p:cNvSpPr txBox="1"/>
-          <p:nvPr/>
-        </p:nvSpPr>
-        <p:spPr>
-          <a:xfrm>
-            <a:off x="4051076" y="5198078"/>
-            <a:ext cx="1318208" cy="307777"/>
-          </a:xfrm>
-          <a:prstGeom prst="rect">
-            <a:avLst/>
-          </a:prstGeom>
-          <a:noFill/>
-        </p:spPr>
-        <p:txBody>
-          <a:bodyPr wrap="square" rtlCol="0">
-            <a:spAutoFit/>
-          </a:bodyPr>
-          <a:lstStyle/>
-          <a:p>
-            <a:pPr algn="ctr"/>
-            <a:r>
-              <a:rPr kumimoji="1" lang="ja-JP" altLang="en-US" sz="1400" dirty="0"/>
-              <a:t>鉄道事業者</a:t>
-            </a:r>
-            <a:r>
-              <a:rPr kumimoji="1" lang="en-US" altLang="ja-JP" sz="1400" dirty="0"/>
-              <a:t>A</a:t>
-            </a:r>
-            <a:endParaRPr kumimoji="1" lang="ja-JP" altLang="en-US" sz="1400" dirty="0"/>
-          </a:p>
-        </p:txBody>
-      </p:sp>
-      <p:sp>
-        <p:nvSpPr>
-          <p:cNvPr id="63" name="テキスト ボックス 62">
-            <a:extLst>
-              <a:ext uri="{FF2B5EF4-FFF2-40B4-BE49-F238E27FC236}">
-                <a16:creationId xmlns:a16="http://schemas.microsoft.com/office/drawing/2014/main" id="{26B36083-3B4D-9449-1F37-B790E6B315C6}"/>
-              </a:ext>
-            </a:extLst>
-          </p:cNvPr>
-          <p:cNvSpPr txBox="1"/>
-          <p:nvPr/>
-        </p:nvSpPr>
-        <p:spPr>
-          <a:xfrm>
-            <a:off x="6105397" y="5198078"/>
-            <a:ext cx="1318208" cy="307777"/>
-          </a:xfrm>
-          <a:prstGeom prst="rect">
-            <a:avLst/>
-          </a:prstGeom>
-          <a:noFill/>
-        </p:spPr>
-        <p:txBody>
-          <a:bodyPr wrap="square" rtlCol="0">
-            <a:spAutoFit/>
-          </a:bodyPr>
-          <a:lstStyle/>
-          <a:p>
-            <a:pPr algn="ctr"/>
-            <a:r>
-              <a:rPr kumimoji="1" lang="ja-JP" altLang="en-US" sz="1400" dirty="0"/>
-              <a:t>鉄道事業者</a:t>
-            </a:r>
-            <a:r>
-              <a:rPr kumimoji="1" lang="en-US" altLang="ja-JP" sz="1400" dirty="0"/>
-              <a:t>B</a:t>
-            </a:r>
-            <a:endParaRPr kumimoji="1" lang="ja-JP" altLang="en-US" sz="1400" dirty="0"/>
-          </a:p>
-        </p:txBody>
-      </p:sp>
-      <p:sp>
-        <p:nvSpPr>
-          <p:cNvPr id="65" name="テキスト ボックス 64">
-            <a:extLst>
-              <a:ext uri="{FF2B5EF4-FFF2-40B4-BE49-F238E27FC236}">
-                <a16:creationId xmlns:a16="http://schemas.microsoft.com/office/drawing/2014/main" id="{2FF0BDF9-7DD2-6AFA-89F9-A11AC2C74EC1}"/>
-              </a:ext>
-            </a:extLst>
-          </p:cNvPr>
-          <p:cNvSpPr txBox="1"/>
-          <p:nvPr/>
-        </p:nvSpPr>
-        <p:spPr>
-          <a:xfrm>
-            <a:off x="421727" y="5053893"/>
-            <a:ext cx="1340087" cy="338554"/>
-          </a:xfrm>
-          <a:prstGeom prst="rect">
-            <a:avLst/>
-          </a:prstGeom>
-          <a:noFill/>
-        </p:spPr>
-        <p:txBody>
-          <a:bodyPr wrap="square" rtlCol="0">
-            <a:spAutoFit/>
-          </a:bodyPr>
-          <a:lstStyle/>
-          <a:p>
-            <a:pPr algn="ctr"/>
-            <a:r>
-              <a:rPr kumimoji="1" lang="ja-JP" altLang="en-US" sz="1600" b="1" dirty="0">
-                <a:solidFill>
-                  <a:schemeClr val="accent3"/>
-                </a:solidFill>
-              </a:rPr>
-              <a:t>支払システム</a:t>
-            </a:r>
-          </a:p>
-        </p:txBody>
-      </p:sp>
-      <p:sp>
-        <p:nvSpPr>
-          <p:cNvPr id="66" name="矢印: 左右 65">
-            <a:extLst>
-              <a:ext uri="{FF2B5EF4-FFF2-40B4-BE49-F238E27FC236}">
-                <a16:creationId xmlns:a16="http://schemas.microsoft.com/office/drawing/2014/main" id="{BCC34350-BDBA-0388-274B-B55EC55C016D}"/>
-              </a:ext>
-            </a:extLst>
-          </p:cNvPr>
-          <p:cNvSpPr/>
-          <p:nvPr/>
-        </p:nvSpPr>
-        <p:spPr>
-          <a:xfrm>
-            <a:off x="5545242" y="5761467"/>
-            <a:ext cx="468245" cy="169277"/>
-          </a:xfrm>
-          <a:prstGeom prst="leftRightArrow">
-            <a:avLst/>
-          </a:prstGeom>
-          <a:solidFill>
-            <a:schemeClr val="bg1"/>
-          </a:solidFill>
-        </p:spPr>
-        <p:style>
-          <a:lnRef idx="2">
-            <a:schemeClr val="accent1">
-              <a:shade val="50000"/>
-            </a:schemeClr>
-          </a:lnRef>
-          <a:fillRef idx="1">
-            <a:schemeClr val="accent1"/>
-          </a:fillRef>
-          <a:effectRef idx="0">
-            <a:schemeClr val="accent1"/>
-          </a:effectRef>
-          <a:fontRef idx="minor">
-            <a:schemeClr val="lt1"/>
-          </a:fontRef>
-        </p:style>
-        <p:txBody>
-          <a:bodyPr rtlCol="0" anchor="ctr"/>
-          <a:lstStyle/>
-          <a:p>
-            <a:pPr algn="ctr"/>
-            <a:endParaRPr kumimoji="1" lang="ja-JP" altLang="en-US">
-              <a:solidFill>
-                <a:schemeClr val="tx1"/>
-              </a:solidFill>
-            </a:endParaRPr>
-          </a:p>
-        </p:txBody>
-      </p:sp>
-      <p:sp>
-        <p:nvSpPr>
-          <p:cNvPr id="67" name="テキスト ボックス 66">
-            <a:extLst>
-              <a:ext uri="{FF2B5EF4-FFF2-40B4-BE49-F238E27FC236}">
-                <a16:creationId xmlns:a16="http://schemas.microsoft.com/office/drawing/2014/main" id="{E05A221D-E779-94FF-19F0-6FE3A5AF060E}"/>
-              </a:ext>
-            </a:extLst>
-          </p:cNvPr>
-          <p:cNvSpPr txBox="1"/>
-          <p:nvPr/>
-        </p:nvSpPr>
-        <p:spPr>
-          <a:xfrm>
-            <a:off x="4995657" y="5432600"/>
-            <a:ext cx="1519197" cy="276999"/>
-          </a:xfrm>
-          <a:prstGeom prst="rect">
-            <a:avLst/>
-          </a:prstGeom>
-          <a:noFill/>
-        </p:spPr>
-        <p:txBody>
-          <a:bodyPr wrap="square" rtlCol="0">
-            <a:spAutoFit/>
-          </a:bodyPr>
-          <a:lstStyle/>
-          <a:p>
-            <a:pPr algn="ctr"/>
-            <a:r>
-              <a:rPr kumimoji="1" lang="ja-JP" altLang="en-US" sz="1200" b="1" dirty="0"/>
-              <a:t>賃貸料金の均等化</a:t>
-            </a:r>
-          </a:p>
-        </p:txBody>
-      </p:sp>
-      <p:sp>
-        <p:nvSpPr>
-          <p:cNvPr id="68" name="テキスト ボックス 67">
-            <a:extLst>
-              <a:ext uri="{FF2B5EF4-FFF2-40B4-BE49-F238E27FC236}">
-                <a16:creationId xmlns:a16="http://schemas.microsoft.com/office/drawing/2014/main" id="{C0212523-F1B5-CB2F-20BF-F555B8B9173E}"/>
-              </a:ext>
-            </a:extLst>
-          </p:cNvPr>
-          <p:cNvSpPr txBox="1"/>
-          <p:nvPr/>
-        </p:nvSpPr>
-        <p:spPr>
-          <a:xfrm>
-            <a:off x="7474884" y="5432600"/>
-            <a:ext cx="1519197" cy="276999"/>
-          </a:xfrm>
-          <a:prstGeom prst="rect">
-            <a:avLst/>
-          </a:prstGeom>
-          <a:noFill/>
-        </p:spPr>
-        <p:txBody>
-          <a:bodyPr wrap="square" rtlCol="0">
-            <a:spAutoFit/>
-          </a:bodyPr>
-          <a:lstStyle/>
-          <a:p>
-            <a:pPr algn="ctr"/>
-            <a:r>
-              <a:rPr kumimoji="1" lang="ja-JP" altLang="en-US" sz="1200" b="1" dirty="0"/>
-              <a:t>運賃収入の分配</a:t>
-            </a:r>
-          </a:p>
-        </p:txBody>
-      </p:sp>
-      <p:sp>
-        <p:nvSpPr>
-          <p:cNvPr id="69" name="テキスト ボックス 68">
-            <a:extLst>
-              <a:ext uri="{FF2B5EF4-FFF2-40B4-BE49-F238E27FC236}">
-                <a16:creationId xmlns:a16="http://schemas.microsoft.com/office/drawing/2014/main" id="{9F3E59FB-173E-9CD9-588B-C8D1E342E4DB}"/>
-              </a:ext>
-            </a:extLst>
-          </p:cNvPr>
-          <p:cNvSpPr txBox="1"/>
-          <p:nvPr/>
-        </p:nvSpPr>
-        <p:spPr>
-          <a:xfrm>
-            <a:off x="7896482" y="5786634"/>
-            <a:ext cx="2028568" cy="276999"/>
-          </a:xfrm>
-          <a:prstGeom prst="rect">
-            <a:avLst/>
-          </a:prstGeom>
-          <a:noFill/>
-        </p:spPr>
-        <p:txBody>
-          <a:bodyPr wrap="square" rtlCol="0">
-            <a:spAutoFit/>
-          </a:bodyPr>
-          <a:lstStyle/>
-          <a:p>
-            <a:pPr algn="ctr"/>
-            <a:r>
-              <a:rPr kumimoji="1" lang="ja-JP" altLang="en-US" sz="1200" b="1" dirty="0"/>
-              <a:t>運転距離や乗客数に応じて</a:t>
-            </a:r>
-          </a:p>
-        </p:txBody>
-      </p:sp>
-      <p:sp>
-        <p:nvSpPr>
-          <p:cNvPr id="70" name="テキスト ボックス 69">
-            <a:extLst>
-              <a:ext uri="{FF2B5EF4-FFF2-40B4-BE49-F238E27FC236}">
-                <a16:creationId xmlns:a16="http://schemas.microsoft.com/office/drawing/2014/main" id="{5FED4584-4BD4-6116-90E2-269F63DD3BD0}"/>
-              </a:ext>
-            </a:extLst>
-          </p:cNvPr>
-          <p:cNvSpPr txBox="1"/>
-          <p:nvPr/>
-        </p:nvSpPr>
-        <p:spPr>
-          <a:xfrm>
-            <a:off x="8910766" y="5213466"/>
-            <a:ext cx="2028568" cy="646331"/>
-          </a:xfrm>
-          <a:prstGeom prst="rect">
-            <a:avLst/>
-          </a:prstGeom>
-          <a:noFill/>
-        </p:spPr>
-        <p:txBody>
-          <a:bodyPr wrap="square" rtlCol="0">
-            <a:spAutoFit/>
-          </a:bodyPr>
-          <a:lstStyle/>
-          <a:p>
-            <a:pPr algn="ctr"/>
-            <a:r>
-              <a:rPr kumimoji="1" lang="ja-JP" altLang="en-US" sz="1200" b="1" dirty="0"/>
-              <a:t>直通区間のダイヤ改正は、事業者間の利害を調整しながら、多くの時間を要する</a:t>
-            </a:r>
+          <a:p>
+            <a:r>
+              <a:rPr lang="ja-JP" altLang="en-US" dirty="0"/>
+              <a:t>第</a:t>
+            </a:r>
+            <a:r>
+              <a:rPr lang="en-US" altLang="ja-JP" dirty="0"/>
+              <a:t>6</a:t>
+            </a:r>
+            <a:r>
+              <a:rPr lang="ja-JP" altLang="en-US" dirty="0"/>
+              <a:t>回（</a:t>
+            </a:r>
+            <a:r>
+              <a:rPr lang="en-US" altLang="ja-JP" dirty="0"/>
+              <a:t>8/30</a:t>
+            </a:r>
+            <a:r>
+              <a:rPr lang="ja-JP" altLang="en-US" dirty="0"/>
+              <a:t>）に、このままの内容をメンバーに話してみるか、事務局の方で引き取ってもらうか、相談する。</a:t>
+            </a:r>
+            <a:endParaRPr lang="en-US" altLang="ja-JP" dirty="0"/>
           </a:p>
         </p:txBody>
       </p:sp>
     </p:spTree>
     <p:extLst>
       <p:ext uri="{BB962C8B-B14F-4D97-AF65-F5344CB8AC3E}">
-        <p14:creationId xmlns:p14="http://schemas.microsoft.com/office/powerpoint/2010/main" val="1709377448"/>
+        <p14:creationId xmlns:p14="http://schemas.microsoft.com/office/powerpoint/2010/main" val="534514034"/>
       </p:ext>
     </p:extLst>
   </p:cSld>
@@ -15558,338 +16398,6 @@
       </p:grpSpPr>
       <p:sp>
         <p:nvSpPr>
-          <p:cNvPr id="5" name="タイトル 4">
-            <a:extLst>
-              <a:ext uri="{FF2B5EF4-FFF2-40B4-BE49-F238E27FC236}">
-                <a16:creationId xmlns:a16="http://schemas.microsoft.com/office/drawing/2014/main" id="{560C5BD5-1532-4087-ACF7-85710DC69FAA}"/>
-              </a:ext>
-            </a:extLst>
-          </p:cNvPr>
-          <p:cNvSpPr>
-            <a:spLocks noGrp="1"/>
-          </p:cNvSpPr>
-          <p:nvPr>
-            <p:ph type="title"/>
-          </p:nvPr>
-        </p:nvSpPr>
-        <p:spPr/>
-        <p:txBody>
-          <a:bodyPr/>
-          <a:lstStyle/>
-          <a:p>
-            <a:r>
-              <a:rPr lang="en-US" altLang="ja-JP" dirty="0"/>
-              <a:t>SoS</a:t>
-            </a:r>
-            <a:r>
-              <a:rPr lang="ja-JP" altLang="en-US" dirty="0"/>
-              <a:t>の事例：鉄道の相互直通運転（相互乗入）の運行管理</a:t>
-            </a:r>
-            <a:endParaRPr lang="en-US" dirty="0"/>
-          </a:p>
-        </p:txBody>
-      </p:sp>
-      <p:sp>
-        <p:nvSpPr>
-          <p:cNvPr id="3" name="スライド番号プレースホルダー 2">
-            <a:extLst>
-              <a:ext uri="{FF2B5EF4-FFF2-40B4-BE49-F238E27FC236}">
-                <a16:creationId xmlns:a16="http://schemas.microsoft.com/office/drawing/2014/main" id="{ED23190D-575C-49DE-8293-87C3C1C8D779}"/>
-              </a:ext>
-            </a:extLst>
-          </p:cNvPr>
-          <p:cNvSpPr>
-            <a:spLocks noGrp="1"/>
-          </p:cNvSpPr>
-          <p:nvPr>
-            <p:ph type="sldNum" sz="quarter" idx="10"/>
-          </p:nvPr>
-        </p:nvSpPr>
-        <p:spPr/>
-        <p:txBody>
-          <a:bodyPr/>
-          <a:lstStyle/>
-          <a:p>
-            <a:fld id="{584EAAFE-CFE5-40AD-8E95-5BFF290DC5CF}" type="slidenum">
-              <a:rPr kumimoji="1" lang="ja-JP" altLang="en-US" smtClean="0"/>
-              <a:pPr/>
-              <a:t>13</a:t>
-            </a:fld>
-            <a:endParaRPr kumimoji="1" lang="ja-JP" altLang="en-US"/>
-          </a:p>
-        </p:txBody>
-      </p:sp>
-      <p:sp>
-        <p:nvSpPr>
-          <p:cNvPr id="9" name="テキスト プレースホルダー 8">
-            <a:extLst>
-              <a:ext uri="{FF2B5EF4-FFF2-40B4-BE49-F238E27FC236}">
-                <a16:creationId xmlns:a16="http://schemas.microsoft.com/office/drawing/2014/main" id="{A809889B-886C-09D3-E0E0-05C8C4A3F3EE}"/>
-              </a:ext>
-            </a:extLst>
-          </p:cNvPr>
-          <p:cNvSpPr>
-            <a:spLocks noGrp="1"/>
-          </p:cNvSpPr>
-          <p:nvPr>
-            <p:ph type="body" sz="quarter" idx="11"/>
-          </p:nvPr>
-        </p:nvSpPr>
-        <p:spPr/>
-        <p:txBody>
-          <a:bodyPr/>
-          <a:lstStyle/>
-          <a:p>
-            <a:r>
-              <a:rPr lang="ja-JP" altLang="en-US" dirty="0"/>
-              <a:t>全体の乗換混雑緩和のために、他社の車両を借りて、自社路線を自社の運転士が運転する。</a:t>
-            </a:r>
-            <a:endParaRPr lang="en-US" altLang="ja-JP" dirty="0"/>
-          </a:p>
-          <a:p>
-            <a:r>
-              <a:rPr lang="ja-JP" altLang="en-US" dirty="0"/>
-              <a:t>運転距離や乗客数に応じて、事業者間の車両賃貸料金を抑えたり、運賃収入を分配する。</a:t>
-            </a:r>
-            <a:endParaRPr lang="en-US" altLang="ja-JP" dirty="0"/>
-          </a:p>
-          <a:p>
-            <a:r>
-              <a:rPr lang="ja-JP" altLang="en-US" dirty="0"/>
-              <a:t>相互乗入区間のダイヤ改正は、事業者間の利害を調整しながら、多くの時間を要する。</a:t>
-            </a:r>
-            <a:endParaRPr lang="en-US" altLang="ja-JP" dirty="0"/>
-          </a:p>
-          <a:p>
-            <a:pPr lvl="1"/>
-            <a:r>
-              <a:rPr lang="ja-JP" altLang="en-US" dirty="0"/>
-              <a:t>バイパス効果（ターミナル駅への回避）</a:t>
-            </a:r>
-            <a:endParaRPr lang="en-US" altLang="ja-JP" dirty="0"/>
-          </a:p>
-          <a:p>
-            <a:pPr lvl="1"/>
-            <a:r>
-              <a:rPr lang="ja-JP" altLang="en-US" dirty="0"/>
-              <a:t>既存交通機関（特にターミナル駅）の混雑緩和、郊外から都心へのアクセスの利便性（速達性／快適性）向上、輸送効率性向上</a:t>
-            </a:r>
-            <a:endParaRPr lang="en-US" altLang="ja-JP" dirty="0"/>
-          </a:p>
-          <a:p>
-            <a:pPr lvl="1"/>
-            <a:r>
-              <a:rPr lang="ja-JP" altLang="en-US" dirty="0"/>
-              <a:t>利用者にとっては、乗り換え解消、運賃低下、移動時間短縮、路線や駅の混雑緩和によるストレス低減、一方、遅延の波及効果が大きい</a:t>
-            </a:r>
-            <a:endParaRPr lang="en-US" altLang="ja-JP" dirty="0"/>
-          </a:p>
-          <a:p>
-            <a:pPr lvl="1"/>
-            <a:r>
-              <a:rPr lang="ja-JP" altLang="en-US" dirty="0"/>
-              <a:t>事業者にとっては、利用者増加による増収、事故や混雑による遅延リスク低下、一方、ダイヤ改正が困難</a:t>
-            </a:r>
-            <a:endParaRPr lang="en-US" altLang="ja-JP" dirty="0"/>
-          </a:p>
-          <a:p>
-            <a:r>
-              <a:rPr lang="en-US" altLang="ja-JP" dirty="0"/>
-              <a:t>5</a:t>
-            </a:r>
-            <a:r>
-              <a:rPr lang="ja-JP" altLang="en-US" dirty="0"/>
-              <a:t>社相互直通運転のための運行管理システム（東京メトロ、日立製作所）</a:t>
-            </a:r>
-            <a:endParaRPr lang="en-US" altLang="ja-JP" dirty="0"/>
-          </a:p>
-          <a:p>
-            <a:pPr lvl="1"/>
-            <a:r>
-              <a:rPr lang="ja-JP" altLang="en-US" dirty="0"/>
-              <a:t>要素システム間の境界における相互作用を厳密に設計している</a:t>
-            </a:r>
-            <a:endParaRPr lang="en-US" altLang="ja-JP" dirty="0"/>
-          </a:p>
-          <a:p>
-            <a:pPr lvl="1"/>
-            <a:endParaRPr lang="en-US" altLang="ja-JP" dirty="0"/>
-          </a:p>
-        </p:txBody>
-      </p:sp>
-    </p:spTree>
-    <p:extLst>
-      <p:ext uri="{BB962C8B-B14F-4D97-AF65-F5344CB8AC3E}">
-        <p14:creationId xmlns:p14="http://schemas.microsoft.com/office/powerpoint/2010/main" val="366674900"/>
-      </p:ext>
-    </p:extLst>
-  </p:cSld>
-  <p:clrMapOvr>
-    <a:masterClrMapping/>
-  </p:clrMapOvr>
-</p:sld>
-</file>
-
-<file path=ppt/slides/slide14.xml><?xml version="1.0" encoding="utf-8"?>
-<p:sld xmlns:a="http://schemas.openxmlformats.org/drawingml/2006/main" xmlns:r="http://schemas.openxmlformats.org/officeDocument/2006/relationships" xmlns:p="http://schemas.openxmlformats.org/presentationml/2006/main">
-  <p:cSld>
-    <p:spTree>
-      <p:nvGrpSpPr>
-        <p:cNvPr id="1" name=""/>
-        <p:cNvGrpSpPr/>
-        <p:nvPr/>
-      </p:nvGrpSpPr>
-      <p:grpSpPr>
-        <a:xfrm>
-          <a:off x="0" y="0"/>
-          <a:ext cx="0" cy="0"/>
-          <a:chOff x="0" y="0"/>
-          <a:chExt cx="0" cy="0"/>
-        </a:xfrm>
-      </p:grpSpPr>
-      <p:sp>
-        <p:nvSpPr>
-          <p:cNvPr id="5" name="タイトル 4">
-            <a:extLst>
-              <a:ext uri="{FF2B5EF4-FFF2-40B4-BE49-F238E27FC236}">
-                <a16:creationId xmlns:a16="http://schemas.microsoft.com/office/drawing/2014/main" id="{560C5BD5-1532-4087-ACF7-85710DC69FAA}"/>
-              </a:ext>
-            </a:extLst>
-          </p:cNvPr>
-          <p:cNvSpPr>
-            <a:spLocks noGrp="1"/>
-          </p:cNvSpPr>
-          <p:nvPr>
-            <p:ph type="title"/>
-          </p:nvPr>
-        </p:nvSpPr>
-        <p:spPr/>
-        <p:txBody>
-          <a:bodyPr/>
-          <a:lstStyle/>
-          <a:p>
-            <a:r>
-              <a:rPr lang="ja-JP" altLang="en-US" dirty="0"/>
-              <a:t>まとめ</a:t>
-            </a:r>
-            <a:endParaRPr lang="en-US" dirty="0"/>
-          </a:p>
-        </p:txBody>
-      </p:sp>
-      <p:sp>
-        <p:nvSpPr>
-          <p:cNvPr id="3" name="スライド番号プレースホルダー 2">
-            <a:extLst>
-              <a:ext uri="{FF2B5EF4-FFF2-40B4-BE49-F238E27FC236}">
-                <a16:creationId xmlns:a16="http://schemas.microsoft.com/office/drawing/2014/main" id="{ED23190D-575C-49DE-8293-87C3C1C8D779}"/>
-              </a:ext>
-            </a:extLst>
-          </p:cNvPr>
-          <p:cNvSpPr>
-            <a:spLocks noGrp="1"/>
-          </p:cNvSpPr>
-          <p:nvPr>
-            <p:ph type="sldNum" sz="quarter" idx="10"/>
-          </p:nvPr>
-        </p:nvSpPr>
-        <p:spPr/>
-        <p:txBody>
-          <a:bodyPr/>
-          <a:lstStyle/>
-          <a:p>
-            <a:fld id="{584EAAFE-CFE5-40AD-8E95-5BFF290DC5CF}" type="slidenum">
-              <a:rPr kumimoji="1" lang="ja-JP" altLang="en-US" smtClean="0"/>
-              <a:pPr/>
-              <a:t>14</a:t>
-            </a:fld>
-            <a:endParaRPr kumimoji="1" lang="ja-JP" altLang="en-US"/>
-          </a:p>
-        </p:txBody>
-      </p:sp>
-      <p:sp>
-        <p:nvSpPr>
-          <p:cNvPr id="9" name="テキスト プレースホルダー 8">
-            <a:extLst>
-              <a:ext uri="{FF2B5EF4-FFF2-40B4-BE49-F238E27FC236}">
-                <a16:creationId xmlns:a16="http://schemas.microsoft.com/office/drawing/2014/main" id="{A809889B-886C-09D3-E0E0-05C8C4A3F3EE}"/>
-              </a:ext>
-            </a:extLst>
-          </p:cNvPr>
-          <p:cNvSpPr>
-            <a:spLocks noGrp="1"/>
-          </p:cNvSpPr>
-          <p:nvPr>
-            <p:ph type="body" sz="quarter" idx="11"/>
-          </p:nvPr>
-        </p:nvSpPr>
-        <p:spPr/>
-        <p:txBody>
-          <a:bodyPr/>
-          <a:lstStyle/>
-          <a:p>
-            <a:r>
-              <a:rPr lang="ja-JP" altLang="en-US" dirty="0"/>
-              <a:t>まずは、来週前半にこの提言を分科会事務局に話してみる。</a:t>
-            </a:r>
-            <a:endParaRPr lang="en-US" altLang="ja-JP" dirty="0"/>
-          </a:p>
-          <a:p>
-            <a:r>
-              <a:rPr lang="ja-JP" altLang="en-US" dirty="0"/>
-              <a:t>第</a:t>
-            </a:r>
-            <a:r>
-              <a:rPr lang="en-US" altLang="ja-JP" dirty="0"/>
-              <a:t>6</a:t>
-            </a:r>
-            <a:r>
-              <a:rPr lang="ja-JP" altLang="en-US" dirty="0"/>
-              <a:t>回（</a:t>
-            </a:r>
-            <a:r>
-              <a:rPr lang="en-US" altLang="ja-JP" dirty="0"/>
-              <a:t>8/30</a:t>
-            </a:r>
-            <a:r>
-              <a:rPr lang="ja-JP" altLang="en-US" dirty="0"/>
-              <a:t>）に、このままの内容をメンバーに話してみるか、事務局の方で引き取ってもらうか、相談する。</a:t>
-            </a:r>
-            <a:endParaRPr lang="en-US" altLang="ja-JP" dirty="0"/>
-          </a:p>
-        </p:txBody>
-      </p:sp>
-    </p:spTree>
-    <p:extLst>
-      <p:ext uri="{BB962C8B-B14F-4D97-AF65-F5344CB8AC3E}">
-        <p14:creationId xmlns:p14="http://schemas.microsoft.com/office/powerpoint/2010/main" val="534514034"/>
-      </p:ext>
-    </p:extLst>
-  </p:cSld>
-  <p:clrMapOvr>
-    <a:masterClrMapping/>
-  </p:clrMapOvr>
-</p:sld>
-</file>
-
-<file path=ppt/slides/slide15.xml><?xml version="1.0" encoding="utf-8"?>
-<p:sld xmlns:a="http://schemas.openxmlformats.org/drawingml/2006/main" xmlns:r="http://schemas.openxmlformats.org/officeDocument/2006/relationships" xmlns:p="http://schemas.openxmlformats.org/presentationml/2006/main">
-  <p:cSld>
-    <p:spTree>
-      <p:nvGrpSpPr>
-        <p:cNvPr id="1" name=""/>
-        <p:cNvGrpSpPr/>
-        <p:nvPr/>
-      </p:nvGrpSpPr>
-      <p:grpSpPr>
-        <a:xfrm>
-          <a:off x="0" y="0"/>
-          <a:ext cx="0" cy="0"/>
-          <a:chOff x="0" y="0"/>
-          <a:chExt cx="0" cy="0"/>
-        </a:xfrm>
-      </p:grpSpPr>
-      <p:sp>
-        <p:nvSpPr>
           <p:cNvPr id="2" name="スライド番号プレースホルダー 1">
             <a:extLst>
               <a:ext uri="{FF2B5EF4-FFF2-40B4-BE49-F238E27FC236}">
@@ -15912,7 +16420,7 @@
             <a:fld id="{B3001740-FA51-4383-A84C-3DA006D12C29}" type="slidenum">
               <a:rPr lang="ja-JP" altLang="en-US" smtClean="0"/>
               <a:pPr/>
-              <a:t>15</a:t>
+              <a:t>13</a:t>
             </a:fld>
             <a:endParaRPr lang="ja-JP" altLang="en-US" dirty="0"/>
           </a:p>
@@ -16064,7 +16572,7 @@
             </a:r>
             <a:r>
               <a:rPr lang="ja-JP" altLang="en-US" sz="2800" dirty="0"/>
-              <a:t>分科会の議論の進め方について、事務局にご相談したいと考えています。</a:t>
+              <a:t>分科会の議論の進め方について、ご相談させてください。</a:t>
             </a:r>
             <a:endParaRPr lang="en-US" altLang="ja-JP" sz="2400" dirty="0"/>
           </a:p>
@@ -16295,7 +16803,7 @@
         </p:nvSpPr>
         <p:spPr>
           <a:xfrm>
-            <a:off x="483717" y="1510784"/>
+            <a:off x="428297" y="1510784"/>
             <a:ext cx="5426545" cy="923330"/>
           </a:xfrm>
           <a:prstGeom prst="rect">
@@ -16366,7 +16874,7 @@
         </p:nvSpPr>
         <p:spPr>
           <a:xfrm>
-            <a:off x="6281738" y="1508228"/>
+            <a:off x="6226318" y="1508228"/>
             <a:ext cx="5577204" cy="646331"/>
           </a:xfrm>
           <a:prstGeom prst="rect">
@@ -16485,7 +16993,7 @@
         </p:nvCxnSpPr>
         <p:spPr>
           <a:xfrm>
-            <a:off x="546182" y="1319212"/>
+            <a:off x="490762" y="1319212"/>
             <a:ext cx="5301615" cy="0"/>
           </a:xfrm>
           <a:prstGeom prst="line">
@@ -16532,7 +17040,7 @@
         </p:nvCxnSpPr>
         <p:spPr>
           <a:xfrm>
-            <a:off x="6419533" y="1319212"/>
+            <a:off x="6364113" y="1319212"/>
             <a:ext cx="5301615" cy="0"/>
           </a:xfrm>
           <a:prstGeom prst="line">
@@ -16577,7 +17085,7 @@
         </p:nvSpPr>
         <p:spPr>
           <a:xfrm>
-            <a:off x="907233" y="923694"/>
+            <a:off x="851813" y="923694"/>
             <a:ext cx="4579513" cy="369332"/>
           </a:xfrm>
           <a:prstGeom prst="rect">
@@ -16618,7 +17126,7 @@
         </p:nvSpPr>
         <p:spPr>
           <a:xfrm>
-            <a:off x="6780584" y="923694"/>
+            <a:off x="6725164" y="923694"/>
             <a:ext cx="4579513" cy="369332"/>
           </a:xfrm>
           <a:prstGeom prst="rect">
@@ -16789,59 +17297,6 @@
             </a:solidFill>
             <a:prstDash val="dash"/>
           </a:ln>
-        </p:spPr>
-        <p:style>
-          <a:lnRef idx="2">
-            <a:schemeClr val="accent1">
-              <a:shade val="50000"/>
-            </a:schemeClr>
-          </a:lnRef>
-          <a:fillRef idx="1">
-            <a:schemeClr val="accent1"/>
-          </a:fillRef>
-          <a:effectRef idx="0">
-            <a:schemeClr val="accent1"/>
-          </a:effectRef>
-          <a:fontRef idx="minor">
-            <a:schemeClr val="lt1"/>
-          </a:fontRef>
-        </p:style>
-        <p:txBody>
-          <a:bodyPr rtlCol="0" anchor="ctr"/>
-          <a:lstStyle/>
-          <a:p>
-            <a:pPr algn="ctr"/>
-            <a:endParaRPr kumimoji="1" lang="ja-JP" altLang="en-US">
-              <a:solidFill>
-                <a:schemeClr val="tx1"/>
-              </a:solidFill>
-            </a:endParaRPr>
-          </a:p>
-        </p:txBody>
-      </p:sp>
-      <p:sp>
-        <p:nvSpPr>
-          <p:cNvPr id="23" name="矢印: 右 22">
-            <a:extLst>
-              <a:ext uri="{FF2B5EF4-FFF2-40B4-BE49-F238E27FC236}">
-                <a16:creationId xmlns:a16="http://schemas.microsoft.com/office/drawing/2014/main" id="{A34930FE-80AC-3F23-A6A5-DF685879BDDC}"/>
-              </a:ext>
-            </a:extLst>
-          </p:cNvPr>
-          <p:cNvSpPr/>
-          <p:nvPr/>
-        </p:nvSpPr>
-        <p:spPr>
-          <a:xfrm>
-            <a:off x="6038397" y="4617731"/>
-            <a:ext cx="481913" cy="407773"/>
-          </a:xfrm>
-          <a:prstGeom prst="rightArrow">
-            <a:avLst/>
-          </a:prstGeom>
-          <a:solidFill>
-            <a:schemeClr val="bg1"/>
-          </a:solidFill>
         </p:spPr>
         <p:style>
           <a:lnRef idx="2">
@@ -17361,6 +17816,64 @@
           </a:fontRef>
         </p:style>
       </p:cxnSp>
+      <p:sp>
+        <p:nvSpPr>
+          <p:cNvPr id="6" name="二等辺三角形 5">
+            <a:extLst>
+              <a:ext uri="{FF2B5EF4-FFF2-40B4-BE49-F238E27FC236}">
+                <a16:creationId xmlns:a16="http://schemas.microsoft.com/office/drawing/2014/main" id="{1F16803E-33BD-9595-BC36-74FE5D01A35A}"/>
+              </a:ext>
+            </a:extLst>
+          </p:cNvPr>
+          <p:cNvSpPr/>
+          <p:nvPr/>
+        </p:nvSpPr>
+        <p:spPr>
+          <a:xfrm rot="5400000">
+            <a:off x="5755695" y="4636951"/>
+            <a:ext cx="1049941" cy="369332"/>
+          </a:xfrm>
+          <a:prstGeom prst="triangle">
+            <a:avLst/>
+          </a:prstGeom>
+          <a:solidFill>
+            <a:schemeClr val="bg1">
+              <a:lumMod val="85000"/>
+            </a:schemeClr>
+          </a:solidFill>
+          <a:ln>
+            <a:noFill/>
+          </a:ln>
+        </p:spPr>
+        <p:style>
+          <a:lnRef idx="2">
+            <a:schemeClr val="accent1">
+              <a:shade val="50000"/>
+            </a:schemeClr>
+          </a:lnRef>
+          <a:fillRef idx="1">
+            <a:schemeClr val="accent1"/>
+          </a:fillRef>
+          <a:effectRef idx="0">
+            <a:schemeClr val="accent1"/>
+          </a:effectRef>
+          <a:fontRef idx="minor">
+            <a:schemeClr val="lt1"/>
+          </a:fontRef>
+        </p:style>
+        <p:txBody>
+          <a:bodyPr rtlCol="0" anchor="ctr"/>
+          <a:lstStyle/>
+          <a:p>
+            <a:pPr algn="ctr"/>
+            <a:endParaRPr kumimoji="1" lang="ja-JP" altLang="en-US">
+              <a:solidFill>
+                <a:schemeClr val="tx1"/>
+              </a:solidFill>
+            </a:endParaRPr>
+          </a:p>
+        </p:txBody>
+      </p:sp>
     </p:spTree>
     <p:extLst>
       <p:ext uri="{BB962C8B-B14F-4D97-AF65-F5344CB8AC3E}">
@@ -17422,23 +17935,31 @@
             </a:r>
             <a:r>
               <a:rPr lang="ja-JP" altLang="en-US" dirty="0"/>
-              <a:t>回（</a:t>
-            </a:r>
-            <a:r>
-              <a:rPr lang="en-US" altLang="ja-JP" dirty="0"/>
+              <a:t>回</a:t>
+            </a:r>
+            <a:r>
+              <a:rPr lang="ja-JP" altLang="en-US" sz="2400" dirty="0"/>
+              <a:t>（</a:t>
+            </a:r>
+            <a:r>
+              <a:rPr lang="en-US" altLang="ja-JP" sz="2400" dirty="0"/>
               <a:t>8</a:t>
             </a:r>
             <a:r>
+              <a:rPr lang="ja-JP" altLang="en-US" sz="2400" dirty="0"/>
+              <a:t>月</a:t>
+            </a:r>
+            <a:r>
+              <a:rPr lang="en-US" altLang="ja-JP" sz="2400" dirty="0"/>
+              <a:t>30</a:t>
+            </a:r>
+            <a:r>
+              <a:rPr lang="ja-JP" altLang="en-US" sz="2400" dirty="0"/>
+              <a:t>日）</a:t>
+            </a:r>
+            <a:r>
               <a:rPr lang="ja-JP" altLang="en-US" dirty="0"/>
-              <a:t>月</a:t>
-            </a:r>
-            <a:r>
-              <a:rPr lang="en-US" altLang="ja-JP" dirty="0"/>
-              <a:t>30</a:t>
-            </a:r>
-            <a:r>
-              <a:rPr lang="ja-JP" altLang="en-US" dirty="0"/>
-              <a:t>日）に向けてのご相談</a:t>
+              <a:t>に向けてのご相談</a:t>
             </a:r>
             <a:endParaRPr lang="en-US" dirty="0"/>
           </a:p>
@@ -17566,7 +18087,7 @@
         </p:nvSpPr>
         <p:spPr>
           <a:xfrm rot="5400000">
-            <a:off x="3125009" y="-47021"/>
+            <a:off x="3139497" y="-47021"/>
             <a:ext cx="448223" cy="4388858"/>
           </a:xfrm>
           <a:prstGeom prst="rect">
@@ -17630,7 +18151,7 @@
         </p:nvSpPr>
         <p:spPr>
           <a:xfrm rot="5400000">
-            <a:off x="8880870" y="103659"/>
+            <a:off x="8880871" y="103659"/>
             <a:ext cx="448225" cy="4087499"/>
           </a:xfrm>
           <a:prstGeom prst="rect">
@@ -17669,7 +18190,7 @@
           <a:p>
             <a:pPr algn="ctr"/>
             <a:r>
-              <a:rPr kumimoji="1" lang="ja-JP" altLang="en-US" dirty="0">
+              <a:rPr kumimoji="1" lang="ja-JP" altLang="en-US" sz="2000" dirty="0">
                 <a:solidFill>
                   <a:schemeClr val="bg1"/>
                 </a:solidFill>
@@ -18075,10 +18596,154 @@
       </p:sp>
       <p:sp>
         <p:nvSpPr>
-          <p:cNvPr id="16" name="矢印: 下 15">
-            <a:extLst>
-              <a:ext uri="{FF2B5EF4-FFF2-40B4-BE49-F238E27FC236}">
-                <a16:creationId xmlns:a16="http://schemas.microsoft.com/office/drawing/2014/main" id="{982FB1BA-EF95-C46D-7CC8-B1CEBCE39B67}"/>
+          <p:cNvPr id="18" name="テキスト ボックス 17">
+            <a:extLst>
+              <a:ext uri="{FF2B5EF4-FFF2-40B4-BE49-F238E27FC236}">
+                <a16:creationId xmlns:a16="http://schemas.microsoft.com/office/drawing/2014/main" id="{6BD76FAD-5985-5558-D918-CCAF5E2C774B}"/>
+              </a:ext>
+            </a:extLst>
+          </p:cNvPr>
+          <p:cNvSpPr txBox="1"/>
+          <p:nvPr/>
+        </p:nvSpPr>
+        <p:spPr>
+          <a:xfrm>
+            <a:off x="1578606" y="4648227"/>
+            <a:ext cx="3541029" cy="369332"/>
+          </a:xfrm>
+          <a:prstGeom prst="rect">
+            <a:avLst/>
+          </a:prstGeom>
+          <a:noFill/>
+        </p:spPr>
+        <p:txBody>
+          <a:bodyPr wrap="square" rtlCol="0">
+            <a:spAutoFit/>
+          </a:bodyPr>
+          <a:lstStyle/>
+          <a:p>
+            <a:pPr algn="ctr"/>
+            <a:r>
+              <a:rPr kumimoji="1" lang="ja-JP" altLang="en-US" dirty="0"/>
+              <a:t>今回、熊谷が文献に基づいてご紹介</a:t>
+            </a:r>
+          </a:p>
+        </p:txBody>
+      </p:sp>
+      <p:sp>
+        <p:nvSpPr>
+          <p:cNvPr id="19" name="テキスト ボックス 18">
+            <a:extLst>
+              <a:ext uri="{FF2B5EF4-FFF2-40B4-BE49-F238E27FC236}">
+                <a16:creationId xmlns:a16="http://schemas.microsoft.com/office/drawing/2014/main" id="{042784EA-0637-E88E-AC05-2D76136A2719}"/>
+              </a:ext>
+            </a:extLst>
+          </p:cNvPr>
+          <p:cNvSpPr txBox="1"/>
+          <p:nvPr/>
+        </p:nvSpPr>
+        <p:spPr>
+          <a:xfrm>
+            <a:off x="6890922" y="4648227"/>
+            <a:ext cx="4428121" cy="369332"/>
+          </a:xfrm>
+          <a:prstGeom prst="rect">
+            <a:avLst/>
+          </a:prstGeom>
+          <a:noFill/>
+        </p:spPr>
+        <p:txBody>
+          <a:bodyPr wrap="square" rtlCol="0">
+            <a:spAutoFit/>
+          </a:bodyPr>
+          <a:lstStyle/>
+          <a:p>
+            <a:pPr algn="ctr"/>
+            <a:r>
+              <a:rPr kumimoji="1" lang="ja-JP" altLang="en-US" dirty="0"/>
+              <a:t>別の回で、調査事例と照らし合わせながら議論</a:t>
+            </a:r>
+          </a:p>
+        </p:txBody>
+      </p:sp>
+      <p:sp>
+        <p:nvSpPr>
+          <p:cNvPr id="20" name="テキスト ボックス 19">
+            <a:extLst>
+              <a:ext uri="{FF2B5EF4-FFF2-40B4-BE49-F238E27FC236}">
+                <a16:creationId xmlns:a16="http://schemas.microsoft.com/office/drawing/2014/main" id="{F6582D96-29A5-4467-EB4A-EDFFE9D16845}"/>
+              </a:ext>
+            </a:extLst>
+          </p:cNvPr>
+          <p:cNvSpPr txBox="1"/>
+          <p:nvPr/>
+        </p:nvSpPr>
+        <p:spPr>
+          <a:xfrm>
+            <a:off x="3827658" y="4115360"/>
+            <a:ext cx="1557526" cy="307777"/>
+          </a:xfrm>
+          <a:prstGeom prst="rect">
+            <a:avLst/>
+          </a:prstGeom>
+          <a:noFill/>
+        </p:spPr>
+        <p:txBody>
+          <a:bodyPr wrap="square" rtlCol="0">
+            <a:spAutoFit/>
+          </a:bodyPr>
+          <a:lstStyle/>
+          <a:p>
+            <a:pPr algn="ctr"/>
+            <a:r>
+              <a:rPr kumimoji="1" lang="ja-JP" altLang="en-US" sz="1400" dirty="0"/>
+              <a:t>土台形成のために</a:t>
+            </a:r>
+          </a:p>
+        </p:txBody>
+      </p:sp>
+      <p:sp>
+        <p:nvSpPr>
+          <p:cNvPr id="21" name="テキスト ボックス 20">
+            <a:extLst>
+              <a:ext uri="{FF2B5EF4-FFF2-40B4-BE49-F238E27FC236}">
+                <a16:creationId xmlns:a16="http://schemas.microsoft.com/office/drawing/2014/main" id="{82CB8DFA-5492-8024-8180-FD1DAEDE2786}"/>
+              </a:ext>
+            </a:extLst>
+          </p:cNvPr>
+          <p:cNvSpPr txBox="1"/>
+          <p:nvPr/>
+        </p:nvSpPr>
+        <p:spPr>
+          <a:xfrm>
+            <a:off x="9629952" y="4115360"/>
+            <a:ext cx="1557526" cy="307777"/>
+          </a:xfrm>
+          <a:prstGeom prst="rect">
+            <a:avLst/>
+          </a:prstGeom>
+          <a:noFill/>
+        </p:spPr>
+        <p:txBody>
+          <a:bodyPr wrap="square" rtlCol="0">
+            <a:spAutoFit/>
+          </a:bodyPr>
+          <a:lstStyle/>
+          <a:p>
+            <a:pPr algn="ctr"/>
+            <a:r>
+              <a:rPr kumimoji="1" lang="ja-JP" altLang="en-US" sz="1400" dirty="0"/>
+              <a:t>土台形成のために</a:t>
+            </a:r>
+          </a:p>
+        </p:txBody>
+      </p:sp>
+      <p:sp>
+        <p:nvSpPr>
+          <p:cNvPr id="6" name="二等辺三角形 5">
+            <a:extLst>
+              <a:ext uri="{FF2B5EF4-FFF2-40B4-BE49-F238E27FC236}">
+                <a16:creationId xmlns:a16="http://schemas.microsoft.com/office/drawing/2014/main" id="{60DA2EE8-8B03-4F9C-169D-6D0932D494C1}"/>
               </a:ext>
             </a:extLst>
           </p:cNvPr>
@@ -18086,16 +18751,21 @@
           <p:nvPr/>
         </p:nvSpPr>
         <p:spPr>
-          <a:xfrm>
-            <a:off x="3168145" y="3855482"/>
-            <a:ext cx="361950" cy="590550"/>
-          </a:xfrm>
-          <a:prstGeom prst="downArrow">
+          <a:xfrm rot="10800000">
+            <a:off x="2824149" y="4084582"/>
+            <a:ext cx="1049941" cy="369332"/>
+          </a:xfrm>
+          <a:prstGeom prst="triangle">
             <a:avLst/>
           </a:prstGeom>
           <a:solidFill>
-            <a:schemeClr val="bg1"/>
+            <a:schemeClr val="bg1">
+              <a:lumMod val="85000"/>
+            </a:schemeClr>
           </a:solidFill>
+          <a:ln>
+            <a:noFill/>
+          </a:ln>
         </p:spPr>
         <p:style>
           <a:lnRef idx="2">
@@ -18128,10 +18798,10 @@
       </p:sp>
       <p:sp>
         <p:nvSpPr>
-          <p:cNvPr id="17" name="矢印: 下 16">
-            <a:extLst>
-              <a:ext uri="{FF2B5EF4-FFF2-40B4-BE49-F238E27FC236}">
-                <a16:creationId xmlns:a16="http://schemas.microsoft.com/office/drawing/2014/main" id="{4018C2A3-D008-6AEA-7A9E-EEA8A64B8971}"/>
+          <p:cNvPr id="22" name="二等辺三角形 21">
+            <a:extLst>
+              <a:ext uri="{FF2B5EF4-FFF2-40B4-BE49-F238E27FC236}">
+                <a16:creationId xmlns:a16="http://schemas.microsoft.com/office/drawing/2014/main" id="{56982D24-0443-C19E-4AE1-AAD97E335648}"/>
               </a:ext>
             </a:extLst>
           </p:cNvPr>
@@ -18139,16 +18809,21 @@
           <p:nvPr/>
         </p:nvSpPr>
         <p:spPr>
-          <a:xfrm>
-            <a:off x="8924007" y="3855482"/>
-            <a:ext cx="361950" cy="590550"/>
-          </a:xfrm>
-          <a:prstGeom prst="downArrow">
+          <a:xfrm rot="10800000">
+            <a:off x="8580011" y="4084582"/>
+            <a:ext cx="1049941" cy="369332"/>
+          </a:xfrm>
+          <a:prstGeom prst="triangle">
             <a:avLst/>
           </a:prstGeom>
           <a:solidFill>
-            <a:schemeClr val="bg1"/>
+            <a:schemeClr val="bg1">
+              <a:lumMod val="85000"/>
+            </a:schemeClr>
           </a:solidFill>
+          <a:ln>
+            <a:noFill/>
+          </a:ln>
         </p:spPr>
         <p:style>
           <a:lnRef idx="2">
@@ -18176,150 +18851,6 @@
                 <a:schemeClr val="tx1"/>
               </a:solidFill>
             </a:endParaRPr>
-          </a:p>
-        </p:txBody>
-      </p:sp>
-      <p:sp>
-        <p:nvSpPr>
-          <p:cNvPr id="18" name="テキスト ボックス 17">
-            <a:extLst>
-              <a:ext uri="{FF2B5EF4-FFF2-40B4-BE49-F238E27FC236}">
-                <a16:creationId xmlns:a16="http://schemas.microsoft.com/office/drawing/2014/main" id="{6BD76FAD-5985-5558-D918-CCAF5E2C774B}"/>
-              </a:ext>
-            </a:extLst>
-          </p:cNvPr>
-          <p:cNvSpPr txBox="1"/>
-          <p:nvPr/>
-        </p:nvSpPr>
-        <p:spPr>
-          <a:xfrm>
-            <a:off x="1578606" y="4648227"/>
-            <a:ext cx="3541029" cy="369332"/>
-          </a:xfrm>
-          <a:prstGeom prst="rect">
-            <a:avLst/>
-          </a:prstGeom>
-          <a:noFill/>
-        </p:spPr>
-        <p:txBody>
-          <a:bodyPr wrap="square" rtlCol="0">
-            <a:spAutoFit/>
-          </a:bodyPr>
-          <a:lstStyle/>
-          <a:p>
-            <a:pPr algn="ctr"/>
-            <a:r>
-              <a:rPr kumimoji="1" lang="ja-JP" altLang="en-US" dirty="0"/>
-              <a:t>今回、熊谷が文献に基づいてご紹介</a:t>
-            </a:r>
-          </a:p>
-        </p:txBody>
-      </p:sp>
-      <p:sp>
-        <p:nvSpPr>
-          <p:cNvPr id="19" name="テキスト ボックス 18">
-            <a:extLst>
-              <a:ext uri="{FF2B5EF4-FFF2-40B4-BE49-F238E27FC236}">
-                <a16:creationId xmlns:a16="http://schemas.microsoft.com/office/drawing/2014/main" id="{042784EA-0637-E88E-AC05-2D76136A2719}"/>
-              </a:ext>
-            </a:extLst>
-          </p:cNvPr>
-          <p:cNvSpPr txBox="1"/>
-          <p:nvPr/>
-        </p:nvSpPr>
-        <p:spPr>
-          <a:xfrm>
-            <a:off x="6890922" y="4648227"/>
-            <a:ext cx="4428121" cy="369332"/>
-          </a:xfrm>
-          <a:prstGeom prst="rect">
-            <a:avLst/>
-          </a:prstGeom>
-          <a:noFill/>
-        </p:spPr>
-        <p:txBody>
-          <a:bodyPr wrap="square" rtlCol="0">
-            <a:spAutoFit/>
-          </a:bodyPr>
-          <a:lstStyle/>
-          <a:p>
-            <a:pPr algn="ctr"/>
-            <a:r>
-              <a:rPr kumimoji="1" lang="ja-JP" altLang="en-US" dirty="0"/>
-              <a:t>別の回で、調査事例と照らし合わせながら議論</a:t>
-            </a:r>
-          </a:p>
-        </p:txBody>
-      </p:sp>
-      <p:sp>
-        <p:nvSpPr>
-          <p:cNvPr id="20" name="テキスト ボックス 19">
-            <a:extLst>
-              <a:ext uri="{FF2B5EF4-FFF2-40B4-BE49-F238E27FC236}">
-                <a16:creationId xmlns:a16="http://schemas.microsoft.com/office/drawing/2014/main" id="{F6582D96-29A5-4467-EB4A-EDFFE9D16845}"/>
-              </a:ext>
-            </a:extLst>
-          </p:cNvPr>
-          <p:cNvSpPr txBox="1"/>
-          <p:nvPr/>
-        </p:nvSpPr>
-        <p:spPr>
-          <a:xfrm>
-            <a:off x="3530095" y="3996869"/>
-            <a:ext cx="1557526" cy="307777"/>
-          </a:xfrm>
-          <a:prstGeom prst="rect">
-            <a:avLst/>
-          </a:prstGeom>
-          <a:noFill/>
-        </p:spPr>
-        <p:txBody>
-          <a:bodyPr wrap="square" rtlCol="0">
-            <a:spAutoFit/>
-          </a:bodyPr>
-          <a:lstStyle/>
-          <a:p>
-            <a:pPr algn="ctr"/>
-            <a:r>
-              <a:rPr kumimoji="1" lang="ja-JP" altLang="en-US" sz="1400" dirty="0"/>
-              <a:t>土台形成のために</a:t>
-            </a:r>
-          </a:p>
-        </p:txBody>
-      </p:sp>
-      <p:sp>
-        <p:nvSpPr>
-          <p:cNvPr id="21" name="テキスト ボックス 20">
-            <a:extLst>
-              <a:ext uri="{FF2B5EF4-FFF2-40B4-BE49-F238E27FC236}">
-                <a16:creationId xmlns:a16="http://schemas.microsoft.com/office/drawing/2014/main" id="{82CB8DFA-5492-8024-8180-FD1DAEDE2786}"/>
-              </a:ext>
-            </a:extLst>
-          </p:cNvPr>
-          <p:cNvSpPr txBox="1"/>
-          <p:nvPr/>
-        </p:nvSpPr>
-        <p:spPr>
-          <a:xfrm>
-            <a:off x="9285957" y="3996869"/>
-            <a:ext cx="1557526" cy="307777"/>
-          </a:xfrm>
-          <a:prstGeom prst="rect">
-            <a:avLst/>
-          </a:prstGeom>
-          <a:noFill/>
-        </p:spPr>
-        <p:txBody>
-          <a:bodyPr wrap="square" rtlCol="0">
-            <a:spAutoFit/>
-          </a:bodyPr>
-          <a:lstStyle/>
-          <a:p>
-            <a:pPr algn="ctr"/>
-            <a:r>
-              <a:rPr kumimoji="1" lang="ja-JP" altLang="en-US" sz="1400" dirty="0"/>
-              <a:t>土台形成のために</a:t>
-            </a:r>
           </a:p>
         </p:txBody>
       </p:sp>
@@ -20198,7 +20729,7 @@
         <p:spPr>
           <a:xfrm>
             <a:off x="238538" y="2305104"/>
-            <a:ext cx="2782930" cy="830997"/>
+            <a:ext cx="2782930" cy="646331"/>
           </a:xfrm>
           <a:prstGeom prst="rect">
             <a:avLst/>
@@ -20211,15 +20742,10 @@
           </a:bodyPr>
           <a:lstStyle/>
           <a:p>
-            <a:pPr algn="ctr"/>
             <a:r>
               <a:rPr lang="ja-JP" altLang="en-US" sz="1200" dirty="0"/>
               <a:t>要素システムは全体のために管理構築され、通常はそれに従属する。</a:t>
             </a:r>
-            <a:endParaRPr lang="en-US" altLang="ja-JP" sz="1200" dirty="0"/>
-          </a:p>
-          <a:p>
-            <a:pPr algn="ctr"/>
             <a:r>
               <a:rPr kumimoji="1" lang="ja-JP" altLang="en-US" sz="1200" dirty="0"/>
               <a:t>つまり、管理権限が独立しておらず、完全なトップダウン方式。</a:t>
@@ -20255,7 +20781,6 @@
           </a:bodyPr>
           <a:lstStyle/>
           <a:p>
-            <a:pPr algn="ctr"/>
             <a:r>
               <a:rPr lang="ja-JP" altLang="en-US" sz="1200" dirty="0"/>
               <a:t>要素システムは</a:t>
@@ -20283,7 +20808,6 @@
             <a:endParaRPr kumimoji="1" lang="en-US" altLang="ja-JP" sz="1200" dirty="0"/>
           </a:p>
           <a:p>
-            <a:pPr algn="ctr"/>
             <a:r>
               <a:rPr kumimoji="1" lang="ja-JP" altLang="en-US" sz="1200" dirty="0"/>
               <a:t>一部トップダウン方式。</a:t>
@@ -20319,7 +20843,6 @@
           </a:bodyPr>
           <a:lstStyle/>
           <a:p>
-            <a:pPr algn="ctr"/>
             <a:r>
               <a:rPr lang="ja-JP" altLang="en-US" sz="1200" dirty="0"/>
               <a:t>要素システム間の相互作用によって、</a:t>
@@ -20335,7 +20858,6 @@
             <a:endParaRPr lang="en-US" altLang="ja-JP" sz="1200" dirty="0"/>
           </a:p>
           <a:p>
-            <a:pPr algn="ctr"/>
             <a:r>
               <a:rPr lang="ja-JP" altLang="en-US" sz="1200" dirty="0"/>
               <a:t>要素システムが組織化される</a:t>
@@ -20375,7 +20897,6 @@
           </a:bodyPr>
           <a:lstStyle/>
           <a:p>
-            <a:pPr algn="ctr"/>
             <a:r>
               <a:rPr lang="ja-JP" altLang="en-US" sz="1200" dirty="0"/>
               <a:t>要素システム間の相互作用から、結果的に</a:t>
@@ -24351,7 +24872,7 @@
         <p:spPr>
           <a:xfrm>
             <a:off x="517056" y="1071367"/>
-            <a:ext cx="10998670" cy="4123486"/>
+            <a:ext cx="9933230" cy="4123486"/>
           </a:xfrm>
         </p:spPr>
         <p:txBody>
@@ -24392,11 +24913,11 @@
                   <a:schemeClr val="accent1"/>
                 </a:solidFill>
               </a:rPr>
-              <a:t>共通の問題を解決しよう</a:t>
+              <a:t>共通の問題を解決</a:t>
             </a:r>
             <a:r>
               <a:rPr lang="ja-JP" altLang="en-US" dirty="0"/>
-              <a:t>とすること</a:t>
+              <a:t>しようとすること</a:t>
             </a:r>
             <a:endParaRPr lang="en-US" altLang="ja-JP" dirty="0"/>
           </a:p>
@@ -24620,7 +25141,7 @@
           <a:p>
             <a:r>
               <a:rPr lang="ja-JP" altLang="en-US" dirty="0"/>
-              <a:t>（人間の存在を一度忘れて）協調のタイプで分類</a:t>
+              <a:t>協調のタイプで分類</a:t>
             </a:r>
             <a:endParaRPr lang="en-US" altLang="ja-JP" dirty="0"/>
           </a:p>
@@ -24745,7 +25266,7 @@
         </p:nvSpPr>
         <p:spPr>
           <a:xfrm>
-            <a:off x="3111304" y="2603887"/>
+            <a:off x="3365304" y="2603887"/>
             <a:ext cx="1721195" cy="495128"/>
           </a:xfrm>
           <a:prstGeom prst="rect">
@@ -24806,7 +25327,7 @@
         </p:nvSpPr>
         <p:spPr>
           <a:xfrm>
-            <a:off x="5093920" y="2603887"/>
+            <a:off x="5190228" y="2603887"/>
             <a:ext cx="1721195" cy="495128"/>
           </a:xfrm>
           <a:prstGeom prst="rect">
@@ -24867,7 +25388,7 @@
         </p:nvSpPr>
         <p:spPr>
           <a:xfrm>
-            <a:off x="7124161" y="2603887"/>
+            <a:off x="7015152" y="2603887"/>
             <a:ext cx="1721195" cy="495128"/>
           </a:xfrm>
           <a:prstGeom prst="rect">
@@ -24928,7 +25449,7 @@
         </p:nvSpPr>
         <p:spPr>
           <a:xfrm>
-            <a:off x="9106776" y="2603887"/>
+            <a:off x="8840076" y="2603887"/>
             <a:ext cx="1721195" cy="495128"/>
           </a:xfrm>
           <a:prstGeom prst="rect">
@@ -24989,7 +25510,7 @@
         </p:nvSpPr>
         <p:spPr>
           <a:xfrm>
-            <a:off x="3436981" y="3232825"/>
+            <a:off x="3690981" y="3232825"/>
             <a:ext cx="1069841" cy="338554"/>
           </a:xfrm>
           <a:prstGeom prst="rect">
@@ -25025,8 +25546,8 @@
         </p:nvSpPr>
         <p:spPr>
           <a:xfrm>
-            <a:off x="5419597" y="3232825"/>
-            <a:ext cx="1069841" cy="338554"/>
+            <a:off x="5455885" y="3232825"/>
+            <a:ext cx="1189846" cy="338554"/>
           </a:xfrm>
           <a:prstGeom prst="rect">
             <a:avLst/>
@@ -25042,7 +25563,7 @@
             <a:pPr algn="ctr"/>
             <a:r>
               <a:rPr kumimoji="1" lang="ja-JP" altLang="en-US" sz="1600" dirty="0"/>
-              <a:t>要請</a:t>
+              <a:t>要請・承認</a:t>
             </a:r>
           </a:p>
         </p:txBody>
@@ -25061,8 +25582,8 @@
         </p:nvSpPr>
         <p:spPr>
           <a:xfrm>
-            <a:off x="7449838" y="3231972"/>
-            <a:ext cx="1069841" cy="338554"/>
+            <a:off x="7168623" y="3231972"/>
+            <a:ext cx="1388109" cy="338554"/>
           </a:xfrm>
           <a:prstGeom prst="rect">
             <a:avLst/>
@@ -25078,7 +25599,7 @@
             <a:pPr algn="ctr"/>
             <a:r>
               <a:rPr kumimoji="1" lang="ja-JP" altLang="en-US" sz="1600" dirty="0"/>
-              <a:t>誘導</a:t>
+              <a:t>誘導・組織化</a:t>
             </a:r>
           </a:p>
         </p:txBody>
@@ -25097,7 +25618,7 @@
         </p:nvSpPr>
         <p:spPr>
           <a:xfrm>
-            <a:off x="9432453" y="3230593"/>
+            <a:off x="9165753" y="3230593"/>
             <a:ext cx="1069841" cy="338554"/>
           </a:xfrm>
           <a:prstGeom prst="rect">
@@ -25290,8 +25811,8 @@
         </p:nvSpPr>
         <p:spPr>
           <a:xfrm>
-            <a:off x="1844604" y="4230241"/>
-            <a:ext cx="1336450" cy="338554"/>
+            <a:off x="1844604" y="4124106"/>
+            <a:ext cx="1336450" cy="584775"/>
           </a:xfrm>
           <a:prstGeom prst="rect">
             <a:avLst/>
@@ -25311,7 +25832,7 @@
                   <a:schemeClr val="accent1"/>
                 </a:solidFill>
               </a:rPr>
-              <a:t>中央集中型</a:t>
+              <a:t>上意下達／中央集中型</a:t>
             </a:r>
           </a:p>
         </p:txBody>
@@ -25330,8 +25851,8 @@
         </p:nvSpPr>
         <p:spPr>
           <a:xfrm>
-            <a:off x="10688569" y="4230241"/>
-            <a:ext cx="1336449" cy="338554"/>
+            <a:off x="10688569" y="4115943"/>
+            <a:ext cx="1336449" cy="584775"/>
           </a:xfrm>
           <a:prstGeom prst="rect">
             <a:avLst/>
@@ -25351,7 +25872,7 @@
                   <a:schemeClr val="accent1"/>
                 </a:solidFill>
               </a:rPr>
-              <a:t>団体分散型</a:t>
+              <a:t>下意上達／地方分散型</a:t>
             </a:r>
           </a:p>
         </p:txBody>
@@ -25391,7 +25912,7 @@
                   <a:schemeClr val="accent1"/>
                 </a:solidFill>
               </a:rPr>
-              <a:t>下意上達／動的</a:t>
+              <a:t>動的</a:t>
             </a:r>
           </a:p>
         </p:txBody>
@@ -25431,7 +25952,7 @@
                   <a:schemeClr val="accent1"/>
                 </a:solidFill>
               </a:rPr>
-              <a:t>上意下達／静的</a:t>
+              <a:t>静的</a:t>
             </a:r>
           </a:p>
         </p:txBody>

--- a/SoS/230825_SoS分科会第6回進め方のご相談_rev.0.pptx
+++ b/SoS/230825_SoS分科会第6回進め方のご相談_rev.0.pptx
@@ -212,7 +212,7 @@
           <a:p>
             <a:fld id="{82150B36-03E6-4D3A-8098-12EB1C30C067}" type="datetimeFigureOut">
               <a:rPr kumimoji="1" lang="ja-JP" altLang="en-US" smtClean="0"/>
-              <a:t>2023/8/8</a:t>
+              <a:t>2023/8/9</a:t>
             </a:fld>
             <a:endParaRPr kumimoji="1" lang="ja-JP" altLang="en-US"/>
           </a:p>
@@ -8848,8 +8848,13 @@
           <a:p>
             <a:r>
               <a:rPr lang="ja-JP" altLang="en-US" dirty="0"/>
-              <a:t>熊谷　渉</a:t>
-            </a:r>
+              <a:t>熊谷　渉，</a:t>
+            </a:r>
+            <a:r>
+              <a:rPr lang="en-US" altLang="ja-JP" dirty="0"/>
+              <a:t>Ph. D.</a:t>
+            </a:r>
+            <a:endParaRPr lang="ja-JP" altLang="en-US" dirty="0"/>
           </a:p>
         </p:txBody>
       </p:sp>
@@ -8887,17 +8892,6 @@
               <a:t>マーケティング本部 イノベーションセンター</a:t>
             </a:r>
             <a:endParaRPr lang="en-US" altLang="ja-JP" dirty="0"/>
-          </a:p>
-          <a:p>
-            <a:r>
-              <a:rPr lang="ja-JP" altLang="en-US" dirty="0"/>
-              <a:t>プロジェクトデザイン部 オペレーショナルエクセレンス</a:t>
-            </a:r>
-            <a:r>
-              <a:rPr lang="en-US" altLang="ja-JP" dirty="0"/>
-              <a:t>Gr.</a:t>
-            </a:r>
-            <a:endParaRPr lang="ja-JP" altLang="en-US" dirty="0"/>
           </a:p>
         </p:txBody>
       </p:sp>
@@ -16590,7 +16584,7 @@
           <a:p>
             <a:r>
               <a:rPr lang="ja-JP" altLang="en-US" sz="2800" dirty="0"/>
-              <a:t>今回は事務局の方々からご意向・ご意見をお聞かせください。</a:t>
+              <a:t>事務局の方々からご意向・ご意見をお聞かせください。</a:t>
             </a:r>
             <a:endParaRPr lang="en-US" altLang="ja-JP" sz="2800" dirty="0"/>
           </a:p>
@@ -19031,8 +19025,8 @@
               <a:t> 学術協議会メンバー</a:t>
             </a:r>
             <a:r>
-              <a:rPr lang="ja-JP" altLang="en-US" sz="1800" dirty="0"/>
-              <a:t>（貝原先生、喜多先生、高橋先生、黒江先生、寺野先生、倉橋先生）</a:t>
+              <a:rPr lang="en-US" altLang="ja-JP" sz="1800" dirty="0"/>
+              <a:t>*</a:t>
             </a:r>
             <a:r>
               <a:rPr lang="ja-JP" altLang="en-US" dirty="0"/>
@@ -19044,7 +19038,7 @@
             </a:r>
             <a:r>
               <a:rPr lang="ja-JP" altLang="en-US" dirty="0"/>
-              <a:t>も執筆</a:t>
+              <a:t>が執筆</a:t>
             </a:r>
             <a:r>
               <a:rPr lang="ja-JP" altLang="en-US" sz="1800" dirty="0"/>
@@ -19214,6 +19208,46 @@
               <a:t> and K. Baldwin: “Understanding the Current State of US Defense Systems of Systems and the Implications for Systems Engineering,” IEEE Systems Conference, pp.7-10 (2008)</a:t>
             </a:r>
             <a:endParaRPr lang="ja-JP" altLang="en-US" sz="1600" dirty="0"/>
+          </a:p>
+        </p:txBody>
+      </p:sp>
+      <p:sp>
+        <p:nvSpPr>
+          <p:cNvPr id="2" name="テキスト ボックス 1">
+            <a:extLst>
+              <a:ext uri="{FF2B5EF4-FFF2-40B4-BE49-F238E27FC236}">
+                <a16:creationId xmlns:a16="http://schemas.microsoft.com/office/drawing/2014/main" id="{55C8D0A6-9BF4-8F7B-DEE6-D688AA392B0B}"/>
+              </a:ext>
+            </a:extLst>
+          </p:cNvPr>
+          <p:cNvSpPr txBox="1"/>
+          <p:nvPr/>
+        </p:nvSpPr>
+        <p:spPr>
+          <a:xfrm>
+            <a:off x="361778" y="4615299"/>
+            <a:ext cx="10925345" cy="338554"/>
+          </a:xfrm>
+          <a:prstGeom prst="rect">
+            <a:avLst/>
+          </a:prstGeom>
+          <a:noFill/>
+        </p:spPr>
+        <p:txBody>
+          <a:bodyPr wrap="square" rtlCol="0">
+            <a:spAutoFit/>
+          </a:bodyPr>
+          <a:lstStyle/>
+          <a:p>
+            <a:r>
+              <a:rPr lang="en-US" altLang="ja-JP" sz="1600" dirty="0"/>
+              <a:t>*</a:t>
+            </a:r>
+            <a:r>
+              <a:rPr lang="ja-JP" altLang="en-US" sz="1600" dirty="0"/>
+              <a:t>貝原先生、喜多先生、倉橋先生、黒江先生、高橋先生、寺野先生</a:t>
+            </a:r>
+            <a:endParaRPr kumimoji="1" lang="ja-JP" altLang="en-US" sz="1600" dirty="0"/>
           </a:p>
         </p:txBody>
       </p:sp>

--- a/SoS/230825_SoS分科会第6回進め方のご相談_rev.0.pptx
+++ b/SoS/230825_SoS分科会第6回進め方のご相談_rev.0.pptx
@@ -5,7 +5,7 @@
     <p:sldMasterId id="2147483756" r:id="rId1"/>
   </p:sldMasterIdLst>
   <p:notesMasterIdLst>
-    <p:notesMasterId r:id="rId15"/>
+    <p:notesMasterId r:id="rId16"/>
   </p:notesMasterIdLst>
   <p:sldIdLst>
     <p:sldId id="269" r:id="rId2"/>
@@ -16,11 +16,12 @@
     <p:sldId id="292" r:id="rId7"/>
     <p:sldId id="540" r:id="rId8"/>
     <p:sldId id="545" r:id="rId9"/>
-    <p:sldId id="549" r:id="rId10"/>
+    <p:sldId id="559" r:id="rId10"/>
     <p:sldId id="558" r:id="rId11"/>
     <p:sldId id="547" r:id="rId12"/>
-    <p:sldId id="550" r:id="rId13"/>
-    <p:sldId id="286" r:id="rId14"/>
+    <p:sldId id="560" r:id="rId13"/>
+    <p:sldId id="550" r:id="rId14"/>
+    <p:sldId id="286" r:id="rId15"/>
   </p:sldIdLst>
   <p:sldSz cx="12192000" cy="6858000"/>
   <p:notesSz cx="6858000" cy="9144000"/>
@@ -212,7 +213,7 @@
           <a:p>
             <a:fld id="{82150B36-03E6-4D3A-8098-12EB1C30C067}" type="datetimeFigureOut">
               <a:rPr kumimoji="1" lang="ja-JP" altLang="en-US" smtClean="0"/>
-              <a:t>2023/8/9</a:t>
+              <a:t>2023/8/10</a:t>
             </a:fld>
             <a:endParaRPr kumimoji="1" lang="ja-JP" altLang="en-US"/>
           </a:p>
@@ -576,7 +577,7 @@
           <a:p>
             <a:fld id="{234BF75D-FAA7-4C74-927E-D481AAC481B6}" type="slidenum">
               <a:rPr kumimoji="1" lang="ja-JP" altLang="en-US" smtClean="0"/>
-              <a:t>13</a:t>
+              <a:t>14</a:t>
             </a:fld>
             <a:endParaRPr kumimoji="1" lang="ja-JP" altLang="en-US"/>
           </a:p>
@@ -13827,8 +13828,8 @@
         </p:nvSpPr>
         <p:spPr>
           <a:xfrm>
-            <a:off x="8190581" y="2723157"/>
-            <a:ext cx="2208133" cy="338554"/>
+            <a:off x="8093596" y="2764721"/>
+            <a:ext cx="2462721" cy="338554"/>
           </a:xfrm>
           <a:prstGeom prst="rect">
             <a:avLst/>
@@ -13844,7 +13845,7 @@
             <a:pPr algn="ctr"/>
             <a:r>
               <a:rPr kumimoji="1" lang="ja-JP" altLang="en-US" sz="1600" b="1" dirty="0"/>
-              <a:t>車両賃貸料金の均等化</a:t>
+              <a:t>車両賃貸料金の均等化／</a:t>
             </a:r>
           </a:p>
         </p:txBody>
@@ -16271,8 +16272,12 @@
           <a:lstStyle/>
           <a:p>
             <a:r>
+              <a:rPr lang="en-US" altLang="ja-JP" dirty="0"/>
+              <a:t>SoS</a:t>
+            </a:r>
+            <a:r>
               <a:rPr lang="ja-JP" altLang="en-US" dirty="0"/>
-              <a:t>まとめ</a:t>
+              <a:t>の軸に基づく事例分類</a:t>
             </a:r>
             <a:endParaRPr lang="en-US" dirty="0"/>
           </a:p>
@@ -16324,46 +16329,524 @@
             <p:ph type="body" sz="quarter" idx="11"/>
           </p:nvPr>
         </p:nvSpPr>
-        <p:spPr/>
+        <p:spPr>
+          <a:xfrm>
+            <a:off x="517055" y="1071367"/>
+            <a:ext cx="11608270" cy="518095"/>
+          </a:xfrm>
+        </p:spPr>
         <p:txBody>
           <a:bodyPr/>
           <a:lstStyle/>
           <a:p>
             <a:r>
               <a:rPr lang="ja-JP" altLang="en-US" dirty="0"/>
-              <a:t>まずは、来週前半にこの提言を分科会事務局に話してみる。</a:t>
+              <a:t>協調のタイプで分類</a:t>
             </a:r>
             <a:endParaRPr lang="en-US" altLang="ja-JP" dirty="0"/>
           </a:p>
-          <a:p>
-            <a:r>
-              <a:rPr lang="ja-JP" altLang="en-US" dirty="0"/>
-              <a:t>第</a:t>
-            </a:r>
-            <a:r>
-              <a:rPr lang="en-US" altLang="ja-JP" dirty="0"/>
-              <a:t>6</a:t>
-            </a:r>
-            <a:r>
-              <a:rPr lang="ja-JP" altLang="en-US" dirty="0"/>
-              <a:t>回（</a:t>
-            </a:r>
-            <a:r>
-              <a:rPr lang="en-US" altLang="ja-JP" dirty="0"/>
-              <a:t>8/30</a:t>
-            </a:r>
-            <a:r>
-              <a:rPr lang="ja-JP" altLang="en-US" dirty="0"/>
-              <a:t>）に、このままの内容をメンバーに話してみるか、事務局の方で引き取ってもらうか、相談する。</a:t>
-            </a:r>
-            <a:endParaRPr lang="en-US" altLang="ja-JP" dirty="0"/>
+        </p:txBody>
+      </p:sp>
+      <p:sp>
+        <p:nvSpPr>
+          <p:cNvPr id="8" name="正方形/長方形 7">
+            <a:extLst>
+              <a:ext uri="{FF2B5EF4-FFF2-40B4-BE49-F238E27FC236}">
+                <a16:creationId xmlns:a16="http://schemas.microsoft.com/office/drawing/2014/main" id="{FF465353-E1EF-C304-8E12-A568E25E309F}"/>
+              </a:ext>
+            </a:extLst>
+          </p:cNvPr>
+          <p:cNvSpPr/>
+          <p:nvPr/>
+        </p:nvSpPr>
+        <p:spPr>
+          <a:xfrm>
+            <a:off x="1290054" y="2210095"/>
+            <a:ext cx="1721195" cy="495128"/>
+          </a:xfrm>
+          <a:prstGeom prst="rect">
+            <a:avLst/>
+          </a:prstGeom>
+          <a:solidFill>
+            <a:schemeClr val="accent1"/>
+          </a:solidFill>
+        </p:spPr>
+        <p:style>
+          <a:lnRef idx="2">
+            <a:schemeClr val="accent1">
+              <a:shade val="50000"/>
+            </a:schemeClr>
+          </a:lnRef>
+          <a:fillRef idx="1">
+            <a:schemeClr val="accent1"/>
+          </a:fillRef>
+          <a:effectRef idx="0">
+            <a:schemeClr val="accent1"/>
+          </a:effectRef>
+          <a:fontRef idx="minor">
+            <a:schemeClr val="lt1"/>
+          </a:fontRef>
+        </p:style>
+        <p:txBody>
+          <a:bodyPr rtlCol="0" anchor="ctr"/>
+          <a:lstStyle/>
+          <a:p>
+            <a:pPr algn="ctr"/>
+            <a:r>
+              <a:rPr kumimoji="1" lang="ja-JP" altLang="en-US" dirty="0">
+                <a:solidFill>
+                  <a:schemeClr val="bg1"/>
+                </a:solidFill>
+              </a:rPr>
+              <a:t>指揮命令型</a:t>
+            </a:r>
+            <a:endParaRPr kumimoji="1" lang="en-US" altLang="ja-JP" dirty="0">
+              <a:solidFill>
+                <a:schemeClr val="bg1"/>
+              </a:solidFill>
+            </a:endParaRPr>
+          </a:p>
+        </p:txBody>
+      </p:sp>
+      <p:sp>
+        <p:nvSpPr>
+          <p:cNvPr id="10" name="正方形/長方形 9">
+            <a:extLst>
+              <a:ext uri="{FF2B5EF4-FFF2-40B4-BE49-F238E27FC236}">
+                <a16:creationId xmlns:a16="http://schemas.microsoft.com/office/drawing/2014/main" id="{970B3671-CFF4-04BF-91DC-F3F0C38F63B6}"/>
+              </a:ext>
+            </a:extLst>
+          </p:cNvPr>
+          <p:cNvSpPr/>
+          <p:nvPr/>
+        </p:nvSpPr>
+        <p:spPr>
+          <a:xfrm>
+            <a:off x="3956604" y="2210095"/>
+            <a:ext cx="1721195" cy="495128"/>
+          </a:xfrm>
+          <a:prstGeom prst="rect">
+            <a:avLst/>
+          </a:prstGeom>
+          <a:solidFill>
+            <a:schemeClr val="accent1"/>
+          </a:solidFill>
+        </p:spPr>
+        <p:style>
+          <a:lnRef idx="2">
+            <a:schemeClr val="accent1">
+              <a:shade val="50000"/>
+            </a:schemeClr>
+          </a:lnRef>
+          <a:fillRef idx="1">
+            <a:schemeClr val="accent1"/>
+          </a:fillRef>
+          <a:effectRef idx="0">
+            <a:schemeClr val="accent1"/>
+          </a:effectRef>
+          <a:fontRef idx="minor">
+            <a:schemeClr val="lt1"/>
+          </a:fontRef>
+        </p:style>
+        <p:txBody>
+          <a:bodyPr rtlCol="0" anchor="ctr"/>
+          <a:lstStyle/>
+          <a:p>
+            <a:pPr algn="ctr"/>
+            <a:r>
+              <a:rPr kumimoji="1" lang="ja-JP" altLang="en-US" dirty="0">
+                <a:solidFill>
+                  <a:schemeClr val="bg1"/>
+                </a:solidFill>
+              </a:rPr>
+              <a:t>要請承認型</a:t>
+            </a:r>
+            <a:endParaRPr kumimoji="1" lang="en-US" altLang="ja-JP" dirty="0">
+              <a:solidFill>
+                <a:schemeClr val="bg1"/>
+              </a:solidFill>
+            </a:endParaRPr>
+          </a:p>
+        </p:txBody>
+      </p:sp>
+      <p:sp>
+        <p:nvSpPr>
+          <p:cNvPr id="11" name="正方形/長方形 10">
+            <a:extLst>
+              <a:ext uri="{FF2B5EF4-FFF2-40B4-BE49-F238E27FC236}">
+                <a16:creationId xmlns:a16="http://schemas.microsoft.com/office/drawing/2014/main" id="{D91900A9-F231-65A4-5433-DED0D3F46D39}"/>
+              </a:ext>
+            </a:extLst>
+          </p:cNvPr>
+          <p:cNvSpPr/>
+          <p:nvPr/>
+        </p:nvSpPr>
+        <p:spPr>
+          <a:xfrm>
+            <a:off x="6623154" y="2210095"/>
+            <a:ext cx="1721195" cy="495128"/>
+          </a:xfrm>
+          <a:prstGeom prst="rect">
+            <a:avLst/>
+          </a:prstGeom>
+          <a:solidFill>
+            <a:schemeClr val="accent1"/>
+          </a:solidFill>
+        </p:spPr>
+        <p:style>
+          <a:lnRef idx="2">
+            <a:schemeClr val="accent1">
+              <a:shade val="50000"/>
+            </a:schemeClr>
+          </a:lnRef>
+          <a:fillRef idx="1">
+            <a:schemeClr val="accent1"/>
+          </a:fillRef>
+          <a:effectRef idx="0">
+            <a:schemeClr val="accent1"/>
+          </a:effectRef>
+          <a:fontRef idx="minor">
+            <a:schemeClr val="lt1"/>
+          </a:fontRef>
+        </p:style>
+        <p:txBody>
+          <a:bodyPr rtlCol="0" anchor="ctr"/>
+          <a:lstStyle/>
+          <a:p>
+            <a:pPr algn="ctr"/>
+            <a:r>
+              <a:rPr kumimoji="1" lang="ja-JP" altLang="en-US" dirty="0">
+                <a:solidFill>
+                  <a:schemeClr val="bg1"/>
+                </a:solidFill>
+              </a:rPr>
+              <a:t>協力型</a:t>
+            </a:r>
+            <a:endParaRPr kumimoji="1" lang="en-US" altLang="ja-JP" dirty="0">
+              <a:solidFill>
+                <a:schemeClr val="bg1"/>
+              </a:solidFill>
+            </a:endParaRPr>
+          </a:p>
+        </p:txBody>
+      </p:sp>
+      <p:sp>
+        <p:nvSpPr>
+          <p:cNvPr id="12" name="正方形/長方形 11">
+            <a:extLst>
+              <a:ext uri="{FF2B5EF4-FFF2-40B4-BE49-F238E27FC236}">
+                <a16:creationId xmlns:a16="http://schemas.microsoft.com/office/drawing/2014/main" id="{A0E78837-F3C1-0E95-A208-99B7D08838CF}"/>
+              </a:ext>
+            </a:extLst>
+          </p:cNvPr>
+          <p:cNvSpPr/>
+          <p:nvPr/>
+        </p:nvSpPr>
+        <p:spPr>
+          <a:xfrm>
+            <a:off x="9289705" y="2210095"/>
+            <a:ext cx="1721195" cy="495128"/>
+          </a:xfrm>
+          <a:prstGeom prst="rect">
+            <a:avLst/>
+          </a:prstGeom>
+          <a:solidFill>
+            <a:schemeClr val="accent1"/>
+          </a:solidFill>
+        </p:spPr>
+        <p:style>
+          <a:lnRef idx="2">
+            <a:schemeClr val="accent1">
+              <a:shade val="50000"/>
+            </a:schemeClr>
+          </a:lnRef>
+          <a:fillRef idx="1">
+            <a:schemeClr val="accent1"/>
+          </a:fillRef>
+          <a:effectRef idx="0">
+            <a:schemeClr val="accent1"/>
+          </a:effectRef>
+          <a:fontRef idx="minor">
+            <a:schemeClr val="lt1"/>
+          </a:fontRef>
+        </p:style>
+        <p:txBody>
+          <a:bodyPr rtlCol="0" anchor="ctr"/>
+          <a:lstStyle/>
+          <a:p>
+            <a:pPr algn="ctr"/>
+            <a:r>
+              <a:rPr kumimoji="1" lang="ja-JP" altLang="en-US" dirty="0">
+                <a:solidFill>
+                  <a:schemeClr val="bg1"/>
+                </a:solidFill>
+              </a:rPr>
+              <a:t>仮想型</a:t>
+            </a:r>
+            <a:endParaRPr kumimoji="1" lang="en-US" altLang="ja-JP" dirty="0">
+              <a:solidFill>
+                <a:schemeClr val="bg1"/>
+              </a:solidFill>
+            </a:endParaRPr>
+          </a:p>
+        </p:txBody>
+      </p:sp>
+      <p:sp>
+        <p:nvSpPr>
+          <p:cNvPr id="13" name="テキスト ボックス 12">
+            <a:extLst>
+              <a:ext uri="{FF2B5EF4-FFF2-40B4-BE49-F238E27FC236}">
+                <a16:creationId xmlns:a16="http://schemas.microsoft.com/office/drawing/2014/main" id="{4BD18824-88BA-05CD-8EFA-670C2AB4B899}"/>
+              </a:ext>
+            </a:extLst>
+          </p:cNvPr>
+          <p:cNvSpPr txBox="1"/>
+          <p:nvPr/>
+        </p:nvSpPr>
+        <p:spPr>
+          <a:xfrm>
+            <a:off x="1615729" y="2710346"/>
+            <a:ext cx="1069841" cy="338554"/>
+          </a:xfrm>
+          <a:prstGeom prst="rect">
+            <a:avLst/>
+          </a:prstGeom>
+          <a:noFill/>
+        </p:spPr>
+        <p:txBody>
+          <a:bodyPr wrap="square" rtlCol="0">
+            <a:spAutoFit/>
+          </a:bodyPr>
+          <a:lstStyle/>
+          <a:p>
+            <a:pPr algn="ctr"/>
+            <a:r>
+              <a:rPr kumimoji="1" lang="ja-JP" altLang="en-US" sz="1600" dirty="0"/>
+              <a:t>トップダウン</a:t>
+            </a:r>
+          </a:p>
+        </p:txBody>
+      </p:sp>
+      <p:sp>
+        <p:nvSpPr>
+          <p:cNvPr id="15" name="テキスト ボックス 14">
+            <a:extLst>
+              <a:ext uri="{FF2B5EF4-FFF2-40B4-BE49-F238E27FC236}">
+                <a16:creationId xmlns:a16="http://schemas.microsoft.com/office/drawing/2014/main" id="{C4C642D7-AE98-5223-65CF-E73C94CB248D}"/>
+              </a:ext>
+            </a:extLst>
+          </p:cNvPr>
+          <p:cNvSpPr txBox="1"/>
+          <p:nvPr/>
+        </p:nvSpPr>
+        <p:spPr>
+          <a:xfrm>
+            <a:off x="6789697" y="2710346"/>
+            <a:ext cx="1388109" cy="338554"/>
+          </a:xfrm>
+          <a:prstGeom prst="rect">
+            <a:avLst/>
+          </a:prstGeom>
+          <a:noFill/>
+        </p:spPr>
+        <p:txBody>
+          <a:bodyPr wrap="square" rtlCol="0">
+            <a:spAutoFit/>
+          </a:bodyPr>
+          <a:lstStyle/>
+          <a:p>
+            <a:pPr algn="ctr"/>
+            <a:r>
+              <a:rPr kumimoji="1" lang="ja-JP" altLang="en-US" sz="1600" dirty="0"/>
+              <a:t>誘導・組織化</a:t>
+            </a:r>
+          </a:p>
+        </p:txBody>
+      </p:sp>
+      <p:sp>
+        <p:nvSpPr>
+          <p:cNvPr id="16" name="テキスト ボックス 15">
+            <a:extLst>
+              <a:ext uri="{FF2B5EF4-FFF2-40B4-BE49-F238E27FC236}">
+                <a16:creationId xmlns:a16="http://schemas.microsoft.com/office/drawing/2014/main" id="{6C5038E9-0CD2-AF46-44CC-82B956AC8DF2}"/>
+              </a:ext>
+            </a:extLst>
+          </p:cNvPr>
+          <p:cNvSpPr txBox="1"/>
+          <p:nvPr/>
+        </p:nvSpPr>
+        <p:spPr>
+          <a:xfrm>
+            <a:off x="9615382" y="2710346"/>
+            <a:ext cx="1069841" cy="338554"/>
+          </a:xfrm>
+          <a:prstGeom prst="rect">
+            <a:avLst/>
+          </a:prstGeom>
+          <a:noFill/>
+        </p:spPr>
+        <p:txBody>
+          <a:bodyPr wrap="square" rtlCol="0">
+            <a:spAutoFit/>
+          </a:bodyPr>
+          <a:lstStyle/>
+          <a:p>
+            <a:pPr algn="ctr"/>
+            <a:r>
+              <a:rPr kumimoji="1" lang="ja-JP" altLang="en-US" sz="1600" dirty="0"/>
+              <a:t>創発</a:t>
+            </a:r>
+          </a:p>
+        </p:txBody>
+      </p:sp>
+      <p:sp>
+        <p:nvSpPr>
+          <p:cNvPr id="23" name="テキスト ボックス 22">
+            <a:extLst>
+              <a:ext uri="{FF2B5EF4-FFF2-40B4-BE49-F238E27FC236}">
+                <a16:creationId xmlns:a16="http://schemas.microsoft.com/office/drawing/2014/main" id="{DDDB03D9-10A9-B1A1-9A6B-0332523F03AE}"/>
+              </a:ext>
+            </a:extLst>
+          </p:cNvPr>
+          <p:cNvSpPr txBox="1"/>
+          <p:nvPr/>
+        </p:nvSpPr>
+        <p:spPr>
+          <a:xfrm>
+            <a:off x="300148" y="1688743"/>
+            <a:ext cx="884166" cy="338554"/>
+          </a:xfrm>
+          <a:prstGeom prst="rect">
+            <a:avLst/>
+          </a:prstGeom>
+          <a:noFill/>
+        </p:spPr>
+        <p:txBody>
+          <a:bodyPr wrap="square" rtlCol="0">
+            <a:spAutoFit/>
+          </a:bodyPr>
+          <a:lstStyle/>
+          <a:p>
+            <a:pPr algn="ctr"/>
+            <a:r>
+              <a:rPr kumimoji="1" lang="ja-JP" altLang="en-US" sz="1600" b="1" dirty="0">
+                <a:solidFill>
+                  <a:schemeClr val="accent3"/>
+                </a:solidFill>
+              </a:rPr>
+              <a:t>従属的</a:t>
+            </a:r>
+          </a:p>
+        </p:txBody>
+      </p:sp>
+      <p:sp>
+        <p:nvSpPr>
+          <p:cNvPr id="19" name="テキスト ボックス 18">
+            <a:extLst>
+              <a:ext uri="{FF2B5EF4-FFF2-40B4-BE49-F238E27FC236}">
+                <a16:creationId xmlns:a16="http://schemas.microsoft.com/office/drawing/2014/main" id="{32171D14-DFC8-B23F-7712-F39ADC47F39D}"/>
+              </a:ext>
+            </a:extLst>
+          </p:cNvPr>
+          <p:cNvSpPr txBox="1"/>
+          <p:nvPr/>
+        </p:nvSpPr>
+        <p:spPr>
+          <a:xfrm>
+            <a:off x="11056579" y="1688743"/>
+            <a:ext cx="884166" cy="338554"/>
+          </a:xfrm>
+          <a:prstGeom prst="rect">
+            <a:avLst/>
+          </a:prstGeom>
+          <a:noFill/>
+        </p:spPr>
+        <p:txBody>
+          <a:bodyPr wrap="square" rtlCol="0">
+            <a:spAutoFit/>
+          </a:bodyPr>
+          <a:lstStyle/>
+          <a:p>
+            <a:pPr algn="ctr"/>
+            <a:r>
+              <a:rPr kumimoji="1" lang="ja-JP" altLang="en-US" sz="1600" b="1" dirty="0">
+                <a:solidFill>
+                  <a:schemeClr val="accent3"/>
+                </a:solidFill>
+              </a:rPr>
+              <a:t>独立的</a:t>
+            </a:r>
+          </a:p>
+        </p:txBody>
+      </p:sp>
+      <p:sp>
+        <p:nvSpPr>
+          <p:cNvPr id="4" name="正方形/長方形 3">
+            <a:extLst>
+              <a:ext uri="{FF2B5EF4-FFF2-40B4-BE49-F238E27FC236}">
+                <a16:creationId xmlns:a16="http://schemas.microsoft.com/office/drawing/2014/main" id="{9DB58101-1640-2409-832F-380625C65D50}"/>
+              </a:ext>
+            </a:extLst>
+          </p:cNvPr>
+          <p:cNvSpPr/>
+          <p:nvPr/>
+        </p:nvSpPr>
+        <p:spPr>
+          <a:xfrm rot="5400000">
+            <a:off x="5886780" y="-3002403"/>
+            <a:ext cx="527394" cy="9720847"/>
+          </a:xfrm>
+          <a:prstGeom prst="rect">
+            <a:avLst/>
+          </a:prstGeom>
+          <a:solidFill>
+            <a:schemeClr val="accent1"/>
+          </a:solidFill>
+        </p:spPr>
+        <p:style>
+          <a:lnRef idx="2">
+            <a:schemeClr val="accent1">
+              <a:shade val="50000"/>
+            </a:schemeClr>
+          </a:lnRef>
+          <a:fillRef idx="1">
+            <a:schemeClr val="accent1"/>
+          </a:fillRef>
+          <a:effectRef idx="0">
+            <a:schemeClr val="accent1"/>
+          </a:effectRef>
+          <a:fontRef idx="minor">
+            <a:schemeClr val="lt1"/>
+          </a:fontRef>
+        </p:style>
+        <p:txBody>
+          <a:bodyPr vert="vert270" rtlCol="0" anchor="ctr"/>
+          <a:lstStyle/>
+          <a:p>
+            <a:pPr algn="ctr"/>
+            <a:r>
+              <a:rPr kumimoji="1" lang="en-US" altLang="ja-JP" b="1" dirty="0">
+                <a:solidFill>
+                  <a:schemeClr val="bg1"/>
+                </a:solidFill>
+              </a:rPr>
+              <a:t>SoS</a:t>
+            </a:r>
+            <a:r>
+              <a:rPr kumimoji="1" lang="ja-JP" altLang="en-US" b="1" dirty="0">
+                <a:solidFill>
+                  <a:schemeClr val="bg1"/>
+                </a:solidFill>
+              </a:rPr>
+              <a:t>における協調のタイプ</a:t>
+            </a:r>
           </a:p>
         </p:txBody>
       </p:sp>
     </p:spTree>
     <p:extLst>
       <p:ext uri="{BB962C8B-B14F-4D97-AF65-F5344CB8AC3E}">
-        <p14:creationId xmlns:p14="http://schemas.microsoft.com/office/powerpoint/2010/main" val="534514034"/>
+        <p14:creationId xmlns:p14="http://schemas.microsoft.com/office/powerpoint/2010/main" val="1286039426"/>
       </p:ext>
     </p:extLst>
   </p:cSld>
@@ -16392,6 +16875,147 @@
       </p:grpSpPr>
       <p:sp>
         <p:nvSpPr>
+          <p:cNvPr id="5" name="タイトル 4">
+            <a:extLst>
+              <a:ext uri="{FF2B5EF4-FFF2-40B4-BE49-F238E27FC236}">
+                <a16:creationId xmlns:a16="http://schemas.microsoft.com/office/drawing/2014/main" id="{560C5BD5-1532-4087-ACF7-85710DC69FAA}"/>
+              </a:ext>
+            </a:extLst>
+          </p:cNvPr>
+          <p:cNvSpPr>
+            <a:spLocks noGrp="1"/>
+          </p:cNvSpPr>
+          <p:nvPr>
+            <p:ph type="title"/>
+          </p:nvPr>
+        </p:nvSpPr>
+        <p:spPr/>
+        <p:txBody>
+          <a:bodyPr/>
+          <a:lstStyle/>
+          <a:p>
+            <a:r>
+              <a:rPr lang="ja-JP" altLang="en-US" dirty="0"/>
+              <a:t>まとめ</a:t>
+            </a:r>
+            <a:endParaRPr lang="en-US" dirty="0"/>
+          </a:p>
+        </p:txBody>
+      </p:sp>
+      <p:sp>
+        <p:nvSpPr>
+          <p:cNvPr id="3" name="スライド番号プレースホルダー 2">
+            <a:extLst>
+              <a:ext uri="{FF2B5EF4-FFF2-40B4-BE49-F238E27FC236}">
+                <a16:creationId xmlns:a16="http://schemas.microsoft.com/office/drawing/2014/main" id="{ED23190D-575C-49DE-8293-87C3C1C8D779}"/>
+              </a:ext>
+            </a:extLst>
+          </p:cNvPr>
+          <p:cNvSpPr>
+            <a:spLocks noGrp="1"/>
+          </p:cNvSpPr>
+          <p:nvPr>
+            <p:ph type="sldNum" sz="quarter" idx="10"/>
+          </p:nvPr>
+        </p:nvSpPr>
+        <p:spPr/>
+        <p:txBody>
+          <a:bodyPr/>
+          <a:lstStyle/>
+          <a:p>
+            <a:fld id="{584EAAFE-CFE5-40AD-8E95-5BFF290DC5CF}" type="slidenum">
+              <a:rPr kumimoji="1" lang="ja-JP" altLang="en-US" smtClean="0"/>
+              <a:pPr/>
+              <a:t>13</a:t>
+            </a:fld>
+            <a:endParaRPr kumimoji="1" lang="ja-JP" altLang="en-US"/>
+          </a:p>
+        </p:txBody>
+      </p:sp>
+      <p:sp>
+        <p:nvSpPr>
+          <p:cNvPr id="9" name="テキスト プレースホルダー 8">
+            <a:extLst>
+              <a:ext uri="{FF2B5EF4-FFF2-40B4-BE49-F238E27FC236}">
+                <a16:creationId xmlns:a16="http://schemas.microsoft.com/office/drawing/2014/main" id="{A809889B-886C-09D3-E0E0-05C8C4A3F3EE}"/>
+              </a:ext>
+            </a:extLst>
+          </p:cNvPr>
+          <p:cNvSpPr>
+            <a:spLocks noGrp="1"/>
+          </p:cNvSpPr>
+          <p:nvPr>
+            <p:ph type="body" sz="quarter" idx="11"/>
+          </p:nvPr>
+        </p:nvSpPr>
+        <p:spPr/>
+        <p:txBody>
+          <a:bodyPr/>
+          <a:lstStyle/>
+          <a:p>
+            <a:r>
+              <a:rPr lang="ja-JP" altLang="en-US" dirty="0"/>
+              <a:t>まずは、来週前半にこの提言を分科会事務局に話してみる。</a:t>
+            </a:r>
+            <a:endParaRPr lang="en-US" altLang="ja-JP" dirty="0"/>
+          </a:p>
+          <a:p>
+            <a:r>
+              <a:rPr lang="ja-JP" altLang="en-US" dirty="0"/>
+              <a:t>第</a:t>
+            </a:r>
+            <a:r>
+              <a:rPr lang="en-US" altLang="ja-JP" dirty="0"/>
+              <a:t>6</a:t>
+            </a:r>
+            <a:r>
+              <a:rPr lang="ja-JP" altLang="en-US" dirty="0"/>
+              <a:t>回（</a:t>
+            </a:r>
+            <a:r>
+              <a:rPr lang="en-US" altLang="ja-JP" dirty="0"/>
+              <a:t>8/30</a:t>
+            </a:r>
+            <a:r>
+              <a:rPr lang="ja-JP" altLang="en-US" dirty="0"/>
+              <a:t>）に、このままの内容をメンバーに話してみるか、事務局の方で引き取ってもらうか、相談する。</a:t>
+            </a:r>
+            <a:endParaRPr lang="en-US" altLang="ja-JP" dirty="0"/>
+          </a:p>
+        </p:txBody>
+      </p:sp>
+    </p:spTree>
+    <p:extLst>
+      <p:ext uri="{BB962C8B-B14F-4D97-AF65-F5344CB8AC3E}">
+        <p14:creationId xmlns:p14="http://schemas.microsoft.com/office/powerpoint/2010/main" val="534514034"/>
+      </p:ext>
+    </p:extLst>
+  </p:cSld>
+  <p:clrMapOvr>
+    <a:masterClrMapping/>
+  </p:clrMapOvr>
+</p:sld>
+</file>
+
+<file path=ppt/slides/slide14.xml><?xml version="1.0" encoding="utf-8"?>
+<p:sld xmlns:a="http://schemas.openxmlformats.org/drawingml/2006/main" xmlns:r="http://schemas.openxmlformats.org/officeDocument/2006/relationships" xmlns:p="http://schemas.openxmlformats.org/presentationml/2006/main">
+  <p:cSld>
+    <p:spTree>
+      <p:nvGrpSpPr>
+        <p:cNvPr id="1" name=""/>
+        <p:cNvGrpSpPr/>
+        <p:nvPr/>
+      </p:nvGrpSpPr>
+      <p:grpSpPr>
+        <a:xfrm>
+          <a:off x="0" y="0"/>
+          <a:ext cx="0" cy="0"/>
+          <a:chOff x="0" y="0"/>
+          <a:chExt cx="0" cy="0"/>
+        </a:xfrm>
+      </p:grpSpPr>
+      <p:sp>
+        <p:nvSpPr>
           <p:cNvPr id="2" name="スライド番号プレースホルダー 1">
             <a:extLst>
               <a:ext uri="{FF2B5EF4-FFF2-40B4-BE49-F238E27FC236}">
@@ -16414,7 +17038,7 @@
             <a:fld id="{B3001740-FA51-4383-A84C-3DA006D12C29}" type="slidenum">
               <a:rPr lang="ja-JP" altLang="en-US" smtClean="0"/>
               <a:pPr/>
-              <a:t>13</a:t>
+              <a:t>14</a:t>
             </a:fld>
             <a:endParaRPr lang="ja-JP" altLang="en-US" dirty="0"/>
           </a:p>
@@ -25199,7 +25823,7 @@
             </a:r>
             <a:r>
               <a:rPr lang="ja-JP" altLang="en-US" dirty="0"/>
-              <a:t>全体の目的形成、管理体制、要素システムの独立性に帰結する</a:t>
+              <a:t>全体の管理体制や要素システムの独立性に帰結する</a:t>
             </a:r>
             <a:r>
               <a:rPr lang="en-US" altLang="ja-JP" dirty="0"/>
@@ -25210,84 +25834,6 @@
       </p:sp>
       <p:sp>
         <p:nvSpPr>
-          <p:cNvPr id="6" name="テキスト ボックス 5">
-            <a:extLst>
-              <a:ext uri="{FF2B5EF4-FFF2-40B4-BE49-F238E27FC236}">
-                <a16:creationId xmlns:a16="http://schemas.microsoft.com/office/drawing/2014/main" id="{346ADEF4-07E1-5728-9A57-E6EA3583BA23}"/>
-              </a:ext>
-            </a:extLst>
-          </p:cNvPr>
-          <p:cNvSpPr txBox="1"/>
-          <p:nvPr/>
-        </p:nvSpPr>
-        <p:spPr>
-          <a:xfrm>
-            <a:off x="68279" y="3759049"/>
-            <a:ext cx="1761438" cy="338554"/>
-          </a:xfrm>
-          <a:prstGeom prst="rect">
-            <a:avLst/>
-          </a:prstGeom>
-          <a:noFill/>
-        </p:spPr>
-        <p:txBody>
-          <a:bodyPr wrap="square" rtlCol="0">
-            <a:spAutoFit/>
-          </a:bodyPr>
-          <a:lstStyle/>
-          <a:p>
-            <a:pPr algn="ctr"/>
-            <a:r>
-              <a:rPr lang="en-US" altLang="ja-JP" sz="1600" b="1" dirty="0"/>
-              <a:t>SoS</a:t>
-            </a:r>
-            <a:r>
-              <a:rPr lang="ja-JP" altLang="en-US" sz="1600" b="1" dirty="0"/>
-              <a:t>の目的形成</a:t>
-            </a:r>
-            <a:endParaRPr kumimoji="1" lang="ja-JP" altLang="en-US" sz="1600" b="1" dirty="0"/>
-          </a:p>
-        </p:txBody>
-      </p:sp>
-      <p:sp>
-        <p:nvSpPr>
-          <p:cNvPr id="7" name="テキスト ボックス 6">
-            <a:extLst>
-              <a:ext uri="{FF2B5EF4-FFF2-40B4-BE49-F238E27FC236}">
-                <a16:creationId xmlns:a16="http://schemas.microsoft.com/office/drawing/2014/main" id="{51D93F1F-F423-ECEC-491D-0691DBF66508}"/>
-              </a:ext>
-            </a:extLst>
-          </p:cNvPr>
-          <p:cNvSpPr txBox="1"/>
-          <p:nvPr/>
-        </p:nvSpPr>
-        <p:spPr>
-          <a:xfrm>
-            <a:off x="196511" y="4719778"/>
-            <a:ext cx="1504975" cy="338554"/>
-          </a:xfrm>
-          <a:prstGeom prst="rect">
-            <a:avLst/>
-          </a:prstGeom>
-          <a:noFill/>
-        </p:spPr>
-        <p:txBody>
-          <a:bodyPr wrap="square" rtlCol="0">
-            <a:spAutoFit/>
-          </a:bodyPr>
-          <a:lstStyle/>
-          <a:p>
-            <a:pPr algn="ctr"/>
-            <a:r>
-              <a:rPr lang="ja-JP" altLang="en-US" sz="1600" b="1" dirty="0"/>
-              <a:t>相互関係</a:t>
-            </a:r>
-            <a:endParaRPr kumimoji="1" lang="ja-JP" altLang="en-US" sz="1600" b="1" dirty="0"/>
-          </a:p>
-        </p:txBody>
-      </p:sp>
-      <p:sp>
-        <p:nvSpPr>
           <p:cNvPr id="8" name="正方形/長方形 7">
             <a:extLst>
               <a:ext uri="{FF2B5EF4-FFF2-40B4-BE49-F238E27FC236}">
@@ -25300,7 +25846,7 @@
         </p:nvSpPr>
         <p:spPr>
           <a:xfrm>
-            <a:off x="3365304" y="2603887"/>
+            <a:off x="1620254" y="2801242"/>
             <a:ext cx="1721195" cy="495128"/>
           </a:xfrm>
           <a:prstGeom prst="rect">
@@ -25361,7 +25907,7 @@
         </p:nvSpPr>
         <p:spPr>
           <a:xfrm>
-            <a:off x="5190228" y="2603887"/>
+            <a:off x="1620254" y="3473758"/>
             <a:ext cx="1721195" cy="495128"/>
           </a:xfrm>
           <a:prstGeom prst="rect">
@@ -25422,7 +25968,7 @@
         </p:nvSpPr>
         <p:spPr>
           <a:xfrm>
-            <a:off x="7015152" y="2603887"/>
+            <a:off x="1620254" y="4146274"/>
             <a:ext cx="1721195" cy="495128"/>
           </a:xfrm>
           <a:prstGeom prst="rect">
@@ -25483,7 +26029,7 @@
         </p:nvSpPr>
         <p:spPr>
           <a:xfrm>
-            <a:off x="8840076" y="2603887"/>
+            <a:off x="1614947" y="4818791"/>
             <a:ext cx="1721195" cy="495128"/>
           </a:xfrm>
           <a:prstGeom prst="rect">
@@ -25544,7 +26090,7 @@
         </p:nvSpPr>
         <p:spPr>
           <a:xfrm>
-            <a:off x="3690981" y="3232825"/>
+            <a:off x="3404095" y="2879529"/>
             <a:ext cx="1069841" cy="338554"/>
           </a:xfrm>
           <a:prstGeom prst="rect">
@@ -25558,7 +26104,6 @@
           </a:bodyPr>
           <a:lstStyle/>
           <a:p>
-            <a:pPr algn="ctr"/>
             <a:r>
               <a:rPr kumimoji="1" lang="ja-JP" altLang="en-US" sz="1600" dirty="0"/>
               <a:t>トップダウン</a:t>
@@ -25580,7 +26125,7 @@
         </p:nvSpPr>
         <p:spPr>
           <a:xfrm>
-            <a:off x="5455885" y="3232825"/>
+            <a:off x="3404095" y="3558492"/>
             <a:ext cx="1189846" cy="338554"/>
           </a:xfrm>
           <a:prstGeom prst="rect">
@@ -25594,7 +26139,6 @@
           </a:bodyPr>
           <a:lstStyle/>
           <a:p>
-            <a:pPr algn="ctr"/>
             <a:r>
               <a:rPr kumimoji="1" lang="ja-JP" altLang="en-US" sz="1600" dirty="0"/>
               <a:t>要請・承認</a:t>
@@ -25616,7 +26160,7 @@
         </p:nvSpPr>
         <p:spPr>
           <a:xfrm>
-            <a:off x="7168623" y="3231972"/>
+            <a:off x="3404095" y="4222266"/>
             <a:ext cx="1388109" cy="338554"/>
           </a:xfrm>
           <a:prstGeom prst="rect">
@@ -25630,7 +26174,6 @@
           </a:bodyPr>
           <a:lstStyle/>
           <a:p>
-            <a:pPr algn="ctr"/>
             <a:r>
               <a:rPr kumimoji="1" lang="ja-JP" altLang="en-US" sz="1600" dirty="0"/>
               <a:t>誘導・組織化</a:t>
@@ -25652,7 +26195,7 @@
         </p:nvSpPr>
         <p:spPr>
           <a:xfrm>
-            <a:off x="9165753" y="3230593"/>
+            <a:off x="3404095" y="4897078"/>
             <a:ext cx="1069841" cy="338554"/>
           </a:xfrm>
           <a:prstGeom prst="rect">
@@ -25666,7 +26209,6 @@
           </a:bodyPr>
           <a:lstStyle/>
           <a:p>
-            <a:pPr algn="ctr"/>
             <a:r>
               <a:rPr kumimoji="1" lang="ja-JP" altLang="en-US" sz="1600" dirty="0"/>
               <a:t>創発</a:t>
@@ -25688,7 +26230,7 @@
         </p:nvSpPr>
         <p:spPr>
           <a:xfrm>
-            <a:off x="2070746" y="4719778"/>
+            <a:off x="9360377" y="2879529"/>
             <a:ext cx="884166" cy="338554"/>
           </a:xfrm>
           <a:prstGeom prst="rect">
@@ -25704,9 +26246,9 @@
           <a:p>
             <a:pPr algn="ctr"/>
             <a:r>
-              <a:rPr kumimoji="1" lang="ja-JP" altLang="en-US" sz="1600" dirty="0">
+              <a:rPr kumimoji="1" lang="ja-JP" altLang="en-US" sz="1600" b="1" dirty="0">
                 <a:solidFill>
-                  <a:schemeClr val="accent1"/>
+                  <a:schemeClr val="accent3"/>
                 </a:solidFill>
               </a:rPr>
               <a:t>従属的</a:t>
@@ -25752,10 +26294,10 @@
       </p:sp>
       <p:sp>
         <p:nvSpPr>
-          <p:cNvPr id="4" name="テキスト ボックス 3">
-            <a:extLst>
-              <a:ext uri="{FF2B5EF4-FFF2-40B4-BE49-F238E27FC236}">
-                <a16:creationId xmlns:a16="http://schemas.microsoft.com/office/drawing/2014/main" id="{A8BA74DD-044A-6B97-82E6-76048484B041}"/>
+          <p:cNvPr id="30" name="テキスト ボックス 29">
+            <a:extLst>
+              <a:ext uri="{FF2B5EF4-FFF2-40B4-BE49-F238E27FC236}">
+                <a16:creationId xmlns:a16="http://schemas.microsoft.com/office/drawing/2014/main" id="{71AA2421-3B41-D168-72AB-FA541D0E2CBA}"/>
               </a:ext>
             </a:extLst>
           </p:cNvPr>
@@ -25764,8 +26306,8 @@
         </p:nvSpPr>
         <p:spPr>
           <a:xfrm>
-            <a:off x="68279" y="4230241"/>
-            <a:ext cx="1761438" cy="338554"/>
+            <a:off x="7018999" y="2879529"/>
+            <a:ext cx="1336450" cy="338554"/>
           </a:xfrm>
           <a:prstGeom prst="rect">
             <a:avLst/>
@@ -25780,23 +26322,22 @@
           <a:p>
             <a:pPr algn="ctr"/>
             <a:r>
-              <a:rPr lang="en-US" altLang="ja-JP" sz="1600" b="1" dirty="0"/>
-              <a:t>SoS</a:t>
-            </a:r>
-            <a:r>
-              <a:rPr lang="ja-JP" altLang="en-US" sz="1600" b="1" dirty="0"/>
-              <a:t>の管理体制</a:t>
-            </a:r>
-            <a:endParaRPr kumimoji="1" lang="ja-JP" altLang="en-US" sz="1600" b="1" dirty="0"/>
-          </a:p>
-        </p:txBody>
-      </p:sp>
-      <p:sp>
-        <p:nvSpPr>
-          <p:cNvPr id="29" name="テキスト ボックス 28">
-            <a:extLst>
-              <a:ext uri="{FF2B5EF4-FFF2-40B4-BE49-F238E27FC236}">
-                <a16:creationId xmlns:a16="http://schemas.microsoft.com/office/drawing/2014/main" id="{0774D42D-0152-01A0-A502-F766A3D775A7}"/>
+              <a:rPr kumimoji="1" lang="ja-JP" altLang="en-US" sz="1600" b="1" dirty="0">
+                <a:solidFill>
+                  <a:schemeClr val="accent3"/>
+                </a:solidFill>
+              </a:rPr>
+              <a:t>中央集中型</a:t>
+            </a:r>
+          </a:p>
+        </p:txBody>
+      </p:sp>
+      <p:sp>
+        <p:nvSpPr>
+          <p:cNvPr id="31" name="テキスト ボックス 30">
+            <a:extLst>
+              <a:ext uri="{FF2B5EF4-FFF2-40B4-BE49-F238E27FC236}">
+                <a16:creationId xmlns:a16="http://schemas.microsoft.com/office/drawing/2014/main" id="{71B55656-4ACE-1C1C-0255-7350931F9E0F}"/>
               </a:ext>
             </a:extLst>
           </p:cNvPr>
@@ -25805,8 +26346,8 @@
         </p:nvSpPr>
         <p:spPr>
           <a:xfrm>
-            <a:off x="10914710" y="4719778"/>
-            <a:ext cx="884166" cy="338554"/>
+            <a:off x="7019000" y="4897078"/>
+            <a:ext cx="1336449" cy="338554"/>
           </a:xfrm>
           <a:prstGeom prst="rect">
             <a:avLst/>
@@ -25821,9 +26362,174 @@
           <a:p>
             <a:pPr algn="ctr"/>
             <a:r>
-              <a:rPr kumimoji="1" lang="ja-JP" altLang="en-US" sz="1600" dirty="0">
+              <a:rPr kumimoji="1" lang="ja-JP" altLang="en-US" sz="1600" b="1" dirty="0">
                 <a:solidFill>
-                  <a:schemeClr val="accent1"/>
+                  <a:schemeClr val="accent3"/>
+                </a:solidFill>
+              </a:rPr>
+              <a:t>地方分散型</a:t>
+            </a:r>
+          </a:p>
+        </p:txBody>
+      </p:sp>
+      <p:sp>
+        <p:nvSpPr>
+          <p:cNvPr id="32" name="テキスト ボックス 31">
+            <a:extLst>
+              <a:ext uri="{FF2B5EF4-FFF2-40B4-BE49-F238E27FC236}">
+                <a16:creationId xmlns:a16="http://schemas.microsoft.com/office/drawing/2014/main" id="{317FBE3F-F060-C36C-EBFA-9D184C354AB8}"/>
+              </a:ext>
+            </a:extLst>
+          </p:cNvPr>
+          <p:cNvSpPr txBox="1"/>
+          <p:nvPr/>
+        </p:nvSpPr>
+        <p:spPr>
+          <a:xfrm>
+            <a:off x="4984189" y="4897078"/>
+            <a:ext cx="1175599" cy="338554"/>
+          </a:xfrm>
+          <a:prstGeom prst="rect">
+            <a:avLst/>
+          </a:prstGeom>
+          <a:noFill/>
+        </p:spPr>
+        <p:txBody>
+          <a:bodyPr wrap="square" rtlCol="0">
+            <a:spAutoFit/>
+          </a:bodyPr>
+          <a:lstStyle/>
+          <a:p>
+            <a:pPr algn="ctr"/>
+            <a:r>
+              <a:rPr kumimoji="1" lang="ja-JP" altLang="en-US" sz="1600" b="1" dirty="0">
+                <a:solidFill>
+                  <a:schemeClr val="accent3"/>
+                </a:solidFill>
+              </a:rPr>
+              <a:t>動的</a:t>
+            </a:r>
+          </a:p>
+        </p:txBody>
+      </p:sp>
+      <p:sp>
+        <p:nvSpPr>
+          <p:cNvPr id="33" name="テキスト ボックス 32">
+            <a:extLst>
+              <a:ext uri="{FF2B5EF4-FFF2-40B4-BE49-F238E27FC236}">
+                <a16:creationId xmlns:a16="http://schemas.microsoft.com/office/drawing/2014/main" id="{490A6B76-90B1-382D-6DD1-1328775EF039}"/>
+              </a:ext>
+            </a:extLst>
+          </p:cNvPr>
+          <p:cNvSpPr txBox="1"/>
+          <p:nvPr/>
+        </p:nvSpPr>
+        <p:spPr>
+          <a:xfrm>
+            <a:off x="4984189" y="2879529"/>
+            <a:ext cx="1175599" cy="338554"/>
+          </a:xfrm>
+          <a:prstGeom prst="rect">
+            <a:avLst/>
+          </a:prstGeom>
+          <a:noFill/>
+        </p:spPr>
+        <p:txBody>
+          <a:bodyPr wrap="square" rtlCol="0">
+            <a:spAutoFit/>
+          </a:bodyPr>
+          <a:lstStyle/>
+          <a:p>
+            <a:pPr algn="ctr"/>
+            <a:r>
+              <a:rPr kumimoji="1" lang="ja-JP" altLang="en-US" sz="1600" b="1" dirty="0">
+                <a:solidFill>
+                  <a:schemeClr val="accent3"/>
+                </a:solidFill>
+              </a:rPr>
+              <a:t>静的</a:t>
+            </a:r>
+          </a:p>
+        </p:txBody>
+      </p:sp>
+      <p:cxnSp>
+        <p:nvCxnSpPr>
+          <p:cNvPr id="43" name="直線矢印コネクタ 42">
+            <a:extLst>
+              <a:ext uri="{FF2B5EF4-FFF2-40B4-BE49-F238E27FC236}">
+                <a16:creationId xmlns:a16="http://schemas.microsoft.com/office/drawing/2014/main" id="{990D76B4-0721-D6B4-2613-D1020BA62A54}"/>
+              </a:ext>
+            </a:extLst>
+          </p:cNvPr>
+          <p:cNvCxnSpPr>
+            <a:cxnSpLocks/>
+          </p:cNvCxnSpPr>
+          <p:nvPr/>
+        </p:nvCxnSpPr>
+        <p:spPr>
+          <a:xfrm>
+            <a:off x="5571988" y="3240856"/>
+            <a:ext cx="0" cy="1586375"/>
+          </a:xfrm>
+          <a:prstGeom prst="straightConnector1">
+            <a:avLst/>
+          </a:prstGeom>
+          <a:ln w="28575">
+            <a:solidFill>
+              <a:schemeClr val="tx1"/>
+            </a:solidFill>
+            <a:headEnd type="triangle"/>
+            <a:tailEnd type="triangle"/>
+          </a:ln>
+        </p:spPr>
+        <p:style>
+          <a:lnRef idx="1">
+            <a:schemeClr val="accent1"/>
+          </a:lnRef>
+          <a:fillRef idx="0">
+            <a:schemeClr val="accent1"/>
+          </a:fillRef>
+          <a:effectRef idx="0">
+            <a:schemeClr val="accent1"/>
+          </a:effectRef>
+          <a:fontRef idx="minor">
+            <a:schemeClr val="tx1"/>
+          </a:fontRef>
+        </p:style>
+      </p:cxnSp>
+      <p:sp>
+        <p:nvSpPr>
+          <p:cNvPr id="19" name="テキスト ボックス 18">
+            <a:extLst>
+              <a:ext uri="{FF2B5EF4-FFF2-40B4-BE49-F238E27FC236}">
+                <a16:creationId xmlns:a16="http://schemas.microsoft.com/office/drawing/2014/main" id="{32171D14-DFC8-B23F-7712-F39ADC47F39D}"/>
+              </a:ext>
+            </a:extLst>
+          </p:cNvPr>
+          <p:cNvSpPr txBox="1"/>
+          <p:nvPr/>
+        </p:nvSpPr>
+        <p:spPr>
+          <a:xfrm>
+            <a:off x="9360377" y="4897078"/>
+            <a:ext cx="884166" cy="338554"/>
+          </a:xfrm>
+          <a:prstGeom prst="rect">
+            <a:avLst/>
+          </a:prstGeom>
+          <a:noFill/>
+        </p:spPr>
+        <p:txBody>
+          <a:bodyPr wrap="square" rtlCol="0">
+            <a:spAutoFit/>
+          </a:bodyPr>
+          <a:lstStyle/>
+          <a:p>
+            <a:pPr algn="ctr"/>
+            <a:r>
+              <a:rPr kumimoji="1" lang="ja-JP" altLang="en-US" sz="1600" b="1" dirty="0">
+                <a:solidFill>
+                  <a:schemeClr val="accent3"/>
                 </a:solidFill>
               </a:rPr>
               <a:t>独立的</a:t>
@@ -25831,172 +26537,12 @@
           </a:p>
         </p:txBody>
       </p:sp>
-      <p:sp>
-        <p:nvSpPr>
-          <p:cNvPr id="30" name="テキスト ボックス 29">
-            <a:extLst>
-              <a:ext uri="{FF2B5EF4-FFF2-40B4-BE49-F238E27FC236}">
-                <a16:creationId xmlns:a16="http://schemas.microsoft.com/office/drawing/2014/main" id="{71AA2421-3B41-D168-72AB-FA541D0E2CBA}"/>
-              </a:ext>
-            </a:extLst>
-          </p:cNvPr>
-          <p:cNvSpPr txBox="1"/>
-          <p:nvPr/>
-        </p:nvSpPr>
-        <p:spPr>
-          <a:xfrm>
-            <a:off x="1844604" y="4124106"/>
-            <a:ext cx="1336450" cy="584775"/>
-          </a:xfrm>
-          <a:prstGeom prst="rect">
-            <a:avLst/>
-          </a:prstGeom>
-          <a:noFill/>
-        </p:spPr>
-        <p:txBody>
-          <a:bodyPr wrap="square" rtlCol="0">
-            <a:spAutoFit/>
-          </a:bodyPr>
-          <a:lstStyle/>
-          <a:p>
-            <a:pPr algn="ctr"/>
-            <a:r>
-              <a:rPr kumimoji="1" lang="ja-JP" altLang="en-US" sz="1600" dirty="0">
-                <a:solidFill>
-                  <a:schemeClr val="accent1"/>
-                </a:solidFill>
-              </a:rPr>
-              <a:t>上意下達／中央集中型</a:t>
-            </a:r>
-          </a:p>
-        </p:txBody>
-      </p:sp>
-      <p:sp>
-        <p:nvSpPr>
-          <p:cNvPr id="31" name="テキスト ボックス 30">
-            <a:extLst>
-              <a:ext uri="{FF2B5EF4-FFF2-40B4-BE49-F238E27FC236}">
-                <a16:creationId xmlns:a16="http://schemas.microsoft.com/office/drawing/2014/main" id="{71B55656-4ACE-1C1C-0255-7350931F9E0F}"/>
-              </a:ext>
-            </a:extLst>
-          </p:cNvPr>
-          <p:cNvSpPr txBox="1"/>
-          <p:nvPr/>
-        </p:nvSpPr>
-        <p:spPr>
-          <a:xfrm>
-            <a:off x="10688569" y="4115943"/>
-            <a:ext cx="1336449" cy="584775"/>
-          </a:xfrm>
-          <a:prstGeom prst="rect">
-            <a:avLst/>
-          </a:prstGeom>
-          <a:noFill/>
-        </p:spPr>
-        <p:txBody>
-          <a:bodyPr wrap="square" rtlCol="0">
-            <a:spAutoFit/>
-          </a:bodyPr>
-          <a:lstStyle/>
-          <a:p>
-            <a:pPr algn="ctr"/>
-            <a:r>
-              <a:rPr kumimoji="1" lang="ja-JP" altLang="en-US" sz="1600" dirty="0">
-                <a:solidFill>
-                  <a:schemeClr val="accent1"/>
-                </a:solidFill>
-              </a:rPr>
-              <a:t>下意上達／地方分散型</a:t>
-            </a:r>
-          </a:p>
-        </p:txBody>
-      </p:sp>
-      <p:sp>
-        <p:nvSpPr>
-          <p:cNvPr id="32" name="テキスト ボックス 31">
-            <a:extLst>
-              <a:ext uri="{FF2B5EF4-FFF2-40B4-BE49-F238E27FC236}">
-                <a16:creationId xmlns:a16="http://schemas.microsoft.com/office/drawing/2014/main" id="{317FBE3F-F060-C36C-EBFA-9D184C354AB8}"/>
-              </a:ext>
-            </a:extLst>
-          </p:cNvPr>
-          <p:cNvSpPr txBox="1"/>
-          <p:nvPr/>
-        </p:nvSpPr>
-        <p:spPr>
-          <a:xfrm>
-            <a:off x="10496196" y="3759049"/>
-            <a:ext cx="1721194" cy="338554"/>
-          </a:xfrm>
-          <a:prstGeom prst="rect">
-            <a:avLst/>
-          </a:prstGeom>
-          <a:noFill/>
-        </p:spPr>
-        <p:txBody>
-          <a:bodyPr wrap="square" rtlCol="0">
-            <a:spAutoFit/>
-          </a:bodyPr>
-          <a:lstStyle/>
-          <a:p>
-            <a:pPr algn="ctr"/>
-            <a:r>
-              <a:rPr kumimoji="1" lang="ja-JP" altLang="en-US" sz="1600" dirty="0">
-                <a:solidFill>
-                  <a:schemeClr val="accent1"/>
-                </a:solidFill>
-              </a:rPr>
-              <a:t>動的</a:t>
-            </a:r>
-          </a:p>
-        </p:txBody>
-      </p:sp>
-      <p:sp>
-        <p:nvSpPr>
-          <p:cNvPr id="33" name="テキスト ボックス 32">
-            <a:extLst>
-              <a:ext uri="{FF2B5EF4-FFF2-40B4-BE49-F238E27FC236}">
-                <a16:creationId xmlns:a16="http://schemas.microsoft.com/office/drawing/2014/main" id="{490A6B76-90B1-382D-6DD1-1328775EF039}"/>
-              </a:ext>
-            </a:extLst>
-          </p:cNvPr>
-          <p:cNvSpPr txBox="1"/>
-          <p:nvPr/>
-        </p:nvSpPr>
-        <p:spPr>
-          <a:xfrm>
-            <a:off x="1652232" y="3759049"/>
-            <a:ext cx="1721194" cy="338554"/>
-          </a:xfrm>
-          <a:prstGeom prst="rect">
-            <a:avLst/>
-          </a:prstGeom>
-          <a:noFill/>
-        </p:spPr>
-        <p:txBody>
-          <a:bodyPr wrap="square" rtlCol="0">
-            <a:spAutoFit/>
-          </a:bodyPr>
-          <a:lstStyle/>
-          <a:p>
-            <a:pPr algn="ctr"/>
-            <a:r>
-              <a:rPr kumimoji="1" lang="ja-JP" altLang="en-US" sz="1600" dirty="0">
-                <a:solidFill>
-                  <a:schemeClr val="accent1"/>
-                </a:solidFill>
-              </a:rPr>
-              <a:t>静的</a:t>
-            </a:r>
-          </a:p>
-        </p:txBody>
-      </p:sp>
       <p:cxnSp>
         <p:nvCxnSpPr>
-          <p:cNvPr id="41" name="直線矢印コネクタ 40">
-            <a:extLst>
-              <a:ext uri="{FF2B5EF4-FFF2-40B4-BE49-F238E27FC236}">
-                <a16:creationId xmlns:a16="http://schemas.microsoft.com/office/drawing/2014/main" id="{8685783C-BAC7-6C9C-1F11-880A79CEDA90}"/>
+          <p:cNvPr id="25" name="直線矢印コネクタ 24">
+            <a:extLst>
+              <a:ext uri="{FF2B5EF4-FFF2-40B4-BE49-F238E27FC236}">
+                <a16:creationId xmlns:a16="http://schemas.microsoft.com/office/drawing/2014/main" id="{71159E03-9BDD-4BC3-DC77-DC8EF25EEB3B}"/>
               </a:ext>
             </a:extLst>
           </p:cNvPr>
@@ -26007,8 +26553,8 @@
         </p:nvCxnSpPr>
         <p:spPr>
           <a:xfrm>
-            <a:off x="3397394" y="4399518"/>
-            <a:ext cx="7080049" cy="0"/>
+            <a:off x="7687224" y="3240856"/>
+            <a:ext cx="0" cy="1586375"/>
           </a:xfrm>
           <a:prstGeom prst="straightConnector1">
             <a:avLst/>
@@ -26038,10 +26584,10 @@
       </p:cxnSp>
       <p:cxnSp>
         <p:nvCxnSpPr>
-          <p:cNvPr id="42" name="直線矢印コネクタ 41">
-            <a:extLst>
-              <a:ext uri="{FF2B5EF4-FFF2-40B4-BE49-F238E27FC236}">
-                <a16:creationId xmlns:a16="http://schemas.microsoft.com/office/drawing/2014/main" id="{856641AE-B9E6-9E4C-3380-D3AAE20945B9}"/>
+          <p:cNvPr id="26" name="直線矢印コネクタ 25">
+            <a:extLst>
+              <a:ext uri="{FF2B5EF4-FFF2-40B4-BE49-F238E27FC236}">
+                <a16:creationId xmlns:a16="http://schemas.microsoft.com/office/drawing/2014/main" id="{F48B9FCA-834A-4B70-DC42-DA06CBBF56BE}"/>
               </a:ext>
             </a:extLst>
           </p:cNvPr>
@@ -26052,8 +26598,8 @@
         </p:nvCxnSpPr>
         <p:spPr>
           <a:xfrm>
-            <a:off x="3397394" y="4889055"/>
-            <a:ext cx="7080049" cy="0"/>
+            <a:off x="9802460" y="3240856"/>
+            <a:ext cx="0" cy="1586375"/>
           </a:xfrm>
           <a:prstGeom prst="straightConnector1">
             <a:avLst/>
@@ -26081,55 +26627,230 @@
           </a:fontRef>
         </p:style>
       </p:cxnSp>
-      <p:cxnSp>
-        <p:nvCxnSpPr>
-          <p:cNvPr id="43" name="直線矢印コネクタ 42">
-            <a:extLst>
-              <a:ext uri="{FF2B5EF4-FFF2-40B4-BE49-F238E27FC236}">
-                <a16:creationId xmlns:a16="http://schemas.microsoft.com/office/drawing/2014/main" id="{990D76B4-0721-D6B4-2613-D1020BA62A54}"/>
-              </a:ext>
-            </a:extLst>
-          </p:cNvPr>
-          <p:cNvCxnSpPr>
-            <a:cxnSpLocks/>
-          </p:cNvCxnSpPr>
-          <p:nvPr/>
-        </p:nvCxnSpPr>
-        <p:spPr>
-          <a:xfrm>
-            <a:off x="3397394" y="3928326"/>
-            <a:ext cx="7080049" cy="0"/>
-          </a:xfrm>
-          <a:prstGeom prst="straightConnector1">
-            <a:avLst/>
-          </a:prstGeom>
-          <a:ln w="28575">
+      <p:sp>
+        <p:nvSpPr>
+          <p:cNvPr id="36" name="正方形/長方形 35">
+            <a:extLst>
+              <a:ext uri="{FF2B5EF4-FFF2-40B4-BE49-F238E27FC236}">
+                <a16:creationId xmlns:a16="http://schemas.microsoft.com/office/drawing/2014/main" id="{BA88A49B-6165-B761-936A-8B0F27B0A750}"/>
+              </a:ext>
+            </a:extLst>
+          </p:cNvPr>
+          <p:cNvSpPr/>
+          <p:nvPr/>
+        </p:nvSpPr>
+        <p:spPr>
+          <a:xfrm>
+            <a:off x="4593941" y="2259406"/>
+            <a:ext cx="1956094" cy="450116"/>
+          </a:xfrm>
+          <a:prstGeom prst="rect">
+            <a:avLst/>
+          </a:prstGeom>
+          <a:solidFill>
+            <a:schemeClr val="accent3"/>
+          </a:solidFill>
+          <a:ln>
             <a:solidFill>
-              <a:schemeClr val="tx1"/>
+              <a:schemeClr val="accent3">
+                <a:lumMod val="75000"/>
+              </a:schemeClr>
             </a:solidFill>
-            <a:headEnd type="triangle"/>
-            <a:tailEnd type="triangle"/>
           </a:ln>
         </p:spPr>
         <p:style>
-          <a:lnRef idx="1">
-            <a:schemeClr val="accent1"/>
+          <a:lnRef idx="2">
+            <a:schemeClr val="accent1">
+              <a:shade val="50000"/>
+            </a:schemeClr>
           </a:lnRef>
-          <a:fillRef idx="0">
+          <a:fillRef idx="1">
             <a:schemeClr val="accent1"/>
           </a:fillRef>
           <a:effectRef idx="0">
             <a:schemeClr val="accent1"/>
           </a:effectRef>
           <a:fontRef idx="minor">
-            <a:schemeClr val="tx1"/>
+            <a:schemeClr val="lt1"/>
           </a:fontRef>
         </p:style>
-      </p:cxnSp>
+        <p:txBody>
+          <a:bodyPr rtlCol="0" anchor="ctr"/>
+          <a:lstStyle/>
+          <a:p>
+            <a:pPr algn="ctr"/>
+            <a:r>
+              <a:rPr kumimoji="1" lang="en-US" altLang="ja-JP" sz="1600" b="1" dirty="0">
+                <a:solidFill>
+                  <a:schemeClr val="bg1"/>
+                </a:solidFill>
+              </a:rPr>
+              <a:t>SoS</a:t>
+            </a:r>
+            <a:r>
+              <a:rPr kumimoji="1" lang="ja-JP" altLang="en-US" sz="1600" b="1" dirty="0">
+                <a:solidFill>
+                  <a:schemeClr val="bg1"/>
+                </a:solidFill>
+              </a:rPr>
+              <a:t>の目的形成</a:t>
+            </a:r>
+            <a:endParaRPr kumimoji="1" lang="en-US" altLang="ja-JP" sz="1600" b="1" dirty="0">
+              <a:solidFill>
+                <a:schemeClr val="bg1"/>
+              </a:solidFill>
+            </a:endParaRPr>
+          </a:p>
+        </p:txBody>
+      </p:sp>
+      <p:sp>
+        <p:nvSpPr>
+          <p:cNvPr id="37" name="正方形/長方形 36">
+            <a:extLst>
+              <a:ext uri="{FF2B5EF4-FFF2-40B4-BE49-F238E27FC236}">
+                <a16:creationId xmlns:a16="http://schemas.microsoft.com/office/drawing/2014/main" id="{43090795-A23D-C7DE-1A88-E15489DF97F8}"/>
+              </a:ext>
+            </a:extLst>
+          </p:cNvPr>
+          <p:cNvSpPr/>
+          <p:nvPr/>
+        </p:nvSpPr>
+        <p:spPr>
+          <a:xfrm>
+            <a:off x="6709177" y="2259583"/>
+            <a:ext cx="1956094" cy="450116"/>
+          </a:xfrm>
+          <a:prstGeom prst="rect">
+            <a:avLst/>
+          </a:prstGeom>
+          <a:solidFill>
+            <a:schemeClr val="accent3"/>
+          </a:solidFill>
+          <a:ln>
+            <a:solidFill>
+              <a:schemeClr val="accent3">
+                <a:lumMod val="75000"/>
+              </a:schemeClr>
+            </a:solidFill>
+          </a:ln>
+        </p:spPr>
+        <p:style>
+          <a:lnRef idx="2">
+            <a:schemeClr val="accent1">
+              <a:shade val="50000"/>
+            </a:schemeClr>
+          </a:lnRef>
+          <a:fillRef idx="1">
+            <a:schemeClr val="accent1"/>
+          </a:fillRef>
+          <a:effectRef idx="0">
+            <a:schemeClr val="accent1"/>
+          </a:effectRef>
+          <a:fontRef idx="minor">
+            <a:schemeClr val="lt1"/>
+          </a:fontRef>
+        </p:style>
+        <p:txBody>
+          <a:bodyPr rtlCol="0" anchor="ctr"/>
+          <a:lstStyle/>
+          <a:p>
+            <a:pPr algn="ctr"/>
+            <a:r>
+              <a:rPr kumimoji="1" lang="en-US" altLang="ja-JP" sz="1600" b="1" dirty="0">
+                <a:solidFill>
+                  <a:schemeClr val="bg1"/>
+                </a:solidFill>
+              </a:rPr>
+              <a:t>SoS</a:t>
+            </a:r>
+            <a:r>
+              <a:rPr kumimoji="1" lang="ja-JP" altLang="en-US" sz="1600" b="1" dirty="0">
+                <a:solidFill>
+                  <a:schemeClr val="bg1"/>
+                </a:solidFill>
+              </a:rPr>
+              <a:t>の管理体制</a:t>
+            </a:r>
+            <a:endParaRPr kumimoji="1" lang="en-US" altLang="ja-JP" sz="1600" b="1" dirty="0">
+              <a:solidFill>
+                <a:schemeClr val="bg1"/>
+              </a:solidFill>
+            </a:endParaRPr>
+          </a:p>
+        </p:txBody>
+      </p:sp>
+      <p:sp>
+        <p:nvSpPr>
+          <p:cNvPr id="38" name="正方形/長方形 37">
+            <a:extLst>
+              <a:ext uri="{FF2B5EF4-FFF2-40B4-BE49-F238E27FC236}">
+                <a16:creationId xmlns:a16="http://schemas.microsoft.com/office/drawing/2014/main" id="{8E38BCA1-E785-4D5C-E9AA-576BC86FA9B1}"/>
+              </a:ext>
+            </a:extLst>
+          </p:cNvPr>
+          <p:cNvSpPr/>
+          <p:nvPr/>
+        </p:nvSpPr>
+        <p:spPr>
+          <a:xfrm>
+            <a:off x="8824413" y="2259406"/>
+            <a:ext cx="1956094" cy="450116"/>
+          </a:xfrm>
+          <a:prstGeom prst="rect">
+            <a:avLst/>
+          </a:prstGeom>
+          <a:solidFill>
+            <a:schemeClr val="accent3"/>
+          </a:solidFill>
+          <a:ln>
+            <a:solidFill>
+              <a:schemeClr val="accent3">
+                <a:lumMod val="75000"/>
+              </a:schemeClr>
+            </a:solidFill>
+          </a:ln>
+        </p:spPr>
+        <p:style>
+          <a:lnRef idx="2">
+            <a:schemeClr val="accent1">
+              <a:shade val="50000"/>
+            </a:schemeClr>
+          </a:lnRef>
+          <a:fillRef idx="1">
+            <a:schemeClr val="accent1"/>
+          </a:fillRef>
+          <a:effectRef idx="0">
+            <a:schemeClr val="accent1"/>
+          </a:effectRef>
+          <a:fontRef idx="minor">
+            <a:schemeClr val="lt1"/>
+          </a:fontRef>
+        </p:style>
+        <p:txBody>
+          <a:bodyPr rtlCol="0" anchor="ctr"/>
+          <a:lstStyle/>
+          <a:p>
+            <a:pPr algn="ctr"/>
+            <a:r>
+              <a:rPr kumimoji="1" lang="ja-JP" altLang="en-US" sz="1600" b="1" dirty="0">
+                <a:solidFill>
+                  <a:schemeClr val="bg1"/>
+                </a:solidFill>
+              </a:rPr>
+              <a:t>相互関係</a:t>
+            </a:r>
+            <a:endParaRPr kumimoji="1" lang="en-US" altLang="ja-JP" sz="1600" b="1" dirty="0">
+              <a:solidFill>
+                <a:schemeClr val="bg1"/>
+              </a:solidFill>
+            </a:endParaRPr>
+          </a:p>
+        </p:txBody>
+      </p:sp>
     </p:spTree>
     <p:extLst>
       <p:ext uri="{BB962C8B-B14F-4D97-AF65-F5344CB8AC3E}">
-        <p14:creationId xmlns:p14="http://schemas.microsoft.com/office/powerpoint/2010/main" val="854729381"/>
+        <p14:creationId xmlns:p14="http://schemas.microsoft.com/office/powerpoint/2010/main" val="3729544213"/>
       </p:ext>
     </p:extLst>
   </p:cSld>

--- a/SoS/230825_SoS分科会第6回進め方のご相談_rev.0.pptx
+++ b/SoS/230825_SoS分科会第6回進め方のご相談_rev.0.pptx
@@ -213,7 +213,7 @@
           <a:p>
             <a:fld id="{82150B36-03E6-4D3A-8098-12EB1C30C067}" type="datetimeFigureOut">
               <a:rPr kumimoji="1" lang="ja-JP" altLang="en-US" smtClean="0"/>
-              <a:t>2023/8/10</a:t>
+              <a:t>2023/8/19</a:t>
             </a:fld>
             <a:endParaRPr kumimoji="1" lang="ja-JP" altLang="en-US"/>
           </a:p>
@@ -12304,6 +12304,230 @@
       </p:grpSpPr>
       <p:sp>
         <p:nvSpPr>
+          <p:cNvPr id="59" name="正方形/長方形 58">
+            <a:extLst>
+              <a:ext uri="{FF2B5EF4-FFF2-40B4-BE49-F238E27FC236}">
+                <a16:creationId xmlns:a16="http://schemas.microsoft.com/office/drawing/2014/main" id="{8FB930EB-A0B3-7E09-E9E9-41C2C63F9B05}"/>
+              </a:ext>
+            </a:extLst>
+          </p:cNvPr>
+          <p:cNvSpPr/>
+          <p:nvPr/>
+        </p:nvSpPr>
+        <p:spPr>
+          <a:xfrm>
+            <a:off x="5294099" y="4390708"/>
+            <a:ext cx="6380846" cy="1807013"/>
+          </a:xfrm>
+          <a:prstGeom prst="rect">
+            <a:avLst/>
+          </a:prstGeom>
+          <a:solidFill>
+            <a:schemeClr val="accent3">
+              <a:lumMod val="20000"/>
+              <a:lumOff val="80000"/>
+            </a:schemeClr>
+          </a:solidFill>
+          <a:ln>
+            <a:noFill/>
+          </a:ln>
+        </p:spPr>
+        <p:style>
+          <a:lnRef idx="2">
+            <a:schemeClr val="accent1">
+              <a:shade val="50000"/>
+            </a:schemeClr>
+          </a:lnRef>
+          <a:fillRef idx="1">
+            <a:schemeClr val="accent1"/>
+          </a:fillRef>
+          <a:effectRef idx="0">
+            <a:schemeClr val="accent1"/>
+          </a:effectRef>
+          <a:fontRef idx="minor">
+            <a:schemeClr val="lt1"/>
+          </a:fontRef>
+        </p:style>
+        <p:txBody>
+          <a:bodyPr rtlCol="0" anchor="ctr"/>
+          <a:lstStyle/>
+          <a:p>
+            <a:pPr algn="ctr"/>
+            <a:endParaRPr kumimoji="1" lang="ja-JP" altLang="en-US">
+              <a:solidFill>
+                <a:schemeClr val="tx1"/>
+              </a:solidFill>
+            </a:endParaRPr>
+          </a:p>
+        </p:txBody>
+      </p:sp>
+      <p:sp>
+        <p:nvSpPr>
+          <p:cNvPr id="17" name="四角形: 角を丸くする 16">
+            <a:extLst>
+              <a:ext uri="{FF2B5EF4-FFF2-40B4-BE49-F238E27FC236}">
+                <a16:creationId xmlns:a16="http://schemas.microsoft.com/office/drawing/2014/main" id="{3592C457-8971-1978-1761-A8EEB7BE8AAE}"/>
+              </a:ext>
+            </a:extLst>
+          </p:cNvPr>
+          <p:cNvSpPr/>
+          <p:nvPr/>
+        </p:nvSpPr>
+        <p:spPr>
+          <a:xfrm>
+            <a:off x="5654310" y="4688257"/>
+            <a:ext cx="5684889" cy="976825"/>
+          </a:xfrm>
+          <a:prstGeom prst="roundRect">
+            <a:avLst/>
+          </a:prstGeom>
+          <a:solidFill>
+            <a:schemeClr val="bg1"/>
+          </a:solidFill>
+        </p:spPr>
+        <p:style>
+          <a:lnRef idx="2">
+            <a:schemeClr val="accent1">
+              <a:shade val="50000"/>
+            </a:schemeClr>
+          </a:lnRef>
+          <a:fillRef idx="1">
+            <a:schemeClr val="accent1"/>
+          </a:fillRef>
+          <a:effectRef idx="0">
+            <a:schemeClr val="accent1"/>
+          </a:effectRef>
+          <a:fontRef idx="minor">
+            <a:schemeClr val="lt1"/>
+          </a:fontRef>
+        </p:style>
+        <p:txBody>
+          <a:bodyPr rtlCol="0" anchor="ctr"/>
+          <a:lstStyle/>
+          <a:p>
+            <a:pPr algn="ctr"/>
+            <a:endParaRPr kumimoji="1" lang="ja-JP" altLang="en-US">
+              <a:solidFill>
+                <a:schemeClr val="tx1"/>
+              </a:solidFill>
+            </a:endParaRPr>
+          </a:p>
+        </p:txBody>
+      </p:sp>
+      <p:sp>
+        <p:nvSpPr>
+          <p:cNvPr id="8" name="正方形/長方形 7">
+            <a:extLst>
+              <a:ext uri="{FF2B5EF4-FFF2-40B4-BE49-F238E27FC236}">
+                <a16:creationId xmlns:a16="http://schemas.microsoft.com/office/drawing/2014/main" id="{4F9DCC26-0CA5-AF4A-0996-082D515A3ABB}"/>
+              </a:ext>
+            </a:extLst>
+          </p:cNvPr>
+          <p:cNvSpPr/>
+          <p:nvPr/>
+        </p:nvSpPr>
+        <p:spPr>
+          <a:xfrm>
+            <a:off x="5300321" y="2049235"/>
+            <a:ext cx="6374624" cy="1959147"/>
+          </a:xfrm>
+          <a:prstGeom prst="rect">
+            <a:avLst/>
+          </a:prstGeom>
+          <a:solidFill>
+            <a:schemeClr val="accent4">
+              <a:lumMod val="20000"/>
+              <a:lumOff val="80000"/>
+            </a:schemeClr>
+          </a:solidFill>
+          <a:ln>
+            <a:noFill/>
+          </a:ln>
+        </p:spPr>
+        <p:style>
+          <a:lnRef idx="2">
+            <a:schemeClr val="accent1">
+              <a:shade val="50000"/>
+            </a:schemeClr>
+          </a:lnRef>
+          <a:fillRef idx="1">
+            <a:schemeClr val="accent1"/>
+          </a:fillRef>
+          <a:effectRef idx="0">
+            <a:schemeClr val="accent1"/>
+          </a:effectRef>
+          <a:fontRef idx="minor">
+            <a:schemeClr val="lt1"/>
+          </a:fontRef>
+        </p:style>
+        <p:txBody>
+          <a:bodyPr rtlCol="0" anchor="ctr"/>
+          <a:lstStyle/>
+          <a:p>
+            <a:pPr algn="ctr"/>
+            <a:endParaRPr kumimoji="1" lang="ja-JP" altLang="en-US">
+              <a:solidFill>
+                <a:schemeClr val="tx1"/>
+              </a:solidFill>
+            </a:endParaRPr>
+          </a:p>
+        </p:txBody>
+      </p:sp>
+      <p:sp>
+        <p:nvSpPr>
+          <p:cNvPr id="13" name="四角形: 角を丸くする 12">
+            <a:extLst>
+              <a:ext uri="{FF2B5EF4-FFF2-40B4-BE49-F238E27FC236}">
+                <a16:creationId xmlns:a16="http://schemas.microsoft.com/office/drawing/2014/main" id="{5D50FB3C-6093-E2BA-EBD4-A202B3A64602}"/>
+              </a:ext>
+            </a:extLst>
+          </p:cNvPr>
+          <p:cNvSpPr/>
+          <p:nvPr/>
+        </p:nvSpPr>
+        <p:spPr>
+          <a:xfrm>
+            <a:off x="5654311" y="2691158"/>
+            <a:ext cx="5684889" cy="976825"/>
+          </a:xfrm>
+          <a:prstGeom prst="roundRect">
+            <a:avLst/>
+          </a:prstGeom>
+          <a:solidFill>
+            <a:schemeClr val="bg1"/>
+          </a:solidFill>
+        </p:spPr>
+        <p:style>
+          <a:lnRef idx="2">
+            <a:schemeClr val="accent1">
+              <a:shade val="50000"/>
+            </a:schemeClr>
+          </a:lnRef>
+          <a:fillRef idx="1">
+            <a:schemeClr val="accent1"/>
+          </a:fillRef>
+          <a:effectRef idx="0">
+            <a:schemeClr val="accent1"/>
+          </a:effectRef>
+          <a:fontRef idx="minor">
+            <a:schemeClr val="lt1"/>
+          </a:fontRef>
+        </p:style>
+        <p:txBody>
+          <a:bodyPr rtlCol="0" anchor="ctr"/>
+          <a:lstStyle/>
+          <a:p>
+            <a:pPr algn="ctr"/>
+            <a:endParaRPr kumimoji="1" lang="ja-JP" altLang="en-US">
+              <a:solidFill>
+                <a:schemeClr val="tx1"/>
+              </a:solidFill>
+            </a:endParaRPr>
+          </a:p>
+        </p:txBody>
+      </p:sp>
+      <p:sp>
+        <p:nvSpPr>
           <p:cNvPr id="57" name="正方形/長方形 56">
             <a:extLst>
               <a:ext uri="{FF2B5EF4-FFF2-40B4-BE49-F238E27FC236}">
@@ -12316,8 +12540,8 @@
         </p:nvSpPr>
         <p:spPr>
           <a:xfrm>
-            <a:off x="517055" y="2049235"/>
-            <a:ext cx="5065944" cy="4148487"/>
+            <a:off x="255797" y="2049235"/>
+            <a:ext cx="4834921" cy="4148487"/>
           </a:xfrm>
           <a:prstGeom prst="rect">
             <a:avLst/>
@@ -12376,7 +12600,7 @@
         </p:nvSpPr>
         <p:spPr>
           <a:xfrm>
-            <a:off x="1393095" y="4207199"/>
+            <a:off x="1131837" y="4207199"/>
             <a:ext cx="1451188" cy="1731717"/>
           </a:xfrm>
           <a:prstGeom prst="rect">
@@ -12439,7 +12663,7 @@
         </p:nvGrpSpPr>
         <p:grpSpPr>
           <a:xfrm>
-            <a:off x="2153046" y="5320089"/>
+            <a:off x="1891788" y="5320089"/>
             <a:ext cx="474193" cy="474193"/>
             <a:chOff x="2153046" y="5320089"/>
             <a:chExt cx="474193" cy="474193"/>
@@ -12552,7 +12776,7 @@
         </p:nvSpPr>
         <p:spPr>
           <a:xfrm>
-            <a:off x="2809955" y="3093045"/>
+            <a:off x="2548697" y="3093045"/>
             <a:ext cx="2046576" cy="2170179"/>
           </a:xfrm>
           <a:custGeom>
@@ -12694,7 +12918,7 @@
         </p:nvCxnSpPr>
         <p:spPr>
           <a:xfrm flipV="1">
-            <a:off x="4269922" y="3306536"/>
+            <a:off x="4008664" y="3306536"/>
             <a:ext cx="0" cy="1725187"/>
           </a:xfrm>
           <a:prstGeom prst="line">
@@ -12738,10 +12962,10 @@
         </p:nvGrpSpPr>
         <p:grpSpPr>
           <a:xfrm>
-            <a:off x="3079862" y="3210473"/>
-            <a:ext cx="1378279" cy="1821250"/>
-            <a:chOff x="3069525" y="3217624"/>
-            <a:chExt cx="1378279" cy="1821250"/>
+            <a:off x="2808267" y="3210473"/>
+            <a:ext cx="1415874" cy="1821250"/>
+            <a:chOff x="3059188" y="3217624"/>
+            <a:chExt cx="1415874" cy="1821250"/>
           </a:xfrm>
         </p:grpSpPr>
         <p:cxnSp>
@@ -12807,8 +13031,8 @@
           </p:nvCxnSpPr>
           <p:spPr>
             <a:xfrm flipH="1">
-              <a:off x="3069525" y="3243394"/>
-              <a:ext cx="1348435" cy="0"/>
+              <a:off x="3059188" y="3250545"/>
+              <a:ext cx="1415874" cy="0"/>
             </a:xfrm>
             <a:prstGeom prst="line">
               <a:avLst/>
@@ -12852,7 +13076,7 @@
         </p:nvSpPr>
         <p:spPr>
           <a:xfrm>
-            <a:off x="1378077" y="2425064"/>
+            <a:off x="1116819" y="2425064"/>
             <a:ext cx="1451188" cy="1731717"/>
           </a:xfrm>
           <a:prstGeom prst="rect">
@@ -12917,7 +13141,7 @@
         </p:nvCxnSpPr>
         <p:spPr>
           <a:xfrm flipH="1">
-            <a:off x="2439423" y="2451834"/>
+            <a:off x="2178165" y="2451834"/>
             <a:ext cx="0" cy="730082"/>
           </a:xfrm>
           <a:prstGeom prst="line">
@@ -12963,7 +13187,7 @@
         </p:nvCxnSpPr>
         <p:spPr>
           <a:xfrm flipH="1">
-            <a:off x="1725417" y="2475034"/>
+            <a:off x="1464159" y="2475034"/>
             <a:ext cx="0" cy="2588248"/>
           </a:xfrm>
           <a:prstGeom prst="line">
@@ -12995,10 +13219,158 @@
       </p:cxnSp>
       <p:sp>
         <p:nvSpPr>
-          <p:cNvPr id="59" name="正方形/長方形 58">
-            <a:extLst>
-              <a:ext uri="{FF2B5EF4-FFF2-40B4-BE49-F238E27FC236}">
-                <a16:creationId xmlns:a16="http://schemas.microsoft.com/office/drawing/2014/main" id="{8FB930EB-A0B3-7E09-E9E9-41C2C63F9B05}"/>
+          <p:cNvPr id="5" name="タイトル 4">
+            <a:extLst>
+              <a:ext uri="{FF2B5EF4-FFF2-40B4-BE49-F238E27FC236}">
+                <a16:creationId xmlns:a16="http://schemas.microsoft.com/office/drawing/2014/main" id="{560C5BD5-1532-4087-ACF7-85710DC69FAA}"/>
+              </a:ext>
+            </a:extLst>
+          </p:cNvPr>
+          <p:cNvSpPr>
+            <a:spLocks noGrp="1"/>
+          </p:cNvSpPr>
+          <p:nvPr>
+            <p:ph type="title"/>
+          </p:nvPr>
+        </p:nvSpPr>
+        <p:spPr/>
+        <p:txBody>
+          <a:bodyPr/>
+          <a:lstStyle/>
+          <a:p>
+            <a:r>
+              <a:rPr lang="en-US" altLang="ja-JP" dirty="0"/>
+              <a:t>SoS</a:t>
+            </a:r>
+            <a:r>
+              <a:rPr lang="ja-JP" altLang="en-US" dirty="0"/>
+              <a:t>の事例：鉄道の相互直通運転の運行管理</a:t>
+            </a:r>
+            <a:endParaRPr lang="en-US" dirty="0"/>
+          </a:p>
+        </p:txBody>
+      </p:sp>
+      <p:sp>
+        <p:nvSpPr>
+          <p:cNvPr id="3" name="スライド番号プレースホルダー 2">
+            <a:extLst>
+              <a:ext uri="{FF2B5EF4-FFF2-40B4-BE49-F238E27FC236}">
+                <a16:creationId xmlns:a16="http://schemas.microsoft.com/office/drawing/2014/main" id="{ED23190D-575C-49DE-8293-87C3C1C8D779}"/>
+              </a:ext>
+            </a:extLst>
+          </p:cNvPr>
+          <p:cNvSpPr>
+            <a:spLocks noGrp="1"/>
+          </p:cNvSpPr>
+          <p:nvPr>
+            <p:ph type="sldNum" sz="quarter" idx="10"/>
+          </p:nvPr>
+        </p:nvSpPr>
+        <p:spPr/>
+        <p:txBody>
+          <a:bodyPr/>
+          <a:lstStyle/>
+          <a:p>
+            <a:fld id="{584EAAFE-CFE5-40AD-8E95-5BFF290DC5CF}" type="slidenum">
+              <a:rPr kumimoji="1" lang="ja-JP" altLang="en-US" smtClean="0"/>
+              <a:pPr/>
+              <a:t>11</a:t>
+            </a:fld>
+            <a:endParaRPr kumimoji="1" lang="ja-JP" altLang="en-US"/>
+          </a:p>
+        </p:txBody>
+      </p:sp>
+      <p:sp>
+        <p:nvSpPr>
+          <p:cNvPr id="9" name="テキスト プレースホルダー 8">
+            <a:extLst>
+              <a:ext uri="{FF2B5EF4-FFF2-40B4-BE49-F238E27FC236}">
+                <a16:creationId xmlns:a16="http://schemas.microsoft.com/office/drawing/2014/main" id="{A809889B-886C-09D3-E0E0-05C8C4A3F3EE}"/>
+              </a:ext>
+            </a:extLst>
+          </p:cNvPr>
+          <p:cNvSpPr>
+            <a:spLocks noGrp="1"/>
+          </p:cNvSpPr>
+          <p:nvPr>
+            <p:ph type="body" sz="quarter" idx="11"/>
+          </p:nvPr>
+        </p:nvSpPr>
+        <p:spPr>
+          <a:xfrm>
+            <a:off x="517055" y="867260"/>
+            <a:ext cx="11341887" cy="627550"/>
+          </a:xfrm>
+        </p:spPr>
+        <p:txBody>
+          <a:bodyPr/>
+          <a:lstStyle/>
+          <a:p>
+            <a:r>
+              <a:rPr lang="ja-JP" altLang="en-US" dirty="0"/>
+              <a:t>ターミナル駅の乗換混雑緩和や速達性向上のために、事業者間、需給間で連携する。</a:t>
+            </a:r>
+            <a:endParaRPr lang="en-US" altLang="ja-JP" dirty="0"/>
+          </a:p>
+          <a:p>
+            <a:pPr lvl="1"/>
+            <a:r>
+              <a:rPr lang="ja-JP" altLang="en-US" dirty="0"/>
+              <a:t>他社の車両を借りて、自社の運転士が自社路線を運転</a:t>
+            </a:r>
+            <a:endParaRPr lang="en-US" altLang="ja-JP" dirty="0"/>
+          </a:p>
+        </p:txBody>
+      </p:sp>
+      <p:cxnSp>
+        <p:nvCxnSpPr>
+          <p:cNvPr id="4" name="直線コネクタ 3">
+            <a:extLst>
+              <a:ext uri="{FF2B5EF4-FFF2-40B4-BE49-F238E27FC236}">
+                <a16:creationId xmlns:a16="http://schemas.microsoft.com/office/drawing/2014/main" id="{E579CF5E-7171-055D-9D06-E4403A22B763}"/>
+              </a:ext>
+            </a:extLst>
+          </p:cNvPr>
+          <p:cNvCxnSpPr>
+            <a:cxnSpLocks/>
+          </p:cNvCxnSpPr>
+          <p:nvPr/>
+        </p:nvCxnSpPr>
+        <p:spPr>
+          <a:xfrm>
+            <a:off x="1848615" y="3265420"/>
+            <a:ext cx="1256" cy="2568875"/>
+          </a:xfrm>
+          <a:prstGeom prst="line">
+            <a:avLst/>
+          </a:prstGeom>
+          <a:ln w="57150">
+            <a:prstDash val="solid"/>
+            <a:headEnd type="none" w="med" len="med"/>
+            <a:tailEnd type="none" w="med" len="med"/>
+          </a:ln>
+        </p:spPr>
+        <p:style>
+          <a:lnRef idx="1">
+            <a:schemeClr val="accent1"/>
+          </a:lnRef>
+          <a:fillRef idx="0">
+            <a:schemeClr val="accent1"/>
+          </a:fillRef>
+          <a:effectRef idx="0">
+            <a:schemeClr val="accent1"/>
+          </a:effectRef>
+          <a:fontRef idx="minor">
+            <a:schemeClr val="tx1"/>
+          </a:fontRef>
+        </p:style>
+      </p:cxnSp>
+      <p:sp>
+        <p:nvSpPr>
+          <p:cNvPr id="15" name="正方形/長方形 14">
+            <a:extLst>
+              <a:ext uri="{FF2B5EF4-FFF2-40B4-BE49-F238E27FC236}">
+                <a16:creationId xmlns:a16="http://schemas.microsoft.com/office/drawing/2014/main" id="{E8F36CB1-EBC6-6D6E-3A1B-6CCC7DB023F9}"/>
               </a:ext>
             </a:extLst>
           </p:cNvPr>
@@ -13007,21 +13379,15 @@
         </p:nvSpPr>
         <p:spPr>
           <a:xfrm>
-            <a:off x="6958387" y="2049235"/>
-            <a:ext cx="4716558" cy="4148487"/>
+            <a:off x="901784" y="2206522"/>
+            <a:ext cx="1900492" cy="352886"/>
           </a:xfrm>
           <a:prstGeom prst="rect">
             <a:avLst/>
           </a:prstGeom>
           <a:solidFill>
-            <a:schemeClr val="accent3">
-              <a:lumMod val="20000"/>
-              <a:lumOff val="80000"/>
-            </a:schemeClr>
+            <a:schemeClr val="bg1"/>
           </a:solidFill>
-          <a:ln>
-            <a:noFill/>
-          </a:ln>
         </p:spPr>
         <p:style>
           <a:lnRef idx="2">
@@ -13040,207 +13406,6 @@
           </a:fontRef>
         </p:style>
         <p:txBody>
-          <a:bodyPr rtlCol="0" anchor="ctr"/>
-          <a:lstStyle/>
-          <a:p>
-            <a:pPr algn="ctr"/>
-            <a:endParaRPr kumimoji="1" lang="ja-JP" altLang="en-US">
-              <a:solidFill>
-                <a:schemeClr val="tx1"/>
-              </a:solidFill>
-            </a:endParaRPr>
-          </a:p>
-        </p:txBody>
-      </p:sp>
-      <p:sp>
-        <p:nvSpPr>
-          <p:cNvPr id="5" name="タイトル 4">
-            <a:extLst>
-              <a:ext uri="{FF2B5EF4-FFF2-40B4-BE49-F238E27FC236}">
-                <a16:creationId xmlns:a16="http://schemas.microsoft.com/office/drawing/2014/main" id="{560C5BD5-1532-4087-ACF7-85710DC69FAA}"/>
-              </a:ext>
-            </a:extLst>
-          </p:cNvPr>
-          <p:cNvSpPr>
-            <a:spLocks noGrp="1"/>
-          </p:cNvSpPr>
-          <p:nvPr>
-            <p:ph type="title"/>
-          </p:nvPr>
-        </p:nvSpPr>
-        <p:spPr/>
-        <p:txBody>
-          <a:bodyPr/>
-          <a:lstStyle/>
-          <a:p>
-            <a:r>
-              <a:rPr lang="en-US" altLang="ja-JP" dirty="0"/>
-              <a:t>SoS</a:t>
-            </a:r>
-            <a:r>
-              <a:rPr lang="ja-JP" altLang="en-US" dirty="0"/>
-              <a:t>の事例：鉄道の相互直通運転の運行管理</a:t>
-            </a:r>
-            <a:endParaRPr lang="en-US" dirty="0"/>
-          </a:p>
-        </p:txBody>
-      </p:sp>
-      <p:sp>
-        <p:nvSpPr>
-          <p:cNvPr id="3" name="スライド番号プレースホルダー 2">
-            <a:extLst>
-              <a:ext uri="{FF2B5EF4-FFF2-40B4-BE49-F238E27FC236}">
-                <a16:creationId xmlns:a16="http://schemas.microsoft.com/office/drawing/2014/main" id="{ED23190D-575C-49DE-8293-87C3C1C8D779}"/>
-              </a:ext>
-            </a:extLst>
-          </p:cNvPr>
-          <p:cNvSpPr>
-            <a:spLocks noGrp="1"/>
-          </p:cNvSpPr>
-          <p:nvPr>
-            <p:ph type="sldNum" sz="quarter" idx="10"/>
-          </p:nvPr>
-        </p:nvSpPr>
-        <p:spPr/>
-        <p:txBody>
-          <a:bodyPr/>
-          <a:lstStyle/>
-          <a:p>
-            <a:fld id="{584EAAFE-CFE5-40AD-8E95-5BFF290DC5CF}" type="slidenum">
-              <a:rPr kumimoji="1" lang="ja-JP" altLang="en-US" smtClean="0"/>
-              <a:pPr/>
-              <a:t>11</a:t>
-            </a:fld>
-            <a:endParaRPr kumimoji="1" lang="ja-JP" altLang="en-US"/>
-          </a:p>
-        </p:txBody>
-      </p:sp>
-      <p:sp>
-        <p:nvSpPr>
-          <p:cNvPr id="9" name="テキスト プレースホルダー 8">
-            <a:extLst>
-              <a:ext uri="{FF2B5EF4-FFF2-40B4-BE49-F238E27FC236}">
-                <a16:creationId xmlns:a16="http://schemas.microsoft.com/office/drawing/2014/main" id="{A809889B-886C-09D3-E0E0-05C8C4A3F3EE}"/>
-              </a:ext>
-            </a:extLst>
-          </p:cNvPr>
-          <p:cNvSpPr>
-            <a:spLocks noGrp="1"/>
-          </p:cNvSpPr>
-          <p:nvPr>
-            <p:ph type="body" sz="quarter" idx="11"/>
-          </p:nvPr>
-        </p:nvSpPr>
-        <p:spPr>
-          <a:xfrm>
-            <a:off x="517055" y="867260"/>
-            <a:ext cx="11341887" cy="627550"/>
-          </a:xfrm>
-        </p:spPr>
-        <p:txBody>
-          <a:bodyPr/>
-          <a:lstStyle/>
-          <a:p>
-            <a:r>
-              <a:rPr lang="ja-JP" altLang="en-US" dirty="0"/>
-              <a:t>ターミナル駅の乗換混雑緩和や速達性向上のために、鉄道事業者間で連携する。</a:t>
-            </a:r>
-            <a:endParaRPr lang="en-US" altLang="ja-JP" dirty="0"/>
-          </a:p>
-          <a:p>
-            <a:pPr lvl="1"/>
-            <a:r>
-              <a:rPr lang="ja-JP" altLang="en-US" dirty="0"/>
-              <a:t>他社の車両を借りて、自社の運転士が自社路線を運転</a:t>
-            </a:r>
-            <a:endParaRPr lang="en-US" altLang="ja-JP" dirty="0"/>
-          </a:p>
-        </p:txBody>
-      </p:sp>
-      <p:cxnSp>
-        <p:nvCxnSpPr>
-          <p:cNvPr id="4" name="直線コネクタ 3">
-            <a:extLst>
-              <a:ext uri="{FF2B5EF4-FFF2-40B4-BE49-F238E27FC236}">
-                <a16:creationId xmlns:a16="http://schemas.microsoft.com/office/drawing/2014/main" id="{E579CF5E-7171-055D-9D06-E4403A22B763}"/>
-              </a:ext>
-            </a:extLst>
-          </p:cNvPr>
-          <p:cNvCxnSpPr>
-            <a:cxnSpLocks/>
-          </p:cNvCxnSpPr>
-          <p:nvPr/>
-        </p:nvCxnSpPr>
-        <p:spPr>
-          <a:xfrm>
-            <a:off x="2109873" y="3265420"/>
-            <a:ext cx="1256" cy="2568875"/>
-          </a:xfrm>
-          <a:prstGeom prst="line">
-            <a:avLst/>
-          </a:prstGeom>
-          <a:ln w="57150">
-            <a:prstDash val="solid"/>
-            <a:headEnd type="none" w="med" len="med"/>
-            <a:tailEnd type="none" w="med" len="med"/>
-          </a:ln>
-        </p:spPr>
-        <p:style>
-          <a:lnRef idx="1">
-            <a:schemeClr val="accent1"/>
-          </a:lnRef>
-          <a:fillRef idx="0">
-            <a:schemeClr val="accent1"/>
-          </a:fillRef>
-          <a:effectRef idx="0">
-            <a:schemeClr val="accent1"/>
-          </a:effectRef>
-          <a:fontRef idx="minor">
-            <a:schemeClr val="tx1"/>
-          </a:fontRef>
-        </p:style>
-      </p:cxnSp>
-      <p:sp>
-        <p:nvSpPr>
-          <p:cNvPr id="15" name="正方形/長方形 14">
-            <a:extLst>
-              <a:ext uri="{FF2B5EF4-FFF2-40B4-BE49-F238E27FC236}">
-                <a16:creationId xmlns:a16="http://schemas.microsoft.com/office/drawing/2014/main" id="{E8F36CB1-EBC6-6D6E-3A1B-6CCC7DB023F9}"/>
-              </a:ext>
-            </a:extLst>
-          </p:cNvPr>
-          <p:cNvSpPr/>
-          <p:nvPr/>
-        </p:nvSpPr>
-        <p:spPr>
-          <a:xfrm>
-            <a:off x="1163042" y="2206522"/>
-            <a:ext cx="1900492" cy="352886"/>
-          </a:xfrm>
-          <a:prstGeom prst="rect">
-            <a:avLst/>
-          </a:prstGeom>
-          <a:solidFill>
-            <a:schemeClr val="bg1"/>
-          </a:solidFill>
-        </p:spPr>
-        <p:style>
-          <a:lnRef idx="2">
-            <a:schemeClr val="accent1">
-              <a:shade val="50000"/>
-            </a:schemeClr>
-          </a:lnRef>
-          <a:fillRef idx="1">
-            <a:schemeClr val="accent1"/>
-          </a:fillRef>
-          <a:effectRef idx="0">
-            <a:schemeClr val="accent1"/>
-          </a:effectRef>
-          <a:fontRef idx="minor">
-            <a:schemeClr val="lt1"/>
-          </a:fontRef>
-        </p:style>
-        <p:txBody>
           <a:bodyPr vert="horz" rtlCol="0" anchor="ctr"/>
           <a:lstStyle/>
           <a:p>
@@ -13270,7 +13435,7 @@
         </p:nvGrpSpPr>
         <p:grpSpPr>
           <a:xfrm>
-            <a:off x="2550678" y="5350087"/>
+            <a:off x="2289420" y="5350087"/>
             <a:ext cx="414196" cy="414196"/>
             <a:chOff x="2547277" y="5339454"/>
             <a:chExt cx="414196" cy="414196"/>
@@ -13383,7 +13548,7 @@
         </p:nvGrpSpPr>
         <p:grpSpPr>
           <a:xfrm>
-            <a:off x="1202144" y="4423230"/>
+            <a:off x="940886" y="4423230"/>
             <a:ext cx="474193" cy="474193"/>
             <a:chOff x="3512739" y="5422711"/>
             <a:chExt cx="474193" cy="474193"/>
@@ -13498,7 +13663,7 @@
         </p:nvCxnSpPr>
         <p:spPr>
           <a:xfrm>
-            <a:off x="757505" y="3265420"/>
+            <a:off x="496247" y="3265420"/>
             <a:ext cx="0" cy="796500"/>
           </a:xfrm>
           <a:prstGeom prst="straightConnector1">
@@ -13541,7 +13706,7 @@
         </p:nvSpPr>
         <p:spPr>
           <a:xfrm>
-            <a:off x="459483" y="1767829"/>
+            <a:off x="198225" y="1767829"/>
             <a:ext cx="1174189" cy="338554"/>
           </a:xfrm>
           <a:prstGeom prst="rect">
@@ -13595,7 +13760,7 @@
         </p:blipFill>
         <p:spPr>
           <a:xfrm>
-            <a:off x="9027472" y="4336835"/>
+            <a:off x="8188843" y="2956172"/>
             <a:ext cx="603387" cy="603387"/>
           </a:xfrm>
           <a:prstGeom prst="rect">
@@ -13631,7 +13796,7 @@
         </p:blipFill>
         <p:spPr>
           <a:xfrm>
-            <a:off x="7509882" y="4336835"/>
+            <a:off x="6309151" y="2956172"/>
             <a:ext cx="603387" cy="603387"/>
           </a:xfrm>
           <a:prstGeom prst="rect">
@@ -13653,8 +13818,8 @@
         </p:nvSpPr>
         <p:spPr>
           <a:xfrm>
-            <a:off x="7101253" y="3919853"/>
-            <a:ext cx="1474332" cy="338554"/>
+            <a:off x="5887466" y="2052918"/>
+            <a:ext cx="1474332" cy="307777"/>
           </a:xfrm>
           <a:prstGeom prst="rect">
             <a:avLst/>
@@ -13669,14 +13834,14 @@
           <a:p>
             <a:pPr algn="ctr"/>
             <a:r>
-              <a:rPr kumimoji="1" lang="ja-JP" altLang="en-US" sz="1600" dirty="0"/>
+              <a:rPr kumimoji="1" lang="ja-JP" altLang="en-US" sz="1400" dirty="0"/>
               <a:t>鉄道事業者</a:t>
             </a:r>
             <a:r>
-              <a:rPr kumimoji="1" lang="en-US" altLang="ja-JP" sz="1600" dirty="0"/>
+              <a:rPr kumimoji="1" lang="en-US" altLang="ja-JP" sz="1400" dirty="0"/>
               <a:t>A</a:t>
             </a:r>
-            <a:endParaRPr kumimoji="1" lang="ja-JP" altLang="en-US" sz="1600" dirty="0"/>
+            <a:endParaRPr kumimoji="1" lang="ja-JP" altLang="en-US" sz="1400" dirty="0"/>
           </a:p>
         </p:txBody>
       </p:sp>
@@ -13694,8 +13859,8 @@
         </p:nvSpPr>
         <p:spPr>
           <a:xfrm>
-            <a:off x="8594202" y="3919853"/>
-            <a:ext cx="1474332" cy="338554"/>
+            <a:off x="7760293" y="2052918"/>
+            <a:ext cx="1474332" cy="307777"/>
           </a:xfrm>
           <a:prstGeom prst="rect">
             <a:avLst/>
@@ -13710,14 +13875,14 @@
           <a:p>
             <a:pPr algn="ctr"/>
             <a:r>
-              <a:rPr kumimoji="1" lang="ja-JP" altLang="en-US" sz="1600" dirty="0"/>
+              <a:rPr kumimoji="1" lang="ja-JP" altLang="en-US" sz="1400" dirty="0"/>
               <a:t>鉄道事業者</a:t>
             </a:r>
             <a:r>
-              <a:rPr kumimoji="1" lang="en-US" altLang="ja-JP" sz="1600" dirty="0"/>
+              <a:rPr kumimoji="1" lang="en-US" altLang="ja-JP" sz="1400" dirty="0"/>
               <a:t>B</a:t>
             </a:r>
-            <a:endParaRPr kumimoji="1" lang="ja-JP" altLang="en-US" sz="1600" dirty="0"/>
+            <a:endParaRPr kumimoji="1" lang="ja-JP" altLang="en-US" sz="1400" dirty="0"/>
           </a:p>
         </p:txBody>
       </p:sp>
@@ -13735,7 +13900,7 @@
         </p:nvSpPr>
         <p:spPr>
           <a:xfrm>
-            <a:off x="6904984" y="1730073"/>
+            <a:off x="5235561" y="4052155"/>
             <a:ext cx="1340087" cy="338554"/>
           </a:xfrm>
           <a:prstGeom prst="rect">
@@ -13763,10 +13928,152 @@
       </p:sp>
       <p:sp>
         <p:nvSpPr>
-          <p:cNvPr id="66" name="矢印: 左右 65">
-            <a:extLst>
-              <a:ext uri="{FF2B5EF4-FFF2-40B4-BE49-F238E27FC236}">
-                <a16:creationId xmlns:a16="http://schemas.microsoft.com/office/drawing/2014/main" id="{BCC34350-BDBA-0388-274B-B55EC55C016D}"/>
+          <p:cNvPr id="67" name="テキスト ボックス 66">
+            <a:extLst>
+              <a:ext uri="{FF2B5EF4-FFF2-40B4-BE49-F238E27FC236}">
+                <a16:creationId xmlns:a16="http://schemas.microsoft.com/office/drawing/2014/main" id="{E05A221D-E779-94FF-19F0-6FE3A5AF060E}"/>
+              </a:ext>
+            </a:extLst>
+          </p:cNvPr>
+          <p:cNvSpPr txBox="1"/>
+          <p:nvPr/>
+        </p:nvSpPr>
+        <p:spPr>
+          <a:xfrm>
+            <a:off x="7366268" y="5758181"/>
+            <a:ext cx="2238837" cy="307777"/>
+          </a:xfrm>
+          <a:prstGeom prst="rect">
+            <a:avLst/>
+          </a:prstGeom>
+          <a:noFill/>
+        </p:spPr>
+        <p:txBody>
+          <a:bodyPr wrap="square" rtlCol="0">
+            <a:spAutoFit/>
+          </a:bodyPr>
+          <a:lstStyle/>
+          <a:p>
+            <a:r>
+              <a:rPr kumimoji="1" lang="ja-JP" altLang="en-US" sz="1400" b="1" dirty="0"/>
+              <a:t>車両賃貸料金の均等化／</a:t>
+            </a:r>
+          </a:p>
+        </p:txBody>
+      </p:sp>
+      <p:sp>
+        <p:nvSpPr>
+          <p:cNvPr id="68" name="テキスト ボックス 67">
+            <a:extLst>
+              <a:ext uri="{FF2B5EF4-FFF2-40B4-BE49-F238E27FC236}">
+                <a16:creationId xmlns:a16="http://schemas.microsoft.com/office/drawing/2014/main" id="{C0212523-F1B5-CB2F-20BF-F555B8B9173E}"/>
+              </a:ext>
+            </a:extLst>
+          </p:cNvPr>
+          <p:cNvSpPr txBox="1"/>
+          <p:nvPr/>
+        </p:nvSpPr>
+        <p:spPr>
+          <a:xfrm>
+            <a:off x="7367022" y="5995214"/>
+            <a:ext cx="1828668" cy="307777"/>
+          </a:xfrm>
+          <a:prstGeom prst="rect">
+            <a:avLst/>
+          </a:prstGeom>
+          <a:noFill/>
+        </p:spPr>
+        <p:txBody>
+          <a:bodyPr wrap="square" rtlCol="0">
+            <a:spAutoFit/>
+          </a:bodyPr>
+          <a:lstStyle/>
+          <a:p>
+            <a:r>
+              <a:rPr kumimoji="1" lang="ja-JP" altLang="en-US" sz="1400" b="1" dirty="0"/>
+              <a:t>運賃収入の分配</a:t>
+            </a:r>
+          </a:p>
+        </p:txBody>
+      </p:sp>
+      <p:sp>
+        <p:nvSpPr>
+          <p:cNvPr id="69" name="テキスト ボックス 68">
+            <a:extLst>
+              <a:ext uri="{FF2B5EF4-FFF2-40B4-BE49-F238E27FC236}">
+                <a16:creationId xmlns:a16="http://schemas.microsoft.com/office/drawing/2014/main" id="{9F3E59FB-173E-9CD9-588B-C8D1E342E4DB}"/>
+              </a:ext>
+            </a:extLst>
+          </p:cNvPr>
+          <p:cNvSpPr txBox="1"/>
+          <p:nvPr/>
+        </p:nvSpPr>
+        <p:spPr>
+          <a:xfrm>
+            <a:off x="6562646" y="4286448"/>
+            <a:ext cx="1676503" cy="307777"/>
+          </a:xfrm>
+          <a:prstGeom prst="rect">
+            <a:avLst/>
+          </a:prstGeom>
+          <a:noFill/>
+        </p:spPr>
+        <p:txBody>
+          <a:bodyPr wrap="square" rtlCol="0">
+            <a:spAutoFit/>
+          </a:bodyPr>
+          <a:lstStyle/>
+          <a:p>
+            <a:pPr algn="ctr"/>
+            <a:r>
+              <a:rPr kumimoji="1" lang="ja-JP" altLang="en-US" sz="1400" dirty="0"/>
+              <a:t>運転距離／乗客数</a:t>
+            </a:r>
+          </a:p>
+        </p:txBody>
+      </p:sp>
+      <p:sp>
+        <p:nvSpPr>
+          <p:cNvPr id="70" name="テキスト ボックス 69">
+            <a:extLst>
+              <a:ext uri="{FF2B5EF4-FFF2-40B4-BE49-F238E27FC236}">
+                <a16:creationId xmlns:a16="http://schemas.microsoft.com/office/drawing/2014/main" id="{5FED4584-4BD4-6116-90E2-269F63DD3BD0}"/>
+              </a:ext>
+            </a:extLst>
+          </p:cNvPr>
+          <p:cNvSpPr txBox="1"/>
+          <p:nvPr/>
+        </p:nvSpPr>
+        <p:spPr>
+          <a:xfrm>
+            <a:off x="6513619" y="2682821"/>
+            <a:ext cx="2028568" cy="307777"/>
+          </a:xfrm>
+          <a:prstGeom prst="rect">
+            <a:avLst/>
+          </a:prstGeom>
+          <a:noFill/>
+        </p:spPr>
+        <p:txBody>
+          <a:bodyPr wrap="square" rtlCol="0">
+            <a:spAutoFit/>
+          </a:bodyPr>
+          <a:lstStyle/>
+          <a:p>
+            <a:pPr algn="ctr"/>
+            <a:r>
+              <a:rPr kumimoji="1" lang="ja-JP" altLang="en-US" sz="1400" dirty="0"/>
+              <a:t>直通区間のダイヤ改正</a:t>
+            </a:r>
+          </a:p>
+        </p:txBody>
+      </p:sp>
+      <p:sp>
+        <p:nvSpPr>
+          <p:cNvPr id="2" name="正方形/長方形 1">
+            <a:extLst>
+              <a:ext uri="{FF2B5EF4-FFF2-40B4-BE49-F238E27FC236}">
+                <a16:creationId xmlns:a16="http://schemas.microsoft.com/office/drawing/2014/main" id="{FA62201E-C628-CCFD-E7B8-149F5B9E794D}"/>
               </a:ext>
             </a:extLst>
           </p:cNvPr>
@@ -13775,10 +14082,10 @@
         </p:nvSpPr>
         <p:spPr>
           <a:xfrm>
-            <a:off x="8670510" y="3506886"/>
-            <a:ext cx="1214511" cy="169277"/>
-          </a:xfrm>
-          <a:prstGeom prst="leftRightArrow">
+            <a:off x="895793" y="3062536"/>
+            <a:ext cx="1912474" cy="361715"/>
+          </a:xfrm>
+          <a:prstGeom prst="rect">
             <a:avLst/>
           </a:prstGeom>
           <a:solidFill>
@@ -13802,168 +14109,27 @@
           </a:fontRef>
         </p:style>
         <p:txBody>
-          <a:bodyPr rtlCol="0" anchor="ctr"/>
+          <a:bodyPr vert="horz" rtlCol="0" anchor="ctr"/>
           <a:lstStyle/>
           <a:p>
             <a:pPr algn="ctr"/>
-            <a:endParaRPr kumimoji="1" lang="ja-JP" altLang="en-US">
-              <a:solidFill>
-                <a:schemeClr val="tx1"/>
-              </a:solidFill>
-            </a:endParaRPr>
-          </a:p>
-        </p:txBody>
-      </p:sp>
-      <p:sp>
-        <p:nvSpPr>
-          <p:cNvPr id="67" name="テキスト ボックス 66">
-            <a:extLst>
-              <a:ext uri="{FF2B5EF4-FFF2-40B4-BE49-F238E27FC236}">
-                <a16:creationId xmlns:a16="http://schemas.microsoft.com/office/drawing/2014/main" id="{E05A221D-E779-94FF-19F0-6FE3A5AF060E}"/>
-              </a:ext>
-            </a:extLst>
-          </p:cNvPr>
-          <p:cNvSpPr txBox="1"/>
-          <p:nvPr/>
-        </p:nvSpPr>
-        <p:spPr>
-          <a:xfrm>
-            <a:off x="8093596" y="2764721"/>
-            <a:ext cx="2462721" cy="338554"/>
-          </a:xfrm>
-          <a:prstGeom prst="rect">
-            <a:avLst/>
-          </a:prstGeom>
-          <a:noFill/>
-        </p:spPr>
-        <p:txBody>
-          <a:bodyPr wrap="square" rtlCol="0">
-            <a:spAutoFit/>
-          </a:bodyPr>
-          <a:lstStyle/>
-          <a:p>
-            <a:pPr algn="ctr"/>
-            <a:r>
-              <a:rPr kumimoji="1" lang="ja-JP" altLang="en-US" sz="1600" b="1" dirty="0"/>
-              <a:t>車両賃貸料金の均等化／</a:t>
-            </a:r>
-          </a:p>
-        </p:txBody>
-      </p:sp>
-      <p:sp>
-        <p:nvSpPr>
-          <p:cNvPr id="68" name="テキスト ボックス 67">
-            <a:extLst>
-              <a:ext uri="{FF2B5EF4-FFF2-40B4-BE49-F238E27FC236}">
-                <a16:creationId xmlns:a16="http://schemas.microsoft.com/office/drawing/2014/main" id="{C0212523-F1B5-CB2F-20BF-F555B8B9173E}"/>
-              </a:ext>
-            </a:extLst>
-          </p:cNvPr>
-          <p:cNvSpPr txBox="1"/>
-          <p:nvPr/>
-        </p:nvSpPr>
-        <p:spPr>
-          <a:xfrm>
-            <a:off x="8311215" y="3093032"/>
-            <a:ext cx="2011535" cy="338554"/>
-          </a:xfrm>
-          <a:prstGeom prst="rect">
-            <a:avLst/>
-          </a:prstGeom>
-          <a:noFill/>
-        </p:spPr>
-        <p:txBody>
-          <a:bodyPr wrap="square" rtlCol="0">
-            <a:spAutoFit/>
-          </a:bodyPr>
-          <a:lstStyle/>
-          <a:p>
-            <a:pPr algn="ctr"/>
-            <a:r>
-              <a:rPr kumimoji="1" lang="ja-JP" altLang="en-US" sz="1600" b="1" dirty="0"/>
-              <a:t>運賃収入の分配</a:t>
-            </a:r>
-          </a:p>
-        </p:txBody>
-      </p:sp>
-      <p:sp>
-        <p:nvSpPr>
-          <p:cNvPr id="69" name="テキスト ボックス 68">
-            <a:extLst>
-              <a:ext uri="{FF2B5EF4-FFF2-40B4-BE49-F238E27FC236}">
-                <a16:creationId xmlns:a16="http://schemas.microsoft.com/office/drawing/2014/main" id="{9F3E59FB-173E-9CD9-588B-C8D1E342E4DB}"/>
-              </a:ext>
-            </a:extLst>
-          </p:cNvPr>
-          <p:cNvSpPr txBox="1"/>
-          <p:nvPr/>
-        </p:nvSpPr>
-        <p:spPr>
-          <a:xfrm>
-            <a:off x="5418087" y="4979165"/>
-            <a:ext cx="1676503" cy="307777"/>
-          </a:xfrm>
-          <a:prstGeom prst="rect">
-            <a:avLst/>
-          </a:prstGeom>
-          <a:noFill/>
-        </p:spPr>
-        <p:txBody>
-          <a:bodyPr wrap="square" rtlCol="0">
-            <a:spAutoFit/>
-          </a:bodyPr>
-          <a:lstStyle/>
-          <a:p>
-            <a:pPr algn="ctr"/>
-            <a:r>
-              <a:rPr kumimoji="1" lang="ja-JP" altLang="en-US" sz="1400" b="1" dirty="0"/>
-              <a:t>運転距離／乗客数</a:t>
-            </a:r>
-          </a:p>
-        </p:txBody>
-      </p:sp>
-      <p:sp>
-        <p:nvSpPr>
-          <p:cNvPr id="70" name="テキスト ボックス 69">
-            <a:extLst>
-              <a:ext uri="{FF2B5EF4-FFF2-40B4-BE49-F238E27FC236}">
-                <a16:creationId xmlns:a16="http://schemas.microsoft.com/office/drawing/2014/main" id="{5FED4584-4BD4-6116-90E2-269F63DD3BD0}"/>
-              </a:ext>
-            </a:extLst>
-          </p:cNvPr>
-          <p:cNvSpPr txBox="1"/>
-          <p:nvPr/>
-        </p:nvSpPr>
-        <p:spPr>
-          <a:xfrm>
-            <a:off x="5266477" y="3116474"/>
-            <a:ext cx="2028568" cy="307777"/>
-          </a:xfrm>
-          <a:prstGeom prst="rect">
-            <a:avLst/>
-          </a:prstGeom>
-          <a:noFill/>
-        </p:spPr>
-        <p:txBody>
-          <a:bodyPr wrap="square" rtlCol="0">
-            <a:spAutoFit/>
-          </a:bodyPr>
-          <a:lstStyle/>
-          <a:p>
-            <a:pPr algn="ctr"/>
-            <a:r>
-              <a:rPr kumimoji="1" lang="ja-JP" altLang="en-US" sz="1400" b="1" dirty="0"/>
-              <a:t>直通区間のダイヤ改正</a:t>
-            </a:r>
-          </a:p>
-        </p:txBody>
-      </p:sp>
-      <p:sp>
-        <p:nvSpPr>
-          <p:cNvPr id="2" name="正方形/長方形 1">
-            <a:extLst>
-              <a:ext uri="{FF2B5EF4-FFF2-40B4-BE49-F238E27FC236}">
-                <a16:creationId xmlns:a16="http://schemas.microsoft.com/office/drawing/2014/main" id="{FA62201E-C628-CCFD-E7B8-149F5B9E794D}"/>
+            <a:r>
+              <a:rPr kumimoji="1" lang="ja-JP" altLang="en-US" dirty="0">
+                <a:solidFill>
+                  <a:schemeClr val="tx1"/>
+                </a:solidFill>
+              </a:rPr>
+              <a:t>駅</a:t>
+            </a:r>
+          </a:p>
+        </p:txBody>
+      </p:sp>
+      <p:sp>
+        <p:nvSpPr>
+          <p:cNvPr id="10" name="正方形/長方形 9">
+            <a:extLst>
+              <a:ext uri="{FF2B5EF4-FFF2-40B4-BE49-F238E27FC236}">
+                <a16:creationId xmlns:a16="http://schemas.microsoft.com/office/drawing/2014/main" id="{219F4EB5-8855-96D9-258C-7BBC4F7CAC69}"/>
               </a:ext>
             </a:extLst>
           </p:cNvPr>
@@ -13972,8 +14138,8 @@
         </p:nvSpPr>
         <p:spPr>
           <a:xfrm>
-            <a:off x="1157051" y="3062536"/>
-            <a:ext cx="1912474" cy="361715"/>
+            <a:off x="892575" y="3957888"/>
+            <a:ext cx="1918721" cy="391925"/>
           </a:xfrm>
           <a:prstGeom prst="rect">
             <a:avLst/>
@@ -14009,17 +14175,62 @@
                   <a:schemeClr val="tx1"/>
                 </a:solidFill>
               </a:rPr>
-              <a:t>駅</a:t>
-            </a:r>
-          </a:p>
-        </p:txBody>
-      </p:sp>
-      <p:sp>
-        <p:nvSpPr>
-          <p:cNvPr id="10" name="正方形/長方形 9">
-            <a:extLst>
-              <a:ext uri="{FF2B5EF4-FFF2-40B4-BE49-F238E27FC236}">
-                <a16:creationId xmlns:a16="http://schemas.microsoft.com/office/drawing/2014/main" id="{219F4EB5-8855-96D9-258C-7BBC4F7CAC69}"/>
+              <a:t>ターミナル駅</a:t>
+            </a:r>
+          </a:p>
+        </p:txBody>
+      </p:sp>
+      <p:cxnSp>
+        <p:nvCxnSpPr>
+          <p:cNvPr id="30" name="直線矢印コネクタ 29">
+            <a:extLst>
+              <a:ext uri="{FF2B5EF4-FFF2-40B4-BE49-F238E27FC236}">
+                <a16:creationId xmlns:a16="http://schemas.microsoft.com/office/drawing/2014/main" id="{5D0228E8-32FC-4066-FFF2-D2893BA6F6E1}"/>
+              </a:ext>
+            </a:extLst>
+          </p:cNvPr>
+          <p:cNvCxnSpPr>
+            <a:cxnSpLocks/>
+          </p:cNvCxnSpPr>
+          <p:nvPr/>
+        </p:nvCxnSpPr>
+        <p:spPr>
+          <a:xfrm>
+            <a:off x="496247" y="4266782"/>
+            <a:ext cx="0" cy="796500"/>
+          </a:xfrm>
+          <a:prstGeom prst="straightConnector1">
+            <a:avLst/>
+          </a:prstGeom>
+          <a:ln>
+            <a:solidFill>
+              <a:schemeClr val="tx1"/>
+            </a:solidFill>
+            <a:headEnd type="triangle"/>
+            <a:tailEnd type="triangle"/>
+          </a:ln>
+        </p:spPr>
+        <p:style>
+          <a:lnRef idx="1">
+            <a:schemeClr val="accent1"/>
+          </a:lnRef>
+          <a:fillRef idx="0">
+            <a:schemeClr val="accent1"/>
+          </a:fillRef>
+          <a:effectRef idx="0">
+            <a:schemeClr val="accent1"/>
+          </a:effectRef>
+          <a:fontRef idx="minor">
+            <a:schemeClr val="tx1"/>
+          </a:fontRef>
+        </p:style>
+      </p:cxnSp>
+      <p:sp>
+        <p:nvSpPr>
+          <p:cNvPr id="6" name="正方形/長方形 5">
+            <a:extLst>
+              <a:ext uri="{FF2B5EF4-FFF2-40B4-BE49-F238E27FC236}">
+                <a16:creationId xmlns:a16="http://schemas.microsoft.com/office/drawing/2014/main" id="{DB2E1A49-BF80-7636-DF60-D8366F9D4DE8}"/>
               </a:ext>
             </a:extLst>
           </p:cNvPr>
@@ -14028,8 +14239,8 @@
         </p:nvSpPr>
         <p:spPr>
           <a:xfrm>
-            <a:off x="1153833" y="3957888"/>
-            <a:ext cx="1918721" cy="391925"/>
+            <a:off x="3571985" y="3957888"/>
+            <a:ext cx="1169435" cy="391925"/>
           </a:xfrm>
           <a:prstGeom prst="rect">
             <a:avLst/>
@@ -14065,98 +14276,17 @@
                   <a:schemeClr val="tx1"/>
                 </a:solidFill>
               </a:rPr>
-              <a:t>ターミナル駅</a:t>
-            </a:r>
-          </a:p>
-        </p:txBody>
-      </p:sp>
-      <p:cxnSp>
-        <p:nvCxnSpPr>
-          <p:cNvPr id="30" name="直線矢印コネクタ 29">
-            <a:extLst>
-              <a:ext uri="{FF2B5EF4-FFF2-40B4-BE49-F238E27FC236}">
-                <a16:creationId xmlns:a16="http://schemas.microsoft.com/office/drawing/2014/main" id="{5D0228E8-32FC-4066-FFF2-D2893BA6F6E1}"/>
-              </a:ext>
-            </a:extLst>
-          </p:cNvPr>
-          <p:cNvCxnSpPr>
-            <a:cxnSpLocks/>
-          </p:cNvCxnSpPr>
-          <p:nvPr/>
-        </p:nvCxnSpPr>
-        <p:spPr>
-          <a:xfrm>
-            <a:off x="757505" y="4266782"/>
-            <a:ext cx="0" cy="796500"/>
-          </a:xfrm>
-          <a:prstGeom prst="straightConnector1">
-            <a:avLst/>
-          </a:prstGeom>
-          <a:ln>
-            <a:solidFill>
-              <a:schemeClr val="tx1"/>
-            </a:solidFill>
-            <a:headEnd type="triangle"/>
-            <a:tailEnd type="triangle"/>
-          </a:ln>
-        </p:spPr>
-        <p:style>
-          <a:lnRef idx="1">
-            <a:schemeClr val="accent1"/>
-          </a:lnRef>
-          <a:fillRef idx="0">
-            <a:schemeClr val="accent1"/>
-          </a:fillRef>
-          <a:effectRef idx="0">
-            <a:schemeClr val="accent1"/>
-          </a:effectRef>
-          <a:fontRef idx="minor">
-            <a:schemeClr val="tx1"/>
-          </a:fontRef>
-        </p:style>
-      </p:cxnSp>
-      <p:sp>
-        <p:nvSpPr>
-          <p:cNvPr id="31" name="テキスト ボックス 30">
-            <a:extLst>
-              <a:ext uri="{FF2B5EF4-FFF2-40B4-BE49-F238E27FC236}">
-                <a16:creationId xmlns:a16="http://schemas.microsoft.com/office/drawing/2014/main" id="{4D69640A-C646-286A-4B75-4C84BFB29280}"/>
-              </a:ext>
-            </a:extLst>
-          </p:cNvPr>
-          <p:cNvSpPr txBox="1"/>
-          <p:nvPr/>
-        </p:nvSpPr>
-        <p:spPr>
-          <a:xfrm>
-            <a:off x="2617339" y="1760593"/>
-            <a:ext cx="1270113" cy="307777"/>
-          </a:xfrm>
-          <a:prstGeom prst="rect">
-            <a:avLst/>
-          </a:prstGeom>
-          <a:noFill/>
-        </p:spPr>
-        <p:txBody>
-          <a:bodyPr wrap="square" rtlCol="0">
-            <a:spAutoFit/>
-          </a:bodyPr>
-          <a:lstStyle/>
-          <a:p>
-            <a:pPr algn="ctr"/>
-            <a:r>
-              <a:rPr kumimoji="1" lang="ja-JP" altLang="en-US" sz="1400" dirty="0"/>
-              <a:t>相互直通区間</a:t>
-            </a:r>
-          </a:p>
-        </p:txBody>
-      </p:sp>
-      <p:sp>
-        <p:nvSpPr>
-          <p:cNvPr id="6" name="正方形/長方形 5">
-            <a:extLst>
-              <a:ext uri="{FF2B5EF4-FFF2-40B4-BE49-F238E27FC236}">
-                <a16:creationId xmlns:a16="http://schemas.microsoft.com/office/drawing/2014/main" id="{DB2E1A49-BF80-7636-DF60-D8366F9D4DE8}"/>
+              <a:t>駅</a:t>
+            </a:r>
+          </a:p>
+        </p:txBody>
+      </p:sp>
+      <p:sp>
+        <p:nvSpPr>
+          <p:cNvPr id="11" name="正方形/長方形 10">
+            <a:extLst>
+              <a:ext uri="{FF2B5EF4-FFF2-40B4-BE49-F238E27FC236}">
+                <a16:creationId xmlns:a16="http://schemas.microsoft.com/office/drawing/2014/main" id="{3EE46E56-3DBC-C450-FCC1-9C4478B32603}"/>
               </a:ext>
             </a:extLst>
           </p:cNvPr>
@@ -14165,8 +14295,8 @@
         </p:nvSpPr>
         <p:spPr>
           <a:xfrm>
-            <a:off x="3833243" y="3957888"/>
-            <a:ext cx="1169435" cy="391925"/>
+            <a:off x="3571985" y="4925986"/>
+            <a:ext cx="1169435" cy="366450"/>
           </a:xfrm>
           <a:prstGeom prst="rect">
             <a:avLst/>
@@ -14209,10 +14339,10 @@
       </p:sp>
       <p:sp>
         <p:nvSpPr>
-          <p:cNvPr id="11" name="正方形/長方形 10">
-            <a:extLst>
-              <a:ext uri="{FF2B5EF4-FFF2-40B4-BE49-F238E27FC236}">
-                <a16:creationId xmlns:a16="http://schemas.microsoft.com/office/drawing/2014/main" id="{3EE46E56-3DBC-C450-FCC1-9C4478B32603}"/>
+          <p:cNvPr id="39" name="正方形/長方形 38">
+            <a:extLst>
+              <a:ext uri="{FF2B5EF4-FFF2-40B4-BE49-F238E27FC236}">
+                <a16:creationId xmlns:a16="http://schemas.microsoft.com/office/drawing/2014/main" id="{D5B60F07-4730-5D82-0CB5-ECD53C3FE110}"/>
               </a:ext>
             </a:extLst>
           </p:cNvPr>
@@ -14221,8 +14351,8 @@
         </p:nvSpPr>
         <p:spPr>
           <a:xfrm>
-            <a:off x="3833243" y="4925986"/>
-            <a:ext cx="1169435" cy="366450"/>
+            <a:off x="895793" y="4931730"/>
+            <a:ext cx="1912474" cy="361715"/>
           </a:xfrm>
           <a:prstGeom prst="rect">
             <a:avLst/>
@@ -14265,10 +14395,10 @@
       </p:sp>
       <p:sp>
         <p:nvSpPr>
-          <p:cNvPr id="39" name="正方形/長方形 38">
-            <a:extLst>
-              <a:ext uri="{FF2B5EF4-FFF2-40B4-BE49-F238E27FC236}">
-                <a16:creationId xmlns:a16="http://schemas.microsoft.com/office/drawing/2014/main" id="{D5B60F07-4730-5D82-0CB5-ECD53C3FE110}"/>
+          <p:cNvPr id="40" name="正方形/長方形 39">
+            <a:extLst>
+              <a:ext uri="{FF2B5EF4-FFF2-40B4-BE49-F238E27FC236}">
+                <a16:creationId xmlns:a16="http://schemas.microsoft.com/office/drawing/2014/main" id="{472C6C34-E560-C936-0075-B3B611A7E558}"/>
               </a:ext>
             </a:extLst>
           </p:cNvPr>
@@ -14277,7 +14407,7 @@
         </p:nvSpPr>
         <p:spPr>
           <a:xfrm>
-            <a:off x="1157051" y="4931730"/>
+            <a:off x="895793" y="5758058"/>
             <a:ext cx="1912474" cy="361715"/>
           </a:xfrm>
           <a:prstGeom prst="rect">
@@ -14319,62 +14449,6 @@
           </a:p>
         </p:txBody>
       </p:sp>
-      <p:sp>
-        <p:nvSpPr>
-          <p:cNvPr id="40" name="正方形/長方形 39">
-            <a:extLst>
-              <a:ext uri="{FF2B5EF4-FFF2-40B4-BE49-F238E27FC236}">
-                <a16:creationId xmlns:a16="http://schemas.microsoft.com/office/drawing/2014/main" id="{472C6C34-E560-C936-0075-B3B611A7E558}"/>
-              </a:ext>
-            </a:extLst>
-          </p:cNvPr>
-          <p:cNvSpPr/>
-          <p:nvPr/>
-        </p:nvSpPr>
-        <p:spPr>
-          <a:xfrm>
-            <a:off x="1157051" y="5758058"/>
-            <a:ext cx="1912474" cy="361715"/>
-          </a:xfrm>
-          <a:prstGeom prst="rect">
-            <a:avLst/>
-          </a:prstGeom>
-          <a:solidFill>
-            <a:schemeClr val="bg1"/>
-          </a:solidFill>
-        </p:spPr>
-        <p:style>
-          <a:lnRef idx="2">
-            <a:schemeClr val="accent1">
-              <a:shade val="50000"/>
-            </a:schemeClr>
-          </a:lnRef>
-          <a:fillRef idx="1">
-            <a:schemeClr val="accent1"/>
-          </a:fillRef>
-          <a:effectRef idx="0">
-            <a:schemeClr val="accent1"/>
-          </a:effectRef>
-          <a:fontRef idx="minor">
-            <a:schemeClr val="lt1"/>
-          </a:fontRef>
-        </p:style>
-        <p:txBody>
-          <a:bodyPr vert="horz" rtlCol="0" anchor="ctr"/>
-          <a:lstStyle/>
-          <a:p>
-            <a:pPr algn="ctr"/>
-            <a:r>
-              <a:rPr kumimoji="1" lang="ja-JP" altLang="en-US" dirty="0">
-                <a:solidFill>
-                  <a:schemeClr val="tx1"/>
-                </a:solidFill>
-              </a:rPr>
-              <a:t>駅</a:t>
-            </a:r>
-          </a:p>
-        </p:txBody>
-      </p:sp>
       <p:grpSp>
         <p:nvGrpSpPr>
           <p:cNvPr id="138" name="グループ化 137">
@@ -14389,7 +14463,7 @@
         </p:nvGrpSpPr>
         <p:grpSpPr>
           <a:xfrm>
-            <a:off x="838597" y="2606472"/>
+            <a:off x="577339" y="2606472"/>
             <a:ext cx="420806" cy="420806"/>
             <a:chOff x="3369128" y="5472430"/>
             <a:chExt cx="420806" cy="420806"/>
@@ -14502,7 +14576,7 @@
         </p:nvGrpSpPr>
         <p:grpSpPr>
           <a:xfrm>
-            <a:off x="4437298" y="4421572"/>
+            <a:off x="4176040" y="4421572"/>
             <a:ext cx="474193" cy="474193"/>
             <a:chOff x="3765530" y="5530504"/>
             <a:chExt cx="474193" cy="474193"/>
@@ -14615,7 +14689,7 @@
         </p:nvGrpSpPr>
         <p:grpSpPr>
           <a:xfrm>
-            <a:off x="4886375" y="4451364"/>
+            <a:off x="4625117" y="4451364"/>
             <a:ext cx="414196" cy="414196"/>
             <a:chOff x="3334711" y="5493996"/>
             <a:chExt cx="414196" cy="414196"/>
@@ -14730,7 +14804,7 @@
         </p:nvCxnSpPr>
         <p:spPr>
           <a:xfrm>
-            <a:off x="3405707" y="2464113"/>
+            <a:off x="3144449" y="2464113"/>
             <a:ext cx="0" cy="598423"/>
           </a:xfrm>
           <a:prstGeom prst="straightConnector1">
@@ -14787,7 +14861,7 @@
         </p:blipFill>
         <p:spPr>
           <a:xfrm>
-            <a:off x="10500445" y="4336835"/>
+            <a:off x="10068534" y="2956172"/>
             <a:ext cx="603387" cy="603387"/>
           </a:xfrm>
           <a:prstGeom prst="rect">
@@ -14809,8 +14883,8 @@
         </p:nvSpPr>
         <p:spPr>
           <a:xfrm>
-            <a:off x="10064972" y="3910338"/>
-            <a:ext cx="1474332" cy="338554"/>
+            <a:off x="9637331" y="2052918"/>
+            <a:ext cx="1474332" cy="307777"/>
           </a:xfrm>
           <a:prstGeom prst="rect">
             <a:avLst/>
@@ -14825,14 +14899,14 @@
           <a:p>
             <a:pPr algn="ctr"/>
             <a:r>
-              <a:rPr kumimoji="1" lang="ja-JP" altLang="en-US" sz="1600" dirty="0"/>
+              <a:rPr kumimoji="1" lang="ja-JP" altLang="en-US" sz="1400" dirty="0"/>
               <a:t>鉄道事業者</a:t>
             </a:r>
             <a:r>
-              <a:rPr kumimoji="1" lang="en-US" altLang="ja-JP" sz="1600" dirty="0"/>
+              <a:rPr kumimoji="1" lang="en-US" altLang="ja-JP" sz="1400" dirty="0"/>
               <a:t>C</a:t>
             </a:r>
-            <a:endParaRPr kumimoji="1" lang="ja-JP" altLang="en-US" sz="1600" dirty="0"/>
+            <a:endParaRPr kumimoji="1" lang="ja-JP" altLang="en-US" sz="1400" dirty="0"/>
           </a:p>
         </p:txBody>
       </p:sp>
@@ -14852,7 +14926,7 @@
         </p:nvCxnSpPr>
         <p:spPr>
           <a:xfrm flipH="1">
-            <a:off x="3077594" y="3314700"/>
+            <a:off x="2816336" y="3315363"/>
             <a:ext cx="1192328" cy="1"/>
           </a:xfrm>
           <a:prstGeom prst="line">
@@ -14896,8 +14970,8 @@
         </p:nvCxnSpPr>
         <p:spPr>
           <a:xfrm>
-            <a:off x="8229404" y="4692971"/>
-            <a:ext cx="782357" cy="0"/>
+            <a:off x="7004183" y="5150173"/>
+            <a:ext cx="1041317" cy="0"/>
           </a:xfrm>
           <a:prstGeom prst="straightConnector1">
             <a:avLst/>
@@ -14939,8 +15013,8 @@
         </p:nvCxnSpPr>
         <p:spPr>
           <a:xfrm>
-            <a:off x="9645527" y="4704129"/>
-            <a:ext cx="782357" cy="0"/>
+            <a:off x="8918609" y="5143510"/>
+            <a:ext cx="1041317" cy="0"/>
           </a:xfrm>
           <a:prstGeom prst="straightConnector1">
             <a:avLst/>
@@ -14996,7 +15070,7 @@
         </p:blipFill>
         <p:spPr>
           <a:xfrm>
-            <a:off x="8466698" y="4327397"/>
+            <a:off x="7386581" y="5223022"/>
             <a:ext cx="323974" cy="323974"/>
           </a:xfrm>
           <a:prstGeom prst="rect">
@@ -15032,7 +15106,7 @@
         </p:blipFill>
         <p:spPr>
           <a:xfrm>
-            <a:off x="9877595" y="4315584"/>
+            <a:off x="9254050" y="5223022"/>
             <a:ext cx="323974" cy="323974"/>
           </a:xfrm>
           <a:prstGeom prst="rect">
@@ -15042,10 +15116,10 @@
       </p:pic>
       <p:sp>
         <p:nvSpPr>
-          <p:cNvPr id="109" name="矢印: 右 108">
-            <a:extLst>
-              <a:ext uri="{FF2B5EF4-FFF2-40B4-BE49-F238E27FC236}">
-                <a16:creationId xmlns:a16="http://schemas.microsoft.com/office/drawing/2014/main" id="{E75FB9DF-35BA-17C3-50B6-119CD74C821E}"/>
+          <p:cNvPr id="111" name="矢印: 左右 110">
+            <a:extLst>
+              <a:ext uri="{FF2B5EF4-FFF2-40B4-BE49-F238E27FC236}">
+                <a16:creationId xmlns:a16="http://schemas.microsoft.com/office/drawing/2014/main" id="{398A17E0-7D5E-B368-D3E3-F186AC3EA1EC}"/>
               </a:ext>
             </a:extLst>
           </p:cNvPr>
@@ -15054,10 +15128,10 @@
         </p:nvSpPr>
         <p:spPr>
           <a:xfrm>
-            <a:off x="5910183" y="4581203"/>
-            <a:ext cx="696359" cy="276026"/>
-          </a:xfrm>
-          <a:prstGeom prst="rightArrow">
+            <a:off x="3320846" y="2585308"/>
+            <a:ext cx="1214511" cy="169277"/>
+          </a:xfrm>
+          <a:prstGeom prst="leftRightArrow">
             <a:avLst/>
           </a:prstGeom>
           <a:solidFill>
@@ -15093,157 +15167,108 @@
           </a:p>
         </p:txBody>
       </p:sp>
-      <p:sp>
-        <p:nvSpPr>
-          <p:cNvPr id="110" name="矢印: 右 109">
-            <a:extLst>
-              <a:ext uri="{FF2B5EF4-FFF2-40B4-BE49-F238E27FC236}">
-                <a16:creationId xmlns:a16="http://schemas.microsoft.com/office/drawing/2014/main" id="{328A9D55-9185-5112-611C-B42EB9515684}"/>
-              </a:ext>
-            </a:extLst>
-          </p:cNvPr>
-          <p:cNvSpPr/>
-          <p:nvPr/>
-        </p:nvSpPr>
-        <p:spPr>
-          <a:xfrm rot="10800000">
-            <a:off x="5908160" y="3507316"/>
-            <a:ext cx="696359" cy="276026"/>
-          </a:xfrm>
-          <a:prstGeom prst="rightArrow">
-            <a:avLst/>
-          </a:prstGeom>
-          <a:solidFill>
-            <a:schemeClr val="bg1"/>
-          </a:solidFill>
-        </p:spPr>
-        <p:style>
-          <a:lnRef idx="2">
-            <a:schemeClr val="accent1">
-              <a:shade val="50000"/>
-            </a:schemeClr>
-          </a:lnRef>
-          <a:fillRef idx="1">
-            <a:schemeClr val="accent1"/>
-          </a:fillRef>
-          <a:effectRef idx="0">
-            <a:schemeClr val="accent1"/>
-          </a:effectRef>
-          <a:fontRef idx="minor">
-            <a:schemeClr val="lt1"/>
-          </a:fontRef>
-        </p:style>
-        <p:txBody>
-          <a:bodyPr rtlCol="0" anchor="ctr"/>
-          <a:lstStyle/>
-          <a:p>
-            <a:pPr algn="ctr"/>
-            <a:endParaRPr kumimoji="1" lang="ja-JP" altLang="en-US">
+      <p:grpSp>
+        <p:nvGrpSpPr>
+          <p:cNvPr id="7" name="グループ化 6">
+            <a:extLst>
+              <a:ext uri="{FF2B5EF4-FFF2-40B4-BE49-F238E27FC236}">
+                <a16:creationId xmlns:a16="http://schemas.microsoft.com/office/drawing/2014/main" id="{DBB8F8AE-96F9-A85E-2BE5-6C01942D4B41}"/>
+              </a:ext>
+            </a:extLst>
+          </p:cNvPr>
+          <p:cNvGrpSpPr/>
+          <p:nvPr/>
+        </p:nvGrpSpPr>
+        <p:grpSpPr>
+          <a:xfrm>
+            <a:off x="3227107" y="5856750"/>
+            <a:ext cx="1632091" cy="307777"/>
+            <a:chOff x="2255361" y="1760593"/>
+            <a:chExt cx="1632091" cy="307777"/>
+          </a:xfrm>
+        </p:grpSpPr>
+        <p:sp>
+          <p:nvSpPr>
+            <p:cNvPr id="31" name="テキスト ボックス 30">
+              <a:extLst>
+                <a:ext uri="{FF2B5EF4-FFF2-40B4-BE49-F238E27FC236}">
+                  <a16:creationId xmlns:a16="http://schemas.microsoft.com/office/drawing/2014/main" id="{4D69640A-C646-286A-4B75-4C84BFB29280}"/>
+                </a:ext>
+              </a:extLst>
+            </p:cNvPr>
+            <p:cNvSpPr txBox="1"/>
+            <p:nvPr/>
+          </p:nvSpPr>
+          <p:spPr>
+            <a:xfrm>
+              <a:off x="2617339" y="1760593"/>
+              <a:ext cx="1270113" cy="307777"/>
+            </a:xfrm>
+            <a:prstGeom prst="rect">
+              <a:avLst/>
+            </a:prstGeom>
+            <a:noFill/>
+          </p:spPr>
+          <p:txBody>
+            <a:bodyPr wrap="square" rtlCol="0">
+              <a:spAutoFit/>
+            </a:bodyPr>
+            <a:lstStyle/>
+            <a:p>
+              <a:pPr algn="ctr"/>
+              <a:r>
+                <a:rPr kumimoji="1" lang="ja-JP" altLang="en-US" sz="1400" dirty="0"/>
+                <a:t>相互直通区間</a:t>
+              </a:r>
+            </a:p>
+          </p:txBody>
+        </p:sp>
+        <p:cxnSp>
+          <p:nvCxnSpPr>
+            <p:cNvPr id="112" name="直線矢印コネクタ 111">
+              <a:extLst>
+                <a:ext uri="{FF2B5EF4-FFF2-40B4-BE49-F238E27FC236}">
+                  <a16:creationId xmlns:a16="http://schemas.microsoft.com/office/drawing/2014/main" id="{FA8E287D-040F-255C-05F2-C2DC2C2759BA}"/>
+                </a:ext>
+              </a:extLst>
+            </p:cNvPr>
+            <p:cNvCxnSpPr>
+              <a:cxnSpLocks/>
+            </p:cNvCxnSpPr>
+            <p:nvPr/>
+          </p:nvCxnSpPr>
+          <p:spPr>
+            <a:xfrm flipH="1">
+              <a:off x="2255361" y="1899350"/>
+              <a:ext cx="361349" cy="0"/>
+            </a:xfrm>
+            <a:prstGeom prst="straightConnector1">
+              <a:avLst/>
+            </a:prstGeom>
+            <a:ln>
               <a:solidFill>
                 <a:schemeClr val="tx1"/>
               </a:solidFill>
-            </a:endParaRPr>
-          </a:p>
-        </p:txBody>
-      </p:sp>
-      <p:sp>
-        <p:nvSpPr>
-          <p:cNvPr id="111" name="矢印: 左右 110">
-            <a:extLst>
-              <a:ext uri="{FF2B5EF4-FFF2-40B4-BE49-F238E27FC236}">
-                <a16:creationId xmlns:a16="http://schemas.microsoft.com/office/drawing/2014/main" id="{398A17E0-7D5E-B368-D3E3-F186AC3EA1EC}"/>
-              </a:ext>
-            </a:extLst>
-          </p:cNvPr>
-          <p:cNvSpPr/>
-          <p:nvPr/>
-        </p:nvSpPr>
-        <p:spPr>
-          <a:xfrm>
-            <a:off x="3810704" y="2585308"/>
-            <a:ext cx="1214511" cy="169277"/>
-          </a:xfrm>
-          <a:prstGeom prst="leftRightArrow">
-            <a:avLst/>
-          </a:prstGeom>
-          <a:solidFill>
-            <a:schemeClr val="bg1"/>
-          </a:solidFill>
-        </p:spPr>
-        <p:style>
-          <a:lnRef idx="2">
-            <a:schemeClr val="accent1">
-              <a:shade val="50000"/>
-            </a:schemeClr>
-          </a:lnRef>
-          <a:fillRef idx="1">
-            <a:schemeClr val="accent1"/>
-          </a:fillRef>
-          <a:effectRef idx="0">
-            <a:schemeClr val="accent1"/>
-          </a:effectRef>
-          <a:fontRef idx="minor">
-            <a:schemeClr val="lt1"/>
-          </a:fontRef>
-        </p:style>
-        <p:txBody>
-          <a:bodyPr rtlCol="0" anchor="ctr"/>
-          <a:lstStyle/>
-          <a:p>
-            <a:pPr algn="ctr"/>
-            <a:endParaRPr kumimoji="1" lang="ja-JP" altLang="en-US">
-              <a:solidFill>
-                <a:schemeClr val="tx1"/>
-              </a:solidFill>
-            </a:endParaRPr>
-          </a:p>
-        </p:txBody>
-      </p:sp>
-      <p:cxnSp>
-        <p:nvCxnSpPr>
-          <p:cNvPr id="112" name="直線矢印コネクタ 111">
-            <a:extLst>
-              <a:ext uri="{FF2B5EF4-FFF2-40B4-BE49-F238E27FC236}">
-                <a16:creationId xmlns:a16="http://schemas.microsoft.com/office/drawing/2014/main" id="{FA8E287D-040F-255C-05F2-C2DC2C2759BA}"/>
-              </a:ext>
-            </a:extLst>
-          </p:cNvPr>
-          <p:cNvCxnSpPr>
-            <a:cxnSpLocks/>
-          </p:cNvCxnSpPr>
-          <p:nvPr/>
-        </p:nvCxnSpPr>
-        <p:spPr>
-          <a:xfrm flipH="1">
-            <a:off x="2255361" y="1899350"/>
-            <a:ext cx="361349" cy="0"/>
-          </a:xfrm>
-          <a:prstGeom prst="straightConnector1">
-            <a:avLst/>
-          </a:prstGeom>
-          <a:ln>
-            <a:solidFill>
+              <a:headEnd type="triangle"/>
+              <a:tailEnd type="triangle"/>
+            </a:ln>
+          </p:spPr>
+          <p:style>
+            <a:lnRef idx="1">
+              <a:schemeClr val="accent1"/>
+            </a:lnRef>
+            <a:fillRef idx="0">
+              <a:schemeClr val="accent1"/>
+            </a:fillRef>
+            <a:effectRef idx="0">
+              <a:schemeClr val="accent1"/>
+            </a:effectRef>
+            <a:fontRef idx="minor">
               <a:schemeClr val="tx1"/>
-            </a:solidFill>
-            <a:headEnd type="triangle"/>
-            <a:tailEnd type="triangle"/>
-          </a:ln>
-        </p:spPr>
-        <p:style>
-          <a:lnRef idx="1">
-            <a:schemeClr val="accent1"/>
-          </a:lnRef>
-          <a:fillRef idx="0">
-            <a:schemeClr val="accent1"/>
-          </a:fillRef>
-          <a:effectRef idx="0">
-            <a:schemeClr val="accent1"/>
-          </a:effectRef>
-          <a:fontRef idx="minor">
-            <a:schemeClr val="tx1"/>
-          </a:fontRef>
-        </p:style>
-      </p:cxnSp>
+            </a:fontRef>
+          </p:style>
+        </p:cxnSp>
+      </p:grpSp>
       <p:sp>
         <p:nvSpPr>
           <p:cNvPr id="115" name="テキスト ボックス 114">
@@ -15258,7 +15283,7 @@
         </p:nvSpPr>
         <p:spPr>
           <a:xfrm>
-            <a:off x="3736573" y="2246138"/>
+            <a:off x="3246715" y="2246138"/>
             <a:ext cx="1354189" cy="307777"/>
           </a:xfrm>
           <a:prstGeom prst="rect">
@@ -15294,7 +15319,7 @@
         </p:nvGrpSpPr>
         <p:grpSpPr>
           <a:xfrm>
-            <a:off x="836849" y="4465982"/>
+            <a:off x="575591" y="4465982"/>
             <a:ext cx="414196" cy="414196"/>
             <a:chOff x="2547277" y="5339454"/>
             <a:chExt cx="414196" cy="414196"/>
@@ -15407,7 +15432,7 @@
         </p:nvGrpSpPr>
         <p:grpSpPr>
           <a:xfrm>
-            <a:off x="2158849" y="3458286"/>
+            <a:off x="1897591" y="3458286"/>
             <a:ext cx="474193" cy="474193"/>
             <a:chOff x="2153046" y="5320089"/>
             <a:chExt cx="474193" cy="474193"/>
@@ -15520,7 +15545,7 @@
         </p:nvGrpSpPr>
         <p:grpSpPr>
           <a:xfrm>
-            <a:off x="1202144" y="2579779"/>
+            <a:off x="940886" y="2579779"/>
             <a:ext cx="474193" cy="474193"/>
             <a:chOff x="3512739" y="5422711"/>
             <a:chExt cx="474193" cy="474193"/>
@@ -15633,7 +15658,7 @@
         </p:nvGrpSpPr>
         <p:grpSpPr>
           <a:xfrm>
-            <a:off x="3818244" y="3458286"/>
+            <a:off x="3556986" y="3458286"/>
             <a:ext cx="474193" cy="474193"/>
             <a:chOff x="3512739" y="5422711"/>
             <a:chExt cx="474193" cy="474193"/>
@@ -15746,7 +15771,7 @@
         </p:nvGrpSpPr>
         <p:grpSpPr>
           <a:xfrm>
-            <a:off x="2841443" y="2606472"/>
+            <a:off x="2580185" y="2606472"/>
             <a:ext cx="420806" cy="420806"/>
             <a:chOff x="3369128" y="5472430"/>
             <a:chExt cx="420806" cy="420806"/>
@@ -15859,7 +15884,7 @@
         </p:nvGrpSpPr>
         <p:grpSpPr>
           <a:xfrm>
-            <a:off x="2547373" y="3484979"/>
+            <a:off x="2286115" y="3484979"/>
             <a:ext cx="420806" cy="420806"/>
             <a:chOff x="3369128" y="5472430"/>
             <a:chExt cx="420806" cy="420806"/>
@@ -15972,7 +15997,7 @@
         </p:nvGrpSpPr>
         <p:grpSpPr>
           <a:xfrm>
-            <a:off x="3486432" y="3488284"/>
+            <a:off x="3225174" y="3488284"/>
             <a:ext cx="414196" cy="414196"/>
             <a:chOff x="3334711" y="5493996"/>
             <a:chExt cx="414196" cy="414196"/>
@@ -16085,7 +16110,7 @@
         </p:nvGrpSpPr>
         <p:grpSpPr>
           <a:xfrm>
-            <a:off x="2419686" y="2579779"/>
+            <a:off x="2158428" y="2579779"/>
             <a:ext cx="474193" cy="474193"/>
             <a:chOff x="3765530" y="5530504"/>
             <a:chExt cx="474193" cy="474193"/>
@@ -16220,6 +16245,760 @@
           </a:p>
         </p:txBody>
       </p:sp>
+      <p:sp>
+        <p:nvSpPr>
+          <p:cNvPr id="12" name="テキスト ボックス 11">
+            <a:extLst>
+              <a:ext uri="{FF2B5EF4-FFF2-40B4-BE49-F238E27FC236}">
+                <a16:creationId xmlns:a16="http://schemas.microsoft.com/office/drawing/2014/main" id="{6BE533E5-8D54-4A2A-B022-7AB748D03758}"/>
+              </a:ext>
+            </a:extLst>
+          </p:cNvPr>
+          <p:cNvSpPr txBox="1"/>
+          <p:nvPr/>
+        </p:nvSpPr>
+        <p:spPr>
+          <a:xfrm>
+            <a:off x="5221768" y="1732372"/>
+            <a:ext cx="1758696" cy="338554"/>
+          </a:xfrm>
+          <a:prstGeom prst="rect">
+            <a:avLst/>
+          </a:prstGeom>
+          <a:noFill/>
+        </p:spPr>
+        <p:txBody>
+          <a:bodyPr wrap="square" rtlCol="0">
+            <a:spAutoFit/>
+          </a:bodyPr>
+          <a:lstStyle/>
+          <a:p>
+            <a:pPr algn="ctr"/>
+            <a:r>
+              <a:rPr kumimoji="1" lang="ja-JP" altLang="en-US" sz="1600" b="1" dirty="0">
+                <a:solidFill>
+                  <a:schemeClr val="accent4"/>
+                </a:solidFill>
+              </a:rPr>
+              <a:t>運行管理システム</a:t>
+            </a:r>
+          </a:p>
+        </p:txBody>
+      </p:sp>
+      <p:pic>
+        <p:nvPicPr>
+          <p:cNvPr id="19" name="グラフィックス 18" descr="建物 単色塗りつぶし">
+            <a:extLst>
+              <a:ext uri="{FF2B5EF4-FFF2-40B4-BE49-F238E27FC236}">
+                <a16:creationId xmlns:a16="http://schemas.microsoft.com/office/drawing/2014/main" id="{323A3FD9-04D7-CEEF-CF98-0863952E982E}"/>
+              </a:ext>
+            </a:extLst>
+          </p:cNvPr>
+          <p:cNvPicPr>
+            <a:picLocks noChangeAspect="1"/>
+          </p:cNvPicPr>
+          <p:nvPr/>
+        </p:nvPicPr>
+        <p:blipFill>
+          <a:blip r:embed="rId8">
+            <a:extLst>
+              <a:ext uri="{96DAC541-7B7A-43D3-8B79-37D633B846F1}">
+                <asvg:svgBlip xmlns:asvg="http://schemas.microsoft.com/office/drawing/2016/SVG/main" r:embed="rId9"/>
+              </a:ext>
+            </a:extLst>
+          </a:blip>
+          <a:stretch>
+            <a:fillRect/>
+          </a:stretch>
+        </p:blipFill>
+        <p:spPr>
+          <a:xfrm>
+            <a:off x="8188843" y="4905544"/>
+            <a:ext cx="603387" cy="603387"/>
+          </a:xfrm>
+          <a:prstGeom prst="rect">
+            <a:avLst/>
+          </a:prstGeom>
+        </p:spPr>
+      </p:pic>
+      <p:pic>
+        <p:nvPicPr>
+          <p:cNvPr id="20" name="グラフィックス 19" descr="建物 単色塗りつぶし">
+            <a:extLst>
+              <a:ext uri="{FF2B5EF4-FFF2-40B4-BE49-F238E27FC236}">
+                <a16:creationId xmlns:a16="http://schemas.microsoft.com/office/drawing/2014/main" id="{E6348732-911F-30ED-0A3A-B5D12F0F11B7}"/>
+              </a:ext>
+            </a:extLst>
+          </p:cNvPr>
+          <p:cNvPicPr>
+            <a:picLocks noChangeAspect="1"/>
+          </p:cNvPicPr>
+          <p:nvPr/>
+        </p:nvPicPr>
+        <p:blipFill>
+          <a:blip r:embed="rId10">
+            <a:extLst>
+              <a:ext uri="{96DAC541-7B7A-43D3-8B79-37D633B846F1}">
+                <asvg:svgBlip xmlns:asvg="http://schemas.microsoft.com/office/drawing/2016/SVG/main" r:embed="rId11"/>
+              </a:ext>
+            </a:extLst>
+          </a:blip>
+          <a:stretch>
+            <a:fillRect/>
+          </a:stretch>
+        </p:blipFill>
+        <p:spPr>
+          <a:xfrm>
+            <a:off x="6309151" y="4905544"/>
+            <a:ext cx="603387" cy="603387"/>
+          </a:xfrm>
+          <a:prstGeom prst="rect">
+            <a:avLst/>
+          </a:prstGeom>
+        </p:spPr>
+      </p:pic>
+      <p:pic>
+        <p:nvPicPr>
+          <p:cNvPr id="21" name="グラフィックス 20" descr="建物 単色塗りつぶし">
+            <a:extLst>
+              <a:ext uri="{FF2B5EF4-FFF2-40B4-BE49-F238E27FC236}">
+                <a16:creationId xmlns:a16="http://schemas.microsoft.com/office/drawing/2014/main" id="{6609D167-68FA-4339-18C2-4C99321D491F}"/>
+              </a:ext>
+            </a:extLst>
+          </p:cNvPr>
+          <p:cNvPicPr>
+            <a:picLocks noChangeAspect="1"/>
+          </p:cNvPicPr>
+          <p:nvPr/>
+        </p:nvPicPr>
+        <p:blipFill>
+          <a:blip r:embed="rId18">
+            <a:extLst>
+              <a:ext uri="{96DAC541-7B7A-43D3-8B79-37D633B846F1}">
+                <asvg:svgBlip xmlns:asvg="http://schemas.microsoft.com/office/drawing/2016/SVG/main" r:embed="rId19"/>
+              </a:ext>
+            </a:extLst>
+          </a:blip>
+          <a:stretch>
+            <a:fillRect/>
+          </a:stretch>
+        </p:blipFill>
+        <p:spPr>
+          <a:xfrm>
+            <a:off x="10068534" y="4905544"/>
+            <a:ext cx="603387" cy="603387"/>
+          </a:xfrm>
+          <a:prstGeom prst="rect">
+            <a:avLst/>
+          </a:prstGeom>
+        </p:spPr>
+      </p:pic>
+      <p:sp>
+        <p:nvSpPr>
+          <p:cNvPr id="22" name="四角形: 角を丸くする 21">
+            <a:extLst>
+              <a:ext uri="{FF2B5EF4-FFF2-40B4-BE49-F238E27FC236}">
+                <a16:creationId xmlns:a16="http://schemas.microsoft.com/office/drawing/2014/main" id="{552CAD3D-2134-3DEB-9776-7912A57B2629}"/>
+              </a:ext>
+            </a:extLst>
+          </p:cNvPr>
+          <p:cNvSpPr/>
+          <p:nvPr/>
+        </p:nvSpPr>
+        <p:spPr>
+          <a:xfrm>
+            <a:off x="5915968" y="2356799"/>
+            <a:ext cx="1420379" cy="3437483"/>
+          </a:xfrm>
+          <a:prstGeom prst="roundRect">
+            <a:avLst/>
+          </a:prstGeom>
+          <a:noFill/>
+          <a:ln>
+            <a:prstDash val="dash"/>
+          </a:ln>
+        </p:spPr>
+        <p:style>
+          <a:lnRef idx="2">
+            <a:schemeClr val="accent1">
+              <a:shade val="50000"/>
+            </a:schemeClr>
+          </a:lnRef>
+          <a:fillRef idx="1">
+            <a:schemeClr val="accent1"/>
+          </a:fillRef>
+          <a:effectRef idx="0">
+            <a:schemeClr val="accent1"/>
+          </a:effectRef>
+          <a:fontRef idx="minor">
+            <a:schemeClr val="lt1"/>
+          </a:fontRef>
+        </p:style>
+        <p:txBody>
+          <a:bodyPr rtlCol="0" anchor="ctr"/>
+          <a:lstStyle/>
+          <a:p>
+            <a:pPr algn="ctr"/>
+            <a:endParaRPr kumimoji="1" lang="ja-JP" altLang="en-US">
+              <a:solidFill>
+                <a:schemeClr val="tx1"/>
+              </a:solidFill>
+            </a:endParaRPr>
+          </a:p>
+        </p:txBody>
+      </p:sp>
+      <p:sp>
+        <p:nvSpPr>
+          <p:cNvPr id="24" name="四角形: 角を丸くする 23">
+            <a:extLst>
+              <a:ext uri="{FF2B5EF4-FFF2-40B4-BE49-F238E27FC236}">
+                <a16:creationId xmlns:a16="http://schemas.microsoft.com/office/drawing/2014/main" id="{1B6A3B9F-BFA3-C789-2022-1C6EA07C02D9}"/>
+              </a:ext>
+            </a:extLst>
+          </p:cNvPr>
+          <p:cNvSpPr/>
+          <p:nvPr/>
+        </p:nvSpPr>
+        <p:spPr>
+          <a:xfrm>
+            <a:off x="7775311" y="2356799"/>
+            <a:ext cx="1420379" cy="3437483"/>
+          </a:xfrm>
+          <a:prstGeom prst="roundRect">
+            <a:avLst/>
+          </a:prstGeom>
+          <a:noFill/>
+          <a:ln>
+            <a:prstDash val="dash"/>
+          </a:ln>
+        </p:spPr>
+        <p:style>
+          <a:lnRef idx="2">
+            <a:schemeClr val="accent1">
+              <a:shade val="50000"/>
+            </a:schemeClr>
+          </a:lnRef>
+          <a:fillRef idx="1">
+            <a:schemeClr val="accent1"/>
+          </a:fillRef>
+          <a:effectRef idx="0">
+            <a:schemeClr val="accent1"/>
+          </a:effectRef>
+          <a:fontRef idx="minor">
+            <a:schemeClr val="lt1"/>
+          </a:fontRef>
+        </p:style>
+        <p:txBody>
+          <a:bodyPr rtlCol="0" anchor="ctr"/>
+          <a:lstStyle/>
+          <a:p>
+            <a:pPr algn="ctr"/>
+            <a:endParaRPr kumimoji="1" lang="ja-JP" altLang="en-US">
+              <a:solidFill>
+                <a:schemeClr val="tx1"/>
+              </a:solidFill>
+            </a:endParaRPr>
+          </a:p>
+        </p:txBody>
+      </p:sp>
+      <p:sp>
+        <p:nvSpPr>
+          <p:cNvPr id="25" name="四角形: 角を丸くする 24">
+            <a:extLst>
+              <a:ext uri="{FF2B5EF4-FFF2-40B4-BE49-F238E27FC236}">
+                <a16:creationId xmlns:a16="http://schemas.microsoft.com/office/drawing/2014/main" id="{68CFCA1B-D832-1FB6-D987-846F663D08CC}"/>
+              </a:ext>
+            </a:extLst>
+          </p:cNvPr>
+          <p:cNvSpPr/>
+          <p:nvPr/>
+        </p:nvSpPr>
+        <p:spPr>
+          <a:xfrm>
+            <a:off x="9634654" y="2356799"/>
+            <a:ext cx="1420379" cy="3437483"/>
+          </a:xfrm>
+          <a:prstGeom prst="roundRect">
+            <a:avLst/>
+          </a:prstGeom>
+          <a:noFill/>
+          <a:ln>
+            <a:prstDash val="dash"/>
+          </a:ln>
+        </p:spPr>
+        <p:style>
+          <a:lnRef idx="2">
+            <a:schemeClr val="accent1">
+              <a:shade val="50000"/>
+            </a:schemeClr>
+          </a:lnRef>
+          <a:fillRef idx="1">
+            <a:schemeClr val="accent1"/>
+          </a:fillRef>
+          <a:effectRef idx="0">
+            <a:schemeClr val="accent1"/>
+          </a:effectRef>
+          <a:fontRef idx="minor">
+            <a:schemeClr val="lt1"/>
+          </a:fontRef>
+        </p:style>
+        <p:txBody>
+          <a:bodyPr rtlCol="0" anchor="ctr"/>
+          <a:lstStyle/>
+          <a:p>
+            <a:pPr algn="ctr"/>
+            <a:endParaRPr kumimoji="1" lang="ja-JP" altLang="en-US">
+              <a:solidFill>
+                <a:schemeClr val="tx1"/>
+              </a:solidFill>
+            </a:endParaRPr>
+          </a:p>
+        </p:txBody>
+      </p:sp>
+      <p:cxnSp>
+        <p:nvCxnSpPr>
+          <p:cNvPr id="27" name="直線矢印コネクタ 26">
+            <a:extLst>
+              <a:ext uri="{FF2B5EF4-FFF2-40B4-BE49-F238E27FC236}">
+                <a16:creationId xmlns:a16="http://schemas.microsoft.com/office/drawing/2014/main" id="{BB120AB9-6AD1-E3EF-9EF3-B41ED599B84C}"/>
+              </a:ext>
+            </a:extLst>
+          </p:cNvPr>
+          <p:cNvCxnSpPr>
+            <a:cxnSpLocks/>
+            <a:stCxn id="61" idx="2"/>
+            <a:endCxn id="20" idx="0"/>
+          </p:cNvCxnSpPr>
+          <p:nvPr/>
+        </p:nvCxnSpPr>
+        <p:spPr>
+          <a:xfrm>
+            <a:off x="6610845" y="3559559"/>
+            <a:ext cx="0" cy="1345985"/>
+          </a:xfrm>
+          <a:prstGeom prst="straightConnector1">
+            <a:avLst/>
+          </a:prstGeom>
+          <a:ln w="38100">
+            <a:solidFill>
+              <a:schemeClr val="accent4"/>
+            </a:solidFill>
+            <a:headEnd type="none" w="med" len="med"/>
+            <a:tailEnd type="triangle"/>
+          </a:ln>
+        </p:spPr>
+        <p:style>
+          <a:lnRef idx="1">
+            <a:schemeClr val="accent1"/>
+          </a:lnRef>
+          <a:fillRef idx="0">
+            <a:schemeClr val="accent1"/>
+          </a:fillRef>
+          <a:effectRef idx="0">
+            <a:schemeClr val="accent1"/>
+          </a:effectRef>
+          <a:fontRef idx="minor">
+            <a:schemeClr val="tx1"/>
+          </a:fontRef>
+        </p:style>
+      </p:cxnSp>
+      <p:cxnSp>
+        <p:nvCxnSpPr>
+          <p:cNvPr id="35" name="直線矢印コネクタ 34">
+            <a:extLst>
+              <a:ext uri="{FF2B5EF4-FFF2-40B4-BE49-F238E27FC236}">
+                <a16:creationId xmlns:a16="http://schemas.microsoft.com/office/drawing/2014/main" id="{D624D294-11EA-2CDA-6206-B56E28A98A1A}"/>
+              </a:ext>
+            </a:extLst>
+          </p:cNvPr>
+          <p:cNvCxnSpPr>
+            <a:cxnSpLocks/>
+            <a:stCxn id="60" idx="2"/>
+            <a:endCxn id="19" idx="0"/>
+          </p:cNvCxnSpPr>
+          <p:nvPr/>
+        </p:nvCxnSpPr>
+        <p:spPr>
+          <a:xfrm>
+            <a:off x="8490537" y="3559559"/>
+            <a:ext cx="0" cy="1345985"/>
+          </a:xfrm>
+          <a:prstGeom prst="straightConnector1">
+            <a:avLst/>
+          </a:prstGeom>
+          <a:ln w="38100">
+            <a:solidFill>
+              <a:schemeClr val="accent4"/>
+            </a:solidFill>
+            <a:headEnd type="none" w="med" len="med"/>
+            <a:tailEnd type="triangle"/>
+          </a:ln>
+        </p:spPr>
+        <p:style>
+          <a:lnRef idx="1">
+            <a:schemeClr val="accent1"/>
+          </a:lnRef>
+          <a:fillRef idx="0">
+            <a:schemeClr val="accent1"/>
+          </a:fillRef>
+          <a:effectRef idx="0">
+            <a:schemeClr val="accent1"/>
+          </a:effectRef>
+          <a:fontRef idx="minor">
+            <a:schemeClr val="tx1"/>
+          </a:fontRef>
+        </p:style>
+      </p:cxnSp>
+      <p:cxnSp>
+        <p:nvCxnSpPr>
+          <p:cNvPr id="41" name="直線矢印コネクタ 40">
+            <a:extLst>
+              <a:ext uri="{FF2B5EF4-FFF2-40B4-BE49-F238E27FC236}">
+                <a16:creationId xmlns:a16="http://schemas.microsoft.com/office/drawing/2014/main" id="{120C8C82-A675-7FAB-A2A2-6099D6670E02}"/>
+              </a:ext>
+            </a:extLst>
+          </p:cNvPr>
+          <p:cNvCxnSpPr>
+            <a:cxnSpLocks/>
+            <a:stCxn id="82" idx="2"/>
+            <a:endCxn id="21" idx="0"/>
+          </p:cNvCxnSpPr>
+          <p:nvPr/>
+        </p:nvCxnSpPr>
+        <p:spPr>
+          <a:xfrm>
+            <a:off x="10370228" y="3559559"/>
+            <a:ext cx="0" cy="1345985"/>
+          </a:xfrm>
+          <a:prstGeom prst="straightConnector1">
+            <a:avLst/>
+          </a:prstGeom>
+          <a:ln w="38100">
+            <a:solidFill>
+              <a:schemeClr val="accent4"/>
+            </a:solidFill>
+            <a:headEnd type="none" w="med" len="med"/>
+            <a:tailEnd type="triangle"/>
+          </a:ln>
+        </p:spPr>
+        <p:style>
+          <a:lnRef idx="1">
+            <a:schemeClr val="accent1"/>
+          </a:lnRef>
+          <a:fillRef idx="0">
+            <a:schemeClr val="accent1"/>
+          </a:fillRef>
+          <a:effectRef idx="0">
+            <a:schemeClr val="accent1"/>
+          </a:effectRef>
+          <a:fontRef idx="minor">
+            <a:schemeClr val="tx1"/>
+          </a:fontRef>
+        </p:style>
+      </p:cxnSp>
+      <p:sp>
+        <p:nvSpPr>
+          <p:cNvPr id="66" name="矢印: 左右 65">
+            <a:extLst>
+              <a:ext uri="{FF2B5EF4-FFF2-40B4-BE49-F238E27FC236}">
+                <a16:creationId xmlns:a16="http://schemas.microsoft.com/office/drawing/2014/main" id="{BCC34350-BDBA-0388-274B-B55EC55C016D}"/>
+              </a:ext>
+            </a:extLst>
+          </p:cNvPr>
+          <p:cNvSpPr/>
+          <p:nvPr/>
+        </p:nvSpPr>
+        <p:spPr>
+          <a:xfrm>
+            <a:off x="7133534" y="5563358"/>
+            <a:ext cx="2710112" cy="191733"/>
+          </a:xfrm>
+          <a:prstGeom prst="leftRightArrow">
+            <a:avLst/>
+          </a:prstGeom>
+          <a:solidFill>
+            <a:schemeClr val="bg1"/>
+          </a:solidFill>
+        </p:spPr>
+        <p:style>
+          <a:lnRef idx="2">
+            <a:schemeClr val="accent1">
+              <a:shade val="50000"/>
+            </a:schemeClr>
+          </a:lnRef>
+          <a:fillRef idx="1">
+            <a:schemeClr val="accent1"/>
+          </a:fillRef>
+          <a:effectRef idx="0">
+            <a:schemeClr val="accent1"/>
+          </a:effectRef>
+          <a:fontRef idx="minor">
+            <a:schemeClr val="lt1"/>
+          </a:fontRef>
+        </p:style>
+        <p:txBody>
+          <a:bodyPr rtlCol="0" anchor="ctr"/>
+          <a:lstStyle/>
+          <a:p>
+            <a:pPr algn="ctr"/>
+            <a:endParaRPr kumimoji="1" lang="ja-JP" altLang="en-US">
+              <a:solidFill>
+                <a:schemeClr val="tx1"/>
+              </a:solidFill>
+            </a:endParaRPr>
+          </a:p>
+        </p:txBody>
+      </p:sp>
+      <p:cxnSp>
+        <p:nvCxnSpPr>
+          <p:cNvPr id="47" name="直線矢印コネクタ 46">
+            <a:extLst>
+              <a:ext uri="{FF2B5EF4-FFF2-40B4-BE49-F238E27FC236}">
+                <a16:creationId xmlns:a16="http://schemas.microsoft.com/office/drawing/2014/main" id="{A0EB2247-85E9-1F00-D9C3-D6F98B905193}"/>
+              </a:ext>
+            </a:extLst>
+          </p:cNvPr>
+          <p:cNvCxnSpPr/>
+          <p:nvPr/>
+        </p:nvCxnSpPr>
+        <p:spPr>
+          <a:xfrm>
+            <a:off x="6972989" y="3242906"/>
+            <a:ext cx="1041317" cy="0"/>
+          </a:xfrm>
+          <a:prstGeom prst="straightConnector1">
+            <a:avLst/>
+          </a:prstGeom>
+          <a:ln w="28575">
+            <a:solidFill>
+              <a:schemeClr val="accent4"/>
+            </a:solidFill>
+            <a:headEnd type="triangle"/>
+            <a:tailEnd type="triangle"/>
+          </a:ln>
+        </p:spPr>
+        <p:style>
+          <a:lnRef idx="1">
+            <a:schemeClr val="accent1"/>
+          </a:lnRef>
+          <a:fillRef idx="0">
+            <a:schemeClr val="accent1"/>
+          </a:fillRef>
+          <a:effectRef idx="0">
+            <a:schemeClr val="accent1"/>
+          </a:effectRef>
+          <a:fontRef idx="minor">
+            <a:schemeClr val="tx1"/>
+          </a:fontRef>
+        </p:style>
+      </p:cxnSp>
+      <p:cxnSp>
+        <p:nvCxnSpPr>
+          <p:cNvPr id="48" name="直線矢印コネクタ 47">
+            <a:extLst>
+              <a:ext uri="{FF2B5EF4-FFF2-40B4-BE49-F238E27FC236}">
+                <a16:creationId xmlns:a16="http://schemas.microsoft.com/office/drawing/2014/main" id="{A4430EC4-ABD3-4ADC-B514-0E43CC231D78}"/>
+              </a:ext>
+            </a:extLst>
+          </p:cNvPr>
+          <p:cNvCxnSpPr/>
+          <p:nvPr/>
+        </p:nvCxnSpPr>
+        <p:spPr>
+          <a:xfrm>
+            <a:off x="8887415" y="3236243"/>
+            <a:ext cx="1041317" cy="0"/>
+          </a:xfrm>
+          <a:prstGeom prst="straightConnector1">
+            <a:avLst/>
+          </a:prstGeom>
+          <a:ln w="28575">
+            <a:solidFill>
+              <a:schemeClr val="accent4"/>
+            </a:solidFill>
+            <a:headEnd type="triangle"/>
+            <a:tailEnd type="triangle"/>
+          </a:ln>
+        </p:spPr>
+        <p:style>
+          <a:lnRef idx="1">
+            <a:schemeClr val="accent1"/>
+          </a:lnRef>
+          <a:fillRef idx="0">
+            <a:schemeClr val="accent1"/>
+          </a:fillRef>
+          <a:effectRef idx="0">
+            <a:schemeClr val="accent1"/>
+          </a:effectRef>
+          <a:fontRef idx="minor">
+            <a:schemeClr val="tx1"/>
+          </a:fontRef>
+        </p:style>
+      </p:cxnSp>
+      <p:cxnSp>
+        <p:nvCxnSpPr>
+          <p:cNvPr id="49" name="直線矢印コネクタ 48">
+            <a:extLst>
+              <a:ext uri="{FF2B5EF4-FFF2-40B4-BE49-F238E27FC236}">
+                <a16:creationId xmlns:a16="http://schemas.microsoft.com/office/drawing/2014/main" id="{ECF07E5D-CADD-DD86-B2AE-667F2C9E6C9B}"/>
+              </a:ext>
+            </a:extLst>
+          </p:cNvPr>
+          <p:cNvCxnSpPr>
+            <a:cxnSpLocks/>
+            <a:endCxn id="13" idx="1"/>
+          </p:cNvCxnSpPr>
+          <p:nvPr/>
+        </p:nvCxnSpPr>
+        <p:spPr>
+          <a:xfrm>
+            <a:off x="4856930" y="3173353"/>
+            <a:ext cx="797381" cy="6218"/>
+          </a:xfrm>
+          <a:prstGeom prst="straightConnector1">
+            <a:avLst/>
+          </a:prstGeom>
+          <a:ln w="38100">
+            <a:solidFill>
+              <a:schemeClr val="accent4"/>
+            </a:solidFill>
+            <a:headEnd type="none" w="med" len="med"/>
+            <a:tailEnd type="triangle"/>
+          </a:ln>
+        </p:spPr>
+        <p:style>
+          <a:lnRef idx="1">
+            <a:schemeClr val="accent1"/>
+          </a:lnRef>
+          <a:fillRef idx="0">
+            <a:schemeClr val="accent1"/>
+          </a:fillRef>
+          <a:effectRef idx="0">
+            <a:schemeClr val="accent1"/>
+          </a:effectRef>
+          <a:fontRef idx="minor">
+            <a:schemeClr val="tx1"/>
+          </a:fontRef>
+        </p:style>
+      </p:cxnSp>
+      <p:cxnSp>
+        <p:nvCxnSpPr>
+          <p:cNvPr id="16" name="直線矢印コネクタ 15">
+            <a:extLst>
+              <a:ext uri="{FF2B5EF4-FFF2-40B4-BE49-F238E27FC236}">
+                <a16:creationId xmlns:a16="http://schemas.microsoft.com/office/drawing/2014/main" id="{1E9D7AB0-7121-4D56-2D94-64F49D3B0218}"/>
+              </a:ext>
+            </a:extLst>
+          </p:cNvPr>
+          <p:cNvCxnSpPr>
+            <a:cxnSpLocks/>
+            <a:endCxn id="17" idx="1"/>
+          </p:cNvCxnSpPr>
+          <p:nvPr/>
+        </p:nvCxnSpPr>
+        <p:spPr>
+          <a:xfrm>
+            <a:off x="4891304" y="5176670"/>
+            <a:ext cx="763006" cy="0"/>
+          </a:xfrm>
+          <a:prstGeom prst="straightConnector1">
+            <a:avLst/>
+          </a:prstGeom>
+          <a:ln w="38100">
+            <a:solidFill>
+              <a:schemeClr val="accent3"/>
+            </a:solidFill>
+            <a:headEnd type="none" w="med" len="med"/>
+            <a:tailEnd type="triangle"/>
+          </a:ln>
+        </p:spPr>
+        <p:style>
+          <a:lnRef idx="1">
+            <a:schemeClr val="accent1"/>
+          </a:lnRef>
+          <a:fillRef idx="0">
+            <a:schemeClr val="accent1"/>
+          </a:fillRef>
+          <a:effectRef idx="0">
+            <a:schemeClr val="accent1"/>
+          </a:effectRef>
+          <a:fontRef idx="minor">
+            <a:schemeClr val="tx1"/>
+          </a:fontRef>
+        </p:style>
+      </p:cxnSp>
+      <p:sp>
+        <p:nvSpPr>
+          <p:cNvPr id="32" name="テキスト ボックス 31">
+            <a:extLst>
+              <a:ext uri="{FF2B5EF4-FFF2-40B4-BE49-F238E27FC236}">
+                <a16:creationId xmlns:a16="http://schemas.microsoft.com/office/drawing/2014/main" id="{5DAA589D-C280-885B-E7E4-B91473847145}"/>
+              </a:ext>
+            </a:extLst>
+          </p:cNvPr>
+          <p:cNvSpPr txBox="1"/>
+          <p:nvPr/>
+        </p:nvSpPr>
+        <p:spPr>
+          <a:xfrm>
+            <a:off x="4928066" y="5319309"/>
+            <a:ext cx="648555" cy="313731"/>
+          </a:xfrm>
+          <a:prstGeom prst="rect">
+            <a:avLst/>
+          </a:prstGeom>
+          <a:noFill/>
+        </p:spPr>
+        <p:txBody>
+          <a:bodyPr wrap="square" rtlCol="0">
+            <a:spAutoFit/>
+          </a:bodyPr>
+          <a:lstStyle/>
+          <a:p>
+            <a:pPr algn="ctr"/>
+            <a:r>
+              <a:rPr kumimoji="1" lang="ja-JP" altLang="en-US" sz="1400" dirty="0"/>
+              <a:t>運賃</a:t>
+            </a:r>
+          </a:p>
+        </p:txBody>
+      </p:sp>
+      <p:sp>
+        <p:nvSpPr>
+          <p:cNvPr id="33" name="テキスト ボックス 32">
+            <a:extLst>
+              <a:ext uri="{FF2B5EF4-FFF2-40B4-BE49-F238E27FC236}">
+                <a16:creationId xmlns:a16="http://schemas.microsoft.com/office/drawing/2014/main" id="{CE2B8AB4-DA17-6BAE-F4FA-FB4FFE676C68}"/>
+              </a:ext>
+            </a:extLst>
+          </p:cNvPr>
+          <p:cNvSpPr txBox="1"/>
+          <p:nvPr/>
+        </p:nvSpPr>
+        <p:spPr>
+          <a:xfrm>
+            <a:off x="4759451" y="2776191"/>
+            <a:ext cx="977625" cy="307777"/>
+          </a:xfrm>
+          <a:prstGeom prst="rect">
+            <a:avLst/>
+          </a:prstGeom>
+          <a:noFill/>
+        </p:spPr>
+        <p:txBody>
+          <a:bodyPr wrap="square" rtlCol="0">
+            <a:spAutoFit/>
+          </a:bodyPr>
+          <a:lstStyle/>
+          <a:p>
+            <a:pPr algn="ctr"/>
+            <a:r>
+              <a:rPr kumimoji="1" lang="ja-JP" altLang="en-US" sz="1400" dirty="0"/>
+              <a:t>運転状況</a:t>
+            </a:r>
+          </a:p>
+        </p:txBody>
+      </p:sp>
     </p:spTree>
     <p:extLst>
       <p:ext uri="{BB962C8B-B14F-4D97-AF65-F5344CB8AC3E}">
@@ -16839,6 +17618,78 @@
                 </a:solidFill>
               </a:rPr>
               <a:t>における協調のタイプ</a:t>
+            </a:r>
+          </a:p>
+        </p:txBody>
+      </p:sp>
+      <p:sp>
+        <p:nvSpPr>
+          <p:cNvPr id="2" name="テキスト ボックス 1">
+            <a:extLst>
+              <a:ext uri="{FF2B5EF4-FFF2-40B4-BE49-F238E27FC236}">
+                <a16:creationId xmlns:a16="http://schemas.microsoft.com/office/drawing/2014/main" id="{E1F785C2-D33F-4373-87BD-CC24645659E1}"/>
+              </a:ext>
+            </a:extLst>
+          </p:cNvPr>
+          <p:cNvSpPr txBox="1"/>
+          <p:nvPr/>
+        </p:nvSpPr>
+        <p:spPr>
+          <a:xfrm>
+            <a:off x="4182484" y="3287289"/>
+            <a:ext cx="1269434" cy="338554"/>
+          </a:xfrm>
+          <a:prstGeom prst="rect">
+            <a:avLst/>
+          </a:prstGeom>
+          <a:noFill/>
+        </p:spPr>
+        <p:txBody>
+          <a:bodyPr wrap="square" rtlCol="0">
+            <a:spAutoFit/>
+          </a:bodyPr>
+          <a:lstStyle/>
+          <a:p>
+            <a:pPr algn="ctr"/>
+            <a:r>
+              <a:rPr kumimoji="1" lang="ja-JP" altLang="en-US" sz="1600" dirty="0"/>
+              <a:t>電力システム</a:t>
+            </a:r>
+          </a:p>
+        </p:txBody>
+      </p:sp>
+      <p:sp>
+        <p:nvSpPr>
+          <p:cNvPr id="6" name="テキスト ボックス 5">
+            <a:extLst>
+              <a:ext uri="{FF2B5EF4-FFF2-40B4-BE49-F238E27FC236}">
+                <a16:creationId xmlns:a16="http://schemas.microsoft.com/office/drawing/2014/main" id="{2293C6AD-50D5-FC3D-4ADD-8E318CB8E6DD}"/>
+              </a:ext>
+            </a:extLst>
+          </p:cNvPr>
+          <p:cNvSpPr txBox="1"/>
+          <p:nvPr/>
+        </p:nvSpPr>
+        <p:spPr>
+          <a:xfrm>
+            <a:off x="3860443" y="3738726"/>
+            <a:ext cx="1913516" cy="338554"/>
+          </a:xfrm>
+          <a:prstGeom prst="rect">
+            <a:avLst/>
+          </a:prstGeom>
+          <a:noFill/>
+        </p:spPr>
+        <p:txBody>
+          <a:bodyPr wrap="square" rtlCol="0">
+            <a:spAutoFit/>
+          </a:bodyPr>
+          <a:lstStyle/>
+          <a:p>
+            <a:pPr algn="ctr"/>
+            <a:r>
+              <a:rPr kumimoji="1" lang="ja-JP" altLang="en-US" sz="1600" dirty="0"/>
+              <a:t>鉄道相互直通運転</a:t>
             </a:r>
           </a:p>
         </p:txBody>
@@ -25529,8 +26380,8 @@
         </p:nvSpPr>
         <p:spPr>
           <a:xfrm>
-            <a:off x="517056" y="1071367"/>
-            <a:ext cx="9933230" cy="4123486"/>
+            <a:off x="517055" y="1071367"/>
+            <a:ext cx="10651687" cy="4123486"/>
           </a:xfrm>
         </p:spPr>
         <p:txBody>
@@ -25563,7 +26414,7 @@
             </a:r>
             <a:r>
               <a:rPr lang="ja-JP" altLang="en-US" dirty="0"/>
-              <a:t>が、互いに調和して、</a:t>
+              <a:t>が、</a:t>
             </a:r>
             <a:r>
               <a:rPr lang="ja-JP" altLang="en-US" b="1" dirty="0">
@@ -25571,25 +26422,39 @@
                   <a:schemeClr val="accent1"/>
                 </a:solidFill>
               </a:rPr>
-              <a:t>共通の問題を解決</a:t>
+              <a:t>共通の問題</a:t>
             </a:r>
             <a:r>
               <a:rPr lang="ja-JP" altLang="en-US" dirty="0"/>
-              <a:t>しようとすること</a:t>
+              <a:t>解決・</a:t>
+            </a:r>
+            <a:r>
+              <a:rPr lang="ja-JP" altLang="en-US" b="1" dirty="0">
+                <a:solidFill>
+                  <a:schemeClr val="accent1"/>
+                </a:solidFill>
+              </a:rPr>
+              <a:t>目的</a:t>
+            </a:r>
+            <a:r>
+              <a:rPr lang="ja-JP" altLang="en-US" dirty="0"/>
+              <a:t>達成するために調和・連携すること</a:t>
             </a:r>
             <a:endParaRPr lang="en-US" altLang="ja-JP" dirty="0"/>
           </a:p>
           <a:p>
-            <a:pPr lvl="1"/>
-            <a:r>
-              <a:rPr lang="ja-JP" altLang="en-US" dirty="0"/>
+            <a:pPr lvl="2">
+              <a:spcBef>
+                <a:spcPts val="1200"/>
+              </a:spcBef>
+              <a:buFont typeface="Wingdings" panose="05000000000000000000" pitchFamily="2" charset="2"/>
+              <a:buChar char="Ø"/>
+            </a:pPr>
+            <a:r>
+              <a:rPr lang="ja-JP" altLang="en-US" sz="1800" dirty="0"/>
               <a:t>労使協調、国際協調など</a:t>
             </a:r>
-            <a:endParaRPr lang="en-US" altLang="ja-JP" dirty="0"/>
-          </a:p>
-          <a:p>
-            <a:pPr lvl="1"/>
-            <a:endParaRPr lang="en-US" altLang="ja-JP" dirty="0"/>
+            <a:endParaRPr lang="en-US" altLang="ja-JP" sz="1800" dirty="0"/>
           </a:p>
           <a:p>
             <a:r>
@@ -25672,7 +26537,14 @@
             </a:pPr>
             <a:r>
               <a:rPr lang="ja-JP" altLang="en-US" sz="1800" dirty="0"/>
-              <a:t>相互の状況に応じて、短期的には、自身の利益を犠牲にして全体の目的を優先することもあるが、長期的には自身の利益に繋がるケースも含む</a:t>
+              <a:t>相互の状況に応じて、短期的には、自身の利益を犠牲にして全体の目的を優先することもあるが、</a:t>
+            </a:r>
+            <a:br>
+              <a:rPr lang="en-US" altLang="ja-JP" sz="1800" dirty="0"/>
+            </a:br>
+            <a:r>
+              <a:rPr lang="ja-JP" altLang="en-US" sz="1800" dirty="0"/>
+              <a:t>長期的には自身の利益に繋がるケースも含む</a:t>
             </a:r>
             <a:endParaRPr lang="en-US" altLang="ja-JP" sz="1800" dirty="0"/>
           </a:p>
@@ -26246,11 +27118,7 @@
           <a:p>
             <a:pPr algn="ctr"/>
             <a:r>
-              <a:rPr kumimoji="1" lang="ja-JP" altLang="en-US" sz="1600" b="1" dirty="0">
-                <a:solidFill>
-                  <a:schemeClr val="accent3"/>
-                </a:solidFill>
-              </a:rPr>
+              <a:rPr kumimoji="1" lang="ja-JP" altLang="en-US" sz="1600" b="1" dirty="0"/>
               <a:t>従属的</a:t>
             </a:r>
           </a:p>
@@ -26322,11 +27190,7 @@
           <a:p>
             <a:pPr algn="ctr"/>
             <a:r>
-              <a:rPr kumimoji="1" lang="ja-JP" altLang="en-US" sz="1600" b="1" dirty="0">
-                <a:solidFill>
-                  <a:schemeClr val="accent3"/>
-                </a:solidFill>
-              </a:rPr>
+              <a:rPr kumimoji="1" lang="ja-JP" altLang="en-US" sz="1600" b="1" dirty="0"/>
               <a:t>中央集中型</a:t>
             </a:r>
           </a:p>
@@ -26362,11 +27226,7 @@
           <a:p>
             <a:pPr algn="ctr"/>
             <a:r>
-              <a:rPr kumimoji="1" lang="ja-JP" altLang="en-US" sz="1600" b="1" dirty="0">
-                <a:solidFill>
-                  <a:schemeClr val="accent3"/>
-                </a:solidFill>
-              </a:rPr>
+              <a:rPr kumimoji="1" lang="ja-JP" altLang="en-US" sz="1600" b="1" dirty="0"/>
               <a:t>地方分散型</a:t>
             </a:r>
           </a:p>
@@ -26402,11 +27262,7 @@
           <a:p>
             <a:pPr algn="ctr"/>
             <a:r>
-              <a:rPr kumimoji="1" lang="ja-JP" altLang="en-US" sz="1600" b="1" dirty="0">
-                <a:solidFill>
-                  <a:schemeClr val="accent3"/>
-                </a:solidFill>
-              </a:rPr>
+              <a:rPr kumimoji="1" lang="ja-JP" altLang="en-US" sz="1600" b="1" dirty="0"/>
               <a:t>動的</a:t>
             </a:r>
           </a:p>
@@ -26442,11 +27298,7 @@
           <a:p>
             <a:pPr algn="ctr"/>
             <a:r>
-              <a:rPr kumimoji="1" lang="ja-JP" altLang="en-US" sz="1600" b="1" dirty="0">
-                <a:solidFill>
-                  <a:schemeClr val="accent3"/>
-                </a:solidFill>
-              </a:rPr>
+              <a:rPr kumimoji="1" lang="ja-JP" altLang="en-US" sz="1600" b="1" dirty="0"/>
               <a:t>静的</a:t>
             </a:r>
           </a:p>
@@ -26527,11 +27379,7 @@
           <a:p>
             <a:pPr algn="ctr"/>
             <a:r>
-              <a:rPr kumimoji="1" lang="ja-JP" altLang="en-US" sz="1600" b="1" dirty="0">
-                <a:solidFill>
-                  <a:schemeClr val="accent3"/>
-                </a:solidFill>
-              </a:rPr>
+              <a:rPr kumimoji="1" lang="ja-JP" altLang="en-US" sz="1600" b="1" dirty="0"/>
               <a:t>独立的</a:t>
             </a:r>
           </a:p>

--- a/SoS/230825_SoS分科会第6回進め方のご相談_rev.0.pptx
+++ b/SoS/230825_SoS分科会第6回進め方のご相談_rev.0.pptx
@@ -5,7 +5,7 @@
     <p:sldMasterId id="2147483756" r:id="rId1"/>
   </p:sldMasterIdLst>
   <p:notesMasterIdLst>
-    <p:notesMasterId r:id="rId16"/>
+    <p:notesMasterId r:id="rId17"/>
   </p:notesMasterIdLst>
   <p:sldIdLst>
     <p:sldId id="269" r:id="rId2"/>
@@ -19,9 +19,10 @@
     <p:sldId id="559" r:id="rId10"/>
     <p:sldId id="558" r:id="rId11"/>
     <p:sldId id="547" r:id="rId12"/>
-    <p:sldId id="560" r:id="rId13"/>
-    <p:sldId id="550" r:id="rId14"/>
-    <p:sldId id="286" r:id="rId15"/>
+    <p:sldId id="561" r:id="rId13"/>
+    <p:sldId id="560" r:id="rId14"/>
+    <p:sldId id="550" r:id="rId15"/>
+    <p:sldId id="286" r:id="rId16"/>
   </p:sldIdLst>
   <p:sldSz cx="12192000" cy="6858000"/>
   <p:notesSz cx="6858000" cy="9144000"/>
@@ -213,7 +214,7 @@
           <a:p>
             <a:fld id="{82150B36-03E6-4D3A-8098-12EB1C30C067}" type="datetimeFigureOut">
               <a:rPr kumimoji="1" lang="ja-JP" altLang="en-US" smtClean="0"/>
-              <a:t>2023/8/19</a:t>
+              <a:t>2023/8/22</a:t>
             </a:fld>
             <a:endParaRPr kumimoji="1" lang="ja-JP" altLang="en-US"/>
           </a:p>
@@ -577,7 +578,7 @@
           <a:p>
             <a:fld id="{234BF75D-FAA7-4C74-927E-D481AAC481B6}" type="slidenum">
               <a:rPr kumimoji="1" lang="ja-JP" altLang="en-US" smtClean="0"/>
-              <a:t>14</a:t>
+              <a:t>15</a:t>
             </a:fld>
             <a:endParaRPr kumimoji="1" lang="ja-JP" altLang="en-US"/>
           </a:p>
@@ -12316,7 +12317,7 @@
         </p:nvSpPr>
         <p:spPr>
           <a:xfrm>
-            <a:off x="5294099" y="4390708"/>
+            <a:off x="5562547" y="4390708"/>
             <a:ext cx="6380846" cy="1807013"/>
           </a:xfrm>
           <a:prstGeom prst="rect">
@@ -12375,7 +12376,7 @@
         </p:nvSpPr>
         <p:spPr>
           <a:xfrm>
-            <a:off x="5654310" y="4688257"/>
+            <a:off x="5922758" y="4688257"/>
             <a:ext cx="5684889" cy="976825"/>
           </a:xfrm>
           <a:prstGeom prst="roundRect">
@@ -12428,7 +12429,7 @@
         </p:nvSpPr>
         <p:spPr>
           <a:xfrm>
-            <a:off x="5300321" y="2049235"/>
+            <a:off x="5568769" y="2049235"/>
             <a:ext cx="6374624" cy="1959147"/>
           </a:xfrm>
           <a:prstGeom prst="rect">
@@ -12487,7 +12488,7 @@
         </p:nvSpPr>
         <p:spPr>
           <a:xfrm>
-            <a:off x="5654311" y="2691158"/>
+            <a:off x="5922759" y="2691158"/>
             <a:ext cx="5684889" cy="976825"/>
           </a:xfrm>
           <a:prstGeom prst="roundRect">
@@ -13760,7 +13761,7 @@
         </p:blipFill>
         <p:spPr>
           <a:xfrm>
-            <a:off x="8188843" y="2956172"/>
+            <a:off x="8457291" y="2956172"/>
             <a:ext cx="603387" cy="603387"/>
           </a:xfrm>
           <a:prstGeom prst="rect">
@@ -13796,7 +13797,7 @@
         </p:blipFill>
         <p:spPr>
           <a:xfrm>
-            <a:off x="6309151" y="2956172"/>
+            <a:off x="6577599" y="2956172"/>
             <a:ext cx="603387" cy="603387"/>
           </a:xfrm>
           <a:prstGeom prst="rect">
@@ -13818,7 +13819,7 @@
         </p:nvSpPr>
         <p:spPr>
           <a:xfrm>
-            <a:off x="5887466" y="2052918"/>
+            <a:off x="6155914" y="2052918"/>
             <a:ext cx="1474332" cy="307777"/>
           </a:xfrm>
           <a:prstGeom prst="rect">
@@ -13859,7 +13860,7 @@
         </p:nvSpPr>
         <p:spPr>
           <a:xfrm>
-            <a:off x="7760293" y="2052918"/>
+            <a:off x="8028741" y="2052918"/>
             <a:ext cx="1474332" cy="307777"/>
           </a:xfrm>
           <a:prstGeom prst="rect">
@@ -13900,7 +13901,7 @@
         </p:nvSpPr>
         <p:spPr>
           <a:xfrm>
-            <a:off x="5235561" y="4052155"/>
+            <a:off x="5504009" y="4052155"/>
             <a:ext cx="1340087" cy="338554"/>
           </a:xfrm>
           <a:prstGeom prst="rect">
@@ -13940,7 +13941,7 @@
         </p:nvSpPr>
         <p:spPr>
           <a:xfrm>
-            <a:off x="7366268" y="5758181"/>
+            <a:off x="7634716" y="5758181"/>
             <a:ext cx="2238837" cy="307777"/>
           </a:xfrm>
           <a:prstGeom prst="rect">
@@ -13975,7 +13976,7 @@
         </p:nvSpPr>
         <p:spPr>
           <a:xfrm>
-            <a:off x="7367022" y="5995214"/>
+            <a:off x="7643859" y="5961658"/>
             <a:ext cx="1828668" cy="307777"/>
           </a:xfrm>
           <a:prstGeom prst="rect">
@@ -14010,7 +14011,7 @@
         </p:nvSpPr>
         <p:spPr>
           <a:xfrm>
-            <a:off x="6562646" y="4286448"/>
+            <a:off x="6831094" y="4286448"/>
             <a:ext cx="1676503" cy="307777"/>
           </a:xfrm>
           <a:prstGeom prst="rect">
@@ -14046,7 +14047,7 @@
         </p:nvSpPr>
         <p:spPr>
           <a:xfrm>
-            <a:off x="6513619" y="2682821"/>
+            <a:off x="6782067" y="2682821"/>
             <a:ext cx="2028568" cy="307777"/>
           </a:xfrm>
           <a:prstGeom prst="rect">
@@ -14861,7 +14862,7 @@
         </p:blipFill>
         <p:spPr>
           <a:xfrm>
-            <a:off x="10068534" y="2956172"/>
+            <a:off x="10336982" y="2956172"/>
             <a:ext cx="603387" cy="603387"/>
           </a:xfrm>
           <a:prstGeom prst="rect">
@@ -14883,7 +14884,7 @@
         </p:nvSpPr>
         <p:spPr>
           <a:xfrm>
-            <a:off x="9637331" y="2052918"/>
+            <a:off x="9905779" y="2052918"/>
             <a:ext cx="1474332" cy="307777"/>
           </a:xfrm>
           <a:prstGeom prst="rect">
@@ -14970,7 +14971,7 @@
         </p:nvCxnSpPr>
         <p:spPr>
           <a:xfrm>
-            <a:off x="7004183" y="5150173"/>
+            <a:off x="7272631" y="5150173"/>
             <a:ext cx="1041317" cy="0"/>
           </a:xfrm>
           <a:prstGeom prst="straightConnector1">
@@ -15013,7 +15014,7 @@
         </p:nvCxnSpPr>
         <p:spPr>
           <a:xfrm>
-            <a:off x="8918609" y="5143510"/>
+            <a:off x="9187057" y="5143510"/>
             <a:ext cx="1041317" cy="0"/>
           </a:xfrm>
           <a:prstGeom prst="straightConnector1">
@@ -15070,7 +15071,7 @@
         </p:blipFill>
         <p:spPr>
           <a:xfrm>
-            <a:off x="7386581" y="5223022"/>
+            <a:off x="7655029" y="5223022"/>
             <a:ext cx="323974" cy="323974"/>
           </a:xfrm>
           <a:prstGeom prst="rect">
@@ -15106,7 +15107,7 @@
         </p:blipFill>
         <p:spPr>
           <a:xfrm>
-            <a:off x="9254050" y="5223022"/>
+            <a:off x="9522498" y="5223022"/>
             <a:ext cx="323974" cy="323974"/>
           </a:xfrm>
           <a:prstGeom prst="rect">
@@ -16259,7 +16260,7 @@
         </p:nvSpPr>
         <p:spPr>
           <a:xfrm>
-            <a:off x="5221768" y="1732372"/>
+            <a:off x="5490216" y="1732372"/>
             <a:ext cx="1758696" cy="338554"/>
           </a:xfrm>
           <a:prstGeom prst="rect">
@@ -16313,7 +16314,7 @@
         </p:blipFill>
         <p:spPr>
           <a:xfrm>
-            <a:off x="8188843" y="4905544"/>
+            <a:off x="8457291" y="4905544"/>
             <a:ext cx="603387" cy="603387"/>
           </a:xfrm>
           <a:prstGeom prst="rect">
@@ -16349,7 +16350,7 @@
         </p:blipFill>
         <p:spPr>
           <a:xfrm>
-            <a:off x="6309151" y="4905544"/>
+            <a:off x="6577599" y="4905544"/>
             <a:ext cx="603387" cy="603387"/>
           </a:xfrm>
           <a:prstGeom prst="rect">
@@ -16385,7 +16386,7 @@
         </p:blipFill>
         <p:spPr>
           <a:xfrm>
-            <a:off x="10068534" y="4905544"/>
+            <a:off x="10336982" y="4905544"/>
             <a:ext cx="603387" cy="603387"/>
           </a:xfrm>
           <a:prstGeom prst="rect">
@@ -16407,7 +16408,7 @@
         </p:nvSpPr>
         <p:spPr>
           <a:xfrm>
-            <a:off x="5915968" y="2356799"/>
+            <a:off x="6184416" y="2356799"/>
             <a:ext cx="1420379" cy="3437483"/>
           </a:xfrm>
           <a:prstGeom prst="roundRect">
@@ -16461,7 +16462,7 @@
         </p:nvSpPr>
         <p:spPr>
           <a:xfrm>
-            <a:off x="7775311" y="2356799"/>
+            <a:off x="8043759" y="2356799"/>
             <a:ext cx="1420379" cy="3437483"/>
           </a:xfrm>
           <a:prstGeom prst="roundRect">
@@ -16515,7 +16516,7 @@
         </p:nvSpPr>
         <p:spPr>
           <a:xfrm>
-            <a:off x="9634654" y="2356799"/>
+            <a:off x="9903102" y="2356799"/>
             <a:ext cx="1420379" cy="3437483"/>
           </a:xfrm>
           <a:prstGeom prst="roundRect">
@@ -16573,7 +16574,7 @@
         </p:nvCxnSpPr>
         <p:spPr>
           <a:xfrm>
-            <a:off x="6610845" y="3559559"/>
+            <a:off x="6879293" y="3559559"/>
             <a:ext cx="0" cy="1345985"/>
           </a:xfrm>
           <a:prstGeom prst="straightConnector1">
@@ -16620,7 +16621,7 @@
         </p:nvCxnSpPr>
         <p:spPr>
           <a:xfrm>
-            <a:off x="8490537" y="3559559"/>
+            <a:off x="8758985" y="3559559"/>
             <a:ext cx="0" cy="1345985"/>
           </a:xfrm>
           <a:prstGeom prst="straightConnector1">
@@ -16667,7 +16668,7 @@
         </p:nvCxnSpPr>
         <p:spPr>
           <a:xfrm>
-            <a:off x="10370228" y="3559559"/>
+            <a:off x="10638676" y="3559559"/>
             <a:ext cx="0" cy="1345985"/>
           </a:xfrm>
           <a:prstGeom prst="straightConnector1">
@@ -16710,7 +16711,7 @@
         </p:nvSpPr>
         <p:spPr>
           <a:xfrm>
-            <a:off x="7133534" y="5563358"/>
+            <a:off x="7401982" y="5563358"/>
             <a:ext cx="2710112" cy="191733"/>
           </a:xfrm>
           <a:prstGeom prst="leftRightArrow">
@@ -16763,7 +16764,7 @@
         </p:nvCxnSpPr>
         <p:spPr>
           <a:xfrm>
-            <a:off x="6972989" y="3242906"/>
+            <a:off x="7241437" y="3242906"/>
             <a:ext cx="1041317" cy="0"/>
           </a:xfrm>
           <a:prstGeom prst="straightConnector1">
@@ -16806,7 +16807,7 @@
         </p:nvCxnSpPr>
         <p:spPr>
           <a:xfrm>
-            <a:off x="8887415" y="3236243"/>
+            <a:off x="9155863" y="3236243"/>
             <a:ext cx="1041317" cy="0"/>
           </a:xfrm>
           <a:prstGeom prst="straightConnector1">
@@ -16852,8 +16853,8 @@
         </p:nvCxnSpPr>
         <p:spPr>
           <a:xfrm>
-            <a:off x="4856930" y="3173353"/>
-            <a:ext cx="797381" cy="6218"/>
+            <a:off x="5090718" y="3179571"/>
+            <a:ext cx="832041" cy="0"/>
           </a:xfrm>
           <a:prstGeom prst="straightConnector1">
             <a:avLst/>
@@ -16898,8 +16899,8 @@
         </p:nvCxnSpPr>
         <p:spPr>
           <a:xfrm>
-            <a:off x="4891304" y="5176670"/>
-            <a:ext cx="763006" cy="0"/>
+            <a:off x="5090718" y="5176670"/>
+            <a:ext cx="832040" cy="0"/>
           </a:xfrm>
           <a:prstGeom prst="straightConnector1">
             <a:avLst/>
@@ -16941,7 +16942,7 @@
         </p:nvSpPr>
         <p:spPr>
           <a:xfrm>
-            <a:off x="4928066" y="5319309"/>
+            <a:off x="5154569" y="5319309"/>
             <a:ext cx="648555" cy="313731"/>
           </a:xfrm>
           <a:prstGeom prst="rect">
@@ -16977,7 +16978,7 @@
         </p:nvSpPr>
         <p:spPr>
           <a:xfrm>
-            <a:off x="4759451" y="2776191"/>
+            <a:off x="4985954" y="2776191"/>
             <a:ext cx="977625" cy="307777"/>
           </a:xfrm>
           <a:prstGeom prst="rect">
@@ -17031,107 +17032,10 @@
       </p:grpSpPr>
       <p:sp>
         <p:nvSpPr>
-          <p:cNvPr id="5" name="タイトル 4">
-            <a:extLst>
-              <a:ext uri="{FF2B5EF4-FFF2-40B4-BE49-F238E27FC236}">
-                <a16:creationId xmlns:a16="http://schemas.microsoft.com/office/drawing/2014/main" id="{560C5BD5-1532-4087-ACF7-85710DC69FAA}"/>
-              </a:ext>
-            </a:extLst>
-          </p:cNvPr>
-          <p:cNvSpPr>
-            <a:spLocks noGrp="1"/>
-          </p:cNvSpPr>
-          <p:nvPr>
-            <p:ph type="title"/>
-          </p:nvPr>
-        </p:nvSpPr>
-        <p:spPr/>
-        <p:txBody>
-          <a:bodyPr/>
-          <a:lstStyle/>
-          <a:p>
-            <a:r>
-              <a:rPr lang="en-US" altLang="ja-JP" dirty="0"/>
-              <a:t>SoS</a:t>
-            </a:r>
-            <a:r>
-              <a:rPr lang="ja-JP" altLang="en-US" dirty="0"/>
-              <a:t>の軸に基づく事例分類</a:t>
-            </a:r>
-            <a:endParaRPr lang="en-US" dirty="0"/>
-          </a:p>
-        </p:txBody>
-      </p:sp>
-      <p:sp>
-        <p:nvSpPr>
-          <p:cNvPr id="3" name="スライド番号プレースホルダー 2">
-            <a:extLst>
-              <a:ext uri="{FF2B5EF4-FFF2-40B4-BE49-F238E27FC236}">
-                <a16:creationId xmlns:a16="http://schemas.microsoft.com/office/drawing/2014/main" id="{ED23190D-575C-49DE-8293-87C3C1C8D779}"/>
-              </a:ext>
-            </a:extLst>
-          </p:cNvPr>
-          <p:cNvSpPr>
-            <a:spLocks noGrp="1"/>
-          </p:cNvSpPr>
-          <p:nvPr>
-            <p:ph type="sldNum" sz="quarter" idx="10"/>
-          </p:nvPr>
-        </p:nvSpPr>
-        <p:spPr/>
-        <p:txBody>
-          <a:bodyPr/>
-          <a:lstStyle/>
-          <a:p>
-            <a:fld id="{584EAAFE-CFE5-40AD-8E95-5BFF290DC5CF}" type="slidenum">
-              <a:rPr kumimoji="1" lang="ja-JP" altLang="en-US" smtClean="0"/>
-              <a:pPr/>
-              <a:t>12</a:t>
-            </a:fld>
-            <a:endParaRPr kumimoji="1" lang="ja-JP" altLang="en-US"/>
-          </a:p>
-        </p:txBody>
-      </p:sp>
-      <p:sp>
-        <p:nvSpPr>
-          <p:cNvPr id="9" name="テキスト プレースホルダー 8">
-            <a:extLst>
-              <a:ext uri="{FF2B5EF4-FFF2-40B4-BE49-F238E27FC236}">
-                <a16:creationId xmlns:a16="http://schemas.microsoft.com/office/drawing/2014/main" id="{A809889B-886C-09D3-E0E0-05C8C4A3F3EE}"/>
-              </a:ext>
-            </a:extLst>
-          </p:cNvPr>
-          <p:cNvSpPr>
-            <a:spLocks noGrp="1"/>
-          </p:cNvSpPr>
-          <p:nvPr>
-            <p:ph type="body" sz="quarter" idx="11"/>
-          </p:nvPr>
-        </p:nvSpPr>
-        <p:spPr>
-          <a:xfrm>
-            <a:off x="517055" y="1071367"/>
-            <a:ext cx="11608270" cy="518095"/>
-          </a:xfrm>
-        </p:spPr>
-        <p:txBody>
-          <a:bodyPr/>
-          <a:lstStyle/>
-          <a:p>
-            <a:r>
-              <a:rPr lang="ja-JP" altLang="en-US" dirty="0"/>
-              <a:t>協調のタイプで分類</a:t>
-            </a:r>
-            <a:endParaRPr lang="en-US" altLang="ja-JP" dirty="0"/>
-          </a:p>
-        </p:txBody>
-      </p:sp>
-      <p:sp>
-        <p:nvSpPr>
-          <p:cNvPr id="8" name="正方形/長方形 7">
-            <a:extLst>
-              <a:ext uri="{FF2B5EF4-FFF2-40B4-BE49-F238E27FC236}">
-                <a16:creationId xmlns:a16="http://schemas.microsoft.com/office/drawing/2014/main" id="{FF465353-E1EF-C304-8E12-A568E25E309F}"/>
+          <p:cNvPr id="57" name="正方形/長方形 56">
+            <a:extLst>
+              <a:ext uri="{FF2B5EF4-FFF2-40B4-BE49-F238E27FC236}">
+                <a16:creationId xmlns:a16="http://schemas.microsoft.com/office/drawing/2014/main" id="{6C1B96E1-030E-8A55-5E63-A7ADDF246FA9}"/>
               </a:ext>
             </a:extLst>
           </p:cNvPr>
@@ -17140,15 +17044,22 @@
         </p:nvSpPr>
         <p:spPr>
           <a:xfrm>
-            <a:off x="1290054" y="2210095"/>
-            <a:ext cx="1721195" cy="495128"/>
+            <a:off x="255797" y="2049235"/>
+            <a:ext cx="4834921" cy="4148487"/>
           </a:xfrm>
           <a:prstGeom prst="rect">
             <a:avLst/>
           </a:prstGeom>
           <a:solidFill>
-            <a:schemeClr val="accent1"/>
+            <a:schemeClr val="accent2">
+              <a:lumMod val="20000"/>
+              <a:lumOff val="80000"/>
+              <a:alpha val="50000"/>
+            </a:schemeClr>
           </a:solidFill>
+          <a:ln>
+            <a:noFill/>
+          </a:ln>
         </p:spPr>
         <p:style>
           <a:lnRef idx="2">
@@ -17171,17 +17082,9 @@
           <a:lstStyle/>
           <a:p>
             <a:pPr algn="ctr"/>
-            <a:r>
-              <a:rPr kumimoji="1" lang="ja-JP" altLang="en-US" dirty="0">
-                <a:solidFill>
-                  <a:schemeClr val="bg1"/>
-                </a:solidFill>
-              </a:rPr>
-              <a:t>指揮命令型</a:t>
-            </a:r>
-            <a:endParaRPr kumimoji="1" lang="en-US" altLang="ja-JP" dirty="0">
+            <a:endParaRPr kumimoji="1" lang="ja-JP" altLang="en-US">
               <a:solidFill>
-                <a:schemeClr val="bg1"/>
+                <a:schemeClr val="tx1"/>
               </a:solidFill>
             </a:endParaRPr>
           </a:p>
@@ -17189,10 +17092,10 @@
       </p:sp>
       <p:sp>
         <p:nvSpPr>
-          <p:cNvPr id="10" name="正方形/長方形 9">
-            <a:extLst>
-              <a:ext uri="{FF2B5EF4-FFF2-40B4-BE49-F238E27FC236}">
-                <a16:creationId xmlns:a16="http://schemas.microsoft.com/office/drawing/2014/main" id="{970B3671-CFF4-04BF-91DC-F3F0C38F63B6}"/>
+          <p:cNvPr id="54" name="四角形: 角を丸くする 53">
+            <a:extLst>
+              <a:ext uri="{FF2B5EF4-FFF2-40B4-BE49-F238E27FC236}">
+                <a16:creationId xmlns:a16="http://schemas.microsoft.com/office/drawing/2014/main" id="{99A69533-5A5D-292F-A103-5541A2F5F939}"/>
               </a:ext>
             </a:extLst>
           </p:cNvPr>
@@ -17201,14 +17104,14 @@
         </p:nvSpPr>
         <p:spPr>
           <a:xfrm>
-            <a:off x="3956604" y="2210095"/>
-            <a:ext cx="1721195" cy="495128"/>
-          </a:xfrm>
-          <a:prstGeom prst="rect">
+            <a:off x="509719" y="2506112"/>
+            <a:ext cx="4136032" cy="1053447"/>
+          </a:xfrm>
+          <a:prstGeom prst="roundRect">
             <a:avLst/>
           </a:prstGeom>
           <a:solidFill>
-            <a:schemeClr val="accent1"/>
+            <a:schemeClr val="bg1"/>
           </a:solidFill>
         </p:spPr>
         <p:style>
@@ -17232,17 +17135,9 @@
           <a:lstStyle/>
           <a:p>
             <a:pPr algn="ctr"/>
-            <a:r>
-              <a:rPr kumimoji="1" lang="ja-JP" altLang="en-US" dirty="0">
-                <a:solidFill>
-                  <a:schemeClr val="bg1"/>
-                </a:solidFill>
-              </a:rPr>
-              <a:t>要請承認型</a:t>
-            </a:r>
-            <a:endParaRPr kumimoji="1" lang="en-US" altLang="ja-JP" dirty="0">
+            <a:endParaRPr kumimoji="1" lang="ja-JP" altLang="en-US">
               <a:solidFill>
-                <a:schemeClr val="bg1"/>
+                <a:schemeClr val="tx1"/>
               </a:solidFill>
             </a:endParaRPr>
           </a:p>
@@ -17250,10 +17145,10 @@
       </p:sp>
       <p:sp>
         <p:nvSpPr>
-          <p:cNvPr id="11" name="正方形/長方形 10">
-            <a:extLst>
-              <a:ext uri="{FF2B5EF4-FFF2-40B4-BE49-F238E27FC236}">
-                <a16:creationId xmlns:a16="http://schemas.microsoft.com/office/drawing/2014/main" id="{D91900A9-F231-65A4-5433-DED0D3F46D39}"/>
+          <p:cNvPr id="59" name="正方形/長方形 58">
+            <a:extLst>
+              <a:ext uri="{FF2B5EF4-FFF2-40B4-BE49-F238E27FC236}">
+                <a16:creationId xmlns:a16="http://schemas.microsoft.com/office/drawing/2014/main" id="{8FB930EB-A0B3-7E09-E9E9-41C2C63F9B05}"/>
               </a:ext>
             </a:extLst>
           </p:cNvPr>
@@ -17262,15 +17157,21 @@
         </p:nvSpPr>
         <p:spPr>
           <a:xfrm>
-            <a:off x="6623154" y="2210095"/>
-            <a:ext cx="1721195" cy="495128"/>
+            <a:off x="5562547" y="4390708"/>
+            <a:ext cx="6380846" cy="1807013"/>
           </a:xfrm>
           <a:prstGeom prst="rect">
             <a:avLst/>
           </a:prstGeom>
           <a:solidFill>
-            <a:schemeClr val="accent1"/>
+            <a:schemeClr val="accent3">
+              <a:lumMod val="20000"/>
+              <a:lumOff val="80000"/>
+            </a:schemeClr>
           </a:solidFill>
+          <a:ln>
+            <a:noFill/>
+          </a:ln>
         </p:spPr>
         <p:style>
           <a:lnRef idx="2">
@@ -17293,17 +17194,9 @@
           <a:lstStyle/>
           <a:p>
             <a:pPr algn="ctr"/>
-            <a:r>
-              <a:rPr kumimoji="1" lang="ja-JP" altLang="en-US" dirty="0">
-                <a:solidFill>
-                  <a:schemeClr val="bg1"/>
-                </a:solidFill>
-              </a:rPr>
-              <a:t>協力型</a:t>
-            </a:r>
-            <a:endParaRPr kumimoji="1" lang="en-US" altLang="ja-JP" dirty="0">
+            <a:endParaRPr kumimoji="1" lang="ja-JP" altLang="en-US">
               <a:solidFill>
-                <a:schemeClr val="bg1"/>
+                <a:schemeClr val="tx1"/>
               </a:solidFill>
             </a:endParaRPr>
           </a:p>
@@ -17311,10 +17204,10 @@
       </p:sp>
       <p:sp>
         <p:nvSpPr>
-          <p:cNvPr id="12" name="正方形/長方形 11">
-            <a:extLst>
-              <a:ext uri="{FF2B5EF4-FFF2-40B4-BE49-F238E27FC236}">
-                <a16:creationId xmlns:a16="http://schemas.microsoft.com/office/drawing/2014/main" id="{A0E78837-F3C1-0E95-A208-99B7D08838CF}"/>
+          <p:cNvPr id="17" name="四角形: 角を丸くする 16">
+            <a:extLst>
+              <a:ext uri="{FF2B5EF4-FFF2-40B4-BE49-F238E27FC236}">
+                <a16:creationId xmlns:a16="http://schemas.microsoft.com/office/drawing/2014/main" id="{3592C457-8971-1978-1761-A8EEB7BE8AAE}"/>
               </a:ext>
             </a:extLst>
           </p:cNvPr>
@@ -17323,14 +17216,14 @@
         </p:nvSpPr>
         <p:spPr>
           <a:xfrm>
-            <a:off x="9289705" y="2210095"/>
-            <a:ext cx="1721195" cy="495128"/>
-          </a:xfrm>
-          <a:prstGeom prst="rect">
+            <a:off x="5922758" y="4688257"/>
+            <a:ext cx="5684889" cy="976825"/>
+          </a:xfrm>
+          <a:prstGeom prst="roundRect">
             <a:avLst/>
           </a:prstGeom>
           <a:solidFill>
-            <a:schemeClr val="accent1"/>
+            <a:schemeClr val="bg1"/>
           </a:solidFill>
         </p:spPr>
         <p:style>
@@ -17354,17 +17247,9 @@
           <a:lstStyle/>
           <a:p>
             <a:pPr algn="ctr"/>
-            <a:r>
-              <a:rPr kumimoji="1" lang="ja-JP" altLang="en-US" dirty="0">
-                <a:solidFill>
-                  <a:schemeClr val="bg1"/>
-                </a:solidFill>
-              </a:rPr>
-              <a:t>仮想型</a:t>
-            </a:r>
-            <a:endParaRPr kumimoji="1" lang="en-US" altLang="ja-JP" dirty="0">
+            <a:endParaRPr kumimoji="1" lang="ja-JP" altLang="en-US">
               <a:solidFill>
-                <a:schemeClr val="bg1"/>
+                <a:schemeClr val="tx1"/>
               </a:solidFill>
             </a:endParaRPr>
           </a:p>
@@ -17372,215 +17257,33 @@
       </p:sp>
       <p:sp>
         <p:nvSpPr>
-          <p:cNvPr id="13" name="テキスト ボックス 12">
-            <a:extLst>
-              <a:ext uri="{FF2B5EF4-FFF2-40B4-BE49-F238E27FC236}">
-                <a16:creationId xmlns:a16="http://schemas.microsoft.com/office/drawing/2014/main" id="{4BD18824-88BA-05CD-8EFA-670C2AB4B899}"/>
-              </a:ext>
-            </a:extLst>
-          </p:cNvPr>
-          <p:cNvSpPr txBox="1"/>
-          <p:nvPr/>
-        </p:nvSpPr>
-        <p:spPr>
-          <a:xfrm>
-            <a:off x="1615729" y="2710346"/>
-            <a:ext cx="1069841" cy="338554"/>
+          <p:cNvPr id="8" name="正方形/長方形 7">
+            <a:extLst>
+              <a:ext uri="{FF2B5EF4-FFF2-40B4-BE49-F238E27FC236}">
+                <a16:creationId xmlns:a16="http://schemas.microsoft.com/office/drawing/2014/main" id="{4F9DCC26-0CA5-AF4A-0996-082D515A3ABB}"/>
+              </a:ext>
+            </a:extLst>
+          </p:cNvPr>
+          <p:cNvSpPr/>
+          <p:nvPr/>
+        </p:nvSpPr>
+        <p:spPr>
+          <a:xfrm>
+            <a:off x="5568769" y="2049235"/>
+            <a:ext cx="6374624" cy="1959147"/>
           </a:xfrm>
           <a:prstGeom prst="rect">
             <a:avLst/>
           </a:prstGeom>
-          <a:noFill/>
-        </p:spPr>
-        <p:txBody>
-          <a:bodyPr wrap="square" rtlCol="0">
-            <a:spAutoFit/>
-          </a:bodyPr>
-          <a:lstStyle/>
-          <a:p>
-            <a:pPr algn="ctr"/>
-            <a:r>
-              <a:rPr kumimoji="1" lang="ja-JP" altLang="en-US" sz="1600" dirty="0"/>
-              <a:t>トップダウン</a:t>
-            </a:r>
-          </a:p>
-        </p:txBody>
-      </p:sp>
-      <p:sp>
-        <p:nvSpPr>
-          <p:cNvPr id="15" name="テキスト ボックス 14">
-            <a:extLst>
-              <a:ext uri="{FF2B5EF4-FFF2-40B4-BE49-F238E27FC236}">
-                <a16:creationId xmlns:a16="http://schemas.microsoft.com/office/drawing/2014/main" id="{C4C642D7-AE98-5223-65CF-E73C94CB248D}"/>
-              </a:ext>
-            </a:extLst>
-          </p:cNvPr>
-          <p:cNvSpPr txBox="1"/>
-          <p:nvPr/>
-        </p:nvSpPr>
-        <p:spPr>
-          <a:xfrm>
-            <a:off x="6789697" y="2710346"/>
-            <a:ext cx="1388109" cy="338554"/>
-          </a:xfrm>
-          <a:prstGeom prst="rect">
-            <a:avLst/>
-          </a:prstGeom>
-          <a:noFill/>
-        </p:spPr>
-        <p:txBody>
-          <a:bodyPr wrap="square" rtlCol="0">
-            <a:spAutoFit/>
-          </a:bodyPr>
-          <a:lstStyle/>
-          <a:p>
-            <a:pPr algn="ctr"/>
-            <a:r>
-              <a:rPr kumimoji="1" lang="ja-JP" altLang="en-US" sz="1600" dirty="0"/>
-              <a:t>誘導・組織化</a:t>
-            </a:r>
-          </a:p>
-        </p:txBody>
-      </p:sp>
-      <p:sp>
-        <p:nvSpPr>
-          <p:cNvPr id="16" name="テキスト ボックス 15">
-            <a:extLst>
-              <a:ext uri="{FF2B5EF4-FFF2-40B4-BE49-F238E27FC236}">
-                <a16:creationId xmlns:a16="http://schemas.microsoft.com/office/drawing/2014/main" id="{6C5038E9-0CD2-AF46-44CC-82B956AC8DF2}"/>
-              </a:ext>
-            </a:extLst>
-          </p:cNvPr>
-          <p:cNvSpPr txBox="1"/>
-          <p:nvPr/>
-        </p:nvSpPr>
-        <p:spPr>
-          <a:xfrm>
-            <a:off x="9615382" y="2710346"/>
-            <a:ext cx="1069841" cy="338554"/>
-          </a:xfrm>
-          <a:prstGeom prst="rect">
-            <a:avLst/>
-          </a:prstGeom>
-          <a:noFill/>
-        </p:spPr>
-        <p:txBody>
-          <a:bodyPr wrap="square" rtlCol="0">
-            <a:spAutoFit/>
-          </a:bodyPr>
-          <a:lstStyle/>
-          <a:p>
-            <a:pPr algn="ctr"/>
-            <a:r>
-              <a:rPr kumimoji="1" lang="ja-JP" altLang="en-US" sz="1600" dirty="0"/>
-              <a:t>創発</a:t>
-            </a:r>
-          </a:p>
-        </p:txBody>
-      </p:sp>
-      <p:sp>
-        <p:nvSpPr>
-          <p:cNvPr id="23" name="テキスト ボックス 22">
-            <a:extLst>
-              <a:ext uri="{FF2B5EF4-FFF2-40B4-BE49-F238E27FC236}">
-                <a16:creationId xmlns:a16="http://schemas.microsoft.com/office/drawing/2014/main" id="{DDDB03D9-10A9-B1A1-9A6B-0332523F03AE}"/>
-              </a:ext>
-            </a:extLst>
-          </p:cNvPr>
-          <p:cNvSpPr txBox="1"/>
-          <p:nvPr/>
-        </p:nvSpPr>
-        <p:spPr>
-          <a:xfrm>
-            <a:off x="300148" y="1688743"/>
-            <a:ext cx="884166" cy="338554"/>
-          </a:xfrm>
-          <a:prstGeom prst="rect">
-            <a:avLst/>
-          </a:prstGeom>
-          <a:noFill/>
-        </p:spPr>
-        <p:txBody>
-          <a:bodyPr wrap="square" rtlCol="0">
-            <a:spAutoFit/>
-          </a:bodyPr>
-          <a:lstStyle/>
-          <a:p>
-            <a:pPr algn="ctr"/>
-            <a:r>
-              <a:rPr kumimoji="1" lang="ja-JP" altLang="en-US" sz="1600" b="1" dirty="0">
-                <a:solidFill>
-                  <a:schemeClr val="accent3"/>
-                </a:solidFill>
-              </a:rPr>
-              <a:t>従属的</a:t>
-            </a:r>
-          </a:p>
-        </p:txBody>
-      </p:sp>
-      <p:sp>
-        <p:nvSpPr>
-          <p:cNvPr id="19" name="テキスト ボックス 18">
-            <a:extLst>
-              <a:ext uri="{FF2B5EF4-FFF2-40B4-BE49-F238E27FC236}">
-                <a16:creationId xmlns:a16="http://schemas.microsoft.com/office/drawing/2014/main" id="{32171D14-DFC8-B23F-7712-F39ADC47F39D}"/>
-              </a:ext>
-            </a:extLst>
-          </p:cNvPr>
-          <p:cNvSpPr txBox="1"/>
-          <p:nvPr/>
-        </p:nvSpPr>
-        <p:spPr>
-          <a:xfrm>
-            <a:off x="11056579" y="1688743"/>
-            <a:ext cx="884166" cy="338554"/>
-          </a:xfrm>
-          <a:prstGeom prst="rect">
-            <a:avLst/>
-          </a:prstGeom>
-          <a:noFill/>
-        </p:spPr>
-        <p:txBody>
-          <a:bodyPr wrap="square" rtlCol="0">
-            <a:spAutoFit/>
-          </a:bodyPr>
-          <a:lstStyle/>
-          <a:p>
-            <a:pPr algn="ctr"/>
-            <a:r>
-              <a:rPr kumimoji="1" lang="ja-JP" altLang="en-US" sz="1600" b="1" dirty="0">
-                <a:solidFill>
-                  <a:schemeClr val="accent3"/>
-                </a:solidFill>
-              </a:rPr>
-              <a:t>独立的</a:t>
-            </a:r>
-          </a:p>
-        </p:txBody>
-      </p:sp>
-      <p:sp>
-        <p:nvSpPr>
-          <p:cNvPr id="4" name="正方形/長方形 3">
-            <a:extLst>
-              <a:ext uri="{FF2B5EF4-FFF2-40B4-BE49-F238E27FC236}">
-                <a16:creationId xmlns:a16="http://schemas.microsoft.com/office/drawing/2014/main" id="{9DB58101-1640-2409-832F-380625C65D50}"/>
-              </a:ext>
-            </a:extLst>
-          </p:cNvPr>
-          <p:cNvSpPr/>
-          <p:nvPr/>
-        </p:nvSpPr>
-        <p:spPr>
-          <a:xfrm rot="5400000">
-            <a:off x="5886780" y="-3002403"/>
-            <a:ext cx="527394" cy="9720847"/>
-          </a:xfrm>
-          <a:prstGeom prst="rect">
-            <a:avLst/>
-          </a:prstGeom>
           <a:solidFill>
-            <a:schemeClr val="accent1"/>
+            <a:schemeClr val="accent4">
+              <a:lumMod val="20000"/>
+              <a:lumOff val="80000"/>
+            </a:schemeClr>
           </a:solidFill>
+          <a:ln>
+            <a:noFill/>
+          </a:ln>
         </p:spPr>
         <p:style>
           <a:lnRef idx="2">
@@ -17599,35 +17302,182 @@
           </a:fontRef>
         </p:style>
         <p:txBody>
-          <a:bodyPr vert="vert270" rtlCol="0" anchor="ctr"/>
+          <a:bodyPr rtlCol="0" anchor="ctr"/>
           <a:lstStyle/>
           <a:p>
             <a:pPr algn="ctr"/>
-            <a:r>
-              <a:rPr kumimoji="1" lang="en-US" altLang="ja-JP" b="1" dirty="0">
-                <a:solidFill>
-                  <a:schemeClr val="bg1"/>
-                </a:solidFill>
-              </a:rPr>
+            <a:endParaRPr kumimoji="1" lang="ja-JP" altLang="en-US">
+              <a:solidFill>
+                <a:schemeClr val="tx1"/>
+              </a:solidFill>
+            </a:endParaRPr>
+          </a:p>
+        </p:txBody>
+      </p:sp>
+      <p:sp>
+        <p:nvSpPr>
+          <p:cNvPr id="13" name="四角形: 角を丸くする 12">
+            <a:extLst>
+              <a:ext uri="{FF2B5EF4-FFF2-40B4-BE49-F238E27FC236}">
+                <a16:creationId xmlns:a16="http://schemas.microsoft.com/office/drawing/2014/main" id="{5D50FB3C-6093-E2BA-EBD4-A202B3A64602}"/>
+              </a:ext>
+            </a:extLst>
+          </p:cNvPr>
+          <p:cNvSpPr/>
+          <p:nvPr/>
+        </p:nvSpPr>
+        <p:spPr>
+          <a:xfrm>
+            <a:off x="5922759" y="2691158"/>
+            <a:ext cx="5684889" cy="976825"/>
+          </a:xfrm>
+          <a:prstGeom prst="roundRect">
+            <a:avLst/>
+          </a:prstGeom>
+          <a:solidFill>
+            <a:schemeClr val="bg1"/>
+          </a:solidFill>
+        </p:spPr>
+        <p:style>
+          <a:lnRef idx="2">
+            <a:schemeClr val="accent1">
+              <a:shade val="50000"/>
+            </a:schemeClr>
+          </a:lnRef>
+          <a:fillRef idx="1">
+            <a:schemeClr val="accent1"/>
+          </a:fillRef>
+          <a:effectRef idx="0">
+            <a:schemeClr val="accent1"/>
+          </a:effectRef>
+          <a:fontRef idx="minor">
+            <a:schemeClr val="lt1"/>
+          </a:fontRef>
+        </p:style>
+        <p:txBody>
+          <a:bodyPr rtlCol="0" anchor="ctr"/>
+          <a:lstStyle/>
+          <a:p>
+            <a:pPr algn="ctr"/>
+            <a:endParaRPr kumimoji="1" lang="ja-JP" altLang="en-US">
+              <a:solidFill>
+                <a:schemeClr val="tx1"/>
+              </a:solidFill>
+            </a:endParaRPr>
+          </a:p>
+        </p:txBody>
+      </p:sp>
+      <p:sp>
+        <p:nvSpPr>
+          <p:cNvPr id="5" name="タイトル 4">
+            <a:extLst>
+              <a:ext uri="{FF2B5EF4-FFF2-40B4-BE49-F238E27FC236}">
+                <a16:creationId xmlns:a16="http://schemas.microsoft.com/office/drawing/2014/main" id="{560C5BD5-1532-4087-ACF7-85710DC69FAA}"/>
+              </a:ext>
+            </a:extLst>
+          </p:cNvPr>
+          <p:cNvSpPr>
+            <a:spLocks noGrp="1"/>
+          </p:cNvSpPr>
+          <p:nvPr>
+            <p:ph type="title"/>
+          </p:nvPr>
+        </p:nvSpPr>
+        <p:spPr/>
+        <p:txBody>
+          <a:bodyPr/>
+          <a:lstStyle/>
+          <a:p>
+            <a:r>
+              <a:rPr lang="en-US" altLang="ja-JP" dirty="0"/>
               <a:t>SoS</a:t>
             </a:r>
             <a:r>
-              <a:rPr kumimoji="1" lang="ja-JP" altLang="en-US" b="1" dirty="0">
-                <a:solidFill>
-                  <a:schemeClr val="bg1"/>
-                </a:solidFill>
-              </a:rPr>
-              <a:t>における協調のタイプ</a:t>
-            </a:r>
-          </a:p>
-        </p:txBody>
-      </p:sp>
-      <p:sp>
-        <p:nvSpPr>
-          <p:cNvPr id="2" name="テキスト ボックス 1">
-            <a:extLst>
-              <a:ext uri="{FF2B5EF4-FFF2-40B4-BE49-F238E27FC236}">
-                <a16:creationId xmlns:a16="http://schemas.microsoft.com/office/drawing/2014/main" id="{E1F785C2-D33F-4373-87BD-CC24645659E1}"/>
+              <a:rPr lang="ja-JP" altLang="en-US" dirty="0"/>
+              <a:t>の事例：鉄道の相互直通運転の運行管理</a:t>
+            </a:r>
+            <a:endParaRPr lang="en-US" dirty="0"/>
+          </a:p>
+        </p:txBody>
+      </p:sp>
+      <p:sp>
+        <p:nvSpPr>
+          <p:cNvPr id="3" name="スライド番号プレースホルダー 2">
+            <a:extLst>
+              <a:ext uri="{FF2B5EF4-FFF2-40B4-BE49-F238E27FC236}">
+                <a16:creationId xmlns:a16="http://schemas.microsoft.com/office/drawing/2014/main" id="{ED23190D-575C-49DE-8293-87C3C1C8D779}"/>
+              </a:ext>
+            </a:extLst>
+          </p:cNvPr>
+          <p:cNvSpPr>
+            <a:spLocks noGrp="1"/>
+          </p:cNvSpPr>
+          <p:nvPr>
+            <p:ph type="sldNum" sz="quarter" idx="10"/>
+          </p:nvPr>
+        </p:nvSpPr>
+        <p:spPr/>
+        <p:txBody>
+          <a:bodyPr/>
+          <a:lstStyle/>
+          <a:p>
+            <a:fld id="{584EAAFE-CFE5-40AD-8E95-5BFF290DC5CF}" type="slidenum">
+              <a:rPr kumimoji="1" lang="ja-JP" altLang="en-US" smtClean="0"/>
+              <a:pPr/>
+              <a:t>12</a:t>
+            </a:fld>
+            <a:endParaRPr kumimoji="1" lang="ja-JP" altLang="en-US"/>
+          </a:p>
+        </p:txBody>
+      </p:sp>
+      <p:sp>
+        <p:nvSpPr>
+          <p:cNvPr id="9" name="テキスト プレースホルダー 8">
+            <a:extLst>
+              <a:ext uri="{FF2B5EF4-FFF2-40B4-BE49-F238E27FC236}">
+                <a16:creationId xmlns:a16="http://schemas.microsoft.com/office/drawing/2014/main" id="{A809889B-886C-09D3-E0E0-05C8C4A3F3EE}"/>
+              </a:ext>
+            </a:extLst>
+          </p:cNvPr>
+          <p:cNvSpPr>
+            <a:spLocks noGrp="1"/>
+          </p:cNvSpPr>
+          <p:nvPr>
+            <p:ph type="body" sz="quarter" idx="11"/>
+          </p:nvPr>
+        </p:nvSpPr>
+        <p:spPr>
+          <a:xfrm>
+            <a:off x="517055" y="867260"/>
+            <a:ext cx="11341887" cy="627550"/>
+          </a:xfrm>
+        </p:spPr>
+        <p:txBody>
+          <a:bodyPr/>
+          <a:lstStyle/>
+          <a:p>
+            <a:r>
+              <a:rPr lang="ja-JP" altLang="en-US" dirty="0"/>
+              <a:t>ターミナル駅の乗換混雑緩和や速達性向上のために、事業者間、需給間で連携する。</a:t>
+            </a:r>
+            <a:endParaRPr lang="en-US" altLang="ja-JP" dirty="0"/>
+          </a:p>
+          <a:p>
+            <a:pPr lvl="1"/>
+            <a:r>
+              <a:rPr lang="ja-JP" altLang="en-US" dirty="0"/>
+              <a:t>他社の車両を借りて、自社の運転士が自社路線を運転</a:t>
+            </a:r>
+            <a:endParaRPr lang="en-US" altLang="ja-JP" dirty="0"/>
+          </a:p>
+        </p:txBody>
+      </p:sp>
+      <p:sp>
+        <p:nvSpPr>
+          <p:cNvPr id="58" name="テキスト ボックス 57">
+            <a:extLst>
+              <a:ext uri="{FF2B5EF4-FFF2-40B4-BE49-F238E27FC236}">
+                <a16:creationId xmlns:a16="http://schemas.microsoft.com/office/drawing/2014/main" id="{71E1EF27-EE25-E981-0C1E-929CF2348F31}"/>
               </a:ext>
             </a:extLst>
           </p:cNvPr>
@@ -17636,8 +17486,8 @@
         </p:nvSpPr>
         <p:spPr>
           <a:xfrm>
-            <a:off x="4182484" y="3287289"/>
-            <a:ext cx="1269434" cy="338554"/>
+            <a:off x="198225" y="1767829"/>
+            <a:ext cx="1174189" cy="338554"/>
           </a:xfrm>
           <a:prstGeom prst="rect">
             <a:avLst/>
@@ -17652,18 +17502,94 @@
           <a:p>
             <a:pPr algn="ctr"/>
             <a:r>
-              <a:rPr kumimoji="1" lang="ja-JP" altLang="en-US" sz="1600" dirty="0"/>
-              <a:t>電力システム</a:t>
-            </a:r>
-          </a:p>
-        </p:txBody>
-      </p:sp>
-      <p:sp>
-        <p:nvSpPr>
-          <p:cNvPr id="6" name="テキスト ボックス 5">
-            <a:extLst>
-              <a:ext uri="{FF2B5EF4-FFF2-40B4-BE49-F238E27FC236}">
-                <a16:creationId xmlns:a16="http://schemas.microsoft.com/office/drawing/2014/main" id="{2293C6AD-50D5-FC3D-4ADD-8E318CB8E6DD}"/>
+              <a:rPr kumimoji="1" lang="ja-JP" altLang="en-US" sz="1600" b="1" dirty="0">
+                <a:solidFill>
+                  <a:schemeClr val="accent2"/>
+                </a:solidFill>
+              </a:rPr>
+              <a:t>鉄道路線</a:t>
+            </a:r>
+          </a:p>
+        </p:txBody>
+      </p:sp>
+      <p:pic>
+        <p:nvPicPr>
+          <p:cNvPr id="60" name="グラフィックス 59" descr="建物 単色塗りつぶし">
+            <a:extLst>
+              <a:ext uri="{FF2B5EF4-FFF2-40B4-BE49-F238E27FC236}">
+                <a16:creationId xmlns:a16="http://schemas.microsoft.com/office/drawing/2014/main" id="{3F134911-628A-350B-EFFF-2846E8AF6DC3}"/>
+              </a:ext>
+            </a:extLst>
+          </p:cNvPr>
+          <p:cNvPicPr>
+            <a:picLocks noChangeAspect="1"/>
+          </p:cNvPicPr>
+          <p:nvPr/>
+        </p:nvPicPr>
+        <p:blipFill>
+          <a:blip r:embed="rId2">
+            <a:extLst>
+              <a:ext uri="{96DAC541-7B7A-43D3-8B79-37D633B846F1}">
+                <asvg:svgBlip xmlns:asvg="http://schemas.microsoft.com/office/drawing/2016/SVG/main" r:embed="rId3"/>
+              </a:ext>
+            </a:extLst>
+          </a:blip>
+          <a:stretch>
+            <a:fillRect/>
+          </a:stretch>
+        </p:blipFill>
+        <p:spPr>
+          <a:xfrm>
+            <a:off x="8457291" y="2956172"/>
+            <a:ext cx="603387" cy="603387"/>
+          </a:xfrm>
+          <a:prstGeom prst="rect">
+            <a:avLst/>
+          </a:prstGeom>
+        </p:spPr>
+      </p:pic>
+      <p:pic>
+        <p:nvPicPr>
+          <p:cNvPr id="61" name="グラフィックス 60" descr="建物 単色塗りつぶし">
+            <a:extLst>
+              <a:ext uri="{FF2B5EF4-FFF2-40B4-BE49-F238E27FC236}">
+                <a16:creationId xmlns:a16="http://schemas.microsoft.com/office/drawing/2014/main" id="{EA5FA4A0-4A19-37F8-C93F-B1E2DCC3E824}"/>
+              </a:ext>
+            </a:extLst>
+          </p:cNvPr>
+          <p:cNvPicPr>
+            <a:picLocks noChangeAspect="1"/>
+          </p:cNvPicPr>
+          <p:nvPr/>
+        </p:nvPicPr>
+        <p:blipFill>
+          <a:blip r:embed="rId4">
+            <a:extLst>
+              <a:ext uri="{96DAC541-7B7A-43D3-8B79-37D633B846F1}">
+                <asvg:svgBlip xmlns:asvg="http://schemas.microsoft.com/office/drawing/2016/SVG/main" r:embed="rId5"/>
+              </a:ext>
+            </a:extLst>
+          </a:blip>
+          <a:stretch>
+            <a:fillRect/>
+          </a:stretch>
+        </p:blipFill>
+        <p:spPr>
+          <a:xfrm>
+            <a:off x="6577599" y="2956172"/>
+            <a:ext cx="603387" cy="603387"/>
+          </a:xfrm>
+          <a:prstGeom prst="rect">
+            <a:avLst/>
+          </a:prstGeom>
+        </p:spPr>
+      </p:pic>
+      <p:sp>
+        <p:nvSpPr>
+          <p:cNvPr id="62" name="テキスト ボックス 61">
+            <a:extLst>
+              <a:ext uri="{FF2B5EF4-FFF2-40B4-BE49-F238E27FC236}">
+                <a16:creationId xmlns:a16="http://schemas.microsoft.com/office/drawing/2014/main" id="{E920C0A7-C5F0-8FED-61EF-51BFE22E1812}"/>
               </a:ext>
             </a:extLst>
           </p:cNvPr>
@@ -17672,8 +17598,8 @@
         </p:nvSpPr>
         <p:spPr>
           <a:xfrm>
-            <a:off x="3860443" y="3738726"/>
-            <a:ext cx="1913516" cy="338554"/>
+            <a:off x="6155914" y="2052918"/>
+            <a:ext cx="1474332" cy="307777"/>
           </a:xfrm>
           <a:prstGeom prst="rect">
             <a:avLst/>
@@ -17688,16 +17614,1747 @@
           <a:p>
             <a:pPr algn="ctr"/>
             <a:r>
-              <a:rPr kumimoji="1" lang="ja-JP" altLang="en-US" sz="1600" dirty="0"/>
-              <a:t>鉄道相互直通運転</a:t>
-            </a:r>
+              <a:rPr kumimoji="1" lang="ja-JP" altLang="en-US" sz="1400" dirty="0"/>
+              <a:t>鉄道事業者</a:t>
+            </a:r>
+            <a:r>
+              <a:rPr kumimoji="1" lang="en-US" altLang="ja-JP" sz="1400" dirty="0"/>
+              <a:t>A</a:t>
+            </a:r>
+            <a:endParaRPr kumimoji="1" lang="ja-JP" altLang="en-US" sz="1400" dirty="0"/>
+          </a:p>
+        </p:txBody>
+      </p:sp>
+      <p:sp>
+        <p:nvSpPr>
+          <p:cNvPr id="63" name="テキスト ボックス 62">
+            <a:extLst>
+              <a:ext uri="{FF2B5EF4-FFF2-40B4-BE49-F238E27FC236}">
+                <a16:creationId xmlns:a16="http://schemas.microsoft.com/office/drawing/2014/main" id="{26B36083-3B4D-9449-1F37-B790E6B315C6}"/>
+              </a:ext>
+            </a:extLst>
+          </p:cNvPr>
+          <p:cNvSpPr txBox="1"/>
+          <p:nvPr/>
+        </p:nvSpPr>
+        <p:spPr>
+          <a:xfrm>
+            <a:off x="8028741" y="2052918"/>
+            <a:ext cx="1474332" cy="307777"/>
+          </a:xfrm>
+          <a:prstGeom prst="rect">
+            <a:avLst/>
+          </a:prstGeom>
+          <a:noFill/>
+        </p:spPr>
+        <p:txBody>
+          <a:bodyPr wrap="square" rtlCol="0">
+            <a:spAutoFit/>
+          </a:bodyPr>
+          <a:lstStyle/>
+          <a:p>
+            <a:pPr algn="ctr"/>
+            <a:r>
+              <a:rPr kumimoji="1" lang="ja-JP" altLang="en-US" sz="1400" dirty="0"/>
+              <a:t>鉄道事業者</a:t>
+            </a:r>
+            <a:r>
+              <a:rPr kumimoji="1" lang="en-US" altLang="ja-JP" sz="1400" dirty="0"/>
+              <a:t>B</a:t>
+            </a:r>
+            <a:endParaRPr kumimoji="1" lang="ja-JP" altLang="en-US" sz="1400" dirty="0"/>
+          </a:p>
+        </p:txBody>
+      </p:sp>
+      <p:sp>
+        <p:nvSpPr>
+          <p:cNvPr id="65" name="テキスト ボックス 64">
+            <a:extLst>
+              <a:ext uri="{FF2B5EF4-FFF2-40B4-BE49-F238E27FC236}">
+                <a16:creationId xmlns:a16="http://schemas.microsoft.com/office/drawing/2014/main" id="{2FF0BDF9-7DD2-6AFA-89F9-A11AC2C74EC1}"/>
+              </a:ext>
+            </a:extLst>
+          </p:cNvPr>
+          <p:cNvSpPr txBox="1"/>
+          <p:nvPr/>
+        </p:nvSpPr>
+        <p:spPr>
+          <a:xfrm>
+            <a:off x="5504009" y="4052155"/>
+            <a:ext cx="1340087" cy="338554"/>
+          </a:xfrm>
+          <a:prstGeom prst="rect">
+            <a:avLst/>
+          </a:prstGeom>
+          <a:noFill/>
+        </p:spPr>
+        <p:txBody>
+          <a:bodyPr wrap="square" rtlCol="0">
+            <a:spAutoFit/>
+          </a:bodyPr>
+          <a:lstStyle/>
+          <a:p>
+            <a:pPr algn="ctr"/>
+            <a:r>
+              <a:rPr kumimoji="1" lang="ja-JP" altLang="en-US" sz="1600" b="1" dirty="0">
+                <a:solidFill>
+                  <a:schemeClr val="accent3"/>
+                </a:solidFill>
+              </a:rPr>
+              <a:t>支払システム</a:t>
+            </a:r>
+          </a:p>
+        </p:txBody>
+      </p:sp>
+      <p:sp>
+        <p:nvSpPr>
+          <p:cNvPr id="67" name="テキスト ボックス 66">
+            <a:extLst>
+              <a:ext uri="{FF2B5EF4-FFF2-40B4-BE49-F238E27FC236}">
+                <a16:creationId xmlns:a16="http://schemas.microsoft.com/office/drawing/2014/main" id="{E05A221D-E779-94FF-19F0-6FE3A5AF060E}"/>
+              </a:ext>
+            </a:extLst>
+          </p:cNvPr>
+          <p:cNvSpPr txBox="1"/>
+          <p:nvPr/>
+        </p:nvSpPr>
+        <p:spPr>
+          <a:xfrm>
+            <a:off x="7634716" y="5758181"/>
+            <a:ext cx="2238837" cy="307777"/>
+          </a:xfrm>
+          <a:prstGeom prst="rect">
+            <a:avLst/>
+          </a:prstGeom>
+          <a:noFill/>
+        </p:spPr>
+        <p:txBody>
+          <a:bodyPr wrap="square" rtlCol="0">
+            <a:spAutoFit/>
+          </a:bodyPr>
+          <a:lstStyle/>
+          <a:p>
+            <a:r>
+              <a:rPr kumimoji="1" lang="ja-JP" altLang="en-US" sz="1400" b="1" dirty="0"/>
+              <a:t>車両賃貸料金の均等化／</a:t>
+            </a:r>
+          </a:p>
+        </p:txBody>
+      </p:sp>
+      <p:sp>
+        <p:nvSpPr>
+          <p:cNvPr id="68" name="テキスト ボックス 67">
+            <a:extLst>
+              <a:ext uri="{FF2B5EF4-FFF2-40B4-BE49-F238E27FC236}">
+                <a16:creationId xmlns:a16="http://schemas.microsoft.com/office/drawing/2014/main" id="{C0212523-F1B5-CB2F-20BF-F555B8B9173E}"/>
+              </a:ext>
+            </a:extLst>
+          </p:cNvPr>
+          <p:cNvSpPr txBox="1"/>
+          <p:nvPr/>
+        </p:nvSpPr>
+        <p:spPr>
+          <a:xfrm>
+            <a:off x="7643859" y="5961658"/>
+            <a:ext cx="1828668" cy="307777"/>
+          </a:xfrm>
+          <a:prstGeom prst="rect">
+            <a:avLst/>
+          </a:prstGeom>
+          <a:noFill/>
+        </p:spPr>
+        <p:txBody>
+          <a:bodyPr wrap="square" rtlCol="0">
+            <a:spAutoFit/>
+          </a:bodyPr>
+          <a:lstStyle/>
+          <a:p>
+            <a:r>
+              <a:rPr kumimoji="1" lang="ja-JP" altLang="en-US" sz="1400" b="1" dirty="0"/>
+              <a:t>運賃収入の分配</a:t>
+            </a:r>
+          </a:p>
+        </p:txBody>
+      </p:sp>
+      <p:sp>
+        <p:nvSpPr>
+          <p:cNvPr id="69" name="テキスト ボックス 68">
+            <a:extLst>
+              <a:ext uri="{FF2B5EF4-FFF2-40B4-BE49-F238E27FC236}">
+                <a16:creationId xmlns:a16="http://schemas.microsoft.com/office/drawing/2014/main" id="{9F3E59FB-173E-9CD9-588B-C8D1E342E4DB}"/>
+              </a:ext>
+            </a:extLst>
+          </p:cNvPr>
+          <p:cNvSpPr txBox="1"/>
+          <p:nvPr/>
+        </p:nvSpPr>
+        <p:spPr>
+          <a:xfrm>
+            <a:off x="6831094" y="4286448"/>
+            <a:ext cx="1676503" cy="307777"/>
+          </a:xfrm>
+          <a:prstGeom prst="rect">
+            <a:avLst/>
+          </a:prstGeom>
+          <a:noFill/>
+        </p:spPr>
+        <p:txBody>
+          <a:bodyPr wrap="square" rtlCol="0">
+            <a:spAutoFit/>
+          </a:bodyPr>
+          <a:lstStyle/>
+          <a:p>
+            <a:pPr algn="ctr"/>
+            <a:r>
+              <a:rPr kumimoji="1" lang="ja-JP" altLang="en-US" sz="1400" dirty="0"/>
+              <a:t>運転距離／乗客数</a:t>
+            </a:r>
+          </a:p>
+        </p:txBody>
+      </p:sp>
+      <p:sp>
+        <p:nvSpPr>
+          <p:cNvPr id="70" name="テキスト ボックス 69">
+            <a:extLst>
+              <a:ext uri="{FF2B5EF4-FFF2-40B4-BE49-F238E27FC236}">
+                <a16:creationId xmlns:a16="http://schemas.microsoft.com/office/drawing/2014/main" id="{5FED4584-4BD4-6116-90E2-269F63DD3BD0}"/>
+              </a:ext>
+            </a:extLst>
+          </p:cNvPr>
+          <p:cNvSpPr txBox="1"/>
+          <p:nvPr/>
+        </p:nvSpPr>
+        <p:spPr>
+          <a:xfrm>
+            <a:off x="6782067" y="2682821"/>
+            <a:ext cx="2028568" cy="307777"/>
+          </a:xfrm>
+          <a:prstGeom prst="rect">
+            <a:avLst/>
+          </a:prstGeom>
+          <a:noFill/>
+        </p:spPr>
+        <p:txBody>
+          <a:bodyPr wrap="square" rtlCol="0">
+            <a:spAutoFit/>
+          </a:bodyPr>
+          <a:lstStyle/>
+          <a:p>
+            <a:pPr algn="ctr"/>
+            <a:r>
+              <a:rPr kumimoji="1" lang="ja-JP" altLang="en-US" sz="1400" dirty="0"/>
+              <a:t>直通区間のダイヤ改正</a:t>
+            </a:r>
+          </a:p>
+        </p:txBody>
+      </p:sp>
+      <p:cxnSp>
+        <p:nvCxnSpPr>
+          <p:cNvPr id="80" name="直線矢印コネクタ 79">
+            <a:extLst>
+              <a:ext uri="{FF2B5EF4-FFF2-40B4-BE49-F238E27FC236}">
+                <a16:creationId xmlns:a16="http://schemas.microsoft.com/office/drawing/2014/main" id="{A7DFCE4E-314B-1C68-E20D-312B322A7B6E}"/>
+              </a:ext>
+            </a:extLst>
+          </p:cNvPr>
+          <p:cNvCxnSpPr>
+            <a:cxnSpLocks/>
+          </p:cNvCxnSpPr>
+          <p:nvPr/>
+        </p:nvCxnSpPr>
+        <p:spPr>
+          <a:xfrm>
+            <a:off x="3144449" y="2464113"/>
+            <a:ext cx="0" cy="598423"/>
+          </a:xfrm>
+          <a:prstGeom prst="straightConnector1">
+            <a:avLst/>
+          </a:prstGeom>
+          <a:ln>
+            <a:solidFill>
+              <a:schemeClr val="tx1"/>
+            </a:solidFill>
+            <a:headEnd type="triangle"/>
+            <a:tailEnd type="triangle"/>
+          </a:ln>
+        </p:spPr>
+        <p:style>
+          <a:lnRef idx="1">
+            <a:schemeClr val="accent1"/>
+          </a:lnRef>
+          <a:fillRef idx="0">
+            <a:schemeClr val="accent1"/>
+          </a:fillRef>
+          <a:effectRef idx="0">
+            <a:schemeClr val="accent1"/>
+          </a:effectRef>
+          <a:fontRef idx="minor">
+            <a:schemeClr val="tx1"/>
+          </a:fontRef>
+        </p:style>
+      </p:cxnSp>
+      <p:pic>
+        <p:nvPicPr>
+          <p:cNvPr id="82" name="グラフィックス 81" descr="建物 単色塗りつぶし">
+            <a:extLst>
+              <a:ext uri="{FF2B5EF4-FFF2-40B4-BE49-F238E27FC236}">
+                <a16:creationId xmlns:a16="http://schemas.microsoft.com/office/drawing/2014/main" id="{3FAFC5C5-5198-3902-81BB-953FCF5A3C12}"/>
+              </a:ext>
+            </a:extLst>
+          </p:cNvPr>
+          <p:cNvPicPr>
+            <a:picLocks noChangeAspect="1"/>
+          </p:cNvPicPr>
+          <p:nvPr/>
+        </p:nvPicPr>
+        <p:blipFill>
+          <a:blip r:embed="rId6">
+            <a:extLst>
+              <a:ext uri="{96DAC541-7B7A-43D3-8B79-37D633B846F1}">
+                <asvg:svgBlip xmlns:asvg="http://schemas.microsoft.com/office/drawing/2016/SVG/main" r:embed="rId7"/>
+              </a:ext>
+            </a:extLst>
+          </a:blip>
+          <a:stretch>
+            <a:fillRect/>
+          </a:stretch>
+        </p:blipFill>
+        <p:spPr>
+          <a:xfrm>
+            <a:off x="10336982" y="2956172"/>
+            <a:ext cx="603387" cy="603387"/>
+          </a:xfrm>
+          <a:prstGeom prst="rect">
+            <a:avLst/>
+          </a:prstGeom>
+        </p:spPr>
+      </p:pic>
+      <p:sp>
+        <p:nvSpPr>
+          <p:cNvPr id="83" name="テキスト ボックス 82">
+            <a:extLst>
+              <a:ext uri="{FF2B5EF4-FFF2-40B4-BE49-F238E27FC236}">
+                <a16:creationId xmlns:a16="http://schemas.microsoft.com/office/drawing/2014/main" id="{5BE868F3-117A-6E03-71D0-EA1FA5C79262}"/>
+              </a:ext>
+            </a:extLst>
+          </p:cNvPr>
+          <p:cNvSpPr txBox="1"/>
+          <p:nvPr/>
+        </p:nvSpPr>
+        <p:spPr>
+          <a:xfrm>
+            <a:off x="9905779" y="2052918"/>
+            <a:ext cx="1474332" cy="307777"/>
+          </a:xfrm>
+          <a:prstGeom prst="rect">
+            <a:avLst/>
+          </a:prstGeom>
+          <a:noFill/>
+        </p:spPr>
+        <p:txBody>
+          <a:bodyPr wrap="square" rtlCol="0">
+            <a:spAutoFit/>
+          </a:bodyPr>
+          <a:lstStyle/>
+          <a:p>
+            <a:pPr algn="ctr"/>
+            <a:r>
+              <a:rPr kumimoji="1" lang="ja-JP" altLang="en-US" sz="1400" dirty="0"/>
+              <a:t>鉄道事業者</a:t>
+            </a:r>
+            <a:r>
+              <a:rPr kumimoji="1" lang="en-US" altLang="ja-JP" sz="1400" dirty="0"/>
+              <a:t>C</a:t>
+            </a:r>
+            <a:endParaRPr kumimoji="1" lang="ja-JP" altLang="en-US" sz="1400" dirty="0"/>
+          </a:p>
+        </p:txBody>
+      </p:sp>
+      <p:cxnSp>
+        <p:nvCxnSpPr>
+          <p:cNvPr id="105" name="直線矢印コネクタ 104">
+            <a:extLst>
+              <a:ext uri="{FF2B5EF4-FFF2-40B4-BE49-F238E27FC236}">
+                <a16:creationId xmlns:a16="http://schemas.microsoft.com/office/drawing/2014/main" id="{9B7652EB-5CD1-02AE-EFD2-7BF19ED2583E}"/>
+              </a:ext>
+            </a:extLst>
+          </p:cNvPr>
+          <p:cNvCxnSpPr/>
+          <p:nvPr/>
+        </p:nvCxnSpPr>
+        <p:spPr>
+          <a:xfrm>
+            <a:off x="7272631" y="5150173"/>
+            <a:ext cx="1041317" cy="0"/>
+          </a:xfrm>
+          <a:prstGeom prst="straightConnector1">
+            <a:avLst/>
+          </a:prstGeom>
+          <a:ln w="28575">
+            <a:solidFill>
+              <a:schemeClr val="accent3"/>
+            </a:solidFill>
+            <a:headEnd type="triangle"/>
+            <a:tailEnd type="triangle"/>
+          </a:ln>
+        </p:spPr>
+        <p:style>
+          <a:lnRef idx="1">
+            <a:schemeClr val="accent1"/>
+          </a:lnRef>
+          <a:fillRef idx="0">
+            <a:schemeClr val="accent1"/>
+          </a:fillRef>
+          <a:effectRef idx="0">
+            <a:schemeClr val="accent1"/>
+          </a:effectRef>
+          <a:fontRef idx="minor">
+            <a:schemeClr val="tx1"/>
+          </a:fontRef>
+        </p:style>
+      </p:cxnSp>
+      <p:cxnSp>
+        <p:nvCxnSpPr>
+          <p:cNvPr id="106" name="直線矢印コネクタ 105">
+            <a:extLst>
+              <a:ext uri="{FF2B5EF4-FFF2-40B4-BE49-F238E27FC236}">
+                <a16:creationId xmlns:a16="http://schemas.microsoft.com/office/drawing/2014/main" id="{C5A39E06-6B59-94F1-4384-7A56CF1C7211}"/>
+              </a:ext>
+            </a:extLst>
+          </p:cNvPr>
+          <p:cNvCxnSpPr/>
+          <p:nvPr/>
+        </p:nvCxnSpPr>
+        <p:spPr>
+          <a:xfrm>
+            <a:off x="9187057" y="5143510"/>
+            <a:ext cx="1041317" cy="0"/>
+          </a:xfrm>
+          <a:prstGeom prst="straightConnector1">
+            <a:avLst/>
+          </a:prstGeom>
+          <a:ln w="28575">
+            <a:solidFill>
+              <a:schemeClr val="accent3"/>
+            </a:solidFill>
+            <a:headEnd type="triangle"/>
+            <a:tailEnd type="triangle"/>
+          </a:ln>
+        </p:spPr>
+        <p:style>
+          <a:lnRef idx="1">
+            <a:schemeClr val="accent1"/>
+          </a:lnRef>
+          <a:fillRef idx="0">
+            <a:schemeClr val="accent1"/>
+          </a:fillRef>
+          <a:effectRef idx="0">
+            <a:schemeClr val="accent1"/>
+          </a:effectRef>
+          <a:fontRef idx="minor">
+            <a:schemeClr val="tx1"/>
+          </a:fontRef>
+        </p:style>
+      </p:cxnSp>
+      <p:pic>
+        <p:nvPicPr>
+          <p:cNvPr id="107" name="グラフィックス 106" descr="硬貨 単色塗りつぶし">
+            <a:extLst>
+              <a:ext uri="{FF2B5EF4-FFF2-40B4-BE49-F238E27FC236}">
+                <a16:creationId xmlns:a16="http://schemas.microsoft.com/office/drawing/2014/main" id="{C20B339A-E009-2D3E-BCCB-A9136630C3E4}"/>
+              </a:ext>
+            </a:extLst>
+          </p:cNvPr>
+          <p:cNvPicPr>
+            <a:picLocks noChangeAspect="1"/>
+          </p:cNvPicPr>
+          <p:nvPr/>
+        </p:nvPicPr>
+        <p:blipFill>
+          <a:blip r:embed="rId8">
+            <a:extLst>
+              <a:ext uri="{96DAC541-7B7A-43D3-8B79-37D633B846F1}">
+                <asvg:svgBlip xmlns:asvg="http://schemas.microsoft.com/office/drawing/2016/SVG/main" r:embed="rId9"/>
+              </a:ext>
+            </a:extLst>
+          </a:blip>
+          <a:stretch>
+            <a:fillRect/>
+          </a:stretch>
+        </p:blipFill>
+        <p:spPr>
+          <a:xfrm>
+            <a:off x="7655029" y="5223022"/>
+            <a:ext cx="323974" cy="323974"/>
+          </a:xfrm>
+          <a:prstGeom prst="rect">
+            <a:avLst/>
+          </a:prstGeom>
+        </p:spPr>
+      </p:pic>
+      <p:pic>
+        <p:nvPicPr>
+          <p:cNvPr id="108" name="グラフィックス 107" descr="硬貨 単色塗りつぶし">
+            <a:extLst>
+              <a:ext uri="{FF2B5EF4-FFF2-40B4-BE49-F238E27FC236}">
+                <a16:creationId xmlns:a16="http://schemas.microsoft.com/office/drawing/2014/main" id="{C566C3A0-8E4D-0F74-1BF2-070A6BCDAC0B}"/>
+              </a:ext>
+            </a:extLst>
+          </p:cNvPr>
+          <p:cNvPicPr>
+            <a:picLocks noChangeAspect="1"/>
+          </p:cNvPicPr>
+          <p:nvPr/>
+        </p:nvPicPr>
+        <p:blipFill>
+          <a:blip r:embed="rId8">
+            <a:extLst>
+              <a:ext uri="{96DAC541-7B7A-43D3-8B79-37D633B846F1}">
+                <asvg:svgBlip xmlns:asvg="http://schemas.microsoft.com/office/drawing/2016/SVG/main" r:embed="rId9"/>
+              </a:ext>
+            </a:extLst>
+          </a:blip>
+          <a:stretch>
+            <a:fillRect/>
+          </a:stretch>
+        </p:blipFill>
+        <p:spPr>
+          <a:xfrm>
+            <a:off x="9522498" y="5223022"/>
+            <a:ext cx="323974" cy="323974"/>
+          </a:xfrm>
+          <a:prstGeom prst="rect">
+            <a:avLst/>
+          </a:prstGeom>
+        </p:spPr>
+      </p:pic>
+      <p:sp>
+        <p:nvSpPr>
+          <p:cNvPr id="111" name="矢印: 左右 110">
+            <a:extLst>
+              <a:ext uri="{FF2B5EF4-FFF2-40B4-BE49-F238E27FC236}">
+                <a16:creationId xmlns:a16="http://schemas.microsoft.com/office/drawing/2014/main" id="{398A17E0-7D5E-B368-D3E3-F186AC3EA1EC}"/>
+              </a:ext>
+            </a:extLst>
+          </p:cNvPr>
+          <p:cNvSpPr/>
+          <p:nvPr/>
+        </p:nvSpPr>
+        <p:spPr>
+          <a:xfrm>
+            <a:off x="3320846" y="2585308"/>
+            <a:ext cx="1214511" cy="169277"/>
+          </a:xfrm>
+          <a:prstGeom prst="leftRightArrow">
+            <a:avLst/>
+          </a:prstGeom>
+          <a:solidFill>
+            <a:schemeClr val="bg1"/>
+          </a:solidFill>
+        </p:spPr>
+        <p:style>
+          <a:lnRef idx="2">
+            <a:schemeClr val="accent1">
+              <a:shade val="50000"/>
+            </a:schemeClr>
+          </a:lnRef>
+          <a:fillRef idx="1">
+            <a:schemeClr val="accent1"/>
+          </a:fillRef>
+          <a:effectRef idx="0">
+            <a:schemeClr val="accent1"/>
+          </a:effectRef>
+          <a:fontRef idx="minor">
+            <a:schemeClr val="lt1"/>
+          </a:fontRef>
+        </p:style>
+        <p:txBody>
+          <a:bodyPr rtlCol="0" anchor="ctr"/>
+          <a:lstStyle/>
+          <a:p>
+            <a:pPr algn="ctr"/>
+            <a:endParaRPr kumimoji="1" lang="ja-JP" altLang="en-US">
+              <a:solidFill>
+                <a:schemeClr val="tx1"/>
+              </a:solidFill>
+            </a:endParaRPr>
+          </a:p>
+        </p:txBody>
+      </p:sp>
+      <p:grpSp>
+        <p:nvGrpSpPr>
+          <p:cNvPr id="7" name="グループ化 6">
+            <a:extLst>
+              <a:ext uri="{FF2B5EF4-FFF2-40B4-BE49-F238E27FC236}">
+                <a16:creationId xmlns:a16="http://schemas.microsoft.com/office/drawing/2014/main" id="{DBB8F8AE-96F9-A85E-2BE5-6C01942D4B41}"/>
+              </a:ext>
+            </a:extLst>
+          </p:cNvPr>
+          <p:cNvGrpSpPr/>
+          <p:nvPr/>
+        </p:nvGrpSpPr>
+        <p:grpSpPr>
+          <a:xfrm>
+            <a:off x="3227107" y="5856750"/>
+            <a:ext cx="1632091" cy="307777"/>
+            <a:chOff x="2255361" y="1760593"/>
+            <a:chExt cx="1632091" cy="307777"/>
+          </a:xfrm>
+        </p:grpSpPr>
+        <p:sp>
+          <p:nvSpPr>
+            <p:cNvPr id="31" name="テキスト ボックス 30">
+              <a:extLst>
+                <a:ext uri="{FF2B5EF4-FFF2-40B4-BE49-F238E27FC236}">
+                  <a16:creationId xmlns:a16="http://schemas.microsoft.com/office/drawing/2014/main" id="{4D69640A-C646-286A-4B75-4C84BFB29280}"/>
+                </a:ext>
+              </a:extLst>
+            </p:cNvPr>
+            <p:cNvSpPr txBox="1"/>
+            <p:nvPr/>
+          </p:nvSpPr>
+          <p:spPr>
+            <a:xfrm>
+              <a:off x="2617339" y="1760593"/>
+              <a:ext cx="1270113" cy="307777"/>
+            </a:xfrm>
+            <a:prstGeom prst="rect">
+              <a:avLst/>
+            </a:prstGeom>
+            <a:noFill/>
+          </p:spPr>
+          <p:txBody>
+            <a:bodyPr wrap="square" rtlCol="0">
+              <a:spAutoFit/>
+            </a:bodyPr>
+            <a:lstStyle/>
+            <a:p>
+              <a:pPr algn="ctr"/>
+              <a:r>
+                <a:rPr kumimoji="1" lang="ja-JP" altLang="en-US" sz="1400" dirty="0"/>
+                <a:t>相互直通区間</a:t>
+              </a:r>
+            </a:p>
+          </p:txBody>
+        </p:sp>
+        <p:cxnSp>
+          <p:nvCxnSpPr>
+            <p:cNvPr id="112" name="直線矢印コネクタ 111">
+              <a:extLst>
+                <a:ext uri="{FF2B5EF4-FFF2-40B4-BE49-F238E27FC236}">
+                  <a16:creationId xmlns:a16="http://schemas.microsoft.com/office/drawing/2014/main" id="{FA8E287D-040F-255C-05F2-C2DC2C2759BA}"/>
+                </a:ext>
+              </a:extLst>
+            </p:cNvPr>
+            <p:cNvCxnSpPr>
+              <a:cxnSpLocks/>
+            </p:cNvCxnSpPr>
+            <p:nvPr/>
+          </p:nvCxnSpPr>
+          <p:spPr>
+            <a:xfrm flipH="1">
+              <a:off x="2255361" y="1899350"/>
+              <a:ext cx="361349" cy="0"/>
+            </a:xfrm>
+            <a:prstGeom prst="straightConnector1">
+              <a:avLst/>
+            </a:prstGeom>
+            <a:ln>
+              <a:solidFill>
+                <a:schemeClr val="tx1"/>
+              </a:solidFill>
+              <a:headEnd type="triangle"/>
+              <a:tailEnd type="triangle"/>
+            </a:ln>
+          </p:spPr>
+          <p:style>
+            <a:lnRef idx="1">
+              <a:schemeClr val="accent1"/>
+            </a:lnRef>
+            <a:fillRef idx="0">
+              <a:schemeClr val="accent1"/>
+            </a:fillRef>
+            <a:effectRef idx="0">
+              <a:schemeClr val="accent1"/>
+            </a:effectRef>
+            <a:fontRef idx="minor">
+              <a:schemeClr val="tx1"/>
+            </a:fontRef>
+          </p:style>
+        </p:cxnSp>
+      </p:grpSp>
+      <p:sp>
+        <p:nvSpPr>
+          <p:cNvPr id="115" name="テキスト ボックス 114">
+            <a:extLst>
+              <a:ext uri="{FF2B5EF4-FFF2-40B4-BE49-F238E27FC236}">
+                <a16:creationId xmlns:a16="http://schemas.microsoft.com/office/drawing/2014/main" id="{84B304C7-63D9-400E-AB30-4767EAA5C6DD}"/>
+              </a:ext>
+            </a:extLst>
+          </p:cNvPr>
+          <p:cNvSpPr txBox="1"/>
+          <p:nvPr/>
+        </p:nvSpPr>
+        <p:spPr>
+          <a:xfrm>
+            <a:off x="3246715" y="2246138"/>
+            <a:ext cx="1354189" cy="307777"/>
+          </a:xfrm>
+          <a:prstGeom prst="rect">
+            <a:avLst/>
+          </a:prstGeom>
+          <a:noFill/>
+        </p:spPr>
+        <p:txBody>
+          <a:bodyPr wrap="square" rtlCol="0">
+            <a:spAutoFit/>
+          </a:bodyPr>
+          <a:lstStyle/>
+          <a:p>
+            <a:pPr algn="ctr"/>
+            <a:r>
+              <a:rPr kumimoji="1" lang="ja-JP" altLang="en-US" sz="1400" b="1" dirty="0"/>
+              <a:t>乗客の分散</a:t>
+            </a:r>
+          </a:p>
+        </p:txBody>
+      </p:sp>
+      <p:sp>
+        <p:nvSpPr>
+          <p:cNvPr id="159" name="テキスト ボックス 158">
+            <a:extLst>
+              <a:ext uri="{FF2B5EF4-FFF2-40B4-BE49-F238E27FC236}">
+                <a16:creationId xmlns:a16="http://schemas.microsoft.com/office/drawing/2014/main" id="{6B9EFE85-ED2E-9CE7-B245-4F2E0B9DC73E}"/>
+              </a:ext>
+            </a:extLst>
+          </p:cNvPr>
+          <p:cNvSpPr txBox="1"/>
+          <p:nvPr/>
+        </p:nvSpPr>
+        <p:spPr>
+          <a:xfrm>
+            <a:off x="10653302" y="731220"/>
+            <a:ext cx="1573190" cy="276999"/>
+          </a:xfrm>
+          <a:prstGeom prst="rect">
+            <a:avLst/>
+          </a:prstGeom>
+          <a:noFill/>
+        </p:spPr>
+        <p:txBody>
+          <a:bodyPr wrap="square" rtlCol="0">
+            <a:spAutoFit/>
+          </a:bodyPr>
+          <a:lstStyle/>
+          <a:p>
+            <a:pPr algn="ctr"/>
+            <a:r>
+              <a:rPr kumimoji="1" lang="ja-JP" altLang="en-US" sz="1200" dirty="0"/>
+              <a:t>下図は、熊谷が作成</a:t>
+            </a:r>
+          </a:p>
+        </p:txBody>
+      </p:sp>
+      <p:sp>
+        <p:nvSpPr>
+          <p:cNvPr id="12" name="テキスト ボックス 11">
+            <a:extLst>
+              <a:ext uri="{FF2B5EF4-FFF2-40B4-BE49-F238E27FC236}">
+                <a16:creationId xmlns:a16="http://schemas.microsoft.com/office/drawing/2014/main" id="{6BE533E5-8D54-4A2A-B022-7AB748D03758}"/>
+              </a:ext>
+            </a:extLst>
+          </p:cNvPr>
+          <p:cNvSpPr txBox="1"/>
+          <p:nvPr/>
+        </p:nvSpPr>
+        <p:spPr>
+          <a:xfrm>
+            <a:off x="5490216" y="1732372"/>
+            <a:ext cx="1758696" cy="338554"/>
+          </a:xfrm>
+          <a:prstGeom prst="rect">
+            <a:avLst/>
+          </a:prstGeom>
+          <a:noFill/>
+        </p:spPr>
+        <p:txBody>
+          <a:bodyPr wrap="square" rtlCol="0">
+            <a:spAutoFit/>
+          </a:bodyPr>
+          <a:lstStyle/>
+          <a:p>
+            <a:pPr algn="ctr"/>
+            <a:r>
+              <a:rPr kumimoji="1" lang="ja-JP" altLang="en-US" sz="1600" b="1" dirty="0">
+                <a:solidFill>
+                  <a:schemeClr val="accent4"/>
+                </a:solidFill>
+              </a:rPr>
+              <a:t>運行管理システム</a:t>
+            </a:r>
+          </a:p>
+        </p:txBody>
+      </p:sp>
+      <p:pic>
+        <p:nvPicPr>
+          <p:cNvPr id="19" name="グラフィックス 18" descr="建物 単色塗りつぶし">
+            <a:extLst>
+              <a:ext uri="{FF2B5EF4-FFF2-40B4-BE49-F238E27FC236}">
+                <a16:creationId xmlns:a16="http://schemas.microsoft.com/office/drawing/2014/main" id="{323A3FD9-04D7-CEEF-CF98-0863952E982E}"/>
+              </a:ext>
+            </a:extLst>
+          </p:cNvPr>
+          <p:cNvPicPr>
+            <a:picLocks noChangeAspect="1"/>
+          </p:cNvPicPr>
+          <p:nvPr/>
+        </p:nvPicPr>
+        <p:blipFill>
+          <a:blip r:embed="rId2">
+            <a:extLst>
+              <a:ext uri="{96DAC541-7B7A-43D3-8B79-37D633B846F1}">
+                <asvg:svgBlip xmlns:asvg="http://schemas.microsoft.com/office/drawing/2016/SVG/main" r:embed="rId3"/>
+              </a:ext>
+            </a:extLst>
+          </a:blip>
+          <a:stretch>
+            <a:fillRect/>
+          </a:stretch>
+        </p:blipFill>
+        <p:spPr>
+          <a:xfrm>
+            <a:off x="8457291" y="4905544"/>
+            <a:ext cx="603387" cy="603387"/>
+          </a:xfrm>
+          <a:prstGeom prst="rect">
+            <a:avLst/>
+          </a:prstGeom>
+        </p:spPr>
+      </p:pic>
+      <p:pic>
+        <p:nvPicPr>
+          <p:cNvPr id="20" name="グラフィックス 19" descr="建物 単色塗りつぶし">
+            <a:extLst>
+              <a:ext uri="{FF2B5EF4-FFF2-40B4-BE49-F238E27FC236}">
+                <a16:creationId xmlns:a16="http://schemas.microsoft.com/office/drawing/2014/main" id="{E6348732-911F-30ED-0A3A-B5D12F0F11B7}"/>
+              </a:ext>
+            </a:extLst>
+          </p:cNvPr>
+          <p:cNvPicPr>
+            <a:picLocks noChangeAspect="1"/>
+          </p:cNvPicPr>
+          <p:nvPr/>
+        </p:nvPicPr>
+        <p:blipFill>
+          <a:blip r:embed="rId4">
+            <a:extLst>
+              <a:ext uri="{96DAC541-7B7A-43D3-8B79-37D633B846F1}">
+                <asvg:svgBlip xmlns:asvg="http://schemas.microsoft.com/office/drawing/2016/SVG/main" r:embed="rId5"/>
+              </a:ext>
+            </a:extLst>
+          </a:blip>
+          <a:stretch>
+            <a:fillRect/>
+          </a:stretch>
+        </p:blipFill>
+        <p:spPr>
+          <a:xfrm>
+            <a:off x="6577599" y="4905544"/>
+            <a:ext cx="603387" cy="603387"/>
+          </a:xfrm>
+          <a:prstGeom prst="rect">
+            <a:avLst/>
+          </a:prstGeom>
+        </p:spPr>
+      </p:pic>
+      <p:pic>
+        <p:nvPicPr>
+          <p:cNvPr id="21" name="グラフィックス 20" descr="建物 単色塗りつぶし">
+            <a:extLst>
+              <a:ext uri="{FF2B5EF4-FFF2-40B4-BE49-F238E27FC236}">
+                <a16:creationId xmlns:a16="http://schemas.microsoft.com/office/drawing/2014/main" id="{6609D167-68FA-4339-18C2-4C99321D491F}"/>
+              </a:ext>
+            </a:extLst>
+          </p:cNvPr>
+          <p:cNvPicPr>
+            <a:picLocks noChangeAspect="1"/>
+          </p:cNvPicPr>
+          <p:nvPr/>
+        </p:nvPicPr>
+        <p:blipFill>
+          <a:blip r:embed="rId6">
+            <a:extLst>
+              <a:ext uri="{96DAC541-7B7A-43D3-8B79-37D633B846F1}">
+                <asvg:svgBlip xmlns:asvg="http://schemas.microsoft.com/office/drawing/2016/SVG/main" r:embed="rId7"/>
+              </a:ext>
+            </a:extLst>
+          </a:blip>
+          <a:stretch>
+            <a:fillRect/>
+          </a:stretch>
+        </p:blipFill>
+        <p:spPr>
+          <a:xfrm>
+            <a:off x="10336982" y="4905544"/>
+            <a:ext cx="603387" cy="603387"/>
+          </a:xfrm>
+          <a:prstGeom prst="rect">
+            <a:avLst/>
+          </a:prstGeom>
+        </p:spPr>
+      </p:pic>
+      <p:sp>
+        <p:nvSpPr>
+          <p:cNvPr id="22" name="四角形: 角を丸くする 21">
+            <a:extLst>
+              <a:ext uri="{FF2B5EF4-FFF2-40B4-BE49-F238E27FC236}">
+                <a16:creationId xmlns:a16="http://schemas.microsoft.com/office/drawing/2014/main" id="{552CAD3D-2134-3DEB-9776-7912A57B2629}"/>
+              </a:ext>
+            </a:extLst>
+          </p:cNvPr>
+          <p:cNvSpPr/>
+          <p:nvPr/>
+        </p:nvSpPr>
+        <p:spPr>
+          <a:xfrm>
+            <a:off x="6184416" y="2356799"/>
+            <a:ext cx="1420379" cy="3437483"/>
+          </a:xfrm>
+          <a:prstGeom prst="roundRect">
+            <a:avLst/>
+          </a:prstGeom>
+          <a:noFill/>
+          <a:ln>
+            <a:prstDash val="dash"/>
+          </a:ln>
+        </p:spPr>
+        <p:style>
+          <a:lnRef idx="2">
+            <a:schemeClr val="accent1">
+              <a:shade val="50000"/>
+            </a:schemeClr>
+          </a:lnRef>
+          <a:fillRef idx="1">
+            <a:schemeClr val="accent1"/>
+          </a:fillRef>
+          <a:effectRef idx="0">
+            <a:schemeClr val="accent1"/>
+          </a:effectRef>
+          <a:fontRef idx="minor">
+            <a:schemeClr val="lt1"/>
+          </a:fontRef>
+        </p:style>
+        <p:txBody>
+          <a:bodyPr rtlCol="0" anchor="ctr"/>
+          <a:lstStyle/>
+          <a:p>
+            <a:pPr algn="ctr"/>
+            <a:endParaRPr kumimoji="1" lang="ja-JP" altLang="en-US">
+              <a:solidFill>
+                <a:schemeClr val="tx1"/>
+              </a:solidFill>
+            </a:endParaRPr>
+          </a:p>
+        </p:txBody>
+      </p:sp>
+      <p:sp>
+        <p:nvSpPr>
+          <p:cNvPr id="24" name="四角形: 角を丸くする 23">
+            <a:extLst>
+              <a:ext uri="{FF2B5EF4-FFF2-40B4-BE49-F238E27FC236}">
+                <a16:creationId xmlns:a16="http://schemas.microsoft.com/office/drawing/2014/main" id="{1B6A3B9F-BFA3-C789-2022-1C6EA07C02D9}"/>
+              </a:ext>
+            </a:extLst>
+          </p:cNvPr>
+          <p:cNvSpPr/>
+          <p:nvPr/>
+        </p:nvSpPr>
+        <p:spPr>
+          <a:xfrm>
+            <a:off x="8043759" y="2356799"/>
+            <a:ext cx="1420379" cy="3437483"/>
+          </a:xfrm>
+          <a:prstGeom prst="roundRect">
+            <a:avLst/>
+          </a:prstGeom>
+          <a:noFill/>
+          <a:ln>
+            <a:prstDash val="dash"/>
+          </a:ln>
+        </p:spPr>
+        <p:style>
+          <a:lnRef idx="2">
+            <a:schemeClr val="accent1">
+              <a:shade val="50000"/>
+            </a:schemeClr>
+          </a:lnRef>
+          <a:fillRef idx="1">
+            <a:schemeClr val="accent1"/>
+          </a:fillRef>
+          <a:effectRef idx="0">
+            <a:schemeClr val="accent1"/>
+          </a:effectRef>
+          <a:fontRef idx="minor">
+            <a:schemeClr val="lt1"/>
+          </a:fontRef>
+        </p:style>
+        <p:txBody>
+          <a:bodyPr rtlCol="0" anchor="ctr"/>
+          <a:lstStyle/>
+          <a:p>
+            <a:pPr algn="ctr"/>
+            <a:endParaRPr kumimoji="1" lang="ja-JP" altLang="en-US">
+              <a:solidFill>
+                <a:schemeClr val="tx1"/>
+              </a:solidFill>
+            </a:endParaRPr>
+          </a:p>
+        </p:txBody>
+      </p:sp>
+      <p:sp>
+        <p:nvSpPr>
+          <p:cNvPr id="25" name="四角形: 角を丸くする 24">
+            <a:extLst>
+              <a:ext uri="{FF2B5EF4-FFF2-40B4-BE49-F238E27FC236}">
+                <a16:creationId xmlns:a16="http://schemas.microsoft.com/office/drawing/2014/main" id="{68CFCA1B-D832-1FB6-D987-846F663D08CC}"/>
+              </a:ext>
+            </a:extLst>
+          </p:cNvPr>
+          <p:cNvSpPr/>
+          <p:nvPr/>
+        </p:nvSpPr>
+        <p:spPr>
+          <a:xfrm>
+            <a:off x="9903102" y="2356799"/>
+            <a:ext cx="1420379" cy="3437483"/>
+          </a:xfrm>
+          <a:prstGeom prst="roundRect">
+            <a:avLst/>
+          </a:prstGeom>
+          <a:noFill/>
+          <a:ln>
+            <a:prstDash val="dash"/>
+          </a:ln>
+        </p:spPr>
+        <p:style>
+          <a:lnRef idx="2">
+            <a:schemeClr val="accent1">
+              <a:shade val="50000"/>
+            </a:schemeClr>
+          </a:lnRef>
+          <a:fillRef idx="1">
+            <a:schemeClr val="accent1"/>
+          </a:fillRef>
+          <a:effectRef idx="0">
+            <a:schemeClr val="accent1"/>
+          </a:effectRef>
+          <a:fontRef idx="minor">
+            <a:schemeClr val="lt1"/>
+          </a:fontRef>
+        </p:style>
+        <p:txBody>
+          <a:bodyPr rtlCol="0" anchor="ctr"/>
+          <a:lstStyle/>
+          <a:p>
+            <a:pPr algn="ctr"/>
+            <a:endParaRPr kumimoji="1" lang="ja-JP" altLang="en-US">
+              <a:solidFill>
+                <a:schemeClr val="tx1"/>
+              </a:solidFill>
+            </a:endParaRPr>
+          </a:p>
+        </p:txBody>
+      </p:sp>
+      <p:cxnSp>
+        <p:nvCxnSpPr>
+          <p:cNvPr id="27" name="直線矢印コネクタ 26">
+            <a:extLst>
+              <a:ext uri="{FF2B5EF4-FFF2-40B4-BE49-F238E27FC236}">
+                <a16:creationId xmlns:a16="http://schemas.microsoft.com/office/drawing/2014/main" id="{BB120AB9-6AD1-E3EF-9EF3-B41ED599B84C}"/>
+              </a:ext>
+            </a:extLst>
+          </p:cNvPr>
+          <p:cNvCxnSpPr>
+            <a:cxnSpLocks/>
+            <a:stCxn id="61" idx="2"/>
+            <a:endCxn id="20" idx="0"/>
+          </p:cNvCxnSpPr>
+          <p:nvPr/>
+        </p:nvCxnSpPr>
+        <p:spPr>
+          <a:xfrm>
+            <a:off x="6879293" y="3559559"/>
+            <a:ext cx="0" cy="1345985"/>
+          </a:xfrm>
+          <a:prstGeom prst="straightConnector1">
+            <a:avLst/>
+          </a:prstGeom>
+          <a:ln w="38100">
+            <a:solidFill>
+              <a:schemeClr val="accent4"/>
+            </a:solidFill>
+            <a:headEnd type="none" w="med" len="med"/>
+            <a:tailEnd type="triangle"/>
+          </a:ln>
+        </p:spPr>
+        <p:style>
+          <a:lnRef idx="1">
+            <a:schemeClr val="accent1"/>
+          </a:lnRef>
+          <a:fillRef idx="0">
+            <a:schemeClr val="accent1"/>
+          </a:fillRef>
+          <a:effectRef idx="0">
+            <a:schemeClr val="accent1"/>
+          </a:effectRef>
+          <a:fontRef idx="minor">
+            <a:schemeClr val="tx1"/>
+          </a:fontRef>
+        </p:style>
+      </p:cxnSp>
+      <p:cxnSp>
+        <p:nvCxnSpPr>
+          <p:cNvPr id="35" name="直線矢印コネクタ 34">
+            <a:extLst>
+              <a:ext uri="{FF2B5EF4-FFF2-40B4-BE49-F238E27FC236}">
+                <a16:creationId xmlns:a16="http://schemas.microsoft.com/office/drawing/2014/main" id="{D624D294-11EA-2CDA-6206-B56E28A98A1A}"/>
+              </a:ext>
+            </a:extLst>
+          </p:cNvPr>
+          <p:cNvCxnSpPr>
+            <a:cxnSpLocks/>
+            <a:stCxn id="60" idx="2"/>
+            <a:endCxn id="19" idx="0"/>
+          </p:cNvCxnSpPr>
+          <p:nvPr/>
+        </p:nvCxnSpPr>
+        <p:spPr>
+          <a:xfrm>
+            <a:off x="8758985" y="3559559"/>
+            <a:ext cx="0" cy="1345985"/>
+          </a:xfrm>
+          <a:prstGeom prst="straightConnector1">
+            <a:avLst/>
+          </a:prstGeom>
+          <a:ln w="38100">
+            <a:solidFill>
+              <a:schemeClr val="accent4"/>
+            </a:solidFill>
+            <a:headEnd type="none" w="med" len="med"/>
+            <a:tailEnd type="triangle"/>
+          </a:ln>
+        </p:spPr>
+        <p:style>
+          <a:lnRef idx="1">
+            <a:schemeClr val="accent1"/>
+          </a:lnRef>
+          <a:fillRef idx="0">
+            <a:schemeClr val="accent1"/>
+          </a:fillRef>
+          <a:effectRef idx="0">
+            <a:schemeClr val="accent1"/>
+          </a:effectRef>
+          <a:fontRef idx="minor">
+            <a:schemeClr val="tx1"/>
+          </a:fontRef>
+        </p:style>
+      </p:cxnSp>
+      <p:cxnSp>
+        <p:nvCxnSpPr>
+          <p:cNvPr id="41" name="直線矢印コネクタ 40">
+            <a:extLst>
+              <a:ext uri="{FF2B5EF4-FFF2-40B4-BE49-F238E27FC236}">
+                <a16:creationId xmlns:a16="http://schemas.microsoft.com/office/drawing/2014/main" id="{120C8C82-A675-7FAB-A2A2-6099D6670E02}"/>
+              </a:ext>
+            </a:extLst>
+          </p:cNvPr>
+          <p:cNvCxnSpPr>
+            <a:cxnSpLocks/>
+            <a:stCxn id="82" idx="2"/>
+            <a:endCxn id="21" idx="0"/>
+          </p:cNvCxnSpPr>
+          <p:nvPr/>
+        </p:nvCxnSpPr>
+        <p:spPr>
+          <a:xfrm>
+            <a:off x="10638676" y="3559559"/>
+            <a:ext cx="0" cy="1345985"/>
+          </a:xfrm>
+          <a:prstGeom prst="straightConnector1">
+            <a:avLst/>
+          </a:prstGeom>
+          <a:ln w="38100">
+            <a:solidFill>
+              <a:schemeClr val="accent4"/>
+            </a:solidFill>
+            <a:headEnd type="none" w="med" len="med"/>
+            <a:tailEnd type="triangle"/>
+          </a:ln>
+        </p:spPr>
+        <p:style>
+          <a:lnRef idx="1">
+            <a:schemeClr val="accent1"/>
+          </a:lnRef>
+          <a:fillRef idx="0">
+            <a:schemeClr val="accent1"/>
+          </a:fillRef>
+          <a:effectRef idx="0">
+            <a:schemeClr val="accent1"/>
+          </a:effectRef>
+          <a:fontRef idx="minor">
+            <a:schemeClr val="tx1"/>
+          </a:fontRef>
+        </p:style>
+      </p:cxnSp>
+      <p:sp>
+        <p:nvSpPr>
+          <p:cNvPr id="66" name="矢印: 左右 65">
+            <a:extLst>
+              <a:ext uri="{FF2B5EF4-FFF2-40B4-BE49-F238E27FC236}">
+                <a16:creationId xmlns:a16="http://schemas.microsoft.com/office/drawing/2014/main" id="{BCC34350-BDBA-0388-274B-B55EC55C016D}"/>
+              </a:ext>
+            </a:extLst>
+          </p:cNvPr>
+          <p:cNvSpPr/>
+          <p:nvPr/>
+        </p:nvSpPr>
+        <p:spPr>
+          <a:xfrm>
+            <a:off x="7401982" y="5563358"/>
+            <a:ext cx="2710112" cy="191733"/>
+          </a:xfrm>
+          <a:prstGeom prst="leftRightArrow">
+            <a:avLst/>
+          </a:prstGeom>
+          <a:solidFill>
+            <a:schemeClr val="bg1"/>
+          </a:solidFill>
+        </p:spPr>
+        <p:style>
+          <a:lnRef idx="2">
+            <a:schemeClr val="accent1">
+              <a:shade val="50000"/>
+            </a:schemeClr>
+          </a:lnRef>
+          <a:fillRef idx="1">
+            <a:schemeClr val="accent1"/>
+          </a:fillRef>
+          <a:effectRef idx="0">
+            <a:schemeClr val="accent1"/>
+          </a:effectRef>
+          <a:fontRef idx="minor">
+            <a:schemeClr val="lt1"/>
+          </a:fontRef>
+        </p:style>
+        <p:txBody>
+          <a:bodyPr rtlCol="0" anchor="ctr"/>
+          <a:lstStyle/>
+          <a:p>
+            <a:pPr algn="ctr"/>
+            <a:endParaRPr kumimoji="1" lang="ja-JP" altLang="en-US">
+              <a:solidFill>
+                <a:schemeClr val="tx1"/>
+              </a:solidFill>
+            </a:endParaRPr>
+          </a:p>
+        </p:txBody>
+      </p:sp>
+      <p:cxnSp>
+        <p:nvCxnSpPr>
+          <p:cNvPr id="47" name="直線矢印コネクタ 46">
+            <a:extLst>
+              <a:ext uri="{FF2B5EF4-FFF2-40B4-BE49-F238E27FC236}">
+                <a16:creationId xmlns:a16="http://schemas.microsoft.com/office/drawing/2014/main" id="{A0EB2247-85E9-1F00-D9C3-D6F98B905193}"/>
+              </a:ext>
+            </a:extLst>
+          </p:cNvPr>
+          <p:cNvCxnSpPr/>
+          <p:nvPr/>
+        </p:nvCxnSpPr>
+        <p:spPr>
+          <a:xfrm>
+            <a:off x="7241437" y="3242906"/>
+            <a:ext cx="1041317" cy="0"/>
+          </a:xfrm>
+          <a:prstGeom prst="straightConnector1">
+            <a:avLst/>
+          </a:prstGeom>
+          <a:ln w="28575">
+            <a:solidFill>
+              <a:schemeClr val="accent4"/>
+            </a:solidFill>
+            <a:headEnd type="triangle"/>
+            <a:tailEnd type="triangle"/>
+          </a:ln>
+        </p:spPr>
+        <p:style>
+          <a:lnRef idx="1">
+            <a:schemeClr val="accent1"/>
+          </a:lnRef>
+          <a:fillRef idx="0">
+            <a:schemeClr val="accent1"/>
+          </a:fillRef>
+          <a:effectRef idx="0">
+            <a:schemeClr val="accent1"/>
+          </a:effectRef>
+          <a:fontRef idx="minor">
+            <a:schemeClr val="tx1"/>
+          </a:fontRef>
+        </p:style>
+      </p:cxnSp>
+      <p:cxnSp>
+        <p:nvCxnSpPr>
+          <p:cNvPr id="48" name="直線矢印コネクタ 47">
+            <a:extLst>
+              <a:ext uri="{FF2B5EF4-FFF2-40B4-BE49-F238E27FC236}">
+                <a16:creationId xmlns:a16="http://schemas.microsoft.com/office/drawing/2014/main" id="{A4430EC4-ABD3-4ADC-B514-0E43CC231D78}"/>
+              </a:ext>
+            </a:extLst>
+          </p:cNvPr>
+          <p:cNvCxnSpPr/>
+          <p:nvPr/>
+        </p:nvCxnSpPr>
+        <p:spPr>
+          <a:xfrm>
+            <a:off x="9155863" y="3236243"/>
+            <a:ext cx="1041317" cy="0"/>
+          </a:xfrm>
+          <a:prstGeom prst="straightConnector1">
+            <a:avLst/>
+          </a:prstGeom>
+          <a:ln w="28575">
+            <a:solidFill>
+              <a:schemeClr val="accent4"/>
+            </a:solidFill>
+            <a:headEnd type="triangle"/>
+            <a:tailEnd type="triangle"/>
+          </a:ln>
+        </p:spPr>
+        <p:style>
+          <a:lnRef idx="1">
+            <a:schemeClr val="accent1"/>
+          </a:lnRef>
+          <a:fillRef idx="0">
+            <a:schemeClr val="accent1"/>
+          </a:fillRef>
+          <a:effectRef idx="0">
+            <a:schemeClr val="accent1"/>
+          </a:effectRef>
+          <a:fontRef idx="minor">
+            <a:schemeClr val="tx1"/>
+          </a:fontRef>
+        </p:style>
+      </p:cxnSp>
+      <p:cxnSp>
+        <p:nvCxnSpPr>
+          <p:cNvPr id="49" name="直線矢印コネクタ 48">
+            <a:extLst>
+              <a:ext uri="{FF2B5EF4-FFF2-40B4-BE49-F238E27FC236}">
+                <a16:creationId xmlns:a16="http://schemas.microsoft.com/office/drawing/2014/main" id="{ECF07E5D-CADD-DD86-B2AE-667F2C9E6C9B}"/>
+              </a:ext>
+            </a:extLst>
+          </p:cNvPr>
+          <p:cNvCxnSpPr>
+            <a:cxnSpLocks/>
+            <a:endCxn id="13" idx="1"/>
+          </p:cNvCxnSpPr>
+          <p:nvPr/>
+        </p:nvCxnSpPr>
+        <p:spPr>
+          <a:xfrm>
+            <a:off x="5090718" y="3179571"/>
+            <a:ext cx="832041" cy="0"/>
+          </a:xfrm>
+          <a:prstGeom prst="straightConnector1">
+            <a:avLst/>
+          </a:prstGeom>
+          <a:ln w="38100">
+            <a:solidFill>
+              <a:schemeClr val="accent4"/>
+            </a:solidFill>
+            <a:headEnd type="none" w="med" len="med"/>
+            <a:tailEnd type="triangle"/>
+          </a:ln>
+        </p:spPr>
+        <p:style>
+          <a:lnRef idx="1">
+            <a:schemeClr val="accent1"/>
+          </a:lnRef>
+          <a:fillRef idx="0">
+            <a:schemeClr val="accent1"/>
+          </a:fillRef>
+          <a:effectRef idx="0">
+            <a:schemeClr val="accent1"/>
+          </a:effectRef>
+          <a:fontRef idx="minor">
+            <a:schemeClr val="tx1"/>
+          </a:fontRef>
+        </p:style>
+      </p:cxnSp>
+      <p:cxnSp>
+        <p:nvCxnSpPr>
+          <p:cNvPr id="16" name="直線矢印コネクタ 15">
+            <a:extLst>
+              <a:ext uri="{FF2B5EF4-FFF2-40B4-BE49-F238E27FC236}">
+                <a16:creationId xmlns:a16="http://schemas.microsoft.com/office/drawing/2014/main" id="{1E9D7AB0-7121-4D56-2D94-64F49D3B0218}"/>
+              </a:ext>
+            </a:extLst>
+          </p:cNvPr>
+          <p:cNvCxnSpPr>
+            <a:cxnSpLocks/>
+            <a:endCxn id="17" idx="1"/>
+          </p:cNvCxnSpPr>
+          <p:nvPr/>
+        </p:nvCxnSpPr>
+        <p:spPr>
+          <a:xfrm>
+            <a:off x="5090718" y="5176670"/>
+            <a:ext cx="832040" cy="0"/>
+          </a:xfrm>
+          <a:prstGeom prst="straightConnector1">
+            <a:avLst/>
+          </a:prstGeom>
+          <a:ln w="38100">
+            <a:solidFill>
+              <a:schemeClr val="accent3"/>
+            </a:solidFill>
+            <a:headEnd type="none" w="med" len="med"/>
+            <a:tailEnd type="triangle"/>
+          </a:ln>
+        </p:spPr>
+        <p:style>
+          <a:lnRef idx="1">
+            <a:schemeClr val="accent1"/>
+          </a:lnRef>
+          <a:fillRef idx="0">
+            <a:schemeClr val="accent1"/>
+          </a:fillRef>
+          <a:effectRef idx="0">
+            <a:schemeClr val="accent1"/>
+          </a:effectRef>
+          <a:fontRef idx="minor">
+            <a:schemeClr val="tx1"/>
+          </a:fontRef>
+        </p:style>
+      </p:cxnSp>
+      <p:sp>
+        <p:nvSpPr>
+          <p:cNvPr id="32" name="テキスト ボックス 31">
+            <a:extLst>
+              <a:ext uri="{FF2B5EF4-FFF2-40B4-BE49-F238E27FC236}">
+                <a16:creationId xmlns:a16="http://schemas.microsoft.com/office/drawing/2014/main" id="{5DAA589D-C280-885B-E7E4-B91473847145}"/>
+              </a:ext>
+            </a:extLst>
+          </p:cNvPr>
+          <p:cNvSpPr txBox="1"/>
+          <p:nvPr/>
+        </p:nvSpPr>
+        <p:spPr>
+          <a:xfrm>
+            <a:off x="5154569" y="5319309"/>
+            <a:ext cx="648555" cy="313731"/>
+          </a:xfrm>
+          <a:prstGeom prst="rect">
+            <a:avLst/>
+          </a:prstGeom>
+          <a:noFill/>
+        </p:spPr>
+        <p:txBody>
+          <a:bodyPr wrap="square" rtlCol="0">
+            <a:spAutoFit/>
+          </a:bodyPr>
+          <a:lstStyle/>
+          <a:p>
+            <a:pPr algn="ctr"/>
+            <a:r>
+              <a:rPr kumimoji="1" lang="ja-JP" altLang="en-US" sz="1400" dirty="0"/>
+              <a:t>運賃</a:t>
+            </a:r>
+          </a:p>
+        </p:txBody>
+      </p:sp>
+      <p:sp>
+        <p:nvSpPr>
+          <p:cNvPr id="33" name="テキスト ボックス 32">
+            <a:extLst>
+              <a:ext uri="{FF2B5EF4-FFF2-40B4-BE49-F238E27FC236}">
+                <a16:creationId xmlns:a16="http://schemas.microsoft.com/office/drawing/2014/main" id="{CE2B8AB4-DA17-6BAE-F4FA-FB4FFE676C68}"/>
+              </a:ext>
+            </a:extLst>
+          </p:cNvPr>
+          <p:cNvSpPr txBox="1"/>
+          <p:nvPr/>
+        </p:nvSpPr>
+        <p:spPr>
+          <a:xfrm>
+            <a:off x="4985954" y="2776191"/>
+            <a:ext cx="977625" cy="307777"/>
+          </a:xfrm>
+          <a:prstGeom prst="rect">
+            <a:avLst/>
+          </a:prstGeom>
+          <a:noFill/>
+        </p:spPr>
+        <p:txBody>
+          <a:bodyPr wrap="square" rtlCol="0">
+            <a:spAutoFit/>
+          </a:bodyPr>
+          <a:lstStyle/>
+          <a:p>
+            <a:pPr algn="ctr"/>
+            <a:r>
+              <a:rPr kumimoji="1" lang="ja-JP" altLang="en-US" sz="1400" dirty="0"/>
+              <a:t>運転状況</a:t>
+            </a:r>
+          </a:p>
+        </p:txBody>
+      </p:sp>
+      <p:pic>
+        <p:nvPicPr>
+          <p:cNvPr id="46" name="グラフィックス 45" descr="電車 単色塗りつぶし">
+            <a:extLst>
+              <a:ext uri="{FF2B5EF4-FFF2-40B4-BE49-F238E27FC236}">
+                <a16:creationId xmlns:a16="http://schemas.microsoft.com/office/drawing/2014/main" id="{B37CCA60-C95C-3E26-B165-1EBCA71B1F02}"/>
+              </a:ext>
+            </a:extLst>
+          </p:cNvPr>
+          <p:cNvPicPr>
+            <a:picLocks noChangeAspect="1"/>
+          </p:cNvPicPr>
+          <p:nvPr/>
+        </p:nvPicPr>
+        <p:blipFill>
+          <a:blip r:embed="rId10">
+            <a:extLst>
+              <a:ext uri="{96DAC541-7B7A-43D3-8B79-37D633B846F1}">
+                <asvg:svgBlip xmlns:asvg="http://schemas.microsoft.com/office/drawing/2016/SVG/main" r:embed="rId11"/>
+              </a:ext>
+            </a:extLst>
+          </a:blip>
+          <a:stretch>
+            <a:fillRect/>
+          </a:stretch>
+        </p:blipFill>
+        <p:spPr>
+          <a:xfrm>
+            <a:off x="5638800" y="2971800"/>
+            <a:ext cx="914400" cy="914400"/>
+          </a:xfrm>
+          <a:prstGeom prst="rect">
+            <a:avLst/>
+          </a:prstGeom>
+        </p:spPr>
+      </p:pic>
+      <p:pic>
+        <p:nvPicPr>
+          <p:cNvPr id="52" name="グラフィックス 51" descr="線路 単色塗りつぶし">
+            <a:extLst>
+              <a:ext uri="{FF2B5EF4-FFF2-40B4-BE49-F238E27FC236}">
+                <a16:creationId xmlns:a16="http://schemas.microsoft.com/office/drawing/2014/main" id="{57A13326-296A-73B8-778E-48C50D4EA7B5}"/>
+              </a:ext>
+            </a:extLst>
+          </p:cNvPr>
+          <p:cNvPicPr>
+            <a:picLocks noChangeAspect="1"/>
+          </p:cNvPicPr>
+          <p:nvPr/>
+        </p:nvPicPr>
+        <p:blipFill>
+          <a:blip r:embed="rId12">
+            <a:extLst>
+              <a:ext uri="{96DAC541-7B7A-43D3-8B79-37D633B846F1}">
+                <asvg:svgBlip xmlns:asvg="http://schemas.microsoft.com/office/drawing/2016/SVG/main" r:embed="rId13"/>
+              </a:ext>
+            </a:extLst>
+          </a:blip>
+          <a:stretch>
+            <a:fillRect/>
+          </a:stretch>
+        </p:blipFill>
+        <p:spPr>
+          <a:xfrm>
+            <a:off x="930770" y="2710199"/>
+            <a:ext cx="704673" cy="704673"/>
+          </a:xfrm>
+          <a:prstGeom prst="rect">
+            <a:avLst/>
+          </a:prstGeom>
+        </p:spPr>
+      </p:pic>
+      <p:pic>
+        <p:nvPicPr>
+          <p:cNvPr id="55" name="グラフィックス 54" descr="線路 単色塗りつぶし">
+            <a:extLst>
+              <a:ext uri="{FF2B5EF4-FFF2-40B4-BE49-F238E27FC236}">
+                <a16:creationId xmlns:a16="http://schemas.microsoft.com/office/drawing/2014/main" id="{5CD85198-5BBE-F22D-3302-C1AC02BB0719}"/>
+              </a:ext>
+            </a:extLst>
+          </p:cNvPr>
+          <p:cNvPicPr>
+            <a:picLocks noChangeAspect="1"/>
+          </p:cNvPicPr>
+          <p:nvPr/>
+        </p:nvPicPr>
+        <p:blipFill>
+          <a:blip r:embed="rId14">
+            <a:extLst>
+              <a:ext uri="{96DAC541-7B7A-43D3-8B79-37D633B846F1}">
+                <asvg:svgBlip xmlns:asvg="http://schemas.microsoft.com/office/drawing/2016/SVG/main" r:embed="rId15"/>
+              </a:ext>
+            </a:extLst>
+          </a:blip>
+          <a:stretch>
+            <a:fillRect/>
+          </a:stretch>
+        </p:blipFill>
+        <p:spPr>
+          <a:xfrm>
+            <a:off x="2234225" y="2703804"/>
+            <a:ext cx="704673" cy="704673"/>
+          </a:xfrm>
+          <a:prstGeom prst="rect">
+            <a:avLst/>
+          </a:prstGeom>
+        </p:spPr>
+      </p:pic>
+      <p:pic>
+        <p:nvPicPr>
+          <p:cNvPr id="64" name="グラフィックス 63" descr="線路 単色塗りつぶし">
+            <a:extLst>
+              <a:ext uri="{FF2B5EF4-FFF2-40B4-BE49-F238E27FC236}">
+                <a16:creationId xmlns:a16="http://schemas.microsoft.com/office/drawing/2014/main" id="{46AFE91C-E17A-1371-732C-CB1B9EC6666A}"/>
+              </a:ext>
+            </a:extLst>
+          </p:cNvPr>
+          <p:cNvPicPr>
+            <a:picLocks noChangeAspect="1"/>
+          </p:cNvPicPr>
+          <p:nvPr/>
+        </p:nvPicPr>
+        <p:blipFill>
+          <a:blip r:embed="rId16">
+            <a:extLst>
+              <a:ext uri="{96DAC541-7B7A-43D3-8B79-37D633B846F1}">
+                <asvg:svgBlip xmlns:asvg="http://schemas.microsoft.com/office/drawing/2016/SVG/main" r:embed="rId17"/>
+              </a:ext>
+            </a:extLst>
+          </a:blip>
+          <a:stretch>
+            <a:fillRect/>
+          </a:stretch>
+        </p:blipFill>
+        <p:spPr>
+          <a:xfrm>
+            <a:off x="3537680" y="2703804"/>
+            <a:ext cx="704673" cy="704673"/>
+          </a:xfrm>
+          <a:prstGeom prst="rect">
+            <a:avLst/>
+          </a:prstGeom>
+        </p:spPr>
+      </p:pic>
+      <p:cxnSp>
+        <p:nvCxnSpPr>
+          <p:cNvPr id="71" name="直線矢印コネクタ 70">
+            <a:extLst>
+              <a:ext uri="{FF2B5EF4-FFF2-40B4-BE49-F238E27FC236}">
+                <a16:creationId xmlns:a16="http://schemas.microsoft.com/office/drawing/2014/main" id="{5972E27D-0182-51EE-1819-93887A019EB0}"/>
+              </a:ext>
+            </a:extLst>
+          </p:cNvPr>
+          <p:cNvCxnSpPr>
+            <a:cxnSpLocks/>
+          </p:cNvCxnSpPr>
+          <p:nvPr/>
+        </p:nvCxnSpPr>
+        <p:spPr>
+          <a:xfrm>
+            <a:off x="2993050" y="3964202"/>
+            <a:ext cx="336644" cy="476134"/>
+          </a:xfrm>
+          <a:prstGeom prst="straightConnector1">
+            <a:avLst/>
+          </a:prstGeom>
+          <a:ln w="28575">
+            <a:solidFill>
+              <a:schemeClr val="accent4"/>
+            </a:solidFill>
+            <a:headEnd type="triangle"/>
+            <a:tailEnd type="triangle"/>
+          </a:ln>
+        </p:spPr>
+        <p:style>
+          <a:lnRef idx="1">
+            <a:schemeClr val="accent1"/>
+          </a:lnRef>
+          <a:fillRef idx="0">
+            <a:schemeClr val="accent1"/>
+          </a:fillRef>
+          <a:effectRef idx="0">
+            <a:schemeClr val="accent1"/>
+          </a:effectRef>
+          <a:fontRef idx="minor">
+            <a:schemeClr val="tx1"/>
+          </a:fontRef>
+        </p:style>
+      </p:cxnSp>
+      <p:sp>
+        <p:nvSpPr>
+          <p:cNvPr id="75" name="四角形: 角を丸くする 74">
+            <a:extLst>
+              <a:ext uri="{FF2B5EF4-FFF2-40B4-BE49-F238E27FC236}">
+                <a16:creationId xmlns:a16="http://schemas.microsoft.com/office/drawing/2014/main" id="{416DA62B-8B86-9D79-9AD5-FB80D73BD84B}"/>
+              </a:ext>
+            </a:extLst>
+          </p:cNvPr>
+          <p:cNvSpPr/>
+          <p:nvPr/>
+        </p:nvSpPr>
+        <p:spPr>
+          <a:xfrm>
+            <a:off x="512697" y="4642637"/>
+            <a:ext cx="4136032" cy="1053447"/>
+          </a:xfrm>
+          <a:prstGeom prst="roundRect">
+            <a:avLst/>
+          </a:prstGeom>
+          <a:solidFill>
+            <a:schemeClr val="bg1"/>
+          </a:solidFill>
+        </p:spPr>
+        <p:style>
+          <a:lnRef idx="2">
+            <a:schemeClr val="accent1">
+              <a:shade val="50000"/>
+            </a:schemeClr>
+          </a:lnRef>
+          <a:fillRef idx="1">
+            <a:schemeClr val="accent1"/>
+          </a:fillRef>
+          <a:effectRef idx="0">
+            <a:schemeClr val="accent1"/>
+          </a:effectRef>
+          <a:fontRef idx="minor">
+            <a:schemeClr val="lt1"/>
+          </a:fontRef>
+        </p:style>
+        <p:txBody>
+          <a:bodyPr rtlCol="0" anchor="ctr"/>
+          <a:lstStyle/>
+          <a:p>
+            <a:pPr algn="ctr"/>
+            <a:endParaRPr kumimoji="1" lang="ja-JP" altLang="en-US">
+              <a:solidFill>
+                <a:schemeClr val="tx1"/>
+              </a:solidFill>
+            </a:endParaRPr>
           </a:p>
         </p:txBody>
       </p:sp>
     </p:spTree>
     <p:extLst>
       <p:ext uri="{BB962C8B-B14F-4D97-AF65-F5344CB8AC3E}">
-        <p14:creationId xmlns:p14="http://schemas.microsoft.com/office/powerpoint/2010/main" val="1286039426"/>
+        <p14:creationId xmlns:p14="http://schemas.microsoft.com/office/powerpoint/2010/main" val="1409838643"/>
       </p:ext>
     </p:extLst>
   </p:cSld>
@@ -17746,8 +19403,12 @@
           <a:lstStyle/>
           <a:p>
             <a:r>
+              <a:rPr lang="en-US" altLang="ja-JP" dirty="0"/>
+              <a:t>SoS</a:t>
+            </a:r>
+            <a:r>
               <a:rPr lang="ja-JP" altLang="en-US" dirty="0"/>
-              <a:t>まとめ</a:t>
+              <a:t>の軸に基づく事例分類</a:t>
             </a:r>
             <a:endParaRPr lang="en-US" dirty="0"/>
           </a:p>
@@ -17799,46 +19460,596 @@
             <p:ph type="body" sz="quarter" idx="11"/>
           </p:nvPr>
         </p:nvSpPr>
-        <p:spPr/>
+        <p:spPr>
+          <a:xfrm>
+            <a:off x="517055" y="1071367"/>
+            <a:ext cx="11608270" cy="518095"/>
+          </a:xfrm>
+        </p:spPr>
         <p:txBody>
           <a:bodyPr/>
           <a:lstStyle/>
           <a:p>
             <a:r>
               <a:rPr lang="ja-JP" altLang="en-US" dirty="0"/>
-              <a:t>まずは、来週前半にこの提言を分科会事務局に話してみる。</a:t>
+              <a:t>協調のタイプで分類</a:t>
             </a:r>
             <a:endParaRPr lang="en-US" altLang="ja-JP" dirty="0"/>
           </a:p>
-          <a:p>
-            <a:r>
-              <a:rPr lang="ja-JP" altLang="en-US" dirty="0"/>
-              <a:t>第</a:t>
-            </a:r>
-            <a:r>
-              <a:rPr lang="en-US" altLang="ja-JP" dirty="0"/>
-              <a:t>6</a:t>
-            </a:r>
-            <a:r>
-              <a:rPr lang="ja-JP" altLang="en-US" dirty="0"/>
-              <a:t>回（</a:t>
-            </a:r>
-            <a:r>
-              <a:rPr lang="en-US" altLang="ja-JP" dirty="0"/>
-              <a:t>8/30</a:t>
-            </a:r>
-            <a:r>
-              <a:rPr lang="ja-JP" altLang="en-US" dirty="0"/>
-              <a:t>）に、このままの内容をメンバーに話してみるか、事務局の方で引き取ってもらうか、相談する。</a:t>
-            </a:r>
-            <a:endParaRPr lang="en-US" altLang="ja-JP" dirty="0"/>
+        </p:txBody>
+      </p:sp>
+      <p:sp>
+        <p:nvSpPr>
+          <p:cNvPr id="8" name="正方形/長方形 7">
+            <a:extLst>
+              <a:ext uri="{FF2B5EF4-FFF2-40B4-BE49-F238E27FC236}">
+                <a16:creationId xmlns:a16="http://schemas.microsoft.com/office/drawing/2014/main" id="{FF465353-E1EF-C304-8E12-A568E25E309F}"/>
+              </a:ext>
+            </a:extLst>
+          </p:cNvPr>
+          <p:cNvSpPr/>
+          <p:nvPr/>
+        </p:nvSpPr>
+        <p:spPr>
+          <a:xfrm>
+            <a:off x="1290054" y="2210095"/>
+            <a:ext cx="1721195" cy="495128"/>
+          </a:xfrm>
+          <a:prstGeom prst="rect">
+            <a:avLst/>
+          </a:prstGeom>
+          <a:solidFill>
+            <a:schemeClr val="accent1"/>
+          </a:solidFill>
+        </p:spPr>
+        <p:style>
+          <a:lnRef idx="2">
+            <a:schemeClr val="accent1">
+              <a:shade val="50000"/>
+            </a:schemeClr>
+          </a:lnRef>
+          <a:fillRef idx="1">
+            <a:schemeClr val="accent1"/>
+          </a:fillRef>
+          <a:effectRef idx="0">
+            <a:schemeClr val="accent1"/>
+          </a:effectRef>
+          <a:fontRef idx="minor">
+            <a:schemeClr val="lt1"/>
+          </a:fontRef>
+        </p:style>
+        <p:txBody>
+          <a:bodyPr rtlCol="0" anchor="ctr"/>
+          <a:lstStyle/>
+          <a:p>
+            <a:pPr algn="ctr"/>
+            <a:r>
+              <a:rPr kumimoji="1" lang="ja-JP" altLang="en-US" dirty="0">
+                <a:solidFill>
+                  <a:schemeClr val="bg1"/>
+                </a:solidFill>
+              </a:rPr>
+              <a:t>指揮命令型</a:t>
+            </a:r>
+            <a:endParaRPr kumimoji="1" lang="en-US" altLang="ja-JP" dirty="0">
+              <a:solidFill>
+                <a:schemeClr val="bg1"/>
+              </a:solidFill>
+            </a:endParaRPr>
+          </a:p>
+        </p:txBody>
+      </p:sp>
+      <p:sp>
+        <p:nvSpPr>
+          <p:cNvPr id="10" name="正方形/長方形 9">
+            <a:extLst>
+              <a:ext uri="{FF2B5EF4-FFF2-40B4-BE49-F238E27FC236}">
+                <a16:creationId xmlns:a16="http://schemas.microsoft.com/office/drawing/2014/main" id="{970B3671-CFF4-04BF-91DC-F3F0C38F63B6}"/>
+              </a:ext>
+            </a:extLst>
+          </p:cNvPr>
+          <p:cNvSpPr/>
+          <p:nvPr/>
+        </p:nvSpPr>
+        <p:spPr>
+          <a:xfrm>
+            <a:off x="3956604" y="2210095"/>
+            <a:ext cx="1721195" cy="495128"/>
+          </a:xfrm>
+          <a:prstGeom prst="rect">
+            <a:avLst/>
+          </a:prstGeom>
+          <a:solidFill>
+            <a:schemeClr val="accent1"/>
+          </a:solidFill>
+        </p:spPr>
+        <p:style>
+          <a:lnRef idx="2">
+            <a:schemeClr val="accent1">
+              <a:shade val="50000"/>
+            </a:schemeClr>
+          </a:lnRef>
+          <a:fillRef idx="1">
+            <a:schemeClr val="accent1"/>
+          </a:fillRef>
+          <a:effectRef idx="0">
+            <a:schemeClr val="accent1"/>
+          </a:effectRef>
+          <a:fontRef idx="minor">
+            <a:schemeClr val="lt1"/>
+          </a:fontRef>
+        </p:style>
+        <p:txBody>
+          <a:bodyPr rtlCol="0" anchor="ctr"/>
+          <a:lstStyle/>
+          <a:p>
+            <a:pPr algn="ctr"/>
+            <a:r>
+              <a:rPr kumimoji="1" lang="ja-JP" altLang="en-US" dirty="0">
+                <a:solidFill>
+                  <a:schemeClr val="bg1"/>
+                </a:solidFill>
+              </a:rPr>
+              <a:t>要請承認型</a:t>
+            </a:r>
+            <a:endParaRPr kumimoji="1" lang="en-US" altLang="ja-JP" dirty="0">
+              <a:solidFill>
+                <a:schemeClr val="bg1"/>
+              </a:solidFill>
+            </a:endParaRPr>
+          </a:p>
+        </p:txBody>
+      </p:sp>
+      <p:sp>
+        <p:nvSpPr>
+          <p:cNvPr id="11" name="正方形/長方形 10">
+            <a:extLst>
+              <a:ext uri="{FF2B5EF4-FFF2-40B4-BE49-F238E27FC236}">
+                <a16:creationId xmlns:a16="http://schemas.microsoft.com/office/drawing/2014/main" id="{D91900A9-F231-65A4-5433-DED0D3F46D39}"/>
+              </a:ext>
+            </a:extLst>
+          </p:cNvPr>
+          <p:cNvSpPr/>
+          <p:nvPr/>
+        </p:nvSpPr>
+        <p:spPr>
+          <a:xfrm>
+            <a:off x="6623154" y="2210095"/>
+            <a:ext cx="1721195" cy="495128"/>
+          </a:xfrm>
+          <a:prstGeom prst="rect">
+            <a:avLst/>
+          </a:prstGeom>
+          <a:solidFill>
+            <a:schemeClr val="accent1"/>
+          </a:solidFill>
+        </p:spPr>
+        <p:style>
+          <a:lnRef idx="2">
+            <a:schemeClr val="accent1">
+              <a:shade val="50000"/>
+            </a:schemeClr>
+          </a:lnRef>
+          <a:fillRef idx="1">
+            <a:schemeClr val="accent1"/>
+          </a:fillRef>
+          <a:effectRef idx="0">
+            <a:schemeClr val="accent1"/>
+          </a:effectRef>
+          <a:fontRef idx="minor">
+            <a:schemeClr val="lt1"/>
+          </a:fontRef>
+        </p:style>
+        <p:txBody>
+          <a:bodyPr rtlCol="0" anchor="ctr"/>
+          <a:lstStyle/>
+          <a:p>
+            <a:pPr algn="ctr"/>
+            <a:r>
+              <a:rPr kumimoji="1" lang="ja-JP" altLang="en-US" dirty="0">
+                <a:solidFill>
+                  <a:schemeClr val="bg1"/>
+                </a:solidFill>
+              </a:rPr>
+              <a:t>協力型</a:t>
+            </a:r>
+            <a:endParaRPr kumimoji="1" lang="en-US" altLang="ja-JP" dirty="0">
+              <a:solidFill>
+                <a:schemeClr val="bg1"/>
+              </a:solidFill>
+            </a:endParaRPr>
+          </a:p>
+        </p:txBody>
+      </p:sp>
+      <p:sp>
+        <p:nvSpPr>
+          <p:cNvPr id="12" name="正方形/長方形 11">
+            <a:extLst>
+              <a:ext uri="{FF2B5EF4-FFF2-40B4-BE49-F238E27FC236}">
+                <a16:creationId xmlns:a16="http://schemas.microsoft.com/office/drawing/2014/main" id="{A0E78837-F3C1-0E95-A208-99B7D08838CF}"/>
+              </a:ext>
+            </a:extLst>
+          </p:cNvPr>
+          <p:cNvSpPr/>
+          <p:nvPr/>
+        </p:nvSpPr>
+        <p:spPr>
+          <a:xfrm>
+            <a:off x="9289705" y="2210095"/>
+            <a:ext cx="1721195" cy="495128"/>
+          </a:xfrm>
+          <a:prstGeom prst="rect">
+            <a:avLst/>
+          </a:prstGeom>
+          <a:solidFill>
+            <a:schemeClr val="accent1"/>
+          </a:solidFill>
+        </p:spPr>
+        <p:style>
+          <a:lnRef idx="2">
+            <a:schemeClr val="accent1">
+              <a:shade val="50000"/>
+            </a:schemeClr>
+          </a:lnRef>
+          <a:fillRef idx="1">
+            <a:schemeClr val="accent1"/>
+          </a:fillRef>
+          <a:effectRef idx="0">
+            <a:schemeClr val="accent1"/>
+          </a:effectRef>
+          <a:fontRef idx="minor">
+            <a:schemeClr val="lt1"/>
+          </a:fontRef>
+        </p:style>
+        <p:txBody>
+          <a:bodyPr rtlCol="0" anchor="ctr"/>
+          <a:lstStyle/>
+          <a:p>
+            <a:pPr algn="ctr"/>
+            <a:r>
+              <a:rPr kumimoji="1" lang="ja-JP" altLang="en-US" dirty="0">
+                <a:solidFill>
+                  <a:schemeClr val="bg1"/>
+                </a:solidFill>
+              </a:rPr>
+              <a:t>仮想型</a:t>
+            </a:r>
+            <a:endParaRPr kumimoji="1" lang="en-US" altLang="ja-JP" dirty="0">
+              <a:solidFill>
+                <a:schemeClr val="bg1"/>
+              </a:solidFill>
+            </a:endParaRPr>
+          </a:p>
+        </p:txBody>
+      </p:sp>
+      <p:sp>
+        <p:nvSpPr>
+          <p:cNvPr id="13" name="テキスト ボックス 12">
+            <a:extLst>
+              <a:ext uri="{FF2B5EF4-FFF2-40B4-BE49-F238E27FC236}">
+                <a16:creationId xmlns:a16="http://schemas.microsoft.com/office/drawing/2014/main" id="{4BD18824-88BA-05CD-8EFA-670C2AB4B899}"/>
+              </a:ext>
+            </a:extLst>
+          </p:cNvPr>
+          <p:cNvSpPr txBox="1"/>
+          <p:nvPr/>
+        </p:nvSpPr>
+        <p:spPr>
+          <a:xfrm>
+            <a:off x="1615729" y="2710346"/>
+            <a:ext cx="1069841" cy="338554"/>
+          </a:xfrm>
+          <a:prstGeom prst="rect">
+            <a:avLst/>
+          </a:prstGeom>
+          <a:noFill/>
+        </p:spPr>
+        <p:txBody>
+          <a:bodyPr wrap="square" rtlCol="0">
+            <a:spAutoFit/>
+          </a:bodyPr>
+          <a:lstStyle/>
+          <a:p>
+            <a:pPr algn="ctr"/>
+            <a:r>
+              <a:rPr kumimoji="1" lang="ja-JP" altLang="en-US" sz="1600" dirty="0"/>
+              <a:t>トップダウン</a:t>
+            </a:r>
+          </a:p>
+        </p:txBody>
+      </p:sp>
+      <p:sp>
+        <p:nvSpPr>
+          <p:cNvPr id="15" name="テキスト ボックス 14">
+            <a:extLst>
+              <a:ext uri="{FF2B5EF4-FFF2-40B4-BE49-F238E27FC236}">
+                <a16:creationId xmlns:a16="http://schemas.microsoft.com/office/drawing/2014/main" id="{C4C642D7-AE98-5223-65CF-E73C94CB248D}"/>
+              </a:ext>
+            </a:extLst>
+          </p:cNvPr>
+          <p:cNvSpPr txBox="1"/>
+          <p:nvPr/>
+        </p:nvSpPr>
+        <p:spPr>
+          <a:xfrm>
+            <a:off x="6789697" y="2710346"/>
+            <a:ext cx="1388109" cy="338554"/>
+          </a:xfrm>
+          <a:prstGeom prst="rect">
+            <a:avLst/>
+          </a:prstGeom>
+          <a:noFill/>
+        </p:spPr>
+        <p:txBody>
+          <a:bodyPr wrap="square" rtlCol="0">
+            <a:spAutoFit/>
+          </a:bodyPr>
+          <a:lstStyle/>
+          <a:p>
+            <a:pPr algn="ctr"/>
+            <a:r>
+              <a:rPr kumimoji="1" lang="ja-JP" altLang="en-US" sz="1600" dirty="0"/>
+              <a:t>誘導・組織化</a:t>
+            </a:r>
+          </a:p>
+        </p:txBody>
+      </p:sp>
+      <p:sp>
+        <p:nvSpPr>
+          <p:cNvPr id="16" name="テキスト ボックス 15">
+            <a:extLst>
+              <a:ext uri="{FF2B5EF4-FFF2-40B4-BE49-F238E27FC236}">
+                <a16:creationId xmlns:a16="http://schemas.microsoft.com/office/drawing/2014/main" id="{6C5038E9-0CD2-AF46-44CC-82B956AC8DF2}"/>
+              </a:ext>
+            </a:extLst>
+          </p:cNvPr>
+          <p:cNvSpPr txBox="1"/>
+          <p:nvPr/>
+        </p:nvSpPr>
+        <p:spPr>
+          <a:xfrm>
+            <a:off x="9615382" y="2710346"/>
+            <a:ext cx="1069841" cy="338554"/>
+          </a:xfrm>
+          <a:prstGeom prst="rect">
+            <a:avLst/>
+          </a:prstGeom>
+          <a:noFill/>
+        </p:spPr>
+        <p:txBody>
+          <a:bodyPr wrap="square" rtlCol="0">
+            <a:spAutoFit/>
+          </a:bodyPr>
+          <a:lstStyle/>
+          <a:p>
+            <a:pPr algn="ctr"/>
+            <a:r>
+              <a:rPr kumimoji="1" lang="ja-JP" altLang="en-US" sz="1600" dirty="0"/>
+              <a:t>創発</a:t>
+            </a:r>
+          </a:p>
+        </p:txBody>
+      </p:sp>
+      <p:sp>
+        <p:nvSpPr>
+          <p:cNvPr id="23" name="テキスト ボックス 22">
+            <a:extLst>
+              <a:ext uri="{FF2B5EF4-FFF2-40B4-BE49-F238E27FC236}">
+                <a16:creationId xmlns:a16="http://schemas.microsoft.com/office/drawing/2014/main" id="{DDDB03D9-10A9-B1A1-9A6B-0332523F03AE}"/>
+              </a:ext>
+            </a:extLst>
+          </p:cNvPr>
+          <p:cNvSpPr txBox="1"/>
+          <p:nvPr/>
+        </p:nvSpPr>
+        <p:spPr>
+          <a:xfrm>
+            <a:off x="300148" y="1688743"/>
+            <a:ext cx="884166" cy="338554"/>
+          </a:xfrm>
+          <a:prstGeom prst="rect">
+            <a:avLst/>
+          </a:prstGeom>
+          <a:noFill/>
+        </p:spPr>
+        <p:txBody>
+          <a:bodyPr wrap="square" rtlCol="0">
+            <a:spAutoFit/>
+          </a:bodyPr>
+          <a:lstStyle/>
+          <a:p>
+            <a:pPr algn="ctr"/>
+            <a:r>
+              <a:rPr kumimoji="1" lang="ja-JP" altLang="en-US" sz="1600" b="1" dirty="0">
+                <a:solidFill>
+                  <a:schemeClr val="accent3"/>
+                </a:solidFill>
+              </a:rPr>
+              <a:t>従属的</a:t>
+            </a:r>
+          </a:p>
+        </p:txBody>
+      </p:sp>
+      <p:sp>
+        <p:nvSpPr>
+          <p:cNvPr id="19" name="テキスト ボックス 18">
+            <a:extLst>
+              <a:ext uri="{FF2B5EF4-FFF2-40B4-BE49-F238E27FC236}">
+                <a16:creationId xmlns:a16="http://schemas.microsoft.com/office/drawing/2014/main" id="{32171D14-DFC8-B23F-7712-F39ADC47F39D}"/>
+              </a:ext>
+            </a:extLst>
+          </p:cNvPr>
+          <p:cNvSpPr txBox="1"/>
+          <p:nvPr/>
+        </p:nvSpPr>
+        <p:spPr>
+          <a:xfrm>
+            <a:off x="11056579" y="1688743"/>
+            <a:ext cx="884166" cy="338554"/>
+          </a:xfrm>
+          <a:prstGeom prst="rect">
+            <a:avLst/>
+          </a:prstGeom>
+          <a:noFill/>
+        </p:spPr>
+        <p:txBody>
+          <a:bodyPr wrap="square" rtlCol="0">
+            <a:spAutoFit/>
+          </a:bodyPr>
+          <a:lstStyle/>
+          <a:p>
+            <a:pPr algn="ctr"/>
+            <a:r>
+              <a:rPr kumimoji="1" lang="ja-JP" altLang="en-US" sz="1600" b="1" dirty="0">
+                <a:solidFill>
+                  <a:schemeClr val="accent3"/>
+                </a:solidFill>
+              </a:rPr>
+              <a:t>独立的</a:t>
+            </a:r>
+          </a:p>
+        </p:txBody>
+      </p:sp>
+      <p:sp>
+        <p:nvSpPr>
+          <p:cNvPr id="4" name="正方形/長方形 3">
+            <a:extLst>
+              <a:ext uri="{FF2B5EF4-FFF2-40B4-BE49-F238E27FC236}">
+                <a16:creationId xmlns:a16="http://schemas.microsoft.com/office/drawing/2014/main" id="{9DB58101-1640-2409-832F-380625C65D50}"/>
+              </a:ext>
+            </a:extLst>
+          </p:cNvPr>
+          <p:cNvSpPr/>
+          <p:nvPr/>
+        </p:nvSpPr>
+        <p:spPr>
+          <a:xfrm rot="5400000">
+            <a:off x="5886780" y="-3002403"/>
+            <a:ext cx="527394" cy="9720847"/>
+          </a:xfrm>
+          <a:prstGeom prst="rect">
+            <a:avLst/>
+          </a:prstGeom>
+          <a:solidFill>
+            <a:schemeClr val="accent1"/>
+          </a:solidFill>
+        </p:spPr>
+        <p:style>
+          <a:lnRef idx="2">
+            <a:schemeClr val="accent1">
+              <a:shade val="50000"/>
+            </a:schemeClr>
+          </a:lnRef>
+          <a:fillRef idx="1">
+            <a:schemeClr val="accent1"/>
+          </a:fillRef>
+          <a:effectRef idx="0">
+            <a:schemeClr val="accent1"/>
+          </a:effectRef>
+          <a:fontRef idx="minor">
+            <a:schemeClr val="lt1"/>
+          </a:fontRef>
+        </p:style>
+        <p:txBody>
+          <a:bodyPr vert="vert270" rtlCol="0" anchor="ctr"/>
+          <a:lstStyle/>
+          <a:p>
+            <a:pPr algn="ctr"/>
+            <a:r>
+              <a:rPr kumimoji="1" lang="en-US" altLang="ja-JP" b="1" dirty="0">
+                <a:solidFill>
+                  <a:schemeClr val="bg1"/>
+                </a:solidFill>
+              </a:rPr>
+              <a:t>SoS</a:t>
+            </a:r>
+            <a:r>
+              <a:rPr kumimoji="1" lang="ja-JP" altLang="en-US" b="1" dirty="0">
+                <a:solidFill>
+                  <a:schemeClr val="bg1"/>
+                </a:solidFill>
+              </a:rPr>
+              <a:t>における協調のタイプ</a:t>
+            </a:r>
+          </a:p>
+        </p:txBody>
+      </p:sp>
+      <p:sp>
+        <p:nvSpPr>
+          <p:cNvPr id="2" name="テキスト ボックス 1">
+            <a:extLst>
+              <a:ext uri="{FF2B5EF4-FFF2-40B4-BE49-F238E27FC236}">
+                <a16:creationId xmlns:a16="http://schemas.microsoft.com/office/drawing/2014/main" id="{E1F785C2-D33F-4373-87BD-CC24645659E1}"/>
+              </a:ext>
+            </a:extLst>
+          </p:cNvPr>
+          <p:cNvSpPr txBox="1"/>
+          <p:nvPr/>
+        </p:nvSpPr>
+        <p:spPr>
+          <a:xfrm>
+            <a:off x="4182484" y="3287289"/>
+            <a:ext cx="1269434" cy="338554"/>
+          </a:xfrm>
+          <a:prstGeom prst="rect">
+            <a:avLst/>
+          </a:prstGeom>
+          <a:noFill/>
+        </p:spPr>
+        <p:txBody>
+          <a:bodyPr wrap="square" rtlCol="0">
+            <a:spAutoFit/>
+          </a:bodyPr>
+          <a:lstStyle/>
+          <a:p>
+            <a:pPr algn="ctr"/>
+            <a:r>
+              <a:rPr kumimoji="1" lang="ja-JP" altLang="en-US" sz="1600" dirty="0"/>
+              <a:t>電力システム</a:t>
+            </a:r>
+          </a:p>
+        </p:txBody>
+      </p:sp>
+      <p:sp>
+        <p:nvSpPr>
+          <p:cNvPr id="6" name="テキスト ボックス 5">
+            <a:extLst>
+              <a:ext uri="{FF2B5EF4-FFF2-40B4-BE49-F238E27FC236}">
+                <a16:creationId xmlns:a16="http://schemas.microsoft.com/office/drawing/2014/main" id="{2293C6AD-50D5-FC3D-4ADD-8E318CB8E6DD}"/>
+              </a:ext>
+            </a:extLst>
+          </p:cNvPr>
+          <p:cNvSpPr txBox="1"/>
+          <p:nvPr/>
+        </p:nvSpPr>
+        <p:spPr>
+          <a:xfrm>
+            <a:off x="3860443" y="3738726"/>
+            <a:ext cx="1913516" cy="338554"/>
+          </a:xfrm>
+          <a:prstGeom prst="rect">
+            <a:avLst/>
+          </a:prstGeom>
+          <a:noFill/>
+        </p:spPr>
+        <p:txBody>
+          <a:bodyPr wrap="square" rtlCol="0">
+            <a:spAutoFit/>
+          </a:bodyPr>
+          <a:lstStyle/>
+          <a:p>
+            <a:pPr algn="ctr"/>
+            <a:r>
+              <a:rPr kumimoji="1" lang="ja-JP" altLang="en-US" sz="1600" dirty="0"/>
+              <a:t>鉄道相互直通運転</a:t>
+            </a:r>
           </a:p>
         </p:txBody>
       </p:sp>
     </p:spTree>
     <p:extLst>
       <p:ext uri="{BB962C8B-B14F-4D97-AF65-F5344CB8AC3E}">
-        <p14:creationId xmlns:p14="http://schemas.microsoft.com/office/powerpoint/2010/main" val="534514034"/>
+        <p14:creationId xmlns:p14="http://schemas.microsoft.com/office/powerpoint/2010/main" val="1286039426"/>
       </p:ext>
     </p:extLst>
   </p:cSld>
@@ -17867,6 +20078,147 @@
       </p:grpSpPr>
       <p:sp>
         <p:nvSpPr>
+          <p:cNvPr id="5" name="タイトル 4">
+            <a:extLst>
+              <a:ext uri="{FF2B5EF4-FFF2-40B4-BE49-F238E27FC236}">
+                <a16:creationId xmlns:a16="http://schemas.microsoft.com/office/drawing/2014/main" id="{560C5BD5-1532-4087-ACF7-85710DC69FAA}"/>
+              </a:ext>
+            </a:extLst>
+          </p:cNvPr>
+          <p:cNvSpPr>
+            <a:spLocks noGrp="1"/>
+          </p:cNvSpPr>
+          <p:nvPr>
+            <p:ph type="title"/>
+          </p:nvPr>
+        </p:nvSpPr>
+        <p:spPr/>
+        <p:txBody>
+          <a:bodyPr/>
+          <a:lstStyle/>
+          <a:p>
+            <a:r>
+              <a:rPr lang="ja-JP" altLang="en-US" dirty="0"/>
+              <a:t>まとめ</a:t>
+            </a:r>
+            <a:endParaRPr lang="en-US" dirty="0"/>
+          </a:p>
+        </p:txBody>
+      </p:sp>
+      <p:sp>
+        <p:nvSpPr>
+          <p:cNvPr id="3" name="スライド番号プレースホルダー 2">
+            <a:extLst>
+              <a:ext uri="{FF2B5EF4-FFF2-40B4-BE49-F238E27FC236}">
+                <a16:creationId xmlns:a16="http://schemas.microsoft.com/office/drawing/2014/main" id="{ED23190D-575C-49DE-8293-87C3C1C8D779}"/>
+              </a:ext>
+            </a:extLst>
+          </p:cNvPr>
+          <p:cNvSpPr>
+            <a:spLocks noGrp="1"/>
+          </p:cNvSpPr>
+          <p:nvPr>
+            <p:ph type="sldNum" sz="quarter" idx="10"/>
+          </p:nvPr>
+        </p:nvSpPr>
+        <p:spPr/>
+        <p:txBody>
+          <a:bodyPr/>
+          <a:lstStyle/>
+          <a:p>
+            <a:fld id="{584EAAFE-CFE5-40AD-8E95-5BFF290DC5CF}" type="slidenum">
+              <a:rPr kumimoji="1" lang="ja-JP" altLang="en-US" smtClean="0"/>
+              <a:pPr/>
+              <a:t>14</a:t>
+            </a:fld>
+            <a:endParaRPr kumimoji="1" lang="ja-JP" altLang="en-US"/>
+          </a:p>
+        </p:txBody>
+      </p:sp>
+      <p:sp>
+        <p:nvSpPr>
+          <p:cNvPr id="9" name="テキスト プレースホルダー 8">
+            <a:extLst>
+              <a:ext uri="{FF2B5EF4-FFF2-40B4-BE49-F238E27FC236}">
+                <a16:creationId xmlns:a16="http://schemas.microsoft.com/office/drawing/2014/main" id="{A809889B-886C-09D3-E0E0-05C8C4A3F3EE}"/>
+              </a:ext>
+            </a:extLst>
+          </p:cNvPr>
+          <p:cNvSpPr>
+            <a:spLocks noGrp="1"/>
+          </p:cNvSpPr>
+          <p:nvPr>
+            <p:ph type="body" sz="quarter" idx="11"/>
+          </p:nvPr>
+        </p:nvSpPr>
+        <p:spPr/>
+        <p:txBody>
+          <a:bodyPr/>
+          <a:lstStyle/>
+          <a:p>
+            <a:r>
+              <a:rPr lang="ja-JP" altLang="en-US" dirty="0"/>
+              <a:t>まずは、来週前半にこの提言を分科会事務局に話してみる。</a:t>
+            </a:r>
+            <a:endParaRPr lang="en-US" altLang="ja-JP" dirty="0"/>
+          </a:p>
+          <a:p>
+            <a:r>
+              <a:rPr lang="ja-JP" altLang="en-US" dirty="0"/>
+              <a:t>第</a:t>
+            </a:r>
+            <a:r>
+              <a:rPr lang="en-US" altLang="ja-JP" dirty="0"/>
+              <a:t>6</a:t>
+            </a:r>
+            <a:r>
+              <a:rPr lang="ja-JP" altLang="en-US" dirty="0"/>
+              <a:t>回（</a:t>
+            </a:r>
+            <a:r>
+              <a:rPr lang="en-US" altLang="ja-JP" dirty="0"/>
+              <a:t>8/30</a:t>
+            </a:r>
+            <a:r>
+              <a:rPr lang="ja-JP" altLang="en-US" dirty="0"/>
+              <a:t>）に、このままの内容をメンバーに話してみるか、事務局の方で引き取ってもらうか、相談する。</a:t>
+            </a:r>
+            <a:endParaRPr lang="en-US" altLang="ja-JP" dirty="0"/>
+          </a:p>
+        </p:txBody>
+      </p:sp>
+    </p:spTree>
+    <p:extLst>
+      <p:ext uri="{BB962C8B-B14F-4D97-AF65-F5344CB8AC3E}">
+        <p14:creationId xmlns:p14="http://schemas.microsoft.com/office/powerpoint/2010/main" val="534514034"/>
+      </p:ext>
+    </p:extLst>
+  </p:cSld>
+  <p:clrMapOvr>
+    <a:masterClrMapping/>
+  </p:clrMapOvr>
+</p:sld>
+</file>
+
+<file path=ppt/slides/slide15.xml><?xml version="1.0" encoding="utf-8"?>
+<p:sld xmlns:a="http://schemas.openxmlformats.org/drawingml/2006/main" xmlns:r="http://schemas.openxmlformats.org/officeDocument/2006/relationships" xmlns:p="http://schemas.openxmlformats.org/presentationml/2006/main">
+  <p:cSld>
+    <p:spTree>
+      <p:nvGrpSpPr>
+        <p:cNvPr id="1" name=""/>
+        <p:cNvGrpSpPr/>
+        <p:nvPr/>
+      </p:nvGrpSpPr>
+      <p:grpSpPr>
+        <a:xfrm>
+          <a:off x="0" y="0"/>
+          <a:ext cx="0" cy="0"/>
+          <a:chOff x="0" y="0"/>
+          <a:chExt cx="0" cy="0"/>
+        </a:xfrm>
+      </p:grpSpPr>
+      <p:sp>
+        <p:nvSpPr>
           <p:cNvPr id="2" name="スライド番号プレースホルダー 1">
             <a:extLst>
               <a:ext uri="{FF2B5EF4-FFF2-40B4-BE49-F238E27FC236}">
@@ -17889,7 +20241,7 @@
             <a:fld id="{B3001740-FA51-4383-A84C-3DA006D12C29}" type="slidenum">
               <a:rPr lang="ja-JP" altLang="en-US" smtClean="0"/>
               <a:pPr/>
-              <a:t>14</a:t>
+              <a:t>15</a:t>
             </a:fld>
             <a:endParaRPr lang="ja-JP" altLang="en-US" dirty="0"/>
           </a:p>

--- a/SoS/230825_SoS分科会第6回進め方のご相談_rev.0.pptx
+++ b/SoS/230825_SoS分科会第6回進め方のご相談_rev.0.pptx
@@ -18,11 +18,11 @@
     <p:sldId id="545" r:id="rId9"/>
     <p:sldId id="559" r:id="rId10"/>
     <p:sldId id="558" r:id="rId11"/>
-    <p:sldId id="547" r:id="rId12"/>
-    <p:sldId id="561" r:id="rId13"/>
-    <p:sldId id="560" r:id="rId14"/>
-    <p:sldId id="550" r:id="rId15"/>
-    <p:sldId id="286" r:id="rId16"/>
+    <p:sldId id="561" r:id="rId12"/>
+    <p:sldId id="560" r:id="rId13"/>
+    <p:sldId id="550" r:id="rId14"/>
+    <p:sldId id="286" r:id="rId15"/>
+    <p:sldId id="547" r:id="rId16"/>
   </p:sldIdLst>
   <p:sldSz cx="12192000" cy="6858000"/>
   <p:notesSz cx="6858000" cy="9144000"/>
@@ -214,7 +214,7 @@
           <a:p>
             <a:fld id="{82150B36-03E6-4D3A-8098-12EB1C30C067}" type="datetimeFigureOut">
               <a:rPr kumimoji="1" lang="ja-JP" altLang="en-US" smtClean="0"/>
-              <a:t>2023/8/22</a:t>
+              <a:t>2023/8/23</a:t>
             </a:fld>
             <a:endParaRPr kumimoji="1" lang="ja-JP" altLang="en-US"/>
           </a:p>
@@ -578,7 +578,7 @@
           <a:p>
             <a:fld id="{234BF75D-FAA7-4C74-927E-D481AAC481B6}" type="slidenum">
               <a:rPr kumimoji="1" lang="ja-JP" altLang="en-US" smtClean="0"/>
-              <a:t>15</a:t>
+              <a:t>14</a:t>
             </a:fld>
             <a:endParaRPr kumimoji="1" lang="ja-JP" altLang="en-US"/>
           </a:p>
@@ -9520,39 +9520,6 @@
       </p:sp>
       <p:sp>
         <p:nvSpPr>
-          <p:cNvPr id="5" name="タイトル 4">
-            <a:extLst>
-              <a:ext uri="{FF2B5EF4-FFF2-40B4-BE49-F238E27FC236}">
-                <a16:creationId xmlns:a16="http://schemas.microsoft.com/office/drawing/2014/main" id="{560C5BD5-1532-4087-ACF7-85710DC69FAA}"/>
-              </a:ext>
-            </a:extLst>
-          </p:cNvPr>
-          <p:cNvSpPr>
-            <a:spLocks noGrp="1"/>
-          </p:cNvSpPr>
-          <p:nvPr>
-            <p:ph type="title"/>
-          </p:nvPr>
-        </p:nvSpPr>
-        <p:spPr/>
-        <p:txBody>
-          <a:bodyPr/>
-          <a:lstStyle/>
-          <a:p>
-            <a:r>
-              <a:rPr lang="en-US" altLang="ja-JP" dirty="0"/>
-              <a:t>SoS</a:t>
-            </a:r>
-            <a:r>
-              <a:rPr lang="ja-JP" altLang="en-US" dirty="0"/>
-              <a:t>の事例：電力システム</a:t>
-            </a:r>
-            <a:endParaRPr lang="en-US" dirty="0"/>
-          </a:p>
-        </p:txBody>
-      </p:sp>
-      <p:sp>
-        <p:nvSpPr>
           <p:cNvPr id="3" name="スライド番号プレースホルダー 2">
             <a:extLst>
               <a:ext uri="{FF2B5EF4-FFF2-40B4-BE49-F238E27FC236}">
@@ -11786,7 +11753,7 @@
         </p:nvCxnSpPr>
         <p:spPr>
           <a:xfrm rot="16200000" flipV="1">
-            <a:off x="7475083" y="1055830"/>
+            <a:off x="7475083" y="1055829"/>
             <a:ext cx="680211" cy="4137404"/>
           </a:xfrm>
           <a:prstGeom prst="bentConnector2">
@@ -12273,6 +12240,117 @@
           </a:p>
         </p:txBody>
       </p:sp>
+      <p:sp>
+        <p:nvSpPr>
+          <p:cNvPr id="12" name="タイトル 1">
+            <a:extLst>
+              <a:ext uri="{FF2B5EF4-FFF2-40B4-BE49-F238E27FC236}">
+                <a16:creationId xmlns:a16="http://schemas.microsoft.com/office/drawing/2014/main" id="{32652772-894A-6B4F-8C55-FFFCDF53D1AA}"/>
+              </a:ext>
+            </a:extLst>
+          </p:cNvPr>
+          <p:cNvSpPr txBox="1">
+            <a:spLocks/>
+          </p:cNvSpPr>
+          <p:nvPr/>
+        </p:nvSpPr>
+        <p:spPr>
+          <a:xfrm>
+            <a:off x="517055" y="241080"/>
+            <a:ext cx="11400125" cy="518094"/>
+          </a:xfrm>
+          <a:prstGeom prst="rect">
+            <a:avLst/>
+          </a:prstGeom>
+        </p:spPr>
+        <p:txBody>
+          <a:bodyPr vert="horz" lIns="91440" tIns="45720" rIns="91440" bIns="45720" rtlCol="0" anchor="ctr">
+            <a:normAutofit/>
+          </a:bodyPr>
+          <a:lstStyle>
+            <a:lvl1pPr algn="l" defTabSz="914400" rtl="0" eaLnBrk="1" latinLnBrk="0" hangingPunct="1">
+              <a:lnSpc>
+                <a:spcPct val="90000"/>
+              </a:lnSpc>
+              <a:spcBef>
+                <a:spcPct val="0"/>
+              </a:spcBef>
+              <a:buNone/>
+              <a:defRPr kumimoji="1" sz="2800" b="1" kern="1200">
+                <a:solidFill>
+                  <a:schemeClr val="bg1"/>
+                </a:solidFill>
+                <a:latin typeface="+mj-lt"/>
+                <a:ea typeface="+mj-ea"/>
+                <a:cs typeface="+mj-cs"/>
+              </a:defRPr>
+            </a:lvl1pPr>
+          </a:lstStyle>
+          <a:p>
+            <a:r>
+              <a:rPr lang="en-US" altLang="ja-JP" dirty="0"/>
+              <a:t>SoS</a:t>
+            </a:r>
+            <a:r>
+              <a:rPr lang="ja-JP" altLang="en-US" dirty="0"/>
+              <a:t>の事例：電力システム</a:t>
+            </a:r>
+            <a:endParaRPr lang="en-US" dirty="0"/>
+          </a:p>
+        </p:txBody>
+      </p:sp>
+      <p:sp>
+        <p:nvSpPr>
+          <p:cNvPr id="14" name="テキスト ボックス 13">
+            <a:extLst>
+              <a:ext uri="{FF2B5EF4-FFF2-40B4-BE49-F238E27FC236}">
+                <a16:creationId xmlns:a16="http://schemas.microsoft.com/office/drawing/2014/main" id="{AA7B967F-81B5-04C3-8EBB-3ECA77C951AD}"/>
+              </a:ext>
+            </a:extLst>
+          </p:cNvPr>
+          <p:cNvSpPr txBox="1"/>
+          <p:nvPr/>
+        </p:nvSpPr>
+        <p:spPr>
+          <a:xfrm>
+            <a:off x="571984" y="-20366"/>
+            <a:ext cx="3682516" cy="338554"/>
+          </a:xfrm>
+          <a:prstGeom prst="rect">
+            <a:avLst/>
+          </a:prstGeom>
+          <a:noFill/>
+        </p:spPr>
+        <p:txBody>
+          <a:bodyPr wrap="square" rtlCol="0">
+            <a:spAutoFit/>
+          </a:bodyPr>
+          <a:lstStyle/>
+          <a:p>
+            <a:r>
+              <a:rPr lang="en-US" altLang="ja-JP" sz="1600" b="1" dirty="0">
+                <a:solidFill>
+                  <a:schemeClr val="bg1"/>
+                </a:solidFill>
+              </a:rPr>
+              <a:t>2. SoS</a:t>
+            </a:r>
+            <a:r>
+              <a:rPr lang="ja-JP" altLang="en-US" sz="1600" b="1" dirty="0">
+                <a:solidFill>
+                  <a:schemeClr val="bg1"/>
+                </a:solidFill>
+              </a:rPr>
+              <a:t>の事例分析・分類</a:t>
+            </a:r>
+            <a:endParaRPr kumimoji="1" lang="ja-JP" altLang="en-US" sz="1600" b="1" dirty="0">
+              <a:solidFill>
+                <a:schemeClr val="bg1"/>
+              </a:solidFill>
+            </a:endParaRPr>
+          </a:p>
+        </p:txBody>
+      </p:sp>
     </p:spTree>
     <p:extLst>
       <p:ext uri="{BB962C8B-B14F-4D97-AF65-F5344CB8AC3E}">
@@ -12287,6 +12365,4644 @@
 </file>
 
 <file path=ppt/slides/slide11.xml><?xml version="1.0" encoding="utf-8"?>
+<p:sld xmlns:a="http://schemas.openxmlformats.org/drawingml/2006/main" xmlns:r="http://schemas.openxmlformats.org/officeDocument/2006/relationships" xmlns:p="http://schemas.openxmlformats.org/presentationml/2006/main">
+  <p:cSld>
+    <p:spTree>
+      <p:nvGrpSpPr>
+        <p:cNvPr id="1" name=""/>
+        <p:cNvGrpSpPr/>
+        <p:nvPr/>
+      </p:nvGrpSpPr>
+      <p:grpSpPr>
+        <a:xfrm>
+          <a:off x="0" y="0"/>
+          <a:ext cx="0" cy="0"/>
+          <a:chOff x="0" y="0"/>
+          <a:chExt cx="0" cy="0"/>
+        </a:xfrm>
+      </p:grpSpPr>
+      <p:sp>
+        <p:nvSpPr>
+          <p:cNvPr id="57" name="正方形/長方形 56">
+            <a:extLst>
+              <a:ext uri="{FF2B5EF4-FFF2-40B4-BE49-F238E27FC236}">
+                <a16:creationId xmlns:a16="http://schemas.microsoft.com/office/drawing/2014/main" id="{6C1B96E1-030E-8A55-5E63-A7ADDF246FA9}"/>
+              </a:ext>
+            </a:extLst>
+          </p:cNvPr>
+          <p:cNvSpPr/>
+          <p:nvPr/>
+        </p:nvSpPr>
+        <p:spPr>
+          <a:xfrm>
+            <a:off x="255797" y="2049235"/>
+            <a:ext cx="4834921" cy="4148487"/>
+          </a:xfrm>
+          <a:prstGeom prst="rect">
+            <a:avLst/>
+          </a:prstGeom>
+          <a:solidFill>
+            <a:schemeClr val="accent2">
+              <a:lumMod val="20000"/>
+              <a:lumOff val="80000"/>
+              <a:alpha val="50000"/>
+            </a:schemeClr>
+          </a:solidFill>
+          <a:ln>
+            <a:noFill/>
+          </a:ln>
+        </p:spPr>
+        <p:style>
+          <a:lnRef idx="2">
+            <a:schemeClr val="accent1">
+              <a:shade val="50000"/>
+            </a:schemeClr>
+          </a:lnRef>
+          <a:fillRef idx="1">
+            <a:schemeClr val="accent1"/>
+          </a:fillRef>
+          <a:effectRef idx="0">
+            <a:schemeClr val="accent1"/>
+          </a:effectRef>
+          <a:fontRef idx="minor">
+            <a:schemeClr val="lt1"/>
+          </a:fontRef>
+        </p:style>
+        <p:txBody>
+          <a:bodyPr rtlCol="0" anchor="ctr"/>
+          <a:lstStyle/>
+          <a:p>
+            <a:pPr algn="ctr"/>
+            <a:endParaRPr kumimoji="1" lang="ja-JP" altLang="en-US">
+              <a:solidFill>
+                <a:schemeClr val="tx1"/>
+              </a:solidFill>
+            </a:endParaRPr>
+          </a:p>
+        </p:txBody>
+      </p:sp>
+      <p:cxnSp>
+        <p:nvCxnSpPr>
+          <p:cNvPr id="94" name="直線矢印コネクタ 93">
+            <a:extLst>
+              <a:ext uri="{FF2B5EF4-FFF2-40B4-BE49-F238E27FC236}">
+                <a16:creationId xmlns:a16="http://schemas.microsoft.com/office/drawing/2014/main" id="{19B23FAE-3CAF-0B1A-BA92-55C843696ED8}"/>
+              </a:ext>
+            </a:extLst>
+          </p:cNvPr>
+          <p:cNvCxnSpPr>
+            <a:cxnSpLocks/>
+          </p:cNvCxnSpPr>
+          <p:nvPr/>
+        </p:nvCxnSpPr>
+        <p:spPr>
+          <a:xfrm>
+            <a:off x="2593042" y="3496719"/>
+            <a:ext cx="0" cy="1595953"/>
+          </a:xfrm>
+          <a:prstGeom prst="straightConnector1">
+            <a:avLst/>
+          </a:prstGeom>
+          <a:ln w="38100">
+            <a:solidFill>
+              <a:schemeClr val="bg1">
+                <a:lumMod val="65000"/>
+              </a:schemeClr>
+            </a:solidFill>
+            <a:headEnd type="none" w="med" len="med"/>
+            <a:tailEnd type="triangle"/>
+          </a:ln>
+        </p:spPr>
+        <p:style>
+          <a:lnRef idx="1">
+            <a:schemeClr val="accent1"/>
+          </a:lnRef>
+          <a:fillRef idx="0">
+            <a:schemeClr val="accent1"/>
+          </a:fillRef>
+          <a:effectRef idx="0">
+            <a:schemeClr val="accent1"/>
+          </a:effectRef>
+          <a:fontRef idx="minor">
+            <a:schemeClr val="tx1"/>
+          </a:fontRef>
+        </p:style>
+      </p:cxnSp>
+      <p:cxnSp>
+        <p:nvCxnSpPr>
+          <p:cNvPr id="95" name="直線矢印コネクタ 94">
+            <a:extLst>
+              <a:ext uri="{FF2B5EF4-FFF2-40B4-BE49-F238E27FC236}">
+                <a16:creationId xmlns:a16="http://schemas.microsoft.com/office/drawing/2014/main" id="{CEC5BEDA-2B2C-5EF2-3E0E-0ECE797A35E7}"/>
+              </a:ext>
+            </a:extLst>
+          </p:cNvPr>
+          <p:cNvCxnSpPr>
+            <a:cxnSpLocks/>
+          </p:cNvCxnSpPr>
+          <p:nvPr/>
+        </p:nvCxnSpPr>
+        <p:spPr>
+          <a:xfrm>
+            <a:off x="3850342" y="3496719"/>
+            <a:ext cx="0" cy="1595953"/>
+          </a:xfrm>
+          <a:prstGeom prst="straightConnector1">
+            <a:avLst/>
+          </a:prstGeom>
+          <a:ln w="38100">
+            <a:solidFill>
+              <a:schemeClr val="bg1">
+                <a:lumMod val="65000"/>
+              </a:schemeClr>
+            </a:solidFill>
+            <a:headEnd type="none" w="med" len="med"/>
+            <a:tailEnd type="triangle"/>
+          </a:ln>
+        </p:spPr>
+        <p:style>
+          <a:lnRef idx="1">
+            <a:schemeClr val="accent1"/>
+          </a:lnRef>
+          <a:fillRef idx="0">
+            <a:schemeClr val="accent1"/>
+          </a:fillRef>
+          <a:effectRef idx="0">
+            <a:schemeClr val="accent1"/>
+          </a:effectRef>
+          <a:fontRef idx="minor">
+            <a:schemeClr val="tx1"/>
+          </a:fontRef>
+        </p:style>
+      </p:cxnSp>
+      <p:cxnSp>
+        <p:nvCxnSpPr>
+          <p:cNvPr id="90" name="直線矢印コネクタ 89">
+            <a:extLst>
+              <a:ext uri="{FF2B5EF4-FFF2-40B4-BE49-F238E27FC236}">
+                <a16:creationId xmlns:a16="http://schemas.microsoft.com/office/drawing/2014/main" id="{01A5C0FE-838B-FA3A-7ADB-F0E37728B494}"/>
+              </a:ext>
+            </a:extLst>
+          </p:cNvPr>
+          <p:cNvCxnSpPr>
+            <a:cxnSpLocks/>
+          </p:cNvCxnSpPr>
+          <p:nvPr/>
+        </p:nvCxnSpPr>
+        <p:spPr>
+          <a:xfrm>
+            <a:off x="1297642" y="3496719"/>
+            <a:ext cx="0" cy="1595953"/>
+          </a:xfrm>
+          <a:prstGeom prst="straightConnector1">
+            <a:avLst/>
+          </a:prstGeom>
+          <a:ln w="38100">
+            <a:solidFill>
+              <a:schemeClr val="bg1">
+                <a:lumMod val="65000"/>
+              </a:schemeClr>
+            </a:solidFill>
+            <a:headEnd type="none" w="med" len="med"/>
+            <a:tailEnd type="triangle"/>
+          </a:ln>
+        </p:spPr>
+        <p:style>
+          <a:lnRef idx="1">
+            <a:schemeClr val="accent1"/>
+          </a:lnRef>
+          <a:fillRef idx="0">
+            <a:schemeClr val="accent1"/>
+          </a:fillRef>
+          <a:effectRef idx="0">
+            <a:schemeClr val="accent1"/>
+          </a:effectRef>
+          <a:fontRef idx="minor">
+            <a:schemeClr val="tx1"/>
+          </a:fontRef>
+        </p:style>
+      </p:cxnSp>
+      <p:sp>
+        <p:nvSpPr>
+          <p:cNvPr id="73" name="四角形: 角を丸くする 72">
+            <a:extLst>
+              <a:ext uri="{FF2B5EF4-FFF2-40B4-BE49-F238E27FC236}">
+                <a16:creationId xmlns:a16="http://schemas.microsoft.com/office/drawing/2014/main" id="{4AB3B0A7-7181-5B48-A7E7-3EBF0A2376BF}"/>
+              </a:ext>
+            </a:extLst>
+          </p:cNvPr>
+          <p:cNvSpPr/>
+          <p:nvPr/>
+        </p:nvSpPr>
+        <p:spPr>
+          <a:xfrm>
+            <a:off x="498322" y="5092672"/>
+            <a:ext cx="4136032" cy="870617"/>
+          </a:xfrm>
+          <a:prstGeom prst="roundRect">
+            <a:avLst/>
+          </a:prstGeom>
+          <a:solidFill>
+            <a:schemeClr val="bg1"/>
+          </a:solidFill>
+        </p:spPr>
+        <p:style>
+          <a:lnRef idx="2">
+            <a:schemeClr val="accent1">
+              <a:shade val="50000"/>
+            </a:schemeClr>
+          </a:lnRef>
+          <a:fillRef idx="1">
+            <a:schemeClr val="accent1"/>
+          </a:fillRef>
+          <a:effectRef idx="0">
+            <a:schemeClr val="accent1"/>
+          </a:effectRef>
+          <a:fontRef idx="minor">
+            <a:schemeClr val="lt1"/>
+          </a:fontRef>
+        </p:style>
+        <p:txBody>
+          <a:bodyPr rtlCol="0" anchor="ctr"/>
+          <a:lstStyle/>
+          <a:p>
+            <a:pPr algn="ctr"/>
+            <a:endParaRPr kumimoji="1" lang="ja-JP" altLang="en-US">
+              <a:solidFill>
+                <a:schemeClr val="tx1"/>
+              </a:solidFill>
+            </a:endParaRPr>
+          </a:p>
+        </p:txBody>
+      </p:sp>
+      <p:sp>
+        <p:nvSpPr>
+          <p:cNvPr id="10" name="四角形: 角を丸くする 9">
+            <a:extLst>
+              <a:ext uri="{FF2B5EF4-FFF2-40B4-BE49-F238E27FC236}">
+                <a16:creationId xmlns:a16="http://schemas.microsoft.com/office/drawing/2014/main" id="{535ECB7C-9660-F092-2BD3-ACEE37D250CF}"/>
+              </a:ext>
+            </a:extLst>
+          </p:cNvPr>
+          <p:cNvSpPr/>
+          <p:nvPr/>
+        </p:nvSpPr>
+        <p:spPr>
+          <a:xfrm>
+            <a:off x="509719" y="3834330"/>
+            <a:ext cx="4136032" cy="870617"/>
+          </a:xfrm>
+          <a:prstGeom prst="roundRect">
+            <a:avLst/>
+          </a:prstGeom>
+          <a:solidFill>
+            <a:schemeClr val="bg1"/>
+          </a:solidFill>
+        </p:spPr>
+        <p:style>
+          <a:lnRef idx="2">
+            <a:schemeClr val="accent1">
+              <a:shade val="50000"/>
+            </a:schemeClr>
+          </a:lnRef>
+          <a:fillRef idx="1">
+            <a:schemeClr val="accent1"/>
+          </a:fillRef>
+          <a:effectRef idx="0">
+            <a:schemeClr val="accent1"/>
+          </a:effectRef>
+          <a:fontRef idx="minor">
+            <a:schemeClr val="lt1"/>
+          </a:fontRef>
+        </p:style>
+        <p:txBody>
+          <a:bodyPr rtlCol="0" anchor="ctr"/>
+          <a:lstStyle/>
+          <a:p>
+            <a:pPr algn="ctr"/>
+            <a:endParaRPr kumimoji="1" lang="ja-JP" altLang="en-US">
+              <a:solidFill>
+                <a:schemeClr val="tx1"/>
+              </a:solidFill>
+            </a:endParaRPr>
+          </a:p>
+        </p:txBody>
+      </p:sp>
+      <p:sp>
+        <p:nvSpPr>
+          <p:cNvPr id="54" name="四角形: 角を丸くする 53">
+            <a:extLst>
+              <a:ext uri="{FF2B5EF4-FFF2-40B4-BE49-F238E27FC236}">
+                <a16:creationId xmlns:a16="http://schemas.microsoft.com/office/drawing/2014/main" id="{99A69533-5A5D-292F-A103-5541A2F5F939}"/>
+              </a:ext>
+            </a:extLst>
+          </p:cNvPr>
+          <p:cNvSpPr/>
+          <p:nvPr/>
+        </p:nvSpPr>
+        <p:spPr>
+          <a:xfrm>
+            <a:off x="509719" y="2626102"/>
+            <a:ext cx="4136032" cy="870617"/>
+          </a:xfrm>
+          <a:prstGeom prst="roundRect">
+            <a:avLst/>
+          </a:prstGeom>
+          <a:solidFill>
+            <a:schemeClr val="bg1"/>
+          </a:solidFill>
+        </p:spPr>
+        <p:style>
+          <a:lnRef idx="2">
+            <a:schemeClr val="accent1">
+              <a:shade val="50000"/>
+            </a:schemeClr>
+          </a:lnRef>
+          <a:fillRef idx="1">
+            <a:schemeClr val="accent1"/>
+          </a:fillRef>
+          <a:effectRef idx="0">
+            <a:schemeClr val="accent1"/>
+          </a:effectRef>
+          <a:fontRef idx="minor">
+            <a:schemeClr val="lt1"/>
+          </a:fontRef>
+        </p:style>
+        <p:txBody>
+          <a:bodyPr rtlCol="0" anchor="ctr"/>
+          <a:lstStyle/>
+          <a:p>
+            <a:pPr algn="ctr"/>
+            <a:endParaRPr kumimoji="1" lang="ja-JP" altLang="en-US">
+              <a:solidFill>
+                <a:schemeClr val="tx1"/>
+              </a:solidFill>
+            </a:endParaRPr>
+          </a:p>
+        </p:txBody>
+      </p:sp>
+      <p:sp>
+        <p:nvSpPr>
+          <p:cNvPr id="59" name="正方形/長方形 58">
+            <a:extLst>
+              <a:ext uri="{FF2B5EF4-FFF2-40B4-BE49-F238E27FC236}">
+                <a16:creationId xmlns:a16="http://schemas.microsoft.com/office/drawing/2014/main" id="{8FB930EB-A0B3-7E09-E9E9-41C2C63F9B05}"/>
+              </a:ext>
+            </a:extLst>
+          </p:cNvPr>
+          <p:cNvSpPr/>
+          <p:nvPr/>
+        </p:nvSpPr>
+        <p:spPr>
+          <a:xfrm>
+            <a:off x="5562547" y="4390708"/>
+            <a:ext cx="6380846" cy="1807013"/>
+          </a:xfrm>
+          <a:prstGeom prst="rect">
+            <a:avLst/>
+          </a:prstGeom>
+          <a:solidFill>
+            <a:schemeClr val="accent3">
+              <a:lumMod val="20000"/>
+              <a:lumOff val="80000"/>
+            </a:schemeClr>
+          </a:solidFill>
+          <a:ln>
+            <a:noFill/>
+          </a:ln>
+        </p:spPr>
+        <p:style>
+          <a:lnRef idx="2">
+            <a:schemeClr val="accent1">
+              <a:shade val="50000"/>
+            </a:schemeClr>
+          </a:lnRef>
+          <a:fillRef idx="1">
+            <a:schemeClr val="accent1"/>
+          </a:fillRef>
+          <a:effectRef idx="0">
+            <a:schemeClr val="accent1"/>
+          </a:effectRef>
+          <a:fontRef idx="minor">
+            <a:schemeClr val="lt1"/>
+          </a:fontRef>
+        </p:style>
+        <p:txBody>
+          <a:bodyPr rtlCol="0" anchor="ctr"/>
+          <a:lstStyle/>
+          <a:p>
+            <a:pPr algn="ctr"/>
+            <a:endParaRPr kumimoji="1" lang="ja-JP" altLang="en-US">
+              <a:solidFill>
+                <a:schemeClr val="tx1"/>
+              </a:solidFill>
+            </a:endParaRPr>
+          </a:p>
+        </p:txBody>
+      </p:sp>
+      <p:sp>
+        <p:nvSpPr>
+          <p:cNvPr id="17" name="四角形: 角を丸くする 16">
+            <a:extLst>
+              <a:ext uri="{FF2B5EF4-FFF2-40B4-BE49-F238E27FC236}">
+                <a16:creationId xmlns:a16="http://schemas.microsoft.com/office/drawing/2014/main" id="{3592C457-8971-1978-1761-A8EEB7BE8AAE}"/>
+              </a:ext>
+            </a:extLst>
+          </p:cNvPr>
+          <p:cNvSpPr/>
+          <p:nvPr/>
+        </p:nvSpPr>
+        <p:spPr>
+          <a:xfrm>
+            <a:off x="5922758" y="4688257"/>
+            <a:ext cx="5684889" cy="976825"/>
+          </a:xfrm>
+          <a:prstGeom prst="roundRect">
+            <a:avLst/>
+          </a:prstGeom>
+          <a:solidFill>
+            <a:schemeClr val="bg1"/>
+          </a:solidFill>
+        </p:spPr>
+        <p:style>
+          <a:lnRef idx="2">
+            <a:schemeClr val="accent1">
+              <a:shade val="50000"/>
+            </a:schemeClr>
+          </a:lnRef>
+          <a:fillRef idx="1">
+            <a:schemeClr val="accent1"/>
+          </a:fillRef>
+          <a:effectRef idx="0">
+            <a:schemeClr val="accent1"/>
+          </a:effectRef>
+          <a:fontRef idx="minor">
+            <a:schemeClr val="lt1"/>
+          </a:fontRef>
+        </p:style>
+        <p:txBody>
+          <a:bodyPr rtlCol="0" anchor="ctr"/>
+          <a:lstStyle/>
+          <a:p>
+            <a:pPr algn="ctr"/>
+            <a:endParaRPr kumimoji="1" lang="ja-JP" altLang="en-US">
+              <a:solidFill>
+                <a:schemeClr val="tx1"/>
+              </a:solidFill>
+            </a:endParaRPr>
+          </a:p>
+        </p:txBody>
+      </p:sp>
+      <p:sp>
+        <p:nvSpPr>
+          <p:cNvPr id="8" name="正方形/長方形 7">
+            <a:extLst>
+              <a:ext uri="{FF2B5EF4-FFF2-40B4-BE49-F238E27FC236}">
+                <a16:creationId xmlns:a16="http://schemas.microsoft.com/office/drawing/2014/main" id="{4F9DCC26-0CA5-AF4A-0996-082D515A3ABB}"/>
+              </a:ext>
+            </a:extLst>
+          </p:cNvPr>
+          <p:cNvSpPr/>
+          <p:nvPr/>
+        </p:nvSpPr>
+        <p:spPr>
+          <a:xfrm>
+            <a:off x="5568769" y="2049235"/>
+            <a:ext cx="6374624" cy="1959147"/>
+          </a:xfrm>
+          <a:prstGeom prst="rect">
+            <a:avLst/>
+          </a:prstGeom>
+          <a:solidFill>
+            <a:schemeClr val="accent4">
+              <a:lumMod val="20000"/>
+              <a:lumOff val="80000"/>
+            </a:schemeClr>
+          </a:solidFill>
+          <a:ln>
+            <a:noFill/>
+          </a:ln>
+        </p:spPr>
+        <p:style>
+          <a:lnRef idx="2">
+            <a:schemeClr val="accent1">
+              <a:shade val="50000"/>
+            </a:schemeClr>
+          </a:lnRef>
+          <a:fillRef idx="1">
+            <a:schemeClr val="accent1"/>
+          </a:fillRef>
+          <a:effectRef idx="0">
+            <a:schemeClr val="accent1"/>
+          </a:effectRef>
+          <a:fontRef idx="minor">
+            <a:schemeClr val="lt1"/>
+          </a:fontRef>
+        </p:style>
+        <p:txBody>
+          <a:bodyPr rtlCol="0" anchor="ctr"/>
+          <a:lstStyle/>
+          <a:p>
+            <a:pPr algn="ctr"/>
+            <a:endParaRPr kumimoji="1" lang="ja-JP" altLang="en-US">
+              <a:solidFill>
+                <a:schemeClr val="tx1"/>
+              </a:solidFill>
+            </a:endParaRPr>
+          </a:p>
+        </p:txBody>
+      </p:sp>
+      <p:sp>
+        <p:nvSpPr>
+          <p:cNvPr id="13" name="四角形: 角を丸くする 12">
+            <a:extLst>
+              <a:ext uri="{FF2B5EF4-FFF2-40B4-BE49-F238E27FC236}">
+                <a16:creationId xmlns:a16="http://schemas.microsoft.com/office/drawing/2014/main" id="{5D50FB3C-6093-E2BA-EBD4-A202B3A64602}"/>
+              </a:ext>
+            </a:extLst>
+          </p:cNvPr>
+          <p:cNvSpPr/>
+          <p:nvPr/>
+        </p:nvSpPr>
+        <p:spPr>
+          <a:xfrm>
+            <a:off x="5922759" y="2691158"/>
+            <a:ext cx="5684889" cy="976825"/>
+          </a:xfrm>
+          <a:prstGeom prst="roundRect">
+            <a:avLst/>
+          </a:prstGeom>
+          <a:solidFill>
+            <a:schemeClr val="bg1"/>
+          </a:solidFill>
+        </p:spPr>
+        <p:style>
+          <a:lnRef idx="2">
+            <a:schemeClr val="accent1">
+              <a:shade val="50000"/>
+            </a:schemeClr>
+          </a:lnRef>
+          <a:fillRef idx="1">
+            <a:schemeClr val="accent1"/>
+          </a:fillRef>
+          <a:effectRef idx="0">
+            <a:schemeClr val="accent1"/>
+          </a:effectRef>
+          <a:fontRef idx="minor">
+            <a:schemeClr val="lt1"/>
+          </a:fontRef>
+        </p:style>
+        <p:txBody>
+          <a:bodyPr rtlCol="0" anchor="ctr"/>
+          <a:lstStyle/>
+          <a:p>
+            <a:pPr algn="ctr"/>
+            <a:endParaRPr kumimoji="1" lang="ja-JP" altLang="en-US">
+              <a:solidFill>
+                <a:schemeClr val="tx1"/>
+              </a:solidFill>
+            </a:endParaRPr>
+          </a:p>
+        </p:txBody>
+      </p:sp>
+      <p:sp>
+        <p:nvSpPr>
+          <p:cNvPr id="3" name="スライド番号プレースホルダー 2">
+            <a:extLst>
+              <a:ext uri="{FF2B5EF4-FFF2-40B4-BE49-F238E27FC236}">
+                <a16:creationId xmlns:a16="http://schemas.microsoft.com/office/drawing/2014/main" id="{ED23190D-575C-49DE-8293-87C3C1C8D779}"/>
+              </a:ext>
+            </a:extLst>
+          </p:cNvPr>
+          <p:cNvSpPr>
+            <a:spLocks noGrp="1"/>
+          </p:cNvSpPr>
+          <p:nvPr>
+            <p:ph type="sldNum" sz="quarter" idx="10"/>
+          </p:nvPr>
+        </p:nvSpPr>
+        <p:spPr/>
+        <p:txBody>
+          <a:bodyPr/>
+          <a:lstStyle/>
+          <a:p>
+            <a:fld id="{584EAAFE-CFE5-40AD-8E95-5BFF290DC5CF}" type="slidenum">
+              <a:rPr kumimoji="1" lang="ja-JP" altLang="en-US" smtClean="0"/>
+              <a:pPr/>
+              <a:t>11</a:t>
+            </a:fld>
+            <a:endParaRPr kumimoji="1" lang="ja-JP" altLang="en-US"/>
+          </a:p>
+        </p:txBody>
+      </p:sp>
+      <p:sp>
+        <p:nvSpPr>
+          <p:cNvPr id="9" name="テキスト プレースホルダー 8">
+            <a:extLst>
+              <a:ext uri="{FF2B5EF4-FFF2-40B4-BE49-F238E27FC236}">
+                <a16:creationId xmlns:a16="http://schemas.microsoft.com/office/drawing/2014/main" id="{A809889B-886C-09D3-E0E0-05C8C4A3F3EE}"/>
+              </a:ext>
+            </a:extLst>
+          </p:cNvPr>
+          <p:cNvSpPr>
+            <a:spLocks noGrp="1"/>
+          </p:cNvSpPr>
+          <p:nvPr>
+            <p:ph type="body" sz="quarter" idx="11"/>
+          </p:nvPr>
+        </p:nvSpPr>
+        <p:spPr>
+          <a:xfrm>
+            <a:off x="517055" y="867260"/>
+            <a:ext cx="11341887" cy="627550"/>
+          </a:xfrm>
+        </p:spPr>
+        <p:txBody>
+          <a:bodyPr/>
+          <a:lstStyle/>
+          <a:p>
+            <a:r>
+              <a:rPr lang="ja-JP" altLang="en-US" dirty="0"/>
+              <a:t>ターミナル駅の乗換混雑緩和や速達性向上のために、事業者間、需給間で連携する。</a:t>
+            </a:r>
+            <a:endParaRPr lang="en-US" altLang="ja-JP" dirty="0"/>
+          </a:p>
+          <a:p>
+            <a:pPr lvl="1"/>
+            <a:r>
+              <a:rPr lang="ja-JP" altLang="en-US" dirty="0"/>
+              <a:t>他社の車両を借りて、自社の運転士が自社路線を運転</a:t>
+            </a:r>
+            <a:endParaRPr lang="en-US" altLang="ja-JP" dirty="0"/>
+          </a:p>
+        </p:txBody>
+      </p:sp>
+      <p:sp>
+        <p:nvSpPr>
+          <p:cNvPr id="58" name="テキスト ボックス 57">
+            <a:extLst>
+              <a:ext uri="{FF2B5EF4-FFF2-40B4-BE49-F238E27FC236}">
+                <a16:creationId xmlns:a16="http://schemas.microsoft.com/office/drawing/2014/main" id="{71E1EF27-EE25-E981-0C1E-929CF2348F31}"/>
+              </a:ext>
+            </a:extLst>
+          </p:cNvPr>
+          <p:cNvSpPr txBox="1"/>
+          <p:nvPr/>
+        </p:nvSpPr>
+        <p:spPr>
+          <a:xfrm>
+            <a:off x="198225" y="1767829"/>
+            <a:ext cx="1174189" cy="338554"/>
+          </a:xfrm>
+          <a:prstGeom prst="rect">
+            <a:avLst/>
+          </a:prstGeom>
+          <a:noFill/>
+        </p:spPr>
+        <p:txBody>
+          <a:bodyPr wrap="square" rtlCol="0">
+            <a:spAutoFit/>
+          </a:bodyPr>
+          <a:lstStyle/>
+          <a:p>
+            <a:pPr algn="ctr"/>
+            <a:r>
+              <a:rPr kumimoji="1" lang="ja-JP" altLang="en-US" sz="1600" b="1" dirty="0">
+                <a:solidFill>
+                  <a:schemeClr val="accent2"/>
+                </a:solidFill>
+              </a:rPr>
+              <a:t>鉄道路線</a:t>
+            </a:r>
+          </a:p>
+        </p:txBody>
+      </p:sp>
+      <p:pic>
+        <p:nvPicPr>
+          <p:cNvPr id="60" name="グラフィックス 59" descr="建物 単色塗りつぶし">
+            <a:extLst>
+              <a:ext uri="{FF2B5EF4-FFF2-40B4-BE49-F238E27FC236}">
+                <a16:creationId xmlns:a16="http://schemas.microsoft.com/office/drawing/2014/main" id="{3F134911-628A-350B-EFFF-2846E8AF6DC3}"/>
+              </a:ext>
+            </a:extLst>
+          </p:cNvPr>
+          <p:cNvPicPr>
+            <a:picLocks noChangeAspect="1"/>
+          </p:cNvPicPr>
+          <p:nvPr/>
+        </p:nvPicPr>
+        <p:blipFill>
+          <a:blip r:embed="rId2">
+            <a:extLst>
+              <a:ext uri="{96DAC541-7B7A-43D3-8B79-37D633B846F1}">
+                <asvg:svgBlip xmlns:asvg="http://schemas.microsoft.com/office/drawing/2016/SVG/main" r:embed="rId3"/>
+              </a:ext>
+            </a:extLst>
+          </a:blip>
+          <a:stretch>
+            <a:fillRect/>
+          </a:stretch>
+        </p:blipFill>
+        <p:spPr>
+          <a:xfrm>
+            <a:off x="8457291" y="2956172"/>
+            <a:ext cx="603387" cy="603387"/>
+          </a:xfrm>
+          <a:prstGeom prst="rect">
+            <a:avLst/>
+          </a:prstGeom>
+        </p:spPr>
+      </p:pic>
+      <p:pic>
+        <p:nvPicPr>
+          <p:cNvPr id="61" name="グラフィックス 60" descr="建物 単色塗りつぶし">
+            <a:extLst>
+              <a:ext uri="{FF2B5EF4-FFF2-40B4-BE49-F238E27FC236}">
+                <a16:creationId xmlns:a16="http://schemas.microsoft.com/office/drawing/2014/main" id="{EA5FA4A0-4A19-37F8-C93F-B1E2DCC3E824}"/>
+              </a:ext>
+            </a:extLst>
+          </p:cNvPr>
+          <p:cNvPicPr>
+            <a:picLocks noChangeAspect="1"/>
+          </p:cNvPicPr>
+          <p:nvPr/>
+        </p:nvPicPr>
+        <p:blipFill>
+          <a:blip r:embed="rId4">
+            <a:extLst>
+              <a:ext uri="{96DAC541-7B7A-43D3-8B79-37D633B846F1}">
+                <asvg:svgBlip xmlns:asvg="http://schemas.microsoft.com/office/drawing/2016/SVG/main" r:embed="rId5"/>
+              </a:ext>
+            </a:extLst>
+          </a:blip>
+          <a:stretch>
+            <a:fillRect/>
+          </a:stretch>
+        </p:blipFill>
+        <p:spPr>
+          <a:xfrm>
+            <a:off x="6577599" y="2956172"/>
+            <a:ext cx="603387" cy="603387"/>
+          </a:xfrm>
+          <a:prstGeom prst="rect">
+            <a:avLst/>
+          </a:prstGeom>
+        </p:spPr>
+      </p:pic>
+      <p:sp>
+        <p:nvSpPr>
+          <p:cNvPr id="62" name="テキスト ボックス 61">
+            <a:extLst>
+              <a:ext uri="{FF2B5EF4-FFF2-40B4-BE49-F238E27FC236}">
+                <a16:creationId xmlns:a16="http://schemas.microsoft.com/office/drawing/2014/main" id="{E920C0A7-C5F0-8FED-61EF-51BFE22E1812}"/>
+              </a:ext>
+            </a:extLst>
+          </p:cNvPr>
+          <p:cNvSpPr txBox="1"/>
+          <p:nvPr/>
+        </p:nvSpPr>
+        <p:spPr>
+          <a:xfrm>
+            <a:off x="6155914" y="2052918"/>
+            <a:ext cx="1474332" cy="307777"/>
+          </a:xfrm>
+          <a:prstGeom prst="rect">
+            <a:avLst/>
+          </a:prstGeom>
+          <a:noFill/>
+        </p:spPr>
+        <p:txBody>
+          <a:bodyPr wrap="square" rtlCol="0">
+            <a:spAutoFit/>
+          </a:bodyPr>
+          <a:lstStyle/>
+          <a:p>
+            <a:pPr algn="ctr"/>
+            <a:r>
+              <a:rPr kumimoji="1" lang="ja-JP" altLang="en-US" sz="1400" dirty="0"/>
+              <a:t>鉄道事業者</a:t>
+            </a:r>
+            <a:r>
+              <a:rPr kumimoji="1" lang="en-US" altLang="ja-JP" sz="1400" dirty="0"/>
+              <a:t>A</a:t>
+            </a:r>
+            <a:endParaRPr kumimoji="1" lang="ja-JP" altLang="en-US" sz="1400" dirty="0"/>
+          </a:p>
+        </p:txBody>
+      </p:sp>
+      <p:sp>
+        <p:nvSpPr>
+          <p:cNvPr id="63" name="テキスト ボックス 62">
+            <a:extLst>
+              <a:ext uri="{FF2B5EF4-FFF2-40B4-BE49-F238E27FC236}">
+                <a16:creationId xmlns:a16="http://schemas.microsoft.com/office/drawing/2014/main" id="{26B36083-3B4D-9449-1F37-B790E6B315C6}"/>
+              </a:ext>
+            </a:extLst>
+          </p:cNvPr>
+          <p:cNvSpPr txBox="1"/>
+          <p:nvPr/>
+        </p:nvSpPr>
+        <p:spPr>
+          <a:xfrm>
+            <a:off x="8028741" y="2052918"/>
+            <a:ext cx="1474332" cy="307777"/>
+          </a:xfrm>
+          <a:prstGeom prst="rect">
+            <a:avLst/>
+          </a:prstGeom>
+          <a:noFill/>
+        </p:spPr>
+        <p:txBody>
+          <a:bodyPr wrap="square" rtlCol="0">
+            <a:spAutoFit/>
+          </a:bodyPr>
+          <a:lstStyle/>
+          <a:p>
+            <a:pPr algn="ctr"/>
+            <a:r>
+              <a:rPr kumimoji="1" lang="ja-JP" altLang="en-US" sz="1400" dirty="0"/>
+              <a:t>鉄道事業者</a:t>
+            </a:r>
+            <a:r>
+              <a:rPr kumimoji="1" lang="en-US" altLang="ja-JP" sz="1400" dirty="0"/>
+              <a:t>B</a:t>
+            </a:r>
+            <a:endParaRPr kumimoji="1" lang="ja-JP" altLang="en-US" sz="1400" dirty="0"/>
+          </a:p>
+        </p:txBody>
+      </p:sp>
+      <p:sp>
+        <p:nvSpPr>
+          <p:cNvPr id="65" name="テキスト ボックス 64">
+            <a:extLst>
+              <a:ext uri="{FF2B5EF4-FFF2-40B4-BE49-F238E27FC236}">
+                <a16:creationId xmlns:a16="http://schemas.microsoft.com/office/drawing/2014/main" id="{2FF0BDF9-7DD2-6AFA-89F9-A11AC2C74EC1}"/>
+              </a:ext>
+            </a:extLst>
+          </p:cNvPr>
+          <p:cNvSpPr txBox="1"/>
+          <p:nvPr/>
+        </p:nvSpPr>
+        <p:spPr>
+          <a:xfrm>
+            <a:off x="5504009" y="4052155"/>
+            <a:ext cx="1340087" cy="338554"/>
+          </a:xfrm>
+          <a:prstGeom prst="rect">
+            <a:avLst/>
+          </a:prstGeom>
+          <a:noFill/>
+        </p:spPr>
+        <p:txBody>
+          <a:bodyPr wrap="square" rtlCol="0">
+            <a:spAutoFit/>
+          </a:bodyPr>
+          <a:lstStyle/>
+          <a:p>
+            <a:pPr algn="ctr"/>
+            <a:r>
+              <a:rPr kumimoji="1" lang="ja-JP" altLang="en-US" sz="1600" b="1" dirty="0">
+                <a:solidFill>
+                  <a:schemeClr val="accent3"/>
+                </a:solidFill>
+              </a:rPr>
+              <a:t>支払システム</a:t>
+            </a:r>
+          </a:p>
+        </p:txBody>
+      </p:sp>
+      <p:sp>
+        <p:nvSpPr>
+          <p:cNvPr id="67" name="テキスト ボックス 66">
+            <a:extLst>
+              <a:ext uri="{FF2B5EF4-FFF2-40B4-BE49-F238E27FC236}">
+                <a16:creationId xmlns:a16="http://schemas.microsoft.com/office/drawing/2014/main" id="{E05A221D-E779-94FF-19F0-6FE3A5AF060E}"/>
+              </a:ext>
+            </a:extLst>
+          </p:cNvPr>
+          <p:cNvSpPr txBox="1"/>
+          <p:nvPr/>
+        </p:nvSpPr>
+        <p:spPr>
+          <a:xfrm>
+            <a:off x="7634716" y="5758181"/>
+            <a:ext cx="2238837" cy="307777"/>
+          </a:xfrm>
+          <a:prstGeom prst="rect">
+            <a:avLst/>
+          </a:prstGeom>
+          <a:noFill/>
+        </p:spPr>
+        <p:txBody>
+          <a:bodyPr wrap="square" rtlCol="0">
+            <a:spAutoFit/>
+          </a:bodyPr>
+          <a:lstStyle/>
+          <a:p>
+            <a:r>
+              <a:rPr kumimoji="1" lang="ja-JP" altLang="en-US" sz="1400" b="1" dirty="0"/>
+              <a:t>車両賃貸料金の均等化／</a:t>
+            </a:r>
+          </a:p>
+        </p:txBody>
+      </p:sp>
+      <p:sp>
+        <p:nvSpPr>
+          <p:cNvPr id="68" name="テキスト ボックス 67">
+            <a:extLst>
+              <a:ext uri="{FF2B5EF4-FFF2-40B4-BE49-F238E27FC236}">
+                <a16:creationId xmlns:a16="http://schemas.microsoft.com/office/drawing/2014/main" id="{C0212523-F1B5-CB2F-20BF-F555B8B9173E}"/>
+              </a:ext>
+            </a:extLst>
+          </p:cNvPr>
+          <p:cNvSpPr txBox="1"/>
+          <p:nvPr/>
+        </p:nvSpPr>
+        <p:spPr>
+          <a:xfrm>
+            <a:off x="7643859" y="5961658"/>
+            <a:ext cx="1828668" cy="307777"/>
+          </a:xfrm>
+          <a:prstGeom prst="rect">
+            <a:avLst/>
+          </a:prstGeom>
+          <a:noFill/>
+        </p:spPr>
+        <p:txBody>
+          <a:bodyPr wrap="square" rtlCol="0">
+            <a:spAutoFit/>
+          </a:bodyPr>
+          <a:lstStyle/>
+          <a:p>
+            <a:r>
+              <a:rPr kumimoji="1" lang="ja-JP" altLang="en-US" sz="1400" b="1" dirty="0"/>
+              <a:t>運賃収入の分配</a:t>
+            </a:r>
+          </a:p>
+        </p:txBody>
+      </p:sp>
+      <p:sp>
+        <p:nvSpPr>
+          <p:cNvPr id="69" name="テキスト ボックス 68">
+            <a:extLst>
+              <a:ext uri="{FF2B5EF4-FFF2-40B4-BE49-F238E27FC236}">
+                <a16:creationId xmlns:a16="http://schemas.microsoft.com/office/drawing/2014/main" id="{9F3E59FB-173E-9CD9-588B-C8D1E342E4DB}"/>
+              </a:ext>
+            </a:extLst>
+          </p:cNvPr>
+          <p:cNvSpPr txBox="1"/>
+          <p:nvPr/>
+        </p:nvSpPr>
+        <p:spPr>
+          <a:xfrm>
+            <a:off x="6831299" y="4067543"/>
+            <a:ext cx="1676503" cy="307777"/>
+          </a:xfrm>
+          <a:prstGeom prst="rect">
+            <a:avLst/>
+          </a:prstGeom>
+          <a:noFill/>
+        </p:spPr>
+        <p:txBody>
+          <a:bodyPr wrap="square" rtlCol="0">
+            <a:spAutoFit/>
+          </a:bodyPr>
+          <a:lstStyle/>
+          <a:p>
+            <a:pPr algn="ctr"/>
+            <a:r>
+              <a:rPr kumimoji="1" lang="ja-JP" altLang="en-US" sz="1400" dirty="0"/>
+              <a:t>運転距離／乗客数</a:t>
+            </a:r>
+          </a:p>
+        </p:txBody>
+      </p:sp>
+      <p:sp>
+        <p:nvSpPr>
+          <p:cNvPr id="70" name="テキスト ボックス 69">
+            <a:extLst>
+              <a:ext uri="{FF2B5EF4-FFF2-40B4-BE49-F238E27FC236}">
+                <a16:creationId xmlns:a16="http://schemas.microsoft.com/office/drawing/2014/main" id="{5FED4584-4BD4-6116-90E2-269F63DD3BD0}"/>
+              </a:ext>
+            </a:extLst>
+          </p:cNvPr>
+          <p:cNvSpPr txBox="1"/>
+          <p:nvPr/>
+        </p:nvSpPr>
+        <p:spPr>
+          <a:xfrm>
+            <a:off x="6782067" y="2682821"/>
+            <a:ext cx="2028568" cy="307777"/>
+          </a:xfrm>
+          <a:prstGeom prst="rect">
+            <a:avLst/>
+          </a:prstGeom>
+          <a:noFill/>
+        </p:spPr>
+        <p:txBody>
+          <a:bodyPr wrap="square" rtlCol="0">
+            <a:spAutoFit/>
+          </a:bodyPr>
+          <a:lstStyle/>
+          <a:p>
+            <a:pPr algn="ctr"/>
+            <a:r>
+              <a:rPr kumimoji="1" lang="ja-JP" altLang="en-US" sz="1400" dirty="0"/>
+              <a:t>直通区間のダイヤ改正</a:t>
+            </a:r>
+          </a:p>
+        </p:txBody>
+      </p:sp>
+      <p:pic>
+        <p:nvPicPr>
+          <p:cNvPr id="82" name="グラフィックス 81" descr="建物 単色塗りつぶし">
+            <a:extLst>
+              <a:ext uri="{FF2B5EF4-FFF2-40B4-BE49-F238E27FC236}">
+                <a16:creationId xmlns:a16="http://schemas.microsoft.com/office/drawing/2014/main" id="{3FAFC5C5-5198-3902-81BB-953FCF5A3C12}"/>
+              </a:ext>
+            </a:extLst>
+          </p:cNvPr>
+          <p:cNvPicPr>
+            <a:picLocks noChangeAspect="1"/>
+          </p:cNvPicPr>
+          <p:nvPr/>
+        </p:nvPicPr>
+        <p:blipFill>
+          <a:blip r:embed="rId6">
+            <a:extLst>
+              <a:ext uri="{96DAC541-7B7A-43D3-8B79-37D633B846F1}">
+                <asvg:svgBlip xmlns:asvg="http://schemas.microsoft.com/office/drawing/2016/SVG/main" r:embed="rId7"/>
+              </a:ext>
+            </a:extLst>
+          </a:blip>
+          <a:stretch>
+            <a:fillRect/>
+          </a:stretch>
+        </p:blipFill>
+        <p:spPr>
+          <a:xfrm>
+            <a:off x="10336982" y="2956172"/>
+            <a:ext cx="603387" cy="603387"/>
+          </a:xfrm>
+          <a:prstGeom prst="rect">
+            <a:avLst/>
+          </a:prstGeom>
+        </p:spPr>
+      </p:pic>
+      <p:sp>
+        <p:nvSpPr>
+          <p:cNvPr id="83" name="テキスト ボックス 82">
+            <a:extLst>
+              <a:ext uri="{FF2B5EF4-FFF2-40B4-BE49-F238E27FC236}">
+                <a16:creationId xmlns:a16="http://schemas.microsoft.com/office/drawing/2014/main" id="{5BE868F3-117A-6E03-71D0-EA1FA5C79262}"/>
+              </a:ext>
+            </a:extLst>
+          </p:cNvPr>
+          <p:cNvSpPr txBox="1"/>
+          <p:nvPr/>
+        </p:nvSpPr>
+        <p:spPr>
+          <a:xfrm>
+            <a:off x="9905779" y="2052918"/>
+            <a:ext cx="1474332" cy="307777"/>
+          </a:xfrm>
+          <a:prstGeom prst="rect">
+            <a:avLst/>
+          </a:prstGeom>
+          <a:noFill/>
+        </p:spPr>
+        <p:txBody>
+          <a:bodyPr wrap="square" rtlCol="0">
+            <a:spAutoFit/>
+          </a:bodyPr>
+          <a:lstStyle/>
+          <a:p>
+            <a:pPr algn="ctr"/>
+            <a:r>
+              <a:rPr kumimoji="1" lang="ja-JP" altLang="en-US" sz="1400" dirty="0"/>
+              <a:t>鉄道事業者</a:t>
+            </a:r>
+            <a:r>
+              <a:rPr kumimoji="1" lang="en-US" altLang="ja-JP" sz="1400" dirty="0"/>
+              <a:t>C</a:t>
+            </a:r>
+            <a:endParaRPr kumimoji="1" lang="ja-JP" altLang="en-US" sz="1400" dirty="0"/>
+          </a:p>
+        </p:txBody>
+      </p:sp>
+      <p:cxnSp>
+        <p:nvCxnSpPr>
+          <p:cNvPr id="105" name="直線矢印コネクタ 104">
+            <a:extLst>
+              <a:ext uri="{FF2B5EF4-FFF2-40B4-BE49-F238E27FC236}">
+                <a16:creationId xmlns:a16="http://schemas.microsoft.com/office/drawing/2014/main" id="{9B7652EB-5CD1-02AE-EFD2-7BF19ED2583E}"/>
+              </a:ext>
+            </a:extLst>
+          </p:cNvPr>
+          <p:cNvCxnSpPr/>
+          <p:nvPr/>
+        </p:nvCxnSpPr>
+        <p:spPr>
+          <a:xfrm>
+            <a:off x="7272631" y="5150173"/>
+            <a:ext cx="1041317" cy="0"/>
+          </a:xfrm>
+          <a:prstGeom prst="straightConnector1">
+            <a:avLst/>
+          </a:prstGeom>
+          <a:ln w="28575">
+            <a:solidFill>
+              <a:schemeClr val="accent3"/>
+            </a:solidFill>
+            <a:headEnd type="triangle"/>
+            <a:tailEnd type="triangle"/>
+          </a:ln>
+        </p:spPr>
+        <p:style>
+          <a:lnRef idx="1">
+            <a:schemeClr val="accent1"/>
+          </a:lnRef>
+          <a:fillRef idx="0">
+            <a:schemeClr val="accent1"/>
+          </a:fillRef>
+          <a:effectRef idx="0">
+            <a:schemeClr val="accent1"/>
+          </a:effectRef>
+          <a:fontRef idx="minor">
+            <a:schemeClr val="tx1"/>
+          </a:fontRef>
+        </p:style>
+      </p:cxnSp>
+      <p:cxnSp>
+        <p:nvCxnSpPr>
+          <p:cNvPr id="106" name="直線矢印コネクタ 105">
+            <a:extLst>
+              <a:ext uri="{FF2B5EF4-FFF2-40B4-BE49-F238E27FC236}">
+                <a16:creationId xmlns:a16="http://schemas.microsoft.com/office/drawing/2014/main" id="{C5A39E06-6B59-94F1-4384-7A56CF1C7211}"/>
+              </a:ext>
+            </a:extLst>
+          </p:cNvPr>
+          <p:cNvCxnSpPr/>
+          <p:nvPr/>
+        </p:nvCxnSpPr>
+        <p:spPr>
+          <a:xfrm>
+            <a:off x="9187057" y="5143510"/>
+            <a:ext cx="1041317" cy="0"/>
+          </a:xfrm>
+          <a:prstGeom prst="straightConnector1">
+            <a:avLst/>
+          </a:prstGeom>
+          <a:ln w="28575">
+            <a:solidFill>
+              <a:schemeClr val="accent3"/>
+            </a:solidFill>
+            <a:headEnd type="triangle"/>
+            <a:tailEnd type="triangle"/>
+          </a:ln>
+        </p:spPr>
+        <p:style>
+          <a:lnRef idx="1">
+            <a:schemeClr val="accent1"/>
+          </a:lnRef>
+          <a:fillRef idx="0">
+            <a:schemeClr val="accent1"/>
+          </a:fillRef>
+          <a:effectRef idx="0">
+            <a:schemeClr val="accent1"/>
+          </a:effectRef>
+          <a:fontRef idx="minor">
+            <a:schemeClr val="tx1"/>
+          </a:fontRef>
+        </p:style>
+      </p:cxnSp>
+      <p:pic>
+        <p:nvPicPr>
+          <p:cNvPr id="107" name="グラフィックス 106" descr="硬貨 単色塗りつぶし">
+            <a:extLst>
+              <a:ext uri="{FF2B5EF4-FFF2-40B4-BE49-F238E27FC236}">
+                <a16:creationId xmlns:a16="http://schemas.microsoft.com/office/drawing/2014/main" id="{C20B339A-E009-2D3E-BCCB-A9136630C3E4}"/>
+              </a:ext>
+            </a:extLst>
+          </p:cNvPr>
+          <p:cNvPicPr>
+            <a:picLocks noChangeAspect="1"/>
+          </p:cNvPicPr>
+          <p:nvPr/>
+        </p:nvPicPr>
+        <p:blipFill>
+          <a:blip r:embed="rId8">
+            <a:extLst>
+              <a:ext uri="{96DAC541-7B7A-43D3-8B79-37D633B846F1}">
+                <asvg:svgBlip xmlns:asvg="http://schemas.microsoft.com/office/drawing/2016/SVG/main" r:embed="rId9"/>
+              </a:ext>
+            </a:extLst>
+          </a:blip>
+          <a:stretch>
+            <a:fillRect/>
+          </a:stretch>
+        </p:blipFill>
+        <p:spPr>
+          <a:xfrm>
+            <a:off x="7655029" y="5223022"/>
+            <a:ext cx="323974" cy="323974"/>
+          </a:xfrm>
+          <a:prstGeom prst="rect">
+            <a:avLst/>
+          </a:prstGeom>
+        </p:spPr>
+      </p:pic>
+      <p:pic>
+        <p:nvPicPr>
+          <p:cNvPr id="108" name="グラフィックス 107" descr="硬貨 単色塗りつぶし">
+            <a:extLst>
+              <a:ext uri="{FF2B5EF4-FFF2-40B4-BE49-F238E27FC236}">
+                <a16:creationId xmlns:a16="http://schemas.microsoft.com/office/drawing/2014/main" id="{C566C3A0-8E4D-0F74-1BF2-070A6BCDAC0B}"/>
+              </a:ext>
+            </a:extLst>
+          </p:cNvPr>
+          <p:cNvPicPr>
+            <a:picLocks noChangeAspect="1"/>
+          </p:cNvPicPr>
+          <p:nvPr/>
+        </p:nvPicPr>
+        <p:blipFill>
+          <a:blip r:embed="rId8">
+            <a:extLst>
+              <a:ext uri="{96DAC541-7B7A-43D3-8B79-37D633B846F1}">
+                <asvg:svgBlip xmlns:asvg="http://schemas.microsoft.com/office/drawing/2016/SVG/main" r:embed="rId9"/>
+              </a:ext>
+            </a:extLst>
+          </a:blip>
+          <a:stretch>
+            <a:fillRect/>
+          </a:stretch>
+        </p:blipFill>
+        <p:spPr>
+          <a:xfrm>
+            <a:off x="9522498" y="5223022"/>
+            <a:ext cx="323974" cy="323974"/>
+          </a:xfrm>
+          <a:prstGeom prst="rect">
+            <a:avLst/>
+          </a:prstGeom>
+        </p:spPr>
+      </p:pic>
+      <p:sp>
+        <p:nvSpPr>
+          <p:cNvPr id="111" name="矢印: 左右 110">
+            <a:extLst>
+              <a:ext uri="{FF2B5EF4-FFF2-40B4-BE49-F238E27FC236}">
+                <a16:creationId xmlns:a16="http://schemas.microsoft.com/office/drawing/2014/main" id="{398A17E0-7D5E-B368-D3E3-F186AC3EA1EC}"/>
+              </a:ext>
+            </a:extLst>
+          </p:cNvPr>
+          <p:cNvSpPr/>
+          <p:nvPr/>
+        </p:nvSpPr>
+        <p:spPr>
+          <a:xfrm>
+            <a:off x="1757836" y="6052837"/>
+            <a:ext cx="1616514" cy="169277"/>
+          </a:xfrm>
+          <a:prstGeom prst="leftRightArrow">
+            <a:avLst/>
+          </a:prstGeom>
+          <a:solidFill>
+            <a:schemeClr val="bg1"/>
+          </a:solidFill>
+        </p:spPr>
+        <p:style>
+          <a:lnRef idx="2">
+            <a:schemeClr val="accent1">
+              <a:shade val="50000"/>
+            </a:schemeClr>
+          </a:lnRef>
+          <a:fillRef idx="1">
+            <a:schemeClr val="accent1"/>
+          </a:fillRef>
+          <a:effectRef idx="0">
+            <a:schemeClr val="accent1"/>
+          </a:effectRef>
+          <a:fontRef idx="minor">
+            <a:schemeClr val="lt1"/>
+          </a:fontRef>
+        </p:style>
+        <p:txBody>
+          <a:bodyPr rtlCol="0" anchor="ctr"/>
+          <a:lstStyle/>
+          <a:p>
+            <a:pPr algn="ctr"/>
+            <a:endParaRPr kumimoji="1" lang="ja-JP" altLang="en-US">
+              <a:solidFill>
+                <a:schemeClr val="tx1"/>
+              </a:solidFill>
+            </a:endParaRPr>
+          </a:p>
+        </p:txBody>
+      </p:sp>
+      <p:sp>
+        <p:nvSpPr>
+          <p:cNvPr id="115" name="テキスト ボックス 114">
+            <a:extLst>
+              <a:ext uri="{FF2B5EF4-FFF2-40B4-BE49-F238E27FC236}">
+                <a16:creationId xmlns:a16="http://schemas.microsoft.com/office/drawing/2014/main" id="{84B304C7-63D9-400E-AB30-4767EAA5C6DD}"/>
+              </a:ext>
+            </a:extLst>
+          </p:cNvPr>
+          <p:cNvSpPr txBox="1"/>
+          <p:nvPr/>
+        </p:nvSpPr>
+        <p:spPr>
+          <a:xfrm>
+            <a:off x="1902141" y="6199784"/>
+            <a:ext cx="1354189" cy="307777"/>
+          </a:xfrm>
+          <a:prstGeom prst="rect">
+            <a:avLst/>
+          </a:prstGeom>
+          <a:noFill/>
+        </p:spPr>
+        <p:txBody>
+          <a:bodyPr wrap="square" rtlCol="0">
+            <a:spAutoFit/>
+          </a:bodyPr>
+          <a:lstStyle/>
+          <a:p>
+            <a:pPr algn="ctr"/>
+            <a:r>
+              <a:rPr kumimoji="1" lang="ja-JP" altLang="en-US" sz="1400" b="1" dirty="0"/>
+              <a:t>乗客の分散</a:t>
+            </a:r>
+          </a:p>
+        </p:txBody>
+      </p:sp>
+      <p:sp>
+        <p:nvSpPr>
+          <p:cNvPr id="159" name="テキスト ボックス 158">
+            <a:extLst>
+              <a:ext uri="{FF2B5EF4-FFF2-40B4-BE49-F238E27FC236}">
+                <a16:creationId xmlns:a16="http://schemas.microsoft.com/office/drawing/2014/main" id="{6B9EFE85-ED2E-9CE7-B245-4F2E0B9DC73E}"/>
+              </a:ext>
+            </a:extLst>
+          </p:cNvPr>
+          <p:cNvSpPr txBox="1"/>
+          <p:nvPr/>
+        </p:nvSpPr>
+        <p:spPr>
+          <a:xfrm>
+            <a:off x="10653302" y="731220"/>
+            <a:ext cx="1573190" cy="276999"/>
+          </a:xfrm>
+          <a:prstGeom prst="rect">
+            <a:avLst/>
+          </a:prstGeom>
+          <a:noFill/>
+        </p:spPr>
+        <p:txBody>
+          <a:bodyPr wrap="square" rtlCol="0">
+            <a:spAutoFit/>
+          </a:bodyPr>
+          <a:lstStyle/>
+          <a:p>
+            <a:pPr algn="ctr"/>
+            <a:r>
+              <a:rPr kumimoji="1" lang="ja-JP" altLang="en-US" sz="1200" dirty="0"/>
+              <a:t>下図は、熊谷が作成</a:t>
+            </a:r>
+          </a:p>
+        </p:txBody>
+      </p:sp>
+      <p:sp>
+        <p:nvSpPr>
+          <p:cNvPr id="12" name="テキスト ボックス 11">
+            <a:extLst>
+              <a:ext uri="{FF2B5EF4-FFF2-40B4-BE49-F238E27FC236}">
+                <a16:creationId xmlns:a16="http://schemas.microsoft.com/office/drawing/2014/main" id="{6BE533E5-8D54-4A2A-B022-7AB748D03758}"/>
+              </a:ext>
+            </a:extLst>
+          </p:cNvPr>
+          <p:cNvSpPr txBox="1"/>
+          <p:nvPr/>
+        </p:nvSpPr>
+        <p:spPr>
+          <a:xfrm>
+            <a:off x="5490216" y="1732372"/>
+            <a:ext cx="1758696" cy="338554"/>
+          </a:xfrm>
+          <a:prstGeom prst="rect">
+            <a:avLst/>
+          </a:prstGeom>
+          <a:noFill/>
+        </p:spPr>
+        <p:txBody>
+          <a:bodyPr wrap="square" rtlCol="0">
+            <a:spAutoFit/>
+          </a:bodyPr>
+          <a:lstStyle/>
+          <a:p>
+            <a:pPr algn="ctr"/>
+            <a:r>
+              <a:rPr kumimoji="1" lang="ja-JP" altLang="en-US" sz="1600" b="1" dirty="0">
+                <a:solidFill>
+                  <a:schemeClr val="accent4"/>
+                </a:solidFill>
+              </a:rPr>
+              <a:t>運行管理システム</a:t>
+            </a:r>
+          </a:p>
+        </p:txBody>
+      </p:sp>
+      <p:pic>
+        <p:nvPicPr>
+          <p:cNvPr id="19" name="グラフィックス 18" descr="建物 単色塗りつぶし">
+            <a:extLst>
+              <a:ext uri="{FF2B5EF4-FFF2-40B4-BE49-F238E27FC236}">
+                <a16:creationId xmlns:a16="http://schemas.microsoft.com/office/drawing/2014/main" id="{323A3FD9-04D7-CEEF-CF98-0863952E982E}"/>
+              </a:ext>
+            </a:extLst>
+          </p:cNvPr>
+          <p:cNvPicPr>
+            <a:picLocks noChangeAspect="1"/>
+          </p:cNvPicPr>
+          <p:nvPr/>
+        </p:nvPicPr>
+        <p:blipFill>
+          <a:blip r:embed="rId2">
+            <a:extLst>
+              <a:ext uri="{96DAC541-7B7A-43D3-8B79-37D633B846F1}">
+                <asvg:svgBlip xmlns:asvg="http://schemas.microsoft.com/office/drawing/2016/SVG/main" r:embed="rId3"/>
+              </a:ext>
+            </a:extLst>
+          </a:blip>
+          <a:stretch>
+            <a:fillRect/>
+          </a:stretch>
+        </p:blipFill>
+        <p:spPr>
+          <a:xfrm>
+            <a:off x="8457291" y="4905544"/>
+            <a:ext cx="603387" cy="603387"/>
+          </a:xfrm>
+          <a:prstGeom prst="rect">
+            <a:avLst/>
+          </a:prstGeom>
+        </p:spPr>
+      </p:pic>
+      <p:pic>
+        <p:nvPicPr>
+          <p:cNvPr id="20" name="グラフィックス 19" descr="建物 単色塗りつぶし">
+            <a:extLst>
+              <a:ext uri="{FF2B5EF4-FFF2-40B4-BE49-F238E27FC236}">
+                <a16:creationId xmlns:a16="http://schemas.microsoft.com/office/drawing/2014/main" id="{E6348732-911F-30ED-0A3A-B5D12F0F11B7}"/>
+              </a:ext>
+            </a:extLst>
+          </p:cNvPr>
+          <p:cNvPicPr>
+            <a:picLocks noChangeAspect="1"/>
+          </p:cNvPicPr>
+          <p:nvPr/>
+        </p:nvPicPr>
+        <p:blipFill>
+          <a:blip r:embed="rId4">
+            <a:extLst>
+              <a:ext uri="{96DAC541-7B7A-43D3-8B79-37D633B846F1}">
+                <asvg:svgBlip xmlns:asvg="http://schemas.microsoft.com/office/drawing/2016/SVG/main" r:embed="rId5"/>
+              </a:ext>
+            </a:extLst>
+          </a:blip>
+          <a:stretch>
+            <a:fillRect/>
+          </a:stretch>
+        </p:blipFill>
+        <p:spPr>
+          <a:xfrm>
+            <a:off x="6577599" y="4905544"/>
+            <a:ext cx="603387" cy="603387"/>
+          </a:xfrm>
+          <a:prstGeom prst="rect">
+            <a:avLst/>
+          </a:prstGeom>
+        </p:spPr>
+      </p:pic>
+      <p:pic>
+        <p:nvPicPr>
+          <p:cNvPr id="21" name="グラフィックス 20" descr="建物 単色塗りつぶし">
+            <a:extLst>
+              <a:ext uri="{FF2B5EF4-FFF2-40B4-BE49-F238E27FC236}">
+                <a16:creationId xmlns:a16="http://schemas.microsoft.com/office/drawing/2014/main" id="{6609D167-68FA-4339-18C2-4C99321D491F}"/>
+              </a:ext>
+            </a:extLst>
+          </p:cNvPr>
+          <p:cNvPicPr>
+            <a:picLocks noChangeAspect="1"/>
+          </p:cNvPicPr>
+          <p:nvPr/>
+        </p:nvPicPr>
+        <p:blipFill>
+          <a:blip r:embed="rId6">
+            <a:extLst>
+              <a:ext uri="{96DAC541-7B7A-43D3-8B79-37D633B846F1}">
+                <asvg:svgBlip xmlns:asvg="http://schemas.microsoft.com/office/drawing/2016/SVG/main" r:embed="rId7"/>
+              </a:ext>
+            </a:extLst>
+          </a:blip>
+          <a:stretch>
+            <a:fillRect/>
+          </a:stretch>
+        </p:blipFill>
+        <p:spPr>
+          <a:xfrm>
+            <a:off x="10336982" y="4905544"/>
+            <a:ext cx="603387" cy="603387"/>
+          </a:xfrm>
+          <a:prstGeom prst="rect">
+            <a:avLst/>
+          </a:prstGeom>
+        </p:spPr>
+      </p:pic>
+      <p:sp>
+        <p:nvSpPr>
+          <p:cNvPr id="22" name="四角形: 角を丸くする 21">
+            <a:extLst>
+              <a:ext uri="{FF2B5EF4-FFF2-40B4-BE49-F238E27FC236}">
+                <a16:creationId xmlns:a16="http://schemas.microsoft.com/office/drawing/2014/main" id="{552CAD3D-2134-3DEB-9776-7912A57B2629}"/>
+              </a:ext>
+            </a:extLst>
+          </p:cNvPr>
+          <p:cNvSpPr/>
+          <p:nvPr/>
+        </p:nvSpPr>
+        <p:spPr>
+          <a:xfrm>
+            <a:off x="6184416" y="2356799"/>
+            <a:ext cx="1420379" cy="3437483"/>
+          </a:xfrm>
+          <a:prstGeom prst="roundRect">
+            <a:avLst/>
+          </a:prstGeom>
+          <a:noFill/>
+          <a:ln>
+            <a:prstDash val="dash"/>
+          </a:ln>
+        </p:spPr>
+        <p:style>
+          <a:lnRef idx="2">
+            <a:schemeClr val="accent1">
+              <a:shade val="50000"/>
+            </a:schemeClr>
+          </a:lnRef>
+          <a:fillRef idx="1">
+            <a:schemeClr val="accent1"/>
+          </a:fillRef>
+          <a:effectRef idx="0">
+            <a:schemeClr val="accent1"/>
+          </a:effectRef>
+          <a:fontRef idx="minor">
+            <a:schemeClr val="lt1"/>
+          </a:fontRef>
+        </p:style>
+        <p:txBody>
+          <a:bodyPr rtlCol="0" anchor="ctr"/>
+          <a:lstStyle/>
+          <a:p>
+            <a:pPr algn="ctr"/>
+            <a:endParaRPr kumimoji="1" lang="ja-JP" altLang="en-US">
+              <a:solidFill>
+                <a:schemeClr val="tx1"/>
+              </a:solidFill>
+            </a:endParaRPr>
+          </a:p>
+        </p:txBody>
+      </p:sp>
+      <p:sp>
+        <p:nvSpPr>
+          <p:cNvPr id="24" name="四角形: 角を丸くする 23">
+            <a:extLst>
+              <a:ext uri="{FF2B5EF4-FFF2-40B4-BE49-F238E27FC236}">
+                <a16:creationId xmlns:a16="http://schemas.microsoft.com/office/drawing/2014/main" id="{1B6A3B9F-BFA3-C789-2022-1C6EA07C02D9}"/>
+              </a:ext>
+            </a:extLst>
+          </p:cNvPr>
+          <p:cNvSpPr/>
+          <p:nvPr/>
+        </p:nvSpPr>
+        <p:spPr>
+          <a:xfrm>
+            <a:off x="8043759" y="2356799"/>
+            <a:ext cx="1420379" cy="3437483"/>
+          </a:xfrm>
+          <a:prstGeom prst="roundRect">
+            <a:avLst/>
+          </a:prstGeom>
+          <a:noFill/>
+          <a:ln>
+            <a:prstDash val="dash"/>
+          </a:ln>
+        </p:spPr>
+        <p:style>
+          <a:lnRef idx="2">
+            <a:schemeClr val="accent1">
+              <a:shade val="50000"/>
+            </a:schemeClr>
+          </a:lnRef>
+          <a:fillRef idx="1">
+            <a:schemeClr val="accent1"/>
+          </a:fillRef>
+          <a:effectRef idx="0">
+            <a:schemeClr val="accent1"/>
+          </a:effectRef>
+          <a:fontRef idx="minor">
+            <a:schemeClr val="lt1"/>
+          </a:fontRef>
+        </p:style>
+        <p:txBody>
+          <a:bodyPr rtlCol="0" anchor="ctr"/>
+          <a:lstStyle/>
+          <a:p>
+            <a:pPr algn="ctr"/>
+            <a:endParaRPr kumimoji="1" lang="ja-JP" altLang="en-US">
+              <a:solidFill>
+                <a:schemeClr val="tx1"/>
+              </a:solidFill>
+            </a:endParaRPr>
+          </a:p>
+        </p:txBody>
+      </p:sp>
+      <p:sp>
+        <p:nvSpPr>
+          <p:cNvPr id="25" name="四角形: 角を丸くする 24">
+            <a:extLst>
+              <a:ext uri="{FF2B5EF4-FFF2-40B4-BE49-F238E27FC236}">
+                <a16:creationId xmlns:a16="http://schemas.microsoft.com/office/drawing/2014/main" id="{68CFCA1B-D832-1FB6-D987-846F663D08CC}"/>
+              </a:ext>
+            </a:extLst>
+          </p:cNvPr>
+          <p:cNvSpPr/>
+          <p:nvPr/>
+        </p:nvSpPr>
+        <p:spPr>
+          <a:xfrm>
+            <a:off x="9903102" y="2356799"/>
+            <a:ext cx="1420379" cy="3437483"/>
+          </a:xfrm>
+          <a:prstGeom prst="roundRect">
+            <a:avLst/>
+          </a:prstGeom>
+          <a:noFill/>
+          <a:ln>
+            <a:prstDash val="dash"/>
+          </a:ln>
+        </p:spPr>
+        <p:style>
+          <a:lnRef idx="2">
+            <a:schemeClr val="accent1">
+              <a:shade val="50000"/>
+            </a:schemeClr>
+          </a:lnRef>
+          <a:fillRef idx="1">
+            <a:schemeClr val="accent1"/>
+          </a:fillRef>
+          <a:effectRef idx="0">
+            <a:schemeClr val="accent1"/>
+          </a:effectRef>
+          <a:fontRef idx="minor">
+            <a:schemeClr val="lt1"/>
+          </a:fontRef>
+        </p:style>
+        <p:txBody>
+          <a:bodyPr rtlCol="0" anchor="ctr"/>
+          <a:lstStyle/>
+          <a:p>
+            <a:pPr algn="ctr"/>
+            <a:endParaRPr kumimoji="1" lang="ja-JP" altLang="en-US">
+              <a:solidFill>
+                <a:schemeClr val="tx1"/>
+              </a:solidFill>
+            </a:endParaRPr>
+          </a:p>
+        </p:txBody>
+      </p:sp>
+      <p:cxnSp>
+        <p:nvCxnSpPr>
+          <p:cNvPr id="27" name="直線矢印コネクタ 26">
+            <a:extLst>
+              <a:ext uri="{FF2B5EF4-FFF2-40B4-BE49-F238E27FC236}">
+                <a16:creationId xmlns:a16="http://schemas.microsoft.com/office/drawing/2014/main" id="{BB120AB9-6AD1-E3EF-9EF3-B41ED599B84C}"/>
+              </a:ext>
+            </a:extLst>
+          </p:cNvPr>
+          <p:cNvCxnSpPr>
+            <a:cxnSpLocks/>
+          </p:cNvCxnSpPr>
+          <p:nvPr/>
+        </p:nvCxnSpPr>
+        <p:spPr>
+          <a:xfrm>
+            <a:off x="6879292" y="3559559"/>
+            <a:ext cx="0" cy="1345985"/>
+          </a:xfrm>
+          <a:prstGeom prst="straightConnector1">
+            <a:avLst/>
+          </a:prstGeom>
+          <a:ln w="38100">
+            <a:solidFill>
+              <a:schemeClr val="accent2"/>
+            </a:solidFill>
+            <a:headEnd type="none" w="med" len="med"/>
+            <a:tailEnd type="triangle"/>
+          </a:ln>
+        </p:spPr>
+        <p:style>
+          <a:lnRef idx="1">
+            <a:schemeClr val="accent1"/>
+          </a:lnRef>
+          <a:fillRef idx="0">
+            <a:schemeClr val="accent1"/>
+          </a:fillRef>
+          <a:effectRef idx="0">
+            <a:schemeClr val="accent1"/>
+          </a:effectRef>
+          <a:fontRef idx="minor">
+            <a:schemeClr val="tx1"/>
+          </a:fontRef>
+        </p:style>
+      </p:cxnSp>
+      <p:cxnSp>
+        <p:nvCxnSpPr>
+          <p:cNvPr id="35" name="直線矢印コネクタ 34">
+            <a:extLst>
+              <a:ext uri="{FF2B5EF4-FFF2-40B4-BE49-F238E27FC236}">
+                <a16:creationId xmlns:a16="http://schemas.microsoft.com/office/drawing/2014/main" id="{D624D294-11EA-2CDA-6206-B56E28A98A1A}"/>
+              </a:ext>
+            </a:extLst>
+          </p:cNvPr>
+          <p:cNvCxnSpPr>
+            <a:cxnSpLocks/>
+          </p:cNvCxnSpPr>
+          <p:nvPr/>
+        </p:nvCxnSpPr>
+        <p:spPr>
+          <a:xfrm>
+            <a:off x="8752970" y="3559559"/>
+            <a:ext cx="0" cy="1345985"/>
+          </a:xfrm>
+          <a:prstGeom prst="straightConnector1">
+            <a:avLst/>
+          </a:prstGeom>
+          <a:ln w="38100">
+            <a:solidFill>
+              <a:schemeClr val="accent2"/>
+            </a:solidFill>
+            <a:headEnd type="none" w="med" len="med"/>
+            <a:tailEnd type="triangle"/>
+          </a:ln>
+        </p:spPr>
+        <p:style>
+          <a:lnRef idx="1">
+            <a:schemeClr val="accent1"/>
+          </a:lnRef>
+          <a:fillRef idx="0">
+            <a:schemeClr val="accent1"/>
+          </a:fillRef>
+          <a:effectRef idx="0">
+            <a:schemeClr val="accent1"/>
+          </a:effectRef>
+          <a:fontRef idx="minor">
+            <a:schemeClr val="tx1"/>
+          </a:fontRef>
+        </p:style>
+      </p:cxnSp>
+      <p:cxnSp>
+        <p:nvCxnSpPr>
+          <p:cNvPr id="41" name="直線矢印コネクタ 40">
+            <a:extLst>
+              <a:ext uri="{FF2B5EF4-FFF2-40B4-BE49-F238E27FC236}">
+                <a16:creationId xmlns:a16="http://schemas.microsoft.com/office/drawing/2014/main" id="{120C8C82-A675-7FAB-A2A2-6099D6670E02}"/>
+              </a:ext>
+            </a:extLst>
+          </p:cNvPr>
+          <p:cNvCxnSpPr>
+            <a:cxnSpLocks/>
+            <a:stCxn id="82" idx="2"/>
+            <a:endCxn id="21" idx="0"/>
+          </p:cNvCxnSpPr>
+          <p:nvPr/>
+        </p:nvCxnSpPr>
+        <p:spPr>
+          <a:xfrm>
+            <a:off x="10638676" y="3559559"/>
+            <a:ext cx="0" cy="1345985"/>
+          </a:xfrm>
+          <a:prstGeom prst="straightConnector1">
+            <a:avLst/>
+          </a:prstGeom>
+          <a:ln w="38100">
+            <a:solidFill>
+              <a:schemeClr val="accent2"/>
+            </a:solidFill>
+            <a:headEnd type="none" w="med" len="med"/>
+            <a:tailEnd type="triangle"/>
+          </a:ln>
+        </p:spPr>
+        <p:style>
+          <a:lnRef idx="1">
+            <a:schemeClr val="accent1"/>
+          </a:lnRef>
+          <a:fillRef idx="0">
+            <a:schemeClr val="accent1"/>
+          </a:fillRef>
+          <a:effectRef idx="0">
+            <a:schemeClr val="accent1"/>
+          </a:effectRef>
+          <a:fontRef idx="minor">
+            <a:schemeClr val="tx1"/>
+          </a:fontRef>
+        </p:style>
+      </p:cxnSp>
+      <p:sp>
+        <p:nvSpPr>
+          <p:cNvPr id="66" name="矢印: 左右 65">
+            <a:extLst>
+              <a:ext uri="{FF2B5EF4-FFF2-40B4-BE49-F238E27FC236}">
+                <a16:creationId xmlns:a16="http://schemas.microsoft.com/office/drawing/2014/main" id="{BCC34350-BDBA-0388-274B-B55EC55C016D}"/>
+              </a:ext>
+            </a:extLst>
+          </p:cNvPr>
+          <p:cNvSpPr/>
+          <p:nvPr/>
+        </p:nvSpPr>
+        <p:spPr>
+          <a:xfrm>
+            <a:off x="7401982" y="5563358"/>
+            <a:ext cx="2710112" cy="191733"/>
+          </a:xfrm>
+          <a:prstGeom prst="leftRightArrow">
+            <a:avLst/>
+          </a:prstGeom>
+          <a:solidFill>
+            <a:schemeClr val="bg1"/>
+          </a:solidFill>
+        </p:spPr>
+        <p:style>
+          <a:lnRef idx="2">
+            <a:schemeClr val="accent1">
+              <a:shade val="50000"/>
+            </a:schemeClr>
+          </a:lnRef>
+          <a:fillRef idx="1">
+            <a:schemeClr val="accent1"/>
+          </a:fillRef>
+          <a:effectRef idx="0">
+            <a:schemeClr val="accent1"/>
+          </a:effectRef>
+          <a:fontRef idx="minor">
+            <a:schemeClr val="lt1"/>
+          </a:fontRef>
+        </p:style>
+        <p:txBody>
+          <a:bodyPr rtlCol="0" anchor="ctr"/>
+          <a:lstStyle/>
+          <a:p>
+            <a:pPr algn="ctr"/>
+            <a:endParaRPr kumimoji="1" lang="ja-JP" altLang="en-US">
+              <a:solidFill>
+                <a:schemeClr val="tx1"/>
+              </a:solidFill>
+            </a:endParaRPr>
+          </a:p>
+        </p:txBody>
+      </p:sp>
+      <p:cxnSp>
+        <p:nvCxnSpPr>
+          <p:cNvPr id="47" name="直線矢印コネクタ 46">
+            <a:extLst>
+              <a:ext uri="{FF2B5EF4-FFF2-40B4-BE49-F238E27FC236}">
+                <a16:creationId xmlns:a16="http://schemas.microsoft.com/office/drawing/2014/main" id="{A0EB2247-85E9-1F00-D9C3-D6F98B905193}"/>
+              </a:ext>
+            </a:extLst>
+          </p:cNvPr>
+          <p:cNvCxnSpPr/>
+          <p:nvPr/>
+        </p:nvCxnSpPr>
+        <p:spPr>
+          <a:xfrm>
+            <a:off x="7241437" y="3242906"/>
+            <a:ext cx="1041317" cy="0"/>
+          </a:xfrm>
+          <a:prstGeom prst="straightConnector1">
+            <a:avLst/>
+          </a:prstGeom>
+          <a:ln w="28575">
+            <a:solidFill>
+              <a:schemeClr val="accent2"/>
+            </a:solidFill>
+            <a:headEnd type="triangle"/>
+            <a:tailEnd type="triangle"/>
+          </a:ln>
+        </p:spPr>
+        <p:style>
+          <a:lnRef idx="1">
+            <a:schemeClr val="accent1"/>
+          </a:lnRef>
+          <a:fillRef idx="0">
+            <a:schemeClr val="accent1"/>
+          </a:fillRef>
+          <a:effectRef idx="0">
+            <a:schemeClr val="accent1"/>
+          </a:effectRef>
+          <a:fontRef idx="minor">
+            <a:schemeClr val="tx1"/>
+          </a:fontRef>
+        </p:style>
+      </p:cxnSp>
+      <p:cxnSp>
+        <p:nvCxnSpPr>
+          <p:cNvPr id="48" name="直線矢印コネクタ 47">
+            <a:extLst>
+              <a:ext uri="{FF2B5EF4-FFF2-40B4-BE49-F238E27FC236}">
+                <a16:creationId xmlns:a16="http://schemas.microsoft.com/office/drawing/2014/main" id="{A4430EC4-ABD3-4ADC-B514-0E43CC231D78}"/>
+              </a:ext>
+            </a:extLst>
+          </p:cNvPr>
+          <p:cNvCxnSpPr/>
+          <p:nvPr/>
+        </p:nvCxnSpPr>
+        <p:spPr>
+          <a:xfrm>
+            <a:off x="9155863" y="3236243"/>
+            <a:ext cx="1041317" cy="0"/>
+          </a:xfrm>
+          <a:prstGeom prst="straightConnector1">
+            <a:avLst/>
+          </a:prstGeom>
+          <a:ln w="28575">
+            <a:solidFill>
+              <a:schemeClr val="accent2"/>
+            </a:solidFill>
+            <a:headEnd type="triangle"/>
+            <a:tailEnd type="triangle"/>
+          </a:ln>
+        </p:spPr>
+        <p:style>
+          <a:lnRef idx="1">
+            <a:schemeClr val="accent1"/>
+          </a:lnRef>
+          <a:fillRef idx="0">
+            <a:schemeClr val="accent1"/>
+          </a:fillRef>
+          <a:effectRef idx="0">
+            <a:schemeClr val="accent1"/>
+          </a:effectRef>
+          <a:fontRef idx="minor">
+            <a:schemeClr val="tx1"/>
+          </a:fontRef>
+        </p:style>
+      </p:cxnSp>
+      <p:sp>
+        <p:nvSpPr>
+          <p:cNvPr id="32" name="テキスト ボックス 31">
+            <a:extLst>
+              <a:ext uri="{FF2B5EF4-FFF2-40B4-BE49-F238E27FC236}">
+                <a16:creationId xmlns:a16="http://schemas.microsoft.com/office/drawing/2014/main" id="{5DAA589D-C280-885B-E7E4-B91473847145}"/>
+              </a:ext>
+            </a:extLst>
+          </p:cNvPr>
+          <p:cNvSpPr txBox="1"/>
+          <p:nvPr/>
+        </p:nvSpPr>
+        <p:spPr>
+          <a:xfrm>
+            <a:off x="5001686" y="5611628"/>
+            <a:ext cx="648555" cy="313731"/>
+          </a:xfrm>
+          <a:prstGeom prst="rect">
+            <a:avLst/>
+          </a:prstGeom>
+          <a:noFill/>
+        </p:spPr>
+        <p:txBody>
+          <a:bodyPr wrap="square" rtlCol="0">
+            <a:spAutoFit/>
+          </a:bodyPr>
+          <a:lstStyle/>
+          <a:p>
+            <a:pPr algn="ctr"/>
+            <a:r>
+              <a:rPr kumimoji="1" lang="ja-JP" altLang="en-US" sz="1400" dirty="0"/>
+              <a:t>運賃</a:t>
+            </a:r>
+          </a:p>
+        </p:txBody>
+      </p:sp>
+      <p:sp>
+        <p:nvSpPr>
+          <p:cNvPr id="33" name="テキスト ボックス 32">
+            <a:extLst>
+              <a:ext uri="{FF2B5EF4-FFF2-40B4-BE49-F238E27FC236}">
+                <a16:creationId xmlns:a16="http://schemas.microsoft.com/office/drawing/2014/main" id="{CE2B8AB4-DA17-6BAE-F4FA-FB4FFE676C68}"/>
+              </a:ext>
+            </a:extLst>
+          </p:cNvPr>
+          <p:cNvSpPr txBox="1"/>
+          <p:nvPr/>
+        </p:nvSpPr>
+        <p:spPr>
+          <a:xfrm>
+            <a:off x="4823679" y="2689868"/>
+            <a:ext cx="977625" cy="307777"/>
+          </a:xfrm>
+          <a:prstGeom prst="rect">
+            <a:avLst/>
+          </a:prstGeom>
+          <a:noFill/>
+        </p:spPr>
+        <p:txBody>
+          <a:bodyPr wrap="square" rtlCol="0">
+            <a:spAutoFit/>
+          </a:bodyPr>
+          <a:lstStyle/>
+          <a:p>
+            <a:pPr algn="ctr"/>
+            <a:r>
+              <a:rPr kumimoji="1" lang="ja-JP" altLang="en-US" sz="1400" dirty="0"/>
+              <a:t>運転状況</a:t>
+            </a:r>
+          </a:p>
+        </p:txBody>
+      </p:sp>
+      <p:pic>
+        <p:nvPicPr>
+          <p:cNvPr id="52" name="グラフィックス 51" descr="線路 単色塗りつぶし">
+            <a:extLst>
+              <a:ext uri="{FF2B5EF4-FFF2-40B4-BE49-F238E27FC236}">
+                <a16:creationId xmlns:a16="http://schemas.microsoft.com/office/drawing/2014/main" id="{57A13326-296A-73B8-778E-48C50D4EA7B5}"/>
+              </a:ext>
+            </a:extLst>
+          </p:cNvPr>
+          <p:cNvPicPr>
+            <a:picLocks noChangeAspect="1"/>
+          </p:cNvPicPr>
+          <p:nvPr/>
+        </p:nvPicPr>
+        <p:blipFill>
+          <a:blip r:embed="rId10">
+            <a:extLst>
+              <a:ext uri="{96DAC541-7B7A-43D3-8B79-37D633B846F1}">
+                <asvg:svgBlip xmlns:asvg="http://schemas.microsoft.com/office/drawing/2016/SVG/main" r:embed="rId11"/>
+              </a:ext>
+            </a:extLst>
+          </a:blip>
+          <a:stretch>
+            <a:fillRect/>
+          </a:stretch>
+        </p:blipFill>
+        <p:spPr>
+          <a:xfrm>
+            <a:off x="930767" y="2756699"/>
+            <a:ext cx="704673" cy="704673"/>
+          </a:xfrm>
+          <a:prstGeom prst="rect">
+            <a:avLst/>
+          </a:prstGeom>
+        </p:spPr>
+      </p:pic>
+      <p:pic>
+        <p:nvPicPr>
+          <p:cNvPr id="55" name="グラフィックス 54" descr="線路 単色塗りつぶし">
+            <a:extLst>
+              <a:ext uri="{FF2B5EF4-FFF2-40B4-BE49-F238E27FC236}">
+                <a16:creationId xmlns:a16="http://schemas.microsoft.com/office/drawing/2014/main" id="{5CD85198-5BBE-F22D-3302-C1AC02BB0719}"/>
+              </a:ext>
+            </a:extLst>
+          </p:cNvPr>
+          <p:cNvPicPr>
+            <a:picLocks noChangeAspect="1"/>
+          </p:cNvPicPr>
+          <p:nvPr/>
+        </p:nvPicPr>
+        <p:blipFill>
+          <a:blip r:embed="rId12">
+            <a:extLst>
+              <a:ext uri="{96DAC541-7B7A-43D3-8B79-37D633B846F1}">
+                <asvg:svgBlip xmlns:asvg="http://schemas.microsoft.com/office/drawing/2016/SVG/main" r:embed="rId13"/>
+              </a:ext>
+            </a:extLst>
+          </a:blip>
+          <a:stretch>
+            <a:fillRect/>
+          </a:stretch>
+        </p:blipFill>
+        <p:spPr>
+          <a:xfrm>
+            <a:off x="2234222" y="2756699"/>
+            <a:ext cx="704673" cy="704673"/>
+          </a:xfrm>
+          <a:prstGeom prst="rect">
+            <a:avLst/>
+          </a:prstGeom>
+        </p:spPr>
+      </p:pic>
+      <p:pic>
+        <p:nvPicPr>
+          <p:cNvPr id="64" name="グラフィックス 63" descr="線路 単色塗りつぶし">
+            <a:extLst>
+              <a:ext uri="{FF2B5EF4-FFF2-40B4-BE49-F238E27FC236}">
+                <a16:creationId xmlns:a16="http://schemas.microsoft.com/office/drawing/2014/main" id="{46AFE91C-E17A-1371-732C-CB1B9EC6666A}"/>
+              </a:ext>
+            </a:extLst>
+          </p:cNvPr>
+          <p:cNvPicPr>
+            <a:picLocks noChangeAspect="1"/>
+          </p:cNvPicPr>
+          <p:nvPr/>
+        </p:nvPicPr>
+        <p:blipFill>
+          <a:blip r:embed="rId14">
+            <a:extLst>
+              <a:ext uri="{96DAC541-7B7A-43D3-8B79-37D633B846F1}">
+                <asvg:svgBlip xmlns:asvg="http://schemas.microsoft.com/office/drawing/2016/SVG/main" r:embed="rId15"/>
+              </a:ext>
+            </a:extLst>
+          </a:blip>
+          <a:stretch>
+            <a:fillRect/>
+          </a:stretch>
+        </p:blipFill>
+        <p:spPr>
+          <a:xfrm>
+            <a:off x="3495540" y="2756699"/>
+            <a:ext cx="704673" cy="704673"/>
+          </a:xfrm>
+          <a:prstGeom prst="rect">
+            <a:avLst/>
+          </a:prstGeom>
+        </p:spPr>
+      </p:pic>
+      <p:sp>
+        <p:nvSpPr>
+          <p:cNvPr id="4" name="四角形: 角を丸くする 3">
+            <a:extLst>
+              <a:ext uri="{FF2B5EF4-FFF2-40B4-BE49-F238E27FC236}">
+                <a16:creationId xmlns:a16="http://schemas.microsoft.com/office/drawing/2014/main" id="{3DCE1B78-B230-6363-2B4E-E7373E31B59D}"/>
+              </a:ext>
+            </a:extLst>
+          </p:cNvPr>
+          <p:cNvSpPr/>
+          <p:nvPr/>
+        </p:nvSpPr>
+        <p:spPr>
+          <a:xfrm>
+            <a:off x="2025878" y="2356799"/>
+            <a:ext cx="1067152" cy="3674324"/>
+          </a:xfrm>
+          <a:prstGeom prst="roundRect">
+            <a:avLst/>
+          </a:prstGeom>
+          <a:noFill/>
+          <a:ln>
+            <a:prstDash val="dash"/>
+          </a:ln>
+        </p:spPr>
+        <p:style>
+          <a:lnRef idx="2">
+            <a:schemeClr val="accent1">
+              <a:shade val="50000"/>
+            </a:schemeClr>
+          </a:lnRef>
+          <a:fillRef idx="1">
+            <a:schemeClr val="accent1"/>
+          </a:fillRef>
+          <a:effectRef idx="0">
+            <a:schemeClr val="accent1"/>
+          </a:effectRef>
+          <a:fontRef idx="minor">
+            <a:schemeClr val="lt1"/>
+          </a:fontRef>
+        </p:style>
+        <p:txBody>
+          <a:bodyPr rtlCol="0" anchor="ctr"/>
+          <a:lstStyle/>
+          <a:p>
+            <a:pPr algn="ctr"/>
+            <a:endParaRPr kumimoji="1" lang="ja-JP" altLang="en-US">
+              <a:solidFill>
+                <a:schemeClr val="tx1"/>
+              </a:solidFill>
+            </a:endParaRPr>
+          </a:p>
+        </p:txBody>
+      </p:sp>
+      <p:sp>
+        <p:nvSpPr>
+          <p:cNvPr id="6" name="四角形: 角を丸くする 5">
+            <a:extLst>
+              <a:ext uri="{FF2B5EF4-FFF2-40B4-BE49-F238E27FC236}">
+                <a16:creationId xmlns:a16="http://schemas.microsoft.com/office/drawing/2014/main" id="{8F100ECC-EB9D-E833-BC87-4ECD8CC73A13}"/>
+              </a:ext>
+            </a:extLst>
+          </p:cNvPr>
+          <p:cNvSpPr/>
+          <p:nvPr/>
+        </p:nvSpPr>
+        <p:spPr>
+          <a:xfrm>
+            <a:off x="3314300" y="2356797"/>
+            <a:ext cx="1067152" cy="3674325"/>
+          </a:xfrm>
+          <a:prstGeom prst="roundRect">
+            <a:avLst/>
+          </a:prstGeom>
+          <a:noFill/>
+          <a:ln>
+            <a:prstDash val="dash"/>
+          </a:ln>
+        </p:spPr>
+        <p:style>
+          <a:lnRef idx="2">
+            <a:schemeClr val="accent1">
+              <a:shade val="50000"/>
+            </a:schemeClr>
+          </a:lnRef>
+          <a:fillRef idx="1">
+            <a:schemeClr val="accent1"/>
+          </a:fillRef>
+          <a:effectRef idx="0">
+            <a:schemeClr val="accent1"/>
+          </a:effectRef>
+          <a:fontRef idx="minor">
+            <a:schemeClr val="lt1"/>
+          </a:fontRef>
+        </p:style>
+        <p:txBody>
+          <a:bodyPr rtlCol="0" anchor="ctr"/>
+          <a:lstStyle/>
+          <a:p>
+            <a:pPr algn="ctr"/>
+            <a:endParaRPr kumimoji="1" lang="ja-JP" altLang="en-US">
+              <a:solidFill>
+                <a:schemeClr val="tx1"/>
+              </a:solidFill>
+            </a:endParaRPr>
+          </a:p>
+        </p:txBody>
+      </p:sp>
+      <p:pic>
+        <p:nvPicPr>
+          <p:cNvPr id="18" name="グラフィックス 17" descr="ユーザー 単色塗りつぶし">
+            <a:extLst>
+              <a:ext uri="{FF2B5EF4-FFF2-40B4-BE49-F238E27FC236}">
+                <a16:creationId xmlns:a16="http://schemas.microsoft.com/office/drawing/2014/main" id="{A075AC1A-DA00-A5BA-8FA7-7CABD58F8D89}"/>
+              </a:ext>
+            </a:extLst>
+          </p:cNvPr>
+          <p:cNvPicPr>
+            <a:picLocks noChangeAspect="1"/>
+          </p:cNvPicPr>
+          <p:nvPr/>
+        </p:nvPicPr>
+        <p:blipFill>
+          <a:blip r:embed="rId16">
+            <a:extLst>
+              <a:ext uri="{96DAC541-7B7A-43D3-8B79-37D633B846F1}">
+                <asvg:svgBlip xmlns:asvg="http://schemas.microsoft.com/office/drawing/2016/SVG/main" r:embed="rId17"/>
+              </a:ext>
+            </a:extLst>
+          </a:blip>
+          <a:stretch>
+            <a:fillRect/>
+          </a:stretch>
+        </p:blipFill>
+        <p:spPr>
+          <a:xfrm>
+            <a:off x="1011925" y="5300890"/>
+            <a:ext cx="555687" cy="555687"/>
+          </a:xfrm>
+          <a:prstGeom prst="rect">
+            <a:avLst/>
+          </a:prstGeom>
+        </p:spPr>
+      </p:pic>
+      <p:grpSp>
+        <p:nvGrpSpPr>
+          <p:cNvPr id="23" name="グループ化 22">
+            <a:extLst>
+              <a:ext uri="{FF2B5EF4-FFF2-40B4-BE49-F238E27FC236}">
+                <a16:creationId xmlns:a16="http://schemas.microsoft.com/office/drawing/2014/main" id="{F064D76A-8B9E-9A36-8685-D8555FBA3AA3}"/>
+              </a:ext>
+            </a:extLst>
+          </p:cNvPr>
+          <p:cNvGrpSpPr/>
+          <p:nvPr/>
+        </p:nvGrpSpPr>
+        <p:grpSpPr>
+          <a:xfrm>
+            <a:off x="2025561" y="2647214"/>
+            <a:ext cx="414196" cy="414196"/>
+            <a:chOff x="2547277" y="5339454"/>
+            <a:chExt cx="414196" cy="414196"/>
+          </a:xfrm>
+        </p:grpSpPr>
+        <p:sp>
+          <p:nvSpPr>
+            <p:cNvPr id="26" name="正方形/長方形 25">
+              <a:extLst>
+                <a:ext uri="{FF2B5EF4-FFF2-40B4-BE49-F238E27FC236}">
+                  <a16:creationId xmlns:a16="http://schemas.microsoft.com/office/drawing/2014/main" id="{8934DEAC-B646-7449-31E5-17CADBA636E2}"/>
+                </a:ext>
+              </a:extLst>
+            </p:cNvPr>
+            <p:cNvSpPr/>
+            <p:nvPr/>
+          </p:nvSpPr>
+          <p:spPr>
+            <a:xfrm>
+              <a:off x="2608141" y="5348200"/>
+              <a:ext cx="313733" cy="367469"/>
+            </a:xfrm>
+            <a:prstGeom prst="rect">
+              <a:avLst/>
+            </a:prstGeom>
+            <a:solidFill>
+              <a:schemeClr val="bg1"/>
+            </a:solidFill>
+            <a:ln>
+              <a:noFill/>
+            </a:ln>
+          </p:spPr>
+          <p:style>
+            <a:lnRef idx="2">
+              <a:schemeClr val="accent1">
+                <a:shade val="50000"/>
+              </a:schemeClr>
+            </a:lnRef>
+            <a:fillRef idx="1">
+              <a:schemeClr val="accent1"/>
+            </a:fillRef>
+            <a:effectRef idx="0">
+              <a:schemeClr val="accent1"/>
+            </a:effectRef>
+            <a:fontRef idx="minor">
+              <a:schemeClr val="lt1"/>
+            </a:fontRef>
+          </p:style>
+          <p:txBody>
+            <a:bodyPr vert="horz" rtlCol="0" anchor="ctr"/>
+            <a:lstStyle/>
+            <a:p>
+              <a:pPr algn="ctr"/>
+              <a:endParaRPr kumimoji="1" lang="ja-JP" altLang="en-US" dirty="0">
+                <a:solidFill>
+                  <a:schemeClr val="tx1"/>
+                </a:solidFill>
+              </a:endParaRPr>
+            </a:p>
+          </p:txBody>
+        </p:sp>
+        <p:pic>
+          <p:nvPicPr>
+            <p:cNvPr id="28" name="グラフィックス 27" descr="パイロット男性 単色塗りつぶし">
+              <a:extLst>
+                <a:ext uri="{FF2B5EF4-FFF2-40B4-BE49-F238E27FC236}">
+                  <a16:creationId xmlns:a16="http://schemas.microsoft.com/office/drawing/2014/main" id="{4D94B809-559D-0384-48CC-936C74D0BC6F}"/>
+                </a:ext>
+              </a:extLst>
+            </p:cNvPr>
+            <p:cNvPicPr>
+              <a:picLocks noChangeAspect="1"/>
+            </p:cNvPicPr>
+            <p:nvPr/>
+          </p:nvPicPr>
+          <p:blipFill>
+            <a:blip r:embed="rId18">
+              <a:extLst>
+                <a:ext uri="{96DAC541-7B7A-43D3-8B79-37D633B846F1}">
+                  <asvg:svgBlip xmlns:asvg="http://schemas.microsoft.com/office/drawing/2016/SVG/main" r:embed="rId19"/>
+                </a:ext>
+              </a:extLst>
+            </a:blip>
+            <a:stretch>
+              <a:fillRect/>
+            </a:stretch>
+          </p:blipFill>
+          <p:spPr>
+            <a:xfrm>
+              <a:off x="2547277" y="5339454"/>
+              <a:ext cx="414196" cy="414196"/>
+            </a:xfrm>
+            <a:prstGeom prst="rect">
+              <a:avLst/>
+            </a:prstGeom>
+          </p:spPr>
+        </p:pic>
+      </p:grpSp>
+      <p:grpSp>
+        <p:nvGrpSpPr>
+          <p:cNvPr id="29" name="グループ化 28">
+            <a:extLst>
+              <a:ext uri="{FF2B5EF4-FFF2-40B4-BE49-F238E27FC236}">
+                <a16:creationId xmlns:a16="http://schemas.microsoft.com/office/drawing/2014/main" id="{5224F80C-1180-7772-9F78-E77D518B1141}"/>
+              </a:ext>
+            </a:extLst>
+          </p:cNvPr>
+          <p:cNvGrpSpPr/>
+          <p:nvPr/>
+        </p:nvGrpSpPr>
+        <p:grpSpPr>
+          <a:xfrm>
+            <a:off x="701437" y="2643909"/>
+            <a:ext cx="420806" cy="420806"/>
+            <a:chOff x="3369128" y="5472430"/>
+            <a:chExt cx="420806" cy="420806"/>
+          </a:xfrm>
+        </p:grpSpPr>
+        <p:sp>
+          <p:nvSpPr>
+            <p:cNvPr id="30" name="正方形/長方形 29">
+              <a:extLst>
+                <a:ext uri="{FF2B5EF4-FFF2-40B4-BE49-F238E27FC236}">
+                  <a16:creationId xmlns:a16="http://schemas.microsoft.com/office/drawing/2014/main" id="{78242B85-6BE7-C709-C14B-B5C603BE04E8}"/>
+                </a:ext>
+              </a:extLst>
+            </p:cNvPr>
+            <p:cNvSpPr/>
+            <p:nvPr/>
+          </p:nvSpPr>
+          <p:spPr>
+            <a:xfrm>
+              <a:off x="3422665" y="5499099"/>
+              <a:ext cx="313733" cy="367469"/>
+            </a:xfrm>
+            <a:prstGeom prst="rect">
+              <a:avLst/>
+            </a:prstGeom>
+            <a:solidFill>
+              <a:schemeClr val="bg1"/>
+            </a:solidFill>
+            <a:ln>
+              <a:noFill/>
+            </a:ln>
+          </p:spPr>
+          <p:style>
+            <a:lnRef idx="2">
+              <a:schemeClr val="accent1">
+                <a:shade val="50000"/>
+              </a:schemeClr>
+            </a:lnRef>
+            <a:fillRef idx="1">
+              <a:schemeClr val="accent1"/>
+            </a:fillRef>
+            <a:effectRef idx="0">
+              <a:schemeClr val="accent1"/>
+            </a:effectRef>
+            <a:fontRef idx="minor">
+              <a:schemeClr val="lt1"/>
+            </a:fontRef>
+          </p:style>
+          <p:txBody>
+            <a:bodyPr vert="horz" rtlCol="0" anchor="ctr"/>
+            <a:lstStyle/>
+            <a:p>
+              <a:pPr algn="ctr"/>
+              <a:endParaRPr kumimoji="1" lang="ja-JP" altLang="en-US" dirty="0">
+                <a:solidFill>
+                  <a:schemeClr val="tx1"/>
+                </a:solidFill>
+              </a:endParaRPr>
+            </a:p>
+          </p:txBody>
+        </p:sp>
+        <p:pic>
+          <p:nvPicPr>
+            <p:cNvPr id="34" name="グラフィックス 33" descr="パイロット女性 単色塗りつぶし">
+              <a:extLst>
+                <a:ext uri="{FF2B5EF4-FFF2-40B4-BE49-F238E27FC236}">
+                  <a16:creationId xmlns:a16="http://schemas.microsoft.com/office/drawing/2014/main" id="{E8F36943-99AE-54FA-5873-4A55CC5EFE2A}"/>
+                </a:ext>
+              </a:extLst>
+            </p:cNvPr>
+            <p:cNvPicPr>
+              <a:picLocks noChangeAspect="1"/>
+            </p:cNvPicPr>
+            <p:nvPr/>
+          </p:nvPicPr>
+          <p:blipFill>
+            <a:blip r:embed="rId20">
+              <a:extLst>
+                <a:ext uri="{96DAC541-7B7A-43D3-8B79-37D633B846F1}">
+                  <asvg:svgBlip xmlns:asvg="http://schemas.microsoft.com/office/drawing/2016/SVG/main" r:embed="rId21"/>
+                </a:ext>
+              </a:extLst>
+            </a:blip>
+            <a:stretch>
+              <a:fillRect/>
+            </a:stretch>
+          </p:blipFill>
+          <p:spPr>
+            <a:xfrm>
+              <a:off x="3369128" y="5472430"/>
+              <a:ext cx="420806" cy="420806"/>
+            </a:xfrm>
+            <a:prstGeom prst="rect">
+              <a:avLst/>
+            </a:prstGeom>
+          </p:spPr>
+        </p:pic>
+      </p:grpSp>
+      <p:grpSp>
+        <p:nvGrpSpPr>
+          <p:cNvPr id="36" name="グループ化 35">
+            <a:extLst>
+              <a:ext uri="{FF2B5EF4-FFF2-40B4-BE49-F238E27FC236}">
+                <a16:creationId xmlns:a16="http://schemas.microsoft.com/office/drawing/2014/main" id="{B49B0467-848D-2E86-FA27-8030FF679464}"/>
+              </a:ext>
+            </a:extLst>
+          </p:cNvPr>
+          <p:cNvGrpSpPr/>
+          <p:nvPr/>
+        </p:nvGrpSpPr>
+        <p:grpSpPr>
+          <a:xfrm>
+            <a:off x="2185706" y="3893756"/>
+            <a:ext cx="793994" cy="751764"/>
+            <a:chOff x="2153046" y="5320089"/>
+            <a:chExt cx="474193" cy="474193"/>
+          </a:xfrm>
+        </p:grpSpPr>
+        <p:sp>
+          <p:nvSpPr>
+            <p:cNvPr id="37" name="正方形/長方形 36">
+              <a:extLst>
+                <a:ext uri="{FF2B5EF4-FFF2-40B4-BE49-F238E27FC236}">
+                  <a16:creationId xmlns:a16="http://schemas.microsoft.com/office/drawing/2014/main" id="{66E1678E-484F-281F-862E-FC6554A5FC3E}"/>
+                </a:ext>
+              </a:extLst>
+            </p:cNvPr>
+            <p:cNvSpPr/>
+            <p:nvPr/>
+          </p:nvSpPr>
+          <p:spPr>
+            <a:xfrm>
+              <a:off x="2230239" y="5339011"/>
+              <a:ext cx="313733" cy="444638"/>
+            </a:xfrm>
+            <a:prstGeom prst="rect">
+              <a:avLst/>
+            </a:prstGeom>
+            <a:solidFill>
+              <a:schemeClr val="bg1"/>
+            </a:solidFill>
+            <a:ln>
+              <a:noFill/>
+            </a:ln>
+          </p:spPr>
+          <p:style>
+            <a:lnRef idx="2">
+              <a:schemeClr val="accent1">
+                <a:shade val="50000"/>
+              </a:schemeClr>
+            </a:lnRef>
+            <a:fillRef idx="1">
+              <a:schemeClr val="accent1"/>
+            </a:fillRef>
+            <a:effectRef idx="0">
+              <a:schemeClr val="accent1"/>
+            </a:effectRef>
+            <a:fontRef idx="minor">
+              <a:schemeClr val="lt1"/>
+            </a:fontRef>
+          </p:style>
+          <p:txBody>
+            <a:bodyPr vert="horz" rtlCol="0" anchor="ctr"/>
+            <a:lstStyle/>
+            <a:p>
+              <a:pPr algn="ctr"/>
+              <a:endParaRPr kumimoji="1" lang="ja-JP" altLang="en-US" dirty="0">
+                <a:solidFill>
+                  <a:schemeClr val="tx1"/>
+                </a:solidFill>
+              </a:endParaRPr>
+            </a:p>
+          </p:txBody>
+        </p:sp>
+        <p:pic>
+          <p:nvPicPr>
+            <p:cNvPr id="38" name="グラフィックス 37" descr="路面電車 単色塗りつぶし">
+              <a:extLst>
+                <a:ext uri="{FF2B5EF4-FFF2-40B4-BE49-F238E27FC236}">
+                  <a16:creationId xmlns:a16="http://schemas.microsoft.com/office/drawing/2014/main" id="{F7E42E5E-9C25-E5C2-F040-0D6186E7431A}"/>
+                </a:ext>
+              </a:extLst>
+            </p:cNvPr>
+            <p:cNvPicPr>
+              <a:picLocks noChangeAspect="1"/>
+            </p:cNvPicPr>
+            <p:nvPr/>
+          </p:nvPicPr>
+          <p:blipFill>
+            <a:blip r:embed="rId22">
+              <a:extLst>
+                <a:ext uri="{96DAC541-7B7A-43D3-8B79-37D633B846F1}">
+                  <asvg:svgBlip xmlns:asvg="http://schemas.microsoft.com/office/drawing/2016/SVG/main" r:embed="rId23"/>
+                </a:ext>
+              </a:extLst>
+            </a:blip>
+            <a:stretch>
+              <a:fillRect/>
+            </a:stretch>
+          </p:blipFill>
+          <p:spPr>
+            <a:xfrm>
+              <a:off x="2153046" y="5320089"/>
+              <a:ext cx="474193" cy="474193"/>
+            </a:xfrm>
+            <a:prstGeom prst="rect">
+              <a:avLst/>
+            </a:prstGeom>
+          </p:spPr>
+        </p:pic>
+      </p:grpSp>
+      <p:grpSp>
+        <p:nvGrpSpPr>
+          <p:cNvPr id="39" name="グループ化 38">
+            <a:extLst>
+              <a:ext uri="{FF2B5EF4-FFF2-40B4-BE49-F238E27FC236}">
+                <a16:creationId xmlns:a16="http://schemas.microsoft.com/office/drawing/2014/main" id="{4395B327-CA75-ED44-E031-A8BFF54B8129}"/>
+              </a:ext>
+            </a:extLst>
+          </p:cNvPr>
+          <p:cNvGrpSpPr/>
+          <p:nvPr/>
+        </p:nvGrpSpPr>
+        <p:grpSpPr>
+          <a:xfrm>
+            <a:off x="902695" y="3899050"/>
+            <a:ext cx="755861" cy="741177"/>
+            <a:chOff x="3512739" y="5422711"/>
+            <a:chExt cx="474193" cy="474193"/>
+          </a:xfrm>
+        </p:grpSpPr>
+        <p:sp>
+          <p:nvSpPr>
+            <p:cNvPr id="40" name="正方形/長方形 39">
+              <a:extLst>
+                <a:ext uri="{FF2B5EF4-FFF2-40B4-BE49-F238E27FC236}">
+                  <a16:creationId xmlns:a16="http://schemas.microsoft.com/office/drawing/2014/main" id="{DAEED9E3-2BF0-F7C5-685D-D0F59E4F3072}"/>
+                </a:ext>
+              </a:extLst>
+            </p:cNvPr>
+            <p:cNvSpPr/>
+            <p:nvPr/>
+          </p:nvSpPr>
+          <p:spPr>
+            <a:xfrm>
+              <a:off x="3595101" y="5423971"/>
+              <a:ext cx="313733" cy="444638"/>
+            </a:xfrm>
+            <a:prstGeom prst="rect">
+              <a:avLst/>
+            </a:prstGeom>
+            <a:solidFill>
+              <a:schemeClr val="bg1"/>
+            </a:solidFill>
+            <a:ln>
+              <a:noFill/>
+            </a:ln>
+          </p:spPr>
+          <p:style>
+            <a:lnRef idx="2">
+              <a:schemeClr val="accent1">
+                <a:shade val="50000"/>
+              </a:schemeClr>
+            </a:lnRef>
+            <a:fillRef idx="1">
+              <a:schemeClr val="accent1"/>
+            </a:fillRef>
+            <a:effectRef idx="0">
+              <a:schemeClr val="accent1"/>
+            </a:effectRef>
+            <a:fontRef idx="minor">
+              <a:schemeClr val="lt1"/>
+            </a:fontRef>
+          </p:style>
+          <p:txBody>
+            <a:bodyPr vert="horz" rtlCol="0" anchor="ctr"/>
+            <a:lstStyle/>
+            <a:p>
+              <a:pPr algn="ctr"/>
+              <a:endParaRPr kumimoji="1" lang="ja-JP" altLang="en-US" dirty="0">
+                <a:solidFill>
+                  <a:schemeClr val="tx1"/>
+                </a:solidFill>
+              </a:endParaRPr>
+            </a:p>
+          </p:txBody>
+        </p:sp>
+        <p:pic>
+          <p:nvPicPr>
+            <p:cNvPr id="42" name="グラフィックス 41" descr="路面電車 単色塗りつぶし">
+              <a:extLst>
+                <a:ext uri="{FF2B5EF4-FFF2-40B4-BE49-F238E27FC236}">
+                  <a16:creationId xmlns:a16="http://schemas.microsoft.com/office/drawing/2014/main" id="{A5002852-F21D-173F-771A-3788CACDD330}"/>
+                </a:ext>
+              </a:extLst>
+            </p:cNvPr>
+            <p:cNvPicPr>
+              <a:picLocks noChangeAspect="1"/>
+            </p:cNvPicPr>
+            <p:nvPr/>
+          </p:nvPicPr>
+          <p:blipFill>
+            <a:blip r:embed="rId24">
+              <a:extLst>
+                <a:ext uri="{96DAC541-7B7A-43D3-8B79-37D633B846F1}">
+                  <asvg:svgBlip xmlns:asvg="http://schemas.microsoft.com/office/drawing/2016/SVG/main" r:embed="rId25"/>
+                </a:ext>
+              </a:extLst>
+            </a:blip>
+            <a:stretch>
+              <a:fillRect/>
+            </a:stretch>
+          </p:blipFill>
+          <p:spPr>
+            <a:xfrm>
+              <a:off x="3512739" y="5422711"/>
+              <a:ext cx="474193" cy="474193"/>
+            </a:xfrm>
+            <a:prstGeom prst="rect">
+              <a:avLst/>
+            </a:prstGeom>
+          </p:spPr>
+        </p:pic>
+      </p:grpSp>
+      <p:grpSp>
+        <p:nvGrpSpPr>
+          <p:cNvPr id="43" name="グループ化 42">
+            <a:extLst>
+              <a:ext uri="{FF2B5EF4-FFF2-40B4-BE49-F238E27FC236}">
+                <a16:creationId xmlns:a16="http://schemas.microsoft.com/office/drawing/2014/main" id="{11141A09-450F-2C05-3313-6F71545D27B4}"/>
+              </a:ext>
+            </a:extLst>
+          </p:cNvPr>
+          <p:cNvGrpSpPr/>
+          <p:nvPr/>
+        </p:nvGrpSpPr>
+        <p:grpSpPr>
+          <a:xfrm>
+            <a:off x="3288849" y="2647214"/>
+            <a:ext cx="414196" cy="414196"/>
+            <a:chOff x="3334711" y="5493996"/>
+            <a:chExt cx="414196" cy="414196"/>
+          </a:xfrm>
+        </p:grpSpPr>
+        <p:sp>
+          <p:nvSpPr>
+            <p:cNvPr id="44" name="正方形/長方形 43">
+              <a:extLst>
+                <a:ext uri="{FF2B5EF4-FFF2-40B4-BE49-F238E27FC236}">
+                  <a16:creationId xmlns:a16="http://schemas.microsoft.com/office/drawing/2014/main" id="{394B9AE9-BB63-BC43-0A12-97C0E9155B73}"/>
+                </a:ext>
+              </a:extLst>
+            </p:cNvPr>
+            <p:cNvSpPr/>
+            <p:nvPr/>
+          </p:nvSpPr>
+          <p:spPr>
+            <a:xfrm>
+              <a:off x="3384943" y="5532121"/>
+              <a:ext cx="313733" cy="367469"/>
+            </a:xfrm>
+            <a:prstGeom prst="rect">
+              <a:avLst/>
+            </a:prstGeom>
+            <a:solidFill>
+              <a:schemeClr val="bg1"/>
+            </a:solidFill>
+            <a:ln>
+              <a:noFill/>
+            </a:ln>
+          </p:spPr>
+          <p:style>
+            <a:lnRef idx="2">
+              <a:schemeClr val="accent1">
+                <a:shade val="50000"/>
+              </a:schemeClr>
+            </a:lnRef>
+            <a:fillRef idx="1">
+              <a:schemeClr val="accent1"/>
+            </a:fillRef>
+            <a:effectRef idx="0">
+              <a:schemeClr val="accent1"/>
+            </a:effectRef>
+            <a:fontRef idx="minor">
+              <a:schemeClr val="lt1"/>
+            </a:fontRef>
+          </p:style>
+          <p:txBody>
+            <a:bodyPr vert="horz" rtlCol="0" anchor="ctr"/>
+            <a:lstStyle/>
+            <a:p>
+              <a:pPr algn="ctr"/>
+              <a:endParaRPr kumimoji="1" lang="ja-JP" altLang="en-US" dirty="0">
+                <a:solidFill>
+                  <a:schemeClr val="tx1"/>
+                </a:solidFill>
+              </a:endParaRPr>
+            </a:p>
+          </p:txBody>
+        </p:sp>
+        <p:pic>
+          <p:nvPicPr>
+            <p:cNvPr id="45" name="グラフィックス 44" descr="パイロット男性 単色塗りつぶし">
+              <a:extLst>
+                <a:ext uri="{FF2B5EF4-FFF2-40B4-BE49-F238E27FC236}">
+                  <a16:creationId xmlns:a16="http://schemas.microsoft.com/office/drawing/2014/main" id="{9606143A-FF37-5101-73B3-AB561D929313}"/>
+                </a:ext>
+              </a:extLst>
+            </p:cNvPr>
+            <p:cNvPicPr>
+              <a:picLocks noChangeAspect="1"/>
+            </p:cNvPicPr>
+            <p:nvPr/>
+          </p:nvPicPr>
+          <p:blipFill>
+            <a:blip r:embed="rId26">
+              <a:extLst>
+                <a:ext uri="{96DAC541-7B7A-43D3-8B79-37D633B846F1}">
+                  <asvg:svgBlip xmlns:asvg="http://schemas.microsoft.com/office/drawing/2016/SVG/main" r:embed="rId27"/>
+                </a:ext>
+              </a:extLst>
+            </a:blip>
+            <a:stretch>
+              <a:fillRect/>
+            </a:stretch>
+          </p:blipFill>
+          <p:spPr>
+            <a:xfrm>
+              <a:off x="3334711" y="5493996"/>
+              <a:ext cx="414196" cy="414196"/>
+            </a:xfrm>
+            <a:prstGeom prst="rect">
+              <a:avLst/>
+            </a:prstGeom>
+          </p:spPr>
+        </p:pic>
+      </p:grpSp>
+      <p:grpSp>
+        <p:nvGrpSpPr>
+          <p:cNvPr id="50" name="グループ化 49">
+            <a:extLst>
+              <a:ext uri="{FF2B5EF4-FFF2-40B4-BE49-F238E27FC236}">
+                <a16:creationId xmlns:a16="http://schemas.microsoft.com/office/drawing/2014/main" id="{38AA04F2-BA0D-B589-CC98-0F3C9D948A5C}"/>
+              </a:ext>
+            </a:extLst>
+          </p:cNvPr>
+          <p:cNvGrpSpPr/>
+          <p:nvPr/>
+        </p:nvGrpSpPr>
+        <p:grpSpPr>
+          <a:xfrm>
+            <a:off x="3454441" y="3898751"/>
+            <a:ext cx="786870" cy="741773"/>
+            <a:chOff x="3765530" y="5530504"/>
+            <a:chExt cx="474193" cy="474193"/>
+          </a:xfrm>
+        </p:grpSpPr>
+        <p:sp>
+          <p:nvSpPr>
+            <p:cNvPr id="51" name="正方形/長方形 50">
+              <a:extLst>
+                <a:ext uri="{FF2B5EF4-FFF2-40B4-BE49-F238E27FC236}">
+                  <a16:creationId xmlns:a16="http://schemas.microsoft.com/office/drawing/2014/main" id="{BE9DC7C6-6A75-FEF4-974B-4BEB0595D237}"/>
+                </a:ext>
+              </a:extLst>
+            </p:cNvPr>
+            <p:cNvSpPr/>
+            <p:nvPr/>
+          </p:nvSpPr>
+          <p:spPr>
+            <a:xfrm>
+              <a:off x="3845760" y="5533194"/>
+              <a:ext cx="313733" cy="444638"/>
+            </a:xfrm>
+            <a:prstGeom prst="rect">
+              <a:avLst/>
+            </a:prstGeom>
+            <a:solidFill>
+              <a:schemeClr val="bg1"/>
+            </a:solidFill>
+            <a:ln>
+              <a:noFill/>
+            </a:ln>
+          </p:spPr>
+          <p:style>
+            <a:lnRef idx="2">
+              <a:schemeClr val="accent1">
+                <a:shade val="50000"/>
+              </a:schemeClr>
+            </a:lnRef>
+            <a:fillRef idx="1">
+              <a:schemeClr val="accent1"/>
+            </a:fillRef>
+            <a:effectRef idx="0">
+              <a:schemeClr val="accent1"/>
+            </a:effectRef>
+            <a:fontRef idx="minor">
+              <a:schemeClr val="lt1"/>
+            </a:fontRef>
+          </p:style>
+          <p:txBody>
+            <a:bodyPr vert="horz" rtlCol="0" anchor="ctr"/>
+            <a:lstStyle/>
+            <a:p>
+              <a:pPr algn="ctr"/>
+              <a:endParaRPr kumimoji="1" lang="ja-JP" altLang="en-US" dirty="0">
+                <a:solidFill>
+                  <a:schemeClr val="tx1"/>
+                </a:solidFill>
+              </a:endParaRPr>
+            </a:p>
+          </p:txBody>
+        </p:sp>
+        <p:pic>
+          <p:nvPicPr>
+            <p:cNvPr id="53" name="グラフィックス 52" descr="路面電車 単色塗りつぶし">
+              <a:extLst>
+                <a:ext uri="{FF2B5EF4-FFF2-40B4-BE49-F238E27FC236}">
+                  <a16:creationId xmlns:a16="http://schemas.microsoft.com/office/drawing/2014/main" id="{1FF495D6-D074-DADC-99BD-24C28AE2F7E3}"/>
+                </a:ext>
+              </a:extLst>
+            </p:cNvPr>
+            <p:cNvPicPr>
+              <a:picLocks noChangeAspect="1"/>
+            </p:cNvPicPr>
+            <p:nvPr/>
+          </p:nvPicPr>
+          <p:blipFill>
+            <a:blip r:embed="rId28">
+              <a:extLst>
+                <a:ext uri="{96DAC541-7B7A-43D3-8B79-37D633B846F1}">
+                  <asvg:svgBlip xmlns:asvg="http://schemas.microsoft.com/office/drawing/2016/SVG/main" r:embed="rId29"/>
+                </a:ext>
+              </a:extLst>
+            </a:blip>
+            <a:stretch>
+              <a:fillRect/>
+            </a:stretch>
+          </p:blipFill>
+          <p:spPr>
+            <a:xfrm>
+              <a:off x="3765530" y="5530504"/>
+              <a:ext cx="474193" cy="474193"/>
+            </a:xfrm>
+            <a:prstGeom prst="rect">
+              <a:avLst/>
+            </a:prstGeom>
+          </p:spPr>
+        </p:pic>
+      </p:grpSp>
+      <p:pic>
+        <p:nvPicPr>
+          <p:cNvPr id="56" name="グラフィックス 55" descr="ユーザー 単色塗りつぶし">
+            <a:extLst>
+              <a:ext uri="{FF2B5EF4-FFF2-40B4-BE49-F238E27FC236}">
+                <a16:creationId xmlns:a16="http://schemas.microsoft.com/office/drawing/2014/main" id="{5C80DC60-78BD-A7A7-23BE-C4C3BBFE957F}"/>
+              </a:ext>
+            </a:extLst>
+          </p:cNvPr>
+          <p:cNvPicPr>
+            <a:picLocks noChangeAspect="1"/>
+          </p:cNvPicPr>
+          <p:nvPr/>
+        </p:nvPicPr>
+        <p:blipFill>
+          <a:blip r:embed="rId16">
+            <a:extLst>
+              <a:ext uri="{96DAC541-7B7A-43D3-8B79-37D633B846F1}">
+                <asvg:svgBlip xmlns:asvg="http://schemas.microsoft.com/office/drawing/2016/SVG/main" r:embed="rId17"/>
+              </a:ext>
+            </a:extLst>
+          </a:blip>
+          <a:stretch>
+            <a:fillRect/>
+          </a:stretch>
+        </p:blipFill>
+        <p:spPr>
+          <a:xfrm>
+            <a:off x="2288607" y="5300889"/>
+            <a:ext cx="555687" cy="555687"/>
+          </a:xfrm>
+          <a:prstGeom prst="rect">
+            <a:avLst/>
+          </a:prstGeom>
+        </p:spPr>
+      </p:pic>
+      <p:pic>
+        <p:nvPicPr>
+          <p:cNvPr id="72" name="グラフィックス 71" descr="ユーザー 単色塗りつぶし">
+            <a:extLst>
+              <a:ext uri="{FF2B5EF4-FFF2-40B4-BE49-F238E27FC236}">
+                <a16:creationId xmlns:a16="http://schemas.microsoft.com/office/drawing/2014/main" id="{349FD6E0-C395-641C-1A32-3795F7566FF3}"/>
+              </a:ext>
+            </a:extLst>
+          </p:cNvPr>
+          <p:cNvPicPr>
+            <a:picLocks noChangeAspect="1"/>
+          </p:cNvPicPr>
+          <p:nvPr/>
+        </p:nvPicPr>
+        <p:blipFill>
+          <a:blip r:embed="rId16">
+            <a:extLst>
+              <a:ext uri="{96DAC541-7B7A-43D3-8B79-37D633B846F1}">
+                <asvg:svgBlip xmlns:asvg="http://schemas.microsoft.com/office/drawing/2016/SVG/main" r:embed="rId17"/>
+              </a:ext>
+            </a:extLst>
+          </a:blip>
+          <a:stretch>
+            <a:fillRect/>
+          </a:stretch>
+        </p:blipFill>
+        <p:spPr>
+          <a:xfrm>
+            <a:off x="3570033" y="5287863"/>
+            <a:ext cx="555687" cy="555687"/>
+          </a:xfrm>
+          <a:prstGeom prst="rect">
+            <a:avLst/>
+          </a:prstGeom>
+        </p:spPr>
+      </p:pic>
+      <p:sp>
+        <p:nvSpPr>
+          <p:cNvPr id="74" name="テキスト ボックス 73">
+            <a:extLst>
+              <a:ext uri="{FF2B5EF4-FFF2-40B4-BE49-F238E27FC236}">
+                <a16:creationId xmlns:a16="http://schemas.microsoft.com/office/drawing/2014/main" id="{2A369DF4-7DA2-8073-9DBD-4D0A653BBCBB}"/>
+              </a:ext>
+            </a:extLst>
+          </p:cNvPr>
+          <p:cNvSpPr txBox="1"/>
+          <p:nvPr/>
+        </p:nvSpPr>
+        <p:spPr>
+          <a:xfrm>
+            <a:off x="577339" y="2049369"/>
+            <a:ext cx="1474332" cy="307777"/>
+          </a:xfrm>
+          <a:prstGeom prst="rect">
+            <a:avLst/>
+          </a:prstGeom>
+          <a:noFill/>
+        </p:spPr>
+        <p:txBody>
+          <a:bodyPr wrap="square" rtlCol="0">
+            <a:spAutoFit/>
+          </a:bodyPr>
+          <a:lstStyle/>
+          <a:p>
+            <a:pPr algn="ctr"/>
+            <a:r>
+              <a:rPr kumimoji="1" lang="ja-JP" altLang="en-US" sz="1400" dirty="0"/>
+              <a:t>鉄道事業者</a:t>
+            </a:r>
+            <a:r>
+              <a:rPr kumimoji="1" lang="en-US" altLang="ja-JP" sz="1400" dirty="0"/>
+              <a:t>A</a:t>
+            </a:r>
+            <a:endParaRPr kumimoji="1" lang="ja-JP" altLang="en-US" sz="1400" dirty="0"/>
+          </a:p>
+        </p:txBody>
+      </p:sp>
+      <p:sp>
+        <p:nvSpPr>
+          <p:cNvPr id="76" name="テキスト ボックス 75">
+            <a:extLst>
+              <a:ext uri="{FF2B5EF4-FFF2-40B4-BE49-F238E27FC236}">
+                <a16:creationId xmlns:a16="http://schemas.microsoft.com/office/drawing/2014/main" id="{D3538EAC-AE1B-E2FE-088D-25CB27264CBF}"/>
+              </a:ext>
+            </a:extLst>
+          </p:cNvPr>
+          <p:cNvSpPr txBox="1"/>
+          <p:nvPr/>
+        </p:nvSpPr>
+        <p:spPr>
+          <a:xfrm>
+            <a:off x="1861024" y="2049369"/>
+            <a:ext cx="1474332" cy="307777"/>
+          </a:xfrm>
+          <a:prstGeom prst="rect">
+            <a:avLst/>
+          </a:prstGeom>
+          <a:noFill/>
+        </p:spPr>
+        <p:txBody>
+          <a:bodyPr wrap="square" rtlCol="0">
+            <a:spAutoFit/>
+          </a:bodyPr>
+          <a:lstStyle/>
+          <a:p>
+            <a:pPr algn="ctr"/>
+            <a:r>
+              <a:rPr kumimoji="1" lang="ja-JP" altLang="en-US" sz="1400" dirty="0"/>
+              <a:t>鉄道事業者</a:t>
+            </a:r>
+            <a:r>
+              <a:rPr kumimoji="1" lang="en-US" altLang="ja-JP" sz="1400" dirty="0"/>
+              <a:t>B</a:t>
+            </a:r>
+            <a:endParaRPr kumimoji="1" lang="ja-JP" altLang="en-US" sz="1400" dirty="0"/>
+          </a:p>
+        </p:txBody>
+      </p:sp>
+      <p:sp>
+        <p:nvSpPr>
+          <p:cNvPr id="77" name="テキスト ボックス 76">
+            <a:extLst>
+              <a:ext uri="{FF2B5EF4-FFF2-40B4-BE49-F238E27FC236}">
+                <a16:creationId xmlns:a16="http://schemas.microsoft.com/office/drawing/2014/main" id="{1E11A323-4F12-3C56-8952-67BB934E244F}"/>
+              </a:ext>
+            </a:extLst>
+          </p:cNvPr>
+          <p:cNvSpPr txBox="1"/>
+          <p:nvPr/>
+        </p:nvSpPr>
+        <p:spPr>
+          <a:xfrm>
+            <a:off x="3137264" y="2049369"/>
+            <a:ext cx="1474332" cy="307777"/>
+          </a:xfrm>
+          <a:prstGeom prst="rect">
+            <a:avLst/>
+          </a:prstGeom>
+          <a:noFill/>
+        </p:spPr>
+        <p:txBody>
+          <a:bodyPr wrap="square" rtlCol="0">
+            <a:spAutoFit/>
+          </a:bodyPr>
+          <a:lstStyle/>
+          <a:p>
+            <a:pPr algn="ctr"/>
+            <a:r>
+              <a:rPr kumimoji="1" lang="ja-JP" altLang="en-US" sz="1400" dirty="0"/>
+              <a:t>鉄道事業者</a:t>
+            </a:r>
+            <a:r>
+              <a:rPr kumimoji="1" lang="en-US" altLang="ja-JP" sz="1400" dirty="0"/>
+              <a:t>C</a:t>
+            </a:r>
+            <a:endParaRPr kumimoji="1" lang="ja-JP" altLang="en-US" sz="1400" dirty="0"/>
+          </a:p>
+        </p:txBody>
+      </p:sp>
+      <p:cxnSp>
+        <p:nvCxnSpPr>
+          <p:cNvPr id="78" name="コネクタ: カギ線 77">
+            <a:extLst>
+              <a:ext uri="{FF2B5EF4-FFF2-40B4-BE49-F238E27FC236}">
+                <a16:creationId xmlns:a16="http://schemas.microsoft.com/office/drawing/2014/main" id="{B9026C36-78E7-E67E-41D5-2DC471672145}"/>
+              </a:ext>
+            </a:extLst>
+          </p:cNvPr>
+          <p:cNvCxnSpPr>
+            <a:cxnSpLocks/>
+            <a:stCxn id="73" idx="3"/>
+            <a:endCxn id="17" idx="1"/>
+          </p:cNvCxnSpPr>
+          <p:nvPr/>
+        </p:nvCxnSpPr>
+        <p:spPr>
+          <a:xfrm flipV="1">
+            <a:off x="4634354" y="5176670"/>
+            <a:ext cx="1288404" cy="351311"/>
+          </a:xfrm>
+          <a:prstGeom prst="bentConnector3">
+            <a:avLst>
+              <a:gd name="adj1" fmla="val 50000"/>
+            </a:avLst>
+          </a:prstGeom>
+          <a:ln w="38100">
+            <a:solidFill>
+              <a:schemeClr val="accent3"/>
+            </a:solidFill>
+            <a:headEnd type="none" w="med" len="med"/>
+            <a:tailEnd type="triangle"/>
+          </a:ln>
+        </p:spPr>
+        <p:style>
+          <a:lnRef idx="1">
+            <a:schemeClr val="accent1"/>
+          </a:lnRef>
+          <a:fillRef idx="0">
+            <a:schemeClr val="accent1"/>
+          </a:fillRef>
+          <a:effectRef idx="0">
+            <a:schemeClr val="accent1"/>
+          </a:effectRef>
+          <a:fontRef idx="minor">
+            <a:schemeClr val="tx1"/>
+          </a:fontRef>
+        </p:style>
+      </p:cxnSp>
+      <p:sp>
+        <p:nvSpPr>
+          <p:cNvPr id="84" name="矢印: 左右 83">
+            <a:extLst>
+              <a:ext uri="{FF2B5EF4-FFF2-40B4-BE49-F238E27FC236}">
+                <a16:creationId xmlns:a16="http://schemas.microsoft.com/office/drawing/2014/main" id="{F56CAB18-4EE6-3DD3-1311-281E35288ABE}"/>
+              </a:ext>
+            </a:extLst>
+          </p:cNvPr>
+          <p:cNvSpPr/>
+          <p:nvPr/>
+        </p:nvSpPr>
+        <p:spPr>
+          <a:xfrm>
+            <a:off x="1757836" y="4624865"/>
+            <a:ext cx="1616514" cy="169277"/>
+          </a:xfrm>
+          <a:prstGeom prst="leftRightArrow">
+            <a:avLst/>
+          </a:prstGeom>
+          <a:solidFill>
+            <a:schemeClr val="bg1"/>
+          </a:solidFill>
+        </p:spPr>
+        <p:style>
+          <a:lnRef idx="2">
+            <a:schemeClr val="accent1">
+              <a:shade val="50000"/>
+            </a:schemeClr>
+          </a:lnRef>
+          <a:fillRef idx="1">
+            <a:schemeClr val="accent1"/>
+          </a:fillRef>
+          <a:effectRef idx="0">
+            <a:schemeClr val="accent1"/>
+          </a:effectRef>
+          <a:fontRef idx="minor">
+            <a:schemeClr val="lt1"/>
+          </a:fontRef>
+        </p:style>
+        <p:txBody>
+          <a:bodyPr rtlCol="0" anchor="ctr"/>
+          <a:lstStyle/>
+          <a:p>
+            <a:pPr algn="ctr"/>
+            <a:endParaRPr kumimoji="1" lang="ja-JP" altLang="en-US">
+              <a:solidFill>
+                <a:schemeClr val="tx1"/>
+              </a:solidFill>
+            </a:endParaRPr>
+          </a:p>
+        </p:txBody>
+      </p:sp>
+      <p:sp>
+        <p:nvSpPr>
+          <p:cNvPr id="85" name="テキスト ボックス 84">
+            <a:extLst>
+              <a:ext uri="{FF2B5EF4-FFF2-40B4-BE49-F238E27FC236}">
+                <a16:creationId xmlns:a16="http://schemas.microsoft.com/office/drawing/2014/main" id="{05E85C86-1260-FC4F-C0E4-826408C9B74A}"/>
+              </a:ext>
+            </a:extLst>
+          </p:cNvPr>
+          <p:cNvSpPr txBox="1"/>
+          <p:nvPr/>
+        </p:nvSpPr>
+        <p:spPr>
+          <a:xfrm>
+            <a:off x="2005559" y="4729801"/>
+            <a:ext cx="1119165" cy="307777"/>
+          </a:xfrm>
+          <a:prstGeom prst="rect">
+            <a:avLst/>
+          </a:prstGeom>
+          <a:noFill/>
+        </p:spPr>
+        <p:txBody>
+          <a:bodyPr wrap="square" rtlCol="0">
+            <a:spAutoFit/>
+          </a:bodyPr>
+          <a:lstStyle/>
+          <a:p>
+            <a:pPr algn="ctr"/>
+            <a:r>
+              <a:rPr kumimoji="1" lang="ja-JP" altLang="en-US" sz="1400" b="1" dirty="0"/>
+              <a:t>車両賃貸</a:t>
+            </a:r>
+          </a:p>
+        </p:txBody>
+      </p:sp>
+      <p:sp>
+        <p:nvSpPr>
+          <p:cNvPr id="2" name="四角形: 角を丸くする 1">
+            <a:extLst>
+              <a:ext uri="{FF2B5EF4-FFF2-40B4-BE49-F238E27FC236}">
+                <a16:creationId xmlns:a16="http://schemas.microsoft.com/office/drawing/2014/main" id="{54A179B6-70C8-AB91-BD29-ED508689A3CD}"/>
+              </a:ext>
+            </a:extLst>
+          </p:cNvPr>
+          <p:cNvSpPr/>
+          <p:nvPr/>
+        </p:nvSpPr>
+        <p:spPr>
+          <a:xfrm>
+            <a:off x="767896" y="2356799"/>
+            <a:ext cx="1067152" cy="3685073"/>
+          </a:xfrm>
+          <a:prstGeom prst="roundRect">
+            <a:avLst/>
+          </a:prstGeom>
+          <a:noFill/>
+          <a:ln>
+            <a:prstDash val="dash"/>
+          </a:ln>
+        </p:spPr>
+        <p:style>
+          <a:lnRef idx="2">
+            <a:schemeClr val="accent1">
+              <a:shade val="50000"/>
+            </a:schemeClr>
+          </a:lnRef>
+          <a:fillRef idx="1">
+            <a:schemeClr val="accent1"/>
+          </a:fillRef>
+          <a:effectRef idx="0">
+            <a:schemeClr val="accent1"/>
+          </a:effectRef>
+          <a:fontRef idx="minor">
+            <a:schemeClr val="lt1"/>
+          </a:fontRef>
+        </p:style>
+        <p:txBody>
+          <a:bodyPr rtlCol="0" anchor="ctr"/>
+          <a:lstStyle/>
+          <a:p>
+            <a:pPr algn="ctr"/>
+            <a:endParaRPr kumimoji="1" lang="ja-JP" altLang="en-US">
+              <a:solidFill>
+                <a:schemeClr val="tx1"/>
+              </a:solidFill>
+            </a:endParaRPr>
+          </a:p>
+        </p:txBody>
+      </p:sp>
+      <p:cxnSp>
+        <p:nvCxnSpPr>
+          <p:cNvPr id="86" name="コネクタ: カギ線 85">
+            <a:extLst>
+              <a:ext uri="{FF2B5EF4-FFF2-40B4-BE49-F238E27FC236}">
+                <a16:creationId xmlns:a16="http://schemas.microsoft.com/office/drawing/2014/main" id="{7185C352-3690-9974-15EA-292B39FC7B7F}"/>
+              </a:ext>
+            </a:extLst>
+          </p:cNvPr>
+          <p:cNvCxnSpPr>
+            <a:cxnSpLocks/>
+            <a:stCxn id="54" idx="3"/>
+            <a:endCxn id="13" idx="1"/>
+          </p:cNvCxnSpPr>
+          <p:nvPr/>
+        </p:nvCxnSpPr>
+        <p:spPr>
+          <a:xfrm>
+            <a:off x="4645751" y="3061411"/>
+            <a:ext cx="1277008" cy="118160"/>
+          </a:xfrm>
+          <a:prstGeom prst="bentConnector3">
+            <a:avLst>
+              <a:gd name="adj1" fmla="val 50000"/>
+            </a:avLst>
+          </a:prstGeom>
+          <a:ln w="38100">
+            <a:solidFill>
+              <a:schemeClr val="accent2"/>
+            </a:solidFill>
+            <a:headEnd type="none" w="med" len="med"/>
+            <a:tailEnd type="triangle"/>
+          </a:ln>
+        </p:spPr>
+        <p:style>
+          <a:lnRef idx="1">
+            <a:schemeClr val="accent1"/>
+          </a:lnRef>
+          <a:fillRef idx="0">
+            <a:schemeClr val="accent1"/>
+          </a:fillRef>
+          <a:effectRef idx="0">
+            <a:schemeClr val="accent1"/>
+          </a:effectRef>
+          <a:fontRef idx="minor">
+            <a:schemeClr val="tx1"/>
+          </a:fontRef>
+        </p:style>
+      </p:cxnSp>
+      <p:sp>
+        <p:nvSpPr>
+          <p:cNvPr id="96" name="タイトル 1">
+            <a:extLst>
+              <a:ext uri="{FF2B5EF4-FFF2-40B4-BE49-F238E27FC236}">
+                <a16:creationId xmlns:a16="http://schemas.microsoft.com/office/drawing/2014/main" id="{51F6AB76-6F40-9EC7-73F5-0E26E5087F56}"/>
+              </a:ext>
+            </a:extLst>
+          </p:cNvPr>
+          <p:cNvSpPr txBox="1">
+            <a:spLocks/>
+          </p:cNvSpPr>
+          <p:nvPr/>
+        </p:nvSpPr>
+        <p:spPr>
+          <a:xfrm>
+            <a:off x="517055" y="241080"/>
+            <a:ext cx="11400125" cy="518094"/>
+          </a:xfrm>
+          <a:prstGeom prst="rect">
+            <a:avLst/>
+          </a:prstGeom>
+        </p:spPr>
+        <p:txBody>
+          <a:bodyPr vert="horz" lIns="91440" tIns="45720" rIns="91440" bIns="45720" rtlCol="0" anchor="ctr">
+            <a:normAutofit/>
+          </a:bodyPr>
+          <a:lstStyle>
+            <a:lvl1pPr algn="l" defTabSz="914400" rtl="0" eaLnBrk="1" latinLnBrk="0" hangingPunct="1">
+              <a:lnSpc>
+                <a:spcPct val="90000"/>
+              </a:lnSpc>
+              <a:spcBef>
+                <a:spcPct val="0"/>
+              </a:spcBef>
+              <a:buNone/>
+              <a:defRPr kumimoji="1" sz="2800" b="1" kern="1200">
+                <a:solidFill>
+                  <a:schemeClr val="bg1"/>
+                </a:solidFill>
+                <a:latin typeface="+mj-lt"/>
+                <a:ea typeface="+mj-ea"/>
+                <a:cs typeface="+mj-cs"/>
+              </a:defRPr>
+            </a:lvl1pPr>
+          </a:lstStyle>
+          <a:p>
+            <a:r>
+              <a:rPr lang="en-US" altLang="ja-JP" dirty="0"/>
+              <a:t>SoS</a:t>
+            </a:r>
+            <a:r>
+              <a:rPr lang="ja-JP" altLang="en-US" dirty="0"/>
+              <a:t>の事例：鉄道の直通相互運転</a:t>
+            </a:r>
+            <a:endParaRPr lang="en-US" dirty="0"/>
+          </a:p>
+        </p:txBody>
+      </p:sp>
+      <p:sp>
+        <p:nvSpPr>
+          <p:cNvPr id="97" name="テキスト ボックス 96">
+            <a:extLst>
+              <a:ext uri="{FF2B5EF4-FFF2-40B4-BE49-F238E27FC236}">
+                <a16:creationId xmlns:a16="http://schemas.microsoft.com/office/drawing/2014/main" id="{FFFF4A54-00DC-6A1C-5621-38804821E24D}"/>
+              </a:ext>
+            </a:extLst>
+          </p:cNvPr>
+          <p:cNvSpPr txBox="1"/>
+          <p:nvPr/>
+        </p:nvSpPr>
+        <p:spPr>
+          <a:xfrm>
+            <a:off x="571984" y="-20366"/>
+            <a:ext cx="3682516" cy="338554"/>
+          </a:xfrm>
+          <a:prstGeom prst="rect">
+            <a:avLst/>
+          </a:prstGeom>
+          <a:noFill/>
+        </p:spPr>
+        <p:txBody>
+          <a:bodyPr wrap="square" rtlCol="0">
+            <a:spAutoFit/>
+          </a:bodyPr>
+          <a:lstStyle/>
+          <a:p>
+            <a:r>
+              <a:rPr lang="en-US" altLang="ja-JP" sz="1600" b="1" dirty="0">
+                <a:solidFill>
+                  <a:schemeClr val="bg1"/>
+                </a:solidFill>
+              </a:rPr>
+              <a:t>2. SoS</a:t>
+            </a:r>
+            <a:r>
+              <a:rPr lang="ja-JP" altLang="en-US" sz="1600" b="1" dirty="0">
+                <a:solidFill>
+                  <a:schemeClr val="bg1"/>
+                </a:solidFill>
+              </a:rPr>
+              <a:t>の事例分析・分類</a:t>
+            </a:r>
+            <a:endParaRPr kumimoji="1" lang="ja-JP" altLang="en-US" sz="1600" b="1" dirty="0">
+              <a:solidFill>
+                <a:schemeClr val="bg1"/>
+              </a:solidFill>
+            </a:endParaRPr>
+          </a:p>
+        </p:txBody>
+      </p:sp>
+    </p:spTree>
+    <p:extLst>
+      <p:ext uri="{BB962C8B-B14F-4D97-AF65-F5344CB8AC3E}">
+        <p14:creationId xmlns:p14="http://schemas.microsoft.com/office/powerpoint/2010/main" val="1409838643"/>
+      </p:ext>
+    </p:extLst>
+  </p:cSld>
+  <p:clrMapOvr>
+    <a:masterClrMapping/>
+  </p:clrMapOvr>
+</p:sld>
+</file>
+
+<file path=ppt/slides/slide12.xml><?xml version="1.0" encoding="utf-8"?>
+<p:sld xmlns:a="http://schemas.openxmlformats.org/drawingml/2006/main" xmlns:r="http://schemas.openxmlformats.org/officeDocument/2006/relationships" xmlns:p="http://schemas.openxmlformats.org/presentationml/2006/main">
+  <p:cSld>
+    <p:spTree>
+      <p:nvGrpSpPr>
+        <p:cNvPr id="1" name=""/>
+        <p:cNvGrpSpPr/>
+        <p:nvPr/>
+      </p:nvGrpSpPr>
+      <p:grpSpPr>
+        <a:xfrm>
+          <a:off x="0" y="0"/>
+          <a:ext cx="0" cy="0"/>
+          <a:chOff x="0" y="0"/>
+          <a:chExt cx="0" cy="0"/>
+        </a:xfrm>
+      </p:grpSpPr>
+      <p:sp>
+        <p:nvSpPr>
+          <p:cNvPr id="3" name="スライド番号プレースホルダー 2">
+            <a:extLst>
+              <a:ext uri="{FF2B5EF4-FFF2-40B4-BE49-F238E27FC236}">
+                <a16:creationId xmlns:a16="http://schemas.microsoft.com/office/drawing/2014/main" id="{ED23190D-575C-49DE-8293-87C3C1C8D779}"/>
+              </a:ext>
+            </a:extLst>
+          </p:cNvPr>
+          <p:cNvSpPr>
+            <a:spLocks noGrp="1"/>
+          </p:cNvSpPr>
+          <p:nvPr>
+            <p:ph type="sldNum" sz="quarter" idx="10"/>
+          </p:nvPr>
+        </p:nvSpPr>
+        <p:spPr/>
+        <p:txBody>
+          <a:bodyPr/>
+          <a:lstStyle/>
+          <a:p>
+            <a:fld id="{584EAAFE-CFE5-40AD-8E95-5BFF290DC5CF}" type="slidenum">
+              <a:rPr kumimoji="1" lang="ja-JP" altLang="en-US" smtClean="0"/>
+              <a:pPr/>
+              <a:t>12</a:t>
+            </a:fld>
+            <a:endParaRPr kumimoji="1" lang="ja-JP" altLang="en-US"/>
+          </a:p>
+        </p:txBody>
+      </p:sp>
+      <p:sp>
+        <p:nvSpPr>
+          <p:cNvPr id="9" name="テキスト プレースホルダー 8">
+            <a:extLst>
+              <a:ext uri="{FF2B5EF4-FFF2-40B4-BE49-F238E27FC236}">
+                <a16:creationId xmlns:a16="http://schemas.microsoft.com/office/drawing/2014/main" id="{A809889B-886C-09D3-E0E0-05C8C4A3F3EE}"/>
+              </a:ext>
+            </a:extLst>
+          </p:cNvPr>
+          <p:cNvSpPr>
+            <a:spLocks noGrp="1"/>
+          </p:cNvSpPr>
+          <p:nvPr>
+            <p:ph type="body" sz="quarter" idx="11"/>
+          </p:nvPr>
+        </p:nvSpPr>
+        <p:spPr>
+          <a:xfrm>
+            <a:off x="517055" y="1071367"/>
+            <a:ext cx="11608270" cy="518095"/>
+          </a:xfrm>
+        </p:spPr>
+        <p:txBody>
+          <a:bodyPr/>
+          <a:lstStyle/>
+          <a:p>
+            <a:r>
+              <a:rPr lang="ja-JP" altLang="en-US" dirty="0"/>
+              <a:t>より一般的な事例を先行して分類すると、各社の取り組みも位置づけやすくなる。</a:t>
+            </a:r>
+            <a:endParaRPr lang="en-US" altLang="ja-JP" dirty="0"/>
+          </a:p>
+        </p:txBody>
+      </p:sp>
+      <p:sp>
+        <p:nvSpPr>
+          <p:cNvPr id="8" name="正方形/長方形 7">
+            <a:extLst>
+              <a:ext uri="{FF2B5EF4-FFF2-40B4-BE49-F238E27FC236}">
+                <a16:creationId xmlns:a16="http://schemas.microsoft.com/office/drawing/2014/main" id="{FF465353-E1EF-C304-8E12-A568E25E309F}"/>
+              </a:ext>
+            </a:extLst>
+          </p:cNvPr>
+          <p:cNvSpPr/>
+          <p:nvPr/>
+        </p:nvSpPr>
+        <p:spPr>
+          <a:xfrm>
+            <a:off x="1290054" y="2391070"/>
+            <a:ext cx="1721195" cy="495128"/>
+          </a:xfrm>
+          <a:prstGeom prst="rect">
+            <a:avLst/>
+          </a:prstGeom>
+          <a:solidFill>
+            <a:schemeClr val="accent1"/>
+          </a:solidFill>
+        </p:spPr>
+        <p:style>
+          <a:lnRef idx="2">
+            <a:schemeClr val="accent1">
+              <a:shade val="50000"/>
+            </a:schemeClr>
+          </a:lnRef>
+          <a:fillRef idx="1">
+            <a:schemeClr val="accent1"/>
+          </a:fillRef>
+          <a:effectRef idx="0">
+            <a:schemeClr val="accent1"/>
+          </a:effectRef>
+          <a:fontRef idx="minor">
+            <a:schemeClr val="lt1"/>
+          </a:fontRef>
+        </p:style>
+        <p:txBody>
+          <a:bodyPr rtlCol="0" anchor="ctr"/>
+          <a:lstStyle/>
+          <a:p>
+            <a:pPr algn="ctr"/>
+            <a:r>
+              <a:rPr kumimoji="1" lang="ja-JP" altLang="en-US" dirty="0">
+                <a:solidFill>
+                  <a:schemeClr val="bg1"/>
+                </a:solidFill>
+              </a:rPr>
+              <a:t>指揮命令型</a:t>
+            </a:r>
+            <a:endParaRPr kumimoji="1" lang="en-US" altLang="ja-JP" dirty="0">
+              <a:solidFill>
+                <a:schemeClr val="bg1"/>
+              </a:solidFill>
+            </a:endParaRPr>
+          </a:p>
+        </p:txBody>
+      </p:sp>
+      <p:sp>
+        <p:nvSpPr>
+          <p:cNvPr id="10" name="正方形/長方形 9">
+            <a:extLst>
+              <a:ext uri="{FF2B5EF4-FFF2-40B4-BE49-F238E27FC236}">
+                <a16:creationId xmlns:a16="http://schemas.microsoft.com/office/drawing/2014/main" id="{970B3671-CFF4-04BF-91DC-F3F0C38F63B6}"/>
+              </a:ext>
+            </a:extLst>
+          </p:cNvPr>
+          <p:cNvSpPr/>
+          <p:nvPr/>
+        </p:nvSpPr>
+        <p:spPr>
+          <a:xfrm>
+            <a:off x="3956604" y="2391070"/>
+            <a:ext cx="1721195" cy="495128"/>
+          </a:xfrm>
+          <a:prstGeom prst="rect">
+            <a:avLst/>
+          </a:prstGeom>
+          <a:solidFill>
+            <a:schemeClr val="accent1"/>
+          </a:solidFill>
+        </p:spPr>
+        <p:style>
+          <a:lnRef idx="2">
+            <a:schemeClr val="accent1">
+              <a:shade val="50000"/>
+            </a:schemeClr>
+          </a:lnRef>
+          <a:fillRef idx="1">
+            <a:schemeClr val="accent1"/>
+          </a:fillRef>
+          <a:effectRef idx="0">
+            <a:schemeClr val="accent1"/>
+          </a:effectRef>
+          <a:fontRef idx="minor">
+            <a:schemeClr val="lt1"/>
+          </a:fontRef>
+        </p:style>
+        <p:txBody>
+          <a:bodyPr rtlCol="0" anchor="ctr"/>
+          <a:lstStyle/>
+          <a:p>
+            <a:pPr algn="ctr"/>
+            <a:r>
+              <a:rPr kumimoji="1" lang="ja-JP" altLang="en-US" dirty="0">
+                <a:solidFill>
+                  <a:schemeClr val="bg1"/>
+                </a:solidFill>
+              </a:rPr>
+              <a:t>要請承認型</a:t>
+            </a:r>
+            <a:endParaRPr kumimoji="1" lang="en-US" altLang="ja-JP" dirty="0">
+              <a:solidFill>
+                <a:schemeClr val="bg1"/>
+              </a:solidFill>
+            </a:endParaRPr>
+          </a:p>
+        </p:txBody>
+      </p:sp>
+      <p:sp>
+        <p:nvSpPr>
+          <p:cNvPr id="11" name="正方形/長方形 10">
+            <a:extLst>
+              <a:ext uri="{FF2B5EF4-FFF2-40B4-BE49-F238E27FC236}">
+                <a16:creationId xmlns:a16="http://schemas.microsoft.com/office/drawing/2014/main" id="{D91900A9-F231-65A4-5433-DED0D3F46D39}"/>
+              </a:ext>
+            </a:extLst>
+          </p:cNvPr>
+          <p:cNvSpPr/>
+          <p:nvPr/>
+        </p:nvSpPr>
+        <p:spPr>
+          <a:xfrm>
+            <a:off x="6623154" y="2391070"/>
+            <a:ext cx="1721195" cy="495128"/>
+          </a:xfrm>
+          <a:prstGeom prst="rect">
+            <a:avLst/>
+          </a:prstGeom>
+          <a:solidFill>
+            <a:schemeClr val="accent1"/>
+          </a:solidFill>
+        </p:spPr>
+        <p:style>
+          <a:lnRef idx="2">
+            <a:schemeClr val="accent1">
+              <a:shade val="50000"/>
+            </a:schemeClr>
+          </a:lnRef>
+          <a:fillRef idx="1">
+            <a:schemeClr val="accent1"/>
+          </a:fillRef>
+          <a:effectRef idx="0">
+            <a:schemeClr val="accent1"/>
+          </a:effectRef>
+          <a:fontRef idx="minor">
+            <a:schemeClr val="lt1"/>
+          </a:fontRef>
+        </p:style>
+        <p:txBody>
+          <a:bodyPr rtlCol="0" anchor="ctr"/>
+          <a:lstStyle/>
+          <a:p>
+            <a:pPr algn="ctr"/>
+            <a:r>
+              <a:rPr kumimoji="1" lang="ja-JP" altLang="en-US" dirty="0">
+                <a:solidFill>
+                  <a:schemeClr val="bg1"/>
+                </a:solidFill>
+              </a:rPr>
+              <a:t>協力型</a:t>
+            </a:r>
+            <a:endParaRPr kumimoji="1" lang="en-US" altLang="ja-JP" dirty="0">
+              <a:solidFill>
+                <a:schemeClr val="bg1"/>
+              </a:solidFill>
+            </a:endParaRPr>
+          </a:p>
+        </p:txBody>
+      </p:sp>
+      <p:sp>
+        <p:nvSpPr>
+          <p:cNvPr id="12" name="正方形/長方形 11">
+            <a:extLst>
+              <a:ext uri="{FF2B5EF4-FFF2-40B4-BE49-F238E27FC236}">
+                <a16:creationId xmlns:a16="http://schemas.microsoft.com/office/drawing/2014/main" id="{A0E78837-F3C1-0E95-A208-99B7D08838CF}"/>
+              </a:ext>
+            </a:extLst>
+          </p:cNvPr>
+          <p:cNvSpPr/>
+          <p:nvPr/>
+        </p:nvSpPr>
+        <p:spPr>
+          <a:xfrm>
+            <a:off x="9289705" y="2391070"/>
+            <a:ext cx="1721195" cy="495128"/>
+          </a:xfrm>
+          <a:prstGeom prst="rect">
+            <a:avLst/>
+          </a:prstGeom>
+          <a:solidFill>
+            <a:schemeClr val="accent1"/>
+          </a:solidFill>
+        </p:spPr>
+        <p:style>
+          <a:lnRef idx="2">
+            <a:schemeClr val="accent1">
+              <a:shade val="50000"/>
+            </a:schemeClr>
+          </a:lnRef>
+          <a:fillRef idx="1">
+            <a:schemeClr val="accent1"/>
+          </a:fillRef>
+          <a:effectRef idx="0">
+            <a:schemeClr val="accent1"/>
+          </a:effectRef>
+          <a:fontRef idx="minor">
+            <a:schemeClr val="lt1"/>
+          </a:fontRef>
+        </p:style>
+        <p:txBody>
+          <a:bodyPr rtlCol="0" anchor="ctr"/>
+          <a:lstStyle/>
+          <a:p>
+            <a:pPr algn="ctr"/>
+            <a:r>
+              <a:rPr kumimoji="1" lang="ja-JP" altLang="en-US" dirty="0">
+                <a:solidFill>
+                  <a:schemeClr val="bg1"/>
+                </a:solidFill>
+              </a:rPr>
+              <a:t>仮想型</a:t>
+            </a:r>
+            <a:endParaRPr kumimoji="1" lang="en-US" altLang="ja-JP" dirty="0">
+              <a:solidFill>
+                <a:schemeClr val="bg1"/>
+              </a:solidFill>
+            </a:endParaRPr>
+          </a:p>
+        </p:txBody>
+      </p:sp>
+      <p:sp>
+        <p:nvSpPr>
+          <p:cNvPr id="13" name="テキスト ボックス 12">
+            <a:extLst>
+              <a:ext uri="{FF2B5EF4-FFF2-40B4-BE49-F238E27FC236}">
+                <a16:creationId xmlns:a16="http://schemas.microsoft.com/office/drawing/2014/main" id="{4BD18824-88BA-05CD-8EFA-670C2AB4B899}"/>
+              </a:ext>
+            </a:extLst>
+          </p:cNvPr>
+          <p:cNvSpPr txBox="1"/>
+          <p:nvPr/>
+        </p:nvSpPr>
+        <p:spPr>
+          <a:xfrm>
+            <a:off x="1615729" y="2891321"/>
+            <a:ext cx="1069841" cy="338554"/>
+          </a:xfrm>
+          <a:prstGeom prst="rect">
+            <a:avLst/>
+          </a:prstGeom>
+          <a:noFill/>
+        </p:spPr>
+        <p:txBody>
+          <a:bodyPr wrap="square" rtlCol="0">
+            <a:spAutoFit/>
+          </a:bodyPr>
+          <a:lstStyle/>
+          <a:p>
+            <a:pPr algn="ctr"/>
+            <a:r>
+              <a:rPr kumimoji="1" lang="ja-JP" altLang="en-US" sz="1600" dirty="0"/>
+              <a:t>トップダウン</a:t>
+            </a:r>
+          </a:p>
+        </p:txBody>
+      </p:sp>
+      <p:sp>
+        <p:nvSpPr>
+          <p:cNvPr id="15" name="テキスト ボックス 14">
+            <a:extLst>
+              <a:ext uri="{FF2B5EF4-FFF2-40B4-BE49-F238E27FC236}">
+                <a16:creationId xmlns:a16="http://schemas.microsoft.com/office/drawing/2014/main" id="{C4C642D7-AE98-5223-65CF-E73C94CB248D}"/>
+              </a:ext>
+            </a:extLst>
+          </p:cNvPr>
+          <p:cNvSpPr txBox="1"/>
+          <p:nvPr/>
+        </p:nvSpPr>
+        <p:spPr>
+          <a:xfrm>
+            <a:off x="6789697" y="2891321"/>
+            <a:ext cx="1388109" cy="338554"/>
+          </a:xfrm>
+          <a:prstGeom prst="rect">
+            <a:avLst/>
+          </a:prstGeom>
+          <a:noFill/>
+        </p:spPr>
+        <p:txBody>
+          <a:bodyPr wrap="square" rtlCol="0">
+            <a:spAutoFit/>
+          </a:bodyPr>
+          <a:lstStyle/>
+          <a:p>
+            <a:pPr algn="ctr"/>
+            <a:r>
+              <a:rPr kumimoji="1" lang="ja-JP" altLang="en-US" sz="1600" dirty="0"/>
+              <a:t>誘導・組織化</a:t>
+            </a:r>
+          </a:p>
+        </p:txBody>
+      </p:sp>
+      <p:sp>
+        <p:nvSpPr>
+          <p:cNvPr id="16" name="テキスト ボックス 15">
+            <a:extLst>
+              <a:ext uri="{FF2B5EF4-FFF2-40B4-BE49-F238E27FC236}">
+                <a16:creationId xmlns:a16="http://schemas.microsoft.com/office/drawing/2014/main" id="{6C5038E9-0CD2-AF46-44CC-82B956AC8DF2}"/>
+              </a:ext>
+            </a:extLst>
+          </p:cNvPr>
+          <p:cNvSpPr txBox="1"/>
+          <p:nvPr/>
+        </p:nvSpPr>
+        <p:spPr>
+          <a:xfrm>
+            <a:off x="9615382" y="2891321"/>
+            <a:ext cx="1069841" cy="338554"/>
+          </a:xfrm>
+          <a:prstGeom prst="rect">
+            <a:avLst/>
+          </a:prstGeom>
+          <a:noFill/>
+        </p:spPr>
+        <p:txBody>
+          <a:bodyPr wrap="square" rtlCol="0">
+            <a:spAutoFit/>
+          </a:bodyPr>
+          <a:lstStyle/>
+          <a:p>
+            <a:pPr algn="ctr"/>
+            <a:r>
+              <a:rPr kumimoji="1" lang="ja-JP" altLang="en-US" sz="1600" dirty="0"/>
+              <a:t>創発</a:t>
+            </a:r>
+          </a:p>
+        </p:txBody>
+      </p:sp>
+      <p:sp>
+        <p:nvSpPr>
+          <p:cNvPr id="23" name="テキスト ボックス 22">
+            <a:extLst>
+              <a:ext uri="{FF2B5EF4-FFF2-40B4-BE49-F238E27FC236}">
+                <a16:creationId xmlns:a16="http://schemas.microsoft.com/office/drawing/2014/main" id="{DDDB03D9-10A9-B1A1-9A6B-0332523F03AE}"/>
+              </a:ext>
+            </a:extLst>
+          </p:cNvPr>
+          <p:cNvSpPr txBox="1"/>
+          <p:nvPr/>
+        </p:nvSpPr>
+        <p:spPr>
+          <a:xfrm>
+            <a:off x="300148" y="1869718"/>
+            <a:ext cx="884166" cy="338554"/>
+          </a:xfrm>
+          <a:prstGeom prst="rect">
+            <a:avLst/>
+          </a:prstGeom>
+          <a:noFill/>
+        </p:spPr>
+        <p:txBody>
+          <a:bodyPr wrap="square" rtlCol="0">
+            <a:spAutoFit/>
+          </a:bodyPr>
+          <a:lstStyle/>
+          <a:p>
+            <a:pPr algn="ctr"/>
+            <a:r>
+              <a:rPr kumimoji="1" lang="ja-JP" altLang="en-US" sz="1600" b="1" dirty="0">
+                <a:solidFill>
+                  <a:schemeClr val="accent3"/>
+                </a:solidFill>
+              </a:rPr>
+              <a:t>従属的</a:t>
+            </a:r>
+          </a:p>
+        </p:txBody>
+      </p:sp>
+      <p:sp>
+        <p:nvSpPr>
+          <p:cNvPr id="19" name="テキスト ボックス 18">
+            <a:extLst>
+              <a:ext uri="{FF2B5EF4-FFF2-40B4-BE49-F238E27FC236}">
+                <a16:creationId xmlns:a16="http://schemas.microsoft.com/office/drawing/2014/main" id="{32171D14-DFC8-B23F-7712-F39ADC47F39D}"/>
+              </a:ext>
+            </a:extLst>
+          </p:cNvPr>
+          <p:cNvSpPr txBox="1"/>
+          <p:nvPr/>
+        </p:nvSpPr>
+        <p:spPr>
+          <a:xfrm>
+            <a:off x="11056579" y="1869718"/>
+            <a:ext cx="884166" cy="338554"/>
+          </a:xfrm>
+          <a:prstGeom prst="rect">
+            <a:avLst/>
+          </a:prstGeom>
+          <a:noFill/>
+        </p:spPr>
+        <p:txBody>
+          <a:bodyPr wrap="square" rtlCol="0">
+            <a:spAutoFit/>
+          </a:bodyPr>
+          <a:lstStyle/>
+          <a:p>
+            <a:pPr algn="ctr"/>
+            <a:r>
+              <a:rPr kumimoji="1" lang="ja-JP" altLang="en-US" sz="1600" b="1" dirty="0">
+                <a:solidFill>
+                  <a:schemeClr val="accent3"/>
+                </a:solidFill>
+              </a:rPr>
+              <a:t>独立的</a:t>
+            </a:r>
+          </a:p>
+        </p:txBody>
+      </p:sp>
+      <p:sp>
+        <p:nvSpPr>
+          <p:cNvPr id="4" name="正方形/長方形 3">
+            <a:extLst>
+              <a:ext uri="{FF2B5EF4-FFF2-40B4-BE49-F238E27FC236}">
+                <a16:creationId xmlns:a16="http://schemas.microsoft.com/office/drawing/2014/main" id="{9DB58101-1640-2409-832F-380625C65D50}"/>
+              </a:ext>
+            </a:extLst>
+          </p:cNvPr>
+          <p:cNvSpPr/>
+          <p:nvPr/>
+        </p:nvSpPr>
+        <p:spPr>
+          <a:xfrm rot="5400000">
+            <a:off x="5886780" y="-2821428"/>
+            <a:ext cx="527394" cy="9720847"/>
+          </a:xfrm>
+          <a:prstGeom prst="rect">
+            <a:avLst/>
+          </a:prstGeom>
+          <a:solidFill>
+            <a:schemeClr val="accent1"/>
+          </a:solidFill>
+        </p:spPr>
+        <p:style>
+          <a:lnRef idx="2">
+            <a:schemeClr val="accent1">
+              <a:shade val="50000"/>
+            </a:schemeClr>
+          </a:lnRef>
+          <a:fillRef idx="1">
+            <a:schemeClr val="accent1"/>
+          </a:fillRef>
+          <a:effectRef idx="0">
+            <a:schemeClr val="accent1"/>
+          </a:effectRef>
+          <a:fontRef idx="minor">
+            <a:schemeClr val="lt1"/>
+          </a:fontRef>
+        </p:style>
+        <p:txBody>
+          <a:bodyPr vert="vert270" rtlCol="0" anchor="ctr"/>
+          <a:lstStyle/>
+          <a:p>
+            <a:pPr algn="ctr"/>
+            <a:r>
+              <a:rPr kumimoji="1" lang="en-US" altLang="ja-JP" b="1" dirty="0">
+                <a:solidFill>
+                  <a:schemeClr val="bg1"/>
+                </a:solidFill>
+              </a:rPr>
+              <a:t>SoS</a:t>
+            </a:r>
+            <a:r>
+              <a:rPr kumimoji="1" lang="ja-JP" altLang="en-US" b="1" dirty="0">
+                <a:solidFill>
+                  <a:schemeClr val="bg1"/>
+                </a:solidFill>
+              </a:rPr>
+              <a:t>における協調のタイプ</a:t>
+            </a:r>
+          </a:p>
+        </p:txBody>
+      </p:sp>
+      <p:sp>
+        <p:nvSpPr>
+          <p:cNvPr id="2" name="テキスト ボックス 1">
+            <a:extLst>
+              <a:ext uri="{FF2B5EF4-FFF2-40B4-BE49-F238E27FC236}">
+                <a16:creationId xmlns:a16="http://schemas.microsoft.com/office/drawing/2014/main" id="{E1F785C2-D33F-4373-87BD-CC24645659E1}"/>
+              </a:ext>
+            </a:extLst>
+          </p:cNvPr>
+          <p:cNvSpPr txBox="1"/>
+          <p:nvPr/>
+        </p:nvSpPr>
+        <p:spPr>
+          <a:xfrm>
+            <a:off x="3956603" y="3595971"/>
+            <a:ext cx="4387745" cy="338554"/>
+          </a:xfrm>
+          <a:prstGeom prst="rect">
+            <a:avLst/>
+          </a:prstGeom>
+          <a:noFill/>
+          <a:ln>
+            <a:solidFill>
+              <a:schemeClr val="bg1">
+                <a:lumMod val="50000"/>
+              </a:schemeClr>
+            </a:solidFill>
+          </a:ln>
+        </p:spPr>
+        <p:txBody>
+          <a:bodyPr wrap="square" rtlCol="0">
+            <a:spAutoFit/>
+          </a:bodyPr>
+          <a:lstStyle/>
+          <a:p>
+            <a:pPr algn="ctr"/>
+            <a:r>
+              <a:rPr kumimoji="1" lang="ja-JP" altLang="en-US" sz="1600" dirty="0"/>
+              <a:t>電力システム</a:t>
+            </a:r>
+          </a:p>
+        </p:txBody>
+      </p:sp>
+      <p:sp>
+        <p:nvSpPr>
+          <p:cNvPr id="6" name="テキスト ボックス 5">
+            <a:extLst>
+              <a:ext uri="{FF2B5EF4-FFF2-40B4-BE49-F238E27FC236}">
+                <a16:creationId xmlns:a16="http://schemas.microsoft.com/office/drawing/2014/main" id="{2293C6AD-50D5-FC3D-4ADD-8E318CB8E6DD}"/>
+              </a:ext>
+            </a:extLst>
+          </p:cNvPr>
+          <p:cNvSpPr txBox="1"/>
+          <p:nvPr/>
+        </p:nvSpPr>
+        <p:spPr>
+          <a:xfrm>
+            <a:off x="3956602" y="4074194"/>
+            <a:ext cx="4387745" cy="338554"/>
+          </a:xfrm>
+          <a:prstGeom prst="rect">
+            <a:avLst/>
+          </a:prstGeom>
+          <a:noFill/>
+          <a:ln>
+            <a:solidFill>
+              <a:schemeClr val="bg1">
+                <a:lumMod val="50000"/>
+              </a:schemeClr>
+            </a:solidFill>
+          </a:ln>
+        </p:spPr>
+        <p:txBody>
+          <a:bodyPr wrap="square" rtlCol="0">
+            <a:spAutoFit/>
+          </a:bodyPr>
+          <a:lstStyle/>
+          <a:p>
+            <a:pPr algn="ctr"/>
+            <a:r>
+              <a:rPr kumimoji="1" lang="ja-JP" altLang="en-US" sz="1600" dirty="0"/>
+              <a:t>鉄道相互直通運転</a:t>
+            </a:r>
+          </a:p>
+        </p:txBody>
+      </p:sp>
+      <p:sp>
+        <p:nvSpPr>
+          <p:cNvPr id="7" name="テキスト ボックス 6">
+            <a:extLst>
+              <a:ext uri="{FF2B5EF4-FFF2-40B4-BE49-F238E27FC236}">
+                <a16:creationId xmlns:a16="http://schemas.microsoft.com/office/drawing/2014/main" id="{A5D63D70-BC3E-BC00-E1AD-D2372665C8F0}"/>
+              </a:ext>
+            </a:extLst>
+          </p:cNvPr>
+          <p:cNvSpPr txBox="1"/>
+          <p:nvPr/>
+        </p:nvSpPr>
+        <p:spPr>
+          <a:xfrm>
+            <a:off x="4906742" y="3226059"/>
+            <a:ext cx="2487463" cy="338554"/>
+          </a:xfrm>
+          <a:prstGeom prst="rect">
+            <a:avLst/>
+          </a:prstGeom>
+          <a:noFill/>
+        </p:spPr>
+        <p:txBody>
+          <a:bodyPr wrap="square" rtlCol="0">
+            <a:spAutoFit/>
+          </a:bodyPr>
+          <a:lstStyle/>
+          <a:p>
+            <a:pPr algn="ctr"/>
+            <a:r>
+              <a:rPr kumimoji="1" lang="ja-JP" altLang="en-US" sz="1600" b="1" dirty="0">
+                <a:solidFill>
+                  <a:schemeClr val="accent2"/>
+                </a:solidFill>
+              </a:rPr>
+              <a:t>要請承認＋協力の混合型</a:t>
+            </a:r>
+          </a:p>
+        </p:txBody>
+      </p:sp>
+      <p:sp>
+        <p:nvSpPr>
+          <p:cNvPr id="14" name="タイトル 1">
+            <a:extLst>
+              <a:ext uri="{FF2B5EF4-FFF2-40B4-BE49-F238E27FC236}">
+                <a16:creationId xmlns:a16="http://schemas.microsoft.com/office/drawing/2014/main" id="{56C30C21-41CA-6461-0D79-7FF41180DEB5}"/>
+              </a:ext>
+            </a:extLst>
+          </p:cNvPr>
+          <p:cNvSpPr txBox="1">
+            <a:spLocks/>
+          </p:cNvSpPr>
+          <p:nvPr/>
+        </p:nvSpPr>
+        <p:spPr>
+          <a:xfrm>
+            <a:off x="517055" y="241080"/>
+            <a:ext cx="11400125" cy="518094"/>
+          </a:xfrm>
+          <a:prstGeom prst="rect">
+            <a:avLst/>
+          </a:prstGeom>
+        </p:spPr>
+        <p:txBody>
+          <a:bodyPr vert="horz" lIns="91440" tIns="45720" rIns="91440" bIns="45720" rtlCol="0" anchor="ctr">
+            <a:normAutofit/>
+          </a:bodyPr>
+          <a:lstStyle>
+            <a:lvl1pPr algn="l" defTabSz="914400" rtl="0" eaLnBrk="1" latinLnBrk="0" hangingPunct="1">
+              <a:lnSpc>
+                <a:spcPct val="90000"/>
+              </a:lnSpc>
+              <a:spcBef>
+                <a:spcPct val="0"/>
+              </a:spcBef>
+              <a:buNone/>
+              <a:defRPr kumimoji="1" sz="2800" b="1" kern="1200">
+                <a:solidFill>
+                  <a:schemeClr val="bg1"/>
+                </a:solidFill>
+                <a:latin typeface="+mj-lt"/>
+                <a:ea typeface="+mj-ea"/>
+                <a:cs typeface="+mj-cs"/>
+              </a:defRPr>
+            </a:lvl1pPr>
+          </a:lstStyle>
+          <a:p>
+            <a:r>
+              <a:rPr lang="ja-JP" altLang="en-US" dirty="0"/>
+              <a:t>軸に基づく事例分類の例</a:t>
+            </a:r>
+            <a:endParaRPr lang="en-US" dirty="0"/>
+          </a:p>
+        </p:txBody>
+      </p:sp>
+      <p:sp>
+        <p:nvSpPr>
+          <p:cNvPr id="17" name="テキスト ボックス 16">
+            <a:extLst>
+              <a:ext uri="{FF2B5EF4-FFF2-40B4-BE49-F238E27FC236}">
+                <a16:creationId xmlns:a16="http://schemas.microsoft.com/office/drawing/2014/main" id="{0D693FB7-BEF6-8814-DFD2-417642DD43AA}"/>
+              </a:ext>
+            </a:extLst>
+          </p:cNvPr>
+          <p:cNvSpPr txBox="1"/>
+          <p:nvPr/>
+        </p:nvSpPr>
+        <p:spPr>
+          <a:xfrm>
+            <a:off x="571984" y="-20366"/>
+            <a:ext cx="3682516" cy="338554"/>
+          </a:xfrm>
+          <a:prstGeom prst="rect">
+            <a:avLst/>
+          </a:prstGeom>
+          <a:noFill/>
+        </p:spPr>
+        <p:txBody>
+          <a:bodyPr wrap="square" rtlCol="0">
+            <a:spAutoFit/>
+          </a:bodyPr>
+          <a:lstStyle/>
+          <a:p>
+            <a:r>
+              <a:rPr lang="en-US" altLang="ja-JP" sz="1600" b="1" dirty="0">
+                <a:solidFill>
+                  <a:schemeClr val="bg1"/>
+                </a:solidFill>
+              </a:rPr>
+              <a:t>2. SoS</a:t>
+            </a:r>
+            <a:r>
+              <a:rPr lang="ja-JP" altLang="en-US" sz="1600" b="1" dirty="0">
+                <a:solidFill>
+                  <a:schemeClr val="bg1"/>
+                </a:solidFill>
+              </a:rPr>
+              <a:t>の事例分析・分類</a:t>
+            </a:r>
+            <a:endParaRPr kumimoji="1" lang="ja-JP" altLang="en-US" sz="1600" b="1" dirty="0">
+              <a:solidFill>
+                <a:schemeClr val="bg1"/>
+              </a:solidFill>
+            </a:endParaRPr>
+          </a:p>
+        </p:txBody>
+      </p:sp>
+    </p:spTree>
+    <p:extLst>
+      <p:ext uri="{BB962C8B-B14F-4D97-AF65-F5344CB8AC3E}">
+        <p14:creationId xmlns:p14="http://schemas.microsoft.com/office/powerpoint/2010/main" val="1286039426"/>
+      </p:ext>
+    </p:extLst>
+  </p:cSld>
+  <p:clrMapOvr>
+    <a:masterClrMapping/>
+  </p:clrMapOvr>
+</p:sld>
+</file>
+
+<file path=ppt/slides/slide13.xml><?xml version="1.0" encoding="utf-8"?>
+<p:sld xmlns:a="http://schemas.openxmlformats.org/drawingml/2006/main" xmlns:r="http://schemas.openxmlformats.org/officeDocument/2006/relationships" xmlns:p="http://schemas.openxmlformats.org/presentationml/2006/main">
+  <p:cSld>
+    <p:spTree>
+      <p:nvGrpSpPr>
+        <p:cNvPr id="1" name=""/>
+        <p:cNvGrpSpPr/>
+        <p:nvPr/>
+      </p:nvGrpSpPr>
+      <p:grpSpPr>
+        <a:xfrm>
+          <a:off x="0" y="0"/>
+          <a:ext cx="0" cy="0"/>
+          <a:chOff x="0" y="0"/>
+          <a:chExt cx="0" cy="0"/>
+        </a:xfrm>
+      </p:grpSpPr>
+      <p:sp>
+        <p:nvSpPr>
+          <p:cNvPr id="5" name="タイトル 4">
+            <a:extLst>
+              <a:ext uri="{FF2B5EF4-FFF2-40B4-BE49-F238E27FC236}">
+                <a16:creationId xmlns:a16="http://schemas.microsoft.com/office/drawing/2014/main" id="{560C5BD5-1532-4087-ACF7-85710DC69FAA}"/>
+              </a:ext>
+            </a:extLst>
+          </p:cNvPr>
+          <p:cNvSpPr>
+            <a:spLocks noGrp="1"/>
+          </p:cNvSpPr>
+          <p:nvPr>
+            <p:ph type="title"/>
+          </p:nvPr>
+        </p:nvSpPr>
+        <p:spPr/>
+        <p:txBody>
+          <a:bodyPr/>
+          <a:lstStyle/>
+          <a:p>
+            <a:r>
+              <a:rPr lang="ja-JP" altLang="en-US" dirty="0"/>
+              <a:t>まとめ</a:t>
+            </a:r>
+            <a:endParaRPr lang="en-US" dirty="0"/>
+          </a:p>
+        </p:txBody>
+      </p:sp>
+      <p:sp>
+        <p:nvSpPr>
+          <p:cNvPr id="3" name="スライド番号プレースホルダー 2">
+            <a:extLst>
+              <a:ext uri="{FF2B5EF4-FFF2-40B4-BE49-F238E27FC236}">
+                <a16:creationId xmlns:a16="http://schemas.microsoft.com/office/drawing/2014/main" id="{ED23190D-575C-49DE-8293-87C3C1C8D779}"/>
+              </a:ext>
+            </a:extLst>
+          </p:cNvPr>
+          <p:cNvSpPr>
+            <a:spLocks noGrp="1"/>
+          </p:cNvSpPr>
+          <p:nvPr>
+            <p:ph type="sldNum" sz="quarter" idx="10"/>
+          </p:nvPr>
+        </p:nvSpPr>
+        <p:spPr/>
+        <p:txBody>
+          <a:bodyPr/>
+          <a:lstStyle/>
+          <a:p>
+            <a:fld id="{584EAAFE-CFE5-40AD-8E95-5BFF290DC5CF}" type="slidenum">
+              <a:rPr kumimoji="1" lang="ja-JP" altLang="en-US" smtClean="0"/>
+              <a:pPr/>
+              <a:t>13</a:t>
+            </a:fld>
+            <a:endParaRPr kumimoji="1" lang="ja-JP" altLang="en-US"/>
+          </a:p>
+        </p:txBody>
+      </p:sp>
+      <p:sp>
+        <p:nvSpPr>
+          <p:cNvPr id="9" name="テキスト プレースホルダー 8">
+            <a:extLst>
+              <a:ext uri="{FF2B5EF4-FFF2-40B4-BE49-F238E27FC236}">
+                <a16:creationId xmlns:a16="http://schemas.microsoft.com/office/drawing/2014/main" id="{A809889B-886C-09D3-E0E0-05C8C4A3F3EE}"/>
+              </a:ext>
+            </a:extLst>
+          </p:cNvPr>
+          <p:cNvSpPr>
+            <a:spLocks noGrp="1"/>
+          </p:cNvSpPr>
+          <p:nvPr>
+            <p:ph type="body" sz="quarter" idx="11"/>
+          </p:nvPr>
+        </p:nvSpPr>
+        <p:spPr/>
+        <p:txBody>
+          <a:bodyPr/>
+          <a:lstStyle/>
+          <a:p>
+            <a:r>
+              <a:rPr lang="ja-JP" altLang="en-US" sz="2800" dirty="0"/>
+              <a:t>「</a:t>
+            </a:r>
+            <a:r>
+              <a:rPr lang="en-US" altLang="ja-JP" sz="2800" dirty="0"/>
+              <a:t>SoS</a:t>
+            </a:r>
+            <a:r>
+              <a:rPr lang="ja-JP" altLang="en-US" sz="2800" dirty="0"/>
+              <a:t>の共通認識を合わせる」について、事務局の皆様方からご意見を伺いたい。</a:t>
+            </a:r>
+            <a:endParaRPr lang="en-US" altLang="ja-JP" sz="2800" dirty="0"/>
+          </a:p>
+          <a:p>
+            <a:r>
+              <a:rPr lang="ja-JP" altLang="en-US" sz="2800" dirty="0"/>
+              <a:t>もし賛同いただけるなら、第</a:t>
+            </a:r>
+            <a:r>
+              <a:rPr lang="en-US" altLang="ja-JP" sz="2800" dirty="0"/>
+              <a:t>6</a:t>
+            </a:r>
+            <a:r>
+              <a:rPr lang="ja-JP" altLang="en-US" sz="2800" dirty="0"/>
+              <a:t>回（</a:t>
+            </a:r>
+            <a:r>
+              <a:rPr lang="en-US" altLang="ja-JP" sz="2800" dirty="0"/>
+              <a:t>8</a:t>
+            </a:r>
+            <a:r>
+              <a:rPr lang="ja-JP" altLang="en-US" sz="2800" dirty="0"/>
+              <a:t>月</a:t>
+            </a:r>
+            <a:r>
+              <a:rPr lang="en-US" altLang="ja-JP" sz="2800" dirty="0"/>
+              <a:t>30</a:t>
+            </a:r>
+            <a:r>
+              <a:rPr lang="ja-JP" altLang="en-US" sz="2800" dirty="0"/>
+              <a:t>日）への導入の仕方をご相談したい。</a:t>
+            </a:r>
+            <a:endParaRPr lang="en-US" altLang="ja-JP" sz="2800" dirty="0"/>
+          </a:p>
+          <a:p>
+            <a:pPr lvl="1"/>
+            <a:r>
+              <a:rPr lang="ja-JP" altLang="en-US" sz="2400" dirty="0"/>
+              <a:t>熊谷から今回の資料をメンバーの皆様へご説明することになっても、</a:t>
+            </a:r>
+            <a:r>
+              <a:rPr lang="en-US" altLang="ja-JP" sz="2400" dirty="0"/>
+              <a:t>OK</a:t>
+            </a:r>
+            <a:r>
+              <a:rPr lang="ja-JP" altLang="en-US" sz="2400" dirty="0"/>
+              <a:t>です</a:t>
+            </a:r>
+            <a:endParaRPr lang="en-US" altLang="ja-JP" sz="2400" dirty="0"/>
+          </a:p>
+        </p:txBody>
+      </p:sp>
+    </p:spTree>
+    <p:extLst>
+      <p:ext uri="{BB962C8B-B14F-4D97-AF65-F5344CB8AC3E}">
+        <p14:creationId xmlns:p14="http://schemas.microsoft.com/office/powerpoint/2010/main" val="534514034"/>
+      </p:ext>
+    </p:extLst>
+  </p:cSld>
+  <p:clrMapOvr>
+    <a:masterClrMapping/>
+  </p:clrMapOvr>
+</p:sld>
+</file>
+
+<file path=ppt/slides/slide14.xml><?xml version="1.0" encoding="utf-8"?>
+<p:sld xmlns:a="http://schemas.openxmlformats.org/drawingml/2006/main" xmlns:r="http://schemas.openxmlformats.org/officeDocument/2006/relationships" xmlns:p="http://schemas.openxmlformats.org/presentationml/2006/main">
+  <p:cSld>
+    <p:spTree>
+      <p:nvGrpSpPr>
+        <p:cNvPr id="1" name=""/>
+        <p:cNvGrpSpPr/>
+        <p:nvPr/>
+      </p:nvGrpSpPr>
+      <p:grpSpPr>
+        <a:xfrm>
+          <a:off x="0" y="0"/>
+          <a:ext cx="0" cy="0"/>
+          <a:chOff x="0" y="0"/>
+          <a:chExt cx="0" cy="0"/>
+        </a:xfrm>
+      </p:grpSpPr>
+      <p:sp>
+        <p:nvSpPr>
+          <p:cNvPr id="2" name="スライド番号プレースホルダー 1">
+            <a:extLst>
+              <a:ext uri="{FF2B5EF4-FFF2-40B4-BE49-F238E27FC236}">
+                <a16:creationId xmlns:a16="http://schemas.microsoft.com/office/drawing/2014/main" id="{F2B2B343-CF0D-4CE9-8049-5FF23009C315}"/>
+              </a:ext>
+            </a:extLst>
+          </p:cNvPr>
+          <p:cNvSpPr>
+            <a:spLocks noGrp="1"/>
+          </p:cNvSpPr>
+          <p:nvPr>
+            <p:ph type="sldNum" sz="quarter" idx="11"/>
+          </p:nvPr>
+        </p:nvSpPr>
+        <p:spPr/>
+        <p:txBody>
+          <a:bodyPr/>
+          <a:lstStyle/>
+          <a:p>
+            <a:fld id="{B3001740-FA51-4383-A84C-3DA006D12C29}" type="slidenum">
+              <a:rPr lang="ja-JP" altLang="en-US" smtClean="0"/>
+              <a:pPr/>
+              <a:t>14</a:t>
+            </a:fld>
+            <a:endParaRPr lang="ja-JP" altLang="en-US" dirty="0"/>
+          </a:p>
+        </p:txBody>
+      </p:sp>
+      <p:sp>
+        <p:nvSpPr>
+          <p:cNvPr id="3" name="テキスト プレースホルダー 2">
+            <a:extLst>
+              <a:ext uri="{FF2B5EF4-FFF2-40B4-BE49-F238E27FC236}">
+                <a16:creationId xmlns:a16="http://schemas.microsoft.com/office/drawing/2014/main" id="{EC73A151-6AE6-45B0-B969-B764FDC1ADAE}"/>
+              </a:ext>
+            </a:extLst>
+          </p:cNvPr>
+          <p:cNvSpPr>
+            <a:spLocks noGrp="1"/>
+          </p:cNvSpPr>
+          <p:nvPr>
+            <p:ph type="body" sz="quarter" idx="12"/>
+          </p:nvPr>
+        </p:nvSpPr>
+        <p:spPr/>
+        <p:txBody>
+          <a:bodyPr/>
+          <a:lstStyle/>
+          <a:p>
+            <a:endParaRPr kumimoji="1" lang="ja-JP" altLang="en-US"/>
+          </a:p>
+        </p:txBody>
+      </p:sp>
+    </p:spTree>
+    <p:extLst>
+      <p:ext uri="{BB962C8B-B14F-4D97-AF65-F5344CB8AC3E}">
+        <p14:creationId xmlns:p14="http://schemas.microsoft.com/office/powerpoint/2010/main" val="2744913531"/>
+      </p:ext>
+    </p:extLst>
+  </p:cSld>
+  <p:clrMapOvr>
+    <a:masterClrMapping/>
+  </p:clrMapOvr>
+</p:sld>
+</file>
+
+<file path=ppt/slides/slide15.xml><?xml version="1.0" encoding="utf-8"?>
 <p:sld xmlns:a="http://schemas.openxmlformats.org/drawingml/2006/main" xmlns:r="http://schemas.openxmlformats.org/officeDocument/2006/relationships" xmlns:p="http://schemas.openxmlformats.org/presentationml/2006/main">
   <p:cSld>
     <p:spTree>
@@ -13275,7 +17991,7 @@
             <a:fld id="{584EAAFE-CFE5-40AD-8E95-5BFF290DC5CF}" type="slidenum">
               <a:rPr kumimoji="1" lang="ja-JP" altLang="en-US" smtClean="0"/>
               <a:pPr/>
-              <a:t>11</a:t>
+              <a:t>15</a:t>
             </a:fld>
             <a:endParaRPr kumimoji="1" lang="ja-JP" altLang="en-US"/>
           </a:p>
@@ -15433,7 +20149,7 @@
         </p:nvGrpSpPr>
         <p:grpSpPr>
           <a:xfrm>
-            <a:off x="1897591" y="3458286"/>
+            <a:off x="1897364" y="3458286"/>
             <a:ext cx="474193" cy="474193"/>
             <a:chOff x="2153046" y="5320089"/>
             <a:chExt cx="474193" cy="474193"/>
@@ -15546,7 +20262,7 @@
         </p:nvGrpSpPr>
         <p:grpSpPr>
           <a:xfrm>
-            <a:off x="940886" y="2579779"/>
+            <a:off x="940659" y="2579779"/>
             <a:ext cx="474193" cy="474193"/>
             <a:chOff x="3512739" y="5422711"/>
             <a:chExt cx="474193" cy="474193"/>
@@ -17013,3278 +21729,6 @@
 </p:sld>
 </file>
 
-<file path=ppt/slides/slide12.xml><?xml version="1.0" encoding="utf-8"?>
-<p:sld xmlns:a="http://schemas.openxmlformats.org/drawingml/2006/main" xmlns:r="http://schemas.openxmlformats.org/officeDocument/2006/relationships" xmlns:p="http://schemas.openxmlformats.org/presentationml/2006/main">
-  <p:cSld>
-    <p:spTree>
-      <p:nvGrpSpPr>
-        <p:cNvPr id="1" name=""/>
-        <p:cNvGrpSpPr/>
-        <p:nvPr/>
-      </p:nvGrpSpPr>
-      <p:grpSpPr>
-        <a:xfrm>
-          <a:off x="0" y="0"/>
-          <a:ext cx="0" cy="0"/>
-          <a:chOff x="0" y="0"/>
-          <a:chExt cx="0" cy="0"/>
-        </a:xfrm>
-      </p:grpSpPr>
-      <p:sp>
-        <p:nvSpPr>
-          <p:cNvPr id="57" name="正方形/長方形 56">
-            <a:extLst>
-              <a:ext uri="{FF2B5EF4-FFF2-40B4-BE49-F238E27FC236}">
-                <a16:creationId xmlns:a16="http://schemas.microsoft.com/office/drawing/2014/main" id="{6C1B96E1-030E-8A55-5E63-A7ADDF246FA9}"/>
-              </a:ext>
-            </a:extLst>
-          </p:cNvPr>
-          <p:cNvSpPr/>
-          <p:nvPr/>
-        </p:nvSpPr>
-        <p:spPr>
-          <a:xfrm>
-            <a:off x="255797" y="2049235"/>
-            <a:ext cx="4834921" cy="4148487"/>
-          </a:xfrm>
-          <a:prstGeom prst="rect">
-            <a:avLst/>
-          </a:prstGeom>
-          <a:solidFill>
-            <a:schemeClr val="accent2">
-              <a:lumMod val="20000"/>
-              <a:lumOff val="80000"/>
-              <a:alpha val="50000"/>
-            </a:schemeClr>
-          </a:solidFill>
-          <a:ln>
-            <a:noFill/>
-          </a:ln>
-        </p:spPr>
-        <p:style>
-          <a:lnRef idx="2">
-            <a:schemeClr val="accent1">
-              <a:shade val="50000"/>
-            </a:schemeClr>
-          </a:lnRef>
-          <a:fillRef idx="1">
-            <a:schemeClr val="accent1"/>
-          </a:fillRef>
-          <a:effectRef idx="0">
-            <a:schemeClr val="accent1"/>
-          </a:effectRef>
-          <a:fontRef idx="minor">
-            <a:schemeClr val="lt1"/>
-          </a:fontRef>
-        </p:style>
-        <p:txBody>
-          <a:bodyPr rtlCol="0" anchor="ctr"/>
-          <a:lstStyle/>
-          <a:p>
-            <a:pPr algn="ctr"/>
-            <a:endParaRPr kumimoji="1" lang="ja-JP" altLang="en-US">
-              <a:solidFill>
-                <a:schemeClr val="tx1"/>
-              </a:solidFill>
-            </a:endParaRPr>
-          </a:p>
-        </p:txBody>
-      </p:sp>
-      <p:sp>
-        <p:nvSpPr>
-          <p:cNvPr id="54" name="四角形: 角を丸くする 53">
-            <a:extLst>
-              <a:ext uri="{FF2B5EF4-FFF2-40B4-BE49-F238E27FC236}">
-                <a16:creationId xmlns:a16="http://schemas.microsoft.com/office/drawing/2014/main" id="{99A69533-5A5D-292F-A103-5541A2F5F939}"/>
-              </a:ext>
-            </a:extLst>
-          </p:cNvPr>
-          <p:cNvSpPr/>
-          <p:nvPr/>
-        </p:nvSpPr>
-        <p:spPr>
-          <a:xfrm>
-            <a:off x="509719" y="2506112"/>
-            <a:ext cx="4136032" cy="1053447"/>
-          </a:xfrm>
-          <a:prstGeom prst="roundRect">
-            <a:avLst/>
-          </a:prstGeom>
-          <a:solidFill>
-            <a:schemeClr val="bg1"/>
-          </a:solidFill>
-        </p:spPr>
-        <p:style>
-          <a:lnRef idx="2">
-            <a:schemeClr val="accent1">
-              <a:shade val="50000"/>
-            </a:schemeClr>
-          </a:lnRef>
-          <a:fillRef idx="1">
-            <a:schemeClr val="accent1"/>
-          </a:fillRef>
-          <a:effectRef idx="0">
-            <a:schemeClr val="accent1"/>
-          </a:effectRef>
-          <a:fontRef idx="minor">
-            <a:schemeClr val="lt1"/>
-          </a:fontRef>
-        </p:style>
-        <p:txBody>
-          <a:bodyPr rtlCol="0" anchor="ctr"/>
-          <a:lstStyle/>
-          <a:p>
-            <a:pPr algn="ctr"/>
-            <a:endParaRPr kumimoji="1" lang="ja-JP" altLang="en-US">
-              <a:solidFill>
-                <a:schemeClr val="tx1"/>
-              </a:solidFill>
-            </a:endParaRPr>
-          </a:p>
-        </p:txBody>
-      </p:sp>
-      <p:sp>
-        <p:nvSpPr>
-          <p:cNvPr id="59" name="正方形/長方形 58">
-            <a:extLst>
-              <a:ext uri="{FF2B5EF4-FFF2-40B4-BE49-F238E27FC236}">
-                <a16:creationId xmlns:a16="http://schemas.microsoft.com/office/drawing/2014/main" id="{8FB930EB-A0B3-7E09-E9E9-41C2C63F9B05}"/>
-              </a:ext>
-            </a:extLst>
-          </p:cNvPr>
-          <p:cNvSpPr/>
-          <p:nvPr/>
-        </p:nvSpPr>
-        <p:spPr>
-          <a:xfrm>
-            <a:off x="5562547" y="4390708"/>
-            <a:ext cx="6380846" cy="1807013"/>
-          </a:xfrm>
-          <a:prstGeom prst="rect">
-            <a:avLst/>
-          </a:prstGeom>
-          <a:solidFill>
-            <a:schemeClr val="accent3">
-              <a:lumMod val="20000"/>
-              <a:lumOff val="80000"/>
-            </a:schemeClr>
-          </a:solidFill>
-          <a:ln>
-            <a:noFill/>
-          </a:ln>
-        </p:spPr>
-        <p:style>
-          <a:lnRef idx="2">
-            <a:schemeClr val="accent1">
-              <a:shade val="50000"/>
-            </a:schemeClr>
-          </a:lnRef>
-          <a:fillRef idx="1">
-            <a:schemeClr val="accent1"/>
-          </a:fillRef>
-          <a:effectRef idx="0">
-            <a:schemeClr val="accent1"/>
-          </a:effectRef>
-          <a:fontRef idx="minor">
-            <a:schemeClr val="lt1"/>
-          </a:fontRef>
-        </p:style>
-        <p:txBody>
-          <a:bodyPr rtlCol="0" anchor="ctr"/>
-          <a:lstStyle/>
-          <a:p>
-            <a:pPr algn="ctr"/>
-            <a:endParaRPr kumimoji="1" lang="ja-JP" altLang="en-US">
-              <a:solidFill>
-                <a:schemeClr val="tx1"/>
-              </a:solidFill>
-            </a:endParaRPr>
-          </a:p>
-        </p:txBody>
-      </p:sp>
-      <p:sp>
-        <p:nvSpPr>
-          <p:cNvPr id="17" name="四角形: 角を丸くする 16">
-            <a:extLst>
-              <a:ext uri="{FF2B5EF4-FFF2-40B4-BE49-F238E27FC236}">
-                <a16:creationId xmlns:a16="http://schemas.microsoft.com/office/drawing/2014/main" id="{3592C457-8971-1978-1761-A8EEB7BE8AAE}"/>
-              </a:ext>
-            </a:extLst>
-          </p:cNvPr>
-          <p:cNvSpPr/>
-          <p:nvPr/>
-        </p:nvSpPr>
-        <p:spPr>
-          <a:xfrm>
-            <a:off x="5922758" y="4688257"/>
-            <a:ext cx="5684889" cy="976825"/>
-          </a:xfrm>
-          <a:prstGeom prst="roundRect">
-            <a:avLst/>
-          </a:prstGeom>
-          <a:solidFill>
-            <a:schemeClr val="bg1"/>
-          </a:solidFill>
-        </p:spPr>
-        <p:style>
-          <a:lnRef idx="2">
-            <a:schemeClr val="accent1">
-              <a:shade val="50000"/>
-            </a:schemeClr>
-          </a:lnRef>
-          <a:fillRef idx="1">
-            <a:schemeClr val="accent1"/>
-          </a:fillRef>
-          <a:effectRef idx="0">
-            <a:schemeClr val="accent1"/>
-          </a:effectRef>
-          <a:fontRef idx="minor">
-            <a:schemeClr val="lt1"/>
-          </a:fontRef>
-        </p:style>
-        <p:txBody>
-          <a:bodyPr rtlCol="0" anchor="ctr"/>
-          <a:lstStyle/>
-          <a:p>
-            <a:pPr algn="ctr"/>
-            <a:endParaRPr kumimoji="1" lang="ja-JP" altLang="en-US">
-              <a:solidFill>
-                <a:schemeClr val="tx1"/>
-              </a:solidFill>
-            </a:endParaRPr>
-          </a:p>
-        </p:txBody>
-      </p:sp>
-      <p:sp>
-        <p:nvSpPr>
-          <p:cNvPr id="8" name="正方形/長方形 7">
-            <a:extLst>
-              <a:ext uri="{FF2B5EF4-FFF2-40B4-BE49-F238E27FC236}">
-                <a16:creationId xmlns:a16="http://schemas.microsoft.com/office/drawing/2014/main" id="{4F9DCC26-0CA5-AF4A-0996-082D515A3ABB}"/>
-              </a:ext>
-            </a:extLst>
-          </p:cNvPr>
-          <p:cNvSpPr/>
-          <p:nvPr/>
-        </p:nvSpPr>
-        <p:spPr>
-          <a:xfrm>
-            <a:off x="5568769" y="2049235"/>
-            <a:ext cx="6374624" cy="1959147"/>
-          </a:xfrm>
-          <a:prstGeom prst="rect">
-            <a:avLst/>
-          </a:prstGeom>
-          <a:solidFill>
-            <a:schemeClr val="accent4">
-              <a:lumMod val="20000"/>
-              <a:lumOff val="80000"/>
-            </a:schemeClr>
-          </a:solidFill>
-          <a:ln>
-            <a:noFill/>
-          </a:ln>
-        </p:spPr>
-        <p:style>
-          <a:lnRef idx="2">
-            <a:schemeClr val="accent1">
-              <a:shade val="50000"/>
-            </a:schemeClr>
-          </a:lnRef>
-          <a:fillRef idx="1">
-            <a:schemeClr val="accent1"/>
-          </a:fillRef>
-          <a:effectRef idx="0">
-            <a:schemeClr val="accent1"/>
-          </a:effectRef>
-          <a:fontRef idx="minor">
-            <a:schemeClr val="lt1"/>
-          </a:fontRef>
-        </p:style>
-        <p:txBody>
-          <a:bodyPr rtlCol="0" anchor="ctr"/>
-          <a:lstStyle/>
-          <a:p>
-            <a:pPr algn="ctr"/>
-            <a:endParaRPr kumimoji="1" lang="ja-JP" altLang="en-US">
-              <a:solidFill>
-                <a:schemeClr val="tx1"/>
-              </a:solidFill>
-            </a:endParaRPr>
-          </a:p>
-        </p:txBody>
-      </p:sp>
-      <p:sp>
-        <p:nvSpPr>
-          <p:cNvPr id="13" name="四角形: 角を丸くする 12">
-            <a:extLst>
-              <a:ext uri="{FF2B5EF4-FFF2-40B4-BE49-F238E27FC236}">
-                <a16:creationId xmlns:a16="http://schemas.microsoft.com/office/drawing/2014/main" id="{5D50FB3C-6093-E2BA-EBD4-A202B3A64602}"/>
-              </a:ext>
-            </a:extLst>
-          </p:cNvPr>
-          <p:cNvSpPr/>
-          <p:nvPr/>
-        </p:nvSpPr>
-        <p:spPr>
-          <a:xfrm>
-            <a:off x="5922759" y="2691158"/>
-            <a:ext cx="5684889" cy="976825"/>
-          </a:xfrm>
-          <a:prstGeom prst="roundRect">
-            <a:avLst/>
-          </a:prstGeom>
-          <a:solidFill>
-            <a:schemeClr val="bg1"/>
-          </a:solidFill>
-        </p:spPr>
-        <p:style>
-          <a:lnRef idx="2">
-            <a:schemeClr val="accent1">
-              <a:shade val="50000"/>
-            </a:schemeClr>
-          </a:lnRef>
-          <a:fillRef idx="1">
-            <a:schemeClr val="accent1"/>
-          </a:fillRef>
-          <a:effectRef idx="0">
-            <a:schemeClr val="accent1"/>
-          </a:effectRef>
-          <a:fontRef idx="minor">
-            <a:schemeClr val="lt1"/>
-          </a:fontRef>
-        </p:style>
-        <p:txBody>
-          <a:bodyPr rtlCol="0" anchor="ctr"/>
-          <a:lstStyle/>
-          <a:p>
-            <a:pPr algn="ctr"/>
-            <a:endParaRPr kumimoji="1" lang="ja-JP" altLang="en-US">
-              <a:solidFill>
-                <a:schemeClr val="tx1"/>
-              </a:solidFill>
-            </a:endParaRPr>
-          </a:p>
-        </p:txBody>
-      </p:sp>
-      <p:sp>
-        <p:nvSpPr>
-          <p:cNvPr id="5" name="タイトル 4">
-            <a:extLst>
-              <a:ext uri="{FF2B5EF4-FFF2-40B4-BE49-F238E27FC236}">
-                <a16:creationId xmlns:a16="http://schemas.microsoft.com/office/drawing/2014/main" id="{560C5BD5-1532-4087-ACF7-85710DC69FAA}"/>
-              </a:ext>
-            </a:extLst>
-          </p:cNvPr>
-          <p:cNvSpPr>
-            <a:spLocks noGrp="1"/>
-          </p:cNvSpPr>
-          <p:nvPr>
-            <p:ph type="title"/>
-          </p:nvPr>
-        </p:nvSpPr>
-        <p:spPr/>
-        <p:txBody>
-          <a:bodyPr/>
-          <a:lstStyle/>
-          <a:p>
-            <a:r>
-              <a:rPr lang="en-US" altLang="ja-JP" dirty="0"/>
-              <a:t>SoS</a:t>
-            </a:r>
-            <a:r>
-              <a:rPr lang="ja-JP" altLang="en-US" dirty="0"/>
-              <a:t>の事例：鉄道の相互直通運転の運行管理</a:t>
-            </a:r>
-            <a:endParaRPr lang="en-US" dirty="0"/>
-          </a:p>
-        </p:txBody>
-      </p:sp>
-      <p:sp>
-        <p:nvSpPr>
-          <p:cNvPr id="3" name="スライド番号プレースホルダー 2">
-            <a:extLst>
-              <a:ext uri="{FF2B5EF4-FFF2-40B4-BE49-F238E27FC236}">
-                <a16:creationId xmlns:a16="http://schemas.microsoft.com/office/drawing/2014/main" id="{ED23190D-575C-49DE-8293-87C3C1C8D779}"/>
-              </a:ext>
-            </a:extLst>
-          </p:cNvPr>
-          <p:cNvSpPr>
-            <a:spLocks noGrp="1"/>
-          </p:cNvSpPr>
-          <p:nvPr>
-            <p:ph type="sldNum" sz="quarter" idx="10"/>
-          </p:nvPr>
-        </p:nvSpPr>
-        <p:spPr/>
-        <p:txBody>
-          <a:bodyPr/>
-          <a:lstStyle/>
-          <a:p>
-            <a:fld id="{584EAAFE-CFE5-40AD-8E95-5BFF290DC5CF}" type="slidenum">
-              <a:rPr kumimoji="1" lang="ja-JP" altLang="en-US" smtClean="0"/>
-              <a:pPr/>
-              <a:t>12</a:t>
-            </a:fld>
-            <a:endParaRPr kumimoji="1" lang="ja-JP" altLang="en-US"/>
-          </a:p>
-        </p:txBody>
-      </p:sp>
-      <p:sp>
-        <p:nvSpPr>
-          <p:cNvPr id="9" name="テキスト プレースホルダー 8">
-            <a:extLst>
-              <a:ext uri="{FF2B5EF4-FFF2-40B4-BE49-F238E27FC236}">
-                <a16:creationId xmlns:a16="http://schemas.microsoft.com/office/drawing/2014/main" id="{A809889B-886C-09D3-E0E0-05C8C4A3F3EE}"/>
-              </a:ext>
-            </a:extLst>
-          </p:cNvPr>
-          <p:cNvSpPr>
-            <a:spLocks noGrp="1"/>
-          </p:cNvSpPr>
-          <p:nvPr>
-            <p:ph type="body" sz="quarter" idx="11"/>
-          </p:nvPr>
-        </p:nvSpPr>
-        <p:spPr>
-          <a:xfrm>
-            <a:off x="517055" y="867260"/>
-            <a:ext cx="11341887" cy="627550"/>
-          </a:xfrm>
-        </p:spPr>
-        <p:txBody>
-          <a:bodyPr/>
-          <a:lstStyle/>
-          <a:p>
-            <a:r>
-              <a:rPr lang="ja-JP" altLang="en-US" dirty="0"/>
-              <a:t>ターミナル駅の乗換混雑緩和や速達性向上のために、事業者間、需給間で連携する。</a:t>
-            </a:r>
-            <a:endParaRPr lang="en-US" altLang="ja-JP" dirty="0"/>
-          </a:p>
-          <a:p>
-            <a:pPr lvl="1"/>
-            <a:r>
-              <a:rPr lang="ja-JP" altLang="en-US" dirty="0"/>
-              <a:t>他社の車両を借りて、自社の運転士が自社路線を運転</a:t>
-            </a:r>
-            <a:endParaRPr lang="en-US" altLang="ja-JP" dirty="0"/>
-          </a:p>
-        </p:txBody>
-      </p:sp>
-      <p:sp>
-        <p:nvSpPr>
-          <p:cNvPr id="58" name="テキスト ボックス 57">
-            <a:extLst>
-              <a:ext uri="{FF2B5EF4-FFF2-40B4-BE49-F238E27FC236}">
-                <a16:creationId xmlns:a16="http://schemas.microsoft.com/office/drawing/2014/main" id="{71E1EF27-EE25-E981-0C1E-929CF2348F31}"/>
-              </a:ext>
-            </a:extLst>
-          </p:cNvPr>
-          <p:cNvSpPr txBox="1"/>
-          <p:nvPr/>
-        </p:nvSpPr>
-        <p:spPr>
-          <a:xfrm>
-            <a:off x="198225" y="1767829"/>
-            <a:ext cx="1174189" cy="338554"/>
-          </a:xfrm>
-          <a:prstGeom prst="rect">
-            <a:avLst/>
-          </a:prstGeom>
-          <a:noFill/>
-        </p:spPr>
-        <p:txBody>
-          <a:bodyPr wrap="square" rtlCol="0">
-            <a:spAutoFit/>
-          </a:bodyPr>
-          <a:lstStyle/>
-          <a:p>
-            <a:pPr algn="ctr"/>
-            <a:r>
-              <a:rPr kumimoji="1" lang="ja-JP" altLang="en-US" sz="1600" b="1" dirty="0">
-                <a:solidFill>
-                  <a:schemeClr val="accent2"/>
-                </a:solidFill>
-              </a:rPr>
-              <a:t>鉄道路線</a:t>
-            </a:r>
-          </a:p>
-        </p:txBody>
-      </p:sp>
-      <p:pic>
-        <p:nvPicPr>
-          <p:cNvPr id="60" name="グラフィックス 59" descr="建物 単色塗りつぶし">
-            <a:extLst>
-              <a:ext uri="{FF2B5EF4-FFF2-40B4-BE49-F238E27FC236}">
-                <a16:creationId xmlns:a16="http://schemas.microsoft.com/office/drawing/2014/main" id="{3F134911-628A-350B-EFFF-2846E8AF6DC3}"/>
-              </a:ext>
-            </a:extLst>
-          </p:cNvPr>
-          <p:cNvPicPr>
-            <a:picLocks noChangeAspect="1"/>
-          </p:cNvPicPr>
-          <p:nvPr/>
-        </p:nvPicPr>
-        <p:blipFill>
-          <a:blip r:embed="rId2">
-            <a:extLst>
-              <a:ext uri="{96DAC541-7B7A-43D3-8B79-37D633B846F1}">
-                <asvg:svgBlip xmlns:asvg="http://schemas.microsoft.com/office/drawing/2016/SVG/main" r:embed="rId3"/>
-              </a:ext>
-            </a:extLst>
-          </a:blip>
-          <a:stretch>
-            <a:fillRect/>
-          </a:stretch>
-        </p:blipFill>
-        <p:spPr>
-          <a:xfrm>
-            <a:off x="8457291" y="2956172"/>
-            <a:ext cx="603387" cy="603387"/>
-          </a:xfrm>
-          <a:prstGeom prst="rect">
-            <a:avLst/>
-          </a:prstGeom>
-        </p:spPr>
-      </p:pic>
-      <p:pic>
-        <p:nvPicPr>
-          <p:cNvPr id="61" name="グラフィックス 60" descr="建物 単色塗りつぶし">
-            <a:extLst>
-              <a:ext uri="{FF2B5EF4-FFF2-40B4-BE49-F238E27FC236}">
-                <a16:creationId xmlns:a16="http://schemas.microsoft.com/office/drawing/2014/main" id="{EA5FA4A0-4A19-37F8-C93F-B1E2DCC3E824}"/>
-              </a:ext>
-            </a:extLst>
-          </p:cNvPr>
-          <p:cNvPicPr>
-            <a:picLocks noChangeAspect="1"/>
-          </p:cNvPicPr>
-          <p:nvPr/>
-        </p:nvPicPr>
-        <p:blipFill>
-          <a:blip r:embed="rId4">
-            <a:extLst>
-              <a:ext uri="{96DAC541-7B7A-43D3-8B79-37D633B846F1}">
-                <asvg:svgBlip xmlns:asvg="http://schemas.microsoft.com/office/drawing/2016/SVG/main" r:embed="rId5"/>
-              </a:ext>
-            </a:extLst>
-          </a:blip>
-          <a:stretch>
-            <a:fillRect/>
-          </a:stretch>
-        </p:blipFill>
-        <p:spPr>
-          <a:xfrm>
-            <a:off x="6577599" y="2956172"/>
-            <a:ext cx="603387" cy="603387"/>
-          </a:xfrm>
-          <a:prstGeom prst="rect">
-            <a:avLst/>
-          </a:prstGeom>
-        </p:spPr>
-      </p:pic>
-      <p:sp>
-        <p:nvSpPr>
-          <p:cNvPr id="62" name="テキスト ボックス 61">
-            <a:extLst>
-              <a:ext uri="{FF2B5EF4-FFF2-40B4-BE49-F238E27FC236}">
-                <a16:creationId xmlns:a16="http://schemas.microsoft.com/office/drawing/2014/main" id="{E920C0A7-C5F0-8FED-61EF-51BFE22E1812}"/>
-              </a:ext>
-            </a:extLst>
-          </p:cNvPr>
-          <p:cNvSpPr txBox="1"/>
-          <p:nvPr/>
-        </p:nvSpPr>
-        <p:spPr>
-          <a:xfrm>
-            <a:off x="6155914" y="2052918"/>
-            <a:ext cx="1474332" cy="307777"/>
-          </a:xfrm>
-          <a:prstGeom prst="rect">
-            <a:avLst/>
-          </a:prstGeom>
-          <a:noFill/>
-        </p:spPr>
-        <p:txBody>
-          <a:bodyPr wrap="square" rtlCol="0">
-            <a:spAutoFit/>
-          </a:bodyPr>
-          <a:lstStyle/>
-          <a:p>
-            <a:pPr algn="ctr"/>
-            <a:r>
-              <a:rPr kumimoji="1" lang="ja-JP" altLang="en-US" sz="1400" dirty="0"/>
-              <a:t>鉄道事業者</a:t>
-            </a:r>
-            <a:r>
-              <a:rPr kumimoji="1" lang="en-US" altLang="ja-JP" sz="1400" dirty="0"/>
-              <a:t>A</a:t>
-            </a:r>
-            <a:endParaRPr kumimoji="1" lang="ja-JP" altLang="en-US" sz="1400" dirty="0"/>
-          </a:p>
-        </p:txBody>
-      </p:sp>
-      <p:sp>
-        <p:nvSpPr>
-          <p:cNvPr id="63" name="テキスト ボックス 62">
-            <a:extLst>
-              <a:ext uri="{FF2B5EF4-FFF2-40B4-BE49-F238E27FC236}">
-                <a16:creationId xmlns:a16="http://schemas.microsoft.com/office/drawing/2014/main" id="{26B36083-3B4D-9449-1F37-B790E6B315C6}"/>
-              </a:ext>
-            </a:extLst>
-          </p:cNvPr>
-          <p:cNvSpPr txBox="1"/>
-          <p:nvPr/>
-        </p:nvSpPr>
-        <p:spPr>
-          <a:xfrm>
-            <a:off x="8028741" y="2052918"/>
-            <a:ext cx="1474332" cy="307777"/>
-          </a:xfrm>
-          <a:prstGeom prst="rect">
-            <a:avLst/>
-          </a:prstGeom>
-          <a:noFill/>
-        </p:spPr>
-        <p:txBody>
-          <a:bodyPr wrap="square" rtlCol="0">
-            <a:spAutoFit/>
-          </a:bodyPr>
-          <a:lstStyle/>
-          <a:p>
-            <a:pPr algn="ctr"/>
-            <a:r>
-              <a:rPr kumimoji="1" lang="ja-JP" altLang="en-US" sz="1400" dirty="0"/>
-              <a:t>鉄道事業者</a:t>
-            </a:r>
-            <a:r>
-              <a:rPr kumimoji="1" lang="en-US" altLang="ja-JP" sz="1400" dirty="0"/>
-              <a:t>B</a:t>
-            </a:r>
-            <a:endParaRPr kumimoji="1" lang="ja-JP" altLang="en-US" sz="1400" dirty="0"/>
-          </a:p>
-        </p:txBody>
-      </p:sp>
-      <p:sp>
-        <p:nvSpPr>
-          <p:cNvPr id="65" name="テキスト ボックス 64">
-            <a:extLst>
-              <a:ext uri="{FF2B5EF4-FFF2-40B4-BE49-F238E27FC236}">
-                <a16:creationId xmlns:a16="http://schemas.microsoft.com/office/drawing/2014/main" id="{2FF0BDF9-7DD2-6AFA-89F9-A11AC2C74EC1}"/>
-              </a:ext>
-            </a:extLst>
-          </p:cNvPr>
-          <p:cNvSpPr txBox="1"/>
-          <p:nvPr/>
-        </p:nvSpPr>
-        <p:spPr>
-          <a:xfrm>
-            <a:off x="5504009" y="4052155"/>
-            <a:ext cx="1340087" cy="338554"/>
-          </a:xfrm>
-          <a:prstGeom prst="rect">
-            <a:avLst/>
-          </a:prstGeom>
-          <a:noFill/>
-        </p:spPr>
-        <p:txBody>
-          <a:bodyPr wrap="square" rtlCol="0">
-            <a:spAutoFit/>
-          </a:bodyPr>
-          <a:lstStyle/>
-          <a:p>
-            <a:pPr algn="ctr"/>
-            <a:r>
-              <a:rPr kumimoji="1" lang="ja-JP" altLang="en-US" sz="1600" b="1" dirty="0">
-                <a:solidFill>
-                  <a:schemeClr val="accent3"/>
-                </a:solidFill>
-              </a:rPr>
-              <a:t>支払システム</a:t>
-            </a:r>
-          </a:p>
-        </p:txBody>
-      </p:sp>
-      <p:sp>
-        <p:nvSpPr>
-          <p:cNvPr id="67" name="テキスト ボックス 66">
-            <a:extLst>
-              <a:ext uri="{FF2B5EF4-FFF2-40B4-BE49-F238E27FC236}">
-                <a16:creationId xmlns:a16="http://schemas.microsoft.com/office/drawing/2014/main" id="{E05A221D-E779-94FF-19F0-6FE3A5AF060E}"/>
-              </a:ext>
-            </a:extLst>
-          </p:cNvPr>
-          <p:cNvSpPr txBox="1"/>
-          <p:nvPr/>
-        </p:nvSpPr>
-        <p:spPr>
-          <a:xfrm>
-            <a:off x="7634716" y="5758181"/>
-            <a:ext cx="2238837" cy="307777"/>
-          </a:xfrm>
-          <a:prstGeom prst="rect">
-            <a:avLst/>
-          </a:prstGeom>
-          <a:noFill/>
-        </p:spPr>
-        <p:txBody>
-          <a:bodyPr wrap="square" rtlCol="0">
-            <a:spAutoFit/>
-          </a:bodyPr>
-          <a:lstStyle/>
-          <a:p>
-            <a:r>
-              <a:rPr kumimoji="1" lang="ja-JP" altLang="en-US" sz="1400" b="1" dirty="0"/>
-              <a:t>車両賃貸料金の均等化／</a:t>
-            </a:r>
-          </a:p>
-        </p:txBody>
-      </p:sp>
-      <p:sp>
-        <p:nvSpPr>
-          <p:cNvPr id="68" name="テキスト ボックス 67">
-            <a:extLst>
-              <a:ext uri="{FF2B5EF4-FFF2-40B4-BE49-F238E27FC236}">
-                <a16:creationId xmlns:a16="http://schemas.microsoft.com/office/drawing/2014/main" id="{C0212523-F1B5-CB2F-20BF-F555B8B9173E}"/>
-              </a:ext>
-            </a:extLst>
-          </p:cNvPr>
-          <p:cNvSpPr txBox="1"/>
-          <p:nvPr/>
-        </p:nvSpPr>
-        <p:spPr>
-          <a:xfrm>
-            <a:off x="7643859" y="5961658"/>
-            <a:ext cx="1828668" cy="307777"/>
-          </a:xfrm>
-          <a:prstGeom prst="rect">
-            <a:avLst/>
-          </a:prstGeom>
-          <a:noFill/>
-        </p:spPr>
-        <p:txBody>
-          <a:bodyPr wrap="square" rtlCol="0">
-            <a:spAutoFit/>
-          </a:bodyPr>
-          <a:lstStyle/>
-          <a:p>
-            <a:r>
-              <a:rPr kumimoji="1" lang="ja-JP" altLang="en-US" sz="1400" b="1" dirty="0"/>
-              <a:t>運賃収入の分配</a:t>
-            </a:r>
-          </a:p>
-        </p:txBody>
-      </p:sp>
-      <p:sp>
-        <p:nvSpPr>
-          <p:cNvPr id="69" name="テキスト ボックス 68">
-            <a:extLst>
-              <a:ext uri="{FF2B5EF4-FFF2-40B4-BE49-F238E27FC236}">
-                <a16:creationId xmlns:a16="http://schemas.microsoft.com/office/drawing/2014/main" id="{9F3E59FB-173E-9CD9-588B-C8D1E342E4DB}"/>
-              </a:ext>
-            </a:extLst>
-          </p:cNvPr>
-          <p:cNvSpPr txBox="1"/>
-          <p:nvPr/>
-        </p:nvSpPr>
-        <p:spPr>
-          <a:xfrm>
-            <a:off x="6831094" y="4286448"/>
-            <a:ext cx="1676503" cy="307777"/>
-          </a:xfrm>
-          <a:prstGeom prst="rect">
-            <a:avLst/>
-          </a:prstGeom>
-          <a:noFill/>
-        </p:spPr>
-        <p:txBody>
-          <a:bodyPr wrap="square" rtlCol="0">
-            <a:spAutoFit/>
-          </a:bodyPr>
-          <a:lstStyle/>
-          <a:p>
-            <a:pPr algn="ctr"/>
-            <a:r>
-              <a:rPr kumimoji="1" lang="ja-JP" altLang="en-US" sz="1400" dirty="0"/>
-              <a:t>運転距離／乗客数</a:t>
-            </a:r>
-          </a:p>
-        </p:txBody>
-      </p:sp>
-      <p:sp>
-        <p:nvSpPr>
-          <p:cNvPr id="70" name="テキスト ボックス 69">
-            <a:extLst>
-              <a:ext uri="{FF2B5EF4-FFF2-40B4-BE49-F238E27FC236}">
-                <a16:creationId xmlns:a16="http://schemas.microsoft.com/office/drawing/2014/main" id="{5FED4584-4BD4-6116-90E2-269F63DD3BD0}"/>
-              </a:ext>
-            </a:extLst>
-          </p:cNvPr>
-          <p:cNvSpPr txBox="1"/>
-          <p:nvPr/>
-        </p:nvSpPr>
-        <p:spPr>
-          <a:xfrm>
-            <a:off x="6782067" y="2682821"/>
-            <a:ext cx="2028568" cy="307777"/>
-          </a:xfrm>
-          <a:prstGeom prst="rect">
-            <a:avLst/>
-          </a:prstGeom>
-          <a:noFill/>
-        </p:spPr>
-        <p:txBody>
-          <a:bodyPr wrap="square" rtlCol="0">
-            <a:spAutoFit/>
-          </a:bodyPr>
-          <a:lstStyle/>
-          <a:p>
-            <a:pPr algn="ctr"/>
-            <a:r>
-              <a:rPr kumimoji="1" lang="ja-JP" altLang="en-US" sz="1400" dirty="0"/>
-              <a:t>直通区間のダイヤ改正</a:t>
-            </a:r>
-          </a:p>
-        </p:txBody>
-      </p:sp>
-      <p:cxnSp>
-        <p:nvCxnSpPr>
-          <p:cNvPr id="80" name="直線矢印コネクタ 79">
-            <a:extLst>
-              <a:ext uri="{FF2B5EF4-FFF2-40B4-BE49-F238E27FC236}">
-                <a16:creationId xmlns:a16="http://schemas.microsoft.com/office/drawing/2014/main" id="{A7DFCE4E-314B-1C68-E20D-312B322A7B6E}"/>
-              </a:ext>
-            </a:extLst>
-          </p:cNvPr>
-          <p:cNvCxnSpPr>
-            <a:cxnSpLocks/>
-          </p:cNvCxnSpPr>
-          <p:nvPr/>
-        </p:nvCxnSpPr>
-        <p:spPr>
-          <a:xfrm>
-            <a:off x="3144449" y="2464113"/>
-            <a:ext cx="0" cy="598423"/>
-          </a:xfrm>
-          <a:prstGeom prst="straightConnector1">
-            <a:avLst/>
-          </a:prstGeom>
-          <a:ln>
-            <a:solidFill>
-              <a:schemeClr val="tx1"/>
-            </a:solidFill>
-            <a:headEnd type="triangle"/>
-            <a:tailEnd type="triangle"/>
-          </a:ln>
-        </p:spPr>
-        <p:style>
-          <a:lnRef idx="1">
-            <a:schemeClr val="accent1"/>
-          </a:lnRef>
-          <a:fillRef idx="0">
-            <a:schemeClr val="accent1"/>
-          </a:fillRef>
-          <a:effectRef idx="0">
-            <a:schemeClr val="accent1"/>
-          </a:effectRef>
-          <a:fontRef idx="minor">
-            <a:schemeClr val="tx1"/>
-          </a:fontRef>
-        </p:style>
-      </p:cxnSp>
-      <p:pic>
-        <p:nvPicPr>
-          <p:cNvPr id="82" name="グラフィックス 81" descr="建物 単色塗りつぶし">
-            <a:extLst>
-              <a:ext uri="{FF2B5EF4-FFF2-40B4-BE49-F238E27FC236}">
-                <a16:creationId xmlns:a16="http://schemas.microsoft.com/office/drawing/2014/main" id="{3FAFC5C5-5198-3902-81BB-953FCF5A3C12}"/>
-              </a:ext>
-            </a:extLst>
-          </p:cNvPr>
-          <p:cNvPicPr>
-            <a:picLocks noChangeAspect="1"/>
-          </p:cNvPicPr>
-          <p:nvPr/>
-        </p:nvPicPr>
-        <p:blipFill>
-          <a:blip r:embed="rId6">
-            <a:extLst>
-              <a:ext uri="{96DAC541-7B7A-43D3-8B79-37D633B846F1}">
-                <asvg:svgBlip xmlns:asvg="http://schemas.microsoft.com/office/drawing/2016/SVG/main" r:embed="rId7"/>
-              </a:ext>
-            </a:extLst>
-          </a:blip>
-          <a:stretch>
-            <a:fillRect/>
-          </a:stretch>
-        </p:blipFill>
-        <p:spPr>
-          <a:xfrm>
-            <a:off x="10336982" y="2956172"/>
-            <a:ext cx="603387" cy="603387"/>
-          </a:xfrm>
-          <a:prstGeom prst="rect">
-            <a:avLst/>
-          </a:prstGeom>
-        </p:spPr>
-      </p:pic>
-      <p:sp>
-        <p:nvSpPr>
-          <p:cNvPr id="83" name="テキスト ボックス 82">
-            <a:extLst>
-              <a:ext uri="{FF2B5EF4-FFF2-40B4-BE49-F238E27FC236}">
-                <a16:creationId xmlns:a16="http://schemas.microsoft.com/office/drawing/2014/main" id="{5BE868F3-117A-6E03-71D0-EA1FA5C79262}"/>
-              </a:ext>
-            </a:extLst>
-          </p:cNvPr>
-          <p:cNvSpPr txBox="1"/>
-          <p:nvPr/>
-        </p:nvSpPr>
-        <p:spPr>
-          <a:xfrm>
-            <a:off x="9905779" y="2052918"/>
-            <a:ext cx="1474332" cy="307777"/>
-          </a:xfrm>
-          <a:prstGeom prst="rect">
-            <a:avLst/>
-          </a:prstGeom>
-          <a:noFill/>
-        </p:spPr>
-        <p:txBody>
-          <a:bodyPr wrap="square" rtlCol="0">
-            <a:spAutoFit/>
-          </a:bodyPr>
-          <a:lstStyle/>
-          <a:p>
-            <a:pPr algn="ctr"/>
-            <a:r>
-              <a:rPr kumimoji="1" lang="ja-JP" altLang="en-US" sz="1400" dirty="0"/>
-              <a:t>鉄道事業者</a:t>
-            </a:r>
-            <a:r>
-              <a:rPr kumimoji="1" lang="en-US" altLang="ja-JP" sz="1400" dirty="0"/>
-              <a:t>C</a:t>
-            </a:r>
-            <a:endParaRPr kumimoji="1" lang="ja-JP" altLang="en-US" sz="1400" dirty="0"/>
-          </a:p>
-        </p:txBody>
-      </p:sp>
-      <p:cxnSp>
-        <p:nvCxnSpPr>
-          <p:cNvPr id="105" name="直線矢印コネクタ 104">
-            <a:extLst>
-              <a:ext uri="{FF2B5EF4-FFF2-40B4-BE49-F238E27FC236}">
-                <a16:creationId xmlns:a16="http://schemas.microsoft.com/office/drawing/2014/main" id="{9B7652EB-5CD1-02AE-EFD2-7BF19ED2583E}"/>
-              </a:ext>
-            </a:extLst>
-          </p:cNvPr>
-          <p:cNvCxnSpPr/>
-          <p:nvPr/>
-        </p:nvCxnSpPr>
-        <p:spPr>
-          <a:xfrm>
-            <a:off x="7272631" y="5150173"/>
-            <a:ext cx="1041317" cy="0"/>
-          </a:xfrm>
-          <a:prstGeom prst="straightConnector1">
-            <a:avLst/>
-          </a:prstGeom>
-          <a:ln w="28575">
-            <a:solidFill>
-              <a:schemeClr val="accent3"/>
-            </a:solidFill>
-            <a:headEnd type="triangle"/>
-            <a:tailEnd type="triangle"/>
-          </a:ln>
-        </p:spPr>
-        <p:style>
-          <a:lnRef idx="1">
-            <a:schemeClr val="accent1"/>
-          </a:lnRef>
-          <a:fillRef idx="0">
-            <a:schemeClr val="accent1"/>
-          </a:fillRef>
-          <a:effectRef idx="0">
-            <a:schemeClr val="accent1"/>
-          </a:effectRef>
-          <a:fontRef idx="minor">
-            <a:schemeClr val="tx1"/>
-          </a:fontRef>
-        </p:style>
-      </p:cxnSp>
-      <p:cxnSp>
-        <p:nvCxnSpPr>
-          <p:cNvPr id="106" name="直線矢印コネクタ 105">
-            <a:extLst>
-              <a:ext uri="{FF2B5EF4-FFF2-40B4-BE49-F238E27FC236}">
-                <a16:creationId xmlns:a16="http://schemas.microsoft.com/office/drawing/2014/main" id="{C5A39E06-6B59-94F1-4384-7A56CF1C7211}"/>
-              </a:ext>
-            </a:extLst>
-          </p:cNvPr>
-          <p:cNvCxnSpPr/>
-          <p:nvPr/>
-        </p:nvCxnSpPr>
-        <p:spPr>
-          <a:xfrm>
-            <a:off x="9187057" y="5143510"/>
-            <a:ext cx="1041317" cy="0"/>
-          </a:xfrm>
-          <a:prstGeom prst="straightConnector1">
-            <a:avLst/>
-          </a:prstGeom>
-          <a:ln w="28575">
-            <a:solidFill>
-              <a:schemeClr val="accent3"/>
-            </a:solidFill>
-            <a:headEnd type="triangle"/>
-            <a:tailEnd type="triangle"/>
-          </a:ln>
-        </p:spPr>
-        <p:style>
-          <a:lnRef idx="1">
-            <a:schemeClr val="accent1"/>
-          </a:lnRef>
-          <a:fillRef idx="0">
-            <a:schemeClr val="accent1"/>
-          </a:fillRef>
-          <a:effectRef idx="0">
-            <a:schemeClr val="accent1"/>
-          </a:effectRef>
-          <a:fontRef idx="minor">
-            <a:schemeClr val="tx1"/>
-          </a:fontRef>
-        </p:style>
-      </p:cxnSp>
-      <p:pic>
-        <p:nvPicPr>
-          <p:cNvPr id="107" name="グラフィックス 106" descr="硬貨 単色塗りつぶし">
-            <a:extLst>
-              <a:ext uri="{FF2B5EF4-FFF2-40B4-BE49-F238E27FC236}">
-                <a16:creationId xmlns:a16="http://schemas.microsoft.com/office/drawing/2014/main" id="{C20B339A-E009-2D3E-BCCB-A9136630C3E4}"/>
-              </a:ext>
-            </a:extLst>
-          </p:cNvPr>
-          <p:cNvPicPr>
-            <a:picLocks noChangeAspect="1"/>
-          </p:cNvPicPr>
-          <p:nvPr/>
-        </p:nvPicPr>
-        <p:blipFill>
-          <a:blip r:embed="rId8">
-            <a:extLst>
-              <a:ext uri="{96DAC541-7B7A-43D3-8B79-37D633B846F1}">
-                <asvg:svgBlip xmlns:asvg="http://schemas.microsoft.com/office/drawing/2016/SVG/main" r:embed="rId9"/>
-              </a:ext>
-            </a:extLst>
-          </a:blip>
-          <a:stretch>
-            <a:fillRect/>
-          </a:stretch>
-        </p:blipFill>
-        <p:spPr>
-          <a:xfrm>
-            <a:off x="7655029" y="5223022"/>
-            <a:ext cx="323974" cy="323974"/>
-          </a:xfrm>
-          <a:prstGeom prst="rect">
-            <a:avLst/>
-          </a:prstGeom>
-        </p:spPr>
-      </p:pic>
-      <p:pic>
-        <p:nvPicPr>
-          <p:cNvPr id="108" name="グラフィックス 107" descr="硬貨 単色塗りつぶし">
-            <a:extLst>
-              <a:ext uri="{FF2B5EF4-FFF2-40B4-BE49-F238E27FC236}">
-                <a16:creationId xmlns:a16="http://schemas.microsoft.com/office/drawing/2014/main" id="{C566C3A0-8E4D-0F74-1BF2-070A6BCDAC0B}"/>
-              </a:ext>
-            </a:extLst>
-          </p:cNvPr>
-          <p:cNvPicPr>
-            <a:picLocks noChangeAspect="1"/>
-          </p:cNvPicPr>
-          <p:nvPr/>
-        </p:nvPicPr>
-        <p:blipFill>
-          <a:blip r:embed="rId8">
-            <a:extLst>
-              <a:ext uri="{96DAC541-7B7A-43D3-8B79-37D633B846F1}">
-                <asvg:svgBlip xmlns:asvg="http://schemas.microsoft.com/office/drawing/2016/SVG/main" r:embed="rId9"/>
-              </a:ext>
-            </a:extLst>
-          </a:blip>
-          <a:stretch>
-            <a:fillRect/>
-          </a:stretch>
-        </p:blipFill>
-        <p:spPr>
-          <a:xfrm>
-            <a:off x="9522498" y="5223022"/>
-            <a:ext cx="323974" cy="323974"/>
-          </a:xfrm>
-          <a:prstGeom prst="rect">
-            <a:avLst/>
-          </a:prstGeom>
-        </p:spPr>
-      </p:pic>
-      <p:sp>
-        <p:nvSpPr>
-          <p:cNvPr id="111" name="矢印: 左右 110">
-            <a:extLst>
-              <a:ext uri="{FF2B5EF4-FFF2-40B4-BE49-F238E27FC236}">
-                <a16:creationId xmlns:a16="http://schemas.microsoft.com/office/drawing/2014/main" id="{398A17E0-7D5E-B368-D3E3-F186AC3EA1EC}"/>
-              </a:ext>
-            </a:extLst>
-          </p:cNvPr>
-          <p:cNvSpPr/>
-          <p:nvPr/>
-        </p:nvSpPr>
-        <p:spPr>
-          <a:xfrm>
-            <a:off x="3320846" y="2585308"/>
-            <a:ext cx="1214511" cy="169277"/>
-          </a:xfrm>
-          <a:prstGeom prst="leftRightArrow">
-            <a:avLst/>
-          </a:prstGeom>
-          <a:solidFill>
-            <a:schemeClr val="bg1"/>
-          </a:solidFill>
-        </p:spPr>
-        <p:style>
-          <a:lnRef idx="2">
-            <a:schemeClr val="accent1">
-              <a:shade val="50000"/>
-            </a:schemeClr>
-          </a:lnRef>
-          <a:fillRef idx="1">
-            <a:schemeClr val="accent1"/>
-          </a:fillRef>
-          <a:effectRef idx="0">
-            <a:schemeClr val="accent1"/>
-          </a:effectRef>
-          <a:fontRef idx="minor">
-            <a:schemeClr val="lt1"/>
-          </a:fontRef>
-        </p:style>
-        <p:txBody>
-          <a:bodyPr rtlCol="0" anchor="ctr"/>
-          <a:lstStyle/>
-          <a:p>
-            <a:pPr algn="ctr"/>
-            <a:endParaRPr kumimoji="1" lang="ja-JP" altLang="en-US">
-              <a:solidFill>
-                <a:schemeClr val="tx1"/>
-              </a:solidFill>
-            </a:endParaRPr>
-          </a:p>
-        </p:txBody>
-      </p:sp>
-      <p:grpSp>
-        <p:nvGrpSpPr>
-          <p:cNvPr id="7" name="グループ化 6">
-            <a:extLst>
-              <a:ext uri="{FF2B5EF4-FFF2-40B4-BE49-F238E27FC236}">
-                <a16:creationId xmlns:a16="http://schemas.microsoft.com/office/drawing/2014/main" id="{DBB8F8AE-96F9-A85E-2BE5-6C01942D4B41}"/>
-              </a:ext>
-            </a:extLst>
-          </p:cNvPr>
-          <p:cNvGrpSpPr/>
-          <p:nvPr/>
-        </p:nvGrpSpPr>
-        <p:grpSpPr>
-          <a:xfrm>
-            <a:off x="3227107" y="5856750"/>
-            <a:ext cx="1632091" cy="307777"/>
-            <a:chOff x="2255361" y="1760593"/>
-            <a:chExt cx="1632091" cy="307777"/>
-          </a:xfrm>
-        </p:grpSpPr>
-        <p:sp>
-          <p:nvSpPr>
-            <p:cNvPr id="31" name="テキスト ボックス 30">
-              <a:extLst>
-                <a:ext uri="{FF2B5EF4-FFF2-40B4-BE49-F238E27FC236}">
-                  <a16:creationId xmlns:a16="http://schemas.microsoft.com/office/drawing/2014/main" id="{4D69640A-C646-286A-4B75-4C84BFB29280}"/>
-                </a:ext>
-              </a:extLst>
-            </p:cNvPr>
-            <p:cNvSpPr txBox="1"/>
-            <p:nvPr/>
-          </p:nvSpPr>
-          <p:spPr>
-            <a:xfrm>
-              <a:off x="2617339" y="1760593"/>
-              <a:ext cx="1270113" cy="307777"/>
-            </a:xfrm>
-            <a:prstGeom prst="rect">
-              <a:avLst/>
-            </a:prstGeom>
-            <a:noFill/>
-          </p:spPr>
-          <p:txBody>
-            <a:bodyPr wrap="square" rtlCol="0">
-              <a:spAutoFit/>
-            </a:bodyPr>
-            <a:lstStyle/>
-            <a:p>
-              <a:pPr algn="ctr"/>
-              <a:r>
-                <a:rPr kumimoji="1" lang="ja-JP" altLang="en-US" sz="1400" dirty="0"/>
-                <a:t>相互直通区間</a:t>
-              </a:r>
-            </a:p>
-          </p:txBody>
-        </p:sp>
-        <p:cxnSp>
-          <p:nvCxnSpPr>
-            <p:cNvPr id="112" name="直線矢印コネクタ 111">
-              <a:extLst>
-                <a:ext uri="{FF2B5EF4-FFF2-40B4-BE49-F238E27FC236}">
-                  <a16:creationId xmlns:a16="http://schemas.microsoft.com/office/drawing/2014/main" id="{FA8E287D-040F-255C-05F2-C2DC2C2759BA}"/>
-                </a:ext>
-              </a:extLst>
-            </p:cNvPr>
-            <p:cNvCxnSpPr>
-              <a:cxnSpLocks/>
-            </p:cNvCxnSpPr>
-            <p:nvPr/>
-          </p:nvCxnSpPr>
-          <p:spPr>
-            <a:xfrm flipH="1">
-              <a:off x="2255361" y="1899350"/>
-              <a:ext cx="361349" cy="0"/>
-            </a:xfrm>
-            <a:prstGeom prst="straightConnector1">
-              <a:avLst/>
-            </a:prstGeom>
-            <a:ln>
-              <a:solidFill>
-                <a:schemeClr val="tx1"/>
-              </a:solidFill>
-              <a:headEnd type="triangle"/>
-              <a:tailEnd type="triangle"/>
-            </a:ln>
-          </p:spPr>
-          <p:style>
-            <a:lnRef idx="1">
-              <a:schemeClr val="accent1"/>
-            </a:lnRef>
-            <a:fillRef idx="0">
-              <a:schemeClr val="accent1"/>
-            </a:fillRef>
-            <a:effectRef idx="0">
-              <a:schemeClr val="accent1"/>
-            </a:effectRef>
-            <a:fontRef idx="minor">
-              <a:schemeClr val="tx1"/>
-            </a:fontRef>
-          </p:style>
-        </p:cxnSp>
-      </p:grpSp>
-      <p:sp>
-        <p:nvSpPr>
-          <p:cNvPr id="115" name="テキスト ボックス 114">
-            <a:extLst>
-              <a:ext uri="{FF2B5EF4-FFF2-40B4-BE49-F238E27FC236}">
-                <a16:creationId xmlns:a16="http://schemas.microsoft.com/office/drawing/2014/main" id="{84B304C7-63D9-400E-AB30-4767EAA5C6DD}"/>
-              </a:ext>
-            </a:extLst>
-          </p:cNvPr>
-          <p:cNvSpPr txBox="1"/>
-          <p:nvPr/>
-        </p:nvSpPr>
-        <p:spPr>
-          <a:xfrm>
-            <a:off x="3246715" y="2246138"/>
-            <a:ext cx="1354189" cy="307777"/>
-          </a:xfrm>
-          <a:prstGeom prst="rect">
-            <a:avLst/>
-          </a:prstGeom>
-          <a:noFill/>
-        </p:spPr>
-        <p:txBody>
-          <a:bodyPr wrap="square" rtlCol="0">
-            <a:spAutoFit/>
-          </a:bodyPr>
-          <a:lstStyle/>
-          <a:p>
-            <a:pPr algn="ctr"/>
-            <a:r>
-              <a:rPr kumimoji="1" lang="ja-JP" altLang="en-US" sz="1400" b="1" dirty="0"/>
-              <a:t>乗客の分散</a:t>
-            </a:r>
-          </a:p>
-        </p:txBody>
-      </p:sp>
-      <p:sp>
-        <p:nvSpPr>
-          <p:cNvPr id="159" name="テキスト ボックス 158">
-            <a:extLst>
-              <a:ext uri="{FF2B5EF4-FFF2-40B4-BE49-F238E27FC236}">
-                <a16:creationId xmlns:a16="http://schemas.microsoft.com/office/drawing/2014/main" id="{6B9EFE85-ED2E-9CE7-B245-4F2E0B9DC73E}"/>
-              </a:ext>
-            </a:extLst>
-          </p:cNvPr>
-          <p:cNvSpPr txBox="1"/>
-          <p:nvPr/>
-        </p:nvSpPr>
-        <p:spPr>
-          <a:xfrm>
-            <a:off x="10653302" y="731220"/>
-            <a:ext cx="1573190" cy="276999"/>
-          </a:xfrm>
-          <a:prstGeom prst="rect">
-            <a:avLst/>
-          </a:prstGeom>
-          <a:noFill/>
-        </p:spPr>
-        <p:txBody>
-          <a:bodyPr wrap="square" rtlCol="0">
-            <a:spAutoFit/>
-          </a:bodyPr>
-          <a:lstStyle/>
-          <a:p>
-            <a:pPr algn="ctr"/>
-            <a:r>
-              <a:rPr kumimoji="1" lang="ja-JP" altLang="en-US" sz="1200" dirty="0"/>
-              <a:t>下図は、熊谷が作成</a:t>
-            </a:r>
-          </a:p>
-        </p:txBody>
-      </p:sp>
-      <p:sp>
-        <p:nvSpPr>
-          <p:cNvPr id="12" name="テキスト ボックス 11">
-            <a:extLst>
-              <a:ext uri="{FF2B5EF4-FFF2-40B4-BE49-F238E27FC236}">
-                <a16:creationId xmlns:a16="http://schemas.microsoft.com/office/drawing/2014/main" id="{6BE533E5-8D54-4A2A-B022-7AB748D03758}"/>
-              </a:ext>
-            </a:extLst>
-          </p:cNvPr>
-          <p:cNvSpPr txBox="1"/>
-          <p:nvPr/>
-        </p:nvSpPr>
-        <p:spPr>
-          <a:xfrm>
-            <a:off x="5490216" y="1732372"/>
-            <a:ext cx="1758696" cy="338554"/>
-          </a:xfrm>
-          <a:prstGeom prst="rect">
-            <a:avLst/>
-          </a:prstGeom>
-          <a:noFill/>
-        </p:spPr>
-        <p:txBody>
-          <a:bodyPr wrap="square" rtlCol="0">
-            <a:spAutoFit/>
-          </a:bodyPr>
-          <a:lstStyle/>
-          <a:p>
-            <a:pPr algn="ctr"/>
-            <a:r>
-              <a:rPr kumimoji="1" lang="ja-JP" altLang="en-US" sz="1600" b="1" dirty="0">
-                <a:solidFill>
-                  <a:schemeClr val="accent4"/>
-                </a:solidFill>
-              </a:rPr>
-              <a:t>運行管理システム</a:t>
-            </a:r>
-          </a:p>
-        </p:txBody>
-      </p:sp>
-      <p:pic>
-        <p:nvPicPr>
-          <p:cNvPr id="19" name="グラフィックス 18" descr="建物 単色塗りつぶし">
-            <a:extLst>
-              <a:ext uri="{FF2B5EF4-FFF2-40B4-BE49-F238E27FC236}">
-                <a16:creationId xmlns:a16="http://schemas.microsoft.com/office/drawing/2014/main" id="{323A3FD9-04D7-CEEF-CF98-0863952E982E}"/>
-              </a:ext>
-            </a:extLst>
-          </p:cNvPr>
-          <p:cNvPicPr>
-            <a:picLocks noChangeAspect="1"/>
-          </p:cNvPicPr>
-          <p:nvPr/>
-        </p:nvPicPr>
-        <p:blipFill>
-          <a:blip r:embed="rId2">
-            <a:extLst>
-              <a:ext uri="{96DAC541-7B7A-43D3-8B79-37D633B846F1}">
-                <asvg:svgBlip xmlns:asvg="http://schemas.microsoft.com/office/drawing/2016/SVG/main" r:embed="rId3"/>
-              </a:ext>
-            </a:extLst>
-          </a:blip>
-          <a:stretch>
-            <a:fillRect/>
-          </a:stretch>
-        </p:blipFill>
-        <p:spPr>
-          <a:xfrm>
-            <a:off x="8457291" y="4905544"/>
-            <a:ext cx="603387" cy="603387"/>
-          </a:xfrm>
-          <a:prstGeom prst="rect">
-            <a:avLst/>
-          </a:prstGeom>
-        </p:spPr>
-      </p:pic>
-      <p:pic>
-        <p:nvPicPr>
-          <p:cNvPr id="20" name="グラフィックス 19" descr="建物 単色塗りつぶし">
-            <a:extLst>
-              <a:ext uri="{FF2B5EF4-FFF2-40B4-BE49-F238E27FC236}">
-                <a16:creationId xmlns:a16="http://schemas.microsoft.com/office/drawing/2014/main" id="{E6348732-911F-30ED-0A3A-B5D12F0F11B7}"/>
-              </a:ext>
-            </a:extLst>
-          </p:cNvPr>
-          <p:cNvPicPr>
-            <a:picLocks noChangeAspect="1"/>
-          </p:cNvPicPr>
-          <p:nvPr/>
-        </p:nvPicPr>
-        <p:blipFill>
-          <a:blip r:embed="rId4">
-            <a:extLst>
-              <a:ext uri="{96DAC541-7B7A-43D3-8B79-37D633B846F1}">
-                <asvg:svgBlip xmlns:asvg="http://schemas.microsoft.com/office/drawing/2016/SVG/main" r:embed="rId5"/>
-              </a:ext>
-            </a:extLst>
-          </a:blip>
-          <a:stretch>
-            <a:fillRect/>
-          </a:stretch>
-        </p:blipFill>
-        <p:spPr>
-          <a:xfrm>
-            <a:off x="6577599" y="4905544"/>
-            <a:ext cx="603387" cy="603387"/>
-          </a:xfrm>
-          <a:prstGeom prst="rect">
-            <a:avLst/>
-          </a:prstGeom>
-        </p:spPr>
-      </p:pic>
-      <p:pic>
-        <p:nvPicPr>
-          <p:cNvPr id="21" name="グラフィックス 20" descr="建物 単色塗りつぶし">
-            <a:extLst>
-              <a:ext uri="{FF2B5EF4-FFF2-40B4-BE49-F238E27FC236}">
-                <a16:creationId xmlns:a16="http://schemas.microsoft.com/office/drawing/2014/main" id="{6609D167-68FA-4339-18C2-4C99321D491F}"/>
-              </a:ext>
-            </a:extLst>
-          </p:cNvPr>
-          <p:cNvPicPr>
-            <a:picLocks noChangeAspect="1"/>
-          </p:cNvPicPr>
-          <p:nvPr/>
-        </p:nvPicPr>
-        <p:blipFill>
-          <a:blip r:embed="rId6">
-            <a:extLst>
-              <a:ext uri="{96DAC541-7B7A-43D3-8B79-37D633B846F1}">
-                <asvg:svgBlip xmlns:asvg="http://schemas.microsoft.com/office/drawing/2016/SVG/main" r:embed="rId7"/>
-              </a:ext>
-            </a:extLst>
-          </a:blip>
-          <a:stretch>
-            <a:fillRect/>
-          </a:stretch>
-        </p:blipFill>
-        <p:spPr>
-          <a:xfrm>
-            <a:off x="10336982" y="4905544"/>
-            <a:ext cx="603387" cy="603387"/>
-          </a:xfrm>
-          <a:prstGeom prst="rect">
-            <a:avLst/>
-          </a:prstGeom>
-        </p:spPr>
-      </p:pic>
-      <p:sp>
-        <p:nvSpPr>
-          <p:cNvPr id="22" name="四角形: 角を丸くする 21">
-            <a:extLst>
-              <a:ext uri="{FF2B5EF4-FFF2-40B4-BE49-F238E27FC236}">
-                <a16:creationId xmlns:a16="http://schemas.microsoft.com/office/drawing/2014/main" id="{552CAD3D-2134-3DEB-9776-7912A57B2629}"/>
-              </a:ext>
-            </a:extLst>
-          </p:cNvPr>
-          <p:cNvSpPr/>
-          <p:nvPr/>
-        </p:nvSpPr>
-        <p:spPr>
-          <a:xfrm>
-            <a:off x="6184416" y="2356799"/>
-            <a:ext cx="1420379" cy="3437483"/>
-          </a:xfrm>
-          <a:prstGeom prst="roundRect">
-            <a:avLst/>
-          </a:prstGeom>
-          <a:noFill/>
-          <a:ln>
-            <a:prstDash val="dash"/>
-          </a:ln>
-        </p:spPr>
-        <p:style>
-          <a:lnRef idx="2">
-            <a:schemeClr val="accent1">
-              <a:shade val="50000"/>
-            </a:schemeClr>
-          </a:lnRef>
-          <a:fillRef idx="1">
-            <a:schemeClr val="accent1"/>
-          </a:fillRef>
-          <a:effectRef idx="0">
-            <a:schemeClr val="accent1"/>
-          </a:effectRef>
-          <a:fontRef idx="minor">
-            <a:schemeClr val="lt1"/>
-          </a:fontRef>
-        </p:style>
-        <p:txBody>
-          <a:bodyPr rtlCol="0" anchor="ctr"/>
-          <a:lstStyle/>
-          <a:p>
-            <a:pPr algn="ctr"/>
-            <a:endParaRPr kumimoji="1" lang="ja-JP" altLang="en-US">
-              <a:solidFill>
-                <a:schemeClr val="tx1"/>
-              </a:solidFill>
-            </a:endParaRPr>
-          </a:p>
-        </p:txBody>
-      </p:sp>
-      <p:sp>
-        <p:nvSpPr>
-          <p:cNvPr id="24" name="四角形: 角を丸くする 23">
-            <a:extLst>
-              <a:ext uri="{FF2B5EF4-FFF2-40B4-BE49-F238E27FC236}">
-                <a16:creationId xmlns:a16="http://schemas.microsoft.com/office/drawing/2014/main" id="{1B6A3B9F-BFA3-C789-2022-1C6EA07C02D9}"/>
-              </a:ext>
-            </a:extLst>
-          </p:cNvPr>
-          <p:cNvSpPr/>
-          <p:nvPr/>
-        </p:nvSpPr>
-        <p:spPr>
-          <a:xfrm>
-            <a:off x="8043759" y="2356799"/>
-            <a:ext cx="1420379" cy="3437483"/>
-          </a:xfrm>
-          <a:prstGeom prst="roundRect">
-            <a:avLst/>
-          </a:prstGeom>
-          <a:noFill/>
-          <a:ln>
-            <a:prstDash val="dash"/>
-          </a:ln>
-        </p:spPr>
-        <p:style>
-          <a:lnRef idx="2">
-            <a:schemeClr val="accent1">
-              <a:shade val="50000"/>
-            </a:schemeClr>
-          </a:lnRef>
-          <a:fillRef idx="1">
-            <a:schemeClr val="accent1"/>
-          </a:fillRef>
-          <a:effectRef idx="0">
-            <a:schemeClr val="accent1"/>
-          </a:effectRef>
-          <a:fontRef idx="minor">
-            <a:schemeClr val="lt1"/>
-          </a:fontRef>
-        </p:style>
-        <p:txBody>
-          <a:bodyPr rtlCol="0" anchor="ctr"/>
-          <a:lstStyle/>
-          <a:p>
-            <a:pPr algn="ctr"/>
-            <a:endParaRPr kumimoji="1" lang="ja-JP" altLang="en-US">
-              <a:solidFill>
-                <a:schemeClr val="tx1"/>
-              </a:solidFill>
-            </a:endParaRPr>
-          </a:p>
-        </p:txBody>
-      </p:sp>
-      <p:sp>
-        <p:nvSpPr>
-          <p:cNvPr id="25" name="四角形: 角を丸くする 24">
-            <a:extLst>
-              <a:ext uri="{FF2B5EF4-FFF2-40B4-BE49-F238E27FC236}">
-                <a16:creationId xmlns:a16="http://schemas.microsoft.com/office/drawing/2014/main" id="{68CFCA1B-D832-1FB6-D987-846F663D08CC}"/>
-              </a:ext>
-            </a:extLst>
-          </p:cNvPr>
-          <p:cNvSpPr/>
-          <p:nvPr/>
-        </p:nvSpPr>
-        <p:spPr>
-          <a:xfrm>
-            <a:off x="9903102" y="2356799"/>
-            <a:ext cx="1420379" cy="3437483"/>
-          </a:xfrm>
-          <a:prstGeom prst="roundRect">
-            <a:avLst/>
-          </a:prstGeom>
-          <a:noFill/>
-          <a:ln>
-            <a:prstDash val="dash"/>
-          </a:ln>
-        </p:spPr>
-        <p:style>
-          <a:lnRef idx="2">
-            <a:schemeClr val="accent1">
-              <a:shade val="50000"/>
-            </a:schemeClr>
-          </a:lnRef>
-          <a:fillRef idx="1">
-            <a:schemeClr val="accent1"/>
-          </a:fillRef>
-          <a:effectRef idx="0">
-            <a:schemeClr val="accent1"/>
-          </a:effectRef>
-          <a:fontRef idx="minor">
-            <a:schemeClr val="lt1"/>
-          </a:fontRef>
-        </p:style>
-        <p:txBody>
-          <a:bodyPr rtlCol="0" anchor="ctr"/>
-          <a:lstStyle/>
-          <a:p>
-            <a:pPr algn="ctr"/>
-            <a:endParaRPr kumimoji="1" lang="ja-JP" altLang="en-US">
-              <a:solidFill>
-                <a:schemeClr val="tx1"/>
-              </a:solidFill>
-            </a:endParaRPr>
-          </a:p>
-        </p:txBody>
-      </p:sp>
-      <p:cxnSp>
-        <p:nvCxnSpPr>
-          <p:cNvPr id="27" name="直線矢印コネクタ 26">
-            <a:extLst>
-              <a:ext uri="{FF2B5EF4-FFF2-40B4-BE49-F238E27FC236}">
-                <a16:creationId xmlns:a16="http://schemas.microsoft.com/office/drawing/2014/main" id="{BB120AB9-6AD1-E3EF-9EF3-B41ED599B84C}"/>
-              </a:ext>
-            </a:extLst>
-          </p:cNvPr>
-          <p:cNvCxnSpPr>
-            <a:cxnSpLocks/>
-            <a:stCxn id="61" idx="2"/>
-            <a:endCxn id="20" idx="0"/>
-          </p:cNvCxnSpPr>
-          <p:nvPr/>
-        </p:nvCxnSpPr>
-        <p:spPr>
-          <a:xfrm>
-            <a:off x="6879293" y="3559559"/>
-            <a:ext cx="0" cy="1345985"/>
-          </a:xfrm>
-          <a:prstGeom prst="straightConnector1">
-            <a:avLst/>
-          </a:prstGeom>
-          <a:ln w="38100">
-            <a:solidFill>
-              <a:schemeClr val="accent4"/>
-            </a:solidFill>
-            <a:headEnd type="none" w="med" len="med"/>
-            <a:tailEnd type="triangle"/>
-          </a:ln>
-        </p:spPr>
-        <p:style>
-          <a:lnRef idx="1">
-            <a:schemeClr val="accent1"/>
-          </a:lnRef>
-          <a:fillRef idx="0">
-            <a:schemeClr val="accent1"/>
-          </a:fillRef>
-          <a:effectRef idx="0">
-            <a:schemeClr val="accent1"/>
-          </a:effectRef>
-          <a:fontRef idx="minor">
-            <a:schemeClr val="tx1"/>
-          </a:fontRef>
-        </p:style>
-      </p:cxnSp>
-      <p:cxnSp>
-        <p:nvCxnSpPr>
-          <p:cNvPr id="35" name="直線矢印コネクタ 34">
-            <a:extLst>
-              <a:ext uri="{FF2B5EF4-FFF2-40B4-BE49-F238E27FC236}">
-                <a16:creationId xmlns:a16="http://schemas.microsoft.com/office/drawing/2014/main" id="{D624D294-11EA-2CDA-6206-B56E28A98A1A}"/>
-              </a:ext>
-            </a:extLst>
-          </p:cNvPr>
-          <p:cNvCxnSpPr>
-            <a:cxnSpLocks/>
-            <a:stCxn id="60" idx="2"/>
-            <a:endCxn id="19" idx="0"/>
-          </p:cNvCxnSpPr>
-          <p:nvPr/>
-        </p:nvCxnSpPr>
-        <p:spPr>
-          <a:xfrm>
-            <a:off x="8758985" y="3559559"/>
-            <a:ext cx="0" cy="1345985"/>
-          </a:xfrm>
-          <a:prstGeom prst="straightConnector1">
-            <a:avLst/>
-          </a:prstGeom>
-          <a:ln w="38100">
-            <a:solidFill>
-              <a:schemeClr val="accent4"/>
-            </a:solidFill>
-            <a:headEnd type="none" w="med" len="med"/>
-            <a:tailEnd type="triangle"/>
-          </a:ln>
-        </p:spPr>
-        <p:style>
-          <a:lnRef idx="1">
-            <a:schemeClr val="accent1"/>
-          </a:lnRef>
-          <a:fillRef idx="0">
-            <a:schemeClr val="accent1"/>
-          </a:fillRef>
-          <a:effectRef idx="0">
-            <a:schemeClr val="accent1"/>
-          </a:effectRef>
-          <a:fontRef idx="minor">
-            <a:schemeClr val="tx1"/>
-          </a:fontRef>
-        </p:style>
-      </p:cxnSp>
-      <p:cxnSp>
-        <p:nvCxnSpPr>
-          <p:cNvPr id="41" name="直線矢印コネクタ 40">
-            <a:extLst>
-              <a:ext uri="{FF2B5EF4-FFF2-40B4-BE49-F238E27FC236}">
-                <a16:creationId xmlns:a16="http://schemas.microsoft.com/office/drawing/2014/main" id="{120C8C82-A675-7FAB-A2A2-6099D6670E02}"/>
-              </a:ext>
-            </a:extLst>
-          </p:cNvPr>
-          <p:cNvCxnSpPr>
-            <a:cxnSpLocks/>
-            <a:stCxn id="82" idx="2"/>
-            <a:endCxn id="21" idx="0"/>
-          </p:cNvCxnSpPr>
-          <p:nvPr/>
-        </p:nvCxnSpPr>
-        <p:spPr>
-          <a:xfrm>
-            <a:off x="10638676" y="3559559"/>
-            <a:ext cx="0" cy="1345985"/>
-          </a:xfrm>
-          <a:prstGeom prst="straightConnector1">
-            <a:avLst/>
-          </a:prstGeom>
-          <a:ln w="38100">
-            <a:solidFill>
-              <a:schemeClr val="accent4"/>
-            </a:solidFill>
-            <a:headEnd type="none" w="med" len="med"/>
-            <a:tailEnd type="triangle"/>
-          </a:ln>
-        </p:spPr>
-        <p:style>
-          <a:lnRef idx="1">
-            <a:schemeClr val="accent1"/>
-          </a:lnRef>
-          <a:fillRef idx="0">
-            <a:schemeClr val="accent1"/>
-          </a:fillRef>
-          <a:effectRef idx="0">
-            <a:schemeClr val="accent1"/>
-          </a:effectRef>
-          <a:fontRef idx="minor">
-            <a:schemeClr val="tx1"/>
-          </a:fontRef>
-        </p:style>
-      </p:cxnSp>
-      <p:sp>
-        <p:nvSpPr>
-          <p:cNvPr id="66" name="矢印: 左右 65">
-            <a:extLst>
-              <a:ext uri="{FF2B5EF4-FFF2-40B4-BE49-F238E27FC236}">
-                <a16:creationId xmlns:a16="http://schemas.microsoft.com/office/drawing/2014/main" id="{BCC34350-BDBA-0388-274B-B55EC55C016D}"/>
-              </a:ext>
-            </a:extLst>
-          </p:cNvPr>
-          <p:cNvSpPr/>
-          <p:nvPr/>
-        </p:nvSpPr>
-        <p:spPr>
-          <a:xfrm>
-            <a:off x="7401982" y="5563358"/>
-            <a:ext cx="2710112" cy="191733"/>
-          </a:xfrm>
-          <a:prstGeom prst="leftRightArrow">
-            <a:avLst/>
-          </a:prstGeom>
-          <a:solidFill>
-            <a:schemeClr val="bg1"/>
-          </a:solidFill>
-        </p:spPr>
-        <p:style>
-          <a:lnRef idx="2">
-            <a:schemeClr val="accent1">
-              <a:shade val="50000"/>
-            </a:schemeClr>
-          </a:lnRef>
-          <a:fillRef idx="1">
-            <a:schemeClr val="accent1"/>
-          </a:fillRef>
-          <a:effectRef idx="0">
-            <a:schemeClr val="accent1"/>
-          </a:effectRef>
-          <a:fontRef idx="minor">
-            <a:schemeClr val="lt1"/>
-          </a:fontRef>
-        </p:style>
-        <p:txBody>
-          <a:bodyPr rtlCol="0" anchor="ctr"/>
-          <a:lstStyle/>
-          <a:p>
-            <a:pPr algn="ctr"/>
-            <a:endParaRPr kumimoji="1" lang="ja-JP" altLang="en-US">
-              <a:solidFill>
-                <a:schemeClr val="tx1"/>
-              </a:solidFill>
-            </a:endParaRPr>
-          </a:p>
-        </p:txBody>
-      </p:sp>
-      <p:cxnSp>
-        <p:nvCxnSpPr>
-          <p:cNvPr id="47" name="直線矢印コネクタ 46">
-            <a:extLst>
-              <a:ext uri="{FF2B5EF4-FFF2-40B4-BE49-F238E27FC236}">
-                <a16:creationId xmlns:a16="http://schemas.microsoft.com/office/drawing/2014/main" id="{A0EB2247-85E9-1F00-D9C3-D6F98B905193}"/>
-              </a:ext>
-            </a:extLst>
-          </p:cNvPr>
-          <p:cNvCxnSpPr/>
-          <p:nvPr/>
-        </p:nvCxnSpPr>
-        <p:spPr>
-          <a:xfrm>
-            <a:off x="7241437" y="3242906"/>
-            <a:ext cx="1041317" cy="0"/>
-          </a:xfrm>
-          <a:prstGeom prst="straightConnector1">
-            <a:avLst/>
-          </a:prstGeom>
-          <a:ln w="28575">
-            <a:solidFill>
-              <a:schemeClr val="accent4"/>
-            </a:solidFill>
-            <a:headEnd type="triangle"/>
-            <a:tailEnd type="triangle"/>
-          </a:ln>
-        </p:spPr>
-        <p:style>
-          <a:lnRef idx="1">
-            <a:schemeClr val="accent1"/>
-          </a:lnRef>
-          <a:fillRef idx="0">
-            <a:schemeClr val="accent1"/>
-          </a:fillRef>
-          <a:effectRef idx="0">
-            <a:schemeClr val="accent1"/>
-          </a:effectRef>
-          <a:fontRef idx="minor">
-            <a:schemeClr val="tx1"/>
-          </a:fontRef>
-        </p:style>
-      </p:cxnSp>
-      <p:cxnSp>
-        <p:nvCxnSpPr>
-          <p:cNvPr id="48" name="直線矢印コネクタ 47">
-            <a:extLst>
-              <a:ext uri="{FF2B5EF4-FFF2-40B4-BE49-F238E27FC236}">
-                <a16:creationId xmlns:a16="http://schemas.microsoft.com/office/drawing/2014/main" id="{A4430EC4-ABD3-4ADC-B514-0E43CC231D78}"/>
-              </a:ext>
-            </a:extLst>
-          </p:cNvPr>
-          <p:cNvCxnSpPr/>
-          <p:nvPr/>
-        </p:nvCxnSpPr>
-        <p:spPr>
-          <a:xfrm>
-            <a:off x="9155863" y="3236243"/>
-            <a:ext cx="1041317" cy="0"/>
-          </a:xfrm>
-          <a:prstGeom prst="straightConnector1">
-            <a:avLst/>
-          </a:prstGeom>
-          <a:ln w="28575">
-            <a:solidFill>
-              <a:schemeClr val="accent4"/>
-            </a:solidFill>
-            <a:headEnd type="triangle"/>
-            <a:tailEnd type="triangle"/>
-          </a:ln>
-        </p:spPr>
-        <p:style>
-          <a:lnRef idx="1">
-            <a:schemeClr val="accent1"/>
-          </a:lnRef>
-          <a:fillRef idx="0">
-            <a:schemeClr val="accent1"/>
-          </a:fillRef>
-          <a:effectRef idx="0">
-            <a:schemeClr val="accent1"/>
-          </a:effectRef>
-          <a:fontRef idx="minor">
-            <a:schemeClr val="tx1"/>
-          </a:fontRef>
-        </p:style>
-      </p:cxnSp>
-      <p:cxnSp>
-        <p:nvCxnSpPr>
-          <p:cNvPr id="49" name="直線矢印コネクタ 48">
-            <a:extLst>
-              <a:ext uri="{FF2B5EF4-FFF2-40B4-BE49-F238E27FC236}">
-                <a16:creationId xmlns:a16="http://schemas.microsoft.com/office/drawing/2014/main" id="{ECF07E5D-CADD-DD86-B2AE-667F2C9E6C9B}"/>
-              </a:ext>
-            </a:extLst>
-          </p:cNvPr>
-          <p:cNvCxnSpPr>
-            <a:cxnSpLocks/>
-            <a:endCxn id="13" idx="1"/>
-          </p:cNvCxnSpPr>
-          <p:nvPr/>
-        </p:nvCxnSpPr>
-        <p:spPr>
-          <a:xfrm>
-            <a:off x="5090718" y="3179571"/>
-            <a:ext cx="832041" cy="0"/>
-          </a:xfrm>
-          <a:prstGeom prst="straightConnector1">
-            <a:avLst/>
-          </a:prstGeom>
-          <a:ln w="38100">
-            <a:solidFill>
-              <a:schemeClr val="accent4"/>
-            </a:solidFill>
-            <a:headEnd type="none" w="med" len="med"/>
-            <a:tailEnd type="triangle"/>
-          </a:ln>
-        </p:spPr>
-        <p:style>
-          <a:lnRef idx="1">
-            <a:schemeClr val="accent1"/>
-          </a:lnRef>
-          <a:fillRef idx="0">
-            <a:schemeClr val="accent1"/>
-          </a:fillRef>
-          <a:effectRef idx="0">
-            <a:schemeClr val="accent1"/>
-          </a:effectRef>
-          <a:fontRef idx="minor">
-            <a:schemeClr val="tx1"/>
-          </a:fontRef>
-        </p:style>
-      </p:cxnSp>
-      <p:cxnSp>
-        <p:nvCxnSpPr>
-          <p:cNvPr id="16" name="直線矢印コネクタ 15">
-            <a:extLst>
-              <a:ext uri="{FF2B5EF4-FFF2-40B4-BE49-F238E27FC236}">
-                <a16:creationId xmlns:a16="http://schemas.microsoft.com/office/drawing/2014/main" id="{1E9D7AB0-7121-4D56-2D94-64F49D3B0218}"/>
-              </a:ext>
-            </a:extLst>
-          </p:cNvPr>
-          <p:cNvCxnSpPr>
-            <a:cxnSpLocks/>
-            <a:endCxn id="17" idx="1"/>
-          </p:cNvCxnSpPr>
-          <p:nvPr/>
-        </p:nvCxnSpPr>
-        <p:spPr>
-          <a:xfrm>
-            <a:off x="5090718" y="5176670"/>
-            <a:ext cx="832040" cy="0"/>
-          </a:xfrm>
-          <a:prstGeom prst="straightConnector1">
-            <a:avLst/>
-          </a:prstGeom>
-          <a:ln w="38100">
-            <a:solidFill>
-              <a:schemeClr val="accent3"/>
-            </a:solidFill>
-            <a:headEnd type="none" w="med" len="med"/>
-            <a:tailEnd type="triangle"/>
-          </a:ln>
-        </p:spPr>
-        <p:style>
-          <a:lnRef idx="1">
-            <a:schemeClr val="accent1"/>
-          </a:lnRef>
-          <a:fillRef idx="0">
-            <a:schemeClr val="accent1"/>
-          </a:fillRef>
-          <a:effectRef idx="0">
-            <a:schemeClr val="accent1"/>
-          </a:effectRef>
-          <a:fontRef idx="minor">
-            <a:schemeClr val="tx1"/>
-          </a:fontRef>
-        </p:style>
-      </p:cxnSp>
-      <p:sp>
-        <p:nvSpPr>
-          <p:cNvPr id="32" name="テキスト ボックス 31">
-            <a:extLst>
-              <a:ext uri="{FF2B5EF4-FFF2-40B4-BE49-F238E27FC236}">
-                <a16:creationId xmlns:a16="http://schemas.microsoft.com/office/drawing/2014/main" id="{5DAA589D-C280-885B-E7E4-B91473847145}"/>
-              </a:ext>
-            </a:extLst>
-          </p:cNvPr>
-          <p:cNvSpPr txBox="1"/>
-          <p:nvPr/>
-        </p:nvSpPr>
-        <p:spPr>
-          <a:xfrm>
-            <a:off x="5154569" y="5319309"/>
-            <a:ext cx="648555" cy="313731"/>
-          </a:xfrm>
-          <a:prstGeom prst="rect">
-            <a:avLst/>
-          </a:prstGeom>
-          <a:noFill/>
-        </p:spPr>
-        <p:txBody>
-          <a:bodyPr wrap="square" rtlCol="0">
-            <a:spAutoFit/>
-          </a:bodyPr>
-          <a:lstStyle/>
-          <a:p>
-            <a:pPr algn="ctr"/>
-            <a:r>
-              <a:rPr kumimoji="1" lang="ja-JP" altLang="en-US" sz="1400" dirty="0"/>
-              <a:t>運賃</a:t>
-            </a:r>
-          </a:p>
-        </p:txBody>
-      </p:sp>
-      <p:sp>
-        <p:nvSpPr>
-          <p:cNvPr id="33" name="テキスト ボックス 32">
-            <a:extLst>
-              <a:ext uri="{FF2B5EF4-FFF2-40B4-BE49-F238E27FC236}">
-                <a16:creationId xmlns:a16="http://schemas.microsoft.com/office/drawing/2014/main" id="{CE2B8AB4-DA17-6BAE-F4FA-FB4FFE676C68}"/>
-              </a:ext>
-            </a:extLst>
-          </p:cNvPr>
-          <p:cNvSpPr txBox="1"/>
-          <p:nvPr/>
-        </p:nvSpPr>
-        <p:spPr>
-          <a:xfrm>
-            <a:off x="4985954" y="2776191"/>
-            <a:ext cx="977625" cy="307777"/>
-          </a:xfrm>
-          <a:prstGeom prst="rect">
-            <a:avLst/>
-          </a:prstGeom>
-          <a:noFill/>
-        </p:spPr>
-        <p:txBody>
-          <a:bodyPr wrap="square" rtlCol="0">
-            <a:spAutoFit/>
-          </a:bodyPr>
-          <a:lstStyle/>
-          <a:p>
-            <a:pPr algn="ctr"/>
-            <a:r>
-              <a:rPr kumimoji="1" lang="ja-JP" altLang="en-US" sz="1400" dirty="0"/>
-              <a:t>運転状況</a:t>
-            </a:r>
-          </a:p>
-        </p:txBody>
-      </p:sp>
-      <p:pic>
-        <p:nvPicPr>
-          <p:cNvPr id="46" name="グラフィックス 45" descr="電車 単色塗りつぶし">
-            <a:extLst>
-              <a:ext uri="{FF2B5EF4-FFF2-40B4-BE49-F238E27FC236}">
-                <a16:creationId xmlns:a16="http://schemas.microsoft.com/office/drawing/2014/main" id="{B37CCA60-C95C-3E26-B165-1EBCA71B1F02}"/>
-              </a:ext>
-            </a:extLst>
-          </p:cNvPr>
-          <p:cNvPicPr>
-            <a:picLocks noChangeAspect="1"/>
-          </p:cNvPicPr>
-          <p:nvPr/>
-        </p:nvPicPr>
-        <p:blipFill>
-          <a:blip r:embed="rId10">
-            <a:extLst>
-              <a:ext uri="{96DAC541-7B7A-43D3-8B79-37D633B846F1}">
-                <asvg:svgBlip xmlns:asvg="http://schemas.microsoft.com/office/drawing/2016/SVG/main" r:embed="rId11"/>
-              </a:ext>
-            </a:extLst>
-          </a:blip>
-          <a:stretch>
-            <a:fillRect/>
-          </a:stretch>
-        </p:blipFill>
-        <p:spPr>
-          <a:xfrm>
-            <a:off x="5638800" y="2971800"/>
-            <a:ext cx="914400" cy="914400"/>
-          </a:xfrm>
-          <a:prstGeom prst="rect">
-            <a:avLst/>
-          </a:prstGeom>
-        </p:spPr>
-      </p:pic>
-      <p:pic>
-        <p:nvPicPr>
-          <p:cNvPr id="52" name="グラフィックス 51" descr="線路 単色塗りつぶし">
-            <a:extLst>
-              <a:ext uri="{FF2B5EF4-FFF2-40B4-BE49-F238E27FC236}">
-                <a16:creationId xmlns:a16="http://schemas.microsoft.com/office/drawing/2014/main" id="{57A13326-296A-73B8-778E-48C50D4EA7B5}"/>
-              </a:ext>
-            </a:extLst>
-          </p:cNvPr>
-          <p:cNvPicPr>
-            <a:picLocks noChangeAspect="1"/>
-          </p:cNvPicPr>
-          <p:nvPr/>
-        </p:nvPicPr>
-        <p:blipFill>
-          <a:blip r:embed="rId12">
-            <a:extLst>
-              <a:ext uri="{96DAC541-7B7A-43D3-8B79-37D633B846F1}">
-                <asvg:svgBlip xmlns:asvg="http://schemas.microsoft.com/office/drawing/2016/SVG/main" r:embed="rId13"/>
-              </a:ext>
-            </a:extLst>
-          </a:blip>
-          <a:stretch>
-            <a:fillRect/>
-          </a:stretch>
-        </p:blipFill>
-        <p:spPr>
-          <a:xfrm>
-            <a:off x="930770" y="2710199"/>
-            <a:ext cx="704673" cy="704673"/>
-          </a:xfrm>
-          <a:prstGeom prst="rect">
-            <a:avLst/>
-          </a:prstGeom>
-        </p:spPr>
-      </p:pic>
-      <p:pic>
-        <p:nvPicPr>
-          <p:cNvPr id="55" name="グラフィックス 54" descr="線路 単色塗りつぶし">
-            <a:extLst>
-              <a:ext uri="{FF2B5EF4-FFF2-40B4-BE49-F238E27FC236}">
-                <a16:creationId xmlns:a16="http://schemas.microsoft.com/office/drawing/2014/main" id="{5CD85198-5BBE-F22D-3302-C1AC02BB0719}"/>
-              </a:ext>
-            </a:extLst>
-          </p:cNvPr>
-          <p:cNvPicPr>
-            <a:picLocks noChangeAspect="1"/>
-          </p:cNvPicPr>
-          <p:nvPr/>
-        </p:nvPicPr>
-        <p:blipFill>
-          <a:blip r:embed="rId14">
-            <a:extLst>
-              <a:ext uri="{96DAC541-7B7A-43D3-8B79-37D633B846F1}">
-                <asvg:svgBlip xmlns:asvg="http://schemas.microsoft.com/office/drawing/2016/SVG/main" r:embed="rId15"/>
-              </a:ext>
-            </a:extLst>
-          </a:blip>
-          <a:stretch>
-            <a:fillRect/>
-          </a:stretch>
-        </p:blipFill>
-        <p:spPr>
-          <a:xfrm>
-            <a:off x="2234225" y="2703804"/>
-            <a:ext cx="704673" cy="704673"/>
-          </a:xfrm>
-          <a:prstGeom prst="rect">
-            <a:avLst/>
-          </a:prstGeom>
-        </p:spPr>
-      </p:pic>
-      <p:pic>
-        <p:nvPicPr>
-          <p:cNvPr id="64" name="グラフィックス 63" descr="線路 単色塗りつぶし">
-            <a:extLst>
-              <a:ext uri="{FF2B5EF4-FFF2-40B4-BE49-F238E27FC236}">
-                <a16:creationId xmlns:a16="http://schemas.microsoft.com/office/drawing/2014/main" id="{46AFE91C-E17A-1371-732C-CB1B9EC6666A}"/>
-              </a:ext>
-            </a:extLst>
-          </p:cNvPr>
-          <p:cNvPicPr>
-            <a:picLocks noChangeAspect="1"/>
-          </p:cNvPicPr>
-          <p:nvPr/>
-        </p:nvPicPr>
-        <p:blipFill>
-          <a:blip r:embed="rId16">
-            <a:extLst>
-              <a:ext uri="{96DAC541-7B7A-43D3-8B79-37D633B846F1}">
-                <asvg:svgBlip xmlns:asvg="http://schemas.microsoft.com/office/drawing/2016/SVG/main" r:embed="rId17"/>
-              </a:ext>
-            </a:extLst>
-          </a:blip>
-          <a:stretch>
-            <a:fillRect/>
-          </a:stretch>
-        </p:blipFill>
-        <p:spPr>
-          <a:xfrm>
-            <a:off x="3537680" y="2703804"/>
-            <a:ext cx="704673" cy="704673"/>
-          </a:xfrm>
-          <a:prstGeom prst="rect">
-            <a:avLst/>
-          </a:prstGeom>
-        </p:spPr>
-      </p:pic>
-      <p:cxnSp>
-        <p:nvCxnSpPr>
-          <p:cNvPr id="71" name="直線矢印コネクタ 70">
-            <a:extLst>
-              <a:ext uri="{FF2B5EF4-FFF2-40B4-BE49-F238E27FC236}">
-                <a16:creationId xmlns:a16="http://schemas.microsoft.com/office/drawing/2014/main" id="{5972E27D-0182-51EE-1819-93887A019EB0}"/>
-              </a:ext>
-            </a:extLst>
-          </p:cNvPr>
-          <p:cNvCxnSpPr>
-            <a:cxnSpLocks/>
-          </p:cNvCxnSpPr>
-          <p:nvPr/>
-        </p:nvCxnSpPr>
-        <p:spPr>
-          <a:xfrm>
-            <a:off x="2993050" y="3964202"/>
-            <a:ext cx="336644" cy="476134"/>
-          </a:xfrm>
-          <a:prstGeom prst="straightConnector1">
-            <a:avLst/>
-          </a:prstGeom>
-          <a:ln w="28575">
-            <a:solidFill>
-              <a:schemeClr val="accent4"/>
-            </a:solidFill>
-            <a:headEnd type="triangle"/>
-            <a:tailEnd type="triangle"/>
-          </a:ln>
-        </p:spPr>
-        <p:style>
-          <a:lnRef idx="1">
-            <a:schemeClr val="accent1"/>
-          </a:lnRef>
-          <a:fillRef idx="0">
-            <a:schemeClr val="accent1"/>
-          </a:fillRef>
-          <a:effectRef idx="0">
-            <a:schemeClr val="accent1"/>
-          </a:effectRef>
-          <a:fontRef idx="minor">
-            <a:schemeClr val="tx1"/>
-          </a:fontRef>
-        </p:style>
-      </p:cxnSp>
-      <p:sp>
-        <p:nvSpPr>
-          <p:cNvPr id="75" name="四角形: 角を丸くする 74">
-            <a:extLst>
-              <a:ext uri="{FF2B5EF4-FFF2-40B4-BE49-F238E27FC236}">
-                <a16:creationId xmlns:a16="http://schemas.microsoft.com/office/drawing/2014/main" id="{416DA62B-8B86-9D79-9AD5-FB80D73BD84B}"/>
-              </a:ext>
-            </a:extLst>
-          </p:cNvPr>
-          <p:cNvSpPr/>
-          <p:nvPr/>
-        </p:nvSpPr>
-        <p:spPr>
-          <a:xfrm>
-            <a:off x="512697" y="4642637"/>
-            <a:ext cx="4136032" cy="1053447"/>
-          </a:xfrm>
-          <a:prstGeom prst="roundRect">
-            <a:avLst/>
-          </a:prstGeom>
-          <a:solidFill>
-            <a:schemeClr val="bg1"/>
-          </a:solidFill>
-        </p:spPr>
-        <p:style>
-          <a:lnRef idx="2">
-            <a:schemeClr val="accent1">
-              <a:shade val="50000"/>
-            </a:schemeClr>
-          </a:lnRef>
-          <a:fillRef idx="1">
-            <a:schemeClr val="accent1"/>
-          </a:fillRef>
-          <a:effectRef idx="0">
-            <a:schemeClr val="accent1"/>
-          </a:effectRef>
-          <a:fontRef idx="minor">
-            <a:schemeClr val="lt1"/>
-          </a:fontRef>
-        </p:style>
-        <p:txBody>
-          <a:bodyPr rtlCol="0" anchor="ctr"/>
-          <a:lstStyle/>
-          <a:p>
-            <a:pPr algn="ctr"/>
-            <a:endParaRPr kumimoji="1" lang="ja-JP" altLang="en-US">
-              <a:solidFill>
-                <a:schemeClr val="tx1"/>
-              </a:solidFill>
-            </a:endParaRPr>
-          </a:p>
-        </p:txBody>
-      </p:sp>
-    </p:spTree>
-    <p:extLst>
-      <p:ext uri="{BB962C8B-B14F-4D97-AF65-F5344CB8AC3E}">
-        <p14:creationId xmlns:p14="http://schemas.microsoft.com/office/powerpoint/2010/main" val="1409838643"/>
-      </p:ext>
-    </p:extLst>
-  </p:cSld>
-  <p:clrMapOvr>
-    <a:masterClrMapping/>
-  </p:clrMapOvr>
-</p:sld>
-</file>
-
-<file path=ppt/slides/slide13.xml><?xml version="1.0" encoding="utf-8"?>
-<p:sld xmlns:a="http://schemas.openxmlformats.org/drawingml/2006/main" xmlns:r="http://schemas.openxmlformats.org/officeDocument/2006/relationships" xmlns:p="http://schemas.openxmlformats.org/presentationml/2006/main">
-  <p:cSld>
-    <p:spTree>
-      <p:nvGrpSpPr>
-        <p:cNvPr id="1" name=""/>
-        <p:cNvGrpSpPr/>
-        <p:nvPr/>
-      </p:nvGrpSpPr>
-      <p:grpSpPr>
-        <a:xfrm>
-          <a:off x="0" y="0"/>
-          <a:ext cx="0" cy="0"/>
-          <a:chOff x="0" y="0"/>
-          <a:chExt cx="0" cy="0"/>
-        </a:xfrm>
-      </p:grpSpPr>
-      <p:sp>
-        <p:nvSpPr>
-          <p:cNvPr id="5" name="タイトル 4">
-            <a:extLst>
-              <a:ext uri="{FF2B5EF4-FFF2-40B4-BE49-F238E27FC236}">
-                <a16:creationId xmlns:a16="http://schemas.microsoft.com/office/drawing/2014/main" id="{560C5BD5-1532-4087-ACF7-85710DC69FAA}"/>
-              </a:ext>
-            </a:extLst>
-          </p:cNvPr>
-          <p:cNvSpPr>
-            <a:spLocks noGrp="1"/>
-          </p:cNvSpPr>
-          <p:nvPr>
-            <p:ph type="title"/>
-          </p:nvPr>
-        </p:nvSpPr>
-        <p:spPr/>
-        <p:txBody>
-          <a:bodyPr/>
-          <a:lstStyle/>
-          <a:p>
-            <a:r>
-              <a:rPr lang="en-US" altLang="ja-JP" dirty="0"/>
-              <a:t>SoS</a:t>
-            </a:r>
-            <a:r>
-              <a:rPr lang="ja-JP" altLang="en-US" dirty="0"/>
-              <a:t>の軸に基づく事例分類</a:t>
-            </a:r>
-            <a:endParaRPr lang="en-US" dirty="0"/>
-          </a:p>
-        </p:txBody>
-      </p:sp>
-      <p:sp>
-        <p:nvSpPr>
-          <p:cNvPr id="3" name="スライド番号プレースホルダー 2">
-            <a:extLst>
-              <a:ext uri="{FF2B5EF4-FFF2-40B4-BE49-F238E27FC236}">
-                <a16:creationId xmlns:a16="http://schemas.microsoft.com/office/drawing/2014/main" id="{ED23190D-575C-49DE-8293-87C3C1C8D779}"/>
-              </a:ext>
-            </a:extLst>
-          </p:cNvPr>
-          <p:cNvSpPr>
-            <a:spLocks noGrp="1"/>
-          </p:cNvSpPr>
-          <p:nvPr>
-            <p:ph type="sldNum" sz="quarter" idx="10"/>
-          </p:nvPr>
-        </p:nvSpPr>
-        <p:spPr/>
-        <p:txBody>
-          <a:bodyPr/>
-          <a:lstStyle/>
-          <a:p>
-            <a:fld id="{584EAAFE-CFE5-40AD-8E95-5BFF290DC5CF}" type="slidenum">
-              <a:rPr kumimoji="1" lang="ja-JP" altLang="en-US" smtClean="0"/>
-              <a:pPr/>
-              <a:t>13</a:t>
-            </a:fld>
-            <a:endParaRPr kumimoji="1" lang="ja-JP" altLang="en-US"/>
-          </a:p>
-        </p:txBody>
-      </p:sp>
-      <p:sp>
-        <p:nvSpPr>
-          <p:cNvPr id="9" name="テキスト プレースホルダー 8">
-            <a:extLst>
-              <a:ext uri="{FF2B5EF4-FFF2-40B4-BE49-F238E27FC236}">
-                <a16:creationId xmlns:a16="http://schemas.microsoft.com/office/drawing/2014/main" id="{A809889B-886C-09D3-E0E0-05C8C4A3F3EE}"/>
-              </a:ext>
-            </a:extLst>
-          </p:cNvPr>
-          <p:cNvSpPr>
-            <a:spLocks noGrp="1"/>
-          </p:cNvSpPr>
-          <p:nvPr>
-            <p:ph type="body" sz="quarter" idx="11"/>
-          </p:nvPr>
-        </p:nvSpPr>
-        <p:spPr>
-          <a:xfrm>
-            <a:off x="517055" y="1071367"/>
-            <a:ext cx="11608270" cy="518095"/>
-          </a:xfrm>
-        </p:spPr>
-        <p:txBody>
-          <a:bodyPr/>
-          <a:lstStyle/>
-          <a:p>
-            <a:r>
-              <a:rPr lang="ja-JP" altLang="en-US" dirty="0"/>
-              <a:t>協調のタイプで分類</a:t>
-            </a:r>
-            <a:endParaRPr lang="en-US" altLang="ja-JP" dirty="0"/>
-          </a:p>
-        </p:txBody>
-      </p:sp>
-      <p:sp>
-        <p:nvSpPr>
-          <p:cNvPr id="8" name="正方形/長方形 7">
-            <a:extLst>
-              <a:ext uri="{FF2B5EF4-FFF2-40B4-BE49-F238E27FC236}">
-                <a16:creationId xmlns:a16="http://schemas.microsoft.com/office/drawing/2014/main" id="{FF465353-E1EF-C304-8E12-A568E25E309F}"/>
-              </a:ext>
-            </a:extLst>
-          </p:cNvPr>
-          <p:cNvSpPr/>
-          <p:nvPr/>
-        </p:nvSpPr>
-        <p:spPr>
-          <a:xfrm>
-            <a:off x="1290054" y="2210095"/>
-            <a:ext cx="1721195" cy="495128"/>
-          </a:xfrm>
-          <a:prstGeom prst="rect">
-            <a:avLst/>
-          </a:prstGeom>
-          <a:solidFill>
-            <a:schemeClr val="accent1"/>
-          </a:solidFill>
-        </p:spPr>
-        <p:style>
-          <a:lnRef idx="2">
-            <a:schemeClr val="accent1">
-              <a:shade val="50000"/>
-            </a:schemeClr>
-          </a:lnRef>
-          <a:fillRef idx="1">
-            <a:schemeClr val="accent1"/>
-          </a:fillRef>
-          <a:effectRef idx="0">
-            <a:schemeClr val="accent1"/>
-          </a:effectRef>
-          <a:fontRef idx="minor">
-            <a:schemeClr val="lt1"/>
-          </a:fontRef>
-        </p:style>
-        <p:txBody>
-          <a:bodyPr rtlCol="0" anchor="ctr"/>
-          <a:lstStyle/>
-          <a:p>
-            <a:pPr algn="ctr"/>
-            <a:r>
-              <a:rPr kumimoji="1" lang="ja-JP" altLang="en-US" dirty="0">
-                <a:solidFill>
-                  <a:schemeClr val="bg1"/>
-                </a:solidFill>
-              </a:rPr>
-              <a:t>指揮命令型</a:t>
-            </a:r>
-            <a:endParaRPr kumimoji="1" lang="en-US" altLang="ja-JP" dirty="0">
-              <a:solidFill>
-                <a:schemeClr val="bg1"/>
-              </a:solidFill>
-            </a:endParaRPr>
-          </a:p>
-        </p:txBody>
-      </p:sp>
-      <p:sp>
-        <p:nvSpPr>
-          <p:cNvPr id="10" name="正方形/長方形 9">
-            <a:extLst>
-              <a:ext uri="{FF2B5EF4-FFF2-40B4-BE49-F238E27FC236}">
-                <a16:creationId xmlns:a16="http://schemas.microsoft.com/office/drawing/2014/main" id="{970B3671-CFF4-04BF-91DC-F3F0C38F63B6}"/>
-              </a:ext>
-            </a:extLst>
-          </p:cNvPr>
-          <p:cNvSpPr/>
-          <p:nvPr/>
-        </p:nvSpPr>
-        <p:spPr>
-          <a:xfrm>
-            <a:off x="3956604" y="2210095"/>
-            <a:ext cx="1721195" cy="495128"/>
-          </a:xfrm>
-          <a:prstGeom prst="rect">
-            <a:avLst/>
-          </a:prstGeom>
-          <a:solidFill>
-            <a:schemeClr val="accent1"/>
-          </a:solidFill>
-        </p:spPr>
-        <p:style>
-          <a:lnRef idx="2">
-            <a:schemeClr val="accent1">
-              <a:shade val="50000"/>
-            </a:schemeClr>
-          </a:lnRef>
-          <a:fillRef idx="1">
-            <a:schemeClr val="accent1"/>
-          </a:fillRef>
-          <a:effectRef idx="0">
-            <a:schemeClr val="accent1"/>
-          </a:effectRef>
-          <a:fontRef idx="minor">
-            <a:schemeClr val="lt1"/>
-          </a:fontRef>
-        </p:style>
-        <p:txBody>
-          <a:bodyPr rtlCol="0" anchor="ctr"/>
-          <a:lstStyle/>
-          <a:p>
-            <a:pPr algn="ctr"/>
-            <a:r>
-              <a:rPr kumimoji="1" lang="ja-JP" altLang="en-US" dirty="0">
-                <a:solidFill>
-                  <a:schemeClr val="bg1"/>
-                </a:solidFill>
-              </a:rPr>
-              <a:t>要請承認型</a:t>
-            </a:r>
-            <a:endParaRPr kumimoji="1" lang="en-US" altLang="ja-JP" dirty="0">
-              <a:solidFill>
-                <a:schemeClr val="bg1"/>
-              </a:solidFill>
-            </a:endParaRPr>
-          </a:p>
-        </p:txBody>
-      </p:sp>
-      <p:sp>
-        <p:nvSpPr>
-          <p:cNvPr id="11" name="正方形/長方形 10">
-            <a:extLst>
-              <a:ext uri="{FF2B5EF4-FFF2-40B4-BE49-F238E27FC236}">
-                <a16:creationId xmlns:a16="http://schemas.microsoft.com/office/drawing/2014/main" id="{D91900A9-F231-65A4-5433-DED0D3F46D39}"/>
-              </a:ext>
-            </a:extLst>
-          </p:cNvPr>
-          <p:cNvSpPr/>
-          <p:nvPr/>
-        </p:nvSpPr>
-        <p:spPr>
-          <a:xfrm>
-            <a:off x="6623154" y="2210095"/>
-            <a:ext cx="1721195" cy="495128"/>
-          </a:xfrm>
-          <a:prstGeom prst="rect">
-            <a:avLst/>
-          </a:prstGeom>
-          <a:solidFill>
-            <a:schemeClr val="accent1"/>
-          </a:solidFill>
-        </p:spPr>
-        <p:style>
-          <a:lnRef idx="2">
-            <a:schemeClr val="accent1">
-              <a:shade val="50000"/>
-            </a:schemeClr>
-          </a:lnRef>
-          <a:fillRef idx="1">
-            <a:schemeClr val="accent1"/>
-          </a:fillRef>
-          <a:effectRef idx="0">
-            <a:schemeClr val="accent1"/>
-          </a:effectRef>
-          <a:fontRef idx="minor">
-            <a:schemeClr val="lt1"/>
-          </a:fontRef>
-        </p:style>
-        <p:txBody>
-          <a:bodyPr rtlCol="0" anchor="ctr"/>
-          <a:lstStyle/>
-          <a:p>
-            <a:pPr algn="ctr"/>
-            <a:r>
-              <a:rPr kumimoji="1" lang="ja-JP" altLang="en-US" dirty="0">
-                <a:solidFill>
-                  <a:schemeClr val="bg1"/>
-                </a:solidFill>
-              </a:rPr>
-              <a:t>協力型</a:t>
-            </a:r>
-            <a:endParaRPr kumimoji="1" lang="en-US" altLang="ja-JP" dirty="0">
-              <a:solidFill>
-                <a:schemeClr val="bg1"/>
-              </a:solidFill>
-            </a:endParaRPr>
-          </a:p>
-        </p:txBody>
-      </p:sp>
-      <p:sp>
-        <p:nvSpPr>
-          <p:cNvPr id="12" name="正方形/長方形 11">
-            <a:extLst>
-              <a:ext uri="{FF2B5EF4-FFF2-40B4-BE49-F238E27FC236}">
-                <a16:creationId xmlns:a16="http://schemas.microsoft.com/office/drawing/2014/main" id="{A0E78837-F3C1-0E95-A208-99B7D08838CF}"/>
-              </a:ext>
-            </a:extLst>
-          </p:cNvPr>
-          <p:cNvSpPr/>
-          <p:nvPr/>
-        </p:nvSpPr>
-        <p:spPr>
-          <a:xfrm>
-            <a:off x="9289705" y="2210095"/>
-            <a:ext cx="1721195" cy="495128"/>
-          </a:xfrm>
-          <a:prstGeom prst="rect">
-            <a:avLst/>
-          </a:prstGeom>
-          <a:solidFill>
-            <a:schemeClr val="accent1"/>
-          </a:solidFill>
-        </p:spPr>
-        <p:style>
-          <a:lnRef idx="2">
-            <a:schemeClr val="accent1">
-              <a:shade val="50000"/>
-            </a:schemeClr>
-          </a:lnRef>
-          <a:fillRef idx="1">
-            <a:schemeClr val="accent1"/>
-          </a:fillRef>
-          <a:effectRef idx="0">
-            <a:schemeClr val="accent1"/>
-          </a:effectRef>
-          <a:fontRef idx="minor">
-            <a:schemeClr val="lt1"/>
-          </a:fontRef>
-        </p:style>
-        <p:txBody>
-          <a:bodyPr rtlCol="0" anchor="ctr"/>
-          <a:lstStyle/>
-          <a:p>
-            <a:pPr algn="ctr"/>
-            <a:r>
-              <a:rPr kumimoji="1" lang="ja-JP" altLang="en-US" dirty="0">
-                <a:solidFill>
-                  <a:schemeClr val="bg1"/>
-                </a:solidFill>
-              </a:rPr>
-              <a:t>仮想型</a:t>
-            </a:r>
-            <a:endParaRPr kumimoji="1" lang="en-US" altLang="ja-JP" dirty="0">
-              <a:solidFill>
-                <a:schemeClr val="bg1"/>
-              </a:solidFill>
-            </a:endParaRPr>
-          </a:p>
-        </p:txBody>
-      </p:sp>
-      <p:sp>
-        <p:nvSpPr>
-          <p:cNvPr id="13" name="テキスト ボックス 12">
-            <a:extLst>
-              <a:ext uri="{FF2B5EF4-FFF2-40B4-BE49-F238E27FC236}">
-                <a16:creationId xmlns:a16="http://schemas.microsoft.com/office/drawing/2014/main" id="{4BD18824-88BA-05CD-8EFA-670C2AB4B899}"/>
-              </a:ext>
-            </a:extLst>
-          </p:cNvPr>
-          <p:cNvSpPr txBox="1"/>
-          <p:nvPr/>
-        </p:nvSpPr>
-        <p:spPr>
-          <a:xfrm>
-            <a:off x="1615729" y="2710346"/>
-            <a:ext cx="1069841" cy="338554"/>
-          </a:xfrm>
-          <a:prstGeom prst="rect">
-            <a:avLst/>
-          </a:prstGeom>
-          <a:noFill/>
-        </p:spPr>
-        <p:txBody>
-          <a:bodyPr wrap="square" rtlCol="0">
-            <a:spAutoFit/>
-          </a:bodyPr>
-          <a:lstStyle/>
-          <a:p>
-            <a:pPr algn="ctr"/>
-            <a:r>
-              <a:rPr kumimoji="1" lang="ja-JP" altLang="en-US" sz="1600" dirty="0"/>
-              <a:t>トップダウン</a:t>
-            </a:r>
-          </a:p>
-        </p:txBody>
-      </p:sp>
-      <p:sp>
-        <p:nvSpPr>
-          <p:cNvPr id="15" name="テキスト ボックス 14">
-            <a:extLst>
-              <a:ext uri="{FF2B5EF4-FFF2-40B4-BE49-F238E27FC236}">
-                <a16:creationId xmlns:a16="http://schemas.microsoft.com/office/drawing/2014/main" id="{C4C642D7-AE98-5223-65CF-E73C94CB248D}"/>
-              </a:ext>
-            </a:extLst>
-          </p:cNvPr>
-          <p:cNvSpPr txBox="1"/>
-          <p:nvPr/>
-        </p:nvSpPr>
-        <p:spPr>
-          <a:xfrm>
-            <a:off x="6789697" y="2710346"/>
-            <a:ext cx="1388109" cy="338554"/>
-          </a:xfrm>
-          <a:prstGeom prst="rect">
-            <a:avLst/>
-          </a:prstGeom>
-          <a:noFill/>
-        </p:spPr>
-        <p:txBody>
-          <a:bodyPr wrap="square" rtlCol="0">
-            <a:spAutoFit/>
-          </a:bodyPr>
-          <a:lstStyle/>
-          <a:p>
-            <a:pPr algn="ctr"/>
-            <a:r>
-              <a:rPr kumimoji="1" lang="ja-JP" altLang="en-US" sz="1600" dirty="0"/>
-              <a:t>誘導・組織化</a:t>
-            </a:r>
-          </a:p>
-        </p:txBody>
-      </p:sp>
-      <p:sp>
-        <p:nvSpPr>
-          <p:cNvPr id="16" name="テキスト ボックス 15">
-            <a:extLst>
-              <a:ext uri="{FF2B5EF4-FFF2-40B4-BE49-F238E27FC236}">
-                <a16:creationId xmlns:a16="http://schemas.microsoft.com/office/drawing/2014/main" id="{6C5038E9-0CD2-AF46-44CC-82B956AC8DF2}"/>
-              </a:ext>
-            </a:extLst>
-          </p:cNvPr>
-          <p:cNvSpPr txBox="1"/>
-          <p:nvPr/>
-        </p:nvSpPr>
-        <p:spPr>
-          <a:xfrm>
-            <a:off x="9615382" y="2710346"/>
-            <a:ext cx="1069841" cy="338554"/>
-          </a:xfrm>
-          <a:prstGeom prst="rect">
-            <a:avLst/>
-          </a:prstGeom>
-          <a:noFill/>
-        </p:spPr>
-        <p:txBody>
-          <a:bodyPr wrap="square" rtlCol="0">
-            <a:spAutoFit/>
-          </a:bodyPr>
-          <a:lstStyle/>
-          <a:p>
-            <a:pPr algn="ctr"/>
-            <a:r>
-              <a:rPr kumimoji="1" lang="ja-JP" altLang="en-US" sz="1600" dirty="0"/>
-              <a:t>創発</a:t>
-            </a:r>
-          </a:p>
-        </p:txBody>
-      </p:sp>
-      <p:sp>
-        <p:nvSpPr>
-          <p:cNvPr id="23" name="テキスト ボックス 22">
-            <a:extLst>
-              <a:ext uri="{FF2B5EF4-FFF2-40B4-BE49-F238E27FC236}">
-                <a16:creationId xmlns:a16="http://schemas.microsoft.com/office/drawing/2014/main" id="{DDDB03D9-10A9-B1A1-9A6B-0332523F03AE}"/>
-              </a:ext>
-            </a:extLst>
-          </p:cNvPr>
-          <p:cNvSpPr txBox="1"/>
-          <p:nvPr/>
-        </p:nvSpPr>
-        <p:spPr>
-          <a:xfrm>
-            <a:off x="300148" y="1688743"/>
-            <a:ext cx="884166" cy="338554"/>
-          </a:xfrm>
-          <a:prstGeom prst="rect">
-            <a:avLst/>
-          </a:prstGeom>
-          <a:noFill/>
-        </p:spPr>
-        <p:txBody>
-          <a:bodyPr wrap="square" rtlCol="0">
-            <a:spAutoFit/>
-          </a:bodyPr>
-          <a:lstStyle/>
-          <a:p>
-            <a:pPr algn="ctr"/>
-            <a:r>
-              <a:rPr kumimoji="1" lang="ja-JP" altLang="en-US" sz="1600" b="1" dirty="0">
-                <a:solidFill>
-                  <a:schemeClr val="accent3"/>
-                </a:solidFill>
-              </a:rPr>
-              <a:t>従属的</a:t>
-            </a:r>
-          </a:p>
-        </p:txBody>
-      </p:sp>
-      <p:sp>
-        <p:nvSpPr>
-          <p:cNvPr id="19" name="テキスト ボックス 18">
-            <a:extLst>
-              <a:ext uri="{FF2B5EF4-FFF2-40B4-BE49-F238E27FC236}">
-                <a16:creationId xmlns:a16="http://schemas.microsoft.com/office/drawing/2014/main" id="{32171D14-DFC8-B23F-7712-F39ADC47F39D}"/>
-              </a:ext>
-            </a:extLst>
-          </p:cNvPr>
-          <p:cNvSpPr txBox="1"/>
-          <p:nvPr/>
-        </p:nvSpPr>
-        <p:spPr>
-          <a:xfrm>
-            <a:off x="11056579" y="1688743"/>
-            <a:ext cx="884166" cy="338554"/>
-          </a:xfrm>
-          <a:prstGeom prst="rect">
-            <a:avLst/>
-          </a:prstGeom>
-          <a:noFill/>
-        </p:spPr>
-        <p:txBody>
-          <a:bodyPr wrap="square" rtlCol="0">
-            <a:spAutoFit/>
-          </a:bodyPr>
-          <a:lstStyle/>
-          <a:p>
-            <a:pPr algn="ctr"/>
-            <a:r>
-              <a:rPr kumimoji="1" lang="ja-JP" altLang="en-US" sz="1600" b="1" dirty="0">
-                <a:solidFill>
-                  <a:schemeClr val="accent3"/>
-                </a:solidFill>
-              </a:rPr>
-              <a:t>独立的</a:t>
-            </a:r>
-          </a:p>
-        </p:txBody>
-      </p:sp>
-      <p:sp>
-        <p:nvSpPr>
-          <p:cNvPr id="4" name="正方形/長方形 3">
-            <a:extLst>
-              <a:ext uri="{FF2B5EF4-FFF2-40B4-BE49-F238E27FC236}">
-                <a16:creationId xmlns:a16="http://schemas.microsoft.com/office/drawing/2014/main" id="{9DB58101-1640-2409-832F-380625C65D50}"/>
-              </a:ext>
-            </a:extLst>
-          </p:cNvPr>
-          <p:cNvSpPr/>
-          <p:nvPr/>
-        </p:nvSpPr>
-        <p:spPr>
-          <a:xfrm rot="5400000">
-            <a:off x="5886780" y="-3002403"/>
-            <a:ext cx="527394" cy="9720847"/>
-          </a:xfrm>
-          <a:prstGeom prst="rect">
-            <a:avLst/>
-          </a:prstGeom>
-          <a:solidFill>
-            <a:schemeClr val="accent1"/>
-          </a:solidFill>
-        </p:spPr>
-        <p:style>
-          <a:lnRef idx="2">
-            <a:schemeClr val="accent1">
-              <a:shade val="50000"/>
-            </a:schemeClr>
-          </a:lnRef>
-          <a:fillRef idx="1">
-            <a:schemeClr val="accent1"/>
-          </a:fillRef>
-          <a:effectRef idx="0">
-            <a:schemeClr val="accent1"/>
-          </a:effectRef>
-          <a:fontRef idx="minor">
-            <a:schemeClr val="lt1"/>
-          </a:fontRef>
-        </p:style>
-        <p:txBody>
-          <a:bodyPr vert="vert270" rtlCol="0" anchor="ctr"/>
-          <a:lstStyle/>
-          <a:p>
-            <a:pPr algn="ctr"/>
-            <a:r>
-              <a:rPr kumimoji="1" lang="en-US" altLang="ja-JP" b="1" dirty="0">
-                <a:solidFill>
-                  <a:schemeClr val="bg1"/>
-                </a:solidFill>
-              </a:rPr>
-              <a:t>SoS</a:t>
-            </a:r>
-            <a:r>
-              <a:rPr kumimoji="1" lang="ja-JP" altLang="en-US" b="1" dirty="0">
-                <a:solidFill>
-                  <a:schemeClr val="bg1"/>
-                </a:solidFill>
-              </a:rPr>
-              <a:t>における協調のタイプ</a:t>
-            </a:r>
-          </a:p>
-        </p:txBody>
-      </p:sp>
-      <p:sp>
-        <p:nvSpPr>
-          <p:cNvPr id="2" name="テキスト ボックス 1">
-            <a:extLst>
-              <a:ext uri="{FF2B5EF4-FFF2-40B4-BE49-F238E27FC236}">
-                <a16:creationId xmlns:a16="http://schemas.microsoft.com/office/drawing/2014/main" id="{E1F785C2-D33F-4373-87BD-CC24645659E1}"/>
-              </a:ext>
-            </a:extLst>
-          </p:cNvPr>
-          <p:cNvSpPr txBox="1"/>
-          <p:nvPr/>
-        </p:nvSpPr>
-        <p:spPr>
-          <a:xfrm>
-            <a:off x="4182484" y="3287289"/>
-            <a:ext cx="1269434" cy="338554"/>
-          </a:xfrm>
-          <a:prstGeom prst="rect">
-            <a:avLst/>
-          </a:prstGeom>
-          <a:noFill/>
-        </p:spPr>
-        <p:txBody>
-          <a:bodyPr wrap="square" rtlCol="0">
-            <a:spAutoFit/>
-          </a:bodyPr>
-          <a:lstStyle/>
-          <a:p>
-            <a:pPr algn="ctr"/>
-            <a:r>
-              <a:rPr kumimoji="1" lang="ja-JP" altLang="en-US" sz="1600" dirty="0"/>
-              <a:t>電力システム</a:t>
-            </a:r>
-          </a:p>
-        </p:txBody>
-      </p:sp>
-      <p:sp>
-        <p:nvSpPr>
-          <p:cNvPr id="6" name="テキスト ボックス 5">
-            <a:extLst>
-              <a:ext uri="{FF2B5EF4-FFF2-40B4-BE49-F238E27FC236}">
-                <a16:creationId xmlns:a16="http://schemas.microsoft.com/office/drawing/2014/main" id="{2293C6AD-50D5-FC3D-4ADD-8E318CB8E6DD}"/>
-              </a:ext>
-            </a:extLst>
-          </p:cNvPr>
-          <p:cNvSpPr txBox="1"/>
-          <p:nvPr/>
-        </p:nvSpPr>
-        <p:spPr>
-          <a:xfrm>
-            <a:off x="3860443" y="3738726"/>
-            <a:ext cx="1913516" cy="338554"/>
-          </a:xfrm>
-          <a:prstGeom prst="rect">
-            <a:avLst/>
-          </a:prstGeom>
-          <a:noFill/>
-        </p:spPr>
-        <p:txBody>
-          <a:bodyPr wrap="square" rtlCol="0">
-            <a:spAutoFit/>
-          </a:bodyPr>
-          <a:lstStyle/>
-          <a:p>
-            <a:pPr algn="ctr"/>
-            <a:r>
-              <a:rPr kumimoji="1" lang="ja-JP" altLang="en-US" sz="1600" dirty="0"/>
-              <a:t>鉄道相互直通運転</a:t>
-            </a:r>
-          </a:p>
-        </p:txBody>
-      </p:sp>
-    </p:spTree>
-    <p:extLst>
-      <p:ext uri="{BB962C8B-B14F-4D97-AF65-F5344CB8AC3E}">
-        <p14:creationId xmlns:p14="http://schemas.microsoft.com/office/powerpoint/2010/main" val="1286039426"/>
-      </p:ext>
-    </p:extLst>
-  </p:cSld>
-  <p:clrMapOvr>
-    <a:masterClrMapping/>
-  </p:clrMapOvr>
-</p:sld>
-</file>
-
-<file path=ppt/slides/slide14.xml><?xml version="1.0" encoding="utf-8"?>
-<p:sld xmlns:a="http://schemas.openxmlformats.org/drawingml/2006/main" xmlns:r="http://schemas.openxmlformats.org/officeDocument/2006/relationships" xmlns:p="http://schemas.openxmlformats.org/presentationml/2006/main">
-  <p:cSld>
-    <p:spTree>
-      <p:nvGrpSpPr>
-        <p:cNvPr id="1" name=""/>
-        <p:cNvGrpSpPr/>
-        <p:nvPr/>
-      </p:nvGrpSpPr>
-      <p:grpSpPr>
-        <a:xfrm>
-          <a:off x="0" y="0"/>
-          <a:ext cx="0" cy="0"/>
-          <a:chOff x="0" y="0"/>
-          <a:chExt cx="0" cy="0"/>
-        </a:xfrm>
-      </p:grpSpPr>
-      <p:sp>
-        <p:nvSpPr>
-          <p:cNvPr id="5" name="タイトル 4">
-            <a:extLst>
-              <a:ext uri="{FF2B5EF4-FFF2-40B4-BE49-F238E27FC236}">
-                <a16:creationId xmlns:a16="http://schemas.microsoft.com/office/drawing/2014/main" id="{560C5BD5-1532-4087-ACF7-85710DC69FAA}"/>
-              </a:ext>
-            </a:extLst>
-          </p:cNvPr>
-          <p:cNvSpPr>
-            <a:spLocks noGrp="1"/>
-          </p:cNvSpPr>
-          <p:nvPr>
-            <p:ph type="title"/>
-          </p:nvPr>
-        </p:nvSpPr>
-        <p:spPr/>
-        <p:txBody>
-          <a:bodyPr/>
-          <a:lstStyle/>
-          <a:p>
-            <a:r>
-              <a:rPr lang="ja-JP" altLang="en-US" dirty="0"/>
-              <a:t>まとめ</a:t>
-            </a:r>
-            <a:endParaRPr lang="en-US" dirty="0"/>
-          </a:p>
-        </p:txBody>
-      </p:sp>
-      <p:sp>
-        <p:nvSpPr>
-          <p:cNvPr id="3" name="スライド番号プレースホルダー 2">
-            <a:extLst>
-              <a:ext uri="{FF2B5EF4-FFF2-40B4-BE49-F238E27FC236}">
-                <a16:creationId xmlns:a16="http://schemas.microsoft.com/office/drawing/2014/main" id="{ED23190D-575C-49DE-8293-87C3C1C8D779}"/>
-              </a:ext>
-            </a:extLst>
-          </p:cNvPr>
-          <p:cNvSpPr>
-            <a:spLocks noGrp="1"/>
-          </p:cNvSpPr>
-          <p:nvPr>
-            <p:ph type="sldNum" sz="quarter" idx="10"/>
-          </p:nvPr>
-        </p:nvSpPr>
-        <p:spPr/>
-        <p:txBody>
-          <a:bodyPr/>
-          <a:lstStyle/>
-          <a:p>
-            <a:fld id="{584EAAFE-CFE5-40AD-8E95-5BFF290DC5CF}" type="slidenum">
-              <a:rPr kumimoji="1" lang="ja-JP" altLang="en-US" smtClean="0"/>
-              <a:pPr/>
-              <a:t>14</a:t>
-            </a:fld>
-            <a:endParaRPr kumimoji="1" lang="ja-JP" altLang="en-US"/>
-          </a:p>
-        </p:txBody>
-      </p:sp>
-      <p:sp>
-        <p:nvSpPr>
-          <p:cNvPr id="9" name="テキスト プレースホルダー 8">
-            <a:extLst>
-              <a:ext uri="{FF2B5EF4-FFF2-40B4-BE49-F238E27FC236}">
-                <a16:creationId xmlns:a16="http://schemas.microsoft.com/office/drawing/2014/main" id="{A809889B-886C-09D3-E0E0-05C8C4A3F3EE}"/>
-              </a:ext>
-            </a:extLst>
-          </p:cNvPr>
-          <p:cNvSpPr>
-            <a:spLocks noGrp="1"/>
-          </p:cNvSpPr>
-          <p:nvPr>
-            <p:ph type="body" sz="quarter" idx="11"/>
-          </p:nvPr>
-        </p:nvSpPr>
-        <p:spPr/>
-        <p:txBody>
-          <a:bodyPr/>
-          <a:lstStyle/>
-          <a:p>
-            <a:r>
-              <a:rPr lang="ja-JP" altLang="en-US" dirty="0"/>
-              <a:t>まずは、来週前半にこの提言を分科会事務局に話してみる。</a:t>
-            </a:r>
-            <a:endParaRPr lang="en-US" altLang="ja-JP" dirty="0"/>
-          </a:p>
-          <a:p>
-            <a:r>
-              <a:rPr lang="ja-JP" altLang="en-US" dirty="0"/>
-              <a:t>第</a:t>
-            </a:r>
-            <a:r>
-              <a:rPr lang="en-US" altLang="ja-JP" dirty="0"/>
-              <a:t>6</a:t>
-            </a:r>
-            <a:r>
-              <a:rPr lang="ja-JP" altLang="en-US" dirty="0"/>
-              <a:t>回（</a:t>
-            </a:r>
-            <a:r>
-              <a:rPr lang="en-US" altLang="ja-JP" dirty="0"/>
-              <a:t>8/30</a:t>
-            </a:r>
-            <a:r>
-              <a:rPr lang="ja-JP" altLang="en-US" dirty="0"/>
-              <a:t>）に、このままの内容をメンバーに話してみるか、事務局の方で引き取ってもらうか、相談する。</a:t>
-            </a:r>
-            <a:endParaRPr lang="en-US" altLang="ja-JP" dirty="0"/>
-          </a:p>
-        </p:txBody>
-      </p:sp>
-    </p:spTree>
-    <p:extLst>
-      <p:ext uri="{BB962C8B-B14F-4D97-AF65-F5344CB8AC3E}">
-        <p14:creationId xmlns:p14="http://schemas.microsoft.com/office/powerpoint/2010/main" val="534514034"/>
-      </p:ext>
-    </p:extLst>
-  </p:cSld>
-  <p:clrMapOvr>
-    <a:masterClrMapping/>
-  </p:clrMapOvr>
-</p:sld>
-</file>
-
-<file path=ppt/slides/slide15.xml><?xml version="1.0" encoding="utf-8"?>
-<p:sld xmlns:a="http://schemas.openxmlformats.org/drawingml/2006/main" xmlns:r="http://schemas.openxmlformats.org/officeDocument/2006/relationships" xmlns:p="http://schemas.openxmlformats.org/presentationml/2006/main">
-  <p:cSld>
-    <p:spTree>
-      <p:nvGrpSpPr>
-        <p:cNvPr id="1" name=""/>
-        <p:cNvGrpSpPr/>
-        <p:nvPr/>
-      </p:nvGrpSpPr>
-      <p:grpSpPr>
-        <a:xfrm>
-          <a:off x="0" y="0"/>
-          <a:ext cx="0" cy="0"/>
-          <a:chOff x="0" y="0"/>
-          <a:chExt cx="0" cy="0"/>
-        </a:xfrm>
-      </p:grpSpPr>
-      <p:sp>
-        <p:nvSpPr>
-          <p:cNvPr id="2" name="スライド番号プレースホルダー 1">
-            <a:extLst>
-              <a:ext uri="{FF2B5EF4-FFF2-40B4-BE49-F238E27FC236}">
-                <a16:creationId xmlns:a16="http://schemas.microsoft.com/office/drawing/2014/main" id="{F2B2B343-CF0D-4CE9-8049-5FF23009C315}"/>
-              </a:ext>
-            </a:extLst>
-          </p:cNvPr>
-          <p:cNvSpPr>
-            <a:spLocks noGrp="1"/>
-          </p:cNvSpPr>
-          <p:nvPr>
-            <p:ph type="sldNum" sz="quarter" idx="11"/>
-          </p:nvPr>
-        </p:nvSpPr>
-        <p:spPr/>
-        <p:txBody>
-          <a:bodyPr/>
-          <a:lstStyle/>
-          <a:p>
-            <a:fld id="{B3001740-FA51-4383-A84C-3DA006D12C29}" type="slidenum">
-              <a:rPr lang="ja-JP" altLang="en-US" smtClean="0"/>
-              <a:pPr/>
-              <a:t>15</a:t>
-            </a:fld>
-            <a:endParaRPr lang="ja-JP" altLang="en-US" dirty="0"/>
-          </a:p>
-        </p:txBody>
-      </p:sp>
-      <p:sp>
-        <p:nvSpPr>
-          <p:cNvPr id="3" name="テキスト プレースホルダー 2">
-            <a:extLst>
-              <a:ext uri="{FF2B5EF4-FFF2-40B4-BE49-F238E27FC236}">
-                <a16:creationId xmlns:a16="http://schemas.microsoft.com/office/drawing/2014/main" id="{EC73A151-6AE6-45B0-B969-B764FDC1ADAE}"/>
-              </a:ext>
-            </a:extLst>
-          </p:cNvPr>
-          <p:cNvSpPr>
-            <a:spLocks noGrp="1"/>
-          </p:cNvSpPr>
-          <p:nvPr>
-            <p:ph type="body" sz="quarter" idx="12"/>
-          </p:nvPr>
-        </p:nvSpPr>
-        <p:spPr/>
-        <p:txBody>
-          <a:bodyPr/>
-          <a:lstStyle/>
-          <a:p>
-            <a:endParaRPr kumimoji="1" lang="ja-JP" altLang="en-US"/>
-          </a:p>
-        </p:txBody>
-      </p:sp>
-    </p:spTree>
-    <p:extLst>
-      <p:ext uri="{BB962C8B-B14F-4D97-AF65-F5344CB8AC3E}">
-        <p14:creationId xmlns:p14="http://schemas.microsoft.com/office/powerpoint/2010/main" val="2744913531"/>
-      </p:ext>
-    </p:extLst>
-  </p:cSld>
-  <p:clrMapOvr>
-    <a:masterClrMapping/>
-  </p:clrMapOvr>
-</p:sld>
-</file>
-
 <file path=ppt/slides/slide2.xml><?xml version="1.0" encoding="utf-8"?>
 <p:sld xmlns:a="http://schemas.openxmlformats.org/drawingml/2006/main" xmlns:r="http://schemas.openxmlformats.org/officeDocument/2006/relationships" xmlns:p="http://schemas.openxmlformats.org/presentationml/2006/main">
   <p:cSld>
@@ -22707,10 +24151,350 @@
       </p:grpSpPr>
       <p:sp>
         <p:nvSpPr>
-          <p:cNvPr id="5" name="タイトル 4">
-            <a:extLst>
-              <a:ext uri="{FF2B5EF4-FFF2-40B4-BE49-F238E27FC236}">
-                <a16:creationId xmlns:a16="http://schemas.microsoft.com/office/drawing/2014/main" id="{560C5BD5-1532-4087-ACF7-85710DC69FAA}"/>
+          <p:cNvPr id="3" name="スライド番号プレースホルダー 2">
+            <a:extLst>
+              <a:ext uri="{FF2B5EF4-FFF2-40B4-BE49-F238E27FC236}">
+                <a16:creationId xmlns:a16="http://schemas.microsoft.com/office/drawing/2014/main" id="{ED23190D-575C-49DE-8293-87C3C1C8D779}"/>
+              </a:ext>
+            </a:extLst>
+          </p:cNvPr>
+          <p:cNvSpPr>
+            <a:spLocks noGrp="1"/>
+          </p:cNvSpPr>
+          <p:nvPr>
+            <p:ph type="sldNum" sz="quarter" idx="10"/>
+          </p:nvPr>
+        </p:nvSpPr>
+        <p:spPr/>
+        <p:txBody>
+          <a:bodyPr/>
+          <a:lstStyle/>
+          <a:p>
+            <a:fld id="{584EAAFE-CFE5-40AD-8E95-5BFF290DC5CF}" type="slidenum">
+              <a:rPr kumimoji="1" lang="ja-JP" altLang="en-US" smtClean="0"/>
+              <a:pPr/>
+              <a:t>5</a:t>
+            </a:fld>
+            <a:endParaRPr kumimoji="1" lang="ja-JP" altLang="en-US"/>
+          </a:p>
+        </p:txBody>
+      </p:sp>
+      <p:sp>
+        <p:nvSpPr>
+          <p:cNvPr id="9" name="テキスト プレースホルダー 8">
+            <a:extLst>
+              <a:ext uri="{FF2B5EF4-FFF2-40B4-BE49-F238E27FC236}">
+                <a16:creationId xmlns:a16="http://schemas.microsoft.com/office/drawing/2014/main" id="{A809889B-886C-09D3-E0E0-05C8C4A3F3EE}"/>
+              </a:ext>
+            </a:extLst>
+          </p:cNvPr>
+          <p:cNvSpPr>
+            <a:spLocks noGrp="1"/>
+          </p:cNvSpPr>
+          <p:nvPr>
+            <p:ph type="body" sz="quarter" idx="11"/>
+          </p:nvPr>
+        </p:nvSpPr>
+        <p:spPr>
+          <a:xfrm>
+            <a:off x="517055" y="1071367"/>
+            <a:ext cx="11341887" cy="605033"/>
+          </a:xfrm>
+        </p:spPr>
+        <p:txBody>
+          <a:bodyPr/>
+          <a:lstStyle/>
+          <a:p>
+            <a:r>
+              <a:rPr lang="ja-JP" altLang="en-US" sz="2800" dirty="0"/>
+              <a:t>一般的な</a:t>
+            </a:r>
+            <a:r>
+              <a:rPr lang="en-US" altLang="ja-JP" sz="2800" dirty="0"/>
+              <a:t>SoS</a:t>
+            </a:r>
+            <a:r>
+              <a:rPr lang="ja-JP" altLang="en-US" sz="2800" dirty="0"/>
+              <a:t>の定義・分類</a:t>
+            </a:r>
+            <a:r>
+              <a:rPr lang="en-US" altLang="ja-JP" sz="2800" dirty="0"/>
+              <a:t>[2, 3]</a:t>
+            </a:r>
+          </a:p>
+          <a:p>
+            <a:r>
+              <a:rPr lang="ja-JP" altLang="en-US" sz="2800" dirty="0"/>
+              <a:t>貝原先生による</a:t>
+            </a:r>
+            <a:r>
+              <a:rPr lang="en-US" altLang="ja-JP" sz="2800" dirty="0"/>
+              <a:t>SoS</a:t>
+            </a:r>
+            <a:r>
+              <a:rPr lang="ja-JP" altLang="en-US" sz="2800" dirty="0"/>
+              <a:t>の解説</a:t>
+            </a:r>
+            <a:r>
+              <a:rPr lang="en-US" altLang="ja-JP" sz="2800" dirty="0"/>
+              <a:t>[4]</a:t>
+            </a:r>
+          </a:p>
+          <a:p>
+            <a:pPr lvl="1"/>
+            <a:r>
+              <a:rPr lang="en-US" altLang="ja-JP" dirty="0"/>
+              <a:t>SICE </a:t>
+            </a:r>
+            <a:r>
+              <a:rPr lang="ja-JP" altLang="en-US" dirty="0"/>
+              <a:t>システム・情報部門 スマーターワールド調査研究会による特集号</a:t>
+            </a:r>
+            <a:endParaRPr lang="en-US" altLang="ja-JP" dirty="0"/>
+          </a:p>
+          <a:p>
+            <a:pPr lvl="1"/>
+            <a:r>
+              <a:rPr lang="en-US" altLang="ja-JP" dirty="0"/>
+              <a:t>SIC</a:t>
+            </a:r>
+            <a:r>
+              <a:rPr lang="ja-JP" altLang="en-US" dirty="0"/>
+              <a:t> 学術協議会メンバー</a:t>
+            </a:r>
+            <a:r>
+              <a:rPr lang="en-US" altLang="ja-JP" sz="1800" dirty="0"/>
+              <a:t>*</a:t>
+            </a:r>
+            <a:r>
+              <a:rPr lang="ja-JP" altLang="en-US" dirty="0"/>
+              <a:t>や、熊谷の指導教員</a:t>
+            </a:r>
+            <a:r>
+              <a:rPr lang="ja-JP" altLang="en-US" sz="1800" dirty="0"/>
+              <a:t>（都立大 安田先生）</a:t>
+            </a:r>
+            <a:r>
+              <a:rPr lang="ja-JP" altLang="en-US" dirty="0"/>
+              <a:t>が執筆</a:t>
+            </a:r>
+            <a:r>
+              <a:rPr lang="ja-JP" altLang="en-US" sz="1800" dirty="0"/>
+              <a:t>（</a:t>
+            </a:r>
+            <a:r>
+              <a:rPr lang="en-US" altLang="ja-JP" sz="1800" dirty="0"/>
+              <a:t>2020</a:t>
+            </a:r>
+            <a:r>
+              <a:rPr lang="ja-JP" altLang="en-US" sz="1800" dirty="0"/>
+              <a:t>年には熊谷も執筆）</a:t>
+            </a:r>
+            <a:endParaRPr lang="en-US" altLang="ja-JP" dirty="0"/>
+          </a:p>
+          <a:p>
+            <a:endParaRPr lang="en-US" altLang="ja-JP" sz="2800" dirty="0"/>
+          </a:p>
+        </p:txBody>
+      </p:sp>
+      <p:sp>
+        <p:nvSpPr>
+          <p:cNvPr id="23" name="テキスト ボックス 22">
+            <a:extLst>
+              <a:ext uri="{FF2B5EF4-FFF2-40B4-BE49-F238E27FC236}">
+                <a16:creationId xmlns:a16="http://schemas.microsoft.com/office/drawing/2014/main" id="{10B705B6-DC83-D2F8-A52D-60587BE4F683}"/>
+              </a:ext>
+            </a:extLst>
+          </p:cNvPr>
+          <p:cNvSpPr txBox="1"/>
+          <p:nvPr/>
+        </p:nvSpPr>
+        <p:spPr>
+          <a:xfrm>
+            <a:off x="361779" y="4960848"/>
+            <a:ext cx="10925345" cy="338554"/>
+          </a:xfrm>
+          <a:prstGeom prst="rect">
+            <a:avLst/>
+          </a:prstGeom>
+          <a:noFill/>
+        </p:spPr>
+        <p:txBody>
+          <a:bodyPr wrap="square" rtlCol="0">
+            <a:spAutoFit/>
+          </a:bodyPr>
+          <a:lstStyle/>
+          <a:p>
+            <a:r>
+              <a:rPr lang="en-US" altLang="ja-JP" sz="1600" dirty="0"/>
+              <a:t>[2] M.W. Maier: “Architecting Principles for Systems-of-Systems, Systems Engineering,” Vol.1, No.4, pp.267-284 (1999)</a:t>
+            </a:r>
+            <a:endParaRPr kumimoji="1" lang="ja-JP" altLang="en-US" sz="1600" dirty="0"/>
+          </a:p>
+        </p:txBody>
+      </p:sp>
+      <p:sp>
+        <p:nvSpPr>
+          <p:cNvPr id="24" name="テキスト ボックス 23">
+            <a:extLst>
+              <a:ext uri="{FF2B5EF4-FFF2-40B4-BE49-F238E27FC236}">
+                <a16:creationId xmlns:a16="http://schemas.microsoft.com/office/drawing/2014/main" id="{3F413248-1597-7517-D850-ABDDD6911874}"/>
+              </a:ext>
+            </a:extLst>
+          </p:cNvPr>
+          <p:cNvSpPr txBox="1"/>
+          <p:nvPr/>
+        </p:nvSpPr>
+        <p:spPr>
+          <a:xfrm>
+            <a:off x="361779" y="5870186"/>
+            <a:ext cx="10096671" cy="338554"/>
+          </a:xfrm>
+          <a:prstGeom prst="rect">
+            <a:avLst/>
+          </a:prstGeom>
+          <a:noFill/>
+        </p:spPr>
+        <p:txBody>
+          <a:bodyPr wrap="square" rtlCol="0">
+            <a:spAutoFit/>
+          </a:bodyPr>
+          <a:lstStyle/>
+          <a:p>
+            <a:r>
+              <a:rPr lang="en-US" altLang="ja-JP" sz="1600" dirty="0"/>
+              <a:t>[4] </a:t>
+            </a:r>
+            <a:r>
+              <a:rPr lang="ja-JP" altLang="en-US" sz="1600" dirty="0"/>
+              <a:t>貝原俊也・下原勝憲：「</a:t>
+            </a:r>
+            <a:r>
+              <a:rPr lang="en-US" altLang="ja-JP" sz="1600" dirty="0"/>
+              <a:t>System of Systems</a:t>
+            </a:r>
+            <a:r>
+              <a:rPr lang="ja-JP" altLang="en-US" sz="1600" dirty="0"/>
+              <a:t>コンセプトと超スマート社会」、計測と制御、</a:t>
+            </a:r>
+            <a:r>
+              <a:rPr lang="en-US" altLang="ja-JP" sz="1600" dirty="0"/>
+              <a:t>Vol.55</a:t>
+            </a:r>
+            <a:r>
+              <a:rPr lang="ja-JP" altLang="en-US" sz="1600" dirty="0"/>
+              <a:t>、</a:t>
+            </a:r>
+            <a:r>
+              <a:rPr lang="en-US" altLang="ja-JP" sz="1600" dirty="0"/>
+              <a:t>No.4</a:t>
+            </a:r>
+            <a:r>
+              <a:rPr lang="ja-JP" altLang="en-US" sz="1600" dirty="0"/>
+              <a:t>（</a:t>
+            </a:r>
+            <a:r>
+              <a:rPr lang="en-US" altLang="ja-JP" sz="1600" dirty="0"/>
+              <a:t>2016</a:t>
+            </a:r>
+            <a:r>
+              <a:rPr lang="ja-JP" altLang="en-US" sz="1600" dirty="0"/>
+              <a:t>）</a:t>
+            </a:r>
+            <a:endParaRPr kumimoji="1" lang="ja-JP" altLang="en-US" sz="1600" dirty="0"/>
+          </a:p>
+        </p:txBody>
+      </p:sp>
+      <p:sp>
+        <p:nvSpPr>
+          <p:cNvPr id="26" name="テキスト ボックス 25">
+            <a:extLst>
+              <a:ext uri="{FF2B5EF4-FFF2-40B4-BE49-F238E27FC236}">
+                <a16:creationId xmlns:a16="http://schemas.microsoft.com/office/drawing/2014/main" id="{9CC77F6D-BCEC-F6CF-6799-5CC84F2E4ED5}"/>
+              </a:ext>
+            </a:extLst>
+          </p:cNvPr>
+          <p:cNvSpPr txBox="1"/>
+          <p:nvPr/>
+        </p:nvSpPr>
+        <p:spPr>
+          <a:xfrm>
+            <a:off x="361779" y="5285411"/>
+            <a:ext cx="11744495" cy="584775"/>
+          </a:xfrm>
+          <a:prstGeom prst="rect">
+            <a:avLst/>
+          </a:prstGeom>
+          <a:noFill/>
+        </p:spPr>
+        <p:txBody>
+          <a:bodyPr wrap="square">
+            <a:spAutoFit/>
+          </a:bodyPr>
+          <a:lstStyle/>
+          <a:p>
+            <a:r>
+              <a:rPr lang="en-US" altLang="ja-JP" sz="1600" dirty="0"/>
+              <a:t>[3] J. </a:t>
+            </a:r>
+            <a:r>
+              <a:rPr lang="en-US" altLang="ja-JP" sz="1600" dirty="0" err="1"/>
+              <a:t>Dahmann</a:t>
+            </a:r>
+            <a:r>
+              <a:rPr lang="en-US" altLang="ja-JP" sz="1600" dirty="0"/>
+              <a:t> and K. Baldwin: “Understanding the Current State of US Defense Systems of Systems and the Implications for Systems Engineering,” IEEE Systems Conference, pp.7-10 (2008)</a:t>
+            </a:r>
+            <a:endParaRPr lang="ja-JP" altLang="en-US" sz="1600" dirty="0"/>
+          </a:p>
+        </p:txBody>
+      </p:sp>
+      <p:sp>
+        <p:nvSpPr>
+          <p:cNvPr id="2" name="テキスト ボックス 1">
+            <a:extLst>
+              <a:ext uri="{FF2B5EF4-FFF2-40B4-BE49-F238E27FC236}">
+                <a16:creationId xmlns:a16="http://schemas.microsoft.com/office/drawing/2014/main" id="{55C8D0A6-9BF4-8F7B-DEE6-D688AA392B0B}"/>
+              </a:ext>
+            </a:extLst>
+          </p:cNvPr>
+          <p:cNvSpPr txBox="1"/>
+          <p:nvPr/>
+        </p:nvSpPr>
+        <p:spPr>
+          <a:xfrm>
+            <a:off x="361778" y="4615299"/>
+            <a:ext cx="10925345" cy="338554"/>
+          </a:xfrm>
+          <a:prstGeom prst="rect">
+            <a:avLst/>
+          </a:prstGeom>
+          <a:noFill/>
+        </p:spPr>
+        <p:txBody>
+          <a:bodyPr wrap="square" rtlCol="0">
+            <a:spAutoFit/>
+          </a:bodyPr>
+          <a:lstStyle/>
+          <a:p>
+            <a:r>
+              <a:rPr lang="en-US" altLang="ja-JP" sz="1600" dirty="0"/>
+              <a:t>*</a:t>
+            </a:r>
+            <a:r>
+              <a:rPr lang="ja-JP" altLang="en-US" sz="1600" dirty="0"/>
+              <a:t>貝原先生、喜多先生、倉橋先生、黒江先生、高橋先生、寺野先生</a:t>
+            </a:r>
+            <a:endParaRPr kumimoji="1" lang="ja-JP" altLang="en-US" sz="1600" dirty="0"/>
+          </a:p>
+        </p:txBody>
+      </p:sp>
+      <p:sp>
+        <p:nvSpPr>
+          <p:cNvPr id="7" name="タイトル 1">
+            <a:extLst>
+              <a:ext uri="{FF2B5EF4-FFF2-40B4-BE49-F238E27FC236}">
+                <a16:creationId xmlns:a16="http://schemas.microsoft.com/office/drawing/2014/main" id="{21B7F148-8336-A0ED-F68B-BA6CD910FFDD}"/>
               </a:ext>
             </a:extLst>
           </p:cNvPr>
@@ -22721,7 +24505,12 @@
             <p:ph type="title"/>
           </p:nvPr>
         </p:nvSpPr>
-        <p:spPr/>
+        <p:spPr>
+          <a:xfrm>
+            <a:off x="517055" y="241034"/>
+            <a:ext cx="11400125" cy="518094"/>
+          </a:xfrm>
+        </p:spPr>
         <p:txBody>
           <a:bodyPr/>
           <a:lstStyle/>
@@ -22740,158 +24529,10 @@
       </p:sp>
       <p:sp>
         <p:nvSpPr>
-          <p:cNvPr id="3" name="スライド番号プレースホルダー 2">
-            <a:extLst>
-              <a:ext uri="{FF2B5EF4-FFF2-40B4-BE49-F238E27FC236}">
-                <a16:creationId xmlns:a16="http://schemas.microsoft.com/office/drawing/2014/main" id="{ED23190D-575C-49DE-8293-87C3C1C8D779}"/>
-              </a:ext>
-            </a:extLst>
-          </p:cNvPr>
-          <p:cNvSpPr>
-            <a:spLocks noGrp="1"/>
-          </p:cNvSpPr>
-          <p:nvPr>
-            <p:ph type="sldNum" sz="quarter" idx="10"/>
-          </p:nvPr>
-        </p:nvSpPr>
-        <p:spPr/>
-        <p:txBody>
-          <a:bodyPr/>
-          <a:lstStyle/>
-          <a:p>
-            <a:fld id="{584EAAFE-CFE5-40AD-8E95-5BFF290DC5CF}" type="slidenum">
-              <a:rPr kumimoji="1" lang="ja-JP" altLang="en-US" smtClean="0"/>
-              <a:pPr/>
-              <a:t>5</a:t>
-            </a:fld>
-            <a:endParaRPr kumimoji="1" lang="ja-JP" altLang="en-US"/>
-          </a:p>
-        </p:txBody>
-      </p:sp>
-      <p:sp>
-        <p:nvSpPr>
-          <p:cNvPr id="9" name="テキスト プレースホルダー 8">
-            <a:extLst>
-              <a:ext uri="{FF2B5EF4-FFF2-40B4-BE49-F238E27FC236}">
-                <a16:creationId xmlns:a16="http://schemas.microsoft.com/office/drawing/2014/main" id="{A809889B-886C-09D3-E0E0-05C8C4A3F3EE}"/>
-              </a:ext>
-            </a:extLst>
-          </p:cNvPr>
-          <p:cNvSpPr>
-            <a:spLocks noGrp="1"/>
-          </p:cNvSpPr>
-          <p:nvPr>
-            <p:ph type="body" sz="quarter" idx="11"/>
-          </p:nvPr>
-        </p:nvSpPr>
-        <p:spPr>
-          <a:xfrm>
-            <a:off x="517055" y="1071367"/>
-            <a:ext cx="11341887" cy="605033"/>
-          </a:xfrm>
-        </p:spPr>
-        <p:txBody>
-          <a:bodyPr/>
-          <a:lstStyle/>
-          <a:p>
-            <a:r>
-              <a:rPr lang="ja-JP" altLang="en-US" sz="2800" dirty="0"/>
-              <a:t>一般的な</a:t>
-            </a:r>
-            <a:r>
-              <a:rPr lang="en-US" altLang="ja-JP" sz="2800" dirty="0"/>
-              <a:t>SoS</a:t>
-            </a:r>
-            <a:r>
-              <a:rPr lang="ja-JP" altLang="en-US" sz="2800" dirty="0"/>
-              <a:t>の定義・分類</a:t>
-            </a:r>
-            <a:r>
-              <a:rPr lang="en-US" altLang="ja-JP" sz="2800" dirty="0"/>
-              <a:t>[2, 3]</a:t>
-            </a:r>
-          </a:p>
-          <a:p>
-            <a:r>
-              <a:rPr lang="ja-JP" altLang="en-US" sz="2800" dirty="0"/>
-              <a:t>貝原先生による</a:t>
-            </a:r>
-            <a:r>
-              <a:rPr lang="en-US" altLang="ja-JP" sz="2800" dirty="0"/>
-              <a:t>SoS</a:t>
-            </a:r>
-            <a:r>
-              <a:rPr lang="ja-JP" altLang="en-US" sz="2800" dirty="0"/>
-              <a:t>の解説</a:t>
-            </a:r>
-            <a:r>
-              <a:rPr lang="en-US" altLang="ja-JP" sz="2800" dirty="0"/>
-              <a:t>[4]</a:t>
-            </a:r>
-          </a:p>
-          <a:p>
-            <a:pPr lvl="1"/>
-            <a:r>
-              <a:rPr lang="en-US" altLang="ja-JP" dirty="0"/>
-              <a:t>SICE </a:t>
-            </a:r>
-            <a:r>
-              <a:rPr lang="ja-JP" altLang="en-US" dirty="0"/>
-              <a:t>システム・情報部門 スマーターワールド調査研究会による特集号</a:t>
-            </a:r>
-            <a:endParaRPr lang="en-US" altLang="ja-JP" dirty="0"/>
-          </a:p>
-          <a:p>
-            <a:pPr lvl="1"/>
-            <a:r>
-              <a:rPr lang="en-US" altLang="ja-JP" dirty="0"/>
-              <a:t>SIC</a:t>
-            </a:r>
-            <a:r>
-              <a:rPr lang="ja-JP" altLang="en-US" dirty="0"/>
-              <a:t> 学術協議会メンバー</a:t>
-            </a:r>
-            <a:r>
-              <a:rPr lang="en-US" altLang="ja-JP" sz="1800" dirty="0"/>
-              <a:t>*</a:t>
-            </a:r>
-            <a:r>
-              <a:rPr lang="ja-JP" altLang="en-US" dirty="0"/>
-              <a:t>や、熊谷の指導教員</a:t>
-            </a:r>
-            <a:r>
-              <a:rPr lang="ja-JP" altLang="en-US" sz="1800" dirty="0"/>
-              <a:t>（都立大 安田先生）</a:t>
-            </a:r>
-            <a:r>
-              <a:rPr lang="ja-JP" altLang="en-US" dirty="0"/>
-              <a:t>が執筆</a:t>
-            </a:r>
-            <a:r>
-              <a:rPr lang="ja-JP" altLang="en-US" sz="1800" dirty="0"/>
-              <a:t>（</a:t>
-            </a:r>
-            <a:r>
-              <a:rPr lang="en-US" altLang="ja-JP" sz="1800" dirty="0"/>
-              <a:t>2020</a:t>
-            </a:r>
-            <a:r>
-              <a:rPr lang="ja-JP" altLang="en-US" sz="1800" dirty="0"/>
-              <a:t>年には熊谷も執筆）</a:t>
-            </a:r>
-            <a:endParaRPr lang="en-US" altLang="ja-JP" dirty="0"/>
-          </a:p>
-          <a:p>
-            <a:endParaRPr lang="en-US" altLang="ja-JP" sz="2800" dirty="0"/>
-          </a:p>
-        </p:txBody>
-      </p:sp>
-      <p:sp>
-        <p:nvSpPr>
-          <p:cNvPr id="23" name="テキスト ボックス 22">
-            <a:extLst>
-              <a:ext uri="{FF2B5EF4-FFF2-40B4-BE49-F238E27FC236}">
-                <a16:creationId xmlns:a16="http://schemas.microsoft.com/office/drawing/2014/main" id="{10B705B6-DC83-D2F8-A52D-60587BE4F683}"/>
+          <p:cNvPr id="8" name="テキスト ボックス 7">
+            <a:extLst>
+              <a:ext uri="{FF2B5EF4-FFF2-40B4-BE49-F238E27FC236}">
+                <a16:creationId xmlns:a16="http://schemas.microsoft.com/office/drawing/2014/main" id="{084C8341-C791-C2B1-CDC1-22AC2E8A00EA}"/>
               </a:ext>
             </a:extLst>
           </p:cNvPr>
@@ -22900,8 +24541,8 @@
         </p:nvSpPr>
         <p:spPr>
           <a:xfrm>
-            <a:off x="361779" y="4960848"/>
-            <a:ext cx="10925345" cy="338554"/>
+            <a:off x="571984" y="-20412"/>
+            <a:ext cx="3682516" cy="338554"/>
           </a:xfrm>
           <a:prstGeom prst="rect">
             <a:avLst/>
@@ -22915,166 +24556,42 @@
           <a:lstStyle/>
           <a:p>
             <a:r>
-              <a:rPr lang="en-US" altLang="ja-JP" sz="1600" dirty="0"/>
-              <a:t>[2] M.W. Maier: “Architecting Principles for Systems-of-Systems, Systems Engineering,” Vol.1, No.4, pp.267-284 (1999)</a:t>
-            </a:r>
-            <a:endParaRPr kumimoji="1" lang="ja-JP" altLang="en-US" sz="1600" dirty="0"/>
-          </a:p>
-        </p:txBody>
-      </p:sp>
-      <p:sp>
-        <p:nvSpPr>
-          <p:cNvPr id="24" name="テキスト ボックス 23">
-            <a:extLst>
-              <a:ext uri="{FF2B5EF4-FFF2-40B4-BE49-F238E27FC236}">
-                <a16:creationId xmlns:a16="http://schemas.microsoft.com/office/drawing/2014/main" id="{3F413248-1597-7517-D850-ABDDD6911874}"/>
-              </a:ext>
-            </a:extLst>
-          </p:cNvPr>
-          <p:cNvSpPr txBox="1"/>
-          <p:nvPr/>
-        </p:nvSpPr>
-        <p:spPr>
-          <a:xfrm>
-            <a:off x="361779" y="5870186"/>
-            <a:ext cx="10096671" cy="338554"/>
-          </a:xfrm>
-          <a:prstGeom prst="rect">
-            <a:avLst/>
-          </a:prstGeom>
-          <a:noFill/>
-        </p:spPr>
-        <p:txBody>
-          <a:bodyPr wrap="square" rtlCol="0">
-            <a:spAutoFit/>
-          </a:bodyPr>
-          <a:lstStyle/>
-          <a:p>
-            <a:r>
-              <a:rPr lang="en-US" altLang="ja-JP" sz="1600" dirty="0"/>
-              <a:t>[4] </a:t>
-            </a:r>
-            <a:r>
-              <a:rPr lang="ja-JP" altLang="en-US" sz="1600" dirty="0"/>
-              <a:t>貝原俊也・下原勝憲：「</a:t>
-            </a:r>
-            <a:r>
-              <a:rPr lang="en-US" altLang="ja-JP" sz="1600" dirty="0"/>
-              <a:t>System of Systems</a:t>
-            </a:r>
-            <a:r>
-              <a:rPr lang="ja-JP" altLang="en-US" sz="1600" dirty="0"/>
-              <a:t>コンセプトと超スマート社会」、計測と制御、</a:t>
-            </a:r>
-            <a:r>
-              <a:rPr lang="en-US" altLang="ja-JP" sz="1600" dirty="0"/>
-              <a:t>Vol.55</a:t>
-            </a:r>
-            <a:r>
-              <a:rPr lang="ja-JP" altLang="en-US" sz="1600" dirty="0"/>
-              <a:t>、</a:t>
-            </a:r>
-            <a:r>
-              <a:rPr lang="en-US" altLang="ja-JP" sz="1600" dirty="0"/>
-              <a:t>No.4</a:t>
-            </a:r>
-            <a:r>
-              <a:rPr lang="ja-JP" altLang="en-US" sz="1600" dirty="0"/>
-              <a:t>（</a:t>
-            </a:r>
-            <a:r>
-              <a:rPr lang="en-US" altLang="ja-JP" sz="1600" dirty="0"/>
-              <a:t>2016</a:t>
-            </a:r>
-            <a:r>
-              <a:rPr lang="ja-JP" altLang="en-US" sz="1600" dirty="0"/>
-              <a:t>）</a:t>
-            </a:r>
-            <a:endParaRPr kumimoji="1" lang="ja-JP" altLang="en-US" sz="1600" dirty="0"/>
-          </a:p>
-        </p:txBody>
-      </p:sp>
-      <p:sp>
-        <p:nvSpPr>
-          <p:cNvPr id="26" name="テキスト ボックス 25">
-            <a:extLst>
-              <a:ext uri="{FF2B5EF4-FFF2-40B4-BE49-F238E27FC236}">
-                <a16:creationId xmlns:a16="http://schemas.microsoft.com/office/drawing/2014/main" id="{9CC77F6D-BCEC-F6CF-6799-5CC84F2E4ED5}"/>
-              </a:ext>
-            </a:extLst>
-          </p:cNvPr>
-          <p:cNvSpPr txBox="1"/>
-          <p:nvPr/>
-        </p:nvSpPr>
-        <p:spPr>
-          <a:xfrm>
-            <a:off x="361779" y="5285411"/>
-            <a:ext cx="11744495" cy="584775"/>
-          </a:xfrm>
-          <a:prstGeom prst="rect">
-            <a:avLst/>
-          </a:prstGeom>
-          <a:noFill/>
-        </p:spPr>
-        <p:txBody>
-          <a:bodyPr wrap="square">
-            <a:spAutoFit/>
-          </a:bodyPr>
-          <a:lstStyle/>
-          <a:p>
-            <a:r>
-              <a:rPr lang="en-US" altLang="ja-JP" sz="1600" dirty="0"/>
-              <a:t>[3] J. </a:t>
-            </a:r>
-            <a:r>
-              <a:rPr lang="en-US" altLang="ja-JP" sz="1600" dirty="0" err="1"/>
-              <a:t>Dahmann</a:t>
-            </a:r>
-            <a:r>
-              <a:rPr lang="en-US" altLang="ja-JP" sz="1600" dirty="0"/>
-              <a:t> and K. Baldwin: “Understanding the Current State of US Defense Systems of Systems and the Implications for Systems Engineering,” IEEE Systems Conference, pp.7-10 (2008)</a:t>
-            </a:r>
-            <a:endParaRPr lang="ja-JP" altLang="en-US" sz="1600" dirty="0"/>
-          </a:p>
-        </p:txBody>
-      </p:sp>
-      <p:sp>
-        <p:nvSpPr>
-          <p:cNvPr id="2" name="テキスト ボックス 1">
-            <a:extLst>
-              <a:ext uri="{FF2B5EF4-FFF2-40B4-BE49-F238E27FC236}">
-                <a16:creationId xmlns:a16="http://schemas.microsoft.com/office/drawing/2014/main" id="{55C8D0A6-9BF4-8F7B-DEE6-D688AA392B0B}"/>
-              </a:ext>
-            </a:extLst>
-          </p:cNvPr>
-          <p:cNvSpPr txBox="1"/>
-          <p:nvPr/>
-        </p:nvSpPr>
-        <p:spPr>
-          <a:xfrm>
-            <a:off x="361778" y="4615299"/>
-            <a:ext cx="10925345" cy="338554"/>
-          </a:xfrm>
-          <a:prstGeom prst="rect">
-            <a:avLst/>
-          </a:prstGeom>
-          <a:noFill/>
-        </p:spPr>
-        <p:txBody>
-          <a:bodyPr wrap="square" rtlCol="0">
-            <a:spAutoFit/>
-          </a:bodyPr>
-          <a:lstStyle/>
-          <a:p>
-            <a:r>
-              <a:rPr lang="en-US" altLang="ja-JP" sz="1600" dirty="0"/>
-              <a:t>*</a:t>
-            </a:r>
-            <a:r>
-              <a:rPr lang="ja-JP" altLang="en-US" sz="1600" dirty="0"/>
-              <a:t>貝原先生、喜多先生、倉橋先生、黒江先生、高橋先生、寺野先生</a:t>
-            </a:r>
-            <a:endParaRPr kumimoji="1" lang="ja-JP" altLang="en-US" sz="1600" dirty="0"/>
+              <a:rPr lang="en-US" altLang="ja-JP" sz="1600" b="1" dirty="0">
+                <a:solidFill>
+                  <a:schemeClr val="bg1"/>
+                </a:solidFill>
+              </a:rPr>
+              <a:t>1. </a:t>
+            </a:r>
+            <a:r>
+              <a:rPr lang="ja-JP" altLang="en-US" sz="1600" b="1" dirty="0">
+                <a:solidFill>
+                  <a:schemeClr val="bg1"/>
+                </a:solidFill>
+              </a:rPr>
+              <a:t>一般的な</a:t>
+            </a:r>
+            <a:r>
+              <a:rPr lang="en-US" altLang="ja-JP" sz="1600" b="1" dirty="0">
+                <a:solidFill>
+                  <a:schemeClr val="bg1"/>
+                </a:solidFill>
+              </a:rPr>
+              <a:t>SoS</a:t>
+            </a:r>
+            <a:r>
+              <a:rPr lang="ja-JP" altLang="en-US" sz="1600" b="1" dirty="0">
+                <a:solidFill>
+                  <a:schemeClr val="bg1"/>
+                </a:solidFill>
+              </a:rPr>
+              <a:t>の定義・分類</a:t>
+            </a:r>
+            <a:endParaRPr kumimoji="1" lang="ja-JP" altLang="en-US" sz="1600" b="1" dirty="0">
+              <a:solidFill>
+                <a:schemeClr val="bg1"/>
+              </a:solidFill>
+            </a:endParaRPr>
           </a:p>
         </p:txBody>
       </p:sp>
@@ -23110,47 +24627,6 @@
       </p:grpSpPr>
       <p:sp>
         <p:nvSpPr>
-          <p:cNvPr id="5" name="タイトル 4">
-            <a:extLst>
-              <a:ext uri="{FF2B5EF4-FFF2-40B4-BE49-F238E27FC236}">
-                <a16:creationId xmlns:a16="http://schemas.microsoft.com/office/drawing/2014/main" id="{560C5BD5-1532-4087-ACF7-85710DC69FAA}"/>
-              </a:ext>
-            </a:extLst>
-          </p:cNvPr>
-          <p:cNvSpPr>
-            <a:spLocks noGrp="1"/>
-          </p:cNvSpPr>
-          <p:nvPr>
-            <p:ph type="title"/>
-          </p:nvPr>
-        </p:nvSpPr>
-        <p:spPr/>
-        <p:txBody>
-          <a:bodyPr/>
-          <a:lstStyle/>
-          <a:p>
-            <a:r>
-              <a:rPr lang="en-US" altLang="ja-JP" dirty="0"/>
-              <a:t>SoS</a:t>
-            </a:r>
-            <a:r>
-              <a:rPr lang="ja-JP" altLang="en-US" dirty="0"/>
-              <a:t>の定義（</a:t>
-            </a:r>
-            <a:r>
-              <a:rPr lang="en-US" altLang="ja-JP" dirty="0"/>
-              <a:t>Maier</a:t>
-            </a:r>
-            <a:r>
-              <a:rPr lang="ja-JP" altLang="en-US" dirty="0"/>
-              <a:t>）</a:t>
-            </a:r>
-            <a:endParaRPr lang="en-US" dirty="0"/>
-          </a:p>
-        </p:txBody>
-      </p:sp>
-      <p:sp>
-        <p:nvSpPr>
           <p:cNvPr id="3" name="スライド番号プレースホルダー 2">
             <a:extLst>
               <a:ext uri="{FF2B5EF4-FFF2-40B4-BE49-F238E27FC236}">
@@ -24168,6 +25644,120 @@
           </a:fontRef>
         </p:style>
       </p:cxnSp>
+      <p:sp>
+        <p:nvSpPr>
+          <p:cNvPr id="22" name="タイトル 1">
+            <a:extLst>
+              <a:ext uri="{FF2B5EF4-FFF2-40B4-BE49-F238E27FC236}">
+                <a16:creationId xmlns:a16="http://schemas.microsoft.com/office/drawing/2014/main" id="{CB495B2F-B9EA-922D-782E-1604DE9DBA87}"/>
+              </a:ext>
+            </a:extLst>
+          </p:cNvPr>
+          <p:cNvSpPr>
+            <a:spLocks noGrp="1"/>
+          </p:cNvSpPr>
+          <p:nvPr>
+            <p:ph type="title"/>
+          </p:nvPr>
+        </p:nvSpPr>
+        <p:spPr>
+          <a:xfrm>
+            <a:off x="517055" y="241034"/>
+            <a:ext cx="11400125" cy="518094"/>
+          </a:xfrm>
+        </p:spPr>
+        <p:txBody>
+          <a:bodyPr/>
+          <a:lstStyle/>
+          <a:p>
+            <a:r>
+              <a:rPr lang="en-US" altLang="ja-JP" dirty="0"/>
+              <a:t>SoS</a:t>
+            </a:r>
+            <a:r>
+              <a:rPr lang="ja-JP" altLang="en-US" dirty="0"/>
+              <a:t>の定義（</a:t>
+            </a:r>
+            <a:r>
+              <a:rPr lang="en-US" altLang="ja-JP" dirty="0"/>
+              <a:t>Maier</a:t>
+            </a:r>
+            <a:r>
+              <a:rPr lang="ja-JP" altLang="en-US" dirty="0"/>
+              <a:t>）</a:t>
+            </a:r>
+            <a:endParaRPr lang="en-US" dirty="0"/>
+          </a:p>
+        </p:txBody>
+      </p:sp>
+      <p:sp>
+        <p:nvSpPr>
+          <p:cNvPr id="25" name="テキスト ボックス 24">
+            <a:extLst>
+              <a:ext uri="{FF2B5EF4-FFF2-40B4-BE49-F238E27FC236}">
+                <a16:creationId xmlns:a16="http://schemas.microsoft.com/office/drawing/2014/main" id="{0C9DB5A3-CC8E-4746-26A1-D54993F2A51B}"/>
+              </a:ext>
+            </a:extLst>
+          </p:cNvPr>
+          <p:cNvSpPr txBox="1"/>
+          <p:nvPr/>
+        </p:nvSpPr>
+        <p:spPr>
+          <a:xfrm>
+            <a:off x="571984" y="-20412"/>
+            <a:ext cx="3682516" cy="338554"/>
+          </a:xfrm>
+          <a:prstGeom prst="rect">
+            <a:avLst/>
+          </a:prstGeom>
+          <a:noFill/>
+        </p:spPr>
+        <p:txBody>
+          <a:bodyPr wrap="square" rtlCol="0">
+            <a:spAutoFit/>
+          </a:bodyPr>
+          <a:lstStyle/>
+          <a:p>
+            <a:r>
+              <a:rPr lang="en-US" altLang="ja-JP" sz="1600" b="1" dirty="0">
+                <a:solidFill>
+                  <a:schemeClr val="bg1"/>
+                </a:solidFill>
+              </a:rPr>
+              <a:t>1. </a:t>
+            </a:r>
+            <a:r>
+              <a:rPr lang="ja-JP" altLang="en-US" sz="1600" b="1" dirty="0">
+                <a:solidFill>
+                  <a:schemeClr val="bg1"/>
+                </a:solidFill>
+              </a:rPr>
+              <a:t>一般的な</a:t>
+            </a:r>
+            <a:r>
+              <a:rPr lang="en-US" altLang="ja-JP" sz="1600" b="1" dirty="0">
+                <a:solidFill>
+                  <a:schemeClr val="bg1"/>
+                </a:solidFill>
+              </a:rPr>
+              <a:t>SoS</a:t>
+            </a:r>
+            <a:r>
+              <a:rPr lang="ja-JP" altLang="en-US" sz="1600" b="1" dirty="0">
+                <a:solidFill>
+                  <a:schemeClr val="bg1"/>
+                </a:solidFill>
+              </a:rPr>
+              <a:t>の定義・分類</a:t>
+            </a:r>
+            <a:endParaRPr kumimoji="1" lang="ja-JP" altLang="en-US" sz="1600" b="1" dirty="0">
+              <a:solidFill>
+                <a:schemeClr val="bg1"/>
+              </a:solidFill>
+            </a:endParaRPr>
+          </a:p>
+        </p:txBody>
+      </p:sp>
     </p:spTree>
     <p:extLst>
       <p:ext uri="{BB962C8B-B14F-4D97-AF65-F5344CB8AC3E}">
@@ -24200,55 +25790,6 @@
       </p:grpSpPr>
       <p:sp>
         <p:nvSpPr>
-          <p:cNvPr id="5" name="タイトル 4">
-            <a:extLst>
-              <a:ext uri="{FF2B5EF4-FFF2-40B4-BE49-F238E27FC236}">
-                <a16:creationId xmlns:a16="http://schemas.microsoft.com/office/drawing/2014/main" id="{560C5BD5-1532-4087-ACF7-85710DC69FAA}"/>
-              </a:ext>
-            </a:extLst>
-          </p:cNvPr>
-          <p:cNvSpPr>
-            <a:spLocks noGrp="1"/>
-          </p:cNvSpPr>
-          <p:nvPr>
-            <p:ph type="title"/>
-          </p:nvPr>
-        </p:nvSpPr>
-        <p:spPr/>
-        <p:txBody>
-          <a:bodyPr/>
-          <a:lstStyle/>
-          <a:p>
-            <a:r>
-              <a:rPr lang="en-US" altLang="ja-JP" dirty="0"/>
-              <a:t>SoS</a:t>
-            </a:r>
-            <a:r>
-              <a:rPr lang="ja-JP" altLang="en-US" dirty="0"/>
-              <a:t>の分類（</a:t>
-            </a:r>
-            <a:r>
-              <a:rPr lang="en-US" altLang="ja-JP" dirty="0"/>
-              <a:t>Maier, </a:t>
-            </a:r>
-            <a:r>
-              <a:rPr lang="en-US" altLang="ja-JP" dirty="0" err="1"/>
-              <a:t>Dahmann</a:t>
-            </a:r>
-            <a:r>
-              <a:rPr lang="en-US" altLang="ja-JP" dirty="0"/>
-              <a:t> and K. Baldwin</a:t>
-            </a:r>
-            <a:r>
-              <a:rPr lang="ja-JP" altLang="en-US" dirty="0"/>
-              <a:t>）</a:t>
-            </a:r>
-            <a:endParaRPr lang="en-US" dirty="0"/>
-          </a:p>
-        </p:txBody>
-      </p:sp>
-      <p:sp>
-        <p:nvSpPr>
           <p:cNvPr id="3" name="スライド番号プレースホルダー 2">
             <a:extLst>
               <a:ext uri="{FF2B5EF4-FFF2-40B4-BE49-F238E27FC236}">
@@ -28618,6 +30159,149 @@
               <a:rPr kumimoji="1" lang="ja-JP" altLang="en-US" sz="1200" dirty="0"/>
               <a:t>下図は、熊谷が作成</a:t>
             </a:r>
+          </a:p>
+        </p:txBody>
+      </p:sp>
+      <p:sp>
+        <p:nvSpPr>
+          <p:cNvPr id="71" name="タイトル 1">
+            <a:extLst>
+              <a:ext uri="{FF2B5EF4-FFF2-40B4-BE49-F238E27FC236}">
+                <a16:creationId xmlns:a16="http://schemas.microsoft.com/office/drawing/2014/main" id="{3D75C8B4-640F-3345-C151-80AF423C653E}"/>
+              </a:ext>
+            </a:extLst>
+          </p:cNvPr>
+          <p:cNvSpPr txBox="1">
+            <a:spLocks/>
+          </p:cNvSpPr>
+          <p:nvPr/>
+        </p:nvSpPr>
+        <p:spPr>
+          <a:xfrm>
+            <a:off x="517055" y="241034"/>
+            <a:ext cx="11400125" cy="518094"/>
+          </a:xfrm>
+          <a:prstGeom prst="rect">
+            <a:avLst/>
+          </a:prstGeom>
+        </p:spPr>
+        <p:txBody>
+          <a:bodyPr vert="horz" lIns="91440" tIns="45720" rIns="91440" bIns="45720" rtlCol="0" anchor="ctr">
+            <a:normAutofit/>
+          </a:bodyPr>
+          <a:lstStyle>
+            <a:lvl1pPr algn="l" defTabSz="914400" rtl="0" eaLnBrk="1" latinLnBrk="0" hangingPunct="1">
+              <a:lnSpc>
+                <a:spcPct val="90000"/>
+              </a:lnSpc>
+              <a:spcBef>
+                <a:spcPct val="0"/>
+              </a:spcBef>
+              <a:buNone/>
+              <a:defRPr kumimoji="1" sz="2800" b="1" kern="1200">
+                <a:solidFill>
+                  <a:schemeClr val="bg1"/>
+                </a:solidFill>
+                <a:latin typeface="+mj-lt"/>
+                <a:ea typeface="+mj-ea"/>
+                <a:cs typeface="+mj-cs"/>
+              </a:defRPr>
+            </a:lvl1pPr>
+          </a:lstStyle>
+          <a:p>
+            <a:r>
+              <a:rPr lang="en-US" altLang="ja-JP" dirty="0"/>
+              <a:t>SoS</a:t>
+            </a:r>
+            <a:r>
+              <a:rPr lang="ja-JP" altLang="en-US" dirty="0"/>
+              <a:t>の分類（</a:t>
+            </a:r>
+            <a:r>
+              <a:rPr lang="en-US" altLang="ja-JP" dirty="0"/>
+              <a:t>Maier, </a:t>
+            </a:r>
+            <a:r>
+              <a:rPr lang="en-US" altLang="ja-JP" dirty="0" err="1"/>
+              <a:t>Dahmann</a:t>
+            </a:r>
+            <a:r>
+              <a:rPr lang="en-US" altLang="ja-JP" dirty="0"/>
+              <a:t> and K. Baldwin</a:t>
+            </a:r>
+            <a:r>
+              <a:rPr lang="ja-JP" altLang="en-US" dirty="0"/>
+              <a:t>）</a:t>
+            </a:r>
+            <a:endParaRPr lang="en-US" dirty="0"/>
+          </a:p>
+        </p:txBody>
+      </p:sp>
+      <p:sp>
+        <p:nvSpPr>
+          <p:cNvPr id="72" name="テキスト ボックス 71">
+            <a:extLst>
+              <a:ext uri="{FF2B5EF4-FFF2-40B4-BE49-F238E27FC236}">
+                <a16:creationId xmlns:a16="http://schemas.microsoft.com/office/drawing/2014/main" id="{43E9ED72-9E2A-862B-3F8A-E5AD8AC4236C}"/>
+              </a:ext>
+            </a:extLst>
+          </p:cNvPr>
+          <p:cNvSpPr txBox="1"/>
+          <p:nvPr/>
+        </p:nvSpPr>
+        <p:spPr>
+          <a:xfrm>
+            <a:off x="571984" y="-20412"/>
+            <a:ext cx="3682516" cy="338554"/>
+          </a:xfrm>
+          <a:prstGeom prst="rect">
+            <a:avLst/>
+          </a:prstGeom>
+          <a:noFill/>
+        </p:spPr>
+        <p:txBody>
+          <a:bodyPr wrap="square" rtlCol="0">
+            <a:spAutoFit/>
+          </a:bodyPr>
+          <a:lstStyle/>
+          <a:p>
+            <a:r>
+              <a:rPr lang="en-US" altLang="ja-JP" sz="1600" b="1" dirty="0">
+                <a:solidFill>
+                  <a:schemeClr val="bg1"/>
+                </a:solidFill>
+              </a:rPr>
+              <a:t>1. </a:t>
+            </a:r>
+            <a:r>
+              <a:rPr lang="ja-JP" altLang="en-US" sz="1600" b="1" dirty="0">
+                <a:solidFill>
+                  <a:schemeClr val="bg1"/>
+                </a:solidFill>
+              </a:rPr>
+              <a:t>一般的な</a:t>
+            </a:r>
+            <a:r>
+              <a:rPr lang="en-US" altLang="ja-JP" sz="1600" b="1" dirty="0">
+                <a:solidFill>
+                  <a:schemeClr val="bg1"/>
+                </a:solidFill>
+              </a:rPr>
+              <a:t>SoS</a:t>
+            </a:r>
+            <a:r>
+              <a:rPr lang="ja-JP" altLang="en-US" sz="1600" b="1" dirty="0">
+                <a:solidFill>
+                  <a:schemeClr val="bg1"/>
+                </a:solidFill>
+              </a:rPr>
+              <a:t>の定義・分類</a:t>
+            </a:r>
+            <a:endParaRPr kumimoji="1" lang="ja-JP" altLang="en-US" sz="1600" b="1" dirty="0">
+              <a:solidFill>
+                <a:schemeClr val="bg1"/>
+              </a:solidFill>
+            </a:endParaRPr>
           </a:p>
         </p:txBody>
       </p:sp>
@@ -28653,39 +30337,6 @@
       </p:grpSpPr>
       <p:sp>
         <p:nvSpPr>
-          <p:cNvPr id="5" name="タイトル 4">
-            <a:extLst>
-              <a:ext uri="{FF2B5EF4-FFF2-40B4-BE49-F238E27FC236}">
-                <a16:creationId xmlns:a16="http://schemas.microsoft.com/office/drawing/2014/main" id="{560C5BD5-1532-4087-ACF7-85710DC69FAA}"/>
-              </a:ext>
-            </a:extLst>
-          </p:cNvPr>
-          <p:cNvSpPr>
-            <a:spLocks noGrp="1"/>
-          </p:cNvSpPr>
-          <p:nvPr>
-            <p:ph type="title"/>
-          </p:nvPr>
-        </p:nvSpPr>
-        <p:spPr/>
-        <p:txBody>
-          <a:bodyPr/>
-          <a:lstStyle/>
-          <a:p>
-            <a:r>
-              <a:rPr lang="en-US" altLang="ja-JP" dirty="0"/>
-              <a:t>SoS</a:t>
-            </a:r>
-            <a:r>
-              <a:rPr lang="ja-JP" altLang="en-US" dirty="0"/>
-              <a:t>の各事例を分析する上での観点</a:t>
-            </a:r>
-            <a:endParaRPr lang="en-US" dirty="0"/>
-          </a:p>
-        </p:txBody>
-      </p:sp>
-      <p:sp>
-        <p:nvSpPr>
           <p:cNvPr id="3" name="スライド番号プレースホルダー 2">
             <a:extLst>
               <a:ext uri="{FF2B5EF4-FFF2-40B4-BE49-F238E27FC236}">
@@ -28899,6 +30550,117 @@
               <a:t>長期的には自身の利益に繋がるケースも含む</a:t>
             </a:r>
             <a:endParaRPr lang="en-US" altLang="ja-JP" sz="1800" dirty="0"/>
+          </a:p>
+        </p:txBody>
+      </p:sp>
+      <p:sp>
+        <p:nvSpPr>
+          <p:cNvPr id="2" name="タイトル 1">
+            <a:extLst>
+              <a:ext uri="{FF2B5EF4-FFF2-40B4-BE49-F238E27FC236}">
+                <a16:creationId xmlns:a16="http://schemas.microsoft.com/office/drawing/2014/main" id="{15D05F2C-12F0-66BE-70EF-556587DD14D3}"/>
+              </a:ext>
+            </a:extLst>
+          </p:cNvPr>
+          <p:cNvSpPr txBox="1">
+            <a:spLocks/>
+          </p:cNvSpPr>
+          <p:nvPr/>
+        </p:nvSpPr>
+        <p:spPr>
+          <a:xfrm>
+            <a:off x="517055" y="241034"/>
+            <a:ext cx="11400125" cy="518094"/>
+          </a:xfrm>
+          <a:prstGeom prst="rect">
+            <a:avLst/>
+          </a:prstGeom>
+        </p:spPr>
+        <p:txBody>
+          <a:bodyPr vert="horz" lIns="91440" tIns="45720" rIns="91440" bIns="45720" rtlCol="0" anchor="ctr">
+            <a:normAutofit/>
+          </a:bodyPr>
+          <a:lstStyle>
+            <a:lvl1pPr algn="l" defTabSz="914400" rtl="0" eaLnBrk="1" latinLnBrk="0" hangingPunct="1">
+              <a:lnSpc>
+                <a:spcPct val="90000"/>
+              </a:lnSpc>
+              <a:spcBef>
+                <a:spcPct val="0"/>
+              </a:spcBef>
+              <a:buNone/>
+              <a:defRPr kumimoji="1" sz="2800" b="1" kern="1200">
+                <a:solidFill>
+                  <a:schemeClr val="bg1"/>
+                </a:solidFill>
+                <a:latin typeface="+mj-lt"/>
+                <a:ea typeface="+mj-ea"/>
+                <a:cs typeface="+mj-cs"/>
+              </a:defRPr>
+            </a:lvl1pPr>
+          </a:lstStyle>
+          <a:p>
+            <a:r>
+              <a:rPr lang="en-US" altLang="ja-JP" dirty="0"/>
+              <a:t>SoS</a:t>
+            </a:r>
+            <a:r>
+              <a:rPr lang="ja-JP" altLang="en-US" dirty="0"/>
+              <a:t>事例分析のポイント</a:t>
+            </a:r>
+            <a:endParaRPr lang="en-US" dirty="0"/>
+          </a:p>
+        </p:txBody>
+      </p:sp>
+      <p:sp>
+        <p:nvSpPr>
+          <p:cNvPr id="4" name="テキスト ボックス 3">
+            <a:extLst>
+              <a:ext uri="{FF2B5EF4-FFF2-40B4-BE49-F238E27FC236}">
+                <a16:creationId xmlns:a16="http://schemas.microsoft.com/office/drawing/2014/main" id="{E9F79C85-35C0-1C0D-C231-28EBF0377DBB}"/>
+              </a:ext>
+            </a:extLst>
+          </p:cNvPr>
+          <p:cNvSpPr txBox="1"/>
+          <p:nvPr/>
+        </p:nvSpPr>
+        <p:spPr>
+          <a:xfrm>
+            <a:off x="571984" y="-20412"/>
+            <a:ext cx="3682516" cy="338554"/>
+          </a:xfrm>
+          <a:prstGeom prst="rect">
+            <a:avLst/>
+          </a:prstGeom>
+          <a:noFill/>
+        </p:spPr>
+        <p:txBody>
+          <a:bodyPr wrap="square" rtlCol="0">
+            <a:spAutoFit/>
+          </a:bodyPr>
+          <a:lstStyle/>
+          <a:p>
+            <a:r>
+              <a:rPr lang="en-US" altLang="ja-JP" sz="1600" b="1" dirty="0">
+                <a:solidFill>
+                  <a:schemeClr val="bg1"/>
+                </a:solidFill>
+              </a:rPr>
+              <a:t>2. SoS</a:t>
+            </a:r>
+            <a:r>
+              <a:rPr lang="ja-JP" altLang="en-US" sz="1600" b="1" dirty="0">
+                <a:solidFill>
+                  <a:schemeClr val="bg1"/>
+                </a:solidFill>
+              </a:rPr>
+              <a:t>の事例分析・分類</a:t>
+            </a:r>
+            <a:endParaRPr kumimoji="1" lang="ja-JP" altLang="en-US" sz="1600" b="1" dirty="0">
+              <a:solidFill>
+                <a:schemeClr val="bg1"/>
+              </a:solidFill>
+            </a:endParaRPr>
           </a:p>
         </p:txBody>
       </p:sp>
@@ -28934,39 +30696,6 @@
       </p:grpSpPr>
       <p:sp>
         <p:nvSpPr>
-          <p:cNvPr id="5" name="タイトル 4">
-            <a:extLst>
-              <a:ext uri="{FF2B5EF4-FFF2-40B4-BE49-F238E27FC236}">
-                <a16:creationId xmlns:a16="http://schemas.microsoft.com/office/drawing/2014/main" id="{560C5BD5-1532-4087-ACF7-85710DC69FAA}"/>
-              </a:ext>
-            </a:extLst>
-          </p:cNvPr>
-          <p:cNvSpPr>
-            <a:spLocks noGrp="1"/>
-          </p:cNvSpPr>
-          <p:nvPr>
-            <p:ph type="title"/>
-          </p:nvPr>
-        </p:nvSpPr>
-        <p:spPr/>
-        <p:txBody>
-          <a:bodyPr/>
-          <a:lstStyle/>
-          <a:p>
-            <a:r>
-              <a:rPr lang="en-US" altLang="ja-JP" dirty="0"/>
-              <a:t>SoS</a:t>
-            </a:r>
-            <a:r>
-              <a:rPr lang="ja-JP" altLang="en-US" dirty="0"/>
-              <a:t>の分類軸</a:t>
-            </a:r>
-            <a:endParaRPr lang="en-US" dirty="0"/>
-          </a:p>
-        </p:txBody>
-      </p:sp>
-      <p:sp>
-        <p:nvSpPr>
           <p:cNvPr id="3" name="スライド番号プレースホルダー 2">
             <a:extLst>
               <a:ext uri="{FF2B5EF4-FFF2-40B4-BE49-F238E27FC236}">
@@ -30040,6 +31769,117 @@
               <a:t>相互関係</a:t>
             </a:r>
             <a:endParaRPr kumimoji="1" lang="en-US" altLang="ja-JP" sz="1600" b="1" dirty="0">
+              <a:solidFill>
+                <a:schemeClr val="bg1"/>
+              </a:solidFill>
+            </a:endParaRPr>
+          </a:p>
+        </p:txBody>
+      </p:sp>
+      <p:sp>
+        <p:nvSpPr>
+          <p:cNvPr id="4" name="タイトル 1">
+            <a:extLst>
+              <a:ext uri="{FF2B5EF4-FFF2-40B4-BE49-F238E27FC236}">
+                <a16:creationId xmlns:a16="http://schemas.microsoft.com/office/drawing/2014/main" id="{332D4200-111A-5D0F-6209-CEE703DBD446}"/>
+              </a:ext>
+            </a:extLst>
+          </p:cNvPr>
+          <p:cNvSpPr txBox="1">
+            <a:spLocks/>
+          </p:cNvSpPr>
+          <p:nvPr/>
+        </p:nvSpPr>
+        <p:spPr>
+          <a:xfrm>
+            <a:off x="517055" y="241034"/>
+            <a:ext cx="11400125" cy="518094"/>
+          </a:xfrm>
+          <a:prstGeom prst="rect">
+            <a:avLst/>
+          </a:prstGeom>
+        </p:spPr>
+        <p:txBody>
+          <a:bodyPr vert="horz" lIns="91440" tIns="45720" rIns="91440" bIns="45720" rtlCol="0" anchor="ctr">
+            <a:normAutofit/>
+          </a:bodyPr>
+          <a:lstStyle>
+            <a:lvl1pPr algn="l" defTabSz="914400" rtl="0" eaLnBrk="1" latinLnBrk="0" hangingPunct="1">
+              <a:lnSpc>
+                <a:spcPct val="90000"/>
+              </a:lnSpc>
+              <a:spcBef>
+                <a:spcPct val="0"/>
+              </a:spcBef>
+              <a:buNone/>
+              <a:defRPr kumimoji="1" sz="2800" b="1" kern="1200">
+                <a:solidFill>
+                  <a:schemeClr val="bg1"/>
+                </a:solidFill>
+                <a:latin typeface="+mj-lt"/>
+                <a:ea typeface="+mj-ea"/>
+                <a:cs typeface="+mj-cs"/>
+              </a:defRPr>
+            </a:lvl1pPr>
+          </a:lstStyle>
+          <a:p>
+            <a:r>
+              <a:rPr lang="en-US" altLang="ja-JP" dirty="0"/>
+              <a:t>SoS</a:t>
+            </a:r>
+            <a:r>
+              <a:rPr lang="ja-JP" altLang="en-US" dirty="0"/>
+              <a:t>の分類軸の案</a:t>
+            </a:r>
+            <a:endParaRPr lang="en-US" dirty="0"/>
+          </a:p>
+        </p:txBody>
+      </p:sp>
+      <p:sp>
+        <p:nvSpPr>
+          <p:cNvPr id="6" name="テキスト ボックス 5">
+            <a:extLst>
+              <a:ext uri="{FF2B5EF4-FFF2-40B4-BE49-F238E27FC236}">
+                <a16:creationId xmlns:a16="http://schemas.microsoft.com/office/drawing/2014/main" id="{546059E0-7732-0A30-4CF4-2F09C37A7B2D}"/>
+              </a:ext>
+            </a:extLst>
+          </p:cNvPr>
+          <p:cNvSpPr txBox="1"/>
+          <p:nvPr/>
+        </p:nvSpPr>
+        <p:spPr>
+          <a:xfrm>
+            <a:off x="571984" y="-20412"/>
+            <a:ext cx="3682516" cy="338554"/>
+          </a:xfrm>
+          <a:prstGeom prst="rect">
+            <a:avLst/>
+          </a:prstGeom>
+          <a:noFill/>
+        </p:spPr>
+        <p:txBody>
+          <a:bodyPr wrap="square" rtlCol="0">
+            <a:spAutoFit/>
+          </a:bodyPr>
+          <a:lstStyle/>
+          <a:p>
+            <a:r>
+              <a:rPr lang="en-US" altLang="ja-JP" sz="1600" b="1" dirty="0">
+                <a:solidFill>
+                  <a:schemeClr val="bg1"/>
+                </a:solidFill>
+              </a:rPr>
+              <a:t>2. SoS</a:t>
+            </a:r>
+            <a:r>
+              <a:rPr lang="ja-JP" altLang="en-US" sz="1600" b="1" dirty="0">
+                <a:solidFill>
+                  <a:schemeClr val="bg1"/>
+                </a:solidFill>
+              </a:rPr>
+              <a:t>の事例分析・分類</a:t>
+            </a:r>
+            <a:endParaRPr kumimoji="1" lang="ja-JP" altLang="en-US" sz="1600" b="1" dirty="0">
               <a:solidFill>
                 <a:schemeClr val="bg1"/>
               </a:solidFill>

--- a/SoS/230825_SoS分科会第6回進め方のご相談_rev.0.pptx
+++ b/SoS/230825_SoS分科会第6回進め方のご相談_rev.0.pptx
@@ -214,7 +214,7 @@
           <a:p>
             <a:fld id="{82150B36-03E6-4D3A-8098-12EB1C30C067}" type="datetimeFigureOut">
               <a:rPr kumimoji="1" lang="ja-JP" altLang="en-US" smtClean="0"/>
-              <a:t>2023/8/23</a:t>
+              <a:t>2023/8/24</a:t>
             </a:fld>
             <a:endParaRPr kumimoji="1" lang="ja-JP" altLang="en-US"/>
           </a:p>
@@ -14409,7 +14409,7 @@
         </p:nvSpPr>
         <p:spPr>
           <a:xfrm>
-            <a:off x="4823679" y="2689868"/>
+            <a:off x="4823679" y="2557808"/>
             <a:ext cx="977625" cy="307777"/>
           </a:xfrm>
           <a:prstGeom prst="rect">
@@ -15759,14 +15759,12 @@
           </p:cNvPr>
           <p:cNvCxnSpPr>
             <a:cxnSpLocks/>
-            <a:stCxn id="54" idx="3"/>
-            <a:endCxn id="13" idx="1"/>
           </p:cNvCxnSpPr>
           <p:nvPr/>
         </p:nvCxnSpPr>
         <p:spPr>
           <a:xfrm>
-            <a:off x="4645751" y="3061411"/>
+            <a:off x="4645751" y="2928061"/>
             <a:ext cx="1277008" cy="118160"/>
           </a:xfrm>
           <a:prstGeom prst="bentConnector3">
@@ -15905,6 +15903,89 @@
                 <a:schemeClr val="bg1"/>
               </a:solidFill>
             </a:endParaRPr>
+          </a:p>
+        </p:txBody>
+      </p:sp>
+      <p:cxnSp>
+        <p:nvCxnSpPr>
+          <p:cNvPr id="5" name="コネクタ: カギ線 4">
+            <a:extLst>
+              <a:ext uri="{FF2B5EF4-FFF2-40B4-BE49-F238E27FC236}">
+                <a16:creationId xmlns:a16="http://schemas.microsoft.com/office/drawing/2014/main" id="{3BD59C7C-0C2A-9943-F306-9E9A63546450}"/>
+              </a:ext>
+            </a:extLst>
+          </p:cNvPr>
+          <p:cNvCxnSpPr>
+            <a:cxnSpLocks/>
+          </p:cNvCxnSpPr>
+          <p:nvPr/>
+        </p:nvCxnSpPr>
+        <p:spPr>
+          <a:xfrm rot="10800000">
+            <a:off x="4645752" y="3190876"/>
+            <a:ext cx="1277007" cy="104773"/>
+          </a:xfrm>
+          <a:prstGeom prst="bentConnector3">
+            <a:avLst>
+              <a:gd name="adj1" fmla="val 50000"/>
+            </a:avLst>
+          </a:prstGeom>
+          <a:ln w="38100">
+            <a:solidFill>
+              <a:schemeClr val="accent2"/>
+            </a:solidFill>
+            <a:headEnd type="none" w="med" len="med"/>
+            <a:tailEnd type="triangle"/>
+          </a:ln>
+        </p:spPr>
+        <p:style>
+          <a:lnRef idx="1">
+            <a:schemeClr val="accent1"/>
+          </a:lnRef>
+          <a:fillRef idx="0">
+            <a:schemeClr val="accent1"/>
+          </a:fillRef>
+          <a:effectRef idx="0">
+            <a:schemeClr val="accent1"/>
+          </a:effectRef>
+          <a:fontRef idx="minor">
+            <a:schemeClr val="tx1"/>
+          </a:fontRef>
+        </p:style>
+      </p:cxnSp>
+      <p:sp>
+        <p:nvSpPr>
+          <p:cNvPr id="15" name="テキスト ボックス 14">
+            <a:extLst>
+              <a:ext uri="{FF2B5EF4-FFF2-40B4-BE49-F238E27FC236}">
+                <a16:creationId xmlns:a16="http://schemas.microsoft.com/office/drawing/2014/main" id="{8D4DE07D-C623-E9C3-8883-13D2DFA90AAC}"/>
+              </a:ext>
+            </a:extLst>
+          </p:cNvPr>
+          <p:cNvSpPr txBox="1"/>
+          <p:nvPr/>
+        </p:nvSpPr>
+        <p:spPr>
+          <a:xfrm>
+            <a:off x="4832296" y="3378601"/>
+            <a:ext cx="977625" cy="307777"/>
+          </a:xfrm>
+          <a:prstGeom prst="rect">
+            <a:avLst/>
+          </a:prstGeom>
+          <a:noFill/>
+        </p:spPr>
+        <p:txBody>
+          <a:bodyPr wrap="square" rtlCol="0">
+            <a:spAutoFit/>
+          </a:bodyPr>
+          <a:lstStyle/>
+          <a:p>
+            <a:pPr algn="ctr"/>
+            <a:r>
+              <a:rPr kumimoji="1" lang="ja-JP" altLang="en-US" sz="1400" dirty="0"/>
+              <a:t>運転ダイヤ</a:t>
+            </a:r>
           </a:p>
         </p:txBody>
       </p:sp>
@@ -24221,6 +24302,34 @@
               <a:rPr lang="en-US" altLang="ja-JP" sz="2800" dirty="0"/>
               <a:t>[2, 3]</a:t>
             </a:r>
+          </a:p>
+          <a:p>
+            <a:pPr lvl="1"/>
+            <a:r>
+              <a:rPr lang="ja-JP" altLang="en-US" sz="2400" dirty="0"/>
+              <a:t>提案者</a:t>
+            </a:r>
+            <a:r>
+              <a:rPr lang="en-US" altLang="ja-JP" sz="2400" dirty="0"/>
+              <a:t>Maier</a:t>
+            </a:r>
+            <a:r>
+              <a:rPr lang="ja-JP" altLang="en-US" sz="2400" dirty="0"/>
+              <a:t>による定義</a:t>
+            </a:r>
+            <a:endParaRPr lang="en-US" altLang="ja-JP" sz="2400" dirty="0"/>
+          </a:p>
+          <a:p>
+            <a:pPr lvl="1"/>
+            <a:r>
+              <a:rPr lang="en-US" altLang="ja-JP" sz="2400" dirty="0"/>
+              <a:t>INCOSE(The international Council on Systems Engineering)</a:t>
+            </a:r>
+            <a:r>
+              <a:rPr lang="ja-JP" altLang="en-US" sz="2400" dirty="0"/>
+              <a:t>による定義</a:t>
+            </a:r>
+            <a:endParaRPr lang="en-US" altLang="ja-JP" sz="2400" dirty="0"/>
           </a:p>
           <a:p>
             <a:r>
